--- a/Docs/Gestion des accès au bâtiment.pptx
+++ b/Docs/Gestion des accès au bâtiment.pptx
@@ -5,18 +5,24 @@
     <p:sldMasterId id="2147483648" r:id="rId4"/>
   </p:sldMasterIdLst>
   <p:notesMasterIdLst>
-    <p:notesMasterId r:id="rId11"/>
+    <p:notesMasterId r:id="rId17"/>
   </p:notesMasterIdLst>
   <p:handoutMasterIdLst>
-    <p:handoutMasterId r:id="rId12"/>
+    <p:handoutMasterId r:id="rId18"/>
   </p:handoutMasterIdLst>
   <p:sldIdLst>
     <p:sldId id="281" r:id="rId5"/>
     <p:sldId id="297" r:id="rId6"/>
     <p:sldId id="257" r:id="rId7"/>
     <p:sldId id="283" r:id="rId8"/>
-    <p:sldId id="295" r:id="rId9"/>
-    <p:sldId id="256" r:id="rId10"/>
+    <p:sldId id="298" r:id="rId9"/>
+    <p:sldId id="300" r:id="rId10"/>
+    <p:sldId id="301" r:id="rId11"/>
+    <p:sldId id="302" r:id="rId12"/>
+    <p:sldId id="303" r:id="rId13"/>
+    <p:sldId id="299" r:id="rId14"/>
+    <p:sldId id="295" r:id="rId15"/>
+    <p:sldId id="256" r:id="rId16"/>
   </p:sldIdLst>
   <p:sldSz cx="12192000" cy="6858000"/>
   <p:notesSz cx="6858000" cy="9144000"/>
@@ -1022,7 +1028,7 @@
             <a:pPr rtl="0"/>
             <a:fld id="{6BF82289-BCFD-4053-9D06-A9140C63A457}" type="slidenum">
               <a:rPr lang="fr-FR" smtClean="0"/>
-              <a:t>5</a:t>
+              <a:t>11</a:t>
             </a:fld>
             <a:endParaRPr lang="fr-FR"/>
           </a:p>
@@ -1108,7 +1114,7 @@
             <a:pPr rtl="0"/>
             <a:fld id="{6BF82289-BCFD-4053-9D06-A9140C63A457}" type="slidenum">
               <a:rPr lang="fr-FR" smtClean="0"/>
-              <a:t>6</a:t>
+              <a:t>12</a:t>
             </a:fld>
             <a:endParaRPr lang="fr-FR"/>
           </a:p>
@@ -10382,7 +10388,7 @@
 </p:sld>
 </file>
 
-<file path=ppt/slides/slide2.xml><?xml version="1.0" encoding="utf-8"?>
+<file path=ppt/slides/slide10.xml><?xml version="1.0" encoding="utf-8"?>
 <p:sld xmlns:a="http://schemas.openxmlformats.org/drawingml/2006/main" xmlns:r="http://schemas.openxmlformats.org/officeDocument/2006/relationships" xmlns:p="http://schemas.openxmlformats.org/presentationml/2006/main">
   <p:cSld>
     <p:spTree>
@@ -10401,10 +10407,10 @@
       </p:grpSpPr>
       <p:sp>
         <p:nvSpPr>
-          <p:cNvPr id="2" name="Titre 1">
-            <a:extLst>
-              <a:ext uri="{FF2B5EF4-FFF2-40B4-BE49-F238E27FC236}">
-                <a16:creationId xmlns:a16="http://schemas.microsoft.com/office/drawing/2014/main" id="{13ADE574-348A-4178-F52B-58D380802F92}"/>
+          <p:cNvPr id="2" name="Espace réservé pour une image  1">
+            <a:extLst>
+              <a:ext uri="{FF2B5EF4-FFF2-40B4-BE49-F238E27FC236}">
+                <a16:creationId xmlns:a16="http://schemas.microsoft.com/office/drawing/2014/main" id="{CEE6C035-8F9A-9921-CAA9-48F1FAE17402}"/>
               </a:ext>
             </a:extLst>
           </p:cNvPr>
@@ -10412,7 +10418,25 @@
             <a:spLocks noGrp="1"/>
           </p:cNvSpPr>
           <p:nvPr>
-            <p:ph type="title"/>
+            <p:ph type="pic" sz="quarter" idx="10"/>
+          </p:nvPr>
+        </p:nvSpPr>
+        <p:spPr/>
+      </p:sp>
+      <p:sp>
+        <p:nvSpPr>
+          <p:cNvPr id="3" name="Titre 2">
+            <a:extLst>
+              <a:ext uri="{FF2B5EF4-FFF2-40B4-BE49-F238E27FC236}">
+                <a16:creationId xmlns:a16="http://schemas.microsoft.com/office/drawing/2014/main" id="{714EB4A1-F86C-D8B3-DB71-21F5533E4D96}"/>
+              </a:ext>
+            </a:extLst>
+          </p:cNvPr>
+          <p:cNvSpPr>
+            <a:spLocks noGrp="1"/>
+          </p:cNvSpPr>
+          <p:nvPr>
+            <p:ph type="ctrTitle"/>
           </p:nvPr>
         </p:nvSpPr>
         <p:spPr/>
@@ -10420,19 +10444,16 @@
           <a:bodyPr/>
           <a:lstStyle/>
           <a:p>
-            <a:r>
-              <a:rPr lang="fr-FR" sz="4000" dirty="0"/>
-              <a:t>Sommaire</a:t>
-            </a:r>
-          </a:p>
-        </p:txBody>
-      </p:sp>
-      <p:sp>
-        <p:nvSpPr>
-          <p:cNvPr id="3" name="Espace réservé du contenu 2">
-            <a:extLst>
-              <a:ext uri="{FF2B5EF4-FFF2-40B4-BE49-F238E27FC236}">
-                <a16:creationId xmlns:a16="http://schemas.microsoft.com/office/drawing/2014/main" id="{EAB1D07C-79D9-933D-9D37-DE93FD7E126B}"/>
+            <a:endParaRPr lang="fr-FR"/>
+          </a:p>
+        </p:txBody>
+      </p:sp>
+      <p:sp>
+        <p:nvSpPr>
+          <p:cNvPr id="4" name="Sous-titre 3">
+            <a:extLst>
+              <a:ext uri="{FF2B5EF4-FFF2-40B4-BE49-F238E27FC236}">
+                <a16:creationId xmlns:a16="http://schemas.microsoft.com/office/drawing/2014/main" id="{4282A136-35A6-F764-D70A-4C476EE04F11}"/>
               </a:ext>
             </a:extLst>
           </p:cNvPr>
@@ -10440,100 +10461,22 @@
             <a:spLocks noGrp="1"/>
           </p:cNvSpPr>
           <p:nvPr>
-            <p:ph idx="1"/>
+            <p:ph type="subTitle" idx="1"/>
           </p:nvPr>
         </p:nvSpPr>
         <p:spPr/>
         <p:txBody>
-          <a:bodyPr>
-            <a:normAutofit lnSpcReduction="10000"/>
-          </a:bodyPr>
+          <a:bodyPr/>
           <a:lstStyle/>
           <a:p>
-            <a:r>
-              <a:rPr lang="fr-FR" dirty="0"/>
-              <a:t>Résumé du projet</a:t>
-            </a:r>
-          </a:p>
-          <a:p>
-            <a:r>
-              <a:rPr lang="fr-FR" dirty="0"/>
-              <a:t>Diagrammes</a:t>
-            </a:r>
-          </a:p>
-          <a:p>
-            <a:r>
-              <a:rPr lang="fr-FR" dirty="0"/>
-              <a:t>Gestion du projet</a:t>
-            </a:r>
-          </a:p>
-          <a:p>
-            <a:r>
-              <a:rPr lang="fr-FR" dirty="0"/>
-              <a:t>Gestion des accès au campus</a:t>
-            </a:r>
-          </a:p>
-          <a:p>
-            <a:pPr lvl="1"/>
-            <a:r>
-              <a:rPr lang="fr-FR" dirty="0"/>
-              <a:t>Récupération des adresses MAC  </a:t>
-            </a:r>
-          </a:p>
-          <a:p>
-            <a:pPr lvl="1"/>
-            <a:r>
-              <a:rPr lang="fr-FR" dirty="0"/>
-              <a:t>Publication des données avec MQTT</a:t>
-            </a:r>
-          </a:p>
-          <a:p>
-            <a:pPr lvl="1"/>
-            <a:r>
-              <a:rPr lang="fr-FR" dirty="0"/>
-              <a:t>Sauvegarde des données sur la BDD</a:t>
-            </a:r>
-          </a:p>
-          <a:p>
-            <a:r>
-              <a:rPr lang="fr-FR" dirty="0"/>
-              <a:t>Gestion des accès au </a:t>
-            </a:r>
-            <a:r>
-              <a:rPr lang="fr-FR" dirty="0" err="1"/>
-              <a:t>batiment</a:t>
-            </a:r>
-            <a:endParaRPr lang="fr-FR" dirty="0"/>
-          </a:p>
-          <a:p>
-            <a:pPr lvl="1"/>
-            <a:endParaRPr lang="fr-FR" dirty="0"/>
-          </a:p>
-          <a:p>
-            <a:r>
-              <a:rPr lang="fr-FR" dirty="0"/>
-              <a:t>Gestion des accès aux salles</a:t>
-            </a:r>
-          </a:p>
-          <a:p>
-            <a:pPr lvl="1"/>
-            <a:endParaRPr lang="fr-FR" dirty="0"/>
-          </a:p>
-          <a:p>
-            <a:endParaRPr lang="fr-FR" dirty="0"/>
-          </a:p>
-          <a:p>
-            <a:endParaRPr lang="fr-FR" dirty="0"/>
-          </a:p>
-          <a:p>
-            <a:endParaRPr lang="fr-FR" dirty="0"/>
+            <a:endParaRPr lang="fr-FR"/>
           </a:p>
         </p:txBody>
       </p:sp>
     </p:spTree>
     <p:extLst>
       <p:ext uri="{BB962C8B-B14F-4D97-AF65-F5344CB8AC3E}">
-        <p14:creationId xmlns:p14="http://schemas.microsoft.com/office/powerpoint/2010/main" val="2424550590"/>
+        <p14:creationId xmlns:p14="http://schemas.microsoft.com/office/powerpoint/2010/main" val="3640759210"/>
       </p:ext>
     </p:extLst>
   </p:cSld>
@@ -10543,1768 +10486,7 @@
 </p:sld>
 </file>
 
-<file path=ppt/slides/slide3.xml><?xml version="1.0" encoding="utf-8"?>
-<p:sld xmlns:a="http://schemas.openxmlformats.org/drawingml/2006/main" xmlns:r="http://schemas.openxmlformats.org/officeDocument/2006/relationships" xmlns:p="http://schemas.openxmlformats.org/presentationml/2006/main">
-  <p:cSld>
-    <p:spTree>
-      <p:nvGrpSpPr>
-        <p:cNvPr id="1" name=""/>
-        <p:cNvGrpSpPr/>
-        <p:nvPr/>
-      </p:nvGrpSpPr>
-      <p:grpSpPr>
-        <a:xfrm>
-          <a:off x="0" y="0"/>
-          <a:ext cx="0" cy="0"/>
-          <a:chOff x="0" y="0"/>
-          <a:chExt cx="0" cy="0"/>
-        </a:xfrm>
-      </p:grpSpPr>
-      <p:pic>
-        <p:nvPicPr>
-          <p:cNvPr id="7" name="Espace réservé d’image 6">
-            <a:extLst>
-              <a:ext uri="{FF2B5EF4-FFF2-40B4-BE49-F238E27FC236}">
-                <a16:creationId xmlns:a16="http://schemas.microsoft.com/office/drawing/2014/main" id="{3C2A7DCB-B005-424A-8446-ACA533D0BC8B}"/>
-              </a:ext>
-            </a:extLst>
-          </p:cNvPr>
-          <p:cNvPicPr>
-            <a:picLocks noGrp="1" noChangeAspect="1"/>
-          </p:cNvPicPr>
-          <p:nvPr>
-            <p:ph type="pic" sz="quarter" idx="10"/>
-          </p:nvPr>
-        </p:nvPicPr>
-        <p:blipFill rotWithShape="1">
-          <a:blip r:embed="rId3"/>
-          <a:srcRect r="19888"/>
-          <a:stretch/>
-        </p:blipFill>
-        <p:spPr>
-          <a:xfrm>
-            <a:off x="6836877" y="1467"/>
-            <a:ext cx="5355123" cy="6865749"/>
-          </a:xfrm>
-        </p:spPr>
-      </p:pic>
-      <p:grpSp>
-        <p:nvGrpSpPr>
-          <p:cNvPr id="11" name="Groupe 10">
-            <a:extLst>
-              <a:ext uri="{FF2B5EF4-FFF2-40B4-BE49-F238E27FC236}">
-                <a16:creationId xmlns:a16="http://schemas.microsoft.com/office/drawing/2014/main" id="{AB025618-C830-4992-9CD3-D9E49BC79E67}"/>
-              </a:ext>
-              <a:ext uri="{C183D7F6-B498-43B3-948B-1728B52AA6E4}">
-                <adec:decorative xmlns:adec="http://schemas.microsoft.com/office/drawing/2017/decorative" val="1"/>
-              </a:ext>
-            </a:extLst>
-          </p:cNvPr>
-          <p:cNvGrpSpPr/>
-          <p:nvPr/>
-        </p:nvGrpSpPr>
-        <p:grpSpPr>
-          <a:xfrm>
-            <a:off x="2595847" y="0"/>
-            <a:ext cx="7388298" cy="6858000"/>
-            <a:chOff x="1826589" y="0"/>
-            <a:chExt cx="7388298" cy="6858000"/>
-          </a:xfrm>
-        </p:grpSpPr>
-        <p:sp>
-          <p:nvSpPr>
-            <p:cNvPr id="10" name="Parallélogramme 9">
-              <a:extLst>
-                <a:ext uri="{FF2B5EF4-FFF2-40B4-BE49-F238E27FC236}">
-                  <a16:creationId xmlns:a16="http://schemas.microsoft.com/office/drawing/2014/main" id="{11E692D4-6AEA-4652-A7AE-A02328258A55}"/>
-                </a:ext>
-              </a:extLst>
-            </p:cNvPr>
-            <p:cNvSpPr/>
-            <p:nvPr/>
-          </p:nvSpPr>
-          <p:spPr>
-            <a:xfrm>
-              <a:off x="2618099" y="0"/>
-              <a:ext cx="6596788" cy="6858000"/>
-            </a:xfrm>
-            <a:prstGeom prst="parallelogram">
-              <a:avLst/>
-            </a:prstGeom>
-            <a:solidFill>
-              <a:schemeClr val="bg1">
-                <a:alpha val="82000"/>
-              </a:schemeClr>
-            </a:solidFill>
-            <a:ln>
-              <a:noFill/>
-            </a:ln>
-          </p:spPr>
-          <p:style>
-            <a:lnRef idx="2">
-              <a:schemeClr val="accent1">
-                <a:shade val="50000"/>
-              </a:schemeClr>
-            </a:lnRef>
-            <a:fillRef idx="1">
-              <a:schemeClr val="accent1"/>
-            </a:fillRef>
-            <a:effectRef idx="0">
-              <a:schemeClr val="accent1"/>
-            </a:effectRef>
-            <a:fontRef idx="minor">
-              <a:schemeClr val="lt1"/>
-            </a:fontRef>
-          </p:style>
-          <p:txBody>
-            <a:bodyPr rtlCol="0" anchor="ctr"/>
-            <a:lstStyle/>
-            <a:p>
-              <a:pPr algn="ctr" rtl="0"/>
-              <a:endParaRPr lang="fr-FR"/>
-            </a:p>
-          </p:txBody>
-        </p:sp>
-        <p:sp>
-          <p:nvSpPr>
-            <p:cNvPr id="9" name="Parallélogramme 8">
-              <a:extLst>
-                <a:ext uri="{FF2B5EF4-FFF2-40B4-BE49-F238E27FC236}">
-                  <a16:creationId xmlns:a16="http://schemas.microsoft.com/office/drawing/2014/main" id="{A134AA32-2418-4A09-9BA8-ED7207AC0D74}"/>
-                </a:ext>
-              </a:extLst>
-            </p:cNvPr>
-            <p:cNvSpPr/>
-            <p:nvPr/>
-          </p:nvSpPr>
-          <p:spPr>
-            <a:xfrm>
-              <a:off x="2340861" y="0"/>
-              <a:ext cx="6596788" cy="6858000"/>
-            </a:xfrm>
-            <a:prstGeom prst="parallelogram">
-              <a:avLst/>
-            </a:prstGeom>
-            <a:solidFill>
-              <a:schemeClr val="bg1">
-                <a:alpha val="61000"/>
-              </a:schemeClr>
-            </a:solidFill>
-            <a:ln>
-              <a:noFill/>
-            </a:ln>
-          </p:spPr>
-          <p:style>
-            <a:lnRef idx="2">
-              <a:schemeClr val="accent1">
-                <a:shade val="50000"/>
-              </a:schemeClr>
-            </a:lnRef>
-            <a:fillRef idx="1">
-              <a:schemeClr val="accent1"/>
-            </a:fillRef>
-            <a:effectRef idx="0">
-              <a:schemeClr val="accent1"/>
-            </a:effectRef>
-            <a:fontRef idx="minor">
-              <a:schemeClr val="lt1"/>
-            </a:fontRef>
-          </p:style>
-          <p:txBody>
-            <a:bodyPr rtlCol="0" anchor="ctr"/>
-            <a:lstStyle/>
-            <a:p>
-              <a:pPr algn="ctr" rtl="0"/>
-              <a:endParaRPr lang="fr-FR"/>
-            </a:p>
-          </p:txBody>
-        </p:sp>
-        <p:sp>
-          <p:nvSpPr>
-            <p:cNvPr id="22" name="Parallélogramme 21">
-              <a:extLst>
-                <a:ext uri="{FF2B5EF4-FFF2-40B4-BE49-F238E27FC236}">
-                  <a16:creationId xmlns:a16="http://schemas.microsoft.com/office/drawing/2014/main" id="{0051AD99-BC4A-487F-BE1C-486FC5B8E9F2}"/>
-                </a:ext>
-              </a:extLst>
-            </p:cNvPr>
-            <p:cNvSpPr/>
-            <p:nvPr/>
-          </p:nvSpPr>
-          <p:spPr>
-            <a:xfrm>
-              <a:off x="1826589" y="0"/>
-              <a:ext cx="6596788" cy="6858000"/>
-            </a:xfrm>
-            <a:prstGeom prst="parallelogram">
-              <a:avLst/>
-            </a:prstGeom>
-            <a:solidFill>
-              <a:schemeClr val="bg1">
-                <a:alpha val="84000"/>
-              </a:schemeClr>
-            </a:solidFill>
-            <a:ln>
-              <a:noFill/>
-            </a:ln>
-          </p:spPr>
-          <p:style>
-            <a:lnRef idx="2">
-              <a:schemeClr val="accent1">
-                <a:shade val="50000"/>
-              </a:schemeClr>
-            </a:lnRef>
-            <a:fillRef idx="1">
-              <a:schemeClr val="accent1"/>
-            </a:fillRef>
-            <a:effectRef idx="0">
-              <a:schemeClr val="accent1"/>
-            </a:effectRef>
-            <a:fontRef idx="minor">
-              <a:schemeClr val="lt1"/>
-            </a:fontRef>
-          </p:style>
-          <p:txBody>
-            <a:bodyPr rtlCol="0" anchor="ctr"/>
-            <a:lstStyle/>
-            <a:p>
-              <a:pPr algn="ctr" rtl="0"/>
-              <a:endParaRPr lang="fr-FR" dirty="0"/>
-            </a:p>
-          </p:txBody>
-        </p:sp>
-      </p:grpSp>
-      <p:sp>
-        <p:nvSpPr>
-          <p:cNvPr id="4" name="Titre 3" descr="Titre">
-            <a:extLst>
-              <a:ext uri="{FF2B5EF4-FFF2-40B4-BE49-F238E27FC236}">
-                <a16:creationId xmlns:a16="http://schemas.microsoft.com/office/drawing/2014/main" id="{DFF36EE7-AE57-42F4-ACA9-A328C1F4EA02}"/>
-              </a:ext>
-            </a:extLst>
-          </p:cNvPr>
-          <p:cNvSpPr>
-            <a:spLocks noGrp="1"/>
-          </p:cNvSpPr>
-          <p:nvPr>
-            <p:ph type="title"/>
-          </p:nvPr>
-        </p:nvSpPr>
-        <p:spPr/>
-        <p:txBody>
-          <a:bodyPr rtlCol="0"/>
-          <a:lstStyle/>
-          <a:p>
-            <a:pPr rtl="0"/>
-            <a:r>
-              <a:rPr lang="fr-FR" dirty="0"/>
-              <a:t>Résumé du projet</a:t>
-            </a:r>
-          </a:p>
-        </p:txBody>
-      </p:sp>
-      <p:pic>
-        <p:nvPicPr>
-          <p:cNvPr id="35" name="Espace réservé du contenu 34" descr="Femme prenant une photo">
-            <a:extLst>
-              <a:ext uri="{FF2B5EF4-FFF2-40B4-BE49-F238E27FC236}">
-                <a16:creationId xmlns:a16="http://schemas.microsoft.com/office/drawing/2014/main" id="{56174A3F-A7B3-40BE-88BD-1796890E4B44}"/>
-              </a:ext>
-            </a:extLst>
-          </p:cNvPr>
-          <p:cNvPicPr>
-            <a:picLocks noGrp="1" noChangeAspect="1"/>
-          </p:cNvPicPr>
-          <p:nvPr>
-            <p:ph sz="quarter" idx="13"/>
-          </p:nvPr>
-        </p:nvPicPr>
-        <p:blipFill>
-          <a:blip r:embed="rId4">
-            <a:extLst>
-              <a:ext uri="{96DAC541-7B7A-43D3-8B79-37D633B846F1}">
-                <asvg:svgBlip xmlns:asvg="http://schemas.microsoft.com/office/drawing/2016/SVG/main" r:embed="rId5"/>
-              </a:ext>
-            </a:extLst>
-          </a:blip>
-          <a:srcRect/>
-          <a:stretch/>
-        </p:blipFill>
-        <p:spPr>
-          <a:xfrm>
-            <a:off x="3735627" y="5141480"/>
-            <a:ext cx="980735" cy="1260000"/>
-          </a:xfrm>
-        </p:spPr>
-      </p:pic>
-      <p:sp>
-        <p:nvSpPr>
-          <p:cNvPr id="23" name="Espace réservé du texte 22" descr="bloc de contenu 1">
-            <a:extLst>
-              <a:ext uri="{FF2B5EF4-FFF2-40B4-BE49-F238E27FC236}">
-                <a16:creationId xmlns:a16="http://schemas.microsoft.com/office/drawing/2014/main" id="{B88939B0-5B9A-4423-AFD1-CF6B22268795}"/>
-              </a:ext>
-            </a:extLst>
-          </p:cNvPr>
-          <p:cNvSpPr>
-            <a:spLocks noGrp="1"/>
-          </p:cNvSpPr>
-          <p:nvPr>
-            <p:ph type="body" sz="quarter" idx="11"/>
-          </p:nvPr>
-        </p:nvSpPr>
-        <p:spPr>
-          <a:xfrm>
-            <a:off x="642025" y="1657717"/>
-            <a:ext cx="7509754" cy="4428761"/>
-          </a:xfrm>
-        </p:spPr>
-        <p:txBody>
-          <a:bodyPr rtlCol="0"/>
-          <a:lstStyle/>
-          <a:p>
-            <a:pPr rtl="0"/>
-            <a:r>
-              <a:rPr lang="fr-FR" sz="2000" dirty="0"/>
-              <a:t>Ce projet a pour objectif de créer un système de gestion des accès d’un bâtiment.</a:t>
-            </a:r>
-          </a:p>
-          <a:p>
-            <a:pPr rtl="0"/>
-            <a:r>
-              <a:rPr lang="fr-FR" sz="2000" dirty="0"/>
-              <a:t>Un campus contenant plusieurs bâtiments, dans lequel se trouvent plusieurs salles.</a:t>
-            </a:r>
-          </a:p>
-          <a:p>
-            <a:pPr rtl="0"/>
-            <a:r>
-              <a:rPr lang="fr-FR" sz="2000" dirty="0"/>
-              <a:t>Tous ont un niveau d’accès différent selon leur titre et leur emploi du temps.</a:t>
-            </a:r>
-          </a:p>
-          <a:p>
-            <a:pPr rtl="0"/>
-            <a:r>
-              <a:rPr lang="fr-FR" sz="2000" dirty="0"/>
-              <a:t>Chaque lieu demande un niveau d’accès différent selon la sensibilité du contenu de la zone.</a:t>
-            </a:r>
-          </a:p>
-          <a:p>
-            <a:pPr rtl="0"/>
-            <a:r>
-              <a:rPr lang="fr-FR" sz="2000" dirty="0"/>
-              <a:t>Les différents utilisateurs sont les enseignants, les élèves et les agents de sécurité.</a:t>
-            </a:r>
-          </a:p>
-          <a:p>
-            <a:pPr rtl="0"/>
-            <a:endParaRPr lang="fr-FR" sz="1800" dirty="0"/>
-          </a:p>
-          <a:p>
-            <a:pPr rtl="0"/>
-            <a:endParaRPr lang="fr-FR" sz="1800" dirty="0"/>
-          </a:p>
-        </p:txBody>
-      </p:sp>
-      <p:pic>
-        <p:nvPicPr>
-          <p:cNvPr id="36" name="Espace réservé du contenu 35" descr="Homme avec pilosité faciale">
-            <a:extLst>
-              <a:ext uri="{FF2B5EF4-FFF2-40B4-BE49-F238E27FC236}">
-                <a16:creationId xmlns:a16="http://schemas.microsoft.com/office/drawing/2014/main" id="{A960174C-A9DE-472D-BF1C-B13108BD70B7}"/>
-              </a:ext>
-            </a:extLst>
-          </p:cNvPr>
-          <p:cNvPicPr>
-            <a:picLocks noGrp="1" noChangeAspect="1"/>
-          </p:cNvPicPr>
-          <p:nvPr>
-            <p:ph sz="quarter" idx="14"/>
-          </p:nvPr>
-        </p:nvPicPr>
-        <p:blipFill>
-          <a:blip r:embed="rId6">
-            <a:extLst>
-              <a:ext uri="{96DAC541-7B7A-43D3-8B79-37D633B846F1}">
-                <asvg:svgBlip xmlns:asvg="http://schemas.microsoft.com/office/drawing/2016/SVG/main" r:embed="rId7"/>
-              </a:ext>
-            </a:extLst>
-          </a:blip>
-          <a:srcRect/>
-          <a:stretch/>
-        </p:blipFill>
-        <p:spPr>
-          <a:xfrm>
-            <a:off x="986898" y="5166516"/>
-            <a:ext cx="929845" cy="1260000"/>
-          </a:xfrm>
-        </p:spPr>
-      </p:pic>
-      <p:sp>
-        <p:nvSpPr>
-          <p:cNvPr id="14" name="Rectangle 13">
-            <a:extLst>
-              <a:ext uri="{FF2B5EF4-FFF2-40B4-BE49-F238E27FC236}">
-                <a16:creationId xmlns:a16="http://schemas.microsoft.com/office/drawing/2014/main" id="{C862BC4D-BD7A-417E-A34A-59CE4D4A6AC8}"/>
-              </a:ext>
-              <a:ext uri="{C183D7F6-B498-43B3-948B-1728B52AA6E4}">
-                <adec:decorative xmlns:adec="http://schemas.microsoft.com/office/drawing/2017/decorative" val="1"/>
-              </a:ext>
-            </a:extLst>
-          </p:cNvPr>
-          <p:cNvSpPr/>
-          <p:nvPr/>
-        </p:nvSpPr>
-        <p:spPr>
-          <a:xfrm>
-            <a:off x="0" y="6355760"/>
-            <a:ext cx="12192000" cy="91440"/>
-          </a:xfrm>
-          <a:prstGeom prst="rect">
-            <a:avLst/>
-          </a:prstGeom>
-          <a:solidFill>
-            <a:schemeClr val="bg1">
-              <a:lumMod val="95000"/>
-            </a:schemeClr>
-          </a:solidFill>
-          <a:ln>
-            <a:noFill/>
-          </a:ln>
-        </p:spPr>
-        <p:style>
-          <a:lnRef idx="2">
-            <a:schemeClr val="accent1">
-              <a:shade val="50000"/>
-            </a:schemeClr>
-          </a:lnRef>
-          <a:fillRef idx="1">
-            <a:schemeClr val="accent1"/>
-          </a:fillRef>
-          <a:effectRef idx="0">
-            <a:schemeClr val="accent1"/>
-          </a:effectRef>
-          <a:fontRef idx="minor">
-            <a:schemeClr val="lt1"/>
-          </a:fontRef>
-        </p:style>
-        <p:txBody>
-          <a:bodyPr rtlCol="0" anchor="ctr"/>
-          <a:lstStyle/>
-          <a:p>
-            <a:pPr algn="ctr" rtl="0"/>
-            <a:endParaRPr lang="fr-FR"/>
-          </a:p>
-        </p:txBody>
-      </p:sp>
-      <p:sp>
-        <p:nvSpPr>
-          <p:cNvPr id="15" name="Ovale 14">
-            <a:extLst>
-              <a:ext uri="{FF2B5EF4-FFF2-40B4-BE49-F238E27FC236}">
-                <a16:creationId xmlns:a16="http://schemas.microsoft.com/office/drawing/2014/main" id="{652937FB-CDE3-46B3-8481-AB5DB8C4BABA}"/>
-              </a:ext>
-              <a:ext uri="{C183D7F6-B498-43B3-948B-1728B52AA6E4}">
-                <adec:decorative xmlns:adec="http://schemas.microsoft.com/office/drawing/2017/decorative" val="1"/>
-              </a:ext>
-            </a:extLst>
-          </p:cNvPr>
-          <p:cNvSpPr/>
-          <p:nvPr/>
-        </p:nvSpPr>
-        <p:spPr>
-          <a:xfrm>
-            <a:off x="11091210" y="6086479"/>
-            <a:ext cx="600974" cy="600974"/>
-          </a:xfrm>
-          <a:prstGeom prst="ellipse">
-            <a:avLst/>
-          </a:prstGeom>
-          <a:solidFill>
-            <a:schemeClr val="accent1">
-              <a:lumMod val="75000"/>
-            </a:schemeClr>
-          </a:solidFill>
-          <a:ln>
-            <a:noFill/>
-          </a:ln>
-        </p:spPr>
-        <p:style>
-          <a:lnRef idx="2">
-            <a:schemeClr val="accent1">
-              <a:shade val="50000"/>
-            </a:schemeClr>
-          </a:lnRef>
-          <a:fillRef idx="1">
-            <a:schemeClr val="accent1"/>
-          </a:fillRef>
-          <a:effectRef idx="0">
-            <a:schemeClr val="accent1"/>
-          </a:effectRef>
-          <a:fontRef idx="minor">
-            <a:schemeClr val="lt1"/>
-          </a:fontRef>
-        </p:style>
-        <p:txBody>
-          <a:bodyPr rtlCol="0" anchor="ctr"/>
-          <a:lstStyle/>
-          <a:p>
-            <a:pPr algn="ctr" rtl="0"/>
-            <a:endParaRPr lang="fr-FR"/>
-          </a:p>
-        </p:txBody>
-      </p:sp>
-      <p:sp>
-        <p:nvSpPr>
-          <p:cNvPr id="44" name="Espace réservé du numéro de diapositive 5" descr="Numéro de diapositive">
-            <a:extLst>
-              <a:ext uri="{FF2B5EF4-FFF2-40B4-BE49-F238E27FC236}">
-                <a16:creationId xmlns:a16="http://schemas.microsoft.com/office/drawing/2014/main" id="{11457662-C1A5-4B93-8E30-88025E27C462}"/>
-              </a:ext>
-              <a:ext uri="{C183D7F6-B498-43B3-948B-1728B52AA6E4}">
-                <adec:decorative xmlns:adec="http://schemas.microsoft.com/office/drawing/2017/decorative" val="0"/>
-              </a:ext>
-            </a:extLst>
-          </p:cNvPr>
-          <p:cNvSpPr txBox="1">
-            <a:spLocks/>
-          </p:cNvSpPr>
-          <p:nvPr/>
-        </p:nvSpPr>
-        <p:spPr>
-          <a:xfrm>
-            <a:off x="11091210" y="6189345"/>
-            <a:ext cx="600974" cy="395243"/>
-          </a:xfrm>
-          <a:prstGeom prst="rect">
-            <a:avLst/>
-          </a:prstGeom>
-        </p:spPr>
-        <p:txBody>
-          <a:bodyPr vert="horz" lIns="0" tIns="0" rIns="0" bIns="0" rtlCol="0" anchor="ctr"/>
-          <a:lstStyle>
-            <a:defPPr>
-              <a:defRPr lang="en-US"/>
-            </a:defPPr>
-            <a:lvl1pPr marL="0" algn="r" defTabSz="914400" rtl="0" eaLnBrk="1" latinLnBrk="0" hangingPunct="1">
-              <a:defRPr sz="1100" kern="1200">
-                <a:solidFill>
-                  <a:schemeClr val="tx1">
-                    <a:tint val="75000"/>
-                  </a:schemeClr>
-                </a:solidFill>
-                <a:latin typeface="+mn-lt"/>
-                <a:ea typeface="+mn-ea"/>
-                <a:cs typeface="+mn-cs"/>
-              </a:defRPr>
-            </a:lvl1pPr>
-            <a:lvl2pPr marL="457200" algn="l" defTabSz="914400" rtl="0" eaLnBrk="1" latinLnBrk="0" hangingPunct="1">
-              <a:defRPr sz="1800" kern="1200">
-                <a:solidFill>
-                  <a:schemeClr val="tx1"/>
-                </a:solidFill>
-                <a:latin typeface="+mn-lt"/>
-                <a:ea typeface="+mn-ea"/>
-                <a:cs typeface="+mn-cs"/>
-              </a:defRPr>
-            </a:lvl2pPr>
-            <a:lvl3pPr marL="914400" algn="l" defTabSz="914400" rtl="0" eaLnBrk="1" latinLnBrk="0" hangingPunct="1">
-              <a:defRPr sz="1800" kern="1200">
-                <a:solidFill>
-                  <a:schemeClr val="tx1"/>
-                </a:solidFill>
-                <a:latin typeface="+mn-lt"/>
-                <a:ea typeface="+mn-ea"/>
-                <a:cs typeface="+mn-cs"/>
-              </a:defRPr>
-            </a:lvl3pPr>
-            <a:lvl4pPr marL="1371600" algn="l" defTabSz="914400" rtl="0" eaLnBrk="1" latinLnBrk="0" hangingPunct="1">
-              <a:defRPr sz="1800" kern="1200">
-                <a:solidFill>
-                  <a:schemeClr val="tx1"/>
-                </a:solidFill>
-                <a:latin typeface="+mn-lt"/>
-                <a:ea typeface="+mn-ea"/>
-                <a:cs typeface="+mn-cs"/>
-              </a:defRPr>
-            </a:lvl4pPr>
-            <a:lvl5pPr marL="1828800" algn="l" defTabSz="914400" rtl="0" eaLnBrk="1" latinLnBrk="0" hangingPunct="1">
-              <a:defRPr sz="1800" kern="1200">
-                <a:solidFill>
-                  <a:schemeClr val="tx1"/>
-                </a:solidFill>
-                <a:latin typeface="+mn-lt"/>
-                <a:ea typeface="+mn-ea"/>
-                <a:cs typeface="+mn-cs"/>
-              </a:defRPr>
-            </a:lvl5pPr>
-            <a:lvl6pPr marL="2286000" algn="l" defTabSz="914400" rtl="0" eaLnBrk="1" latinLnBrk="0" hangingPunct="1">
-              <a:defRPr sz="1800" kern="1200">
-                <a:solidFill>
-                  <a:schemeClr val="tx1"/>
-                </a:solidFill>
-                <a:latin typeface="+mn-lt"/>
-                <a:ea typeface="+mn-ea"/>
-                <a:cs typeface="+mn-cs"/>
-              </a:defRPr>
-            </a:lvl6pPr>
-            <a:lvl7pPr marL="2743200" algn="l" defTabSz="914400" rtl="0" eaLnBrk="1" latinLnBrk="0" hangingPunct="1">
-              <a:defRPr sz="1800" kern="1200">
-                <a:solidFill>
-                  <a:schemeClr val="tx1"/>
-                </a:solidFill>
-                <a:latin typeface="+mn-lt"/>
-                <a:ea typeface="+mn-ea"/>
-                <a:cs typeface="+mn-cs"/>
-              </a:defRPr>
-            </a:lvl7pPr>
-            <a:lvl8pPr marL="3200400" algn="l" defTabSz="914400" rtl="0" eaLnBrk="1" latinLnBrk="0" hangingPunct="1">
-              <a:defRPr sz="1800" kern="1200">
-                <a:solidFill>
-                  <a:schemeClr val="tx1"/>
-                </a:solidFill>
-                <a:latin typeface="+mn-lt"/>
-                <a:ea typeface="+mn-ea"/>
-                <a:cs typeface="+mn-cs"/>
-              </a:defRPr>
-            </a:lvl8pPr>
-            <a:lvl9pPr marL="3657600" algn="l" defTabSz="914400" rtl="0" eaLnBrk="1" latinLnBrk="0" hangingPunct="1">
-              <a:defRPr sz="1800" kern="1200">
-                <a:solidFill>
-                  <a:schemeClr val="tx1"/>
-                </a:solidFill>
-                <a:latin typeface="+mn-lt"/>
-                <a:ea typeface="+mn-ea"/>
-                <a:cs typeface="+mn-cs"/>
-              </a:defRPr>
-            </a:lvl9pPr>
-          </a:lstStyle>
-          <a:p>
-            <a:pPr algn="ctr" rtl="0"/>
-            <a:fld id="{247A4EEE-49CE-4F6C-BF32-B7FCC5EBBF45}" type="slidenum">
-              <a:rPr lang="fr-FR" sz="1200" smtClean="0">
-                <a:solidFill>
-                  <a:schemeClr val="bg1"/>
-                </a:solidFill>
-              </a:rPr>
-              <a:pPr algn="ctr" rtl="0"/>
-              <a:t>3</a:t>
-            </a:fld>
-            <a:endParaRPr lang="fr-FR" sz="1200">
-              <a:solidFill>
-                <a:schemeClr val="bg1"/>
-              </a:solidFill>
-            </a:endParaRPr>
-          </a:p>
-        </p:txBody>
-      </p:sp>
-      <p:sp>
-        <p:nvSpPr>
-          <p:cNvPr id="2" name="Espace réservé du numéro de diapositive 1">
-            <a:extLst>
-              <a:ext uri="{FF2B5EF4-FFF2-40B4-BE49-F238E27FC236}">
-                <a16:creationId xmlns:a16="http://schemas.microsoft.com/office/drawing/2014/main" id="{7E1CAEA6-7965-44F6-E7EA-6E997FBE8A24}"/>
-              </a:ext>
-            </a:extLst>
-          </p:cNvPr>
-          <p:cNvSpPr>
-            <a:spLocks noGrp="1"/>
-          </p:cNvSpPr>
-          <p:nvPr>
-            <p:ph type="sldNum" sz="quarter" idx="4"/>
-          </p:nvPr>
-        </p:nvSpPr>
-        <p:spPr/>
-        <p:txBody>
-          <a:bodyPr/>
-          <a:lstStyle/>
-          <a:p>
-            <a:pPr algn="ctr" rtl="0"/>
-            <a:fld id="{817179DE-9BF3-494C-804F-0C7C90AC8700}" type="slidenum">
-              <a:rPr lang="fr-FR" noProof="0" smtClean="0"/>
-              <a:pPr algn="ctr" rtl="0"/>
-              <a:t>3</a:t>
-            </a:fld>
-            <a:endParaRPr lang="fr-FR" noProof="0"/>
-          </a:p>
-        </p:txBody>
-      </p:sp>
-      <p:pic>
-        <p:nvPicPr>
-          <p:cNvPr id="21" name="Espace réservé du contenu 34" descr="Femme avec bras prothétique">
-            <a:extLst>
-              <a:ext uri="{FF2B5EF4-FFF2-40B4-BE49-F238E27FC236}">
-                <a16:creationId xmlns:a16="http://schemas.microsoft.com/office/drawing/2014/main" id="{0DB49058-7C48-47E1-03A3-4B93B3D61DBE}"/>
-              </a:ext>
-            </a:extLst>
-          </p:cNvPr>
-          <p:cNvPicPr>
-            <a:picLocks noChangeAspect="1"/>
-          </p:cNvPicPr>
-          <p:nvPr/>
-        </p:nvPicPr>
-        <p:blipFill>
-          <a:blip r:embed="rId8">
-            <a:extLst>
-              <a:ext uri="{96DAC541-7B7A-43D3-8B79-37D633B846F1}">
-                <asvg:svgBlip xmlns:asvg="http://schemas.microsoft.com/office/drawing/2016/SVG/main" r:embed="rId9"/>
-              </a:ext>
-            </a:extLst>
-          </a:blip>
-          <a:srcRect/>
-          <a:stretch/>
-        </p:blipFill>
-        <p:spPr>
-          <a:xfrm>
-            <a:off x="6395853" y="5078392"/>
-            <a:ext cx="1200010" cy="1260000"/>
-          </a:xfrm>
-          <a:prstGeom prst="rect">
-            <a:avLst/>
-          </a:prstGeom>
-        </p:spPr>
-      </p:pic>
-    </p:spTree>
-    <p:extLst>
-      <p:ext uri="{BB962C8B-B14F-4D97-AF65-F5344CB8AC3E}">
-        <p14:creationId xmlns:p14="http://schemas.microsoft.com/office/powerpoint/2010/main" val="3207125036"/>
-      </p:ext>
-    </p:extLst>
-  </p:cSld>
-  <p:clrMapOvr>
-    <a:masterClrMapping/>
-  </p:clrMapOvr>
-</p:sld>
-</file>
-
-<file path=ppt/slides/slide4.xml><?xml version="1.0" encoding="utf-8"?>
-<p:sld xmlns:a="http://schemas.openxmlformats.org/drawingml/2006/main" xmlns:r="http://schemas.openxmlformats.org/officeDocument/2006/relationships" xmlns:p="http://schemas.openxmlformats.org/presentationml/2006/main">
-  <p:cSld>
-    <p:spTree>
-      <p:nvGrpSpPr>
-        <p:cNvPr id="1" name=""/>
-        <p:cNvGrpSpPr/>
-        <p:nvPr/>
-      </p:nvGrpSpPr>
-      <p:grpSpPr>
-        <a:xfrm>
-          <a:off x="0" y="0"/>
-          <a:ext cx="0" cy="0"/>
-          <a:chOff x="0" y="0"/>
-          <a:chExt cx="0" cy="0"/>
-        </a:xfrm>
-      </p:grpSpPr>
-      <p:pic>
-        <p:nvPicPr>
-          <p:cNvPr id="7" name="Espace réservé d’image 6" descr="garçon marchant avec un sac de libre et un vélo">
-            <a:extLst>
-              <a:ext uri="{FF2B5EF4-FFF2-40B4-BE49-F238E27FC236}">
-                <a16:creationId xmlns:a16="http://schemas.microsoft.com/office/drawing/2014/main" id="{3111B687-3781-4457-A624-86311FC69082}"/>
-              </a:ext>
-            </a:extLst>
-          </p:cNvPr>
-          <p:cNvPicPr>
-            <a:picLocks noGrp="1" noChangeAspect="1"/>
-          </p:cNvPicPr>
-          <p:nvPr>
-            <p:ph type="pic" sz="quarter" idx="10"/>
-          </p:nvPr>
-        </p:nvPicPr>
-        <p:blipFill rotWithShape="1">
-          <a:blip r:embed="rId3" cstate="email">
-            <a:extLst>
-              <a:ext uri="{28A0092B-C50C-407E-A947-70E740481C1C}">
-                <a14:useLocalDpi xmlns:a14="http://schemas.microsoft.com/office/drawing/2010/main"/>
-              </a:ext>
-            </a:extLst>
-          </a:blip>
-          <a:srcRect/>
-          <a:stretch/>
-        </p:blipFill>
-        <p:spPr>
-          <a:xfrm>
-            <a:off x="6836125" y="0"/>
-            <a:ext cx="5355875" cy="6858000"/>
-          </a:xfrm>
-        </p:spPr>
-      </p:pic>
-      <p:grpSp>
-        <p:nvGrpSpPr>
-          <p:cNvPr id="11" name="Groupe 10">
-            <a:extLst>
-              <a:ext uri="{FF2B5EF4-FFF2-40B4-BE49-F238E27FC236}">
-                <a16:creationId xmlns:a16="http://schemas.microsoft.com/office/drawing/2014/main" id="{AB025618-C830-4992-9CD3-D9E49BC79E67}"/>
-              </a:ext>
-              <a:ext uri="{C183D7F6-B498-43B3-948B-1728B52AA6E4}">
-                <adec:decorative xmlns:adec="http://schemas.microsoft.com/office/drawing/2017/decorative" val="1"/>
-              </a:ext>
-            </a:extLst>
-          </p:cNvPr>
-          <p:cNvGrpSpPr/>
-          <p:nvPr/>
-        </p:nvGrpSpPr>
-        <p:grpSpPr>
-          <a:xfrm>
-            <a:off x="2595847" y="0"/>
-            <a:ext cx="7388298" cy="6858000"/>
-            <a:chOff x="1826589" y="0"/>
-            <a:chExt cx="7388298" cy="6858000"/>
-          </a:xfrm>
-        </p:grpSpPr>
-        <p:sp>
-          <p:nvSpPr>
-            <p:cNvPr id="10" name="Parallélogramme 9">
-              <a:extLst>
-                <a:ext uri="{FF2B5EF4-FFF2-40B4-BE49-F238E27FC236}">
-                  <a16:creationId xmlns:a16="http://schemas.microsoft.com/office/drawing/2014/main" id="{11E692D4-6AEA-4652-A7AE-A02328258A55}"/>
-                </a:ext>
-              </a:extLst>
-            </p:cNvPr>
-            <p:cNvSpPr/>
-            <p:nvPr/>
-          </p:nvSpPr>
-          <p:spPr>
-            <a:xfrm>
-              <a:off x="2618099" y="0"/>
-              <a:ext cx="6596788" cy="6858000"/>
-            </a:xfrm>
-            <a:prstGeom prst="parallelogram">
-              <a:avLst/>
-            </a:prstGeom>
-            <a:solidFill>
-              <a:schemeClr val="bg1">
-                <a:alpha val="82000"/>
-              </a:schemeClr>
-            </a:solidFill>
-            <a:ln>
-              <a:noFill/>
-            </a:ln>
-          </p:spPr>
-          <p:style>
-            <a:lnRef idx="2">
-              <a:schemeClr val="accent1">
-                <a:shade val="50000"/>
-              </a:schemeClr>
-            </a:lnRef>
-            <a:fillRef idx="1">
-              <a:schemeClr val="accent1"/>
-            </a:fillRef>
-            <a:effectRef idx="0">
-              <a:schemeClr val="accent1"/>
-            </a:effectRef>
-            <a:fontRef idx="minor">
-              <a:schemeClr val="lt1"/>
-            </a:fontRef>
-          </p:style>
-          <p:txBody>
-            <a:bodyPr rtlCol="0" anchor="ctr"/>
-            <a:lstStyle/>
-            <a:p>
-              <a:pPr algn="ctr" rtl="0"/>
-              <a:endParaRPr lang="fr-FR"/>
-            </a:p>
-          </p:txBody>
-        </p:sp>
-        <p:sp>
-          <p:nvSpPr>
-            <p:cNvPr id="9" name="Parallélogramme 8">
-              <a:extLst>
-                <a:ext uri="{FF2B5EF4-FFF2-40B4-BE49-F238E27FC236}">
-                  <a16:creationId xmlns:a16="http://schemas.microsoft.com/office/drawing/2014/main" id="{A134AA32-2418-4A09-9BA8-ED7207AC0D74}"/>
-                </a:ext>
-              </a:extLst>
-            </p:cNvPr>
-            <p:cNvSpPr/>
-            <p:nvPr/>
-          </p:nvSpPr>
-          <p:spPr>
-            <a:xfrm>
-              <a:off x="2340861" y="0"/>
-              <a:ext cx="6596788" cy="6858000"/>
-            </a:xfrm>
-            <a:prstGeom prst="parallelogram">
-              <a:avLst/>
-            </a:prstGeom>
-            <a:solidFill>
-              <a:schemeClr val="bg1">
-                <a:alpha val="61000"/>
-              </a:schemeClr>
-            </a:solidFill>
-            <a:ln>
-              <a:noFill/>
-            </a:ln>
-          </p:spPr>
-          <p:style>
-            <a:lnRef idx="2">
-              <a:schemeClr val="accent1">
-                <a:shade val="50000"/>
-              </a:schemeClr>
-            </a:lnRef>
-            <a:fillRef idx="1">
-              <a:schemeClr val="accent1"/>
-            </a:fillRef>
-            <a:effectRef idx="0">
-              <a:schemeClr val="accent1"/>
-            </a:effectRef>
-            <a:fontRef idx="minor">
-              <a:schemeClr val="lt1"/>
-            </a:fontRef>
-          </p:style>
-          <p:txBody>
-            <a:bodyPr rtlCol="0" anchor="ctr"/>
-            <a:lstStyle/>
-            <a:p>
-              <a:pPr algn="ctr" rtl="0"/>
-              <a:endParaRPr lang="fr-FR"/>
-            </a:p>
-          </p:txBody>
-        </p:sp>
-        <p:sp>
-          <p:nvSpPr>
-            <p:cNvPr id="22" name="Parallélogramme 21">
-              <a:extLst>
-                <a:ext uri="{FF2B5EF4-FFF2-40B4-BE49-F238E27FC236}">
-                  <a16:creationId xmlns:a16="http://schemas.microsoft.com/office/drawing/2014/main" id="{0051AD99-BC4A-487F-BE1C-486FC5B8E9F2}"/>
-                </a:ext>
-                <a:ext uri="{C183D7F6-B498-43B3-948B-1728B52AA6E4}">
-                  <adec:decorative xmlns:adec="http://schemas.microsoft.com/office/drawing/2017/decorative" val="1"/>
-                </a:ext>
-              </a:extLst>
-            </p:cNvPr>
-            <p:cNvSpPr/>
-            <p:nvPr/>
-          </p:nvSpPr>
-          <p:spPr>
-            <a:xfrm>
-              <a:off x="1826589" y="0"/>
-              <a:ext cx="6596788" cy="6858000"/>
-            </a:xfrm>
-            <a:prstGeom prst="parallelogram">
-              <a:avLst/>
-            </a:prstGeom>
-            <a:solidFill>
-              <a:schemeClr val="bg1">
-                <a:alpha val="84000"/>
-              </a:schemeClr>
-            </a:solidFill>
-            <a:ln>
-              <a:noFill/>
-            </a:ln>
-          </p:spPr>
-          <p:style>
-            <a:lnRef idx="2">
-              <a:schemeClr val="accent1">
-                <a:shade val="50000"/>
-              </a:schemeClr>
-            </a:lnRef>
-            <a:fillRef idx="1">
-              <a:schemeClr val="accent1"/>
-            </a:fillRef>
-            <a:effectRef idx="0">
-              <a:schemeClr val="accent1"/>
-            </a:effectRef>
-            <a:fontRef idx="minor">
-              <a:schemeClr val="lt1"/>
-            </a:fontRef>
-          </p:style>
-          <p:txBody>
-            <a:bodyPr rtlCol="0" anchor="ctr"/>
-            <a:lstStyle/>
-            <a:p>
-              <a:pPr algn="ctr" rtl="0"/>
-              <a:endParaRPr lang="fr-FR"/>
-            </a:p>
-          </p:txBody>
-        </p:sp>
-      </p:grpSp>
-      <p:sp>
-        <p:nvSpPr>
-          <p:cNvPr id="4" name="Titre 3" descr="Titre">
-            <a:extLst>
-              <a:ext uri="{FF2B5EF4-FFF2-40B4-BE49-F238E27FC236}">
-                <a16:creationId xmlns:a16="http://schemas.microsoft.com/office/drawing/2014/main" id="{DFF36EE7-AE57-42F4-ACA9-A328C1F4EA02}"/>
-              </a:ext>
-            </a:extLst>
-          </p:cNvPr>
-          <p:cNvSpPr>
-            <a:spLocks noGrp="1"/>
-          </p:cNvSpPr>
-          <p:nvPr>
-            <p:ph type="title"/>
-          </p:nvPr>
-        </p:nvSpPr>
-        <p:spPr/>
-        <p:txBody>
-          <a:bodyPr rtlCol="0"/>
-          <a:lstStyle/>
-          <a:p>
-            <a:pPr rtl="0"/>
-            <a:r>
-              <a:rPr lang="fr-FR" dirty="0"/>
-              <a:t>Résumé du projet</a:t>
-            </a:r>
-          </a:p>
-        </p:txBody>
-      </p:sp>
-      <p:sp>
-        <p:nvSpPr>
-          <p:cNvPr id="23" name="Espace réservé du texte 22" descr="bloc de contenu 1">
-            <a:extLst>
-              <a:ext uri="{FF2B5EF4-FFF2-40B4-BE49-F238E27FC236}">
-                <a16:creationId xmlns:a16="http://schemas.microsoft.com/office/drawing/2014/main" id="{B88939B0-5B9A-4423-AFD1-CF6B22268795}"/>
-              </a:ext>
-            </a:extLst>
-          </p:cNvPr>
-          <p:cNvSpPr>
-            <a:spLocks noGrp="1"/>
-          </p:cNvSpPr>
-          <p:nvPr>
-            <p:ph type="body" sz="quarter" idx="11"/>
-          </p:nvPr>
-        </p:nvSpPr>
-        <p:spPr>
-          <a:xfrm>
-            <a:off x="647699" y="1749157"/>
-            <a:ext cx="3589873" cy="4606603"/>
-          </a:xfrm>
-        </p:spPr>
-        <p:txBody>
-          <a:bodyPr rtlCol="0"/>
-          <a:lstStyle/>
-          <a:p>
-            <a:pPr rtl="0"/>
-            <a:r>
-              <a:rPr lang="fr-FR" sz="1600" dirty="0"/>
-              <a:t>Les zones :</a:t>
-            </a:r>
-          </a:p>
-          <a:p>
-            <a:pPr marL="285750" indent="-285750" rtl="0">
-              <a:buFont typeface="Arial" panose="020B0604020202020204" pitchFamily="34" charset="0"/>
-              <a:buChar char="•"/>
-            </a:pPr>
-            <a:r>
-              <a:rPr lang="fr-FR" sz="1600" dirty="0"/>
-              <a:t>Campus : Accessible par tous, un lecteur BT permet de compter le nombre de personnes dans le périmètre défini.</a:t>
-            </a:r>
-          </a:p>
-          <a:p>
-            <a:pPr marL="285750" indent="-285750" rtl="0">
-              <a:buFont typeface="Arial" panose="020B0604020202020204" pitchFamily="34" charset="0"/>
-              <a:buChar char="•"/>
-            </a:pPr>
-            <a:r>
-              <a:rPr lang="fr-FR" sz="1600" dirty="0"/>
-              <a:t>Bâtiment : Accessible aux personnes disposant des droits d’accès. Un lecteur RFID permettra d’identifier les personnes souhaitant entrer</a:t>
-            </a:r>
-          </a:p>
-          <a:p>
-            <a:pPr marL="285750" indent="-285750" rtl="0">
-              <a:buFont typeface="Arial" panose="020B0604020202020204" pitchFamily="34" charset="0"/>
-              <a:buChar char="•"/>
-            </a:pPr>
-            <a:r>
-              <a:rPr lang="fr-FR" sz="1600" dirty="0"/>
-              <a:t>Classe : Accessibles aux intervenants ayant réservé la salle. Un digicode envoyé avec la confirmation de réservation permet l’ouverture de la salle. Ce code n'est utilisable que durant le créneau réservé. Les portes se ferment automatiquement à la fin du créneau (restent possible d’ouvrir de l'intérieur) et le digicode est expiré.</a:t>
-            </a:r>
-          </a:p>
-        </p:txBody>
-      </p:sp>
-      <p:sp>
-        <p:nvSpPr>
-          <p:cNvPr id="14" name="Rectangle 13">
-            <a:extLst>
-              <a:ext uri="{FF2B5EF4-FFF2-40B4-BE49-F238E27FC236}">
-                <a16:creationId xmlns:a16="http://schemas.microsoft.com/office/drawing/2014/main" id="{C862BC4D-BD7A-417E-A34A-59CE4D4A6AC8}"/>
-              </a:ext>
-              <a:ext uri="{C183D7F6-B498-43B3-948B-1728B52AA6E4}">
-                <adec:decorative xmlns:adec="http://schemas.microsoft.com/office/drawing/2017/decorative" val="1"/>
-              </a:ext>
-            </a:extLst>
-          </p:cNvPr>
-          <p:cNvSpPr/>
-          <p:nvPr/>
-        </p:nvSpPr>
-        <p:spPr>
-          <a:xfrm>
-            <a:off x="0" y="6355760"/>
-            <a:ext cx="12192000" cy="91440"/>
-          </a:xfrm>
-          <a:prstGeom prst="rect">
-            <a:avLst/>
-          </a:prstGeom>
-          <a:solidFill>
-            <a:schemeClr val="bg1">
-              <a:lumMod val="95000"/>
-            </a:schemeClr>
-          </a:solidFill>
-          <a:ln>
-            <a:noFill/>
-          </a:ln>
-        </p:spPr>
-        <p:style>
-          <a:lnRef idx="2">
-            <a:schemeClr val="accent1">
-              <a:shade val="50000"/>
-            </a:schemeClr>
-          </a:lnRef>
-          <a:fillRef idx="1">
-            <a:schemeClr val="accent1"/>
-          </a:fillRef>
-          <a:effectRef idx="0">
-            <a:schemeClr val="accent1"/>
-          </a:effectRef>
-          <a:fontRef idx="minor">
-            <a:schemeClr val="lt1"/>
-          </a:fontRef>
-        </p:style>
-        <p:txBody>
-          <a:bodyPr rtlCol="0" anchor="ctr"/>
-          <a:lstStyle/>
-          <a:p>
-            <a:pPr algn="ctr" rtl="0"/>
-            <a:endParaRPr lang="fr-FR"/>
-          </a:p>
-        </p:txBody>
-      </p:sp>
-      <p:sp>
-        <p:nvSpPr>
-          <p:cNvPr id="15" name="Ovale 14">
-            <a:extLst>
-              <a:ext uri="{FF2B5EF4-FFF2-40B4-BE49-F238E27FC236}">
-                <a16:creationId xmlns:a16="http://schemas.microsoft.com/office/drawing/2014/main" id="{652937FB-CDE3-46B3-8481-AB5DB8C4BABA}"/>
-              </a:ext>
-              <a:ext uri="{C183D7F6-B498-43B3-948B-1728B52AA6E4}">
-                <adec:decorative xmlns:adec="http://schemas.microsoft.com/office/drawing/2017/decorative" val="1"/>
-              </a:ext>
-            </a:extLst>
-          </p:cNvPr>
-          <p:cNvSpPr/>
-          <p:nvPr/>
-        </p:nvSpPr>
-        <p:spPr>
-          <a:xfrm>
-            <a:off x="11091210" y="6086479"/>
-            <a:ext cx="600974" cy="600974"/>
-          </a:xfrm>
-          <a:prstGeom prst="ellipse">
-            <a:avLst/>
-          </a:prstGeom>
-          <a:solidFill>
-            <a:schemeClr val="accent1">
-              <a:lumMod val="75000"/>
-            </a:schemeClr>
-          </a:solidFill>
-          <a:ln>
-            <a:noFill/>
-          </a:ln>
-        </p:spPr>
-        <p:style>
-          <a:lnRef idx="2">
-            <a:schemeClr val="accent1">
-              <a:shade val="50000"/>
-            </a:schemeClr>
-          </a:lnRef>
-          <a:fillRef idx="1">
-            <a:schemeClr val="accent1"/>
-          </a:fillRef>
-          <a:effectRef idx="0">
-            <a:schemeClr val="accent1"/>
-          </a:effectRef>
-          <a:fontRef idx="minor">
-            <a:schemeClr val="lt1"/>
-          </a:fontRef>
-        </p:style>
-        <p:txBody>
-          <a:bodyPr rtlCol="0" anchor="ctr"/>
-          <a:lstStyle/>
-          <a:p>
-            <a:pPr algn="ctr" rtl="0"/>
-            <a:endParaRPr lang="fr-FR"/>
-          </a:p>
-        </p:txBody>
-      </p:sp>
-      <p:sp>
-        <p:nvSpPr>
-          <p:cNvPr id="17" name="Espace réservé du numéro de diapositive 5" descr="Numéro de diapositive">
-            <a:extLst>
-              <a:ext uri="{FF2B5EF4-FFF2-40B4-BE49-F238E27FC236}">
-                <a16:creationId xmlns:a16="http://schemas.microsoft.com/office/drawing/2014/main" id="{79161314-0A22-4109-A2B1-41E87EFE1E18}"/>
-              </a:ext>
-              <a:ext uri="{C183D7F6-B498-43B3-948B-1728B52AA6E4}">
-                <adec:decorative xmlns:adec="http://schemas.microsoft.com/office/drawing/2017/decorative" val="0"/>
-              </a:ext>
-            </a:extLst>
-          </p:cNvPr>
-          <p:cNvSpPr txBox="1">
-            <a:spLocks/>
-          </p:cNvSpPr>
-          <p:nvPr/>
-        </p:nvSpPr>
-        <p:spPr>
-          <a:xfrm>
-            <a:off x="11091210" y="6189345"/>
-            <a:ext cx="600974" cy="395243"/>
-          </a:xfrm>
-          <a:prstGeom prst="rect">
-            <a:avLst/>
-          </a:prstGeom>
-        </p:spPr>
-        <p:txBody>
-          <a:bodyPr vert="horz" lIns="0" tIns="0" rIns="0" bIns="0" rtlCol="0" anchor="ctr"/>
-          <a:lstStyle>
-            <a:defPPr>
-              <a:defRPr lang="en-US"/>
-            </a:defPPr>
-            <a:lvl1pPr marL="0" algn="r" defTabSz="914400" rtl="0" eaLnBrk="1" latinLnBrk="0" hangingPunct="1">
-              <a:defRPr sz="1100" kern="1200">
-                <a:solidFill>
-                  <a:schemeClr val="tx1">
-                    <a:tint val="75000"/>
-                  </a:schemeClr>
-                </a:solidFill>
-                <a:latin typeface="+mn-lt"/>
-                <a:ea typeface="+mn-ea"/>
-                <a:cs typeface="+mn-cs"/>
-              </a:defRPr>
-            </a:lvl1pPr>
-            <a:lvl2pPr marL="457200" algn="l" defTabSz="914400" rtl="0" eaLnBrk="1" latinLnBrk="0" hangingPunct="1">
-              <a:defRPr sz="1800" kern="1200">
-                <a:solidFill>
-                  <a:schemeClr val="tx1"/>
-                </a:solidFill>
-                <a:latin typeface="+mn-lt"/>
-                <a:ea typeface="+mn-ea"/>
-                <a:cs typeface="+mn-cs"/>
-              </a:defRPr>
-            </a:lvl2pPr>
-            <a:lvl3pPr marL="914400" algn="l" defTabSz="914400" rtl="0" eaLnBrk="1" latinLnBrk="0" hangingPunct="1">
-              <a:defRPr sz="1800" kern="1200">
-                <a:solidFill>
-                  <a:schemeClr val="tx1"/>
-                </a:solidFill>
-                <a:latin typeface="+mn-lt"/>
-                <a:ea typeface="+mn-ea"/>
-                <a:cs typeface="+mn-cs"/>
-              </a:defRPr>
-            </a:lvl3pPr>
-            <a:lvl4pPr marL="1371600" algn="l" defTabSz="914400" rtl="0" eaLnBrk="1" latinLnBrk="0" hangingPunct="1">
-              <a:defRPr sz="1800" kern="1200">
-                <a:solidFill>
-                  <a:schemeClr val="tx1"/>
-                </a:solidFill>
-                <a:latin typeface="+mn-lt"/>
-                <a:ea typeface="+mn-ea"/>
-                <a:cs typeface="+mn-cs"/>
-              </a:defRPr>
-            </a:lvl4pPr>
-            <a:lvl5pPr marL="1828800" algn="l" defTabSz="914400" rtl="0" eaLnBrk="1" latinLnBrk="0" hangingPunct="1">
-              <a:defRPr sz="1800" kern="1200">
-                <a:solidFill>
-                  <a:schemeClr val="tx1"/>
-                </a:solidFill>
-                <a:latin typeface="+mn-lt"/>
-                <a:ea typeface="+mn-ea"/>
-                <a:cs typeface="+mn-cs"/>
-              </a:defRPr>
-            </a:lvl5pPr>
-            <a:lvl6pPr marL="2286000" algn="l" defTabSz="914400" rtl="0" eaLnBrk="1" latinLnBrk="0" hangingPunct="1">
-              <a:defRPr sz="1800" kern="1200">
-                <a:solidFill>
-                  <a:schemeClr val="tx1"/>
-                </a:solidFill>
-                <a:latin typeface="+mn-lt"/>
-                <a:ea typeface="+mn-ea"/>
-                <a:cs typeface="+mn-cs"/>
-              </a:defRPr>
-            </a:lvl6pPr>
-            <a:lvl7pPr marL="2743200" algn="l" defTabSz="914400" rtl="0" eaLnBrk="1" latinLnBrk="0" hangingPunct="1">
-              <a:defRPr sz="1800" kern="1200">
-                <a:solidFill>
-                  <a:schemeClr val="tx1"/>
-                </a:solidFill>
-                <a:latin typeface="+mn-lt"/>
-                <a:ea typeface="+mn-ea"/>
-                <a:cs typeface="+mn-cs"/>
-              </a:defRPr>
-            </a:lvl7pPr>
-            <a:lvl8pPr marL="3200400" algn="l" defTabSz="914400" rtl="0" eaLnBrk="1" latinLnBrk="0" hangingPunct="1">
-              <a:defRPr sz="1800" kern="1200">
-                <a:solidFill>
-                  <a:schemeClr val="tx1"/>
-                </a:solidFill>
-                <a:latin typeface="+mn-lt"/>
-                <a:ea typeface="+mn-ea"/>
-                <a:cs typeface="+mn-cs"/>
-              </a:defRPr>
-            </a:lvl8pPr>
-            <a:lvl9pPr marL="3657600" algn="l" defTabSz="914400" rtl="0" eaLnBrk="1" latinLnBrk="0" hangingPunct="1">
-              <a:defRPr sz="1800" kern="1200">
-                <a:solidFill>
-                  <a:schemeClr val="tx1"/>
-                </a:solidFill>
-                <a:latin typeface="+mn-lt"/>
-                <a:ea typeface="+mn-ea"/>
-                <a:cs typeface="+mn-cs"/>
-              </a:defRPr>
-            </a:lvl9pPr>
-          </a:lstStyle>
-          <a:p>
-            <a:pPr algn="ctr" rtl="0"/>
-            <a:fld id="{247A4EEE-49CE-4F6C-BF32-B7FCC5EBBF45}" type="slidenum">
-              <a:rPr lang="fr-FR" sz="1200" smtClean="0">
-                <a:solidFill>
-                  <a:schemeClr val="bg1"/>
-                </a:solidFill>
-              </a:rPr>
-              <a:pPr algn="ctr" rtl="0"/>
-              <a:t>4</a:t>
-            </a:fld>
-            <a:endParaRPr lang="fr-FR" sz="1200">
-              <a:solidFill>
-                <a:schemeClr val="bg1"/>
-              </a:solidFill>
-            </a:endParaRPr>
-          </a:p>
-        </p:txBody>
-      </p:sp>
-      <p:sp>
-        <p:nvSpPr>
-          <p:cNvPr id="2" name="Espace réservé du numéro de diapositive 1">
-            <a:extLst>
-              <a:ext uri="{FF2B5EF4-FFF2-40B4-BE49-F238E27FC236}">
-                <a16:creationId xmlns:a16="http://schemas.microsoft.com/office/drawing/2014/main" id="{BDB3B864-34DC-E381-590D-F977597E905A}"/>
-              </a:ext>
-            </a:extLst>
-          </p:cNvPr>
-          <p:cNvSpPr>
-            <a:spLocks noGrp="1"/>
-          </p:cNvSpPr>
-          <p:nvPr>
-            <p:ph type="sldNum" sz="quarter" idx="4"/>
-          </p:nvPr>
-        </p:nvSpPr>
-        <p:spPr/>
-        <p:txBody>
-          <a:bodyPr/>
-          <a:lstStyle/>
-          <a:p>
-            <a:pPr algn="ctr" rtl="0"/>
-            <a:fld id="{817179DE-9BF3-494C-804F-0C7C90AC8700}" type="slidenum">
-              <a:rPr lang="fr-FR" noProof="0" smtClean="0"/>
-              <a:pPr algn="ctr" rtl="0"/>
-              <a:t>4</a:t>
-            </a:fld>
-            <a:endParaRPr lang="fr-FR" noProof="0"/>
-          </a:p>
-        </p:txBody>
-      </p:sp>
-      <p:sp>
-        <p:nvSpPr>
-          <p:cNvPr id="20" name="Rectangle 19">
-            <a:extLst>
-              <a:ext uri="{FF2B5EF4-FFF2-40B4-BE49-F238E27FC236}">
-                <a16:creationId xmlns:a16="http://schemas.microsoft.com/office/drawing/2014/main" id="{5F6DBA96-8094-ED28-9016-34F914CAC207}"/>
-              </a:ext>
-            </a:extLst>
-          </p:cNvPr>
-          <p:cNvSpPr/>
-          <p:nvPr/>
-        </p:nvSpPr>
-        <p:spPr>
-          <a:xfrm>
-            <a:off x="4514811" y="2730520"/>
-            <a:ext cx="4934960" cy="2831738"/>
-          </a:xfrm>
-          <a:prstGeom prst="rect">
-            <a:avLst/>
-          </a:prstGeom>
-        </p:spPr>
-        <p:style>
-          <a:lnRef idx="2">
-            <a:schemeClr val="accent1">
-              <a:shade val="50000"/>
-            </a:schemeClr>
-          </a:lnRef>
-          <a:fillRef idx="1">
-            <a:schemeClr val="accent1"/>
-          </a:fillRef>
-          <a:effectRef idx="0">
-            <a:schemeClr val="accent1"/>
-          </a:effectRef>
-          <a:fontRef idx="minor">
-            <a:schemeClr val="lt1"/>
-          </a:fontRef>
-        </p:style>
-        <p:txBody>
-          <a:bodyPr rtlCol="0" anchor="ctr"/>
-          <a:lstStyle/>
-          <a:p>
-            <a:pPr algn="ctr"/>
-            <a:endParaRPr lang="fr-FR"/>
-          </a:p>
-        </p:txBody>
-      </p:sp>
-      <p:sp>
-        <p:nvSpPr>
-          <p:cNvPr id="21" name="Rectangle 20">
-            <a:extLst>
-              <a:ext uri="{FF2B5EF4-FFF2-40B4-BE49-F238E27FC236}">
-                <a16:creationId xmlns:a16="http://schemas.microsoft.com/office/drawing/2014/main" id="{FEC2DE95-5F2C-E45B-65C3-0686DD110A6C}"/>
-              </a:ext>
-            </a:extLst>
-          </p:cNvPr>
-          <p:cNvSpPr/>
-          <p:nvPr/>
-        </p:nvSpPr>
-        <p:spPr>
-          <a:xfrm>
-            <a:off x="5129678" y="3433685"/>
-            <a:ext cx="3705225" cy="1552575"/>
-          </a:xfrm>
-          <a:prstGeom prst="rect">
-            <a:avLst/>
-          </a:prstGeom>
-          <a:solidFill>
-            <a:schemeClr val="accent3"/>
-          </a:solidFill>
-          <a:ln>
-            <a:solidFill>
-              <a:schemeClr val="accent3"/>
-            </a:solidFill>
-          </a:ln>
-        </p:spPr>
-        <p:style>
-          <a:lnRef idx="2">
-            <a:schemeClr val="accent1">
-              <a:shade val="50000"/>
-            </a:schemeClr>
-          </a:lnRef>
-          <a:fillRef idx="1">
-            <a:schemeClr val="accent1"/>
-          </a:fillRef>
-          <a:effectRef idx="0">
-            <a:schemeClr val="accent1"/>
-          </a:effectRef>
-          <a:fontRef idx="minor">
-            <a:schemeClr val="lt1"/>
-          </a:fontRef>
-        </p:style>
-        <p:txBody>
-          <a:bodyPr rtlCol="0" anchor="ctr"/>
-          <a:lstStyle/>
-          <a:p>
-            <a:pPr algn="ctr"/>
-            <a:endParaRPr lang="fr-FR"/>
-          </a:p>
-        </p:txBody>
-      </p:sp>
-      <p:sp>
-        <p:nvSpPr>
-          <p:cNvPr id="25" name="Rectangle 24">
-            <a:extLst>
-              <a:ext uri="{FF2B5EF4-FFF2-40B4-BE49-F238E27FC236}">
-                <a16:creationId xmlns:a16="http://schemas.microsoft.com/office/drawing/2014/main" id="{E23FFD7F-38DE-F352-CC78-9DBBB5F4EC06}"/>
-              </a:ext>
-            </a:extLst>
-          </p:cNvPr>
-          <p:cNvSpPr/>
-          <p:nvPr/>
-        </p:nvSpPr>
-        <p:spPr>
-          <a:xfrm>
-            <a:off x="6251989" y="3838497"/>
-            <a:ext cx="1677464" cy="742950"/>
-          </a:xfrm>
-          <a:prstGeom prst="rect">
-            <a:avLst/>
-          </a:prstGeom>
-          <a:solidFill>
-            <a:schemeClr val="accent2"/>
-          </a:solidFill>
-          <a:ln>
-            <a:solidFill>
-              <a:schemeClr val="accent2"/>
-            </a:solidFill>
-          </a:ln>
-        </p:spPr>
-        <p:style>
-          <a:lnRef idx="2">
-            <a:schemeClr val="accent1">
-              <a:shade val="50000"/>
-            </a:schemeClr>
-          </a:lnRef>
-          <a:fillRef idx="1">
-            <a:schemeClr val="accent1"/>
-          </a:fillRef>
-          <a:effectRef idx="0">
-            <a:schemeClr val="accent1"/>
-          </a:effectRef>
-          <a:fontRef idx="minor">
-            <a:schemeClr val="lt1"/>
-          </a:fontRef>
-        </p:style>
-        <p:txBody>
-          <a:bodyPr rtlCol="0" anchor="ctr"/>
-          <a:lstStyle/>
-          <a:p>
-            <a:pPr algn="ctr"/>
-            <a:endParaRPr lang="fr-FR"/>
-          </a:p>
-        </p:txBody>
-      </p:sp>
-      <p:sp>
-        <p:nvSpPr>
-          <p:cNvPr id="26" name="ZoneTexte 25">
-            <a:extLst>
-              <a:ext uri="{FF2B5EF4-FFF2-40B4-BE49-F238E27FC236}">
-                <a16:creationId xmlns:a16="http://schemas.microsoft.com/office/drawing/2014/main" id="{2D35808B-C346-BF92-1469-64418C598672}"/>
-              </a:ext>
-            </a:extLst>
-          </p:cNvPr>
-          <p:cNvSpPr txBox="1"/>
-          <p:nvPr/>
-        </p:nvSpPr>
-        <p:spPr>
-          <a:xfrm>
-            <a:off x="4522724" y="2747124"/>
-            <a:ext cx="3178244" cy="369332"/>
-          </a:xfrm>
-          <a:prstGeom prst="rect">
-            <a:avLst/>
-          </a:prstGeom>
-          <a:noFill/>
-        </p:spPr>
-        <p:txBody>
-          <a:bodyPr wrap="square" rtlCol="0">
-            <a:spAutoFit/>
-          </a:bodyPr>
-          <a:lstStyle/>
-          <a:p>
-            <a:r>
-              <a:rPr lang="fr-FR" dirty="0">
-                <a:solidFill>
-                  <a:schemeClr val="bg1"/>
-                </a:solidFill>
-              </a:rPr>
-              <a:t>Campus</a:t>
-            </a:r>
-          </a:p>
-        </p:txBody>
-      </p:sp>
-      <p:sp>
-        <p:nvSpPr>
-          <p:cNvPr id="27" name="ZoneTexte 26">
-            <a:extLst>
-              <a:ext uri="{FF2B5EF4-FFF2-40B4-BE49-F238E27FC236}">
-                <a16:creationId xmlns:a16="http://schemas.microsoft.com/office/drawing/2014/main" id="{A31807FD-6CB1-131D-7DBB-0D9E45E7C49D}"/>
-              </a:ext>
-            </a:extLst>
-          </p:cNvPr>
-          <p:cNvSpPr txBox="1"/>
-          <p:nvPr/>
-        </p:nvSpPr>
-        <p:spPr>
-          <a:xfrm>
-            <a:off x="5102614" y="3396099"/>
-            <a:ext cx="3178244" cy="369332"/>
-          </a:xfrm>
-          <a:prstGeom prst="rect">
-            <a:avLst/>
-          </a:prstGeom>
-          <a:noFill/>
-        </p:spPr>
-        <p:txBody>
-          <a:bodyPr wrap="square" rtlCol="0">
-            <a:spAutoFit/>
-          </a:bodyPr>
-          <a:lstStyle/>
-          <a:p>
-            <a:r>
-              <a:rPr lang="fr-FR" dirty="0">
-                <a:solidFill>
-                  <a:schemeClr val="bg1"/>
-                </a:solidFill>
-              </a:rPr>
-              <a:t>Bâtiment</a:t>
-            </a:r>
-          </a:p>
-        </p:txBody>
-      </p:sp>
-      <p:sp>
-        <p:nvSpPr>
-          <p:cNvPr id="28" name="ZoneTexte 27">
-            <a:extLst>
-              <a:ext uri="{FF2B5EF4-FFF2-40B4-BE49-F238E27FC236}">
-                <a16:creationId xmlns:a16="http://schemas.microsoft.com/office/drawing/2014/main" id="{16ED678C-AD25-3D0A-0F81-DFB46968DE4A}"/>
-              </a:ext>
-            </a:extLst>
-          </p:cNvPr>
-          <p:cNvSpPr txBox="1"/>
-          <p:nvPr/>
-        </p:nvSpPr>
-        <p:spPr>
-          <a:xfrm>
-            <a:off x="6210192" y="3821847"/>
-            <a:ext cx="3178244" cy="369332"/>
-          </a:xfrm>
-          <a:prstGeom prst="rect">
-            <a:avLst/>
-          </a:prstGeom>
-          <a:noFill/>
-        </p:spPr>
-        <p:txBody>
-          <a:bodyPr wrap="square" rtlCol="0">
-            <a:spAutoFit/>
-          </a:bodyPr>
-          <a:lstStyle/>
-          <a:p>
-            <a:r>
-              <a:rPr lang="fr-FR" dirty="0">
-                <a:solidFill>
-                  <a:schemeClr val="bg1"/>
-                </a:solidFill>
-              </a:rPr>
-              <a:t>Salle</a:t>
-            </a:r>
-          </a:p>
-        </p:txBody>
-      </p:sp>
-      <p:sp>
-        <p:nvSpPr>
-          <p:cNvPr id="29" name="ZoneTexte 28">
-            <a:extLst>
-              <a:ext uri="{FF2B5EF4-FFF2-40B4-BE49-F238E27FC236}">
-                <a16:creationId xmlns:a16="http://schemas.microsoft.com/office/drawing/2014/main" id="{2ADA7AB6-722C-9B63-3890-D2BAB50339A3}"/>
-              </a:ext>
-            </a:extLst>
-          </p:cNvPr>
-          <p:cNvSpPr txBox="1"/>
-          <p:nvPr/>
-        </p:nvSpPr>
-        <p:spPr>
-          <a:xfrm>
-            <a:off x="5353765" y="2949530"/>
-            <a:ext cx="3178244" cy="276999"/>
-          </a:xfrm>
-          <a:prstGeom prst="rect">
-            <a:avLst/>
-          </a:prstGeom>
-          <a:noFill/>
-        </p:spPr>
-        <p:txBody>
-          <a:bodyPr wrap="square" rtlCol="0">
-            <a:spAutoFit/>
-          </a:bodyPr>
-          <a:lstStyle/>
-          <a:p>
-            <a:pPr algn="ctr"/>
-            <a:r>
-              <a:rPr lang="fr-FR" sz="1200" dirty="0">
-                <a:solidFill>
-                  <a:schemeClr val="bg1"/>
-                </a:solidFill>
-              </a:rPr>
-              <a:t>Lecteur Bluetooth</a:t>
-            </a:r>
-          </a:p>
-        </p:txBody>
-      </p:sp>
-      <p:sp>
-        <p:nvSpPr>
-          <p:cNvPr id="32" name="ZoneTexte 31">
-            <a:extLst>
-              <a:ext uri="{FF2B5EF4-FFF2-40B4-BE49-F238E27FC236}">
-                <a16:creationId xmlns:a16="http://schemas.microsoft.com/office/drawing/2014/main" id="{9CC23177-AD04-15F1-780B-88104E753254}"/>
-              </a:ext>
-            </a:extLst>
-          </p:cNvPr>
-          <p:cNvSpPr txBox="1"/>
-          <p:nvPr/>
-        </p:nvSpPr>
-        <p:spPr>
-          <a:xfrm>
-            <a:off x="5353765" y="3478996"/>
-            <a:ext cx="3178244" cy="276999"/>
-          </a:xfrm>
-          <a:prstGeom prst="rect">
-            <a:avLst/>
-          </a:prstGeom>
-          <a:noFill/>
-        </p:spPr>
-        <p:txBody>
-          <a:bodyPr wrap="square" rtlCol="0">
-            <a:spAutoFit/>
-          </a:bodyPr>
-          <a:lstStyle/>
-          <a:p>
-            <a:pPr algn="ctr"/>
-            <a:r>
-              <a:rPr lang="fr-FR" sz="1200" dirty="0">
-                <a:solidFill>
-                  <a:schemeClr val="bg1"/>
-                </a:solidFill>
-              </a:rPr>
-              <a:t>Lecteur RFID</a:t>
-            </a:r>
-          </a:p>
-        </p:txBody>
-      </p:sp>
-      <p:sp>
-        <p:nvSpPr>
-          <p:cNvPr id="33" name="ZoneTexte 32">
-            <a:extLst>
-              <a:ext uri="{FF2B5EF4-FFF2-40B4-BE49-F238E27FC236}">
-                <a16:creationId xmlns:a16="http://schemas.microsoft.com/office/drawing/2014/main" id="{F793AEE2-596E-183B-6012-4D67BF11CB79}"/>
-              </a:ext>
-            </a:extLst>
-          </p:cNvPr>
-          <p:cNvSpPr txBox="1"/>
-          <p:nvPr/>
-        </p:nvSpPr>
-        <p:spPr>
-          <a:xfrm>
-            <a:off x="5476723" y="4191597"/>
-            <a:ext cx="3178244" cy="276999"/>
-          </a:xfrm>
-          <a:prstGeom prst="rect">
-            <a:avLst/>
-          </a:prstGeom>
-          <a:noFill/>
-        </p:spPr>
-        <p:txBody>
-          <a:bodyPr wrap="square" rtlCol="0">
-            <a:spAutoFit/>
-          </a:bodyPr>
-          <a:lstStyle/>
-          <a:p>
-            <a:pPr algn="ctr"/>
-            <a:r>
-              <a:rPr lang="fr-FR" sz="1200" dirty="0">
-                <a:solidFill>
-                  <a:schemeClr val="bg1"/>
-                </a:solidFill>
-              </a:rPr>
-              <a:t>Camera </a:t>
-            </a:r>
-          </a:p>
-        </p:txBody>
-      </p:sp>
-    </p:spTree>
-    <p:extLst>
-      <p:ext uri="{BB962C8B-B14F-4D97-AF65-F5344CB8AC3E}">
-        <p14:creationId xmlns:p14="http://schemas.microsoft.com/office/powerpoint/2010/main" val="2118823178"/>
-      </p:ext>
-    </p:extLst>
-  </p:cSld>
-  <p:clrMapOvr>
-    <a:masterClrMapping/>
-  </p:clrMapOvr>
-</p:sld>
-</file>
-
-<file path=ppt/slides/slide5.xml><?xml version="1.0" encoding="utf-8"?>
+<file path=ppt/slides/slide11.xml><?xml version="1.0" encoding="utf-8"?>
 <p:sld xmlns:a="http://schemas.openxmlformats.org/drawingml/2006/main" xmlns:r="http://schemas.openxmlformats.org/officeDocument/2006/relationships" xmlns:p="http://schemas.openxmlformats.org/presentationml/2006/main">
   <p:cSld>
     <p:spTree>
@@ -12977,7 +11159,7 @@
             <a:fld id="{817179DE-9BF3-494C-804F-0C7C90AC8700}" type="slidenum">
               <a:rPr lang="fr-FR" noProof="0" smtClean="0"/>
               <a:pPr algn="ctr" rtl="0"/>
-              <a:t>5</a:t>
+              <a:t>11</a:t>
             </a:fld>
             <a:endParaRPr lang="fr-FR" noProof="0"/>
           </a:p>
@@ -12987,6 +11169,2254 @@
     <p:extLst>
       <p:ext uri="{BB962C8B-B14F-4D97-AF65-F5344CB8AC3E}">
         <p14:creationId xmlns:p14="http://schemas.microsoft.com/office/powerpoint/2010/main" val="2674200297"/>
+      </p:ext>
+    </p:extLst>
+  </p:cSld>
+  <p:clrMapOvr>
+    <a:masterClrMapping/>
+  </p:clrMapOvr>
+</p:sld>
+</file>
+
+<file path=ppt/slides/slide12.xml><?xml version="1.0" encoding="utf-8"?>
+<p:sld xmlns:a="http://schemas.openxmlformats.org/drawingml/2006/main" xmlns:r="http://schemas.openxmlformats.org/officeDocument/2006/relationships" xmlns:p="http://schemas.openxmlformats.org/presentationml/2006/main">
+  <p:cSld>
+    <p:spTree>
+      <p:nvGrpSpPr>
+        <p:cNvPr id="1" name=""/>
+        <p:cNvGrpSpPr/>
+        <p:nvPr/>
+      </p:nvGrpSpPr>
+      <p:grpSpPr>
+        <a:xfrm>
+          <a:off x="0" y="0"/>
+          <a:ext cx="0" cy="0"/>
+          <a:chOff x="0" y="0"/>
+          <a:chExt cx="0" cy="0"/>
+        </a:xfrm>
+      </p:grpSpPr>
+      <p:sp>
+        <p:nvSpPr>
+          <p:cNvPr id="4" name="Titre 3">
+            <a:extLst>
+              <a:ext uri="{FF2B5EF4-FFF2-40B4-BE49-F238E27FC236}">
+                <a16:creationId xmlns:a16="http://schemas.microsoft.com/office/drawing/2014/main" id="{E98DCA46-603B-4178-8707-30E192CE6B8D}"/>
+              </a:ext>
+            </a:extLst>
+          </p:cNvPr>
+          <p:cNvSpPr>
+            <a:spLocks noGrp="1"/>
+          </p:cNvSpPr>
+          <p:nvPr>
+            <p:ph type="title"/>
+          </p:nvPr>
+        </p:nvSpPr>
+        <p:spPr/>
+        <p:txBody>
+          <a:bodyPr rtlCol="0"/>
+          <a:lstStyle/>
+          <a:p>
+            <a:pPr rtl="0"/>
+            <a:r>
+              <a:rPr lang="fr-FR"/>
+              <a:t>Personnaliser</a:t>
+            </a:r>
+            <a:r>
+              <a:rPr lang="fr-FR" i="1"/>
+              <a:t> </a:t>
+            </a:r>
+            <a:r>
+              <a:rPr lang="fr-FR"/>
+              <a:t>ce modèle</a:t>
+            </a:r>
+          </a:p>
+        </p:txBody>
+      </p:sp>
+      <p:sp>
+        <p:nvSpPr>
+          <p:cNvPr id="8" name="Zone de texte 7">
+            <a:hlinkClick r:id="rId3"/>
+            <a:extLst>
+              <a:ext uri="{FF2B5EF4-FFF2-40B4-BE49-F238E27FC236}">
+                <a16:creationId xmlns:a16="http://schemas.microsoft.com/office/drawing/2014/main" id="{5FC6C278-4035-446A-A94B-030E792FDDF5}"/>
+              </a:ext>
+            </a:extLst>
+          </p:cNvPr>
+          <p:cNvSpPr txBox="1"/>
+          <p:nvPr/>
+        </p:nvSpPr>
+        <p:spPr>
+          <a:xfrm>
+            <a:off x="1547813" y="2459504"/>
+            <a:ext cx="9096374" cy="3477875"/>
+          </a:xfrm>
+          <a:prstGeom prst="rect">
+            <a:avLst/>
+          </a:prstGeom>
+          <a:noFill/>
+        </p:spPr>
+        <p:txBody>
+          <a:bodyPr wrap="square" rtlCol="0">
+            <a:spAutoFit/>
+          </a:bodyPr>
+          <a:lstStyle/>
+          <a:p>
+            <a:pPr algn="ctr" rtl="0"/>
+            <a:r>
+              <a:rPr lang="fr-FR" sz="5500" u="sng" dirty="0">
+                <a:solidFill>
+                  <a:srgbClr val="0070C0"/>
+                </a:solidFill>
+              </a:rPr>
+              <a:t>Cliquez ici pour découvrir comment modifier ce modèle et nous communiquer vos commentaires</a:t>
+            </a:r>
+          </a:p>
+        </p:txBody>
+      </p:sp>
+    </p:spTree>
+    <p:extLst>
+      <p:ext uri="{BB962C8B-B14F-4D97-AF65-F5344CB8AC3E}">
+        <p14:creationId xmlns:p14="http://schemas.microsoft.com/office/powerpoint/2010/main" val="59582380"/>
+      </p:ext>
+    </p:extLst>
+  </p:cSld>
+  <p:clrMapOvr>
+    <a:masterClrMapping/>
+  </p:clrMapOvr>
+</p:sld>
+</file>
+
+<file path=ppt/slides/slide2.xml><?xml version="1.0" encoding="utf-8"?>
+<p:sld xmlns:a="http://schemas.openxmlformats.org/drawingml/2006/main" xmlns:r="http://schemas.openxmlformats.org/officeDocument/2006/relationships" xmlns:p="http://schemas.openxmlformats.org/presentationml/2006/main">
+  <p:cSld>
+    <p:spTree>
+      <p:nvGrpSpPr>
+        <p:cNvPr id="1" name=""/>
+        <p:cNvGrpSpPr/>
+        <p:nvPr/>
+      </p:nvGrpSpPr>
+      <p:grpSpPr>
+        <a:xfrm>
+          <a:off x="0" y="0"/>
+          <a:ext cx="0" cy="0"/>
+          <a:chOff x="0" y="0"/>
+          <a:chExt cx="0" cy="0"/>
+        </a:xfrm>
+      </p:grpSpPr>
+      <p:sp>
+        <p:nvSpPr>
+          <p:cNvPr id="2" name="Titre 1">
+            <a:extLst>
+              <a:ext uri="{FF2B5EF4-FFF2-40B4-BE49-F238E27FC236}">
+                <a16:creationId xmlns:a16="http://schemas.microsoft.com/office/drawing/2014/main" id="{13ADE574-348A-4178-F52B-58D380802F92}"/>
+              </a:ext>
+            </a:extLst>
+          </p:cNvPr>
+          <p:cNvSpPr>
+            <a:spLocks noGrp="1"/>
+          </p:cNvSpPr>
+          <p:nvPr>
+            <p:ph type="title"/>
+          </p:nvPr>
+        </p:nvSpPr>
+        <p:spPr/>
+        <p:txBody>
+          <a:bodyPr/>
+          <a:lstStyle/>
+          <a:p>
+            <a:r>
+              <a:rPr lang="fr-FR" sz="4000" dirty="0"/>
+              <a:t>Sommaire</a:t>
+            </a:r>
+          </a:p>
+        </p:txBody>
+      </p:sp>
+      <p:sp>
+        <p:nvSpPr>
+          <p:cNvPr id="3" name="Espace réservé du contenu 2">
+            <a:extLst>
+              <a:ext uri="{FF2B5EF4-FFF2-40B4-BE49-F238E27FC236}">
+                <a16:creationId xmlns:a16="http://schemas.microsoft.com/office/drawing/2014/main" id="{EAB1D07C-79D9-933D-9D37-DE93FD7E126B}"/>
+              </a:ext>
+            </a:extLst>
+          </p:cNvPr>
+          <p:cNvSpPr>
+            <a:spLocks noGrp="1"/>
+          </p:cNvSpPr>
+          <p:nvPr>
+            <p:ph idx="1"/>
+          </p:nvPr>
+        </p:nvSpPr>
+        <p:spPr/>
+        <p:txBody>
+          <a:bodyPr>
+            <a:normAutofit fontScale="92500" lnSpcReduction="10000"/>
+          </a:bodyPr>
+          <a:lstStyle/>
+          <a:p>
+            <a:r>
+              <a:rPr lang="fr-FR" dirty="0"/>
+              <a:t>Résumé du projet</a:t>
+            </a:r>
+          </a:p>
+          <a:p>
+            <a:r>
+              <a:rPr lang="fr-FR" dirty="0"/>
+              <a:t>Diagrammes</a:t>
+            </a:r>
+          </a:p>
+          <a:p>
+            <a:r>
+              <a:rPr lang="fr-FR" dirty="0"/>
+              <a:t>Gestion du projet</a:t>
+            </a:r>
+          </a:p>
+          <a:p>
+            <a:r>
+              <a:rPr lang="fr-FR" dirty="0"/>
+              <a:t>Gestion des accès au campus</a:t>
+            </a:r>
+          </a:p>
+          <a:p>
+            <a:pPr lvl="1"/>
+            <a:r>
+              <a:rPr lang="fr-FR" dirty="0"/>
+              <a:t>Récupération des adresses MAC  </a:t>
+            </a:r>
+          </a:p>
+          <a:p>
+            <a:pPr lvl="1"/>
+            <a:r>
+              <a:rPr lang="fr-FR" dirty="0"/>
+              <a:t>Publication des données avec MQTT</a:t>
+            </a:r>
+          </a:p>
+          <a:p>
+            <a:pPr lvl="1"/>
+            <a:r>
+              <a:rPr lang="fr-FR" dirty="0"/>
+              <a:t>Sauvegarde des données sur la BDD</a:t>
+            </a:r>
+          </a:p>
+          <a:p>
+            <a:pPr lvl="1"/>
+            <a:r>
+              <a:rPr lang="fr-FR" dirty="0"/>
+              <a:t>Les défauts</a:t>
+            </a:r>
+          </a:p>
+          <a:p>
+            <a:r>
+              <a:rPr lang="fr-FR" dirty="0"/>
+              <a:t>Gestion des accès au </a:t>
+            </a:r>
+            <a:r>
+              <a:rPr lang="fr-FR" dirty="0" err="1"/>
+              <a:t>batiment</a:t>
+            </a:r>
+            <a:endParaRPr lang="fr-FR" dirty="0"/>
+          </a:p>
+          <a:p>
+            <a:pPr lvl="1"/>
+            <a:endParaRPr lang="fr-FR" dirty="0"/>
+          </a:p>
+          <a:p>
+            <a:r>
+              <a:rPr lang="fr-FR" dirty="0"/>
+              <a:t>Gestion des accès aux salles</a:t>
+            </a:r>
+          </a:p>
+          <a:p>
+            <a:pPr lvl="1"/>
+            <a:endParaRPr lang="fr-FR" dirty="0"/>
+          </a:p>
+          <a:p>
+            <a:endParaRPr lang="fr-FR" dirty="0"/>
+          </a:p>
+          <a:p>
+            <a:endParaRPr lang="fr-FR" dirty="0"/>
+          </a:p>
+          <a:p>
+            <a:endParaRPr lang="fr-FR" dirty="0"/>
+          </a:p>
+        </p:txBody>
+      </p:sp>
+    </p:spTree>
+    <p:extLst>
+      <p:ext uri="{BB962C8B-B14F-4D97-AF65-F5344CB8AC3E}">
+        <p14:creationId xmlns:p14="http://schemas.microsoft.com/office/powerpoint/2010/main" val="2424550590"/>
+      </p:ext>
+    </p:extLst>
+  </p:cSld>
+  <p:clrMapOvr>
+    <a:masterClrMapping/>
+  </p:clrMapOvr>
+</p:sld>
+</file>
+
+<file path=ppt/slides/slide3.xml><?xml version="1.0" encoding="utf-8"?>
+<p:sld xmlns:a="http://schemas.openxmlformats.org/drawingml/2006/main" xmlns:r="http://schemas.openxmlformats.org/officeDocument/2006/relationships" xmlns:p="http://schemas.openxmlformats.org/presentationml/2006/main">
+  <p:cSld>
+    <p:spTree>
+      <p:nvGrpSpPr>
+        <p:cNvPr id="1" name=""/>
+        <p:cNvGrpSpPr/>
+        <p:nvPr/>
+      </p:nvGrpSpPr>
+      <p:grpSpPr>
+        <a:xfrm>
+          <a:off x="0" y="0"/>
+          <a:ext cx="0" cy="0"/>
+          <a:chOff x="0" y="0"/>
+          <a:chExt cx="0" cy="0"/>
+        </a:xfrm>
+      </p:grpSpPr>
+      <p:pic>
+        <p:nvPicPr>
+          <p:cNvPr id="7" name="Espace réservé d’image 6">
+            <a:extLst>
+              <a:ext uri="{FF2B5EF4-FFF2-40B4-BE49-F238E27FC236}">
+                <a16:creationId xmlns:a16="http://schemas.microsoft.com/office/drawing/2014/main" id="{3C2A7DCB-B005-424A-8446-ACA533D0BC8B}"/>
+              </a:ext>
+            </a:extLst>
+          </p:cNvPr>
+          <p:cNvPicPr>
+            <a:picLocks noGrp="1" noChangeAspect="1"/>
+          </p:cNvPicPr>
+          <p:nvPr>
+            <p:ph type="pic" sz="quarter" idx="10"/>
+          </p:nvPr>
+        </p:nvPicPr>
+        <p:blipFill rotWithShape="1">
+          <a:blip r:embed="rId3"/>
+          <a:srcRect r="19888"/>
+          <a:stretch/>
+        </p:blipFill>
+        <p:spPr>
+          <a:xfrm>
+            <a:off x="6836877" y="1467"/>
+            <a:ext cx="5355123" cy="6865749"/>
+          </a:xfrm>
+        </p:spPr>
+      </p:pic>
+      <p:grpSp>
+        <p:nvGrpSpPr>
+          <p:cNvPr id="11" name="Groupe 10">
+            <a:extLst>
+              <a:ext uri="{FF2B5EF4-FFF2-40B4-BE49-F238E27FC236}">
+                <a16:creationId xmlns:a16="http://schemas.microsoft.com/office/drawing/2014/main" id="{AB025618-C830-4992-9CD3-D9E49BC79E67}"/>
+              </a:ext>
+              <a:ext uri="{C183D7F6-B498-43B3-948B-1728B52AA6E4}">
+                <adec:decorative xmlns:adec="http://schemas.microsoft.com/office/drawing/2017/decorative" val="1"/>
+              </a:ext>
+            </a:extLst>
+          </p:cNvPr>
+          <p:cNvGrpSpPr/>
+          <p:nvPr/>
+        </p:nvGrpSpPr>
+        <p:grpSpPr>
+          <a:xfrm>
+            <a:off x="2595847" y="0"/>
+            <a:ext cx="7388298" cy="6858000"/>
+            <a:chOff x="1826589" y="0"/>
+            <a:chExt cx="7388298" cy="6858000"/>
+          </a:xfrm>
+        </p:grpSpPr>
+        <p:sp>
+          <p:nvSpPr>
+            <p:cNvPr id="10" name="Parallélogramme 9">
+              <a:extLst>
+                <a:ext uri="{FF2B5EF4-FFF2-40B4-BE49-F238E27FC236}">
+                  <a16:creationId xmlns:a16="http://schemas.microsoft.com/office/drawing/2014/main" id="{11E692D4-6AEA-4652-A7AE-A02328258A55}"/>
+                </a:ext>
+              </a:extLst>
+            </p:cNvPr>
+            <p:cNvSpPr/>
+            <p:nvPr/>
+          </p:nvSpPr>
+          <p:spPr>
+            <a:xfrm>
+              <a:off x="2618099" y="0"/>
+              <a:ext cx="6596788" cy="6858000"/>
+            </a:xfrm>
+            <a:prstGeom prst="parallelogram">
+              <a:avLst/>
+            </a:prstGeom>
+            <a:solidFill>
+              <a:schemeClr val="bg1">
+                <a:alpha val="82000"/>
+              </a:schemeClr>
+            </a:solidFill>
+            <a:ln>
+              <a:noFill/>
+            </a:ln>
+          </p:spPr>
+          <p:style>
+            <a:lnRef idx="2">
+              <a:schemeClr val="accent1">
+                <a:shade val="50000"/>
+              </a:schemeClr>
+            </a:lnRef>
+            <a:fillRef idx="1">
+              <a:schemeClr val="accent1"/>
+            </a:fillRef>
+            <a:effectRef idx="0">
+              <a:schemeClr val="accent1"/>
+            </a:effectRef>
+            <a:fontRef idx="minor">
+              <a:schemeClr val="lt1"/>
+            </a:fontRef>
+          </p:style>
+          <p:txBody>
+            <a:bodyPr rtlCol="0" anchor="ctr"/>
+            <a:lstStyle/>
+            <a:p>
+              <a:pPr algn="ctr" rtl="0"/>
+              <a:endParaRPr lang="fr-FR"/>
+            </a:p>
+          </p:txBody>
+        </p:sp>
+        <p:sp>
+          <p:nvSpPr>
+            <p:cNvPr id="9" name="Parallélogramme 8">
+              <a:extLst>
+                <a:ext uri="{FF2B5EF4-FFF2-40B4-BE49-F238E27FC236}">
+                  <a16:creationId xmlns:a16="http://schemas.microsoft.com/office/drawing/2014/main" id="{A134AA32-2418-4A09-9BA8-ED7207AC0D74}"/>
+                </a:ext>
+              </a:extLst>
+            </p:cNvPr>
+            <p:cNvSpPr/>
+            <p:nvPr/>
+          </p:nvSpPr>
+          <p:spPr>
+            <a:xfrm>
+              <a:off x="2340861" y="0"/>
+              <a:ext cx="6596788" cy="6858000"/>
+            </a:xfrm>
+            <a:prstGeom prst="parallelogram">
+              <a:avLst/>
+            </a:prstGeom>
+            <a:solidFill>
+              <a:schemeClr val="bg1">
+                <a:alpha val="61000"/>
+              </a:schemeClr>
+            </a:solidFill>
+            <a:ln>
+              <a:noFill/>
+            </a:ln>
+          </p:spPr>
+          <p:style>
+            <a:lnRef idx="2">
+              <a:schemeClr val="accent1">
+                <a:shade val="50000"/>
+              </a:schemeClr>
+            </a:lnRef>
+            <a:fillRef idx="1">
+              <a:schemeClr val="accent1"/>
+            </a:fillRef>
+            <a:effectRef idx="0">
+              <a:schemeClr val="accent1"/>
+            </a:effectRef>
+            <a:fontRef idx="minor">
+              <a:schemeClr val="lt1"/>
+            </a:fontRef>
+          </p:style>
+          <p:txBody>
+            <a:bodyPr rtlCol="0" anchor="ctr"/>
+            <a:lstStyle/>
+            <a:p>
+              <a:pPr algn="ctr" rtl="0"/>
+              <a:endParaRPr lang="fr-FR"/>
+            </a:p>
+          </p:txBody>
+        </p:sp>
+        <p:sp>
+          <p:nvSpPr>
+            <p:cNvPr id="22" name="Parallélogramme 21">
+              <a:extLst>
+                <a:ext uri="{FF2B5EF4-FFF2-40B4-BE49-F238E27FC236}">
+                  <a16:creationId xmlns:a16="http://schemas.microsoft.com/office/drawing/2014/main" id="{0051AD99-BC4A-487F-BE1C-486FC5B8E9F2}"/>
+                </a:ext>
+              </a:extLst>
+            </p:cNvPr>
+            <p:cNvSpPr/>
+            <p:nvPr/>
+          </p:nvSpPr>
+          <p:spPr>
+            <a:xfrm>
+              <a:off x="1826589" y="0"/>
+              <a:ext cx="6596788" cy="6858000"/>
+            </a:xfrm>
+            <a:prstGeom prst="parallelogram">
+              <a:avLst/>
+            </a:prstGeom>
+            <a:solidFill>
+              <a:schemeClr val="bg1">
+                <a:alpha val="84000"/>
+              </a:schemeClr>
+            </a:solidFill>
+            <a:ln>
+              <a:noFill/>
+            </a:ln>
+          </p:spPr>
+          <p:style>
+            <a:lnRef idx="2">
+              <a:schemeClr val="accent1">
+                <a:shade val="50000"/>
+              </a:schemeClr>
+            </a:lnRef>
+            <a:fillRef idx="1">
+              <a:schemeClr val="accent1"/>
+            </a:fillRef>
+            <a:effectRef idx="0">
+              <a:schemeClr val="accent1"/>
+            </a:effectRef>
+            <a:fontRef idx="minor">
+              <a:schemeClr val="lt1"/>
+            </a:fontRef>
+          </p:style>
+          <p:txBody>
+            <a:bodyPr rtlCol="0" anchor="ctr"/>
+            <a:lstStyle/>
+            <a:p>
+              <a:pPr algn="ctr" rtl="0"/>
+              <a:endParaRPr lang="fr-FR" dirty="0"/>
+            </a:p>
+          </p:txBody>
+        </p:sp>
+      </p:grpSp>
+      <p:sp>
+        <p:nvSpPr>
+          <p:cNvPr id="4" name="Titre 3" descr="Titre">
+            <a:extLst>
+              <a:ext uri="{FF2B5EF4-FFF2-40B4-BE49-F238E27FC236}">
+                <a16:creationId xmlns:a16="http://schemas.microsoft.com/office/drawing/2014/main" id="{DFF36EE7-AE57-42F4-ACA9-A328C1F4EA02}"/>
+              </a:ext>
+            </a:extLst>
+          </p:cNvPr>
+          <p:cNvSpPr>
+            <a:spLocks noGrp="1"/>
+          </p:cNvSpPr>
+          <p:nvPr>
+            <p:ph type="title"/>
+          </p:nvPr>
+        </p:nvSpPr>
+        <p:spPr/>
+        <p:txBody>
+          <a:bodyPr rtlCol="0"/>
+          <a:lstStyle/>
+          <a:p>
+            <a:pPr rtl="0"/>
+            <a:r>
+              <a:rPr lang="fr-FR" dirty="0"/>
+              <a:t>Résumé du projet</a:t>
+            </a:r>
+          </a:p>
+        </p:txBody>
+      </p:sp>
+      <p:pic>
+        <p:nvPicPr>
+          <p:cNvPr id="35" name="Espace réservé du contenu 34" descr="Femme prenant une photo">
+            <a:extLst>
+              <a:ext uri="{FF2B5EF4-FFF2-40B4-BE49-F238E27FC236}">
+                <a16:creationId xmlns:a16="http://schemas.microsoft.com/office/drawing/2014/main" id="{56174A3F-A7B3-40BE-88BD-1796890E4B44}"/>
+              </a:ext>
+            </a:extLst>
+          </p:cNvPr>
+          <p:cNvPicPr>
+            <a:picLocks noGrp="1" noChangeAspect="1"/>
+          </p:cNvPicPr>
+          <p:nvPr>
+            <p:ph sz="quarter" idx="13"/>
+          </p:nvPr>
+        </p:nvPicPr>
+        <p:blipFill>
+          <a:blip r:embed="rId4">
+            <a:extLst>
+              <a:ext uri="{96DAC541-7B7A-43D3-8B79-37D633B846F1}">
+                <asvg:svgBlip xmlns:asvg="http://schemas.microsoft.com/office/drawing/2016/SVG/main" r:embed="rId5"/>
+              </a:ext>
+            </a:extLst>
+          </a:blip>
+          <a:srcRect/>
+          <a:stretch/>
+        </p:blipFill>
+        <p:spPr>
+          <a:xfrm>
+            <a:off x="3735627" y="5141480"/>
+            <a:ext cx="980735" cy="1260000"/>
+          </a:xfrm>
+        </p:spPr>
+      </p:pic>
+      <p:sp>
+        <p:nvSpPr>
+          <p:cNvPr id="23" name="Espace réservé du texte 22" descr="bloc de contenu 1">
+            <a:extLst>
+              <a:ext uri="{FF2B5EF4-FFF2-40B4-BE49-F238E27FC236}">
+                <a16:creationId xmlns:a16="http://schemas.microsoft.com/office/drawing/2014/main" id="{B88939B0-5B9A-4423-AFD1-CF6B22268795}"/>
+              </a:ext>
+            </a:extLst>
+          </p:cNvPr>
+          <p:cNvSpPr>
+            <a:spLocks noGrp="1"/>
+          </p:cNvSpPr>
+          <p:nvPr>
+            <p:ph type="body" sz="quarter" idx="11"/>
+          </p:nvPr>
+        </p:nvSpPr>
+        <p:spPr>
+          <a:xfrm>
+            <a:off x="642025" y="1657717"/>
+            <a:ext cx="7509754" cy="4428761"/>
+          </a:xfrm>
+        </p:spPr>
+        <p:txBody>
+          <a:bodyPr rtlCol="0"/>
+          <a:lstStyle/>
+          <a:p>
+            <a:pPr rtl="0"/>
+            <a:r>
+              <a:rPr lang="fr-FR" sz="2000" dirty="0"/>
+              <a:t>Ce projet a pour objectif de créer un système de gestion des accès d’un bâtiment.</a:t>
+            </a:r>
+          </a:p>
+          <a:p>
+            <a:pPr rtl="0"/>
+            <a:r>
+              <a:rPr lang="fr-FR" sz="2000" dirty="0"/>
+              <a:t>Un campus contenant plusieurs bâtiments, dans lequel se trouvent plusieurs salles.</a:t>
+            </a:r>
+          </a:p>
+          <a:p>
+            <a:pPr rtl="0"/>
+            <a:r>
+              <a:rPr lang="fr-FR" sz="2000" dirty="0"/>
+              <a:t>Tous ont un niveau d’accès différent selon leur titre et leur emploi du temps.</a:t>
+            </a:r>
+          </a:p>
+          <a:p>
+            <a:pPr rtl="0"/>
+            <a:r>
+              <a:rPr lang="fr-FR" sz="2000" dirty="0"/>
+              <a:t>Chaque lieu demande un niveau d’accès différent selon la sensibilité du contenu de la zone.</a:t>
+            </a:r>
+          </a:p>
+          <a:p>
+            <a:pPr rtl="0"/>
+            <a:r>
+              <a:rPr lang="fr-FR" sz="2000" dirty="0"/>
+              <a:t>Les différents utilisateurs sont les enseignants, les élèves et les agents de sécurité.</a:t>
+            </a:r>
+          </a:p>
+          <a:p>
+            <a:pPr rtl="0"/>
+            <a:endParaRPr lang="fr-FR" sz="1800" dirty="0"/>
+          </a:p>
+          <a:p>
+            <a:pPr rtl="0"/>
+            <a:endParaRPr lang="fr-FR" sz="1800" dirty="0"/>
+          </a:p>
+        </p:txBody>
+      </p:sp>
+      <p:pic>
+        <p:nvPicPr>
+          <p:cNvPr id="36" name="Espace réservé du contenu 35" descr="Homme avec pilosité faciale">
+            <a:extLst>
+              <a:ext uri="{FF2B5EF4-FFF2-40B4-BE49-F238E27FC236}">
+                <a16:creationId xmlns:a16="http://schemas.microsoft.com/office/drawing/2014/main" id="{A960174C-A9DE-472D-BF1C-B13108BD70B7}"/>
+              </a:ext>
+            </a:extLst>
+          </p:cNvPr>
+          <p:cNvPicPr>
+            <a:picLocks noGrp="1" noChangeAspect="1"/>
+          </p:cNvPicPr>
+          <p:nvPr>
+            <p:ph sz="quarter" idx="14"/>
+          </p:nvPr>
+        </p:nvPicPr>
+        <p:blipFill>
+          <a:blip r:embed="rId6">
+            <a:extLst>
+              <a:ext uri="{96DAC541-7B7A-43D3-8B79-37D633B846F1}">
+                <asvg:svgBlip xmlns:asvg="http://schemas.microsoft.com/office/drawing/2016/SVG/main" r:embed="rId7"/>
+              </a:ext>
+            </a:extLst>
+          </a:blip>
+          <a:srcRect/>
+          <a:stretch/>
+        </p:blipFill>
+        <p:spPr>
+          <a:xfrm>
+            <a:off x="986898" y="5166516"/>
+            <a:ext cx="929845" cy="1260000"/>
+          </a:xfrm>
+        </p:spPr>
+      </p:pic>
+      <p:sp>
+        <p:nvSpPr>
+          <p:cNvPr id="14" name="Rectangle 13">
+            <a:extLst>
+              <a:ext uri="{FF2B5EF4-FFF2-40B4-BE49-F238E27FC236}">
+                <a16:creationId xmlns:a16="http://schemas.microsoft.com/office/drawing/2014/main" id="{C862BC4D-BD7A-417E-A34A-59CE4D4A6AC8}"/>
+              </a:ext>
+              <a:ext uri="{C183D7F6-B498-43B3-948B-1728B52AA6E4}">
+                <adec:decorative xmlns:adec="http://schemas.microsoft.com/office/drawing/2017/decorative" val="1"/>
+              </a:ext>
+            </a:extLst>
+          </p:cNvPr>
+          <p:cNvSpPr/>
+          <p:nvPr/>
+        </p:nvSpPr>
+        <p:spPr>
+          <a:xfrm>
+            <a:off x="0" y="6355760"/>
+            <a:ext cx="12192000" cy="91440"/>
+          </a:xfrm>
+          <a:prstGeom prst="rect">
+            <a:avLst/>
+          </a:prstGeom>
+          <a:solidFill>
+            <a:schemeClr val="bg1">
+              <a:lumMod val="95000"/>
+            </a:schemeClr>
+          </a:solidFill>
+          <a:ln>
+            <a:noFill/>
+          </a:ln>
+        </p:spPr>
+        <p:style>
+          <a:lnRef idx="2">
+            <a:schemeClr val="accent1">
+              <a:shade val="50000"/>
+            </a:schemeClr>
+          </a:lnRef>
+          <a:fillRef idx="1">
+            <a:schemeClr val="accent1"/>
+          </a:fillRef>
+          <a:effectRef idx="0">
+            <a:schemeClr val="accent1"/>
+          </a:effectRef>
+          <a:fontRef idx="minor">
+            <a:schemeClr val="lt1"/>
+          </a:fontRef>
+        </p:style>
+        <p:txBody>
+          <a:bodyPr rtlCol="0" anchor="ctr"/>
+          <a:lstStyle/>
+          <a:p>
+            <a:pPr algn="ctr" rtl="0"/>
+            <a:endParaRPr lang="fr-FR"/>
+          </a:p>
+        </p:txBody>
+      </p:sp>
+      <p:sp>
+        <p:nvSpPr>
+          <p:cNvPr id="15" name="Ovale 14">
+            <a:extLst>
+              <a:ext uri="{FF2B5EF4-FFF2-40B4-BE49-F238E27FC236}">
+                <a16:creationId xmlns:a16="http://schemas.microsoft.com/office/drawing/2014/main" id="{652937FB-CDE3-46B3-8481-AB5DB8C4BABA}"/>
+              </a:ext>
+              <a:ext uri="{C183D7F6-B498-43B3-948B-1728B52AA6E4}">
+                <adec:decorative xmlns:adec="http://schemas.microsoft.com/office/drawing/2017/decorative" val="1"/>
+              </a:ext>
+            </a:extLst>
+          </p:cNvPr>
+          <p:cNvSpPr/>
+          <p:nvPr/>
+        </p:nvSpPr>
+        <p:spPr>
+          <a:xfrm>
+            <a:off x="11091210" y="6086479"/>
+            <a:ext cx="600974" cy="600974"/>
+          </a:xfrm>
+          <a:prstGeom prst="ellipse">
+            <a:avLst/>
+          </a:prstGeom>
+          <a:solidFill>
+            <a:schemeClr val="accent1">
+              <a:lumMod val="75000"/>
+            </a:schemeClr>
+          </a:solidFill>
+          <a:ln>
+            <a:noFill/>
+          </a:ln>
+        </p:spPr>
+        <p:style>
+          <a:lnRef idx="2">
+            <a:schemeClr val="accent1">
+              <a:shade val="50000"/>
+            </a:schemeClr>
+          </a:lnRef>
+          <a:fillRef idx="1">
+            <a:schemeClr val="accent1"/>
+          </a:fillRef>
+          <a:effectRef idx="0">
+            <a:schemeClr val="accent1"/>
+          </a:effectRef>
+          <a:fontRef idx="minor">
+            <a:schemeClr val="lt1"/>
+          </a:fontRef>
+        </p:style>
+        <p:txBody>
+          <a:bodyPr rtlCol="0" anchor="ctr"/>
+          <a:lstStyle/>
+          <a:p>
+            <a:pPr algn="ctr" rtl="0"/>
+            <a:endParaRPr lang="fr-FR"/>
+          </a:p>
+        </p:txBody>
+      </p:sp>
+      <p:sp>
+        <p:nvSpPr>
+          <p:cNvPr id="44" name="Espace réservé du numéro de diapositive 5" descr="Numéro de diapositive">
+            <a:extLst>
+              <a:ext uri="{FF2B5EF4-FFF2-40B4-BE49-F238E27FC236}">
+                <a16:creationId xmlns:a16="http://schemas.microsoft.com/office/drawing/2014/main" id="{11457662-C1A5-4B93-8E30-88025E27C462}"/>
+              </a:ext>
+              <a:ext uri="{C183D7F6-B498-43B3-948B-1728B52AA6E4}">
+                <adec:decorative xmlns:adec="http://schemas.microsoft.com/office/drawing/2017/decorative" val="0"/>
+              </a:ext>
+            </a:extLst>
+          </p:cNvPr>
+          <p:cNvSpPr txBox="1">
+            <a:spLocks/>
+          </p:cNvSpPr>
+          <p:nvPr/>
+        </p:nvSpPr>
+        <p:spPr>
+          <a:xfrm>
+            <a:off x="11091210" y="6189345"/>
+            <a:ext cx="600974" cy="395243"/>
+          </a:xfrm>
+          <a:prstGeom prst="rect">
+            <a:avLst/>
+          </a:prstGeom>
+        </p:spPr>
+        <p:txBody>
+          <a:bodyPr vert="horz" lIns="0" tIns="0" rIns="0" bIns="0" rtlCol="0" anchor="ctr"/>
+          <a:lstStyle>
+            <a:defPPr>
+              <a:defRPr lang="en-US"/>
+            </a:defPPr>
+            <a:lvl1pPr marL="0" algn="r" defTabSz="914400" rtl="0" eaLnBrk="1" latinLnBrk="0" hangingPunct="1">
+              <a:defRPr sz="1100" kern="1200">
+                <a:solidFill>
+                  <a:schemeClr val="tx1">
+                    <a:tint val="75000"/>
+                  </a:schemeClr>
+                </a:solidFill>
+                <a:latin typeface="+mn-lt"/>
+                <a:ea typeface="+mn-ea"/>
+                <a:cs typeface="+mn-cs"/>
+              </a:defRPr>
+            </a:lvl1pPr>
+            <a:lvl2pPr marL="457200" algn="l" defTabSz="914400" rtl="0" eaLnBrk="1" latinLnBrk="0" hangingPunct="1">
+              <a:defRPr sz="1800" kern="1200">
+                <a:solidFill>
+                  <a:schemeClr val="tx1"/>
+                </a:solidFill>
+                <a:latin typeface="+mn-lt"/>
+                <a:ea typeface="+mn-ea"/>
+                <a:cs typeface="+mn-cs"/>
+              </a:defRPr>
+            </a:lvl2pPr>
+            <a:lvl3pPr marL="914400" algn="l" defTabSz="914400" rtl="0" eaLnBrk="1" latinLnBrk="0" hangingPunct="1">
+              <a:defRPr sz="1800" kern="1200">
+                <a:solidFill>
+                  <a:schemeClr val="tx1"/>
+                </a:solidFill>
+                <a:latin typeface="+mn-lt"/>
+                <a:ea typeface="+mn-ea"/>
+                <a:cs typeface="+mn-cs"/>
+              </a:defRPr>
+            </a:lvl3pPr>
+            <a:lvl4pPr marL="1371600" algn="l" defTabSz="914400" rtl="0" eaLnBrk="1" latinLnBrk="0" hangingPunct="1">
+              <a:defRPr sz="1800" kern="1200">
+                <a:solidFill>
+                  <a:schemeClr val="tx1"/>
+                </a:solidFill>
+                <a:latin typeface="+mn-lt"/>
+                <a:ea typeface="+mn-ea"/>
+                <a:cs typeface="+mn-cs"/>
+              </a:defRPr>
+            </a:lvl4pPr>
+            <a:lvl5pPr marL="1828800" algn="l" defTabSz="914400" rtl="0" eaLnBrk="1" latinLnBrk="0" hangingPunct="1">
+              <a:defRPr sz="1800" kern="1200">
+                <a:solidFill>
+                  <a:schemeClr val="tx1"/>
+                </a:solidFill>
+                <a:latin typeface="+mn-lt"/>
+                <a:ea typeface="+mn-ea"/>
+                <a:cs typeface="+mn-cs"/>
+              </a:defRPr>
+            </a:lvl5pPr>
+            <a:lvl6pPr marL="2286000" algn="l" defTabSz="914400" rtl="0" eaLnBrk="1" latinLnBrk="0" hangingPunct="1">
+              <a:defRPr sz="1800" kern="1200">
+                <a:solidFill>
+                  <a:schemeClr val="tx1"/>
+                </a:solidFill>
+                <a:latin typeface="+mn-lt"/>
+                <a:ea typeface="+mn-ea"/>
+                <a:cs typeface="+mn-cs"/>
+              </a:defRPr>
+            </a:lvl6pPr>
+            <a:lvl7pPr marL="2743200" algn="l" defTabSz="914400" rtl="0" eaLnBrk="1" latinLnBrk="0" hangingPunct="1">
+              <a:defRPr sz="1800" kern="1200">
+                <a:solidFill>
+                  <a:schemeClr val="tx1"/>
+                </a:solidFill>
+                <a:latin typeface="+mn-lt"/>
+                <a:ea typeface="+mn-ea"/>
+                <a:cs typeface="+mn-cs"/>
+              </a:defRPr>
+            </a:lvl7pPr>
+            <a:lvl8pPr marL="3200400" algn="l" defTabSz="914400" rtl="0" eaLnBrk="1" latinLnBrk="0" hangingPunct="1">
+              <a:defRPr sz="1800" kern="1200">
+                <a:solidFill>
+                  <a:schemeClr val="tx1"/>
+                </a:solidFill>
+                <a:latin typeface="+mn-lt"/>
+                <a:ea typeface="+mn-ea"/>
+                <a:cs typeface="+mn-cs"/>
+              </a:defRPr>
+            </a:lvl8pPr>
+            <a:lvl9pPr marL="3657600" algn="l" defTabSz="914400" rtl="0" eaLnBrk="1" latinLnBrk="0" hangingPunct="1">
+              <a:defRPr sz="1800" kern="1200">
+                <a:solidFill>
+                  <a:schemeClr val="tx1"/>
+                </a:solidFill>
+                <a:latin typeface="+mn-lt"/>
+                <a:ea typeface="+mn-ea"/>
+                <a:cs typeface="+mn-cs"/>
+              </a:defRPr>
+            </a:lvl9pPr>
+          </a:lstStyle>
+          <a:p>
+            <a:pPr algn="ctr" rtl="0"/>
+            <a:fld id="{247A4EEE-49CE-4F6C-BF32-B7FCC5EBBF45}" type="slidenum">
+              <a:rPr lang="fr-FR" sz="1200" smtClean="0">
+                <a:solidFill>
+                  <a:schemeClr val="bg1"/>
+                </a:solidFill>
+              </a:rPr>
+              <a:pPr algn="ctr" rtl="0"/>
+              <a:t>3</a:t>
+            </a:fld>
+            <a:endParaRPr lang="fr-FR" sz="1200">
+              <a:solidFill>
+                <a:schemeClr val="bg1"/>
+              </a:solidFill>
+            </a:endParaRPr>
+          </a:p>
+        </p:txBody>
+      </p:sp>
+      <p:sp>
+        <p:nvSpPr>
+          <p:cNvPr id="2" name="Espace réservé du numéro de diapositive 1">
+            <a:extLst>
+              <a:ext uri="{FF2B5EF4-FFF2-40B4-BE49-F238E27FC236}">
+                <a16:creationId xmlns:a16="http://schemas.microsoft.com/office/drawing/2014/main" id="{7E1CAEA6-7965-44F6-E7EA-6E997FBE8A24}"/>
+              </a:ext>
+            </a:extLst>
+          </p:cNvPr>
+          <p:cNvSpPr>
+            <a:spLocks noGrp="1"/>
+          </p:cNvSpPr>
+          <p:nvPr>
+            <p:ph type="sldNum" sz="quarter" idx="4"/>
+          </p:nvPr>
+        </p:nvSpPr>
+        <p:spPr/>
+        <p:txBody>
+          <a:bodyPr/>
+          <a:lstStyle/>
+          <a:p>
+            <a:pPr algn="ctr" rtl="0"/>
+            <a:fld id="{817179DE-9BF3-494C-804F-0C7C90AC8700}" type="slidenum">
+              <a:rPr lang="fr-FR" noProof="0" smtClean="0"/>
+              <a:pPr algn="ctr" rtl="0"/>
+              <a:t>3</a:t>
+            </a:fld>
+            <a:endParaRPr lang="fr-FR" noProof="0"/>
+          </a:p>
+        </p:txBody>
+      </p:sp>
+      <p:pic>
+        <p:nvPicPr>
+          <p:cNvPr id="21" name="Espace réservé du contenu 34" descr="Femme avec bras prothétique">
+            <a:extLst>
+              <a:ext uri="{FF2B5EF4-FFF2-40B4-BE49-F238E27FC236}">
+                <a16:creationId xmlns:a16="http://schemas.microsoft.com/office/drawing/2014/main" id="{0DB49058-7C48-47E1-03A3-4B93B3D61DBE}"/>
+              </a:ext>
+            </a:extLst>
+          </p:cNvPr>
+          <p:cNvPicPr>
+            <a:picLocks noChangeAspect="1"/>
+          </p:cNvPicPr>
+          <p:nvPr/>
+        </p:nvPicPr>
+        <p:blipFill>
+          <a:blip r:embed="rId8">
+            <a:extLst>
+              <a:ext uri="{96DAC541-7B7A-43D3-8B79-37D633B846F1}">
+                <asvg:svgBlip xmlns:asvg="http://schemas.microsoft.com/office/drawing/2016/SVG/main" r:embed="rId9"/>
+              </a:ext>
+            </a:extLst>
+          </a:blip>
+          <a:srcRect/>
+          <a:stretch/>
+        </p:blipFill>
+        <p:spPr>
+          <a:xfrm>
+            <a:off x="6395853" y="5078392"/>
+            <a:ext cx="1200010" cy="1260000"/>
+          </a:xfrm>
+          <a:prstGeom prst="rect">
+            <a:avLst/>
+          </a:prstGeom>
+        </p:spPr>
+      </p:pic>
+    </p:spTree>
+    <p:extLst>
+      <p:ext uri="{BB962C8B-B14F-4D97-AF65-F5344CB8AC3E}">
+        <p14:creationId xmlns:p14="http://schemas.microsoft.com/office/powerpoint/2010/main" val="3207125036"/>
+      </p:ext>
+    </p:extLst>
+  </p:cSld>
+  <p:clrMapOvr>
+    <a:masterClrMapping/>
+  </p:clrMapOvr>
+</p:sld>
+</file>
+
+<file path=ppt/slides/slide4.xml><?xml version="1.0" encoding="utf-8"?>
+<p:sld xmlns:a="http://schemas.openxmlformats.org/drawingml/2006/main" xmlns:r="http://schemas.openxmlformats.org/officeDocument/2006/relationships" xmlns:p="http://schemas.openxmlformats.org/presentationml/2006/main">
+  <p:cSld>
+    <p:spTree>
+      <p:nvGrpSpPr>
+        <p:cNvPr id="1" name=""/>
+        <p:cNvGrpSpPr/>
+        <p:nvPr/>
+      </p:nvGrpSpPr>
+      <p:grpSpPr>
+        <a:xfrm>
+          <a:off x="0" y="0"/>
+          <a:ext cx="0" cy="0"/>
+          <a:chOff x="0" y="0"/>
+          <a:chExt cx="0" cy="0"/>
+        </a:xfrm>
+      </p:grpSpPr>
+      <p:pic>
+        <p:nvPicPr>
+          <p:cNvPr id="7" name="Espace réservé d’image 6" descr="garçon marchant avec un sac de libre et un vélo">
+            <a:extLst>
+              <a:ext uri="{FF2B5EF4-FFF2-40B4-BE49-F238E27FC236}">
+                <a16:creationId xmlns:a16="http://schemas.microsoft.com/office/drawing/2014/main" id="{3111B687-3781-4457-A624-86311FC69082}"/>
+              </a:ext>
+            </a:extLst>
+          </p:cNvPr>
+          <p:cNvPicPr>
+            <a:picLocks noGrp="1" noChangeAspect="1"/>
+          </p:cNvPicPr>
+          <p:nvPr>
+            <p:ph type="pic" sz="quarter" idx="10"/>
+          </p:nvPr>
+        </p:nvPicPr>
+        <p:blipFill rotWithShape="1">
+          <a:blip r:embed="rId3" cstate="email">
+            <a:extLst>
+              <a:ext uri="{28A0092B-C50C-407E-A947-70E740481C1C}">
+                <a14:useLocalDpi xmlns:a14="http://schemas.microsoft.com/office/drawing/2010/main"/>
+              </a:ext>
+            </a:extLst>
+          </a:blip>
+          <a:srcRect/>
+          <a:stretch/>
+        </p:blipFill>
+        <p:spPr>
+          <a:xfrm>
+            <a:off x="6836125" y="0"/>
+            <a:ext cx="5355875" cy="6858000"/>
+          </a:xfrm>
+        </p:spPr>
+      </p:pic>
+      <p:grpSp>
+        <p:nvGrpSpPr>
+          <p:cNvPr id="11" name="Groupe 10">
+            <a:extLst>
+              <a:ext uri="{FF2B5EF4-FFF2-40B4-BE49-F238E27FC236}">
+                <a16:creationId xmlns:a16="http://schemas.microsoft.com/office/drawing/2014/main" id="{AB025618-C830-4992-9CD3-D9E49BC79E67}"/>
+              </a:ext>
+              <a:ext uri="{C183D7F6-B498-43B3-948B-1728B52AA6E4}">
+                <adec:decorative xmlns:adec="http://schemas.microsoft.com/office/drawing/2017/decorative" val="1"/>
+              </a:ext>
+            </a:extLst>
+          </p:cNvPr>
+          <p:cNvGrpSpPr/>
+          <p:nvPr/>
+        </p:nvGrpSpPr>
+        <p:grpSpPr>
+          <a:xfrm>
+            <a:off x="2595847" y="0"/>
+            <a:ext cx="7388298" cy="6858000"/>
+            <a:chOff x="1826589" y="0"/>
+            <a:chExt cx="7388298" cy="6858000"/>
+          </a:xfrm>
+        </p:grpSpPr>
+        <p:sp>
+          <p:nvSpPr>
+            <p:cNvPr id="10" name="Parallélogramme 9">
+              <a:extLst>
+                <a:ext uri="{FF2B5EF4-FFF2-40B4-BE49-F238E27FC236}">
+                  <a16:creationId xmlns:a16="http://schemas.microsoft.com/office/drawing/2014/main" id="{11E692D4-6AEA-4652-A7AE-A02328258A55}"/>
+                </a:ext>
+              </a:extLst>
+            </p:cNvPr>
+            <p:cNvSpPr/>
+            <p:nvPr/>
+          </p:nvSpPr>
+          <p:spPr>
+            <a:xfrm>
+              <a:off x="2618099" y="0"/>
+              <a:ext cx="6596788" cy="6858000"/>
+            </a:xfrm>
+            <a:prstGeom prst="parallelogram">
+              <a:avLst/>
+            </a:prstGeom>
+            <a:solidFill>
+              <a:schemeClr val="bg1">
+                <a:alpha val="82000"/>
+              </a:schemeClr>
+            </a:solidFill>
+            <a:ln>
+              <a:noFill/>
+            </a:ln>
+          </p:spPr>
+          <p:style>
+            <a:lnRef idx="2">
+              <a:schemeClr val="accent1">
+                <a:shade val="50000"/>
+              </a:schemeClr>
+            </a:lnRef>
+            <a:fillRef idx="1">
+              <a:schemeClr val="accent1"/>
+            </a:fillRef>
+            <a:effectRef idx="0">
+              <a:schemeClr val="accent1"/>
+            </a:effectRef>
+            <a:fontRef idx="minor">
+              <a:schemeClr val="lt1"/>
+            </a:fontRef>
+          </p:style>
+          <p:txBody>
+            <a:bodyPr rtlCol="0" anchor="ctr"/>
+            <a:lstStyle/>
+            <a:p>
+              <a:pPr algn="ctr" rtl="0"/>
+              <a:endParaRPr lang="fr-FR"/>
+            </a:p>
+          </p:txBody>
+        </p:sp>
+        <p:sp>
+          <p:nvSpPr>
+            <p:cNvPr id="9" name="Parallélogramme 8">
+              <a:extLst>
+                <a:ext uri="{FF2B5EF4-FFF2-40B4-BE49-F238E27FC236}">
+                  <a16:creationId xmlns:a16="http://schemas.microsoft.com/office/drawing/2014/main" id="{A134AA32-2418-4A09-9BA8-ED7207AC0D74}"/>
+                </a:ext>
+              </a:extLst>
+            </p:cNvPr>
+            <p:cNvSpPr/>
+            <p:nvPr/>
+          </p:nvSpPr>
+          <p:spPr>
+            <a:xfrm>
+              <a:off x="2340861" y="0"/>
+              <a:ext cx="6596788" cy="6858000"/>
+            </a:xfrm>
+            <a:prstGeom prst="parallelogram">
+              <a:avLst/>
+            </a:prstGeom>
+            <a:solidFill>
+              <a:schemeClr val="bg1">
+                <a:alpha val="61000"/>
+              </a:schemeClr>
+            </a:solidFill>
+            <a:ln>
+              <a:noFill/>
+            </a:ln>
+          </p:spPr>
+          <p:style>
+            <a:lnRef idx="2">
+              <a:schemeClr val="accent1">
+                <a:shade val="50000"/>
+              </a:schemeClr>
+            </a:lnRef>
+            <a:fillRef idx="1">
+              <a:schemeClr val="accent1"/>
+            </a:fillRef>
+            <a:effectRef idx="0">
+              <a:schemeClr val="accent1"/>
+            </a:effectRef>
+            <a:fontRef idx="minor">
+              <a:schemeClr val="lt1"/>
+            </a:fontRef>
+          </p:style>
+          <p:txBody>
+            <a:bodyPr rtlCol="0" anchor="ctr"/>
+            <a:lstStyle/>
+            <a:p>
+              <a:pPr algn="ctr" rtl="0"/>
+              <a:endParaRPr lang="fr-FR"/>
+            </a:p>
+          </p:txBody>
+        </p:sp>
+        <p:sp>
+          <p:nvSpPr>
+            <p:cNvPr id="22" name="Parallélogramme 21">
+              <a:extLst>
+                <a:ext uri="{FF2B5EF4-FFF2-40B4-BE49-F238E27FC236}">
+                  <a16:creationId xmlns:a16="http://schemas.microsoft.com/office/drawing/2014/main" id="{0051AD99-BC4A-487F-BE1C-486FC5B8E9F2}"/>
+                </a:ext>
+                <a:ext uri="{C183D7F6-B498-43B3-948B-1728B52AA6E4}">
+                  <adec:decorative xmlns:adec="http://schemas.microsoft.com/office/drawing/2017/decorative" val="1"/>
+                </a:ext>
+              </a:extLst>
+            </p:cNvPr>
+            <p:cNvSpPr/>
+            <p:nvPr/>
+          </p:nvSpPr>
+          <p:spPr>
+            <a:xfrm>
+              <a:off x="1826589" y="0"/>
+              <a:ext cx="6596788" cy="6858000"/>
+            </a:xfrm>
+            <a:prstGeom prst="parallelogram">
+              <a:avLst/>
+            </a:prstGeom>
+            <a:solidFill>
+              <a:schemeClr val="bg1">
+                <a:alpha val="84000"/>
+              </a:schemeClr>
+            </a:solidFill>
+            <a:ln>
+              <a:noFill/>
+            </a:ln>
+          </p:spPr>
+          <p:style>
+            <a:lnRef idx="2">
+              <a:schemeClr val="accent1">
+                <a:shade val="50000"/>
+              </a:schemeClr>
+            </a:lnRef>
+            <a:fillRef idx="1">
+              <a:schemeClr val="accent1"/>
+            </a:fillRef>
+            <a:effectRef idx="0">
+              <a:schemeClr val="accent1"/>
+            </a:effectRef>
+            <a:fontRef idx="minor">
+              <a:schemeClr val="lt1"/>
+            </a:fontRef>
+          </p:style>
+          <p:txBody>
+            <a:bodyPr rtlCol="0" anchor="ctr"/>
+            <a:lstStyle/>
+            <a:p>
+              <a:pPr algn="ctr" rtl="0"/>
+              <a:endParaRPr lang="fr-FR"/>
+            </a:p>
+          </p:txBody>
+        </p:sp>
+      </p:grpSp>
+      <p:sp>
+        <p:nvSpPr>
+          <p:cNvPr id="4" name="Titre 3" descr="Titre">
+            <a:extLst>
+              <a:ext uri="{FF2B5EF4-FFF2-40B4-BE49-F238E27FC236}">
+                <a16:creationId xmlns:a16="http://schemas.microsoft.com/office/drawing/2014/main" id="{DFF36EE7-AE57-42F4-ACA9-A328C1F4EA02}"/>
+              </a:ext>
+            </a:extLst>
+          </p:cNvPr>
+          <p:cNvSpPr>
+            <a:spLocks noGrp="1"/>
+          </p:cNvSpPr>
+          <p:nvPr>
+            <p:ph type="title"/>
+          </p:nvPr>
+        </p:nvSpPr>
+        <p:spPr/>
+        <p:txBody>
+          <a:bodyPr rtlCol="0"/>
+          <a:lstStyle/>
+          <a:p>
+            <a:pPr rtl="0"/>
+            <a:r>
+              <a:rPr lang="fr-FR" dirty="0"/>
+              <a:t>Résumé du projet</a:t>
+            </a:r>
+          </a:p>
+        </p:txBody>
+      </p:sp>
+      <p:sp>
+        <p:nvSpPr>
+          <p:cNvPr id="23" name="Espace réservé du texte 22" descr="bloc de contenu 1">
+            <a:extLst>
+              <a:ext uri="{FF2B5EF4-FFF2-40B4-BE49-F238E27FC236}">
+                <a16:creationId xmlns:a16="http://schemas.microsoft.com/office/drawing/2014/main" id="{B88939B0-5B9A-4423-AFD1-CF6B22268795}"/>
+              </a:ext>
+            </a:extLst>
+          </p:cNvPr>
+          <p:cNvSpPr>
+            <a:spLocks noGrp="1"/>
+          </p:cNvSpPr>
+          <p:nvPr>
+            <p:ph type="body" sz="quarter" idx="11"/>
+          </p:nvPr>
+        </p:nvSpPr>
+        <p:spPr>
+          <a:xfrm>
+            <a:off x="647699" y="1749157"/>
+            <a:ext cx="3589873" cy="4606603"/>
+          </a:xfrm>
+        </p:spPr>
+        <p:txBody>
+          <a:bodyPr rtlCol="0"/>
+          <a:lstStyle/>
+          <a:p>
+            <a:pPr rtl="0"/>
+            <a:r>
+              <a:rPr lang="fr-FR" sz="1600" dirty="0"/>
+              <a:t>Les zones :</a:t>
+            </a:r>
+          </a:p>
+          <a:p>
+            <a:pPr marL="285750" indent="-285750" rtl="0">
+              <a:buFont typeface="Arial" panose="020B0604020202020204" pitchFamily="34" charset="0"/>
+              <a:buChar char="•"/>
+            </a:pPr>
+            <a:r>
+              <a:rPr lang="fr-FR" sz="1600" dirty="0"/>
+              <a:t>Campus : Accessible par tous, un lecteur BT permet de compter le nombre de personnes dans le périmètre défini.</a:t>
+            </a:r>
+          </a:p>
+          <a:p>
+            <a:pPr marL="285750" indent="-285750" rtl="0">
+              <a:buFont typeface="Arial" panose="020B0604020202020204" pitchFamily="34" charset="0"/>
+              <a:buChar char="•"/>
+            </a:pPr>
+            <a:r>
+              <a:rPr lang="fr-FR" sz="1600" dirty="0"/>
+              <a:t>Bâtiment : Accessible aux personnes disposant des droits d’accès. Un lecteur RFID permettra d’identifier les personnes souhaitant entrer</a:t>
+            </a:r>
+          </a:p>
+          <a:p>
+            <a:pPr marL="285750" indent="-285750" rtl="0">
+              <a:buFont typeface="Arial" panose="020B0604020202020204" pitchFamily="34" charset="0"/>
+              <a:buChar char="•"/>
+            </a:pPr>
+            <a:r>
+              <a:rPr lang="fr-FR" sz="1600" dirty="0"/>
+              <a:t>Classe : Accessibles aux intervenants ayant réservé la salle. Un digicode envoyé avec la confirmation de réservation permet l’ouverture de la salle. Ce code n'est utilisable que durant le créneau réservé. Les portes se ferment automatiquement à la fin du créneau (restent possible d’ouvrir de l'intérieur) et le digicode est expiré.</a:t>
+            </a:r>
+          </a:p>
+        </p:txBody>
+      </p:sp>
+      <p:sp>
+        <p:nvSpPr>
+          <p:cNvPr id="14" name="Rectangle 13">
+            <a:extLst>
+              <a:ext uri="{FF2B5EF4-FFF2-40B4-BE49-F238E27FC236}">
+                <a16:creationId xmlns:a16="http://schemas.microsoft.com/office/drawing/2014/main" id="{C862BC4D-BD7A-417E-A34A-59CE4D4A6AC8}"/>
+              </a:ext>
+              <a:ext uri="{C183D7F6-B498-43B3-948B-1728B52AA6E4}">
+                <adec:decorative xmlns:adec="http://schemas.microsoft.com/office/drawing/2017/decorative" val="1"/>
+              </a:ext>
+            </a:extLst>
+          </p:cNvPr>
+          <p:cNvSpPr/>
+          <p:nvPr/>
+        </p:nvSpPr>
+        <p:spPr>
+          <a:xfrm>
+            <a:off x="0" y="6355760"/>
+            <a:ext cx="12192000" cy="91440"/>
+          </a:xfrm>
+          <a:prstGeom prst="rect">
+            <a:avLst/>
+          </a:prstGeom>
+          <a:solidFill>
+            <a:schemeClr val="bg1">
+              <a:lumMod val="95000"/>
+            </a:schemeClr>
+          </a:solidFill>
+          <a:ln>
+            <a:noFill/>
+          </a:ln>
+        </p:spPr>
+        <p:style>
+          <a:lnRef idx="2">
+            <a:schemeClr val="accent1">
+              <a:shade val="50000"/>
+            </a:schemeClr>
+          </a:lnRef>
+          <a:fillRef idx="1">
+            <a:schemeClr val="accent1"/>
+          </a:fillRef>
+          <a:effectRef idx="0">
+            <a:schemeClr val="accent1"/>
+          </a:effectRef>
+          <a:fontRef idx="minor">
+            <a:schemeClr val="lt1"/>
+          </a:fontRef>
+        </p:style>
+        <p:txBody>
+          <a:bodyPr rtlCol="0" anchor="ctr"/>
+          <a:lstStyle/>
+          <a:p>
+            <a:pPr algn="ctr" rtl="0"/>
+            <a:endParaRPr lang="fr-FR"/>
+          </a:p>
+        </p:txBody>
+      </p:sp>
+      <p:sp>
+        <p:nvSpPr>
+          <p:cNvPr id="15" name="Ovale 14">
+            <a:extLst>
+              <a:ext uri="{FF2B5EF4-FFF2-40B4-BE49-F238E27FC236}">
+                <a16:creationId xmlns:a16="http://schemas.microsoft.com/office/drawing/2014/main" id="{652937FB-CDE3-46B3-8481-AB5DB8C4BABA}"/>
+              </a:ext>
+              <a:ext uri="{C183D7F6-B498-43B3-948B-1728B52AA6E4}">
+                <adec:decorative xmlns:adec="http://schemas.microsoft.com/office/drawing/2017/decorative" val="1"/>
+              </a:ext>
+            </a:extLst>
+          </p:cNvPr>
+          <p:cNvSpPr/>
+          <p:nvPr/>
+        </p:nvSpPr>
+        <p:spPr>
+          <a:xfrm>
+            <a:off x="11091210" y="6086479"/>
+            <a:ext cx="600974" cy="600974"/>
+          </a:xfrm>
+          <a:prstGeom prst="ellipse">
+            <a:avLst/>
+          </a:prstGeom>
+          <a:solidFill>
+            <a:schemeClr val="accent1">
+              <a:lumMod val="75000"/>
+            </a:schemeClr>
+          </a:solidFill>
+          <a:ln>
+            <a:noFill/>
+          </a:ln>
+        </p:spPr>
+        <p:style>
+          <a:lnRef idx="2">
+            <a:schemeClr val="accent1">
+              <a:shade val="50000"/>
+            </a:schemeClr>
+          </a:lnRef>
+          <a:fillRef idx="1">
+            <a:schemeClr val="accent1"/>
+          </a:fillRef>
+          <a:effectRef idx="0">
+            <a:schemeClr val="accent1"/>
+          </a:effectRef>
+          <a:fontRef idx="minor">
+            <a:schemeClr val="lt1"/>
+          </a:fontRef>
+        </p:style>
+        <p:txBody>
+          <a:bodyPr rtlCol="0" anchor="ctr"/>
+          <a:lstStyle/>
+          <a:p>
+            <a:pPr algn="ctr" rtl="0"/>
+            <a:endParaRPr lang="fr-FR"/>
+          </a:p>
+        </p:txBody>
+      </p:sp>
+      <p:sp>
+        <p:nvSpPr>
+          <p:cNvPr id="17" name="Espace réservé du numéro de diapositive 5" descr="Numéro de diapositive">
+            <a:extLst>
+              <a:ext uri="{FF2B5EF4-FFF2-40B4-BE49-F238E27FC236}">
+                <a16:creationId xmlns:a16="http://schemas.microsoft.com/office/drawing/2014/main" id="{79161314-0A22-4109-A2B1-41E87EFE1E18}"/>
+              </a:ext>
+              <a:ext uri="{C183D7F6-B498-43B3-948B-1728B52AA6E4}">
+                <adec:decorative xmlns:adec="http://schemas.microsoft.com/office/drawing/2017/decorative" val="0"/>
+              </a:ext>
+            </a:extLst>
+          </p:cNvPr>
+          <p:cNvSpPr txBox="1">
+            <a:spLocks/>
+          </p:cNvSpPr>
+          <p:nvPr/>
+        </p:nvSpPr>
+        <p:spPr>
+          <a:xfrm>
+            <a:off x="11091210" y="6189345"/>
+            <a:ext cx="600974" cy="395243"/>
+          </a:xfrm>
+          <a:prstGeom prst="rect">
+            <a:avLst/>
+          </a:prstGeom>
+        </p:spPr>
+        <p:txBody>
+          <a:bodyPr vert="horz" lIns="0" tIns="0" rIns="0" bIns="0" rtlCol="0" anchor="ctr"/>
+          <a:lstStyle>
+            <a:defPPr>
+              <a:defRPr lang="en-US"/>
+            </a:defPPr>
+            <a:lvl1pPr marL="0" algn="r" defTabSz="914400" rtl="0" eaLnBrk="1" latinLnBrk="0" hangingPunct="1">
+              <a:defRPr sz="1100" kern="1200">
+                <a:solidFill>
+                  <a:schemeClr val="tx1">
+                    <a:tint val="75000"/>
+                  </a:schemeClr>
+                </a:solidFill>
+                <a:latin typeface="+mn-lt"/>
+                <a:ea typeface="+mn-ea"/>
+                <a:cs typeface="+mn-cs"/>
+              </a:defRPr>
+            </a:lvl1pPr>
+            <a:lvl2pPr marL="457200" algn="l" defTabSz="914400" rtl="0" eaLnBrk="1" latinLnBrk="0" hangingPunct="1">
+              <a:defRPr sz="1800" kern="1200">
+                <a:solidFill>
+                  <a:schemeClr val="tx1"/>
+                </a:solidFill>
+                <a:latin typeface="+mn-lt"/>
+                <a:ea typeface="+mn-ea"/>
+                <a:cs typeface="+mn-cs"/>
+              </a:defRPr>
+            </a:lvl2pPr>
+            <a:lvl3pPr marL="914400" algn="l" defTabSz="914400" rtl="0" eaLnBrk="1" latinLnBrk="0" hangingPunct="1">
+              <a:defRPr sz="1800" kern="1200">
+                <a:solidFill>
+                  <a:schemeClr val="tx1"/>
+                </a:solidFill>
+                <a:latin typeface="+mn-lt"/>
+                <a:ea typeface="+mn-ea"/>
+                <a:cs typeface="+mn-cs"/>
+              </a:defRPr>
+            </a:lvl3pPr>
+            <a:lvl4pPr marL="1371600" algn="l" defTabSz="914400" rtl="0" eaLnBrk="1" latinLnBrk="0" hangingPunct="1">
+              <a:defRPr sz="1800" kern="1200">
+                <a:solidFill>
+                  <a:schemeClr val="tx1"/>
+                </a:solidFill>
+                <a:latin typeface="+mn-lt"/>
+                <a:ea typeface="+mn-ea"/>
+                <a:cs typeface="+mn-cs"/>
+              </a:defRPr>
+            </a:lvl4pPr>
+            <a:lvl5pPr marL="1828800" algn="l" defTabSz="914400" rtl="0" eaLnBrk="1" latinLnBrk="0" hangingPunct="1">
+              <a:defRPr sz="1800" kern="1200">
+                <a:solidFill>
+                  <a:schemeClr val="tx1"/>
+                </a:solidFill>
+                <a:latin typeface="+mn-lt"/>
+                <a:ea typeface="+mn-ea"/>
+                <a:cs typeface="+mn-cs"/>
+              </a:defRPr>
+            </a:lvl5pPr>
+            <a:lvl6pPr marL="2286000" algn="l" defTabSz="914400" rtl="0" eaLnBrk="1" latinLnBrk="0" hangingPunct="1">
+              <a:defRPr sz="1800" kern="1200">
+                <a:solidFill>
+                  <a:schemeClr val="tx1"/>
+                </a:solidFill>
+                <a:latin typeface="+mn-lt"/>
+                <a:ea typeface="+mn-ea"/>
+                <a:cs typeface="+mn-cs"/>
+              </a:defRPr>
+            </a:lvl6pPr>
+            <a:lvl7pPr marL="2743200" algn="l" defTabSz="914400" rtl="0" eaLnBrk="1" latinLnBrk="0" hangingPunct="1">
+              <a:defRPr sz="1800" kern="1200">
+                <a:solidFill>
+                  <a:schemeClr val="tx1"/>
+                </a:solidFill>
+                <a:latin typeface="+mn-lt"/>
+                <a:ea typeface="+mn-ea"/>
+                <a:cs typeface="+mn-cs"/>
+              </a:defRPr>
+            </a:lvl7pPr>
+            <a:lvl8pPr marL="3200400" algn="l" defTabSz="914400" rtl="0" eaLnBrk="1" latinLnBrk="0" hangingPunct="1">
+              <a:defRPr sz="1800" kern="1200">
+                <a:solidFill>
+                  <a:schemeClr val="tx1"/>
+                </a:solidFill>
+                <a:latin typeface="+mn-lt"/>
+                <a:ea typeface="+mn-ea"/>
+                <a:cs typeface="+mn-cs"/>
+              </a:defRPr>
+            </a:lvl8pPr>
+            <a:lvl9pPr marL="3657600" algn="l" defTabSz="914400" rtl="0" eaLnBrk="1" latinLnBrk="0" hangingPunct="1">
+              <a:defRPr sz="1800" kern="1200">
+                <a:solidFill>
+                  <a:schemeClr val="tx1"/>
+                </a:solidFill>
+                <a:latin typeface="+mn-lt"/>
+                <a:ea typeface="+mn-ea"/>
+                <a:cs typeface="+mn-cs"/>
+              </a:defRPr>
+            </a:lvl9pPr>
+          </a:lstStyle>
+          <a:p>
+            <a:pPr algn="ctr" rtl="0"/>
+            <a:fld id="{247A4EEE-49CE-4F6C-BF32-B7FCC5EBBF45}" type="slidenum">
+              <a:rPr lang="fr-FR" sz="1200" smtClean="0">
+                <a:solidFill>
+                  <a:schemeClr val="bg1"/>
+                </a:solidFill>
+              </a:rPr>
+              <a:pPr algn="ctr" rtl="0"/>
+              <a:t>4</a:t>
+            </a:fld>
+            <a:endParaRPr lang="fr-FR" sz="1200">
+              <a:solidFill>
+                <a:schemeClr val="bg1"/>
+              </a:solidFill>
+            </a:endParaRPr>
+          </a:p>
+        </p:txBody>
+      </p:sp>
+      <p:sp>
+        <p:nvSpPr>
+          <p:cNvPr id="2" name="Espace réservé du numéro de diapositive 1">
+            <a:extLst>
+              <a:ext uri="{FF2B5EF4-FFF2-40B4-BE49-F238E27FC236}">
+                <a16:creationId xmlns:a16="http://schemas.microsoft.com/office/drawing/2014/main" id="{BDB3B864-34DC-E381-590D-F977597E905A}"/>
+              </a:ext>
+            </a:extLst>
+          </p:cNvPr>
+          <p:cNvSpPr>
+            <a:spLocks noGrp="1"/>
+          </p:cNvSpPr>
+          <p:nvPr>
+            <p:ph type="sldNum" sz="quarter" idx="4"/>
+          </p:nvPr>
+        </p:nvSpPr>
+        <p:spPr/>
+        <p:txBody>
+          <a:bodyPr/>
+          <a:lstStyle/>
+          <a:p>
+            <a:pPr algn="ctr" rtl="0"/>
+            <a:fld id="{817179DE-9BF3-494C-804F-0C7C90AC8700}" type="slidenum">
+              <a:rPr lang="fr-FR" noProof="0" smtClean="0"/>
+              <a:pPr algn="ctr" rtl="0"/>
+              <a:t>4</a:t>
+            </a:fld>
+            <a:endParaRPr lang="fr-FR" noProof="0"/>
+          </a:p>
+        </p:txBody>
+      </p:sp>
+      <p:sp>
+        <p:nvSpPr>
+          <p:cNvPr id="20" name="Rectangle 19">
+            <a:extLst>
+              <a:ext uri="{FF2B5EF4-FFF2-40B4-BE49-F238E27FC236}">
+                <a16:creationId xmlns:a16="http://schemas.microsoft.com/office/drawing/2014/main" id="{5F6DBA96-8094-ED28-9016-34F914CAC207}"/>
+              </a:ext>
+            </a:extLst>
+          </p:cNvPr>
+          <p:cNvSpPr/>
+          <p:nvPr/>
+        </p:nvSpPr>
+        <p:spPr>
+          <a:xfrm>
+            <a:off x="4514811" y="2730520"/>
+            <a:ext cx="4934960" cy="2831738"/>
+          </a:xfrm>
+          <a:prstGeom prst="rect">
+            <a:avLst/>
+          </a:prstGeom>
+        </p:spPr>
+        <p:style>
+          <a:lnRef idx="2">
+            <a:schemeClr val="accent1">
+              <a:shade val="50000"/>
+            </a:schemeClr>
+          </a:lnRef>
+          <a:fillRef idx="1">
+            <a:schemeClr val="accent1"/>
+          </a:fillRef>
+          <a:effectRef idx="0">
+            <a:schemeClr val="accent1"/>
+          </a:effectRef>
+          <a:fontRef idx="minor">
+            <a:schemeClr val="lt1"/>
+          </a:fontRef>
+        </p:style>
+        <p:txBody>
+          <a:bodyPr rtlCol="0" anchor="ctr"/>
+          <a:lstStyle/>
+          <a:p>
+            <a:pPr algn="ctr"/>
+            <a:endParaRPr lang="fr-FR"/>
+          </a:p>
+        </p:txBody>
+      </p:sp>
+      <p:sp>
+        <p:nvSpPr>
+          <p:cNvPr id="21" name="Rectangle 20">
+            <a:extLst>
+              <a:ext uri="{FF2B5EF4-FFF2-40B4-BE49-F238E27FC236}">
+                <a16:creationId xmlns:a16="http://schemas.microsoft.com/office/drawing/2014/main" id="{FEC2DE95-5F2C-E45B-65C3-0686DD110A6C}"/>
+              </a:ext>
+            </a:extLst>
+          </p:cNvPr>
+          <p:cNvSpPr/>
+          <p:nvPr/>
+        </p:nvSpPr>
+        <p:spPr>
+          <a:xfrm>
+            <a:off x="5129678" y="3433685"/>
+            <a:ext cx="3705225" cy="1552575"/>
+          </a:xfrm>
+          <a:prstGeom prst="rect">
+            <a:avLst/>
+          </a:prstGeom>
+          <a:solidFill>
+            <a:schemeClr val="accent3"/>
+          </a:solidFill>
+          <a:ln>
+            <a:solidFill>
+              <a:schemeClr val="accent3"/>
+            </a:solidFill>
+          </a:ln>
+        </p:spPr>
+        <p:style>
+          <a:lnRef idx="2">
+            <a:schemeClr val="accent1">
+              <a:shade val="50000"/>
+            </a:schemeClr>
+          </a:lnRef>
+          <a:fillRef idx="1">
+            <a:schemeClr val="accent1"/>
+          </a:fillRef>
+          <a:effectRef idx="0">
+            <a:schemeClr val="accent1"/>
+          </a:effectRef>
+          <a:fontRef idx="minor">
+            <a:schemeClr val="lt1"/>
+          </a:fontRef>
+        </p:style>
+        <p:txBody>
+          <a:bodyPr rtlCol="0" anchor="ctr"/>
+          <a:lstStyle/>
+          <a:p>
+            <a:pPr algn="ctr"/>
+            <a:endParaRPr lang="fr-FR"/>
+          </a:p>
+        </p:txBody>
+      </p:sp>
+      <p:sp>
+        <p:nvSpPr>
+          <p:cNvPr id="25" name="Rectangle 24">
+            <a:extLst>
+              <a:ext uri="{FF2B5EF4-FFF2-40B4-BE49-F238E27FC236}">
+                <a16:creationId xmlns:a16="http://schemas.microsoft.com/office/drawing/2014/main" id="{E23FFD7F-38DE-F352-CC78-9DBBB5F4EC06}"/>
+              </a:ext>
+            </a:extLst>
+          </p:cNvPr>
+          <p:cNvSpPr/>
+          <p:nvPr/>
+        </p:nvSpPr>
+        <p:spPr>
+          <a:xfrm>
+            <a:off x="6251989" y="3838497"/>
+            <a:ext cx="1677464" cy="742950"/>
+          </a:xfrm>
+          <a:prstGeom prst="rect">
+            <a:avLst/>
+          </a:prstGeom>
+          <a:solidFill>
+            <a:schemeClr val="accent2"/>
+          </a:solidFill>
+          <a:ln>
+            <a:solidFill>
+              <a:schemeClr val="accent2"/>
+            </a:solidFill>
+          </a:ln>
+        </p:spPr>
+        <p:style>
+          <a:lnRef idx="2">
+            <a:schemeClr val="accent1">
+              <a:shade val="50000"/>
+            </a:schemeClr>
+          </a:lnRef>
+          <a:fillRef idx="1">
+            <a:schemeClr val="accent1"/>
+          </a:fillRef>
+          <a:effectRef idx="0">
+            <a:schemeClr val="accent1"/>
+          </a:effectRef>
+          <a:fontRef idx="minor">
+            <a:schemeClr val="lt1"/>
+          </a:fontRef>
+        </p:style>
+        <p:txBody>
+          <a:bodyPr rtlCol="0" anchor="ctr"/>
+          <a:lstStyle/>
+          <a:p>
+            <a:pPr algn="ctr"/>
+            <a:endParaRPr lang="fr-FR"/>
+          </a:p>
+        </p:txBody>
+      </p:sp>
+      <p:sp>
+        <p:nvSpPr>
+          <p:cNvPr id="26" name="ZoneTexte 25">
+            <a:extLst>
+              <a:ext uri="{FF2B5EF4-FFF2-40B4-BE49-F238E27FC236}">
+                <a16:creationId xmlns:a16="http://schemas.microsoft.com/office/drawing/2014/main" id="{2D35808B-C346-BF92-1469-64418C598672}"/>
+              </a:ext>
+            </a:extLst>
+          </p:cNvPr>
+          <p:cNvSpPr txBox="1"/>
+          <p:nvPr/>
+        </p:nvSpPr>
+        <p:spPr>
+          <a:xfrm>
+            <a:off x="4522724" y="2747124"/>
+            <a:ext cx="3178244" cy="369332"/>
+          </a:xfrm>
+          <a:prstGeom prst="rect">
+            <a:avLst/>
+          </a:prstGeom>
+          <a:noFill/>
+        </p:spPr>
+        <p:txBody>
+          <a:bodyPr wrap="square" rtlCol="0">
+            <a:spAutoFit/>
+          </a:bodyPr>
+          <a:lstStyle/>
+          <a:p>
+            <a:r>
+              <a:rPr lang="fr-FR" dirty="0">
+                <a:solidFill>
+                  <a:schemeClr val="bg1"/>
+                </a:solidFill>
+              </a:rPr>
+              <a:t>Campus</a:t>
+            </a:r>
+          </a:p>
+        </p:txBody>
+      </p:sp>
+      <p:sp>
+        <p:nvSpPr>
+          <p:cNvPr id="27" name="ZoneTexte 26">
+            <a:extLst>
+              <a:ext uri="{FF2B5EF4-FFF2-40B4-BE49-F238E27FC236}">
+                <a16:creationId xmlns:a16="http://schemas.microsoft.com/office/drawing/2014/main" id="{A31807FD-6CB1-131D-7DBB-0D9E45E7C49D}"/>
+              </a:ext>
+            </a:extLst>
+          </p:cNvPr>
+          <p:cNvSpPr txBox="1"/>
+          <p:nvPr/>
+        </p:nvSpPr>
+        <p:spPr>
+          <a:xfrm>
+            <a:off x="5102614" y="3396099"/>
+            <a:ext cx="3178244" cy="369332"/>
+          </a:xfrm>
+          <a:prstGeom prst="rect">
+            <a:avLst/>
+          </a:prstGeom>
+          <a:noFill/>
+        </p:spPr>
+        <p:txBody>
+          <a:bodyPr wrap="square" rtlCol="0">
+            <a:spAutoFit/>
+          </a:bodyPr>
+          <a:lstStyle/>
+          <a:p>
+            <a:r>
+              <a:rPr lang="fr-FR" dirty="0">
+                <a:solidFill>
+                  <a:schemeClr val="bg1"/>
+                </a:solidFill>
+              </a:rPr>
+              <a:t>Bâtiment</a:t>
+            </a:r>
+          </a:p>
+        </p:txBody>
+      </p:sp>
+      <p:sp>
+        <p:nvSpPr>
+          <p:cNvPr id="28" name="ZoneTexte 27">
+            <a:extLst>
+              <a:ext uri="{FF2B5EF4-FFF2-40B4-BE49-F238E27FC236}">
+                <a16:creationId xmlns:a16="http://schemas.microsoft.com/office/drawing/2014/main" id="{16ED678C-AD25-3D0A-0F81-DFB46968DE4A}"/>
+              </a:ext>
+            </a:extLst>
+          </p:cNvPr>
+          <p:cNvSpPr txBox="1"/>
+          <p:nvPr/>
+        </p:nvSpPr>
+        <p:spPr>
+          <a:xfrm>
+            <a:off x="6210192" y="3821847"/>
+            <a:ext cx="3178244" cy="369332"/>
+          </a:xfrm>
+          <a:prstGeom prst="rect">
+            <a:avLst/>
+          </a:prstGeom>
+          <a:noFill/>
+        </p:spPr>
+        <p:txBody>
+          <a:bodyPr wrap="square" rtlCol="0">
+            <a:spAutoFit/>
+          </a:bodyPr>
+          <a:lstStyle/>
+          <a:p>
+            <a:r>
+              <a:rPr lang="fr-FR" dirty="0">
+                <a:solidFill>
+                  <a:schemeClr val="bg1"/>
+                </a:solidFill>
+              </a:rPr>
+              <a:t>Salle</a:t>
+            </a:r>
+          </a:p>
+        </p:txBody>
+      </p:sp>
+      <p:sp>
+        <p:nvSpPr>
+          <p:cNvPr id="29" name="ZoneTexte 28">
+            <a:extLst>
+              <a:ext uri="{FF2B5EF4-FFF2-40B4-BE49-F238E27FC236}">
+                <a16:creationId xmlns:a16="http://schemas.microsoft.com/office/drawing/2014/main" id="{2ADA7AB6-722C-9B63-3890-D2BAB50339A3}"/>
+              </a:ext>
+            </a:extLst>
+          </p:cNvPr>
+          <p:cNvSpPr txBox="1"/>
+          <p:nvPr/>
+        </p:nvSpPr>
+        <p:spPr>
+          <a:xfrm>
+            <a:off x="5353765" y="2949530"/>
+            <a:ext cx="3178244" cy="276999"/>
+          </a:xfrm>
+          <a:prstGeom prst="rect">
+            <a:avLst/>
+          </a:prstGeom>
+          <a:noFill/>
+        </p:spPr>
+        <p:txBody>
+          <a:bodyPr wrap="square" rtlCol="0">
+            <a:spAutoFit/>
+          </a:bodyPr>
+          <a:lstStyle/>
+          <a:p>
+            <a:pPr algn="ctr"/>
+            <a:r>
+              <a:rPr lang="fr-FR" sz="1200" dirty="0">
+                <a:solidFill>
+                  <a:schemeClr val="bg1"/>
+                </a:solidFill>
+              </a:rPr>
+              <a:t>Lecteur Bluetooth</a:t>
+            </a:r>
+          </a:p>
+        </p:txBody>
+      </p:sp>
+      <p:sp>
+        <p:nvSpPr>
+          <p:cNvPr id="32" name="ZoneTexte 31">
+            <a:extLst>
+              <a:ext uri="{FF2B5EF4-FFF2-40B4-BE49-F238E27FC236}">
+                <a16:creationId xmlns:a16="http://schemas.microsoft.com/office/drawing/2014/main" id="{9CC23177-AD04-15F1-780B-88104E753254}"/>
+              </a:ext>
+            </a:extLst>
+          </p:cNvPr>
+          <p:cNvSpPr txBox="1"/>
+          <p:nvPr/>
+        </p:nvSpPr>
+        <p:spPr>
+          <a:xfrm>
+            <a:off x="5353765" y="3478996"/>
+            <a:ext cx="3178244" cy="276999"/>
+          </a:xfrm>
+          <a:prstGeom prst="rect">
+            <a:avLst/>
+          </a:prstGeom>
+          <a:noFill/>
+        </p:spPr>
+        <p:txBody>
+          <a:bodyPr wrap="square" rtlCol="0">
+            <a:spAutoFit/>
+          </a:bodyPr>
+          <a:lstStyle/>
+          <a:p>
+            <a:pPr algn="ctr"/>
+            <a:r>
+              <a:rPr lang="fr-FR" sz="1200" dirty="0">
+                <a:solidFill>
+                  <a:schemeClr val="bg1"/>
+                </a:solidFill>
+              </a:rPr>
+              <a:t>Lecteur RFID</a:t>
+            </a:r>
+          </a:p>
+        </p:txBody>
+      </p:sp>
+      <p:sp>
+        <p:nvSpPr>
+          <p:cNvPr id="33" name="ZoneTexte 32">
+            <a:extLst>
+              <a:ext uri="{FF2B5EF4-FFF2-40B4-BE49-F238E27FC236}">
+                <a16:creationId xmlns:a16="http://schemas.microsoft.com/office/drawing/2014/main" id="{F793AEE2-596E-183B-6012-4D67BF11CB79}"/>
+              </a:ext>
+            </a:extLst>
+          </p:cNvPr>
+          <p:cNvSpPr txBox="1"/>
+          <p:nvPr/>
+        </p:nvSpPr>
+        <p:spPr>
+          <a:xfrm>
+            <a:off x="5476723" y="4191597"/>
+            <a:ext cx="3178244" cy="276999"/>
+          </a:xfrm>
+          <a:prstGeom prst="rect">
+            <a:avLst/>
+          </a:prstGeom>
+          <a:noFill/>
+        </p:spPr>
+        <p:txBody>
+          <a:bodyPr wrap="square" rtlCol="0">
+            <a:spAutoFit/>
+          </a:bodyPr>
+          <a:lstStyle/>
+          <a:p>
+            <a:pPr algn="ctr"/>
+            <a:r>
+              <a:rPr lang="fr-FR" sz="1200" dirty="0">
+                <a:solidFill>
+                  <a:schemeClr val="bg1"/>
+                </a:solidFill>
+              </a:rPr>
+              <a:t>Camera </a:t>
+            </a:r>
+          </a:p>
+        </p:txBody>
+      </p:sp>
+    </p:spTree>
+    <p:extLst>
+      <p:ext uri="{BB962C8B-B14F-4D97-AF65-F5344CB8AC3E}">
+        <p14:creationId xmlns:p14="http://schemas.microsoft.com/office/powerpoint/2010/main" val="2118823178"/>
+      </p:ext>
+    </p:extLst>
+  </p:cSld>
+  <p:clrMapOvr>
+    <a:masterClrMapping/>
+  </p:clrMapOvr>
+</p:sld>
+</file>
+
+<file path=ppt/slides/slide5.xml><?xml version="1.0" encoding="utf-8"?>
+<p:sld xmlns:a="http://schemas.openxmlformats.org/drawingml/2006/main" xmlns:r="http://schemas.openxmlformats.org/officeDocument/2006/relationships" xmlns:p="http://schemas.openxmlformats.org/presentationml/2006/main">
+  <p:cSld>
+    <p:spTree>
+      <p:nvGrpSpPr>
+        <p:cNvPr id="1" name=""/>
+        <p:cNvGrpSpPr/>
+        <p:nvPr/>
+      </p:nvGrpSpPr>
+      <p:grpSpPr>
+        <a:xfrm>
+          <a:off x="0" y="0"/>
+          <a:ext cx="0" cy="0"/>
+          <a:chOff x="0" y="0"/>
+          <a:chExt cx="0" cy="0"/>
+        </a:xfrm>
+      </p:grpSpPr>
+      <p:sp>
+        <p:nvSpPr>
+          <p:cNvPr id="2" name="Espace réservé pour une image  1">
+            <a:extLst>
+              <a:ext uri="{FF2B5EF4-FFF2-40B4-BE49-F238E27FC236}">
+                <a16:creationId xmlns:a16="http://schemas.microsoft.com/office/drawing/2014/main" id="{FA283945-DC34-25C9-31D8-5678CB8A2EC3}"/>
+              </a:ext>
+            </a:extLst>
+          </p:cNvPr>
+          <p:cNvSpPr>
+            <a:spLocks noGrp="1"/>
+          </p:cNvSpPr>
+          <p:nvPr>
+            <p:ph type="pic" sz="quarter" idx="10"/>
+          </p:nvPr>
+        </p:nvSpPr>
+        <p:spPr/>
+      </p:sp>
+      <p:sp>
+        <p:nvSpPr>
+          <p:cNvPr id="3" name="Espace réservé du texte 2">
+            <a:extLst>
+              <a:ext uri="{FF2B5EF4-FFF2-40B4-BE49-F238E27FC236}">
+                <a16:creationId xmlns:a16="http://schemas.microsoft.com/office/drawing/2014/main" id="{F3D260B0-11FF-6B72-4583-59B773E8DC9C}"/>
+              </a:ext>
+            </a:extLst>
+          </p:cNvPr>
+          <p:cNvSpPr>
+            <a:spLocks noGrp="1"/>
+          </p:cNvSpPr>
+          <p:nvPr>
+            <p:ph type="body" sz="quarter" idx="12"/>
+          </p:nvPr>
+        </p:nvSpPr>
+        <p:spPr/>
+        <p:txBody>
+          <a:bodyPr/>
+          <a:lstStyle/>
+          <a:p>
+            <a:endParaRPr lang="fr-FR"/>
+          </a:p>
+        </p:txBody>
+      </p:sp>
+      <p:sp>
+        <p:nvSpPr>
+          <p:cNvPr id="4" name="Espace réservé du texte 3">
+            <a:extLst>
+              <a:ext uri="{FF2B5EF4-FFF2-40B4-BE49-F238E27FC236}">
+                <a16:creationId xmlns:a16="http://schemas.microsoft.com/office/drawing/2014/main" id="{61CEC20E-F9D6-D5E0-8EFE-06277B8EA0B4}"/>
+              </a:ext>
+            </a:extLst>
+          </p:cNvPr>
+          <p:cNvSpPr>
+            <a:spLocks noGrp="1"/>
+          </p:cNvSpPr>
+          <p:nvPr>
+            <p:ph type="body" sz="quarter" idx="11"/>
+          </p:nvPr>
+        </p:nvSpPr>
+        <p:spPr/>
+        <p:txBody>
+          <a:bodyPr/>
+          <a:lstStyle/>
+          <a:p>
+            <a:endParaRPr lang="fr-FR"/>
+          </a:p>
+        </p:txBody>
+      </p:sp>
+      <p:sp>
+        <p:nvSpPr>
+          <p:cNvPr id="5" name="Titre 4">
+            <a:extLst>
+              <a:ext uri="{FF2B5EF4-FFF2-40B4-BE49-F238E27FC236}">
+                <a16:creationId xmlns:a16="http://schemas.microsoft.com/office/drawing/2014/main" id="{7BC74D96-20AD-411A-6EC2-B30B1CA4C432}"/>
+              </a:ext>
+            </a:extLst>
+          </p:cNvPr>
+          <p:cNvSpPr>
+            <a:spLocks noGrp="1"/>
+          </p:cNvSpPr>
+          <p:nvPr>
+            <p:ph type="title"/>
+          </p:nvPr>
+        </p:nvSpPr>
+        <p:spPr/>
+        <p:txBody>
+          <a:bodyPr/>
+          <a:lstStyle/>
+          <a:p>
+            <a:r>
+              <a:rPr lang="fr-FR" dirty="0"/>
+              <a:t>Gestion des accès au campus</a:t>
+            </a:r>
+            <a:br>
+              <a:rPr lang="fr-FR" dirty="0"/>
+            </a:br>
+            <a:endParaRPr lang="fr-FR" dirty="0"/>
+          </a:p>
+        </p:txBody>
+      </p:sp>
+      <p:sp>
+        <p:nvSpPr>
+          <p:cNvPr id="6" name="Espace réservé du contenu 5">
+            <a:extLst>
+              <a:ext uri="{FF2B5EF4-FFF2-40B4-BE49-F238E27FC236}">
+                <a16:creationId xmlns:a16="http://schemas.microsoft.com/office/drawing/2014/main" id="{666D94BE-5775-4A54-7E6D-77B5431B251B}"/>
+              </a:ext>
+            </a:extLst>
+          </p:cNvPr>
+          <p:cNvSpPr>
+            <a:spLocks noGrp="1"/>
+          </p:cNvSpPr>
+          <p:nvPr>
+            <p:ph sz="quarter" idx="13"/>
+          </p:nvPr>
+        </p:nvSpPr>
+        <p:spPr/>
+        <p:txBody>
+          <a:bodyPr/>
+          <a:lstStyle/>
+          <a:p>
+            <a:endParaRPr lang="fr-FR"/>
+          </a:p>
+        </p:txBody>
+      </p:sp>
+      <p:sp>
+        <p:nvSpPr>
+          <p:cNvPr id="7" name="Espace réservé du contenu 6">
+            <a:extLst>
+              <a:ext uri="{FF2B5EF4-FFF2-40B4-BE49-F238E27FC236}">
+                <a16:creationId xmlns:a16="http://schemas.microsoft.com/office/drawing/2014/main" id="{F2FF4F9D-4655-4D6A-5ADB-8CDDE0B8D175}"/>
+              </a:ext>
+            </a:extLst>
+          </p:cNvPr>
+          <p:cNvSpPr>
+            <a:spLocks noGrp="1"/>
+          </p:cNvSpPr>
+          <p:nvPr>
+            <p:ph sz="quarter" idx="14"/>
+          </p:nvPr>
+        </p:nvSpPr>
+        <p:spPr/>
+        <p:txBody>
+          <a:bodyPr/>
+          <a:lstStyle/>
+          <a:p>
+            <a:endParaRPr lang="fr-FR"/>
+          </a:p>
+        </p:txBody>
+      </p:sp>
+      <p:sp>
+        <p:nvSpPr>
+          <p:cNvPr id="8" name="Espace réservé du numéro de diapositive 7">
+            <a:extLst>
+              <a:ext uri="{FF2B5EF4-FFF2-40B4-BE49-F238E27FC236}">
+                <a16:creationId xmlns:a16="http://schemas.microsoft.com/office/drawing/2014/main" id="{292B76D6-CD86-E9EB-1368-EC8B1C74C821}"/>
+              </a:ext>
+            </a:extLst>
+          </p:cNvPr>
+          <p:cNvSpPr>
+            <a:spLocks noGrp="1"/>
+          </p:cNvSpPr>
+          <p:nvPr>
+            <p:ph type="sldNum" sz="quarter" idx="4"/>
+          </p:nvPr>
+        </p:nvSpPr>
+        <p:spPr/>
+        <p:txBody>
+          <a:bodyPr/>
+          <a:lstStyle/>
+          <a:p>
+            <a:pPr algn="ctr" rtl="0"/>
+            <a:fld id="{817179DE-9BF3-494C-804F-0C7C90AC8700}" type="slidenum">
+              <a:rPr lang="fr-FR" noProof="0" smtClean="0"/>
+              <a:pPr algn="ctr" rtl="0"/>
+              <a:t>5</a:t>
+            </a:fld>
+            <a:endParaRPr lang="fr-FR" noProof="0"/>
+          </a:p>
+        </p:txBody>
+      </p:sp>
+    </p:spTree>
+    <p:extLst>
+      <p:ext uri="{BB962C8B-B14F-4D97-AF65-F5344CB8AC3E}">
+        <p14:creationId xmlns:p14="http://schemas.microsoft.com/office/powerpoint/2010/main" val="2173750144"/>
       </p:ext>
     </p:extLst>
   </p:cSld>
@@ -13015,10 +13445,10 @@
       </p:grpSpPr>
       <p:sp>
         <p:nvSpPr>
-          <p:cNvPr id="4" name="Titre 3">
-            <a:extLst>
-              <a:ext uri="{FF2B5EF4-FFF2-40B4-BE49-F238E27FC236}">
-                <a16:creationId xmlns:a16="http://schemas.microsoft.com/office/drawing/2014/main" id="{E98DCA46-603B-4178-8707-30E192CE6B8D}"/>
+          <p:cNvPr id="2" name="Titre 1">
+            <a:extLst>
+              <a:ext uri="{FF2B5EF4-FFF2-40B4-BE49-F238E27FC236}">
+                <a16:creationId xmlns:a16="http://schemas.microsoft.com/office/drawing/2014/main" id="{1FE865AE-991B-8E6C-4958-77BCF27CB95F}"/>
               </a:ext>
             </a:extLst>
           </p:cNvPr>
@@ -13031,70 +13461,880 @@
         </p:nvSpPr>
         <p:spPr/>
         <p:txBody>
-          <a:bodyPr rtlCol="0"/>
+          <a:bodyPr>
+            <a:normAutofit/>
+          </a:bodyPr>
           <a:lstStyle/>
           <a:p>
-            <a:pPr rtl="0"/>
-            <a:r>
-              <a:rPr lang="fr-FR"/>
-              <a:t>Personnaliser</a:t>
-            </a:r>
-            <a:r>
-              <a:rPr lang="fr-FR" i="1"/>
-              <a:t> </a:t>
-            </a:r>
-            <a:r>
-              <a:rPr lang="fr-FR"/>
-              <a:t>ce modèle</a:t>
-            </a:r>
-          </a:p>
-        </p:txBody>
-      </p:sp>
-      <p:sp>
-        <p:nvSpPr>
-          <p:cNvPr id="8" name="Zone de texte 7">
-            <a:hlinkClick r:id="rId3"/>
-            <a:extLst>
-              <a:ext uri="{FF2B5EF4-FFF2-40B4-BE49-F238E27FC236}">
-                <a16:creationId xmlns:a16="http://schemas.microsoft.com/office/drawing/2014/main" id="{5FC6C278-4035-446A-A94B-030E792FDDF5}"/>
-              </a:ext>
-            </a:extLst>
-          </p:cNvPr>
-          <p:cNvSpPr txBox="1"/>
+            <a:r>
+              <a:rPr lang="fr-FR" dirty="0"/>
+              <a:t>Gestion des accès au campus</a:t>
+            </a:r>
+            <a:br>
+              <a:rPr lang="fr-FR" dirty="0"/>
+            </a:br>
+            <a:r>
+              <a:rPr lang="fr-FR" sz="2000" dirty="0"/>
+              <a:t>Récupération des adresses MAC  </a:t>
+            </a:r>
+            <a:endParaRPr lang="fr-FR" dirty="0"/>
+          </a:p>
+        </p:txBody>
+      </p:sp>
+      <p:sp>
+        <p:nvSpPr>
+          <p:cNvPr id="3" name="Espace réservé du texte 2">
+            <a:extLst>
+              <a:ext uri="{FF2B5EF4-FFF2-40B4-BE49-F238E27FC236}">
+                <a16:creationId xmlns:a16="http://schemas.microsoft.com/office/drawing/2014/main" id="{09E83A35-1FD2-59BB-CBDE-C332CBAB8755}"/>
+              </a:ext>
+            </a:extLst>
+          </p:cNvPr>
+          <p:cNvSpPr>
+            <a:spLocks noGrp="1"/>
+          </p:cNvSpPr>
+          <p:nvPr>
+            <p:ph type="body" sz="half" idx="2"/>
+          </p:nvPr>
+        </p:nvSpPr>
+        <p:spPr>
+          <a:xfrm>
+            <a:off x="839788" y="2222770"/>
+            <a:ext cx="3932237" cy="3811588"/>
+          </a:xfrm>
+        </p:spPr>
+        <p:txBody>
+          <a:bodyPr/>
+          <a:lstStyle/>
+          <a:p>
+            <a:pPr marL="285750" indent="-285750">
+              <a:buFont typeface="Arial" panose="020B0604020202020204" pitchFamily="34" charset="0"/>
+              <a:buChar char="•"/>
+            </a:pPr>
+            <a:r>
+              <a:rPr lang="fr-FR" dirty="0"/>
+              <a:t>M5 stick utilisé comme lecteur Bluetooth</a:t>
+            </a:r>
+          </a:p>
+          <a:p>
+            <a:pPr marL="285750" indent="-285750">
+              <a:buFont typeface="Arial" panose="020B0604020202020204" pitchFamily="34" charset="0"/>
+              <a:buChar char="•"/>
+            </a:pPr>
+            <a:endParaRPr lang="fr-FR" dirty="0"/>
+          </a:p>
+          <a:p>
+            <a:endParaRPr lang="fr-FR" dirty="0"/>
+          </a:p>
+          <a:p>
+            <a:pPr marL="285750" indent="-285750">
+              <a:buFont typeface="Arial" panose="020B0604020202020204" pitchFamily="34" charset="0"/>
+              <a:buChar char="•"/>
+            </a:pPr>
+            <a:r>
+              <a:rPr lang="fr-FR" dirty="0"/>
+              <a:t>Le programme permet de récupérer les adresses MAC des appareils BLE à proximité</a:t>
+            </a:r>
+          </a:p>
+          <a:p>
+            <a:pPr marL="285750" indent="-285750">
+              <a:buFont typeface="Arial" panose="020B0604020202020204" pitchFamily="34" charset="0"/>
+              <a:buChar char="•"/>
+            </a:pPr>
+            <a:r>
+              <a:rPr lang="fr-FR" dirty="0"/>
+              <a:t>Délai de 10 secondes afin de permettre à un piéton de passer la zone de détection et pas être compté deux fois.</a:t>
+            </a:r>
+          </a:p>
+        </p:txBody>
+      </p:sp>
+      <p:pic>
+        <p:nvPicPr>
+          <p:cNvPr id="8" name="Image 7">
+            <a:extLst>
+              <a:ext uri="{FF2B5EF4-FFF2-40B4-BE49-F238E27FC236}">
+                <a16:creationId xmlns:a16="http://schemas.microsoft.com/office/drawing/2014/main" id="{3766C935-AA72-D632-DF9F-664EEAE4D71A}"/>
+              </a:ext>
+            </a:extLst>
+          </p:cNvPr>
+          <p:cNvPicPr>
+            <a:picLocks noChangeAspect="1"/>
+          </p:cNvPicPr>
           <p:nvPr/>
-        </p:nvSpPr>
+        </p:nvPicPr>
+        <p:blipFill>
+          <a:blip r:embed="rId2">
+            <a:extLst>
+              <a:ext uri="{BEBA8EAE-BF5A-486C-A8C5-ECC9F3942E4B}">
+                <a14:imgProps xmlns:a14="http://schemas.microsoft.com/office/drawing/2010/main">
+                  <a14:imgLayer r:embed="rId3">
+                    <a14:imgEffect>
+                      <a14:backgroundRemoval t="10000" b="90000" l="4222" r="94000">
+                        <a14:foregroundMark x1="5778" y1="59333" x2="5778" y2="59333"/>
+                        <a14:foregroundMark x1="94000" y1="55556" x2="94000" y2="55556"/>
+                        <a14:foregroundMark x1="75333" y1="48444" x2="75333" y2="48444"/>
+                        <a14:foregroundMark x1="8889" y1="65556" x2="8889" y2="65556"/>
+                        <a14:foregroundMark x1="4222" y1="62444" x2="4222" y2="62444"/>
+                      </a14:backgroundRemoval>
+                    </a14:imgEffect>
+                  </a14:imgLayer>
+                </a14:imgProps>
+              </a:ext>
+              <a:ext uri="{837473B0-CC2E-450A-ABE3-18F120FF3D39}">
+                <a1611:picAttrSrcUrl xmlns:a1611="http://schemas.microsoft.com/office/drawing/2016/11/main" r:id="rId4"/>
+              </a:ext>
+            </a:extLst>
+          </a:blip>
+          <a:stretch>
+            <a:fillRect/>
+          </a:stretch>
+        </p:blipFill>
         <p:spPr>
           <a:xfrm>
-            <a:off x="1547813" y="2459504"/>
-            <a:ext cx="9096374" cy="3477875"/>
+            <a:off x="110297" y="2208346"/>
+            <a:ext cx="1220654" cy="1220654"/>
           </a:xfrm>
           <a:prstGeom prst="rect">
             <a:avLst/>
           </a:prstGeom>
+        </p:spPr>
+      </p:pic>
+      <p:pic>
+        <p:nvPicPr>
+          <p:cNvPr id="12" name="Image 11">
+            <a:extLst>
+              <a:ext uri="{FF2B5EF4-FFF2-40B4-BE49-F238E27FC236}">
+                <a16:creationId xmlns:a16="http://schemas.microsoft.com/office/drawing/2014/main" id="{103C5B29-E6F3-7053-9678-13D27864FFAC}"/>
+              </a:ext>
+            </a:extLst>
+          </p:cNvPr>
+          <p:cNvPicPr>
+            <a:picLocks noChangeAspect="1"/>
+          </p:cNvPicPr>
+          <p:nvPr/>
+        </p:nvPicPr>
+        <p:blipFill rotWithShape="1">
+          <a:blip r:embed="rId5"/>
+          <a:srcRect l="40072"/>
+          <a:stretch/>
+        </p:blipFill>
+        <p:spPr>
+          <a:xfrm>
+            <a:off x="4989153" y="0"/>
+            <a:ext cx="7202847" cy="6858000"/>
+          </a:xfrm>
+          <a:prstGeom prst="rect">
+            <a:avLst/>
+          </a:prstGeom>
+        </p:spPr>
+      </p:pic>
+      <p:sp>
+        <p:nvSpPr>
+          <p:cNvPr id="10" name="Ellipse 9">
+            <a:extLst>
+              <a:ext uri="{FF2B5EF4-FFF2-40B4-BE49-F238E27FC236}">
+                <a16:creationId xmlns:a16="http://schemas.microsoft.com/office/drawing/2014/main" id="{CAAC5C78-E630-573E-A43F-D1107666D747}"/>
+              </a:ext>
+            </a:extLst>
+          </p:cNvPr>
+          <p:cNvSpPr/>
+          <p:nvPr/>
+        </p:nvSpPr>
+        <p:spPr>
+          <a:xfrm>
+            <a:off x="7583488" y="1488332"/>
+            <a:ext cx="2825108" cy="3988340"/>
+          </a:xfrm>
+          <a:prstGeom prst="ellipse">
+            <a:avLst/>
+          </a:prstGeom>
           <a:noFill/>
+          <a:ln w="38100"/>
         </p:spPr>
-        <p:txBody>
-          <a:bodyPr wrap="square" rtlCol="0">
-            <a:spAutoFit/>
-          </a:bodyPr>
+        <p:style>
+          <a:lnRef idx="2">
+            <a:schemeClr val="accent1">
+              <a:shade val="50000"/>
+            </a:schemeClr>
+          </a:lnRef>
+          <a:fillRef idx="1">
+            <a:schemeClr val="accent1"/>
+          </a:fillRef>
+          <a:effectRef idx="0">
+            <a:schemeClr val="accent1"/>
+          </a:effectRef>
+          <a:fontRef idx="minor">
+            <a:schemeClr val="lt1"/>
+          </a:fontRef>
+        </p:style>
+        <p:txBody>
+          <a:bodyPr rtlCol="0" anchor="ctr"/>
           <a:lstStyle/>
           <a:p>
-            <a:pPr algn="ctr" rtl="0"/>
-            <a:r>
-              <a:rPr lang="fr-FR" sz="5500" u="sng" dirty="0">
-                <a:solidFill>
-                  <a:srgbClr val="0070C0"/>
-                </a:solidFill>
-              </a:rPr>
-              <a:t>Cliquez ici pour découvrir comment modifier ce modèle et nous communiquer vos commentaires</a:t>
-            </a:r>
+            <a:pPr algn="ctr"/>
+            <a:endParaRPr lang="fr-FR"/>
           </a:p>
         </p:txBody>
       </p:sp>
     </p:spTree>
     <p:extLst>
       <p:ext uri="{BB962C8B-B14F-4D97-AF65-F5344CB8AC3E}">
-        <p14:creationId xmlns:p14="http://schemas.microsoft.com/office/powerpoint/2010/main" val="59582380"/>
+        <p14:creationId xmlns:p14="http://schemas.microsoft.com/office/powerpoint/2010/main" val="2809124533"/>
+      </p:ext>
+    </p:extLst>
+  </p:cSld>
+  <p:clrMapOvr>
+    <a:masterClrMapping/>
+  </p:clrMapOvr>
+</p:sld>
+</file>
+
+<file path=ppt/slides/slide7.xml><?xml version="1.0" encoding="utf-8"?>
+<p:sld xmlns:a="http://schemas.openxmlformats.org/drawingml/2006/main" xmlns:r="http://schemas.openxmlformats.org/officeDocument/2006/relationships" xmlns:p="http://schemas.openxmlformats.org/presentationml/2006/main">
+  <p:cSld>
+    <p:spTree>
+      <p:nvGrpSpPr>
+        <p:cNvPr id="1" name=""/>
+        <p:cNvGrpSpPr/>
+        <p:nvPr/>
+      </p:nvGrpSpPr>
+      <p:grpSpPr>
+        <a:xfrm>
+          <a:off x="0" y="0"/>
+          <a:ext cx="0" cy="0"/>
+          <a:chOff x="0" y="0"/>
+          <a:chExt cx="0" cy="0"/>
+        </a:xfrm>
+      </p:grpSpPr>
+      <p:sp>
+        <p:nvSpPr>
+          <p:cNvPr id="2" name="Titre 1">
+            <a:extLst>
+              <a:ext uri="{FF2B5EF4-FFF2-40B4-BE49-F238E27FC236}">
+                <a16:creationId xmlns:a16="http://schemas.microsoft.com/office/drawing/2014/main" id="{1FE865AE-991B-8E6C-4958-77BCF27CB95F}"/>
+              </a:ext>
+            </a:extLst>
+          </p:cNvPr>
+          <p:cNvSpPr>
+            <a:spLocks noGrp="1"/>
+          </p:cNvSpPr>
+          <p:nvPr>
+            <p:ph type="title"/>
+          </p:nvPr>
+        </p:nvSpPr>
+        <p:spPr/>
+        <p:txBody>
+          <a:bodyPr>
+            <a:normAutofit/>
+          </a:bodyPr>
+          <a:lstStyle/>
+          <a:p>
+            <a:r>
+              <a:rPr lang="fr-FR" dirty="0"/>
+              <a:t>Gestion des accès au campus</a:t>
+            </a:r>
+            <a:br>
+              <a:rPr lang="fr-FR" dirty="0"/>
+            </a:br>
+            <a:r>
+              <a:rPr lang="fr-FR" sz="2000" dirty="0"/>
+              <a:t>Publication des données avec MQTT</a:t>
+            </a:r>
+            <a:endParaRPr lang="fr-FR" dirty="0"/>
+          </a:p>
+        </p:txBody>
+      </p:sp>
+      <p:sp>
+        <p:nvSpPr>
+          <p:cNvPr id="3" name="Espace réservé du texte 2">
+            <a:extLst>
+              <a:ext uri="{FF2B5EF4-FFF2-40B4-BE49-F238E27FC236}">
+                <a16:creationId xmlns:a16="http://schemas.microsoft.com/office/drawing/2014/main" id="{09E83A35-1FD2-59BB-CBDE-C332CBAB8755}"/>
+              </a:ext>
+            </a:extLst>
+          </p:cNvPr>
+          <p:cNvSpPr>
+            <a:spLocks noGrp="1"/>
+          </p:cNvSpPr>
+          <p:nvPr>
+            <p:ph type="body" sz="half" idx="2"/>
+          </p:nvPr>
+        </p:nvSpPr>
+        <p:spPr>
+          <a:xfrm>
+            <a:off x="839788" y="2222770"/>
+            <a:ext cx="3932237" cy="3811588"/>
+          </a:xfrm>
+        </p:spPr>
+        <p:txBody>
+          <a:bodyPr/>
+          <a:lstStyle/>
+          <a:p>
+            <a:pPr marL="285750" indent="-285750">
+              <a:buFont typeface="Arial" panose="020B0604020202020204" pitchFamily="34" charset="0"/>
+              <a:buChar char="•"/>
+            </a:pPr>
+            <a:r>
+              <a:rPr lang="fr-FR" dirty="0"/>
+              <a:t>MQTT serveur : 192.168.143.151</a:t>
+            </a:r>
+          </a:p>
+          <a:p>
+            <a:pPr marL="285750" indent="-285750">
+              <a:buFont typeface="Arial" panose="020B0604020202020204" pitchFamily="34" charset="0"/>
+              <a:buChar char="•"/>
+            </a:pPr>
+            <a:r>
+              <a:rPr lang="fr-FR" dirty="0"/>
+              <a:t>Topic: Campus</a:t>
+            </a:r>
+          </a:p>
+          <a:p>
+            <a:pPr marL="285750" indent="-285750">
+              <a:buFont typeface="Arial" panose="020B0604020202020204" pitchFamily="34" charset="0"/>
+              <a:buChar char="•"/>
+            </a:pPr>
+            <a:r>
+              <a:rPr lang="fr-FR" dirty="0"/>
+              <a:t>Port : 1883</a:t>
+            </a:r>
+          </a:p>
+          <a:p>
+            <a:pPr marL="285750" indent="-285750">
+              <a:buFont typeface="Arial" panose="020B0604020202020204" pitchFamily="34" charset="0"/>
+              <a:buChar char="•"/>
+            </a:pPr>
+            <a:endParaRPr lang="fr-FR" dirty="0"/>
+          </a:p>
+        </p:txBody>
+      </p:sp>
+      <p:sp>
+        <p:nvSpPr>
+          <p:cNvPr id="10" name="Ellipse 9">
+            <a:extLst>
+              <a:ext uri="{FF2B5EF4-FFF2-40B4-BE49-F238E27FC236}">
+                <a16:creationId xmlns:a16="http://schemas.microsoft.com/office/drawing/2014/main" id="{CAAC5C78-E630-573E-A43F-D1107666D747}"/>
+              </a:ext>
+            </a:extLst>
+          </p:cNvPr>
+          <p:cNvSpPr/>
+          <p:nvPr/>
+        </p:nvSpPr>
+        <p:spPr>
+          <a:xfrm>
+            <a:off x="7583488" y="2208346"/>
+            <a:ext cx="1618878" cy="914233"/>
+          </a:xfrm>
+          <a:prstGeom prst="ellipse">
+            <a:avLst/>
+          </a:prstGeom>
+          <a:noFill/>
+          <a:ln w="38100"/>
+        </p:spPr>
+        <p:style>
+          <a:lnRef idx="2">
+            <a:schemeClr val="accent1">
+              <a:shade val="50000"/>
+            </a:schemeClr>
+          </a:lnRef>
+          <a:fillRef idx="1">
+            <a:schemeClr val="accent1"/>
+          </a:fillRef>
+          <a:effectRef idx="0">
+            <a:schemeClr val="accent1"/>
+          </a:effectRef>
+          <a:fontRef idx="minor">
+            <a:schemeClr val="lt1"/>
+          </a:fontRef>
+        </p:style>
+        <p:txBody>
+          <a:bodyPr rtlCol="0" anchor="ctr"/>
+          <a:lstStyle/>
+          <a:p>
+            <a:pPr algn="ctr"/>
+            <a:endParaRPr lang="fr-FR"/>
+          </a:p>
+        </p:txBody>
+      </p:sp>
+      <p:pic>
+        <p:nvPicPr>
+          <p:cNvPr id="9" name="Espace réservé pour une image  8">
+            <a:extLst>
+              <a:ext uri="{FF2B5EF4-FFF2-40B4-BE49-F238E27FC236}">
+                <a16:creationId xmlns:a16="http://schemas.microsoft.com/office/drawing/2014/main" id="{59BC2D6D-E3B7-1549-8F37-2F65054EAF82}"/>
+              </a:ext>
+            </a:extLst>
+          </p:cNvPr>
+          <p:cNvPicPr>
+            <a:picLocks noGrp="1" noChangeAspect="1"/>
+          </p:cNvPicPr>
+          <p:nvPr>
+            <p:ph type="pic" idx="1"/>
+          </p:nvPr>
+        </p:nvPicPr>
+        <p:blipFill rotWithShape="1">
+          <a:blip r:embed="rId2"/>
+          <a:srcRect t="-10496" b="-10496"/>
+          <a:stretch/>
+        </p:blipFill>
+        <p:spPr>
+          <a:xfrm>
+            <a:off x="5183188" y="417513"/>
+            <a:ext cx="6172200" cy="5403850"/>
+          </a:xfrm>
+        </p:spPr>
+      </p:pic>
+    </p:spTree>
+    <p:extLst>
+      <p:ext uri="{BB962C8B-B14F-4D97-AF65-F5344CB8AC3E}">
+        <p14:creationId xmlns:p14="http://schemas.microsoft.com/office/powerpoint/2010/main" val="2686469771"/>
+      </p:ext>
+    </p:extLst>
+  </p:cSld>
+  <p:clrMapOvr>
+    <a:masterClrMapping/>
+  </p:clrMapOvr>
+</p:sld>
+</file>
+
+<file path=ppt/slides/slide8.xml><?xml version="1.0" encoding="utf-8"?>
+<p:sld xmlns:a="http://schemas.openxmlformats.org/drawingml/2006/main" xmlns:r="http://schemas.openxmlformats.org/officeDocument/2006/relationships" xmlns:p="http://schemas.openxmlformats.org/presentationml/2006/main">
+  <p:cSld>
+    <p:spTree>
+      <p:nvGrpSpPr>
+        <p:cNvPr id="1" name=""/>
+        <p:cNvGrpSpPr/>
+        <p:nvPr/>
+      </p:nvGrpSpPr>
+      <p:grpSpPr>
+        <a:xfrm>
+          <a:off x="0" y="0"/>
+          <a:ext cx="0" cy="0"/>
+          <a:chOff x="0" y="0"/>
+          <a:chExt cx="0" cy="0"/>
+        </a:xfrm>
+      </p:grpSpPr>
+      <p:sp>
+        <p:nvSpPr>
+          <p:cNvPr id="2" name="Titre 1">
+            <a:extLst>
+              <a:ext uri="{FF2B5EF4-FFF2-40B4-BE49-F238E27FC236}">
+                <a16:creationId xmlns:a16="http://schemas.microsoft.com/office/drawing/2014/main" id="{1FE865AE-991B-8E6C-4958-77BCF27CB95F}"/>
+              </a:ext>
+            </a:extLst>
+          </p:cNvPr>
+          <p:cNvSpPr>
+            <a:spLocks noGrp="1"/>
+          </p:cNvSpPr>
+          <p:nvPr>
+            <p:ph type="title"/>
+          </p:nvPr>
+        </p:nvSpPr>
+        <p:spPr/>
+        <p:txBody>
+          <a:bodyPr>
+            <a:normAutofit/>
+          </a:bodyPr>
+          <a:lstStyle/>
+          <a:p>
+            <a:r>
+              <a:rPr lang="fr-FR" dirty="0"/>
+              <a:t>Gestion des accès au campus</a:t>
+            </a:r>
+            <a:br>
+              <a:rPr lang="fr-FR" dirty="0"/>
+            </a:br>
+            <a:r>
+              <a:rPr lang="fr-FR" sz="2000" dirty="0"/>
+              <a:t>Sauvegarde des données sur la BDD</a:t>
+            </a:r>
+            <a:endParaRPr lang="fr-FR" dirty="0"/>
+          </a:p>
+        </p:txBody>
+      </p:sp>
+      <p:sp>
+        <p:nvSpPr>
+          <p:cNvPr id="3" name="Espace réservé du texte 2">
+            <a:extLst>
+              <a:ext uri="{FF2B5EF4-FFF2-40B4-BE49-F238E27FC236}">
+                <a16:creationId xmlns:a16="http://schemas.microsoft.com/office/drawing/2014/main" id="{09E83A35-1FD2-59BB-CBDE-C332CBAB8755}"/>
+              </a:ext>
+            </a:extLst>
+          </p:cNvPr>
+          <p:cNvSpPr>
+            <a:spLocks noGrp="1"/>
+          </p:cNvSpPr>
+          <p:nvPr>
+            <p:ph type="body" sz="half" idx="2"/>
+          </p:nvPr>
+        </p:nvSpPr>
+        <p:spPr>
+          <a:xfrm>
+            <a:off x="839788" y="2222770"/>
+            <a:ext cx="3932237" cy="3811588"/>
+          </a:xfrm>
+        </p:spPr>
+        <p:txBody>
+          <a:bodyPr/>
+          <a:lstStyle/>
+          <a:p>
+            <a:pPr marL="285750" indent="-285750">
+              <a:buFont typeface="Arial" panose="020B0604020202020204" pitchFamily="34" charset="0"/>
+              <a:buChar char="•"/>
+            </a:pPr>
+            <a:endParaRPr lang="fr-FR" dirty="0"/>
+          </a:p>
+        </p:txBody>
+      </p:sp>
+      <p:pic>
+        <p:nvPicPr>
+          <p:cNvPr id="6" name="Image 5">
+            <a:extLst>
+              <a:ext uri="{FF2B5EF4-FFF2-40B4-BE49-F238E27FC236}">
+                <a16:creationId xmlns:a16="http://schemas.microsoft.com/office/drawing/2014/main" id="{D1394E37-3DD0-E51A-C2F0-265279C79AC0}"/>
+              </a:ext>
+            </a:extLst>
+          </p:cNvPr>
+          <p:cNvPicPr>
+            <a:picLocks noChangeAspect="1"/>
+          </p:cNvPicPr>
+          <p:nvPr/>
+        </p:nvPicPr>
+        <p:blipFill>
+          <a:blip r:embed="rId2"/>
+          <a:stretch>
+            <a:fillRect/>
+          </a:stretch>
+        </p:blipFill>
+        <p:spPr>
+          <a:xfrm>
+            <a:off x="4894331" y="1148564"/>
+            <a:ext cx="7297669" cy="1074206"/>
+          </a:xfrm>
+          <a:prstGeom prst="rect">
+            <a:avLst/>
+          </a:prstGeom>
+        </p:spPr>
+      </p:pic>
+    </p:spTree>
+    <p:extLst>
+      <p:ext uri="{BB962C8B-B14F-4D97-AF65-F5344CB8AC3E}">
+        <p14:creationId xmlns:p14="http://schemas.microsoft.com/office/powerpoint/2010/main" val="2475685554"/>
+      </p:ext>
+    </p:extLst>
+  </p:cSld>
+  <p:clrMapOvr>
+    <a:masterClrMapping/>
+  </p:clrMapOvr>
+</p:sld>
+</file>
+
+<file path=ppt/slides/slide9.xml><?xml version="1.0" encoding="utf-8"?>
+<p:sld xmlns:a="http://schemas.openxmlformats.org/drawingml/2006/main" xmlns:r="http://schemas.openxmlformats.org/officeDocument/2006/relationships" xmlns:p="http://schemas.openxmlformats.org/presentationml/2006/main">
+  <p:cSld>
+    <p:spTree>
+      <p:nvGrpSpPr>
+        <p:cNvPr id="1" name=""/>
+        <p:cNvGrpSpPr/>
+        <p:nvPr/>
+      </p:nvGrpSpPr>
+      <p:grpSpPr>
+        <a:xfrm>
+          <a:off x="0" y="0"/>
+          <a:ext cx="0" cy="0"/>
+          <a:chOff x="0" y="0"/>
+          <a:chExt cx="0" cy="0"/>
+        </a:xfrm>
+      </p:grpSpPr>
+      <p:sp>
+        <p:nvSpPr>
+          <p:cNvPr id="2" name="Titre 1">
+            <a:extLst>
+              <a:ext uri="{FF2B5EF4-FFF2-40B4-BE49-F238E27FC236}">
+                <a16:creationId xmlns:a16="http://schemas.microsoft.com/office/drawing/2014/main" id="{DBD23F23-EF92-2EE6-EED2-24F174401B9D}"/>
+              </a:ext>
+            </a:extLst>
+          </p:cNvPr>
+          <p:cNvSpPr>
+            <a:spLocks noGrp="1"/>
+          </p:cNvSpPr>
+          <p:nvPr>
+            <p:ph type="title"/>
+          </p:nvPr>
+        </p:nvSpPr>
+        <p:spPr/>
+        <p:txBody>
+          <a:bodyPr anchor="t"/>
+          <a:lstStyle/>
+          <a:p>
+            <a:r>
+              <a:rPr lang="fr-FR" dirty="0"/>
+              <a:t>Gestion des accès au campus</a:t>
+            </a:r>
+            <a:br>
+              <a:rPr lang="fr-FR" dirty="0"/>
+            </a:br>
+            <a:r>
+              <a:rPr lang="fr-FR" sz="2000" dirty="0"/>
+              <a:t>Les défauts</a:t>
+            </a:r>
+            <a:endParaRPr lang="fr-FR" dirty="0"/>
+          </a:p>
+        </p:txBody>
+      </p:sp>
+      <p:sp>
+        <p:nvSpPr>
+          <p:cNvPr id="3" name="Espace réservé du texte 2">
+            <a:extLst>
+              <a:ext uri="{FF2B5EF4-FFF2-40B4-BE49-F238E27FC236}">
+                <a16:creationId xmlns:a16="http://schemas.microsoft.com/office/drawing/2014/main" id="{070D4B8C-89A7-65B0-892A-D27A85A3C9A2}"/>
+              </a:ext>
+            </a:extLst>
+          </p:cNvPr>
+          <p:cNvSpPr>
+            <a:spLocks noGrp="1"/>
+          </p:cNvSpPr>
+          <p:nvPr>
+            <p:ph type="body" sz="half" idx="2"/>
+          </p:nvPr>
+        </p:nvSpPr>
+        <p:spPr/>
+        <p:txBody>
+          <a:bodyPr/>
+          <a:lstStyle/>
+          <a:p>
+            <a:pPr marL="285750" indent="-285750">
+              <a:buFont typeface="Arial" panose="020B0604020202020204" pitchFamily="34" charset="0"/>
+              <a:buChar char="•"/>
+            </a:pPr>
+            <a:r>
+              <a:rPr lang="fr-FR" dirty="0"/>
+              <a:t>1 appareil Bluetooth activé par personne</a:t>
+            </a:r>
+          </a:p>
+          <a:p>
+            <a:pPr marL="285750" indent="-285750">
+              <a:buFont typeface="Arial" panose="020B0604020202020204" pitchFamily="34" charset="0"/>
+              <a:buChar char="•"/>
+            </a:pPr>
+            <a:r>
+              <a:rPr lang="fr-FR" dirty="0"/>
+              <a:t>Erreur de comptage en cas d’immobilité à proximité des lecteurs</a:t>
+            </a:r>
+          </a:p>
+          <a:p>
+            <a:pPr marL="285750" indent="-285750">
+              <a:buFont typeface="Arial" panose="020B0604020202020204" pitchFamily="34" charset="0"/>
+              <a:buChar char="•"/>
+            </a:pPr>
+            <a:endParaRPr lang="fr-FR" dirty="0"/>
+          </a:p>
+        </p:txBody>
+      </p:sp>
+      <p:sp>
+        <p:nvSpPr>
+          <p:cNvPr id="5" name="Espace réservé du texte 2">
+            <a:extLst>
+              <a:ext uri="{FF2B5EF4-FFF2-40B4-BE49-F238E27FC236}">
+                <a16:creationId xmlns:a16="http://schemas.microsoft.com/office/drawing/2014/main" id="{6179D6B3-CEDC-2E73-35FD-19CBE81377C6}"/>
+              </a:ext>
+            </a:extLst>
+          </p:cNvPr>
+          <p:cNvSpPr txBox="1">
+            <a:spLocks/>
+          </p:cNvSpPr>
+          <p:nvPr/>
+        </p:nvSpPr>
+        <p:spPr>
+          <a:xfrm>
+            <a:off x="6745288" y="2057400"/>
+            <a:ext cx="3932237" cy="3811588"/>
+          </a:xfrm>
+          <a:prstGeom prst="rect">
+            <a:avLst/>
+          </a:prstGeom>
+        </p:spPr>
+        <p:txBody>
+          <a:bodyPr vert="horz" lIns="91440" tIns="45720" rIns="91440" bIns="45720" rtlCol="0">
+            <a:normAutofit/>
+          </a:bodyPr>
+          <a:lstStyle>
+            <a:lvl1pPr marL="0" indent="0" algn="l" defTabSz="914400" rtl="0" eaLnBrk="1" latinLnBrk="0" hangingPunct="1">
+              <a:lnSpc>
+                <a:spcPct val="90000"/>
+              </a:lnSpc>
+              <a:spcBef>
+                <a:spcPts val="1000"/>
+              </a:spcBef>
+              <a:buFont typeface="Arial" panose="020B0604020202020204" pitchFamily="34" charset="0"/>
+              <a:buNone/>
+              <a:defRPr sz="1600" kern="1200">
+                <a:solidFill>
+                  <a:schemeClr val="tx1"/>
+                </a:solidFill>
+                <a:latin typeface="+mn-lt"/>
+                <a:ea typeface="+mn-ea"/>
+                <a:cs typeface="+mn-cs"/>
+              </a:defRPr>
+            </a:lvl1pPr>
+            <a:lvl2pPr marL="457200" indent="0" algn="l" defTabSz="914400" rtl="0" eaLnBrk="1" latinLnBrk="0" hangingPunct="1">
+              <a:lnSpc>
+                <a:spcPct val="90000"/>
+              </a:lnSpc>
+              <a:spcBef>
+                <a:spcPts val="500"/>
+              </a:spcBef>
+              <a:buFont typeface="Arial" panose="020B0604020202020204" pitchFamily="34" charset="0"/>
+              <a:buNone/>
+              <a:defRPr sz="1400" kern="1200">
+                <a:solidFill>
+                  <a:schemeClr val="tx1"/>
+                </a:solidFill>
+                <a:latin typeface="+mn-lt"/>
+                <a:ea typeface="+mn-ea"/>
+                <a:cs typeface="+mn-cs"/>
+              </a:defRPr>
+            </a:lvl2pPr>
+            <a:lvl3pPr marL="914400" indent="0" algn="l" defTabSz="914400" rtl="0" eaLnBrk="1" latinLnBrk="0" hangingPunct="1">
+              <a:lnSpc>
+                <a:spcPct val="90000"/>
+              </a:lnSpc>
+              <a:spcBef>
+                <a:spcPts val="500"/>
+              </a:spcBef>
+              <a:buFont typeface="Arial" panose="020B0604020202020204" pitchFamily="34" charset="0"/>
+              <a:buNone/>
+              <a:defRPr sz="1200" kern="1200">
+                <a:solidFill>
+                  <a:schemeClr val="tx1"/>
+                </a:solidFill>
+                <a:latin typeface="+mn-lt"/>
+                <a:ea typeface="+mn-ea"/>
+                <a:cs typeface="+mn-cs"/>
+              </a:defRPr>
+            </a:lvl3pPr>
+            <a:lvl4pPr marL="1371600" indent="0" algn="l" defTabSz="914400" rtl="0" eaLnBrk="1" latinLnBrk="0" hangingPunct="1">
+              <a:lnSpc>
+                <a:spcPct val="90000"/>
+              </a:lnSpc>
+              <a:spcBef>
+                <a:spcPts val="500"/>
+              </a:spcBef>
+              <a:buFont typeface="Arial" panose="020B0604020202020204" pitchFamily="34" charset="0"/>
+              <a:buNone/>
+              <a:defRPr sz="1000" kern="1200">
+                <a:solidFill>
+                  <a:schemeClr val="tx1"/>
+                </a:solidFill>
+                <a:latin typeface="+mn-lt"/>
+                <a:ea typeface="+mn-ea"/>
+                <a:cs typeface="+mn-cs"/>
+              </a:defRPr>
+            </a:lvl4pPr>
+            <a:lvl5pPr marL="1828800" indent="0" algn="l" defTabSz="914400" rtl="0" eaLnBrk="1" latinLnBrk="0" hangingPunct="1">
+              <a:lnSpc>
+                <a:spcPct val="90000"/>
+              </a:lnSpc>
+              <a:spcBef>
+                <a:spcPts val="500"/>
+              </a:spcBef>
+              <a:buFont typeface="Arial" panose="020B0604020202020204" pitchFamily="34" charset="0"/>
+              <a:buNone/>
+              <a:defRPr sz="1000" kern="1200">
+                <a:solidFill>
+                  <a:schemeClr val="tx1"/>
+                </a:solidFill>
+                <a:latin typeface="+mn-lt"/>
+                <a:ea typeface="+mn-ea"/>
+                <a:cs typeface="+mn-cs"/>
+              </a:defRPr>
+            </a:lvl5pPr>
+            <a:lvl6pPr marL="2286000" indent="0" algn="l" defTabSz="914400" rtl="0" eaLnBrk="1" latinLnBrk="0" hangingPunct="1">
+              <a:lnSpc>
+                <a:spcPct val="90000"/>
+              </a:lnSpc>
+              <a:spcBef>
+                <a:spcPts val="500"/>
+              </a:spcBef>
+              <a:buFont typeface="Arial" panose="020B0604020202020204" pitchFamily="34" charset="0"/>
+              <a:buNone/>
+              <a:defRPr sz="1000" kern="1200">
+                <a:solidFill>
+                  <a:schemeClr val="tx1"/>
+                </a:solidFill>
+                <a:latin typeface="+mn-lt"/>
+                <a:ea typeface="+mn-ea"/>
+                <a:cs typeface="+mn-cs"/>
+              </a:defRPr>
+            </a:lvl6pPr>
+            <a:lvl7pPr marL="2743200" indent="0" algn="l" defTabSz="914400" rtl="0" eaLnBrk="1" latinLnBrk="0" hangingPunct="1">
+              <a:lnSpc>
+                <a:spcPct val="90000"/>
+              </a:lnSpc>
+              <a:spcBef>
+                <a:spcPts val="500"/>
+              </a:spcBef>
+              <a:buFont typeface="Arial" panose="020B0604020202020204" pitchFamily="34" charset="0"/>
+              <a:buNone/>
+              <a:defRPr sz="1000" kern="1200">
+                <a:solidFill>
+                  <a:schemeClr val="tx1"/>
+                </a:solidFill>
+                <a:latin typeface="+mn-lt"/>
+                <a:ea typeface="+mn-ea"/>
+                <a:cs typeface="+mn-cs"/>
+              </a:defRPr>
+            </a:lvl7pPr>
+            <a:lvl8pPr marL="3200400" indent="0" algn="l" defTabSz="914400" rtl="0" eaLnBrk="1" latinLnBrk="0" hangingPunct="1">
+              <a:lnSpc>
+                <a:spcPct val="90000"/>
+              </a:lnSpc>
+              <a:spcBef>
+                <a:spcPts val="500"/>
+              </a:spcBef>
+              <a:buFont typeface="Arial" panose="020B0604020202020204" pitchFamily="34" charset="0"/>
+              <a:buNone/>
+              <a:defRPr sz="1000" kern="1200">
+                <a:solidFill>
+                  <a:schemeClr val="tx1"/>
+                </a:solidFill>
+                <a:latin typeface="+mn-lt"/>
+                <a:ea typeface="+mn-ea"/>
+                <a:cs typeface="+mn-cs"/>
+              </a:defRPr>
+            </a:lvl8pPr>
+            <a:lvl9pPr marL="3657600" indent="0" algn="l" defTabSz="914400" rtl="0" eaLnBrk="1" latinLnBrk="0" hangingPunct="1">
+              <a:lnSpc>
+                <a:spcPct val="90000"/>
+              </a:lnSpc>
+              <a:spcBef>
+                <a:spcPts val="500"/>
+              </a:spcBef>
+              <a:buFont typeface="Arial" panose="020B0604020202020204" pitchFamily="34" charset="0"/>
+              <a:buNone/>
+              <a:defRPr sz="1000" kern="1200">
+                <a:solidFill>
+                  <a:schemeClr val="tx1"/>
+                </a:solidFill>
+                <a:latin typeface="+mn-lt"/>
+                <a:ea typeface="+mn-ea"/>
+                <a:cs typeface="+mn-cs"/>
+              </a:defRPr>
+            </a:lvl9pPr>
+          </a:lstStyle>
+          <a:p>
+            <a:r>
+              <a:rPr lang="fr-FR"/>
+              <a:t>Gestion des accès au campus</a:t>
+            </a:r>
+            <a:endParaRPr lang="fr-FR" dirty="0"/>
+          </a:p>
+        </p:txBody>
+      </p:sp>
+    </p:spTree>
+    <p:extLst>
+      <p:ext uri="{BB962C8B-B14F-4D97-AF65-F5344CB8AC3E}">
+        <p14:creationId xmlns:p14="http://schemas.microsoft.com/office/powerpoint/2010/main" val="3303001111"/>
       </p:ext>
     </p:extLst>
   </p:cSld>
@@ -13905,6 +15145,12 @@
 </file>
 
 <file path=customXml/item2.xml><?xml version="1.0" encoding="utf-8"?>
+<p:properties xmlns:p="http://schemas.microsoft.com/office/2006/metadata/properties" xmlns:xsi="http://www.w3.org/2001/XMLSchema-instance" xmlns:pc="http://schemas.microsoft.com/office/infopath/2007/PartnerControls">
+  <documentManagement/>
+</p:properties>
+</file>
+
+<file path=customXml/item3.xml><?xml version="1.0" encoding="utf-8"?>
 <ct:contentTypeSchema xmlns:ct="http://schemas.microsoft.com/office/2006/metadata/contentType" xmlns:ma="http://schemas.microsoft.com/office/2006/metadata/properties/metaAttributes" ct:_="" ma:_="" ma:contentTypeName="Document" ma:contentTypeID="0x01010049B758F657B6B546A2B1F25A9054A133" ma:contentTypeVersion="2" ma:contentTypeDescription="Crée un document." ma:contentTypeScope="" ma:versionID="345806b9f831dd6ed5c15d9ed9821fb1">
   <xsd:schema xmlns:xsd="http://www.w3.org/2001/XMLSchema" xmlns:xs="http://www.w3.org/2001/XMLSchema" xmlns:p="http://schemas.microsoft.com/office/2006/metadata/properties" xmlns:ns3="88e89e40-c19a-48d0-a0b6-11184f7f918e" targetNamespace="http://schemas.microsoft.com/office/2006/metadata/properties" ma:root="true" ma:fieldsID="5384d96721a2c9fc685b12fc798eb168" ns3:_="">
     <xsd:import namespace="88e89e40-c19a-48d0-a0b6-11184f7f918e"/>
@@ -14036,12 +15282,6 @@
 </ct:contentTypeSchema>
 </file>
 
-<file path=customXml/item3.xml><?xml version="1.0" encoding="utf-8"?>
-<p:properties xmlns:p="http://schemas.microsoft.com/office/2006/metadata/properties" xmlns:xsi="http://www.w3.org/2001/XMLSchema-instance" xmlns:pc="http://schemas.microsoft.com/office/infopath/2007/PartnerControls">
-  <documentManagement/>
-</p:properties>
-</file>
-
 <file path=customXml/itemProps1.xml><?xml version="1.0" encoding="utf-8"?>
 <ds:datastoreItem xmlns:ds="http://schemas.openxmlformats.org/officeDocument/2006/customXml" ds:itemID="{6216BF83-BC37-4FA3-93AF-55DBFC07FBB9}">
   <ds:schemaRefs>
@@ -14051,6 +15291,22 @@
 </file>
 
 <file path=customXml/itemProps2.xml><?xml version="1.0" encoding="utf-8"?>
+<ds:datastoreItem xmlns:ds="http://schemas.openxmlformats.org/officeDocument/2006/customXml" ds:itemID="{9A042760-9A7A-479B-B4D8-612EBC1AFF18}">
+  <ds:schemaRefs>
+    <ds:schemaRef ds:uri="http://schemas.microsoft.com/office/2006/metadata/properties"/>
+    <ds:schemaRef ds:uri="http://www.w3.org/XML/1998/namespace"/>
+    <ds:schemaRef ds:uri="http://schemas.openxmlformats.org/package/2006/metadata/core-properties"/>
+    <ds:schemaRef ds:uri="http://purl.org/dc/terms/"/>
+    <ds:schemaRef ds:uri="http://purl.org/dc/dcmitype/"/>
+    <ds:schemaRef ds:uri="http://purl.org/dc/elements/1.1/"/>
+    <ds:schemaRef ds:uri="http://schemas.microsoft.com/office/2006/documentManagement/types"/>
+    <ds:schemaRef ds:uri="http://schemas.microsoft.com/office/infopath/2007/PartnerControls"/>
+    <ds:schemaRef ds:uri="88e89e40-c19a-48d0-a0b6-11184f7f918e"/>
+  </ds:schemaRefs>
+</ds:datastoreItem>
+</file>
+
+<file path=customXml/itemProps3.xml><?xml version="1.0" encoding="utf-8"?>
 <ds:datastoreItem xmlns:ds="http://schemas.openxmlformats.org/officeDocument/2006/customXml" ds:itemID="{0F26BBB6-F212-4F70-8A4C-78715A39EE34}">
   <ds:schemaRefs>
     <ds:schemaRef ds:uri="http://schemas.microsoft.com/office/2006/metadata/contentType"/>
@@ -14066,20 +15322,4 @@
     <ds:schemaRef ds:uri="http://schemas.microsoft.com/internal/obd"/>
   </ds:schemaRefs>
 </ds:datastoreItem>
-</file>
-
-<file path=customXml/itemProps3.xml><?xml version="1.0" encoding="utf-8"?>
-<ds:datastoreItem xmlns:ds="http://schemas.openxmlformats.org/officeDocument/2006/customXml" ds:itemID="{9A042760-9A7A-479B-B4D8-612EBC1AFF18}">
-  <ds:schemaRefs>
-    <ds:schemaRef ds:uri="http://schemas.microsoft.com/office/2006/metadata/properties"/>
-    <ds:schemaRef ds:uri="http://www.w3.org/XML/1998/namespace"/>
-    <ds:schemaRef ds:uri="http://schemas.openxmlformats.org/package/2006/metadata/core-properties"/>
-    <ds:schemaRef ds:uri="http://purl.org/dc/terms/"/>
-    <ds:schemaRef ds:uri="http://purl.org/dc/dcmitype/"/>
-    <ds:schemaRef ds:uri="http://purl.org/dc/elements/1.1/"/>
-    <ds:schemaRef ds:uri="http://schemas.microsoft.com/office/2006/documentManagement/types"/>
-    <ds:schemaRef ds:uri="http://schemas.microsoft.com/office/infopath/2007/PartnerControls"/>
-    <ds:schemaRef ds:uri="88e89e40-c19a-48d0-a0b6-11184f7f918e"/>
-  </ds:schemaRefs>
-</ds:datastoreItem>
 </file>
--- a/Docs/Gestion des accès au bâtiment.pptx
+++ b/Docs/Gestion des accès au bâtiment.pptx
@@ -5,10 +5,10 @@
     <p:sldMasterId id="2147483648" r:id="rId4"/>
   </p:sldMasterIdLst>
   <p:notesMasterIdLst>
-    <p:notesMasterId r:id="rId17"/>
+    <p:notesMasterId r:id="rId22"/>
   </p:notesMasterIdLst>
   <p:handoutMasterIdLst>
-    <p:handoutMasterId r:id="rId18"/>
+    <p:handoutMasterId r:id="rId23"/>
   </p:handoutMasterIdLst>
   <p:sldIdLst>
     <p:sldId id="281" r:id="rId5"/>
@@ -20,9 +20,14 @@
     <p:sldId id="301" r:id="rId11"/>
     <p:sldId id="302" r:id="rId12"/>
     <p:sldId id="303" r:id="rId13"/>
-    <p:sldId id="299" r:id="rId14"/>
-    <p:sldId id="295" r:id="rId15"/>
-    <p:sldId id="256" r:id="rId16"/>
+    <p:sldId id="304" r:id="rId14"/>
+    <p:sldId id="308" r:id="rId15"/>
+    <p:sldId id="305" r:id="rId16"/>
+    <p:sldId id="306" r:id="rId17"/>
+    <p:sldId id="307" r:id="rId18"/>
+    <p:sldId id="299" r:id="rId19"/>
+    <p:sldId id="295" r:id="rId20"/>
+    <p:sldId id="256" r:id="rId21"/>
   </p:sldIdLst>
   <p:sldSz cx="12192000" cy="6858000"/>
   <p:notesSz cx="6858000" cy="9144000"/>
@@ -254,7 +259,7 @@
             <a:pPr rtl="0"/>
             <a:fld id="{6A304465-9F8F-4E6E-9E0A-D4832F175C18}" type="datetime1">
               <a:rPr lang="fr-FR" smtClean="0"/>
-              <a:t>11/05/2022</a:t>
+              <a:t>12/05/2022</a:t>
             </a:fld>
             <a:endParaRPr lang="fr-FR"/>
           </a:p>
@@ -436,7 +441,7 @@
             <a:fld id="{D4679DA2-282D-4D5F-82DD-205B1DC49208}" type="datetime1">
               <a:rPr lang="fr-FR" smtClean="0"/>
               <a:pPr/>
-              <a:t>11/05/2022</a:t>
+              <a:t>12/05/2022</a:t>
             </a:fld>
             <a:endParaRPr lang="fr-FR" dirty="0"/>
           </a:p>
@@ -1028,7 +1033,7 @@
             <a:pPr rtl="0"/>
             <a:fld id="{6BF82289-BCFD-4053-9D06-A9140C63A457}" type="slidenum">
               <a:rPr lang="fr-FR" smtClean="0"/>
-              <a:t>11</a:t>
+              <a:t>16</a:t>
             </a:fld>
             <a:endParaRPr lang="fr-FR"/>
           </a:p>
@@ -1114,7 +1119,7 @@
             <a:pPr rtl="0"/>
             <a:fld id="{6BF82289-BCFD-4053-9D06-A9140C63A457}" type="slidenum">
               <a:rPr lang="fr-FR" smtClean="0"/>
-              <a:t>12</a:t>
+              <a:t>17</a:t>
             </a:fld>
             <a:endParaRPr lang="fr-FR"/>
           </a:p>
@@ -9990,7 +9995,7 @@
                 <a16:creationId xmlns:a16="http://schemas.microsoft.com/office/drawing/2014/main" id="{EB664AAE-5AE9-41D7-8346-002B9F445323}"/>
               </a:ext>
               <a:ext uri="{C183D7F6-B498-43B3-948B-1728B52AA6E4}">
-                <adec:decorative xmlns:adec="http://schemas.microsoft.com/office/drawing/2017/decorative" val="1"/>
+                <adec:decorative xmlns:adec="http://schemas.microsoft.com/office/drawing/2017/decorative" xmlns="" val="1"/>
               </a:ext>
             </a:extLst>
           </p:cNvPr>
@@ -10407,10 +10412,10 @@
       </p:grpSpPr>
       <p:sp>
         <p:nvSpPr>
-          <p:cNvPr id="2" name="Espace réservé pour une image  1">
-            <a:extLst>
-              <a:ext uri="{FF2B5EF4-FFF2-40B4-BE49-F238E27FC236}">
-                <a16:creationId xmlns:a16="http://schemas.microsoft.com/office/drawing/2014/main" id="{CEE6C035-8F9A-9921-CAA9-48F1FAE17402}"/>
+          <p:cNvPr id="2" name="Titre 1">
+            <a:extLst>
+              <a:ext uri="{FF2B5EF4-FFF2-40B4-BE49-F238E27FC236}">
+                <a16:creationId xmlns:a16="http://schemas.microsoft.com/office/drawing/2014/main" id="{DBD23F23-EF92-2EE6-EED2-24F174401B9D}"/>
               </a:ext>
             </a:extLst>
           </p:cNvPr>
@@ -10418,17 +10423,54 @@
             <a:spLocks noGrp="1"/>
           </p:cNvSpPr>
           <p:nvPr>
-            <p:ph type="pic" sz="quarter" idx="10"/>
+            <p:ph type="title"/>
           </p:nvPr>
         </p:nvSpPr>
-        <p:spPr/>
-      </p:sp>
-      <p:sp>
-        <p:nvSpPr>
-          <p:cNvPr id="3" name="Titre 2">
-            <a:extLst>
-              <a:ext uri="{FF2B5EF4-FFF2-40B4-BE49-F238E27FC236}">
-                <a16:creationId xmlns:a16="http://schemas.microsoft.com/office/drawing/2014/main" id="{714EB4A1-F86C-D8B3-DB71-21F5533E4D96}"/>
+        <p:spPr>
+          <a:xfrm>
+            <a:off x="839788" y="457200"/>
+            <a:ext cx="4654925" cy="1600200"/>
+          </a:xfrm>
+        </p:spPr>
+        <p:txBody>
+          <a:bodyPr anchor="t">
+            <a:normAutofit/>
+          </a:bodyPr>
+          <a:lstStyle/>
+          <a:p>
+            <a:r>
+              <a:rPr lang="fr-FR" dirty="0"/>
+              <a:t>Gestion des accès </a:t>
+            </a:r>
+            <a:r>
+              <a:rPr lang="fr-FR" dirty="0" smtClean="0"/>
+              <a:t>à la salle</a:t>
+            </a:r>
+            <a:r>
+              <a:rPr lang="fr-FR" dirty="0"/>
+              <a:t/>
+            </a:r>
+            <a:br>
+              <a:rPr lang="fr-FR" dirty="0"/>
+            </a:br>
+            <a:r>
+              <a:rPr lang="fr-FR" sz="2000" dirty="0" smtClean="0"/>
+              <a:t>Récupération des paramètres biométrique </a:t>
+            </a:r>
+            <a:r>
+              <a:rPr lang="fr-FR" dirty="0" smtClean="0"/>
+              <a:t> </a:t>
+            </a:r>
+            <a:endParaRPr lang="fr-FR" dirty="0"/>
+          </a:p>
+        </p:txBody>
+      </p:sp>
+      <p:sp>
+        <p:nvSpPr>
+          <p:cNvPr id="3" name="Espace réservé du texte 2">
+            <a:extLst>
+              <a:ext uri="{FF2B5EF4-FFF2-40B4-BE49-F238E27FC236}">
+                <a16:creationId xmlns:a16="http://schemas.microsoft.com/office/drawing/2014/main" id="{070D4B8C-89A7-65B0-892A-D27A85A3C9A2}"/>
               </a:ext>
             </a:extLst>
           </p:cNvPr>
@@ -10436,47 +10478,79 @@
             <a:spLocks noGrp="1"/>
           </p:cNvSpPr>
           <p:nvPr>
-            <p:ph type="ctrTitle"/>
+            <p:ph type="body" sz="half" idx="2"/>
           </p:nvPr>
         </p:nvSpPr>
-        <p:spPr/>
+        <p:spPr>
+          <a:xfrm>
+            <a:off x="839788" y="1625138"/>
+            <a:ext cx="3932237" cy="432262"/>
+          </a:xfrm>
+        </p:spPr>
         <p:txBody>
           <a:bodyPr/>
           <a:lstStyle/>
           <a:p>
-            <a:endParaRPr lang="fr-FR"/>
-          </a:p>
-        </p:txBody>
-      </p:sp>
-      <p:sp>
-        <p:nvSpPr>
-          <p:cNvPr id="4" name="Sous-titre 3">
-            <a:extLst>
-              <a:ext uri="{FF2B5EF4-FFF2-40B4-BE49-F238E27FC236}">
-                <a16:creationId xmlns:a16="http://schemas.microsoft.com/office/drawing/2014/main" id="{4282A136-35A6-F764-D70A-4C476EE04F11}"/>
-              </a:ext>
-            </a:extLst>
-          </p:cNvPr>
-          <p:cNvSpPr>
-            <a:spLocks noGrp="1"/>
-          </p:cNvSpPr>
-          <p:nvPr>
-            <p:ph type="subTitle" idx="1"/>
-          </p:nvPr>
-        </p:nvSpPr>
-        <p:spPr/>
-        <p:txBody>
-          <a:bodyPr/>
-          <a:lstStyle/>
-          <a:p>
-            <a:endParaRPr lang="fr-FR"/>
-          </a:p>
-        </p:txBody>
-      </p:sp>
+            <a:r>
+              <a:rPr lang="fr-FR" dirty="0" smtClean="0"/>
+              <a:t>Lancement de la caméra</a:t>
+            </a:r>
+            <a:endParaRPr lang="fr-FR" dirty="0"/>
+          </a:p>
+        </p:txBody>
+      </p:sp>
+      <p:pic>
+        <p:nvPicPr>
+          <p:cNvPr id="4" name="Image 3"/>
+          <p:cNvPicPr>
+            <a:picLocks noChangeAspect="1"/>
+          </p:cNvPicPr>
+          <p:nvPr/>
+        </p:nvPicPr>
+        <p:blipFill>
+          <a:blip r:embed="rId2"/>
+          <a:stretch>
+            <a:fillRect/>
+          </a:stretch>
+        </p:blipFill>
+        <p:spPr>
+          <a:xfrm>
+            <a:off x="681225" y="2144713"/>
+            <a:ext cx="4972050" cy="3724275"/>
+          </a:xfrm>
+          <a:prstGeom prst="rect">
+            <a:avLst/>
+          </a:prstGeom>
+        </p:spPr>
+      </p:pic>
+      <p:pic>
+        <p:nvPicPr>
+          <p:cNvPr id="6" name="Image 5"/>
+          <p:cNvPicPr>
+            <a:picLocks noChangeAspect="1"/>
+          </p:cNvPicPr>
+          <p:nvPr/>
+        </p:nvPicPr>
+        <p:blipFill>
+          <a:blip r:embed="rId3"/>
+          <a:stretch>
+            <a:fillRect/>
+          </a:stretch>
+        </p:blipFill>
+        <p:spPr>
+          <a:xfrm>
+            <a:off x="6602001" y="1251284"/>
+            <a:ext cx="4685124" cy="4876800"/>
+          </a:xfrm>
+          <a:prstGeom prst="rect">
+            <a:avLst/>
+          </a:prstGeom>
+        </p:spPr>
+      </p:pic>
     </p:spTree>
     <p:extLst>
       <p:ext uri="{BB962C8B-B14F-4D97-AF65-F5344CB8AC3E}">
-        <p14:creationId xmlns:p14="http://schemas.microsoft.com/office/powerpoint/2010/main" val="3640759210"/>
+        <p14:creationId xmlns:p14="http://schemas.microsoft.com/office/powerpoint/2010/main" val="2428980419"/>
       </p:ext>
     </p:extLst>
   </p:cSld>
@@ -10503,6 +10577,909 @@
           <a:chExt cx="0" cy="0"/>
         </a:xfrm>
       </p:grpSpPr>
+      <p:sp>
+        <p:nvSpPr>
+          <p:cNvPr id="2" name="Titre 1">
+            <a:extLst>
+              <a:ext uri="{FF2B5EF4-FFF2-40B4-BE49-F238E27FC236}">
+                <a16:creationId xmlns:a16="http://schemas.microsoft.com/office/drawing/2014/main" id="{DBD23F23-EF92-2EE6-EED2-24F174401B9D}"/>
+              </a:ext>
+            </a:extLst>
+          </p:cNvPr>
+          <p:cNvSpPr>
+            <a:spLocks noGrp="1"/>
+          </p:cNvSpPr>
+          <p:nvPr>
+            <p:ph type="title"/>
+          </p:nvPr>
+        </p:nvSpPr>
+        <p:spPr>
+          <a:xfrm>
+            <a:off x="839788" y="457200"/>
+            <a:ext cx="4654925" cy="1600200"/>
+          </a:xfrm>
+        </p:spPr>
+        <p:txBody>
+          <a:bodyPr anchor="t">
+            <a:normAutofit/>
+          </a:bodyPr>
+          <a:lstStyle/>
+          <a:p>
+            <a:r>
+              <a:rPr lang="fr-FR" dirty="0"/>
+              <a:t>Gestion des accès </a:t>
+            </a:r>
+            <a:r>
+              <a:rPr lang="fr-FR" dirty="0" smtClean="0"/>
+              <a:t>à la salle</a:t>
+            </a:r>
+            <a:r>
+              <a:rPr lang="fr-FR" dirty="0"/>
+              <a:t/>
+            </a:r>
+            <a:br>
+              <a:rPr lang="fr-FR" dirty="0"/>
+            </a:br>
+            <a:r>
+              <a:rPr lang="fr-FR" sz="2000" dirty="0" smtClean="0"/>
+              <a:t>Récupération des paramètres biométrique </a:t>
+            </a:r>
+            <a:r>
+              <a:rPr lang="fr-FR" dirty="0" smtClean="0"/>
+              <a:t> </a:t>
+            </a:r>
+            <a:endParaRPr lang="fr-FR" dirty="0"/>
+          </a:p>
+        </p:txBody>
+      </p:sp>
+      <p:sp>
+        <p:nvSpPr>
+          <p:cNvPr id="3" name="Espace réservé du texte 2">
+            <a:extLst>
+              <a:ext uri="{FF2B5EF4-FFF2-40B4-BE49-F238E27FC236}">
+                <a16:creationId xmlns:a16="http://schemas.microsoft.com/office/drawing/2014/main" id="{070D4B8C-89A7-65B0-892A-D27A85A3C9A2}"/>
+              </a:ext>
+            </a:extLst>
+          </p:cNvPr>
+          <p:cNvSpPr>
+            <a:spLocks noGrp="1"/>
+          </p:cNvSpPr>
+          <p:nvPr>
+            <p:ph type="body" sz="half" idx="2"/>
+          </p:nvPr>
+        </p:nvSpPr>
+        <p:spPr>
+          <a:xfrm>
+            <a:off x="839788" y="1625138"/>
+            <a:ext cx="3932237" cy="432262"/>
+          </a:xfrm>
+        </p:spPr>
+        <p:txBody>
+          <a:bodyPr/>
+          <a:lstStyle/>
+          <a:p>
+            <a:r>
+              <a:rPr lang="fr-FR" dirty="0" smtClean="0"/>
+              <a:t>Lancement de la caméra</a:t>
+            </a:r>
+            <a:endParaRPr lang="fr-FR" dirty="0"/>
+          </a:p>
+        </p:txBody>
+      </p:sp>
+      <p:pic>
+        <p:nvPicPr>
+          <p:cNvPr id="4" name="Image 3"/>
+          <p:cNvPicPr>
+            <a:picLocks noChangeAspect="1"/>
+          </p:cNvPicPr>
+          <p:nvPr/>
+        </p:nvPicPr>
+        <p:blipFill>
+          <a:blip r:embed="rId2"/>
+          <a:stretch>
+            <a:fillRect/>
+          </a:stretch>
+        </p:blipFill>
+        <p:spPr>
+          <a:xfrm>
+            <a:off x="681225" y="2144713"/>
+            <a:ext cx="4972050" cy="3724275"/>
+          </a:xfrm>
+          <a:prstGeom prst="rect">
+            <a:avLst/>
+          </a:prstGeom>
+        </p:spPr>
+      </p:pic>
+      <p:pic>
+        <p:nvPicPr>
+          <p:cNvPr id="6" name="Image 5"/>
+          <p:cNvPicPr>
+            <a:picLocks noChangeAspect="1"/>
+          </p:cNvPicPr>
+          <p:nvPr/>
+        </p:nvPicPr>
+        <p:blipFill>
+          <a:blip r:embed="rId3"/>
+          <a:stretch>
+            <a:fillRect/>
+          </a:stretch>
+        </p:blipFill>
+        <p:spPr>
+          <a:xfrm>
+            <a:off x="6602001" y="1251284"/>
+            <a:ext cx="4685124" cy="4876800"/>
+          </a:xfrm>
+          <a:prstGeom prst="rect">
+            <a:avLst/>
+          </a:prstGeom>
+        </p:spPr>
+      </p:pic>
+    </p:spTree>
+    <p:extLst>
+      <p:ext uri="{BB962C8B-B14F-4D97-AF65-F5344CB8AC3E}">
+        <p14:creationId xmlns:p14="http://schemas.microsoft.com/office/powerpoint/2010/main" val="821740354"/>
+      </p:ext>
+    </p:extLst>
+  </p:cSld>
+  <p:clrMapOvr>
+    <a:masterClrMapping/>
+  </p:clrMapOvr>
+</p:sld>
+</file>
+
+<file path=ppt/slides/slide12.xml><?xml version="1.0" encoding="utf-8"?>
+<p:sld xmlns:a="http://schemas.openxmlformats.org/drawingml/2006/main" xmlns:r="http://schemas.openxmlformats.org/officeDocument/2006/relationships" xmlns:p="http://schemas.openxmlformats.org/presentationml/2006/main">
+  <p:cSld>
+    <p:spTree>
+      <p:nvGrpSpPr>
+        <p:cNvPr id="1" name=""/>
+        <p:cNvGrpSpPr/>
+        <p:nvPr/>
+      </p:nvGrpSpPr>
+      <p:grpSpPr>
+        <a:xfrm>
+          <a:off x="0" y="0"/>
+          <a:ext cx="0" cy="0"/>
+          <a:chOff x="0" y="0"/>
+          <a:chExt cx="0" cy="0"/>
+        </a:xfrm>
+      </p:grpSpPr>
+      <p:sp>
+        <p:nvSpPr>
+          <p:cNvPr id="2" name="Titre 1">
+            <a:extLst>
+              <a:ext uri="{FF2B5EF4-FFF2-40B4-BE49-F238E27FC236}">
+                <a16:creationId xmlns:a16="http://schemas.microsoft.com/office/drawing/2014/main" id="{DBD23F23-EF92-2EE6-EED2-24F174401B9D}"/>
+              </a:ext>
+            </a:extLst>
+          </p:cNvPr>
+          <p:cNvSpPr>
+            <a:spLocks noGrp="1"/>
+          </p:cNvSpPr>
+          <p:nvPr>
+            <p:ph type="title"/>
+          </p:nvPr>
+        </p:nvSpPr>
+        <p:spPr>
+          <a:xfrm>
+            <a:off x="839788" y="457200"/>
+            <a:ext cx="4654925" cy="1600200"/>
+          </a:xfrm>
+        </p:spPr>
+        <p:txBody>
+          <a:bodyPr anchor="t">
+            <a:normAutofit/>
+          </a:bodyPr>
+          <a:lstStyle/>
+          <a:p>
+            <a:r>
+              <a:rPr lang="fr-FR" dirty="0"/>
+              <a:t>Gestion des accès </a:t>
+            </a:r>
+            <a:r>
+              <a:rPr lang="fr-FR" dirty="0" smtClean="0"/>
+              <a:t>à la salle</a:t>
+            </a:r>
+            <a:r>
+              <a:rPr lang="fr-FR" dirty="0"/>
+              <a:t/>
+            </a:r>
+            <a:br>
+              <a:rPr lang="fr-FR" dirty="0"/>
+            </a:br>
+            <a:r>
+              <a:rPr lang="fr-FR" sz="2000" dirty="0" smtClean="0"/>
+              <a:t>Récupération des paramètres biométrique </a:t>
+            </a:r>
+            <a:r>
+              <a:rPr lang="fr-FR" dirty="0" smtClean="0"/>
+              <a:t> </a:t>
+            </a:r>
+            <a:endParaRPr lang="fr-FR" dirty="0"/>
+          </a:p>
+        </p:txBody>
+      </p:sp>
+      <p:sp>
+        <p:nvSpPr>
+          <p:cNvPr id="3" name="Espace réservé du texte 2">
+            <a:extLst>
+              <a:ext uri="{FF2B5EF4-FFF2-40B4-BE49-F238E27FC236}">
+                <a16:creationId xmlns:a16="http://schemas.microsoft.com/office/drawing/2014/main" id="{070D4B8C-89A7-65B0-892A-D27A85A3C9A2}"/>
+              </a:ext>
+            </a:extLst>
+          </p:cNvPr>
+          <p:cNvSpPr>
+            <a:spLocks noGrp="1"/>
+          </p:cNvSpPr>
+          <p:nvPr>
+            <p:ph type="body" sz="half" idx="2"/>
+          </p:nvPr>
+        </p:nvSpPr>
+        <p:spPr>
+          <a:xfrm>
+            <a:off x="839788" y="1625138"/>
+            <a:ext cx="3932237" cy="432262"/>
+          </a:xfrm>
+        </p:spPr>
+        <p:txBody>
+          <a:bodyPr/>
+          <a:lstStyle/>
+          <a:p>
+            <a:r>
+              <a:rPr lang="fr-FR" dirty="0" smtClean="0"/>
+              <a:t>Début du </a:t>
+            </a:r>
+            <a:r>
+              <a:rPr lang="fr-FR" dirty="0" err="1" smtClean="0"/>
+              <a:t>stream</a:t>
+            </a:r>
+            <a:endParaRPr lang="fr-FR" dirty="0"/>
+          </a:p>
+        </p:txBody>
+      </p:sp>
+      <p:pic>
+        <p:nvPicPr>
+          <p:cNvPr id="7" name="Image 6"/>
+          <p:cNvPicPr>
+            <a:picLocks noChangeAspect="1"/>
+          </p:cNvPicPr>
+          <p:nvPr/>
+        </p:nvPicPr>
+        <p:blipFill>
+          <a:blip r:embed="rId2"/>
+          <a:stretch>
+            <a:fillRect/>
+          </a:stretch>
+        </p:blipFill>
+        <p:spPr>
+          <a:xfrm>
+            <a:off x="839788" y="2057401"/>
+            <a:ext cx="3932237" cy="4360082"/>
+          </a:xfrm>
+          <a:prstGeom prst="rect">
+            <a:avLst/>
+          </a:prstGeom>
+        </p:spPr>
+      </p:pic>
+      <p:pic>
+        <p:nvPicPr>
+          <p:cNvPr id="8" name="Image 7"/>
+          <p:cNvPicPr>
+            <a:picLocks noChangeAspect="1"/>
+          </p:cNvPicPr>
+          <p:nvPr/>
+        </p:nvPicPr>
+        <p:blipFill>
+          <a:blip r:embed="rId3"/>
+          <a:stretch>
+            <a:fillRect/>
+          </a:stretch>
+        </p:blipFill>
+        <p:spPr>
+          <a:xfrm>
+            <a:off x="6304547" y="1257300"/>
+            <a:ext cx="4348413" cy="4744697"/>
+          </a:xfrm>
+          <a:prstGeom prst="rect">
+            <a:avLst/>
+          </a:prstGeom>
+        </p:spPr>
+      </p:pic>
+    </p:spTree>
+    <p:extLst>
+      <p:ext uri="{BB962C8B-B14F-4D97-AF65-F5344CB8AC3E}">
+        <p14:creationId xmlns:p14="http://schemas.microsoft.com/office/powerpoint/2010/main" val="2131517895"/>
+      </p:ext>
+    </p:extLst>
+  </p:cSld>
+  <p:clrMapOvr>
+    <a:masterClrMapping/>
+  </p:clrMapOvr>
+</p:sld>
+</file>
+
+<file path=ppt/slides/slide13.xml><?xml version="1.0" encoding="utf-8"?>
+<p:sld xmlns:a="http://schemas.openxmlformats.org/drawingml/2006/main" xmlns:r="http://schemas.openxmlformats.org/officeDocument/2006/relationships" xmlns:p="http://schemas.openxmlformats.org/presentationml/2006/main">
+  <p:cSld>
+    <p:spTree>
+      <p:nvGrpSpPr>
+        <p:cNvPr id="1" name=""/>
+        <p:cNvGrpSpPr/>
+        <p:nvPr/>
+      </p:nvGrpSpPr>
+      <p:grpSpPr>
+        <a:xfrm>
+          <a:off x="0" y="0"/>
+          <a:ext cx="0" cy="0"/>
+          <a:chOff x="0" y="0"/>
+          <a:chExt cx="0" cy="0"/>
+        </a:xfrm>
+      </p:grpSpPr>
+      <p:sp>
+        <p:nvSpPr>
+          <p:cNvPr id="2" name="Titre 1">
+            <a:extLst>
+              <a:ext uri="{FF2B5EF4-FFF2-40B4-BE49-F238E27FC236}">
+                <a16:creationId xmlns:a16="http://schemas.microsoft.com/office/drawing/2014/main" id="{DBD23F23-EF92-2EE6-EED2-24F174401B9D}"/>
+              </a:ext>
+            </a:extLst>
+          </p:cNvPr>
+          <p:cNvSpPr>
+            <a:spLocks noGrp="1"/>
+          </p:cNvSpPr>
+          <p:nvPr>
+            <p:ph type="title"/>
+          </p:nvPr>
+        </p:nvSpPr>
+        <p:spPr>
+          <a:xfrm>
+            <a:off x="839788" y="457200"/>
+            <a:ext cx="4654925" cy="1600200"/>
+          </a:xfrm>
+        </p:spPr>
+        <p:txBody>
+          <a:bodyPr anchor="t">
+            <a:normAutofit/>
+          </a:bodyPr>
+          <a:lstStyle/>
+          <a:p>
+            <a:r>
+              <a:rPr lang="fr-FR" dirty="0"/>
+              <a:t>Gestion des accès </a:t>
+            </a:r>
+            <a:r>
+              <a:rPr lang="fr-FR" dirty="0" smtClean="0"/>
+              <a:t>à la salle</a:t>
+            </a:r>
+            <a:r>
+              <a:rPr lang="fr-FR" dirty="0"/>
+              <a:t/>
+            </a:r>
+            <a:br>
+              <a:rPr lang="fr-FR" dirty="0"/>
+            </a:br>
+            <a:r>
+              <a:rPr lang="fr-FR" sz="2000" dirty="0" smtClean="0"/>
+              <a:t>Récupération des paramètres biométrique </a:t>
+            </a:r>
+            <a:r>
+              <a:rPr lang="fr-FR" dirty="0" smtClean="0"/>
+              <a:t> </a:t>
+            </a:r>
+            <a:endParaRPr lang="fr-FR" dirty="0"/>
+          </a:p>
+        </p:txBody>
+      </p:sp>
+      <p:sp>
+        <p:nvSpPr>
+          <p:cNvPr id="3" name="Espace réservé du texte 2">
+            <a:extLst>
+              <a:ext uri="{FF2B5EF4-FFF2-40B4-BE49-F238E27FC236}">
+                <a16:creationId xmlns:a16="http://schemas.microsoft.com/office/drawing/2014/main" id="{070D4B8C-89A7-65B0-892A-D27A85A3C9A2}"/>
+              </a:ext>
+            </a:extLst>
+          </p:cNvPr>
+          <p:cNvSpPr>
+            <a:spLocks noGrp="1"/>
+          </p:cNvSpPr>
+          <p:nvPr>
+            <p:ph type="body" sz="half" idx="2"/>
+          </p:nvPr>
+        </p:nvSpPr>
+        <p:spPr>
+          <a:xfrm>
+            <a:off x="839788" y="1625138"/>
+            <a:ext cx="3932237" cy="432262"/>
+          </a:xfrm>
+        </p:spPr>
+        <p:txBody>
+          <a:bodyPr/>
+          <a:lstStyle/>
+          <a:p>
+            <a:r>
+              <a:rPr lang="fr-FR" dirty="0" smtClean="0"/>
+              <a:t>Détection d’un visage</a:t>
+            </a:r>
+            <a:endParaRPr lang="fr-FR" dirty="0"/>
+          </a:p>
+        </p:txBody>
+      </p:sp>
+      <p:pic>
+        <p:nvPicPr>
+          <p:cNvPr id="4" name="Image 3"/>
+          <p:cNvPicPr>
+            <a:picLocks noChangeAspect="1"/>
+          </p:cNvPicPr>
+          <p:nvPr/>
+        </p:nvPicPr>
+        <p:blipFill>
+          <a:blip r:embed="rId2"/>
+          <a:stretch>
+            <a:fillRect/>
+          </a:stretch>
+        </p:blipFill>
+        <p:spPr>
+          <a:xfrm>
+            <a:off x="839788" y="2556330"/>
+            <a:ext cx="6425470" cy="2817775"/>
+          </a:xfrm>
+          <a:prstGeom prst="rect">
+            <a:avLst/>
+          </a:prstGeom>
+        </p:spPr>
+      </p:pic>
+    </p:spTree>
+    <p:extLst>
+      <p:ext uri="{BB962C8B-B14F-4D97-AF65-F5344CB8AC3E}">
+        <p14:creationId xmlns:p14="http://schemas.microsoft.com/office/powerpoint/2010/main" val="232207055"/>
+      </p:ext>
+    </p:extLst>
+  </p:cSld>
+  <p:clrMapOvr>
+    <a:masterClrMapping/>
+  </p:clrMapOvr>
+</p:sld>
+</file>
+
+<file path=ppt/slides/slide14.xml><?xml version="1.0" encoding="utf-8"?>
+<p:sld xmlns:a="http://schemas.openxmlformats.org/drawingml/2006/main" xmlns:r="http://schemas.openxmlformats.org/officeDocument/2006/relationships" xmlns:p="http://schemas.openxmlformats.org/presentationml/2006/main">
+  <p:cSld>
+    <p:spTree>
+      <p:nvGrpSpPr>
+        <p:cNvPr id="1" name=""/>
+        <p:cNvGrpSpPr/>
+        <p:nvPr/>
+      </p:nvGrpSpPr>
+      <p:grpSpPr>
+        <a:xfrm>
+          <a:off x="0" y="0"/>
+          <a:ext cx="0" cy="0"/>
+          <a:chOff x="0" y="0"/>
+          <a:chExt cx="0" cy="0"/>
+        </a:xfrm>
+      </p:grpSpPr>
+      <p:sp>
+        <p:nvSpPr>
+          <p:cNvPr id="2" name="Titre 1">
+            <a:extLst>
+              <a:ext uri="{FF2B5EF4-FFF2-40B4-BE49-F238E27FC236}">
+                <a16:creationId xmlns:a16="http://schemas.microsoft.com/office/drawing/2014/main" id="{DBD23F23-EF92-2EE6-EED2-24F174401B9D}"/>
+              </a:ext>
+            </a:extLst>
+          </p:cNvPr>
+          <p:cNvSpPr>
+            <a:spLocks noGrp="1"/>
+          </p:cNvSpPr>
+          <p:nvPr>
+            <p:ph type="title"/>
+          </p:nvPr>
+        </p:nvSpPr>
+        <p:spPr>
+          <a:xfrm>
+            <a:off x="839788" y="457200"/>
+            <a:ext cx="5625180" cy="1600200"/>
+          </a:xfrm>
+        </p:spPr>
+        <p:txBody>
+          <a:bodyPr anchor="t">
+            <a:normAutofit/>
+          </a:bodyPr>
+          <a:lstStyle/>
+          <a:p>
+            <a:r>
+              <a:rPr lang="fr-FR" dirty="0"/>
+              <a:t>Gestion des </a:t>
+            </a:r>
+            <a:r>
+              <a:rPr lang="fr-FR" dirty="0" smtClean="0"/>
+              <a:t>accès à </a:t>
+            </a:r>
+            <a:r>
+              <a:rPr lang="fr-FR" dirty="0"/>
+              <a:t>la salle</a:t>
+            </a:r>
+            <a:br>
+              <a:rPr lang="fr-FR" dirty="0"/>
+            </a:br>
+            <a:r>
+              <a:rPr lang="fr-FR" sz="2000" dirty="0" smtClean="0"/>
+              <a:t>Les Défauts</a:t>
+            </a:r>
+            <a:endParaRPr lang="fr-FR" sz="2000" dirty="0"/>
+          </a:p>
+        </p:txBody>
+      </p:sp>
+      <p:sp>
+        <p:nvSpPr>
+          <p:cNvPr id="6" name="Espace réservé du texte 2">
+            <a:extLst>
+              <a:ext uri="{FF2B5EF4-FFF2-40B4-BE49-F238E27FC236}">
+                <a16:creationId xmlns:a16="http://schemas.microsoft.com/office/drawing/2014/main" id="{070D4B8C-89A7-65B0-892A-D27A85A3C9A2}"/>
+              </a:ext>
+            </a:extLst>
+          </p:cNvPr>
+          <p:cNvSpPr txBox="1">
+            <a:spLocks/>
+          </p:cNvSpPr>
+          <p:nvPr/>
+        </p:nvSpPr>
+        <p:spPr>
+          <a:xfrm>
+            <a:off x="839788" y="2057400"/>
+            <a:ext cx="3932237" cy="3811588"/>
+          </a:xfrm>
+          <a:prstGeom prst="rect">
+            <a:avLst/>
+          </a:prstGeom>
+        </p:spPr>
+        <p:txBody>
+          <a:bodyPr vert="horz" lIns="91440" tIns="45720" rIns="91440" bIns="45720" rtlCol="0">
+            <a:normAutofit/>
+          </a:bodyPr>
+          <a:lstStyle>
+            <a:lvl1pPr marL="0" indent="0" algn="l" defTabSz="914400" rtl="0" eaLnBrk="1" latinLnBrk="0" hangingPunct="1">
+              <a:lnSpc>
+                <a:spcPct val="90000"/>
+              </a:lnSpc>
+              <a:spcBef>
+                <a:spcPts val="1000"/>
+              </a:spcBef>
+              <a:buFont typeface="Arial" panose="020B0604020202020204" pitchFamily="34" charset="0"/>
+              <a:buNone/>
+              <a:defRPr sz="1600" kern="1200">
+                <a:solidFill>
+                  <a:schemeClr val="tx1"/>
+                </a:solidFill>
+                <a:latin typeface="+mn-lt"/>
+                <a:ea typeface="+mn-ea"/>
+                <a:cs typeface="+mn-cs"/>
+              </a:defRPr>
+            </a:lvl1pPr>
+            <a:lvl2pPr marL="457200" indent="0" algn="l" defTabSz="914400" rtl="0" eaLnBrk="1" latinLnBrk="0" hangingPunct="1">
+              <a:lnSpc>
+                <a:spcPct val="90000"/>
+              </a:lnSpc>
+              <a:spcBef>
+                <a:spcPts val="500"/>
+              </a:spcBef>
+              <a:buFont typeface="Arial" panose="020B0604020202020204" pitchFamily="34" charset="0"/>
+              <a:buNone/>
+              <a:defRPr sz="1400" kern="1200">
+                <a:solidFill>
+                  <a:schemeClr val="tx1"/>
+                </a:solidFill>
+                <a:latin typeface="+mn-lt"/>
+                <a:ea typeface="+mn-ea"/>
+                <a:cs typeface="+mn-cs"/>
+              </a:defRPr>
+            </a:lvl2pPr>
+            <a:lvl3pPr marL="914400" indent="0" algn="l" defTabSz="914400" rtl="0" eaLnBrk="1" latinLnBrk="0" hangingPunct="1">
+              <a:lnSpc>
+                <a:spcPct val="90000"/>
+              </a:lnSpc>
+              <a:spcBef>
+                <a:spcPts val="500"/>
+              </a:spcBef>
+              <a:buFont typeface="Arial" panose="020B0604020202020204" pitchFamily="34" charset="0"/>
+              <a:buNone/>
+              <a:defRPr sz="1200" kern="1200">
+                <a:solidFill>
+                  <a:schemeClr val="tx1"/>
+                </a:solidFill>
+                <a:latin typeface="+mn-lt"/>
+                <a:ea typeface="+mn-ea"/>
+                <a:cs typeface="+mn-cs"/>
+              </a:defRPr>
+            </a:lvl3pPr>
+            <a:lvl4pPr marL="1371600" indent="0" algn="l" defTabSz="914400" rtl="0" eaLnBrk="1" latinLnBrk="0" hangingPunct="1">
+              <a:lnSpc>
+                <a:spcPct val="90000"/>
+              </a:lnSpc>
+              <a:spcBef>
+                <a:spcPts val="500"/>
+              </a:spcBef>
+              <a:buFont typeface="Arial" panose="020B0604020202020204" pitchFamily="34" charset="0"/>
+              <a:buNone/>
+              <a:defRPr sz="1000" kern="1200">
+                <a:solidFill>
+                  <a:schemeClr val="tx1"/>
+                </a:solidFill>
+                <a:latin typeface="+mn-lt"/>
+                <a:ea typeface="+mn-ea"/>
+                <a:cs typeface="+mn-cs"/>
+              </a:defRPr>
+            </a:lvl4pPr>
+            <a:lvl5pPr marL="1828800" indent="0" algn="l" defTabSz="914400" rtl="0" eaLnBrk="1" latinLnBrk="0" hangingPunct="1">
+              <a:lnSpc>
+                <a:spcPct val="90000"/>
+              </a:lnSpc>
+              <a:spcBef>
+                <a:spcPts val="500"/>
+              </a:spcBef>
+              <a:buFont typeface="Arial" panose="020B0604020202020204" pitchFamily="34" charset="0"/>
+              <a:buNone/>
+              <a:defRPr sz="1000" kern="1200">
+                <a:solidFill>
+                  <a:schemeClr val="tx1"/>
+                </a:solidFill>
+                <a:latin typeface="+mn-lt"/>
+                <a:ea typeface="+mn-ea"/>
+                <a:cs typeface="+mn-cs"/>
+              </a:defRPr>
+            </a:lvl5pPr>
+            <a:lvl6pPr marL="2286000" indent="0" algn="l" defTabSz="914400" rtl="0" eaLnBrk="1" latinLnBrk="0" hangingPunct="1">
+              <a:lnSpc>
+                <a:spcPct val="90000"/>
+              </a:lnSpc>
+              <a:spcBef>
+                <a:spcPts val="500"/>
+              </a:spcBef>
+              <a:buFont typeface="Arial" panose="020B0604020202020204" pitchFamily="34" charset="0"/>
+              <a:buNone/>
+              <a:defRPr sz="1000" kern="1200">
+                <a:solidFill>
+                  <a:schemeClr val="tx1"/>
+                </a:solidFill>
+                <a:latin typeface="+mn-lt"/>
+                <a:ea typeface="+mn-ea"/>
+                <a:cs typeface="+mn-cs"/>
+              </a:defRPr>
+            </a:lvl6pPr>
+            <a:lvl7pPr marL="2743200" indent="0" algn="l" defTabSz="914400" rtl="0" eaLnBrk="1" latinLnBrk="0" hangingPunct="1">
+              <a:lnSpc>
+                <a:spcPct val="90000"/>
+              </a:lnSpc>
+              <a:spcBef>
+                <a:spcPts val="500"/>
+              </a:spcBef>
+              <a:buFont typeface="Arial" panose="020B0604020202020204" pitchFamily="34" charset="0"/>
+              <a:buNone/>
+              <a:defRPr sz="1000" kern="1200">
+                <a:solidFill>
+                  <a:schemeClr val="tx1"/>
+                </a:solidFill>
+                <a:latin typeface="+mn-lt"/>
+                <a:ea typeface="+mn-ea"/>
+                <a:cs typeface="+mn-cs"/>
+              </a:defRPr>
+            </a:lvl7pPr>
+            <a:lvl8pPr marL="3200400" indent="0" algn="l" defTabSz="914400" rtl="0" eaLnBrk="1" latinLnBrk="0" hangingPunct="1">
+              <a:lnSpc>
+                <a:spcPct val="90000"/>
+              </a:lnSpc>
+              <a:spcBef>
+                <a:spcPts val="500"/>
+              </a:spcBef>
+              <a:buFont typeface="Arial" panose="020B0604020202020204" pitchFamily="34" charset="0"/>
+              <a:buNone/>
+              <a:defRPr sz="1000" kern="1200">
+                <a:solidFill>
+                  <a:schemeClr val="tx1"/>
+                </a:solidFill>
+                <a:latin typeface="+mn-lt"/>
+                <a:ea typeface="+mn-ea"/>
+                <a:cs typeface="+mn-cs"/>
+              </a:defRPr>
+            </a:lvl8pPr>
+            <a:lvl9pPr marL="3657600" indent="0" algn="l" defTabSz="914400" rtl="0" eaLnBrk="1" latinLnBrk="0" hangingPunct="1">
+              <a:lnSpc>
+                <a:spcPct val="90000"/>
+              </a:lnSpc>
+              <a:spcBef>
+                <a:spcPts val="500"/>
+              </a:spcBef>
+              <a:buFont typeface="Arial" panose="020B0604020202020204" pitchFamily="34" charset="0"/>
+              <a:buNone/>
+              <a:defRPr sz="1000" kern="1200">
+                <a:solidFill>
+                  <a:schemeClr val="tx1"/>
+                </a:solidFill>
+                <a:latin typeface="+mn-lt"/>
+                <a:ea typeface="+mn-ea"/>
+                <a:cs typeface="+mn-cs"/>
+              </a:defRPr>
+            </a:lvl9pPr>
+          </a:lstStyle>
+          <a:p>
+            <a:pPr marL="285750" indent="-285750">
+              <a:buFont typeface="Arial" panose="020B0604020202020204" pitchFamily="34" charset="0"/>
+              <a:buChar char="•"/>
+            </a:pPr>
+            <a:r>
+              <a:rPr lang="fr-FR" dirty="0" smtClean="0"/>
+              <a:t>Le </a:t>
+            </a:r>
+            <a:r>
+              <a:rPr lang="fr-FR" dirty="0" err="1" smtClean="0"/>
+              <a:t>stream</a:t>
+            </a:r>
+            <a:r>
+              <a:rPr lang="fr-FR" dirty="0" smtClean="0"/>
+              <a:t> </a:t>
+            </a:r>
+            <a:r>
+              <a:rPr lang="fr-FR" dirty="0" err="1" smtClean="0"/>
+              <a:t>freeze</a:t>
+            </a:r>
+            <a:r>
+              <a:rPr lang="fr-FR" dirty="0" smtClean="0"/>
+              <a:t> lorsque qu’un visage est détecté </a:t>
+            </a:r>
+          </a:p>
+          <a:p>
+            <a:pPr marL="285750" indent="-285750">
+              <a:buFont typeface="Arial" panose="020B0604020202020204" pitchFamily="34" charset="0"/>
+              <a:buChar char="•"/>
+            </a:pPr>
+            <a:r>
+              <a:rPr lang="fr-FR" dirty="0" smtClean="0"/>
+              <a:t>Impossibilité d’enregistrer un visage</a:t>
+            </a:r>
+          </a:p>
+          <a:p>
+            <a:pPr marL="285750" indent="-285750">
+              <a:buFont typeface="Arial" panose="020B0604020202020204" pitchFamily="34" charset="0"/>
+              <a:buChar char="•"/>
+            </a:pPr>
+            <a:endParaRPr lang="fr-FR" dirty="0" smtClean="0"/>
+          </a:p>
+          <a:p>
+            <a:pPr marL="285750" indent="-285750">
+              <a:buFont typeface="Arial" panose="020B0604020202020204" pitchFamily="34" charset="0"/>
+              <a:buChar char="•"/>
+            </a:pPr>
+            <a:endParaRPr lang="fr-FR" dirty="0"/>
+          </a:p>
+        </p:txBody>
+      </p:sp>
+    </p:spTree>
+    <p:extLst>
+      <p:ext uri="{BB962C8B-B14F-4D97-AF65-F5344CB8AC3E}">
+        <p14:creationId xmlns:p14="http://schemas.microsoft.com/office/powerpoint/2010/main" val="3977045273"/>
+      </p:ext>
+    </p:extLst>
+  </p:cSld>
+  <p:clrMapOvr>
+    <a:masterClrMapping/>
+  </p:clrMapOvr>
+</p:sld>
+</file>
+
+<file path=ppt/slides/slide15.xml><?xml version="1.0" encoding="utf-8"?>
+<p:sld xmlns:a="http://schemas.openxmlformats.org/drawingml/2006/main" xmlns:r="http://schemas.openxmlformats.org/officeDocument/2006/relationships" xmlns:p="http://schemas.openxmlformats.org/presentationml/2006/main">
+  <p:cSld>
+    <p:spTree>
+      <p:nvGrpSpPr>
+        <p:cNvPr id="1" name=""/>
+        <p:cNvGrpSpPr/>
+        <p:nvPr/>
+      </p:nvGrpSpPr>
+      <p:grpSpPr>
+        <a:xfrm>
+          <a:off x="0" y="0"/>
+          <a:ext cx="0" cy="0"/>
+          <a:chOff x="0" y="0"/>
+          <a:chExt cx="0" cy="0"/>
+        </a:xfrm>
+      </p:grpSpPr>
+      <p:sp>
+        <p:nvSpPr>
+          <p:cNvPr id="2" name="Espace réservé pour une image  1">
+            <a:extLst>
+              <a:ext uri="{FF2B5EF4-FFF2-40B4-BE49-F238E27FC236}">
+                <a16:creationId xmlns:a16="http://schemas.microsoft.com/office/drawing/2014/main" id="{CEE6C035-8F9A-9921-CAA9-48F1FAE17402}"/>
+              </a:ext>
+            </a:extLst>
+          </p:cNvPr>
+          <p:cNvSpPr>
+            <a:spLocks noGrp="1"/>
+          </p:cNvSpPr>
+          <p:nvPr>
+            <p:ph type="pic" sz="quarter" idx="10"/>
+          </p:nvPr>
+        </p:nvSpPr>
+        <p:spPr/>
+      </p:sp>
+      <p:sp>
+        <p:nvSpPr>
+          <p:cNvPr id="3" name="Titre 2">
+            <a:extLst>
+              <a:ext uri="{FF2B5EF4-FFF2-40B4-BE49-F238E27FC236}">
+                <a16:creationId xmlns:a16="http://schemas.microsoft.com/office/drawing/2014/main" id="{714EB4A1-F86C-D8B3-DB71-21F5533E4D96}"/>
+              </a:ext>
+            </a:extLst>
+          </p:cNvPr>
+          <p:cNvSpPr>
+            <a:spLocks noGrp="1"/>
+          </p:cNvSpPr>
+          <p:nvPr>
+            <p:ph type="ctrTitle"/>
+          </p:nvPr>
+        </p:nvSpPr>
+        <p:spPr/>
+        <p:txBody>
+          <a:bodyPr/>
+          <a:lstStyle/>
+          <a:p>
+            <a:endParaRPr lang="fr-FR" dirty="0"/>
+          </a:p>
+        </p:txBody>
+      </p:sp>
+      <p:sp>
+        <p:nvSpPr>
+          <p:cNvPr id="4" name="Sous-titre 3">
+            <a:extLst>
+              <a:ext uri="{FF2B5EF4-FFF2-40B4-BE49-F238E27FC236}">
+                <a16:creationId xmlns:a16="http://schemas.microsoft.com/office/drawing/2014/main" id="{4282A136-35A6-F764-D70A-4C476EE04F11}"/>
+              </a:ext>
+            </a:extLst>
+          </p:cNvPr>
+          <p:cNvSpPr>
+            <a:spLocks noGrp="1"/>
+          </p:cNvSpPr>
+          <p:nvPr>
+            <p:ph type="subTitle" idx="1"/>
+          </p:nvPr>
+        </p:nvSpPr>
+        <p:spPr/>
+        <p:txBody>
+          <a:bodyPr/>
+          <a:lstStyle/>
+          <a:p>
+            <a:endParaRPr lang="fr-FR"/>
+          </a:p>
+        </p:txBody>
+      </p:sp>
+    </p:spTree>
+    <p:extLst>
+      <p:ext uri="{BB962C8B-B14F-4D97-AF65-F5344CB8AC3E}">
+        <p14:creationId xmlns:p14="http://schemas.microsoft.com/office/powerpoint/2010/main" val="3640759210"/>
+      </p:ext>
+    </p:extLst>
+  </p:cSld>
+  <p:clrMapOvr>
+    <a:masterClrMapping/>
+  </p:clrMapOvr>
+</p:sld>
+</file>
+
+<file path=ppt/slides/slide16.xml><?xml version="1.0" encoding="utf-8"?>
+<p:sld xmlns:a="http://schemas.openxmlformats.org/drawingml/2006/main" xmlns:r="http://schemas.openxmlformats.org/officeDocument/2006/relationships" xmlns:p="http://schemas.openxmlformats.org/presentationml/2006/main">
+  <p:cSld>
+    <p:spTree>
+      <p:nvGrpSpPr>
+        <p:cNvPr id="1" name=""/>
+        <p:cNvGrpSpPr/>
+        <p:nvPr/>
+      </p:nvGrpSpPr>
+      <p:grpSpPr>
+        <a:xfrm>
+          <a:off x="0" y="0"/>
+          <a:ext cx="0" cy="0"/>
+          <a:chOff x="0" y="0"/>
+          <a:chExt cx="0" cy="0"/>
+        </a:xfrm>
+      </p:grpSpPr>
       <p:pic>
         <p:nvPicPr>
           <p:cNvPr id="6" name="Espace réservé d’image 5" descr="Un groupe de personnes assises autour d’une table en bois&#10;">
@@ -10545,7 +11522,7 @@
                 <a16:creationId xmlns:a16="http://schemas.microsoft.com/office/drawing/2014/main" id="{31664CF3-C0D1-4769-8E59-8694AF07951A}"/>
               </a:ext>
               <a:ext uri="{C183D7F6-B498-43B3-948B-1728B52AA6E4}">
-                <adec:decorative xmlns:adec="http://schemas.microsoft.com/office/drawing/2017/decorative" val="1"/>
+                <adec:decorative xmlns:adec="http://schemas.microsoft.com/office/drawing/2017/decorative" xmlns="" val="1"/>
               </a:ext>
             </a:extLst>
           </p:cNvPr>
@@ -10602,7 +11579,7 @@
                 <a16:creationId xmlns:a16="http://schemas.microsoft.com/office/drawing/2014/main" id="{F5325EDA-7343-463C-83EC-5D799E8B8195}"/>
               </a:ext>
               <a:ext uri="{C183D7F6-B498-43B3-948B-1728B52AA6E4}">
-                <adec:decorative xmlns:adec="http://schemas.microsoft.com/office/drawing/2017/decorative" val="1"/>
+                <adec:decorative xmlns:adec="http://schemas.microsoft.com/office/drawing/2017/decorative" xmlns="" val="1"/>
               </a:ext>
             </a:extLst>
           </p:cNvPr>
@@ -11159,7 +12136,7 @@
             <a:fld id="{817179DE-9BF3-494C-804F-0C7C90AC8700}" type="slidenum">
               <a:rPr lang="fr-FR" noProof="0" smtClean="0"/>
               <a:pPr algn="ctr" rtl="0"/>
-              <a:t>11</a:t>
+              <a:t>16</a:t>
             </a:fld>
             <a:endParaRPr lang="fr-FR" noProof="0"/>
           </a:p>
@@ -11178,7 +12155,7 @@
 </p:sld>
 </file>
 
-<file path=ppt/slides/slide12.xml><?xml version="1.0" encoding="utf-8"?>
+<file path=ppt/slides/slide17.xml><?xml version="1.0" encoding="utf-8"?>
 <p:sld xmlns:a="http://schemas.openxmlformats.org/drawingml/2006/main" xmlns:r="http://schemas.openxmlformats.org/officeDocument/2006/relationships" xmlns:p="http://schemas.openxmlformats.org/presentationml/2006/main">
   <p:cSld>
     <p:spTree>
@@ -11507,7 +12484,7 @@
                 <a16:creationId xmlns:a16="http://schemas.microsoft.com/office/drawing/2014/main" id="{AB025618-C830-4992-9CD3-D9E49BC79E67}"/>
               </a:ext>
               <a:ext uri="{C183D7F6-B498-43B3-948B-1728B52AA6E4}">
-                <adec:decorative xmlns:adec="http://schemas.microsoft.com/office/drawing/2017/decorative" val="1"/>
+                <adec:decorative xmlns:adec="http://schemas.microsoft.com/office/drawing/2017/decorative" xmlns="" val="1"/>
               </a:ext>
             </a:extLst>
           </p:cNvPr>
@@ -11734,7 +12711,7 @@
           <a:blip r:embed="rId4">
             <a:extLst>
               <a:ext uri="{96DAC541-7B7A-43D3-8B79-37D633B846F1}">
-                <asvg:svgBlip xmlns:asvg="http://schemas.microsoft.com/office/drawing/2016/SVG/main" r:embed="rId5"/>
+                <asvg:svgBlip xmlns:asvg="http://schemas.microsoft.com/office/drawing/2016/SVG/main" xmlns="" r:embed="rId5"/>
               </a:ext>
             </a:extLst>
           </a:blip>
@@ -11838,7 +12815,7 @@
           <a:blip r:embed="rId6">
             <a:extLst>
               <a:ext uri="{96DAC541-7B7A-43D3-8B79-37D633B846F1}">
-                <asvg:svgBlip xmlns:asvg="http://schemas.microsoft.com/office/drawing/2016/SVG/main" r:embed="rId7"/>
+                <asvg:svgBlip xmlns:asvg="http://schemas.microsoft.com/office/drawing/2016/SVG/main" xmlns="" r:embed="rId7"/>
               </a:ext>
             </a:extLst>
           </a:blip>
@@ -11860,7 +12837,7 @@
                 <a16:creationId xmlns:a16="http://schemas.microsoft.com/office/drawing/2014/main" id="{C862BC4D-BD7A-417E-A34A-59CE4D4A6AC8}"/>
               </a:ext>
               <a:ext uri="{C183D7F6-B498-43B3-948B-1728B52AA6E4}">
-                <adec:decorative xmlns:adec="http://schemas.microsoft.com/office/drawing/2017/decorative" val="1"/>
+                <adec:decorative xmlns:adec="http://schemas.microsoft.com/office/drawing/2017/decorative" xmlns="" val="1"/>
               </a:ext>
             </a:extLst>
           </p:cNvPr>
@@ -11917,7 +12894,7 @@
                 <a16:creationId xmlns:a16="http://schemas.microsoft.com/office/drawing/2014/main" id="{652937FB-CDE3-46B3-8481-AB5DB8C4BABA}"/>
               </a:ext>
               <a:ext uri="{C183D7F6-B498-43B3-948B-1728B52AA6E4}">
-                <adec:decorative xmlns:adec="http://schemas.microsoft.com/office/drawing/2017/decorative" val="1"/>
+                <adec:decorative xmlns:adec="http://schemas.microsoft.com/office/drawing/2017/decorative" xmlns="" val="1"/>
               </a:ext>
             </a:extLst>
           </p:cNvPr>
@@ -11974,7 +12951,7 @@
                 <a16:creationId xmlns:a16="http://schemas.microsoft.com/office/drawing/2014/main" id="{11457662-C1A5-4B93-8E30-88025E27C462}"/>
               </a:ext>
               <a:ext uri="{C183D7F6-B498-43B3-948B-1728B52AA6E4}">
-                <adec:decorative xmlns:adec="http://schemas.microsoft.com/office/drawing/2017/decorative" val="0"/>
+                <adec:decorative xmlns:adec="http://schemas.microsoft.com/office/drawing/2017/decorative" xmlns="" val="0"/>
               </a:ext>
             </a:extLst>
           </p:cNvPr>
@@ -12159,7 +13136,7 @@
           <a:blip r:embed="rId8">
             <a:extLst>
               <a:ext uri="{96DAC541-7B7A-43D3-8B79-37D633B846F1}">
-                <asvg:svgBlip xmlns:asvg="http://schemas.microsoft.com/office/drawing/2016/SVG/main" r:embed="rId9"/>
+                <asvg:svgBlip xmlns:asvg="http://schemas.microsoft.com/office/drawing/2016/SVG/main" xmlns="" r:embed="rId9"/>
               </a:ext>
             </a:extLst>
           </a:blip>
@@ -12248,7 +13225,7 @@
                 <a16:creationId xmlns:a16="http://schemas.microsoft.com/office/drawing/2014/main" id="{AB025618-C830-4992-9CD3-D9E49BC79E67}"/>
               </a:ext>
               <a:ext uri="{C183D7F6-B498-43B3-948B-1728B52AA6E4}">
-                <adec:decorative xmlns:adec="http://schemas.microsoft.com/office/drawing/2017/decorative" val="1"/>
+                <adec:decorative xmlns:adec="http://schemas.microsoft.com/office/drawing/2017/decorative" xmlns="" val="1"/>
               </a:ext>
             </a:extLst>
           </p:cNvPr>
@@ -12379,7 +13356,7 @@
                   <a16:creationId xmlns:a16="http://schemas.microsoft.com/office/drawing/2014/main" id="{0051AD99-BC4A-487F-BE1C-486FC5B8E9F2}"/>
                 </a:ext>
                 <a:ext uri="{C183D7F6-B498-43B3-948B-1728B52AA6E4}">
-                  <adec:decorative xmlns:adec="http://schemas.microsoft.com/office/drawing/2017/decorative" val="1"/>
+                  <adec:decorative xmlns:adec="http://schemas.microsoft.com/office/drawing/2017/decorative" xmlns="" val="1"/>
                 </a:ext>
               </a:extLst>
             </p:cNvPr>
@@ -12530,7 +13507,7 @@
                 <a16:creationId xmlns:a16="http://schemas.microsoft.com/office/drawing/2014/main" id="{C862BC4D-BD7A-417E-A34A-59CE4D4A6AC8}"/>
               </a:ext>
               <a:ext uri="{C183D7F6-B498-43B3-948B-1728B52AA6E4}">
-                <adec:decorative xmlns:adec="http://schemas.microsoft.com/office/drawing/2017/decorative" val="1"/>
+                <adec:decorative xmlns:adec="http://schemas.microsoft.com/office/drawing/2017/decorative" xmlns="" val="1"/>
               </a:ext>
             </a:extLst>
           </p:cNvPr>
@@ -12587,7 +13564,7 @@
                 <a16:creationId xmlns:a16="http://schemas.microsoft.com/office/drawing/2014/main" id="{652937FB-CDE3-46B3-8481-AB5DB8C4BABA}"/>
               </a:ext>
               <a:ext uri="{C183D7F6-B498-43B3-948B-1728B52AA6E4}">
-                <adec:decorative xmlns:adec="http://schemas.microsoft.com/office/drawing/2017/decorative" val="1"/>
+                <adec:decorative xmlns:adec="http://schemas.microsoft.com/office/drawing/2017/decorative" xmlns="" val="1"/>
               </a:ext>
             </a:extLst>
           </p:cNvPr>
@@ -12644,7 +13621,7 @@
                 <a16:creationId xmlns:a16="http://schemas.microsoft.com/office/drawing/2014/main" id="{79161314-0A22-4109-A2B1-41E87EFE1E18}"/>
               </a:ext>
               <a:ext uri="{C183D7F6-B498-43B3-948B-1728B52AA6E4}">
-                <adec:decorative xmlns:adec="http://schemas.microsoft.com/office/drawing/2017/decorative" val="0"/>
+                <adec:decorative xmlns:adec="http://schemas.microsoft.com/office/drawing/2017/decorative" xmlns="" val="0"/>
               </a:ext>
             </a:extLst>
           </p:cNvPr>
@@ -13581,7 +14558,7 @@
                 </a14:imgProps>
               </a:ext>
               <a:ext uri="{837473B0-CC2E-450A-ABE3-18F120FF3D39}">
-                <a1611:picAttrSrcUrl xmlns:a1611="http://schemas.microsoft.com/office/drawing/2016/11/main" r:id="rId4"/>
+                <a1611:picAttrSrcUrl xmlns:a1611="http://schemas.microsoft.com/office/drawing/2016/11/main" xmlns="" r:id="rId4"/>
               </a:ext>
             </a:extLst>
           </a:blip>
@@ -15145,12 +16122,6 @@
 </file>
 
 <file path=customXml/item2.xml><?xml version="1.0" encoding="utf-8"?>
-<p:properties xmlns:p="http://schemas.microsoft.com/office/2006/metadata/properties" xmlns:xsi="http://www.w3.org/2001/XMLSchema-instance" xmlns:pc="http://schemas.microsoft.com/office/infopath/2007/PartnerControls">
-  <documentManagement/>
-</p:properties>
-</file>
-
-<file path=customXml/item3.xml><?xml version="1.0" encoding="utf-8"?>
 <ct:contentTypeSchema xmlns:ct="http://schemas.microsoft.com/office/2006/metadata/contentType" xmlns:ma="http://schemas.microsoft.com/office/2006/metadata/properties/metaAttributes" ct:_="" ma:_="" ma:contentTypeName="Document" ma:contentTypeID="0x01010049B758F657B6B546A2B1F25A9054A133" ma:contentTypeVersion="2" ma:contentTypeDescription="Crée un document." ma:contentTypeScope="" ma:versionID="345806b9f831dd6ed5c15d9ed9821fb1">
   <xsd:schema xmlns:xsd="http://www.w3.org/2001/XMLSchema" xmlns:xs="http://www.w3.org/2001/XMLSchema" xmlns:p="http://schemas.microsoft.com/office/2006/metadata/properties" xmlns:ns3="88e89e40-c19a-48d0-a0b6-11184f7f918e" targetNamespace="http://schemas.microsoft.com/office/2006/metadata/properties" ma:root="true" ma:fieldsID="5384d96721a2c9fc685b12fc798eb168" ns3:_="">
     <xsd:import namespace="88e89e40-c19a-48d0-a0b6-11184f7f918e"/>
@@ -15282,6 +16253,12 @@
 </ct:contentTypeSchema>
 </file>
 
+<file path=customXml/item3.xml><?xml version="1.0" encoding="utf-8"?>
+<p:properties xmlns:p="http://schemas.microsoft.com/office/2006/metadata/properties" xmlns:xsi="http://www.w3.org/2001/XMLSchema-instance" xmlns:pc="http://schemas.microsoft.com/office/infopath/2007/PartnerControls">
+  <documentManagement/>
+</p:properties>
+</file>
+
 <file path=customXml/itemProps1.xml><?xml version="1.0" encoding="utf-8"?>
 <ds:datastoreItem xmlns:ds="http://schemas.openxmlformats.org/officeDocument/2006/customXml" ds:itemID="{6216BF83-BC37-4FA3-93AF-55DBFC07FBB9}">
   <ds:schemaRefs>
@@ -15291,22 +16268,6 @@
 </file>
 
 <file path=customXml/itemProps2.xml><?xml version="1.0" encoding="utf-8"?>
-<ds:datastoreItem xmlns:ds="http://schemas.openxmlformats.org/officeDocument/2006/customXml" ds:itemID="{9A042760-9A7A-479B-B4D8-612EBC1AFF18}">
-  <ds:schemaRefs>
-    <ds:schemaRef ds:uri="http://schemas.microsoft.com/office/2006/metadata/properties"/>
-    <ds:schemaRef ds:uri="http://www.w3.org/XML/1998/namespace"/>
-    <ds:schemaRef ds:uri="http://schemas.openxmlformats.org/package/2006/metadata/core-properties"/>
-    <ds:schemaRef ds:uri="http://purl.org/dc/terms/"/>
-    <ds:schemaRef ds:uri="http://purl.org/dc/dcmitype/"/>
-    <ds:schemaRef ds:uri="http://purl.org/dc/elements/1.1/"/>
-    <ds:schemaRef ds:uri="http://schemas.microsoft.com/office/2006/documentManagement/types"/>
-    <ds:schemaRef ds:uri="http://schemas.microsoft.com/office/infopath/2007/PartnerControls"/>
-    <ds:schemaRef ds:uri="88e89e40-c19a-48d0-a0b6-11184f7f918e"/>
-  </ds:schemaRefs>
-</ds:datastoreItem>
-</file>
-
-<file path=customXml/itemProps3.xml><?xml version="1.0" encoding="utf-8"?>
 <ds:datastoreItem xmlns:ds="http://schemas.openxmlformats.org/officeDocument/2006/customXml" ds:itemID="{0F26BBB6-F212-4F70-8A4C-78715A39EE34}">
   <ds:schemaRefs>
     <ds:schemaRef ds:uri="http://schemas.microsoft.com/office/2006/metadata/contentType"/>
@@ -15322,4 +16283,20 @@
     <ds:schemaRef ds:uri="http://schemas.microsoft.com/internal/obd"/>
   </ds:schemaRefs>
 </ds:datastoreItem>
+</file>
+
+<file path=customXml/itemProps3.xml><?xml version="1.0" encoding="utf-8"?>
+<ds:datastoreItem xmlns:ds="http://schemas.openxmlformats.org/officeDocument/2006/customXml" ds:itemID="{9A042760-9A7A-479B-B4D8-612EBC1AFF18}">
+  <ds:schemaRefs>
+    <ds:schemaRef ds:uri="http://schemas.microsoft.com/office/2006/metadata/properties"/>
+    <ds:schemaRef ds:uri="http://www.w3.org/XML/1998/namespace"/>
+    <ds:schemaRef ds:uri="http://schemas.openxmlformats.org/package/2006/metadata/core-properties"/>
+    <ds:schemaRef ds:uri="http://purl.org/dc/terms/"/>
+    <ds:schemaRef ds:uri="http://purl.org/dc/dcmitype/"/>
+    <ds:schemaRef ds:uri="http://purl.org/dc/elements/1.1/"/>
+    <ds:schemaRef ds:uri="http://schemas.microsoft.com/office/2006/documentManagement/types"/>
+    <ds:schemaRef ds:uri="http://schemas.microsoft.com/office/infopath/2007/PartnerControls"/>
+    <ds:schemaRef ds:uri="88e89e40-c19a-48d0-a0b6-11184f7f918e"/>
+  </ds:schemaRefs>
+</ds:datastoreItem>
 </file>
--- a/Docs/Gestion des accès au bâtiment.pptx
+++ b/Docs/Gestion des accès au bâtiment.pptx
@@ -5,29 +5,32 @@
     <p:sldMasterId id="2147483648" r:id="rId4"/>
   </p:sldMasterIdLst>
   <p:notesMasterIdLst>
-    <p:notesMasterId r:id="rId22"/>
+    <p:notesMasterId r:id="rId25"/>
   </p:notesMasterIdLst>
   <p:handoutMasterIdLst>
-    <p:handoutMasterId r:id="rId23"/>
+    <p:handoutMasterId r:id="rId26"/>
   </p:handoutMasterIdLst>
   <p:sldIdLst>
     <p:sldId id="281" r:id="rId5"/>
     <p:sldId id="297" r:id="rId6"/>
     <p:sldId id="257" r:id="rId7"/>
     <p:sldId id="283" r:id="rId8"/>
-    <p:sldId id="298" r:id="rId9"/>
-    <p:sldId id="300" r:id="rId10"/>
-    <p:sldId id="301" r:id="rId11"/>
-    <p:sldId id="302" r:id="rId12"/>
-    <p:sldId id="303" r:id="rId13"/>
-    <p:sldId id="304" r:id="rId14"/>
-    <p:sldId id="308" r:id="rId15"/>
-    <p:sldId id="305" r:id="rId16"/>
-    <p:sldId id="306" r:id="rId17"/>
-    <p:sldId id="307" r:id="rId18"/>
-    <p:sldId id="299" r:id="rId19"/>
-    <p:sldId id="295" r:id="rId20"/>
-    <p:sldId id="256" r:id="rId21"/>
+    <p:sldId id="309" r:id="rId9"/>
+    <p:sldId id="310" r:id="rId10"/>
+    <p:sldId id="298" r:id="rId11"/>
+    <p:sldId id="311" r:id="rId12"/>
+    <p:sldId id="300" r:id="rId13"/>
+    <p:sldId id="301" r:id="rId14"/>
+    <p:sldId id="302" r:id="rId15"/>
+    <p:sldId id="303" r:id="rId16"/>
+    <p:sldId id="304" r:id="rId17"/>
+    <p:sldId id="308" r:id="rId18"/>
+    <p:sldId id="305" r:id="rId19"/>
+    <p:sldId id="306" r:id="rId20"/>
+    <p:sldId id="307" r:id="rId21"/>
+    <p:sldId id="299" r:id="rId22"/>
+    <p:sldId id="295" r:id="rId23"/>
+    <p:sldId id="256" r:id="rId24"/>
   </p:sldIdLst>
   <p:sldSz cx="12192000" cy="6858000"/>
   <p:notesSz cx="6858000" cy="9144000"/>
@@ -1033,7 +1036,7 @@
             <a:pPr rtl="0"/>
             <a:fld id="{6BF82289-BCFD-4053-9D06-A9140C63A457}" type="slidenum">
               <a:rPr lang="fr-FR" smtClean="0"/>
-              <a:t>16</a:t>
+              <a:t>19</a:t>
             </a:fld>
             <a:endParaRPr lang="fr-FR"/>
           </a:p>
@@ -1119,7 +1122,7 @@
             <a:pPr rtl="0"/>
             <a:fld id="{6BF82289-BCFD-4053-9D06-A9140C63A457}" type="slidenum">
               <a:rPr lang="fr-FR" smtClean="0"/>
-              <a:t>17</a:t>
+              <a:t>20</a:t>
             </a:fld>
             <a:endParaRPr lang="fr-FR"/>
           </a:p>
@@ -9995,7 +9998,7 @@
                 <a16:creationId xmlns:a16="http://schemas.microsoft.com/office/drawing/2014/main" id="{EB664AAE-5AE9-41D7-8346-002B9F445323}"/>
               </a:ext>
               <a:ext uri="{C183D7F6-B498-43B3-948B-1728B52AA6E4}">
-                <adec:decorative xmlns:adec="http://schemas.microsoft.com/office/drawing/2017/decorative" xmlns="" val="1"/>
+                <adec:decorative xmlns:adec="http://schemas.microsoft.com/office/drawing/2017/decorative" val="1"/>
               </a:ext>
             </a:extLst>
           </p:cNvPr>
@@ -10415,7 +10418,7 @@
           <p:cNvPr id="2" name="Titre 1">
             <a:extLst>
               <a:ext uri="{FF2B5EF4-FFF2-40B4-BE49-F238E27FC236}">
-                <a16:creationId xmlns:a16="http://schemas.microsoft.com/office/drawing/2014/main" id="{DBD23F23-EF92-2EE6-EED2-24F174401B9D}"/>
+                <a16:creationId xmlns:a16="http://schemas.microsoft.com/office/drawing/2014/main" id="{1FE865AE-991B-8E6C-4958-77BCF27CB95F}"/>
               </a:ext>
             </a:extLst>
           </p:cNvPr>
@@ -10426,40 +10429,23 @@
             <p:ph type="title"/>
           </p:nvPr>
         </p:nvSpPr>
-        <p:spPr>
-          <a:xfrm>
-            <a:off x="839788" y="457200"/>
-            <a:ext cx="4654925" cy="1600200"/>
-          </a:xfrm>
-        </p:spPr>
-        <p:txBody>
-          <a:bodyPr anchor="t">
+        <p:spPr/>
+        <p:txBody>
+          <a:bodyPr>
             <a:normAutofit/>
           </a:bodyPr>
           <a:lstStyle/>
           <a:p>
             <a:r>
               <a:rPr lang="fr-FR" dirty="0"/>
-              <a:t>Gestion des accès </a:t>
-            </a:r>
-            <a:r>
-              <a:rPr lang="fr-FR" dirty="0" smtClean="0"/>
-              <a:t>à la salle</a:t>
-            </a:r>
-            <a:r>
-              <a:rPr lang="fr-FR" dirty="0"/>
-              <a:t/>
+              <a:t>Gestion des accès au campus</a:t>
             </a:r>
             <a:br>
               <a:rPr lang="fr-FR" dirty="0"/>
             </a:br>
             <a:r>
-              <a:rPr lang="fr-FR" sz="2000" dirty="0" smtClean="0"/>
-              <a:t>Récupération des paramètres biométrique </a:t>
-            </a:r>
-            <a:r>
-              <a:rPr lang="fr-FR" dirty="0" smtClean="0"/>
-              <a:t> </a:t>
+              <a:rPr lang="fr-FR" sz="2000" dirty="0"/>
+              <a:t>Publication des données avec MQTT</a:t>
             </a:r>
             <a:endParaRPr lang="fr-FR" dirty="0"/>
           </a:p>
@@ -10470,7 +10456,7 @@
           <p:cNvPr id="3" name="Espace réservé du texte 2">
             <a:extLst>
               <a:ext uri="{FF2B5EF4-FFF2-40B4-BE49-F238E27FC236}">
-                <a16:creationId xmlns:a16="http://schemas.microsoft.com/office/drawing/2014/main" id="{070D4B8C-89A7-65B0-892A-D27A85A3C9A2}"/>
+                <a16:creationId xmlns:a16="http://schemas.microsoft.com/office/drawing/2014/main" id="{09E83A35-1FD2-59BB-CBDE-C332CBAB8755}"/>
               </a:ext>
             </a:extLst>
           </p:cNvPr>
@@ -10483,74 +10469,132 @@
         </p:nvSpPr>
         <p:spPr>
           <a:xfrm>
-            <a:off x="839788" y="1625138"/>
-            <a:ext cx="3932237" cy="432262"/>
+            <a:off x="839788" y="2222770"/>
+            <a:ext cx="3932237" cy="3811588"/>
           </a:xfrm>
         </p:spPr>
         <p:txBody>
           <a:bodyPr/>
           <a:lstStyle/>
           <a:p>
-            <a:r>
-              <a:rPr lang="fr-FR" dirty="0" smtClean="0"/>
-              <a:t>Lancement de la caméra</a:t>
-            </a:r>
+            <a:pPr marL="285750" indent="-285750">
+              <a:buFont typeface="Arial" panose="020B0604020202020204" pitchFamily="34" charset="0"/>
+              <a:buChar char="•"/>
+            </a:pPr>
+            <a:r>
+              <a:rPr lang="fr-FR" dirty="0"/>
+              <a:t>MQTT serveur : 192.168.143.151</a:t>
+            </a:r>
+          </a:p>
+          <a:p>
+            <a:pPr marL="285750" indent="-285750">
+              <a:buFont typeface="Arial" panose="020B0604020202020204" pitchFamily="34" charset="0"/>
+              <a:buChar char="•"/>
+            </a:pPr>
+            <a:r>
+              <a:rPr lang="fr-FR" dirty="0"/>
+              <a:t>Topic: Campus</a:t>
+            </a:r>
+          </a:p>
+          <a:p>
+            <a:pPr marL="285750" indent="-285750">
+              <a:buFont typeface="Arial" panose="020B0604020202020204" pitchFamily="34" charset="0"/>
+              <a:buChar char="•"/>
+            </a:pPr>
+            <a:r>
+              <a:rPr lang="fr-FR" dirty="0"/>
+              <a:t>Port : 1883</a:t>
+            </a:r>
+          </a:p>
+          <a:p>
+            <a:pPr marL="285750" indent="-285750">
+              <a:buFont typeface="Arial" panose="020B0604020202020204" pitchFamily="34" charset="0"/>
+              <a:buChar char="•"/>
+            </a:pPr>
             <a:endParaRPr lang="fr-FR" dirty="0"/>
+          </a:p>
+        </p:txBody>
+      </p:sp>
+      <p:sp>
+        <p:nvSpPr>
+          <p:cNvPr id="10" name="Ellipse 9">
+            <a:extLst>
+              <a:ext uri="{FF2B5EF4-FFF2-40B4-BE49-F238E27FC236}">
+                <a16:creationId xmlns:a16="http://schemas.microsoft.com/office/drawing/2014/main" id="{CAAC5C78-E630-573E-A43F-D1107666D747}"/>
+              </a:ext>
+            </a:extLst>
+          </p:cNvPr>
+          <p:cNvSpPr/>
+          <p:nvPr/>
+        </p:nvSpPr>
+        <p:spPr>
+          <a:xfrm>
+            <a:off x="7583488" y="2208346"/>
+            <a:ext cx="1618878" cy="914233"/>
+          </a:xfrm>
+          <a:prstGeom prst="ellipse">
+            <a:avLst/>
+          </a:prstGeom>
+          <a:noFill/>
+          <a:ln w="38100"/>
+        </p:spPr>
+        <p:style>
+          <a:lnRef idx="2">
+            <a:schemeClr val="accent1">
+              <a:shade val="50000"/>
+            </a:schemeClr>
+          </a:lnRef>
+          <a:fillRef idx="1">
+            <a:schemeClr val="accent1"/>
+          </a:fillRef>
+          <a:effectRef idx="0">
+            <a:schemeClr val="accent1"/>
+          </a:effectRef>
+          <a:fontRef idx="minor">
+            <a:schemeClr val="lt1"/>
+          </a:fontRef>
+        </p:style>
+        <p:txBody>
+          <a:bodyPr rtlCol="0" anchor="ctr"/>
+          <a:lstStyle/>
+          <a:p>
+            <a:pPr algn="ctr"/>
+            <a:endParaRPr lang="fr-FR"/>
           </a:p>
         </p:txBody>
       </p:sp>
       <p:pic>
         <p:nvPicPr>
-          <p:cNvPr id="4" name="Image 3"/>
+          <p:cNvPr id="9" name="Espace réservé pour une image  8">
+            <a:extLst>
+              <a:ext uri="{FF2B5EF4-FFF2-40B4-BE49-F238E27FC236}">
+                <a16:creationId xmlns:a16="http://schemas.microsoft.com/office/drawing/2014/main" id="{59BC2D6D-E3B7-1549-8F37-2F65054EAF82}"/>
+              </a:ext>
+            </a:extLst>
+          </p:cNvPr>
           <p:cNvPicPr>
-            <a:picLocks noChangeAspect="1"/>
+            <a:picLocks noGrp="1" noChangeAspect="1"/>
           </p:cNvPicPr>
-          <p:nvPr/>
+          <p:nvPr>
+            <p:ph type="pic" idx="1"/>
+          </p:nvPr>
         </p:nvPicPr>
-        <p:blipFill>
+        <p:blipFill rotWithShape="1">
           <a:blip r:embed="rId2"/>
-          <a:stretch>
-            <a:fillRect/>
-          </a:stretch>
+          <a:srcRect t="-10496" b="-10496"/>
+          <a:stretch/>
         </p:blipFill>
         <p:spPr>
           <a:xfrm>
-            <a:off x="681225" y="2144713"/>
-            <a:ext cx="4972050" cy="3724275"/>
-          </a:xfrm>
-          <a:prstGeom prst="rect">
-            <a:avLst/>
-          </a:prstGeom>
-        </p:spPr>
-      </p:pic>
-      <p:pic>
-        <p:nvPicPr>
-          <p:cNvPr id="6" name="Image 5"/>
-          <p:cNvPicPr>
-            <a:picLocks noChangeAspect="1"/>
-          </p:cNvPicPr>
-          <p:nvPr/>
-        </p:nvPicPr>
-        <p:blipFill>
-          <a:blip r:embed="rId3"/>
-          <a:stretch>
-            <a:fillRect/>
-          </a:stretch>
-        </p:blipFill>
-        <p:spPr>
-          <a:xfrm>
-            <a:off x="6602001" y="1251284"/>
-            <a:ext cx="4685124" cy="4876800"/>
-          </a:xfrm>
-          <a:prstGeom prst="rect">
-            <a:avLst/>
-          </a:prstGeom>
+            <a:off x="5183188" y="417513"/>
+            <a:ext cx="6172200" cy="5403850"/>
+          </a:xfrm>
         </p:spPr>
       </p:pic>
     </p:spTree>
     <p:extLst>
       <p:ext uri="{BB962C8B-B14F-4D97-AF65-F5344CB8AC3E}">
-        <p14:creationId xmlns:p14="http://schemas.microsoft.com/office/powerpoint/2010/main" val="2428980419"/>
+        <p14:creationId xmlns:p14="http://schemas.microsoft.com/office/powerpoint/2010/main" val="2686469771"/>
       </p:ext>
     </p:extLst>
   </p:cSld>
@@ -10582,7 +10626,7 @@
           <p:cNvPr id="2" name="Titre 1">
             <a:extLst>
               <a:ext uri="{FF2B5EF4-FFF2-40B4-BE49-F238E27FC236}">
-                <a16:creationId xmlns:a16="http://schemas.microsoft.com/office/drawing/2014/main" id="{DBD23F23-EF92-2EE6-EED2-24F174401B9D}"/>
+                <a16:creationId xmlns:a16="http://schemas.microsoft.com/office/drawing/2014/main" id="{1FE865AE-991B-8E6C-4958-77BCF27CB95F}"/>
               </a:ext>
             </a:extLst>
           </p:cNvPr>
@@ -10593,40 +10637,23 @@
             <p:ph type="title"/>
           </p:nvPr>
         </p:nvSpPr>
-        <p:spPr>
-          <a:xfrm>
-            <a:off x="839788" y="457200"/>
-            <a:ext cx="4654925" cy="1600200"/>
-          </a:xfrm>
-        </p:spPr>
-        <p:txBody>
-          <a:bodyPr anchor="t">
+        <p:spPr/>
+        <p:txBody>
+          <a:bodyPr>
             <a:normAutofit/>
           </a:bodyPr>
           <a:lstStyle/>
           <a:p>
             <a:r>
               <a:rPr lang="fr-FR" dirty="0"/>
-              <a:t>Gestion des accès </a:t>
-            </a:r>
-            <a:r>
-              <a:rPr lang="fr-FR" dirty="0" smtClean="0"/>
-              <a:t>à la salle</a:t>
-            </a:r>
-            <a:r>
-              <a:rPr lang="fr-FR" dirty="0"/>
-              <a:t/>
+              <a:t>Gestion des accès au campus</a:t>
             </a:r>
             <a:br>
               <a:rPr lang="fr-FR" dirty="0"/>
             </a:br>
             <a:r>
-              <a:rPr lang="fr-FR" sz="2000" dirty="0" smtClean="0"/>
-              <a:t>Récupération des paramètres biométrique </a:t>
-            </a:r>
-            <a:r>
-              <a:rPr lang="fr-FR" dirty="0" smtClean="0"/>
-              <a:t> </a:t>
+              <a:rPr lang="fr-FR" sz="2000" dirty="0"/>
+              <a:t>Sauvegarde des données sur la BDD</a:t>
             </a:r>
             <a:endParaRPr lang="fr-FR" dirty="0"/>
           </a:p>
@@ -10637,7 +10664,7 @@
           <p:cNvPr id="3" name="Espace réservé du texte 2">
             <a:extLst>
               <a:ext uri="{FF2B5EF4-FFF2-40B4-BE49-F238E27FC236}">
-                <a16:creationId xmlns:a16="http://schemas.microsoft.com/office/drawing/2014/main" id="{070D4B8C-89A7-65B0-892A-D27A85A3C9A2}"/>
+                <a16:creationId xmlns:a16="http://schemas.microsoft.com/office/drawing/2014/main" id="{09E83A35-1FD2-59BB-CBDE-C332CBAB8755}"/>
               </a:ext>
             </a:extLst>
           </p:cNvPr>
@@ -10650,25 +10677,31 @@
         </p:nvSpPr>
         <p:spPr>
           <a:xfrm>
-            <a:off x="839788" y="1625138"/>
-            <a:ext cx="3932237" cy="432262"/>
+            <a:off x="839788" y="2222770"/>
+            <a:ext cx="3932237" cy="3811588"/>
           </a:xfrm>
         </p:spPr>
         <p:txBody>
           <a:bodyPr/>
           <a:lstStyle/>
           <a:p>
-            <a:r>
-              <a:rPr lang="fr-FR" dirty="0" smtClean="0"/>
-              <a:t>Lancement de la caméra</a:t>
-            </a:r>
+            <a:pPr marL="285750" indent="-285750">
+              <a:buFont typeface="Arial" panose="020B0604020202020204" pitchFamily="34" charset="0"/>
+              <a:buChar char="•"/>
+            </a:pPr>
             <a:endParaRPr lang="fr-FR" dirty="0"/>
           </a:p>
         </p:txBody>
       </p:sp>
       <p:pic>
         <p:nvPicPr>
-          <p:cNvPr id="4" name="Image 3"/>
+          <p:cNvPr id="6" name="Image 5">
+            <a:extLst>
+              <a:ext uri="{FF2B5EF4-FFF2-40B4-BE49-F238E27FC236}">
+                <a16:creationId xmlns:a16="http://schemas.microsoft.com/office/drawing/2014/main" id="{D1394E37-3DD0-E51A-C2F0-265279C79AC0}"/>
+              </a:ext>
+            </a:extLst>
+          </p:cNvPr>
           <p:cNvPicPr>
             <a:picLocks noChangeAspect="1"/>
           </p:cNvPicPr>
@@ -10682,32 +10715,8 @@
         </p:blipFill>
         <p:spPr>
           <a:xfrm>
-            <a:off x="681225" y="2144713"/>
-            <a:ext cx="4972050" cy="3724275"/>
-          </a:xfrm>
-          <a:prstGeom prst="rect">
-            <a:avLst/>
-          </a:prstGeom>
-        </p:spPr>
-      </p:pic>
-      <p:pic>
-        <p:nvPicPr>
-          <p:cNvPr id="6" name="Image 5"/>
-          <p:cNvPicPr>
-            <a:picLocks noChangeAspect="1"/>
-          </p:cNvPicPr>
-          <p:nvPr/>
-        </p:nvPicPr>
-        <p:blipFill>
-          <a:blip r:embed="rId3"/>
-          <a:stretch>
-            <a:fillRect/>
-          </a:stretch>
-        </p:blipFill>
-        <p:spPr>
-          <a:xfrm>
-            <a:off x="6602001" y="1251284"/>
-            <a:ext cx="4685124" cy="4876800"/>
+            <a:off x="4894331" y="1148564"/>
+            <a:ext cx="7297669" cy="1074206"/>
           </a:xfrm>
           <a:prstGeom prst="rect">
             <a:avLst/>
@@ -10717,7 +10726,7 @@
     </p:spTree>
     <p:extLst>
       <p:ext uri="{BB962C8B-B14F-4D97-AF65-F5344CB8AC3E}">
-        <p14:creationId xmlns:p14="http://schemas.microsoft.com/office/powerpoint/2010/main" val="821740354"/>
+        <p14:creationId xmlns:p14="http://schemas.microsoft.com/office/powerpoint/2010/main" val="2475685554"/>
       </p:ext>
     </p:extLst>
   </p:cSld>
@@ -10760,40 +10769,21 @@
             <p:ph type="title"/>
           </p:nvPr>
         </p:nvSpPr>
-        <p:spPr>
-          <a:xfrm>
-            <a:off x="839788" y="457200"/>
-            <a:ext cx="4654925" cy="1600200"/>
-          </a:xfrm>
-        </p:spPr>
-        <p:txBody>
-          <a:bodyPr anchor="t">
-            <a:normAutofit/>
-          </a:bodyPr>
+        <p:spPr/>
+        <p:txBody>
+          <a:bodyPr anchor="t"/>
           <a:lstStyle/>
           <a:p>
             <a:r>
               <a:rPr lang="fr-FR" dirty="0"/>
-              <a:t>Gestion des accès </a:t>
-            </a:r>
-            <a:r>
-              <a:rPr lang="fr-FR" dirty="0" smtClean="0"/>
-              <a:t>à la salle</a:t>
-            </a:r>
-            <a:r>
-              <a:rPr lang="fr-FR" dirty="0"/>
-              <a:t/>
+              <a:t>Gestion des accès au campus</a:t>
             </a:r>
             <a:br>
               <a:rPr lang="fr-FR" dirty="0"/>
             </a:br>
             <a:r>
-              <a:rPr lang="fr-FR" sz="2000" dirty="0" smtClean="0"/>
-              <a:t>Récupération des paramètres biométrique </a:t>
-            </a:r>
-            <a:r>
-              <a:rPr lang="fr-FR" dirty="0" smtClean="0"/>
-              <a:t> </a:t>
+              <a:rPr lang="fr-FR" sz="2000" dirty="0"/>
+              <a:t>Les défauts</a:t>
             </a:r>
             <a:endParaRPr lang="fr-FR" dirty="0"/>
           </a:p>
@@ -10815,80 +10805,243 @@
             <p:ph type="body" sz="half" idx="2"/>
           </p:nvPr>
         </p:nvSpPr>
-        <p:spPr>
-          <a:xfrm>
-            <a:off x="839788" y="1625138"/>
-            <a:ext cx="3932237" cy="432262"/>
-          </a:xfrm>
-        </p:spPr>
+        <p:spPr/>
         <p:txBody>
           <a:bodyPr/>
           <a:lstStyle/>
           <a:p>
-            <a:r>
-              <a:rPr lang="fr-FR" dirty="0" smtClean="0"/>
-              <a:t>Début du </a:t>
-            </a:r>
-            <a:r>
-              <a:rPr lang="fr-FR" dirty="0" err="1" smtClean="0"/>
-              <a:t>stream</a:t>
-            </a:r>
+            <a:pPr marL="285750" indent="-285750">
+              <a:buFont typeface="Arial" panose="020B0604020202020204" pitchFamily="34" charset="0"/>
+              <a:buChar char="•"/>
+            </a:pPr>
+            <a:r>
+              <a:rPr lang="fr-FR" dirty="0"/>
+              <a:t>1 appareil Bluetooth activé par personne</a:t>
+            </a:r>
+          </a:p>
+          <a:p>
+            <a:pPr marL="285750" indent="-285750">
+              <a:buFont typeface="Arial" panose="020B0604020202020204" pitchFamily="34" charset="0"/>
+              <a:buChar char="•"/>
+            </a:pPr>
+            <a:r>
+              <a:rPr lang="fr-FR" dirty="0"/>
+              <a:t>Erreur de comptage en cas d’immobilité à proximité des lecteurs</a:t>
+            </a:r>
+          </a:p>
+          <a:p>
+            <a:pPr marL="285750" indent="-285750">
+              <a:buFont typeface="Arial" panose="020B0604020202020204" pitchFamily="34" charset="0"/>
+              <a:buChar char="•"/>
+            </a:pPr>
             <a:endParaRPr lang="fr-FR" dirty="0"/>
           </a:p>
         </p:txBody>
       </p:sp>
-      <p:pic>
-        <p:nvPicPr>
-          <p:cNvPr id="7" name="Image 6"/>
-          <p:cNvPicPr>
-            <a:picLocks noChangeAspect="1"/>
-          </p:cNvPicPr>
+      <p:sp>
+        <p:nvSpPr>
+          <p:cNvPr id="5" name="Espace réservé du texte 2">
+            <a:extLst>
+              <a:ext uri="{FF2B5EF4-FFF2-40B4-BE49-F238E27FC236}">
+                <a16:creationId xmlns:a16="http://schemas.microsoft.com/office/drawing/2014/main" id="{6179D6B3-CEDC-2E73-35FD-19CBE81377C6}"/>
+              </a:ext>
+            </a:extLst>
+          </p:cNvPr>
+          <p:cNvSpPr txBox="1">
+            <a:spLocks/>
+          </p:cNvSpPr>
           <p:nvPr/>
-        </p:nvPicPr>
-        <p:blipFill>
-          <a:blip r:embed="rId2"/>
-          <a:stretch>
-            <a:fillRect/>
-          </a:stretch>
-        </p:blipFill>
-        <p:spPr>
-          <a:xfrm>
-            <a:off x="839788" y="2057401"/>
-            <a:ext cx="3932237" cy="4360082"/>
+        </p:nvSpPr>
+        <p:spPr>
+          <a:xfrm>
+            <a:off x="6745288" y="2057400"/>
+            <a:ext cx="3932237" cy="3811588"/>
           </a:xfrm>
           <a:prstGeom prst="rect">
             <a:avLst/>
           </a:prstGeom>
         </p:spPr>
-      </p:pic>
-      <p:pic>
-        <p:nvPicPr>
-          <p:cNvPr id="8" name="Image 7"/>
-          <p:cNvPicPr>
-            <a:picLocks noChangeAspect="1"/>
-          </p:cNvPicPr>
-          <p:nvPr/>
-        </p:nvPicPr>
-        <p:blipFill>
-          <a:blip r:embed="rId3"/>
-          <a:stretch>
-            <a:fillRect/>
-          </a:stretch>
-        </p:blipFill>
-        <p:spPr>
-          <a:xfrm>
-            <a:off x="6304547" y="1257300"/>
-            <a:ext cx="4348413" cy="4744697"/>
-          </a:xfrm>
-          <a:prstGeom prst="rect">
-            <a:avLst/>
-          </a:prstGeom>
-        </p:spPr>
-      </p:pic>
+        <p:txBody>
+          <a:bodyPr vert="horz" lIns="91440" tIns="45720" rIns="91440" bIns="45720" rtlCol="0">
+            <a:normAutofit/>
+          </a:bodyPr>
+          <a:lstStyle>
+            <a:lvl1pPr marL="0" indent="0" algn="l" defTabSz="914400" rtl="0" eaLnBrk="1" latinLnBrk="0" hangingPunct="1">
+              <a:lnSpc>
+                <a:spcPct val="90000"/>
+              </a:lnSpc>
+              <a:spcBef>
+                <a:spcPts val="1000"/>
+              </a:spcBef>
+              <a:buFont typeface="Arial" panose="020B0604020202020204" pitchFamily="34" charset="0"/>
+              <a:buNone/>
+              <a:defRPr sz="1600" kern="1200">
+                <a:solidFill>
+                  <a:schemeClr val="tx1"/>
+                </a:solidFill>
+                <a:latin typeface="+mn-lt"/>
+                <a:ea typeface="+mn-ea"/>
+                <a:cs typeface="+mn-cs"/>
+              </a:defRPr>
+            </a:lvl1pPr>
+            <a:lvl2pPr marL="457200" indent="0" algn="l" defTabSz="914400" rtl="0" eaLnBrk="1" latinLnBrk="0" hangingPunct="1">
+              <a:lnSpc>
+                <a:spcPct val="90000"/>
+              </a:lnSpc>
+              <a:spcBef>
+                <a:spcPts val="500"/>
+              </a:spcBef>
+              <a:buFont typeface="Arial" panose="020B0604020202020204" pitchFamily="34" charset="0"/>
+              <a:buNone/>
+              <a:defRPr sz="1400" kern="1200">
+                <a:solidFill>
+                  <a:schemeClr val="tx1"/>
+                </a:solidFill>
+                <a:latin typeface="+mn-lt"/>
+                <a:ea typeface="+mn-ea"/>
+                <a:cs typeface="+mn-cs"/>
+              </a:defRPr>
+            </a:lvl2pPr>
+            <a:lvl3pPr marL="914400" indent="0" algn="l" defTabSz="914400" rtl="0" eaLnBrk="1" latinLnBrk="0" hangingPunct="1">
+              <a:lnSpc>
+                <a:spcPct val="90000"/>
+              </a:lnSpc>
+              <a:spcBef>
+                <a:spcPts val="500"/>
+              </a:spcBef>
+              <a:buFont typeface="Arial" panose="020B0604020202020204" pitchFamily="34" charset="0"/>
+              <a:buNone/>
+              <a:defRPr sz="1200" kern="1200">
+                <a:solidFill>
+                  <a:schemeClr val="tx1"/>
+                </a:solidFill>
+                <a:latin typeface="+mn-lt"/>
+                <a:ea typeface="+mn-ea"/>
+                <a:cs typeface="+mn-cs"/>
+              </a:defRPr>
+            </a:lvl3pPr>
+            <a:lvl4pPr marL="1371600" indent="0" algn="l" defTabSz="914400" rtl="0" eaLnBrk="1" latinLnBrk="0" hangingPunct="1">
+              <a:lnSpc>
+                <a:spcPct val="90000"/>
+              </a:lnSpc>
+              <a:spcBef>
+                <a:spcPts val="500"/>
+              </a:spcBef>
+              <a:buFont typeface="Arial" panose="020B0604020202020204" pitchFamily="34" charset="0"/>
+              <a:buNone/>
+              <a:defRPr sz="1000" kern="1200">
+                <a:solidFill>
+                  <a:schemeClr val="tx1"/>
+                </a:solidFill>
+                <a:latin typeface="+mn-lt"/>
+                <a:ea typeface="+mn-ea"/>
+                <a:cs typeface="+mn-cs"/>
+              </a:defRPr>
+            </a:lvl4pPr>
+            <a:lvl5pPr marL="1828800" indent="0" algn="l" defTabSz="914400" rtl="0" eaLnBrk="1" latinLnBrk="0" hangingPunct="1">
+              <a:lnSpc>
+                <a:spcPct val="90000"/>
+              </a:lnSpc>
+              <a:spcBef>
+                <a:spcPts val="500"/>
+              </a:spcBef>
+              <a:buFont typeface="Arial" panose="020B0604020202020204" pitchFamily="34" charset="0"/>
+              <a:buNone/>
+              <a:defRPr sz="1000" kern="1200">
+                <a:solidFill>
+                  <a:schemeClr val="tx1"/>
+                </a:solidFill>
+                <a:latin typeface="+mn-lt"/>
+                <a:ea typeface="+mn-ea"/>
+                <a:cs typeface="+mn-cs"/>
+              </a:defRPr>
+            </a:lvl5pPr>
+            <a:lvl6pPr marL="2286000" indent="0" algn="l" defTabSz="914400" rtl="0" eaLnBrk="1" latinLnBrk="0" hangingPunct="1">
+              <a:lnSpc>
+                <a:spcPct val="90000"/>
+              </a:lnSpc>
+              <a:spcBef>
+                <a:spcPts val="500"/>
+              </a:spcBef>
+              <a:buFont typeface="Arial" panose="020B0604020202020204" pitchFamily="34" charset="0"/>
+              <a:buNone/>
+              <a:defRPr sz="1000" kern="1200">
+                <a:solidFill>
+                  <a:schemeClr val="tx1"/>
+                </a:solidFill>
+                <a:latin typeface="+mn-lt"/>
+                <a:ea typeface="+mn-ea"/>
+                <a:cs typeface="+mn-cs"/>
+              </a:defRPr>
+            </a:lvl6pPr>
+            <a:lvl7pPr marL="2743200" indent="0" algn="l" defTabSz="914400" rtl="0" eaLnBrk="1" latinLnBrk="0" hangingPunct="1">
+              <a:lnSpc>
+                <a:spcPct val="90000"/>
+              </a:lnSpc>
+              <a:spcBef>
+                <a:spcPts val="500"/>
+              </a:spcBef>
+              <a:buFont typeface="Arial" panose="020B0604020202020204" pitchFamily="34" charset="0"/>
+              <a:buNone/>
+              <a:defRPr sz="1000" kern="1200">
+                <a:solidFill>
+                  <a:schemeClr val="tx1"/>
+                </a:solidFill>
+                <a:latin typeface="+mn-lt"/>
+                <a:ea typeface="+mn-ea"/>
+                <a:cs typeface="+mn-cs"/>
+              </a:defRPr>
+            </a:lvl7pPr>
+            <a:lvl8pPr marL="3200400" indent="0" algn="l" defTabSz="914400" rtl="0" eaLnBrk="1" latinLnBrk="0" hangingPunct="1">
+              <a:lnSpc>
+                <a:spcPct val="90000"/>
+              </a:lnSpc>
+              <a:spcBef>
+                <a:spcPts val="500"/>
+              </a:spcBef>
+              <a:buFont typeface="Arial" panose="020B0604020202020204" pitchFamily="34" charset="0"/>
+              <a:buNone/>
+              <a:defRPr sz="1000" kern="1200">
+                <a:solidFill>
+                  <a:schemeClr val="tx1"/>
+                </a:solidFill>
+                <a:latin typeface="+mn-lt"/>
+                <a:ea typeface="+mn-ea"/>
+                <a:cs typeface="+mn-cs"/>
+              </a:defRPr>
+            </a:lvl8pPr>
+            <a:lvl9pPr marL="3657600" indent="0" algn="l" defTabSz="914400" rtl="0" eaLnBrk="1" latinLnBrk="0" hangingPunct="1">
+              <a:lnSpc>
+                <a:spcPct val="90000"/>
+              </a:lnSpc>
+              <a:spcBef>
+                <a:spcPts val="500"/>
+              </a:spcBef>
+              <a:buFont typeface="Arial" panose="020B0604020202020204" pitchFamily="34" charset="0"/>
+              <a:buNone/>
+              <a:defRPr sz="1000" kern="1200">
+                <a:solidFill>
+                  <a:schemeClr val="tx1"/>
+                </a:solidFill>
+                <a:latin typeface="+mn-lt"/>
+                <a:ea typeface="+mn-ea"/>
+                <a:cs typeface="+mn-cs"/>
+              </a:defRPr>
+            </a:lvl9pPr>
+          </a:lstStyle>
+          <a:p>
+            <a:r>
+              <a:rPr lang="fr-FR"/>
+              <a:t>Gestion des accès au campus</a:t>
+            </a:r>
+            <a:endParaRPr lang="fr-FR" dirty="0"/>
+          </a:p>
+        </p:txBody>
+      </p:sp>
     </p:spTree>
     <p:extLst>
       <p:ext uri="{BB962C8B-B14F-4D97-AF65-F5344CB8AC3E}">
-        <p14:creationId xmlns:p14="http://schemas.microsoft.com/office/powerpoint/2010/main" val="2131517895"/>
+        <p14:creationId xmlns:p14="http://schemas.microsoft.com/office/powerpoint/2010/main" val="3303001111"/>
       </p:ext>
     </p:extLst>
   </p:cSld>
@@ -10945,28 +11098,19 @@
           <a:p>
             <a:r>
               <a:rPr lang="fr-FR" dirty="0"/>
-              <a:t>Gestion des accès </a:t>
-            </a:r>
-            <a:r>
-              <a:rPr lang="fr-FR" dirty="0" smtClean="0"/>
-              <a:t>à la salle</a:t>
-            </a:r>
-            <a:r>
-              <a:rPr lang="fr-FR" dirty="0"/>
-              <a:t/>
+              <a:t>Gestion des accès à la salle</a:t>
             </a:r>
             <a:br>
               <a:rPr lang="fr-FR" dirty="0"/>
             </a:br>
             <a:r>
-              <a:rPr lang="fr-FR" sz="2000" dirty="0" smtClean="0"/>
+              <a:rPr lang="fr-FR" sz="2000" dirty="0"/>
               <a:t>Récupération des paramètres biométrique </a:t>
             </a:r>
             <a:r>
-              <a:rPr lang="fr-FR" dirty="0" smtClean="0"/>
+              <a:rPr lang="fr-FR" dirty="0"/>
               <a:t> </a:t>
             </a:r>
-            <a:endParaRPr lang="fr-FR" dirty="0"/>
           </a:p>
         </p:txBody>
       </p:sp>
@@ -10997,10 +11141,9 @@
           <a:lstStyle/>
           <a:p>
             <a:r>
-              <a:rPr lang="fr-FR" dirty="0" smtClean="0"/>
-              <a:t>Détection d’un visage</a:t>
-            </a:r>
-            <a:endParaRPr lang="fr-FR" dirty="0"/>
+              <a:rPr lang="fr-FR" dirty="0"/>
+              <a:t>Lancement de la caméra</a:t>
+            </a:r>
           </a:p>
         </p:txBody>
       </p:sp>
@@ -11020,8 +11163,32 @@
         </p:blipFill>
         <p:spPr>
           <a:xfrm>
-            <a:off x="839788" y="2556330"/>
-            <a:ext cx="6425470" cy="2817775"/>
+            <a:off x="681225" y="2144713"/>
+            <a:ext cx="4972050" cy="3724275"/>
+          </a:xfrm>
+          <a:prstGeom prst="rect">
+            <a:avLst/>
+          </a:prstGeom>
+        </p:spPr>
+      </p:pic>
+      <p:pic>
+        <p:nvPicPr>
+          <p:cNvPr id="6" name="Image 5"/>
+          <p:cNvPicPr>
+            <a:picLocks noChangeAspect="1"/>
+          </p:cNvPicPr>
+          <p:nvPr/>
+        </p:nvPicPr>
+        <p:blipFill>
+          <a:blip r:embed="rId3"/>
+          <a:stretch>
+            <a:fillRect/>
+          </a:stretch>
+        </p:blipFill>
+        <p:spPr>
+          <a:xfrm>
+            <a:off x="6602001" y="1251284"/>
+            <a:ext cx="4685124" cy="4876800"/>
           </a:xfrm>
           <a:prstGeom prst="rect">
             <a:avLst/>
@@ -11031,7 +11198,7 @@
     </p:spTree>
     <p:extLst>
       <p:ext uri="{BB962C8B-B14F-4D97-AF65-F5344CB8AC3E}">
-        <p14:creationId xmlns:p14="http://schemas.microsoft.com/office/powerpoint/2010/main" val="232207055"/>
+        <p14:creationId xmlns:p14="http://schemas.microsoft.com/office/powerpoint/2010/main" val="2428980419"/>
       </p:ext>
     </p:extLst>
   </p:cSld>
@@ -11077,7 +11244,7 @@
         <p:spPr>
           <a:xfrm>
             <a:off x="839788" y="457200"/>
-            <a:ext cx="5625180" cy="1600200"/>
+            <a:ext cx="4654925" cy="1600200"/>
           </a:xfrm>
         </p:spPr>
         <p:txBody>
@@ -11088,274 +11255,107 @@
           <a:p>
             <a:r>
               <a:rPr lang="fr-FR" dirty="0"/>
-              <a:t>Gestion des </a:t>
-            </a:r>
-            <a:r>
-              <a:rPr lang="fr-FR" dirty="0" smtClean="0"/>
-              <a:t>accès à </a:t>
-            </a:r>
-            <a:r>
-              <a:rPr lang="fr-FR" dirty="0"/>
-              <a:t>la salle</a:t>
+              <a:t>Gestion des accès à la salle</a:t>
             </a:r>
             <a:br>
               <a:rPr lang="fr-FR" dirty="0"/>
             </a:br>
             <a:r>
-              <a:rPr lang="fr-FR" sz="2000" dirty="0" smtClean="0"/>
-              <a:t>Les Défauts</a:t>
-            </a:r>
-            <a:endParaRPr lang="fr-FR" sz="2000" dirty="0"/>
-          </a:p>
-        </p:txBody>
-      </p:sp>
-      <p:sp>
-        <p:nvSpPr>
-          <p:cNvPr id="6" name="Espace réservé du texte 2">
+              <a:rPr lang="fr-FR" sz="2000" dirty="0"/>
+              <a:t>Récupération des paramètres biométrique </a:t>
+            </a:r>
+            <a:r>
+              <a:rPr lang="fr-FR" dirty="0"/>
+              <a:t> </a:t>
+            </a:r>
+          </a:p>
+        </p:txBody>
+      </p:sp>
+      <p:sp>
+        <p:nvSpPr>
+          <p:cNvPr id="3" name="Espace réservé du texte 2">
             <a:extLst>
               <a:ext uri="{FF2B5EF4-FFF2-40B4-BE49-F238E27FC236}">
                 <a16:creationId xmlns:a16="http://schemas.microsoft.com/office/drawing/2014/main" id="{070D4B8C-89A7-65B0-892A-D27A85A3C9A2}"/>
               </a:ext>
             </a:extLst>
           </p:cNvPr>
-          <p:cNvSpPr txBox="1">
-            <a:spLocks/>
-          </p:cNvSpPr>
+          <p:cNvSpPr>
+            <a:spLocks noGrp="1"/>
+          </p:cNvSpPr>
+          <p:nvPr>
+            <p:ph type="body" sz="half" idx="2"/>
+          </p:nvPr>
+        </p:nvSpPr>
+        <p:spPr>
+          <a:xfrm>
+            <a:off x="839788" y="1625138"/>
+            <a:ext cx="3932237" cy="432262"/>
+          </a:xfrm>
+        </p:spPr>
+        <p:txBody>
+          <a:bodyPr/>
+          <a:lstStyle/>
+          <a:p>
+            <a:r>
+              <a:rPr lang="fr-FR" dirty="0"/>
+              <a:t>Lancement de la caméra</a:t>
+            </a:r>
+          </a:p>
+        </p:txBody>
+      </p:sp>
+      <p:pic>
+        <p:nvPicPr>
+          <p:cNvPr id="4" name="Image 3"/>
+          <p:cNvPicPr>
+            <a:picLocks noChangeAspect="1"/>
+          </p:cNvPicPr>
           <p:nvPr/>
-        </p:nvSpPr>
-        <p:spPr>
-          <a:xfrm>
-            <a:off x="839788" y="2057400"/>
-            <a:ext cx="3932237" cy="3811588"/>
+        </p:nvPicPr>
+        <p:blipFill>
+          <a:blip r:embed="rId2"/>
+          <a:stretch>
+            <a:fillRect/>
+          </a:stretch>
+        </p:blipFill>
+        <p:spPr>
+          <a:xfrm>
+            <a:off x="681225" y="2144713"/>
+            <a:ext cx="4972050" cy="3724275"/>
           </a:xfrm>
           <a:prstGeom prst="rect">
             <a:avLst/>
           </a:prstGeom>
         </p:spPr>
-        <p:txBody>
-          <a:bodyPr vert="horz" lIns="91440" tIns="45720" rIns="91440" bIns="45720" rtlCol="0">
-            <a:normAutofit/>
-          </a:bodyPr>
-          <a:lstStyle>
-            <a:lvl1pPr marL="0" indent="0" algn="l" defTabSz="914400" rtl="0" eaLnBrk="1" latinLnBrk="0" hangingPunct="1">
-              <a:lnSpc>
-                <a:spcPct val="90000"/>
-              </a:lnSpc>
-              <a:spcBef>
-                <a:spcPts val="1000"/>
-              </a:spcBef>
-              <a:buFont typeface="Arial" panose="020B0604020202020204" pitchFamily="34" charset="0"/>
-              <a:buNone/>
-              <a:defRPr sz="1600" kern="1200">
-                <a:solidFill>
-                  <a:schemeClr val="tx1"/>
-                </a:solidFill>
-                <a:latin typeface="+mn-lt"/>
-                <a:ea typeface="+mn-ea"/>
-                <a:cs typeface="+mn-cs"/>
-              </a:defRPr>
-            </a:lvl1pPr>
-            <a:lvl2pPr marL="457200" indent="0" algn="l" defTabSz="914400" rtl="0" eaLnBrk="1" latinLnBrk="0" hangingPunct="1">
-              <a:lnSpc>
-                <a:spcPct val="90000"/>
-              </a:lnSpc>
-              <a:spcBef>
-                <a:spcPts val="500"/>
-              </a:spcBef>
-              <a:buFont typeface="Arial" panose="020B0604020202020204" pitchFamily="34" charset="0"/>
-              <a:buNone/>
-              <a:defRPr sz="1400" kern="1200">
-                <a:solidFill>
-                  <a:schemeClr val="tx1"/>
-                </a:solidFill>
-                <a:latin typeface="+mn-lt"/>
-                <a:ea typeface="+mn-ea"/>
-                <a:cs typeface="+mn-cs"/>
-              </a:defRPr>
-            </a:lvl2pPr>
-            <a:lvl3pPr marL="914400" indent="0" algn="l" defTabSz="914400" rtl="0" eaLnBrk="1" latinLnBrk="0" hangingPunct="1">
-              <a:lnSpc>
-                <a:spcPct val="90000"/>
-              </a:lnSpc>
-              <a:spcBef>
-                <a:spcPts val="500"/>
-              </a:spcBef>
-              <a:buFont typeface="Arial" panose="020B0604020202020204" pitchFamily="34" charset="0"/>
-              <a:buNone/>
-              <a:defRPr sz="1200" kern="1200">
-                <a:solidFill>
-                  <a:schemeClr val="tx1"/>
-                </a:solidFill>
-                <a:latin typeface="+mn-lt"/>
-                <a:ea typeface="+mn-ea"/>
-                <a:cs typeface="+mn-cs"/>
-              </a:defRPr>
-            </a:lvl3pPr>
-            <a:lvl4pPr marL="1371600" indent="0" algn="l" defTabSz="914400" rtl="0" eaLnBrk="1" latinLnBrk="0" hangingPunct="1">
-              <a:lnSpc>
-                <a:spcPct val="90000"/>
-              </a:lnSpc>
-              <a:spcBef>
-                <a:spcPts val="500"/>
-              </a:spcBef>
-              <a:buFont typeface="Arial" panose="020B0604020202020204" pitchFamily="34" charset="0"/>
-              <a:buNone/>
-              <a:defRPr sz="1000" kern="1200">
-                <a:solidFill>
-                  <a:schemeClr val="tx1"/>
-                </a:solidFill>
-                <a:latin typeface="+mn-lt"/>
-                <a:ea typeface="+mn-ea"/>
-                <a:cs typeface="+mn-cs"/>
-              </a:defRPr>
-            </a:lvl4pPr>
-            <a:lvl5pPr marL="1828800" indent="0" algn="l" defTabSz="914400" rtl="0" eaLnBrk="1" latinLnBrk="0" hangingPunct="1">
-              <a:lnSpc>
-                <a:spcPct val="90000"/>
-              </a:lnSpc>
-              <a:spcBef>
-                <a:spcPts val="500"/>
-              </a:spcBef>
-              <a:buFont typeface="Arial" panose="020B0604020202020204" pitchFamily="34" charset="0"/>
-              <a:buNone/>
-              <a:defRPr sz="1000" kern="1200">
-                <a:solidFill>
-                  <a:schemeClr val="tx1"/>
-                </a:solidFill>
-                <a:latin typeface="+mn-lt"/>
-                <a:ea typeface="+mn-ea"/>
-                <a:cs typeface="+mn-cs"/>
-              </a:defRPr>
-            </a:lvl5pPr>
-            <a:lvl6pPr marL="2286000" indent="0" algn="l" defTabSz="914400" rtl="0" eaLnBrk="1" latinLnBrk="0" hangingPunct="1">
-              <a:lnSpc>
-                <a:spcPct val="90000"/>
-              </a:lnSpc>
-              <a:spcBef>
-                <a:spcPts val="500"/>
-              </a:spcBef>
-              <a:buFont typeface="Arial" panose="020B0604020202020204" pitchFamily="34" charset="0"/>
-              <a:buNone/>
-              <a:defRPr sz="1000" kern="1200">
-                <a:solidFill>
-                  <a:schemeClr val="tx1"/>
-                </a:solidFill>
-                <a:latin typeface="+mn-lt"/>
-                <a:ea typeface="+mn-ea"/>
-                <a:cs typeface="+mn-cs"/>
-              </a:defRPr>
-            </a:lvl6pPr>
-            <a:lvl7pPr marL="2743200" indent="0" algn="l" defTabSz="914400" rtl="0" eaLnBrk="1" latinLnBrk="0" hangingPunct="1">
-              <a:lnSpc>
-                <a:spcPct val="90000"/>
-              </a:lnSpc>
-              <a:spcBef>
-                <a:spcPts val="500"/>
-              </a:spcBef>
-              <a:buFont typeface="Arial" panose="020B0604020202020204" pitchFamily="34" charset="0"/>
-              <a:buNone/>
-              <a:defRPr sz="1000" kern="1200">
-                <a:solidFill>
-                  <a:schemeClr val="tx1"/>
-                </a:solidFill>
-                <a:latin typeface="+mn-lt"/>
-                <a:ea typeface="+mn-ea"/>
-                <a:cs typeface="+mn-cs"/>
-              </a:defRPr>
-            </a:lvl7pPr>
-            <a:lvl8pPr marL="3200400" indent="0" algn="l" defTabSz="914400" rtl="0" eaLnBrk="1" latinLnBrk="0" hangingPunct="1">
-              <a:lnSpc>
-                <a:spcPct val="90000"/>
-              </a:lnSpc>
-              <a:spcBef>
-                <a:spcPts val="500"/>
-              </a:spcBef>
-              <a:buFont typeface="Arial" panose="020B0604020202020204" pitchFamily="34" charset="0"/>
-              <a:buNone/>
-              <a:defRPr sz="1000" kern="1200">
-                <a:solidFill>
-                  <a:schemeClr val="tx1"/>
-                </a:solidFill>
-                <a:latin typeface="+mn-lt"/>
-                <a:ea typeface="+mn-ea"/>
-                <a:cs typeface="+mn-cs"/>
-              </a:defRPr>
-            </a:lvl8pPr>
-            <a:lvl9pPr marL="3657600" indent="0" algn="l" defTabSz="914400" rtl="0" eaLnBrk="1" latinLnBrk="0" hangingPunct="1">
-              <a:lnSpc>
-                <a:spcPct val="90000"/>
-              </a:lnSpc>
-              <a:spcBef>
-                <a:spcPts val="500"/>
-              </a:spcBef>
-              <a:buFont typeface="Arial" panose="020B0604020202020204" pitchFamily="34" charset="0"/>
-              <a:buNone/>
-              <a:defRPr sz="1000" kern="1200">
-                <a:solidFill>
-                  <a:schemeClr val="tx1"/>
-                </a:solidFill>
-                <a:latin typeface="+mn-lt"/>
-                <a:ea typeface="+mn-ea"/>
-                <a:cs typeface="+mn-cs"/>
-              </a:defRPr>
-            </a:lvl9pPr>
-          </a:lstStyle>
-          <a:p>
-            <a:pPr marL="285750" indent="-285750">
-              <a:buFont typeface="Arial" panose="020B0604020202020204" pitchFamily="34" charset="0"/>
-              <a:buChar char="•"/>
-            </a:pPr>
-            <a:r>
-              <a:rPr lang="fr-FR" dirty="0" smtClean="0"/>
-              <a:t>Le </a:t>
-            </a:r>
-            <a:r>
-              <a:rPr lang="fr-FR" dirty="0" err="1" smtClean="0"/>
-              <a:t>stream</a:t>
-            </a:r>
-            <a:r>
-              <a:rPr lang="fr-FR" dirty="0" smtClean="0"/>
-              <a:t> </a:t>
-            </a:r>
-            <a:r>
-              <a:rPr lang="fr-FR" dirty="0" err="1" smtClean="0"/>
-              <a:t>freeze</a:t>
-            </a:r>
-            <a:r>
-              <a:rPr lang="fr-FR" dirty="0" smtClean="0"/>
-              <a:t> lorsque qu’un visage est détecté </a:t>
-            </a:r>
-          </a:p>
-          <a:p>
-            <a:pPr marL="285750" indent="-285750">
-              <a:buFont typeface="Arial" panose="020B0604020202020204" pitchFamily="34" charset="0"/>
-              <a:buChar char="•"/>
-            </a:pPr>
-            <a:r>
-              <a:rPr lang="fr-FR" dirty="0" smtClean="0"/>
-              <a:t>Impossibilité d’enregistrer un visage</a:t>
-            </a:r>
-          </a:p>
-          <a:p>
-            <a:pPr marL="285750" indent="-285750">
-              <a:buFont typeface="Arial" panose="020B0604020202020204" pitchFamily="34" charset="0"/>
-              <a:buChar char="•"/>
-            </a:pPr>
-            <a:endParaRPr lang="fr-FR" dirty="0" smtClean="0"/>
-          </a:p>
-          <a:p>
-            <a:pPr marL="285750" indent="-285750">
-              <a:buFont typeface="Arial" panose="020B0604020202020204" pitchFamily="34" charset="0"/>
-              <a:buChar char="•"/>
-            </a:pPr>
-            <a:endParaRPr lang="fr-FR" dirty="0"/>
-          </a:p>
-        </p:txBody>
-      </p:sp>
+      </p:pic>
+      <p:pic>
+        <p:nvPicPr>
+          <p:cNvPr id="6" name="Image 5"/>
+          <p:cNvPicPr>
+            <a:picLocks noChangeAspect="1"/>
+          </p:cNvPicPr>
+          <p:nvPr/>
+        </p:nvPicPr>
+        <p:blipFill>
+          <a:blip r:embed="rId3"/>
+          <a:stretch>
+            <a:fillRect/>
+          </a:stretch>
+        </p:blipFill>
+        <p:spPr>
+          <a:xfrm>
+            <a:off x="6602001" y="1251284"/>
+            <a:ext cx="4685124" cy="4876800"/>
+          </a:xfrm>
+          <a:prstGeom prst="rect">
+            <a:avLst/>
+          </a:prstGeom>
+        </p:spPr>
+      </p:pic>
     </p:spTree>
     <p:extLst>
       <p:ext uri="{BB962C8B-B14F-4D97-AF65-F5344CB8AC3E}">
-        <p14:creationId xmlns:p14="http://schemas.microsoft.com/office/powerpoint/2010/main" val="3977045273"/>
+        <p14:creationId xmlns:p14="http://schemas.microsoft.com/office/powerpoint/2010/main" val="821740354"/>
       </p:ext>
     </p:extLst>
   </p:cSld>
@@ -11384,10 +11384,10 @@
       </p:grpSpPr>
       <p:sp>
         <p:nvSpPr>
-          <p:cNvPr id="2" name="Espace réservé pour une image  1">
-            <a:extLst>
-              <a:ext uri="{FF2B5EF4-FFF2-40B4-BE49-F238E27FC236}">
-                <a16:creationId xmlns:a16="http://schemas.microsoft.com/office/drawing/2014/main" id="{CEE6C035-8F9A-9921-CAA9-48F1FAE17402}"/>
+          <p:cNvPr id="2" name="Titre 1">
+            <a:extLst>
+              <a:ext uri="{FF2B5EF4-FFF2-40B4-BE49-F238E27FC236}">
+                <a16:creationId xmlns:a16="http://schemas.microsoft.com/office/drawing/2014/main" id="{DBD23F23-EF92-2EE6-EED2-24F174401B9D}"/>
               </a:ext>
             </a:extLst>
           </p:cNvPr>
@@ -11395,17 +11395,45 @@
             <a:spLocks noGrp="1"/>
           </p:cNvSpPr>
           <p:nvPr>
-            <p:ph type="pic" sz="quarter" idx="10"/>
+            <p:ph type="title"/>
           </p:nvPr>
         </p:nvSpPr>
-        <p:spPr/>
-      </p:sp>
-      <p:sp>
-        <p:nvSpPr>
-          <p:cNvPr id="3" name="Titre 2">
-            <a:extLst>
-              <a:ext uri="{FF2B5EF4-FFF2-40B4-BE49-F238E27FC236}">
-                <a16:creationId xmlns:a16="http://schemas.microsoft.com/office/drawing/2014/main" id="{714EB4A1-F86C-D8B3-DB71-21F5533E4D96}"/>
+        <p:spPr>
+          <a:xfrm>
+            <a:off x="839788" y="457200"/>
+            <a:ext cx="4654925" cy="1600200"/>
+          </a:xfrm>
+        </p:spPr>
+        <p:txBody>
+          <a:bodyPr anchor="t">
+            <a:normAutofit/>
+          </a:bodyPr>
+          <a:lstStyle/>
+          <a:p>
+            <a:r>
+              <a:rPr lang="fr-FR" dirty="0"/>
+              <a:t>Gestion des accès à la salle</a:t>
+            </a:r>
+            <a:br>
+              <a:rPr lang="fr-FR" dirty="0"/>
+            </a:br>
+            <a:r>
+              <a:rPr lang="fr-FR" sz="2000" dirty="0"/>
+              <a:t>Récupération des paramètres biométrique </a:t>
+            </a:r>
+            <a:r>
+              <a:rPr lang="fr-FR" dirty="0"/>
+              <a:t> </a:t>
+            </a:r>
+          </a:p>
+        </p:txBody>
+      </p:sp>
+      <p:sp>
+        <p:nvSpPr>
+          <p:cNvPr id="3" name="Espace réservé du texte 2">
+            <a:extLst>
+              <a:ext uri="{FF2B5EF4-FFF2-40B4-BE49-F238E27FC236}">
+                <a16:creationId xmlns:a16="http://schemas.microsoft.com/office/drawing/2014/main" id="{070D4B8C-89A7-65B0-892A-D27A85A3C9A2}"/>
               </a:ext>
             </a:extLst>
           </p:cNvPr>
@@ -11413,47 +11441,83 @@
             <a:spLocks noGrp="1"/>
           </p:cNvSpPr>
           <p:nvPr>
-            <p:ph type="ctrTitle"/>
+            <p:ph type="body" sz="half" idx="2"/>
           </p:nvPr>
         </p:nvSpPr>
-        <p:spPr/>
+        <p:spPr>
+          <a:xfrm>
+            <a:off x="839788" y="1625138"/>
+            <a:ext cx="3932237" cy="432262"/>
+          </a:xfrm>
+        </p:spPr>
         <p:txBody>
           <a:bodyPr/>
           <a:lstStyle/>
           <a:p>
+            <a:r>
+              <a:rPr lang="fr-FR" dirty="0"/>
+              <a:t>Début du </a:t>
+            </a:r>
+            <a:r>
+              <a:rPr lang="fr-FR" dirty="0" err="1"/>
+              <a:t>stream</a:t>
+            </a:r>
             <a:endParaRPr lang="fr-FR" dirty="0"/>
           </a:p>
         </p:txBody>
       </p:sp>
-      <p:sp>
-        <p:nvSpPr>
-          <p:cNvPr id="4" name="Sous-titre 3">
-            <a:extLst>
-              <a:ext uri="{FF2B5EF4-FFF2-40B4-BE49-F238E27FC236}">
-                <a16:creationId xmlns:a16="http://schemas.microsoft.com/office/drawing/2014/main" id="{4282A136-35A6-F764-D70A-4C476EE04F11}"/>
-              </a:ext>
-            </a:extLst>
-          </p:cNvPr>
-          <p:cNvSpPr>
-            <a:spLocks noGrp="1"/>
-          </p:cNvSpPr>
-          <p:nvPr>
-            <p:ph type="subTitle" idx="1"/>
-          </p:nvPr>
-        </p:nvSpPr>
-        <p:spPr/>
-        <p:txBody>
-          <a:bodyPr/>
-          <a:lstStyle/>
-          <a:p>
-            <a:endParaRPr lang="fr-FR"/>
-          </a:p>
-        </p:txBody>
-      </p:sp>
+      <p:pic>
+        <p:nvPicPr>
+          <p:cNvPr id="7" name="Image 6"/>
+          <p:cNvPicPr>
+            <a:picLocks noChangeAspect="1"/>
+          </p:cNvPicPr>
+          <p:nvPr/>
+        </p:nvPicPr>
+        <p:blipFill>
+          <a:blip r:embed="rId2"/>
+          <a:stretch>
+            <a:fillRect/>
+          </a:stretch>
+        </p:blipFill>
+        <p:spPr>
+          <a:xfrm>
+            <a:off x="839788" y="2057401"/>
+            <a:ext cx="3932237" cy="4360082"/>
+          </a:xfrm>
+          <a:prstGeom prst="rect">
+            <a:avLst/>
+          </a:prstGeom>
+        </p:spPr>
+      </p:pic>
+      <p:pic>
+        <p:nvPicPr>
+          <p:cNvPr id="8" name="Image 7"/>
+          <p:cNvPicPr>
+            <a:picLocks noChangeAspect="1"/>
+          </p:cNvPicPr>
+          <p:nvPr/>
+        </p:nvPicPr>
+        <p:blipFill>
+          <a:blip r:embed="rId3"/>
+          <a:stretch>
+            <a:fillRect/>
+          </a:stretch>
+        </p:blipFill>
+        <p:spPr>
+          <a:xfrm>
+            <a:off x="6304547" y="1257300"/>
+            <a:ext cx="4348413" cy="4744697"/>
+          </a:xfrm>
+          <a:prstGeom prst="rect">
+            <a:avLst/>
+          </a:prstGeom>
+        </p:spPr>
+      </p:pic>
     </p:spTree>
     <p:extLst>
       <p:ext uri="{BB962C8B-B14F-4D97-AF65-F5344CB8AC3E}">
-        <p14:creationId xmlns:p14="http://schemas.microsoft.com/office/powerpoint/2010/main" val="3640759210"/>
+        <p14:creationId xmlns:p14="http://schemas.microsoft.com/office/powerpoint/2010/main" val="2131517895"/>
       </p:ext>
     </p:extLst>
   </p:cSld>
@@ -11480,6 +11544,552 @@
           <a:chExt cx="0" cy="0"/>
         </a:xfrm>
       </p:grpSpPr>
+      <p:sp>
+        <p:nvSpPr>
+          <p:cNvPr id="2" name="Titre 1">
+            <a:extLst>
+              <a:ext uri="{FF2B5EF4-FFF2-40B4-BE49-F238E27FC236}">
+                <a16:creationId xmlns:a16="http://schemas.microsoft.com/office/drawing/2014/main" id="{DBD23F23-EF92-2EE6-EED2-24F174401B9D}"/>
+              </a:ext>
+            </a:extLst>
+          </p:cNvPr>
+          <p:cNvSpPr>
+            <a:spLocks noGrp="1"/>
+          </p:cNvSpPr>
+          <p:nvPr>
+            <p:ph type="title"/>
+          </p:nvPr>
+        </p:nvSpPr>
+        <p:spPr>
+          <a:xfrm>
+            <a:off x="839788" y="457200"/>
+            <a:ext cx="4654925" cy="1600200"/>
+          </a:xfrm>
+        </p:spPr>
+        <p:txBody>
+          <a:bodyPr anchor="t">
+            <a:normAutofit/>
+          </a:bodyPr>
+          <a:lstStyle/>
+          <a:p>
+            <a:r>
+              <a:rPr lang="fr-FR" dirty="0"/>
+              <a:t>Gestion des accès à la salle</a:t>
+            </a:r>
+            <a:br>
+              <a:rPr lang="fr-FR" dirty="0"/>
+            </a:br>
+            <a:r>
+              <a:rPr lang="fr-FR" sz="2000" dirty="0"/>
+              <a:t>Récupération des paramètres biométrique </a:t>
+            </a:r>
+            <a:r>
+              <a:rPr lang="fr-FR" dirty="0"/>
+              <a:t> </a:t>
+            </a:r>
+          </a:p>
+        </p:txBody>
+      </p:sp>
+      <p:sp>
+        <p:nvSpPr>
+          <p:cNvPr id="3" name="Espace réservé du texte 2">
+            <a:extLst>
+              <a:ext uri="{FF2B5EF4-FFF2-40B4-BE49-F238E27FC236}">
+                <a16:creationId xmlns:a16="http://schemas.microsoft.com/office/drawing/2014/main" id="{070D4B8C-89A7-65B0-892A-D27A85A3C9A2}"/>
+              </a:ext>
+            </a:extLst>
+          </p:cNvPr>
+          <p:cNvSpPr>
+            <a:spLocks noGrp="1"/>
+          </p:cNvSpPr>
+          <p:nvPr>
+            <p:ph type="body" sz="half" idx="2"/>
+          </p:nvPr>
+        </p:nvSpPr>
+        <p:spPr>
+          <a:xfrm>
+            <a:off x="839788" y="1625138"/>
+            <a:ext cx="3932237" cy="432262"/>
+          </a:xfrm>
+        </p:spPr>
+        <p:txBody>
+          <a:bodyPr/>
+          <a:lstStyle/>
+          <a:p>
+            <a:r>
+              <a:rPr lang="fr-FR" dirty="0"/>
+              <a:t>Détection d’un visage</a:t>
+            </a:r>
+          </a:p>
+        </p:txBody>
+      </p:sp>
+      <p:pic>
+        <p:nvPicPr>
+          <p:cNvPr id="4" name="Image 3"/>
+          <p:cNvPicPr>
+            <a:picLocks noChangeAspect="1"/>
+          </p:cNvPicPr>
+          <p:nvPr/>
+        </p:nvPicPr>
+        <p:blipFill>
+          <a:blip r:embed="rId2"/>
+          <a:stretch>
+            <a:fillRect/>
+          </a:stretch>
+        </p:blipFill>
+        <p:spPr>
+          <a:xfrm>
+            <a:off x="839788" y="2556330"/>
+            <a:ext cx="6425470" cy="2817775"/>
+          </a:xfrm>
+          <a:prstGeom prst="rect">
+            <a:avLst/>
+          </a:prstGeom>
+        </p:spPr>
+      </p:pic>
+    </p:spTree>
+    <p:extLst>
+      <p:ext uri="{BB962C8B-B14F-4D97-AF65-F5344CB8AC3E}">
+        <p14:creationId xmlns:p14="http://schemas.microsoft.com/office/powerpoint/2010/main" val="232207055"/>
+      </p:ext>
+    </p:extLst>
+  </p:cSld>
+  <p:clrMapOvr>
+    <a:masterClrMapping/>
+  </p:clrMapOvr>
+</p:sld>
+</file>
+
+<file path=ppt/slides/slide17.xml><?xml version="1.0" encoding="utf-8"?>
+<p:sld xmlns:a="http://schemas.openxmlformats.org/drawingml/2006/main" xmlns:r="http://schemas.openxmlformats.org/officeDocument/2006/relationships" xmlns:p="http://schemas.openxmlformats.org/presentationml/2006/main">
+  <p:cSld>
+    <p:spTree>
+      <p:nvGrpSpPr>
+        <p:cNvPr id="1" name=""/>
+        <p:cNvGrpSpPr/>
+        <p:nvPr/>
+      </p:nvGrpSpPr>
+      <p:grpSpPr>
+        <a:xfrm>
+          <a:off x="0" y="0"/>
+          <a:ext cx="0" cy="0"/>
+          <a:chOff x="0" y="0"/>
+          <a:chExt cx="0" cy="0"/>
+        </a:xfrm>
+      </p:grpSpPr>
+      <p:sp>
+        <p:nvSpPr>
+          <p:cNvPr id="2" name="Titre 1">
+            <a:extLst>
+              <a:ext uri="{FF2B5EF4-FFF2-40B4-BE49-F238E27FC236}">
+                <a16:creationId xmlns:a16="http://schemas.microsoft.com/office/drawing/2014/main" id="{DBD23F23-EF92-2EE6-EED2-24F174401B9D}"/>
+              </a:ext>
+            </a:extLst>
+          </p:cNvPr>
+          <p:cNvSpPr>
+            <a:spLocks noGrp="1"/>
+          </p:cNvSpPr>
+          <p:nvPr>
+            <p:ph type="title"/>
+          </p:nvPr>
+        </p:nvSpPr>
+        <p:spPr>
+          <a:xfrm>
+            <a:off x="839788" y="457200"/>
+            <a:ext cx="5625180" cy="1600200"/>
+          </a:xfrm>
+        </p:spPr>
+        <p:txBody>
+          <a:bodyPr anchor="t">
+            <a:normAutofit/>
+          </a:bodyPr>
+          <a:lstStyle/>
+          <a:p>
+            <a:r>
+              <a:rPr lang="fr-FR" dirty="0"/>
+              <a:t>Gestion des accès à la salle</a:t>
+            </a:r>
+            <a:br>
+              <a:rPr lang="fr-FR" dirty="0"/>
+            </a:br>
+            <a:r>
+              <a:rPr lang="fr-FR" sz="2000" dirty="0"/>
+              <a:t>Les Défauts</a:t>
+            </a:r>
+          </a:p>
+        </p:txBody>
+      </p:sp>
+      <p:sp>
+        <p:nvSpPr>
+          <p:cNvPr id="6" name="Espace réservé du texte 2">
+            <a:extLst>
+              <a:ext uri="{FF2B5EF4-FFF2-40B4-BE49-F238E27FC236}">
+                <a16:creationId xmlns:a16="http://schemas.microsoft.com/office/drawing/2014/main" id="{070D4B8C-89A7-65B0-892A-D27A85A3C9A2}"/>
+              </a:ext>
+            </a:extLst>
+          </p:cNvPr>
+          <p:cNvSpPr txBox="1">
+            <a:spLocks/>
+          </p:cNvSpPr>
+          <p:nvPr/>
+        </p:nvSpPr>
+        <p:spPr>
+          <a:xfrm>
+            <a:off x="839788" y="2057400"/>
+            <a:ext cx="3932237" cy="3811588"/>
+          </a:xfrm>
+          <a:prstGeom prst="rect">
+            <a:avLst/>
+          </a:prstGeom>
+        </p:spPr>
+        <p:txBody>
+          <a:bodyPr vert="horz" lIns="91440" tIns="45720" rIns="91440" bIns="45720" rtlCol="0">
+            <a:normAutofit/>
+          </a:bodyPr>
+          <a:lstStyle>
+            <a:lvl1pPr marL="0" indent="0" algn="l" defTabSz="914400" rtl="0" eaLnBrk="1" latinLnBrk="0" hangingPunct="1">
+              <a:lnSpc>
+                <a:spcPct val="90000"/>
+              </a:lnSpc>
+              <a:spcBef>
+                <a:spcPts val="1000"/>
+              </a:spcBef>
+              <a:buFont typeface="Arial" panose="020B0604020202020204" pitchFamily="34" charset="0"/>
+              <a:buNone/>
+              <a:defRPr sz="1600" kern="1200">
+                <a:solidFill>
+                  <a:schemeClr val="tx1"/>
+                </a:solidFill>
+                <a:latin typeface="+mn-lt"/>
+                <a:ea typeface="+mn-ea"/>
+                <a:cs typeface="+mn-cs"/>
+              </a:defRPr>
+            </a:lvl1pPr>
+            <a:lvl2pPr marL="457200" indent="0" algn="l" defTabSz="914400" rtl="0" eaLnBrk="1" latinLnBrk="0" hangingPunct="1">
+              <a:lnSpc>
+                <a:spcPct val="90000"/>
+              </a:lnSpc>
+              <a:spcBef>
+                <a:spcPts val="500"/>
+              </a:spcBef>
+              <a:buFont typeface="Arial" panose="020B0604020202020204" pitchFamily="34" charset="0"/>
+              <a:buNone/>
+              <a:defRPr sz="1400" kern="1200">
+                <a:solidFill>
+                  <a:schemeClr val="tx1"/>
+                </a:solidFill>
+                <a:latin typeface="+mn-lt"/>
+                <a:ea typeface="+mn-ea"/>
+                <a:cs typeface="+mn-cs"/>
+              </a:defRPr>
+            </a:lvl2pPr>
+            <a:lvl3pPr marL="914400" indent="0" algn="l" defTabSz="914400" rtl="0" eaLnBrk="1" latinLnBrk="0" hangingPunct="1">
+              <a:lnSpc>
+                <a:spcPct val="90000"/>
+              </a:lnSpc>
+              <a:spcBef>
+                <a:spcPts val="500"/>
+              </a:spcBef>
+              <a:buFont typeface="Arial" panose="020B0604020202020204" pitchFamily="34" charset="0"/>
+              <a:buNone/>
+              <a:defRPr sz="1200" kern="1200">
+                <a:solidFill>
+                  <a:schemeClr val="tx1"/>
+                </a:solidFill>
+                <a:latin typeface="+mn-lt"/>
+                <a:ea typeface="+mn-ea"/>
+                <a:cs typeface="+mn-cs"/>
+              </a:defRPr>
+            </a:lvl3pPr>
+            <a:lvl4pPr marL="1371600" indent="0" algn="l" defTabSz="914400" rtl="0" eaLnBrk="1" latinLnBrk="0" hangingPunct="1">
+              <a:lnSpc>
+                <a:spcPct val="90000"/>
+              </a:lnSpc>
+              <a:spcBef>
+                <a:spcPts val="500"/>
+              </a:spcBef>
+              <a:buFont typeface="Arial" panose="020B0604020202020204" pitchFamily="34" charset="0"/>
+              <a:buNone/>
+              <a:defRPr sz="1000" kern="1200">
+                <a:solidFill>
+                  <a:schemeClr val="tx1"/>
+                </a:solidFill>
+                <a:latin typeface="+mn-lt"/>
+                <a:ea typeface="+mn-ea"/>
+                <a:cs typeface="+mn-cs"/>
+              </a:defRPr>
+            </a:lvl4pPr>
+            <a:lvl5pPr marL="1828800" indent="0" algn="l" defTabSz="914400" rtl="0" eaLnBrk="1" latinLnBrk="0" hangingPunct="1">
+              <a:lnSpc>
+                <a:spcPct val="90000"/>
+              </a:lnSpc>
+              <a:spcBef>
+                <a:spcPts val="500"/>
+              </a:spcBef>
+              <a:buFont typeface="Arial" panose="020B0604020202020204" pitchFamily="34" charset="0"/>
+              <a:buNone/>
+              <a:defRPr sz="1000" kern="1200">
+                <a:solidFill>
+                  <a:schemeClr val="tx1"/>
+                </a:solidFill>
+                <a:latin typeface="+mn-lt"/>
+                <a:ea typeface="+mn-ea"/>
+                <a:cs typeface="+mn-cs"/>
+              </a:defRPr>
+            </a:lvl5pPr>
+            <a:lvl6pPr marL="2286000" indent="0" algn="l" defTabSz="914400" rtl="0" eaLnBrk="1" latinLnBrk="0" hangingPunct="1">
+              <a:lnSpc>
+                <a:spcPct val="90000"/>
+              </a:lnSpc>
+              <a:spcBef>
+                <a:spcPts val="500"/>
+              </a:spcBef>
+              <a:buFont typeface="Arial" panose="020B0604020202020204" pitchFamily="34" charset="0"/>
+              <a:buNone/>
+              <a:defRPr sz="1000" kern="1200">
+                <a:solidFill>
+                  <a:schemeClr val="tx1"/>
+                </a:solidFill>
+                <a:latin typeface="+mn-lt"/>
+                <a:ea typeface="+mn-ea"/>
+                <a:cs typeface="+mn-cs"/>
+              </a:defRPr>
+            </a:lvl6pPr>
+            <a:lvl7pPr marL="2743200" indent="0" algn="l" defTabSz="914400" rtl="0" eaLnBrk="1" latinLnBrk="0" hangingPunct="1">
+              <a:lnSpc>
+                <a:spcPct val="90000"/>
+              </a:lnSpc>
+              <a:spcBef>
+                <a:spcPts val="500"/>
+              </a:spcBef>
+              <a:buFont typeface="Arial" panose="020B0604020202020204" pitchFamily="34" charset="0"/>
+              <a:buNone/>
+              <a:defRPr sz="1000" kern="1200">
+                <a:solidFill>
+                  <a:schemeClr val="tx1"/>
+                </a:solidFill>
+                <a:latin typeface="+mn-lt"/>
+                <a:ea typeface="+mn-ea"/>
+                <a:cs typeface="+mn-cs"/>
+              </a:defRPr>
+            </a:lvl7pPr>
+            <a:lvl8pPr marL="3200400" indent="0" algn="l" defTabSz="914400" rtl="0" eaLnBrk="1" latinLnBrk="0" hangingPunct="1">
+              <a:lnSpc>
+                <a:spcPct val="90000"/>
+              </a:lnSpc>
+              <a:spcBef>
+                <a:spcPts val="500"/>
+              </a:spcBef>
+              <a:buFont typeface="Arial" panose="020B0604020202020204" pitchFamily="34" charset="0"/>
+              <a:buNone/>
+              <a:defRPr sz="1000" kern="1200">
+                <a:solidFill>
+                  <a:schemeClr val="tx1"/>
+                </a:solidFill>
+                <a:latin typeface="+mn-lt"/>
+                <a:ea typeface="+mn-ea"/>
+                <a:cs typeface="+mn-cs"/>
+              </a:defRPr>
+            </a:lvl8pPr>
+            <a:lvl9pPr marL="3657600" indent="0" algn="l" defTabSz="914400" rtl="0" eaLnBrk="1" latinLnBrk="0" hangingPunct="1">
+              <a:lnSpc>
+                <a:spcPct val="90000"/>
+              </a:lnSpc>
+              <a:spcBef>
+                <a:spcPts val="500"/>
+              </a:spcBef>
+              <a:buFont typeface="Arial" panose="020B0604020202020204" pitchFamily="34" charset="0"/>
+              <a:buNone/>
+              <a:defRPr sz="1000" kern="1200">
+                <a:solidFill>
+                  <a:schemeClr val="tx1"/>
+                </a:solidFill>
+                <a:latin typeface="+mn-lt"/>
+                <a:ea typeface="+mn-ea"/>
+                <a:cs typeface="+mn-cs"/>
+              </a:defRPr>
+            </a:lvl9pPr>
+          </a:lstStyle>
+          <a:p>
+            <a:pPr marL="285750" indent="-285750">
+              <a:buFont typeface="Arial" panose="020B0604020202020204" pitchFamily="34" charset="0"/>
+              <a:buChar char="•"/>
+            </a:pPr>
+            <a:r>
+              <a:rPr lang="fr-FR" dirty="0"/>
+              <a:t>Le </a:t>
+            </a:r>
+            <a:r>
+              <a:rPr lang="fr-FR" dirty="0" err="1"/>
+              <a:t>stream</a:t>
+            </a:r>
+            <a:r>
+              <a:rPr lang="fr-FR" dirty="0"/>
+              <a:t> </a:t>
+            </a:r>
+            <a:r>
+              <a:rPr lang="fr-FR" dirty="0" err="1"/>
+              <a:t>freeze</a:t>
+            </a:r>
+            <a:r>
+              <a:rPr lang="fr-FR" dirty="0"/>
+              <a:t> lorsque qu’un visage est détecté </a:t>
+            </a:r>
+          </a:p>
+          <a:p>
+            <a:pPr marL="285750" indent="-285750">
+              <a:buFont typeface="Arial" panose="020B0604020202020204" pitchFamily="34" charset="0"/>
+              <a:buChar char="•"/>
+            </a:pPr>
+            <a:r>
+              <a:rPr lang="fr-FR" dirty="0"/>
+              <a:t>Impossibilité d’enregistrer un visage</a:t>
+            </a:r>
+          </a:p>
+          <a:p>
+            <a:pPr marL="285750" indent="-285750">
+              <a:buFont typeface="Arial" panose="020B0604020202020204" pitchFamily="34" charset="0"/>
+              <a:buChar char="•"/>
+            </a:pPr>
+            <a:endParaRPr lang="fr-FR" dirty="0"/>
+          </a:p>
+          <a:p>
+            <a:pPr marL="285750" indent="-285750">
+              <a:buFont typeface="Arial" panose="020B0604020202020204" pitchFamily="34" charset="0"/>
+              <a:buChar char="•"/>
+            </a:pPr>
+            <a:endParaRPr lang="fr-FR" dirty="0"/>
+          </a:p>
+        </p:txBody>
+      </p:sp>
+    </p:spTree>
+    <p:extLst>
+      <p:ext uri="{BB962C8B-B14F-4D97-AF65-F5344CB8AC3E}">
+        <p14:creationId xmlns:p14="http://schemas.microsoft.com/office/powerpoint/2010/main" val="3977045273"/>
+      </p:ext>
+    </p:extLst>
+  </p:cSld>
+  <p:clrMapOvr>
+    <a:masterClrMapping/>
+  </p:clrMapOvr>
+</p:sld>
+</file>
+
+<file path=ppt/slides/slide18.xml><?xml version="1.0" encoding="utf-8"?>
+<p:sld xmlns:a="http://schemas.openxmlformats.org/drawingml/2006/main" xmlns:r="http://schemas.openxmlformats.org/officeDocument/2006/relationships" xmlns:p="http://schemas.openxmlformats.org/presentationml/2006/main">
+  <p:cSld>
+    <p:spTree>
+      <p:nvGrpSpPr>
+        <p:cNvPr id="1" name=""/>
+        <p:cNvGrpSpPr/>
+        <p:nvPr/>
+      </p:nvGrpSpPr>
+      <p:grpSpPr>
+        <a:xfrm>
+          <a:off x="0" y="0"/>
+          <a:ext cx="0" cy="0"/>
+          <a:chOff x="0" y="0"/>
+          <a:chExt cx="0" cy="0"/>
+        </a:xfrm>
+      </p:grpSpPr>
+      <p:sp>
+        <p:nvSpPr>
+          <p:cNvPr id="2" name="Espace réservé pour une image  1">
+            <a:extLst>
+              <a:ext uri="{FF2B5EF4-FFF2-40B4-BE49-F238E27FC236}">
+                <a16:creationId xmlns:a16="http://schemas.microsoft.com/office/drawing/2014/main" id="{CEE6C035-8F9A-9921-CAA9-48F1FAE17402}"/>
+              </a:ext>
+            </a:extLst>
+          </p:cNvPr>
+          <p:cNvSpPr>
+            <a:spLocks noGrp="1"/>
+          </p:cNvSpPr>
+          <p:nvPr>
+            <p:ph type="pic" sz="quarter" idx="10"/>
+          </p:nvPr>
+        </p:nvSpPr>
+        <p:spPr/>
+      </p:sp>
+      <p:sp>
+        <p:nvSpPr>
+          <p:cNvPr id="3" name="Titre 2">
+            <a:extLst>
+              <a:ext uri="{FF2B5EF4-FFF2-40B4-BE49-F238E27FC236}">
+                <a16:creationId xmlns:a16="http://schemas.microsoft.com/office/drawing/2014/main" id="{714EB4A1-F86C-D8B3-DB71-21F5533E4D96}"/>
+              </a:ext>
+            </a:extLst>
+          </p:cNvPr>
+          <p:cNvSpPr>
+            <a:spLocks noGrp="1"/>
+          </p:cNvSpPr>
+          <p:nvPr>
+            <p:ph type="ctrTitle"/>
+          </p:nvPr>
+        </p:nvSpPr>
+        <p:spPr/>
+        <p:txBody>
+          <a:bodyPr/>
+          <a:lstStyle/>
+          <a:p>
+            <a:endParaRPr lang="fr-FR" dirty="0"/>
+          </a:p>
+        </p:txBody>
+      </p:sp>
+      <p:sp>
+        <p:nvSpPr>
+          <p:cNvPr id="4" name="Sous-titre 3">
+            <a:extLst>
+              <a:ext uri="{FF2B5EF4-FFF2-40B4-BE49-F238E27FC236}">
+                <a16:creationId xmlns:a16="http://schemas.microsoft.com/office/drawing/2014/main" id="{4282A136-35A6-F764-D70A-4C476EE04F11}"/>
+              </a:ext>
+            </a:extLst>
+          </p:cNvPr>
+          <p:cNvSpPr>
+            <a:spLocks noGrp="1"/>
+          </p:cNvSpPr>
+          <p:nvPr>
+            <p:ph type="subTitle" idx="1"/>
+          </p:nvPr>
+        </p:nvSpPr>
+        <p:spPr/>
+        <p:txBody>
+          <a:bodyPr/>
+          <a:lstStyle/>
+          <a:p>
+            <a:endParaRPr lang="fr-FR"/>
+          </a:p>
+        </p:txBody>
+      </p:sp>
+    </p:spTree>
+    <p:extLst>
+      <p:ext uri="{BB962C8B-B14F-4D97-AF65-F5344CB8AC3E}">
+        <p14:creationId xmlns:p14="http://schemas.microsoft.com/office/powerpoint/2010/main" val="3640759210"/>
+      </p:ext>
+    </p:extLst>
+  </p:cSld>
+  <p:clrMapOvr>
+    <a:masterClrMapping/>
+  </p:clrMapOvr>
+</p:sld>
+</file>
+
+<file path=ppt/slides/slide19.xml><?xml version="1.0" encoding="utf-8"?>
+<p:sld xmlns:a="http://schemas.openxmlformats.org/drawingml/2006/main" xmlns:r="http://schemas.openxmlformats.org/officeDocument/2006/relationships" xmlns:p="http://schemas.openxmlformats.org/presentationml/2006/main">
+  <p:cSld>
+    <p:spTree>
+      <p:nvGrpSpPr>
+        <p:cNvPr id="1" name=""/>
+        <p:cNvGrpSpPr/>
+        <p:nvPr/>
+      </p:nvGrpSpPr>
+      <p:grpSpPr>
+        <a:xfrm>
+          <a:off x="0" y="0"/>
+          <a:ext cx="0" cy="0"/>
+          <a:chOff x="0" y="0"/>
+          <a:chExt cx="0" cy="0"/>
+        </a:xfrm>
+      </p:grpSpPr>
       <p:pic>
         <p:nvPicPr>
           <p:cNvPr id="6" name="Espace réservé d’image 5" descr="Un groupe de personnes assises autour d’une table en bois&#10;">
@@ -11522,7 +12132,7 @@
                 <a16:creationId xmlns:a16="http://schemas.microsoft.com/office/drawing/2014/main" id="{31664CF3-C0D1-4769-8E59-8694AF07951A}"/>
               </a:ext>
               <a:ext uri="{C183D7F6-B498-43B3-948B-1728B52AA6E4}">
-                <adec:decorative xmlns:adec="http://schemas.microsoft.com/office/drawing/2017/decorative" xmlns="" val="1"/>
+                <adec:decorative xmlns:adec="http://schemas.microsoft.com/office/drawing/2017/decorative" val="1"/>
               </a:ext>
             </a:extLst>
           </p:cNvPr>
@@ -11579,7 +12189,7 @@
                 <a16:creationId xmlns:a16="http://schemas.microsoft.com/office/drawing/2014/main" id="{F5325EDA-7343-463C-83EC-5D799E8B8195}"/>
               </a:ext>
               <a:ext uri="{C183D7F6-B498-43B3-948B-1728B52AA6E4}">
-                <adec:decorative xmlns:adec="http://schemas.microsoft.com/office/drawing/2017/decorative" xmlns="" val="1"/>
+                <adec:decorative xmlns:adec="http://schemas.microsoft.com/office/drawing/2017/decorative" val="1"/>
               </a:ext>
             </a:extLst>
           </p:cNvPr>
@@ -12136,7 +12746,7 @@
             <a:fld id="{817179DE-9BF3-494C-804F-0C7C90AC8700}" type="slidenum">
               <a:rPr lang="fr-FR" noProof="0" smtClean="0"/>
               <a:pPr algn="ctr" rtl="0"/>
-              <a:t>16</a:t>
+              <a:t>19</a:t>
             </a:fld>
             <a:endParaRPr lang="fr-FR" noProof="0"/>
           </a:p>
@@ -12146,114 +12756,6 @@
     <p:extLst>
       <p:ext uri="{BB962C8B-B14F-4D97-AF65-F5344CB8AC3E}">
         <p14:creationId xmlns:p14="http://schemas.microsoft.com/office/powerpoint/2010/main" val="2674200297"/>
-      </p:ext>
-    </p:extLst>
-  </p:cSld>
-  <p:clrMapOvr>
-    <a:masterClrMapping/>
-  </p:clrMapOvr>
-</p:sld>
-</file>
-
-<file path=ppt/slides/slide17.xml><?xml version="1.0" encoding="utf-8"?>
-<p:sld xmlns:a="http://schemas.openxmlformats.org/drawingml/2006/main" xmlns:r="http://schemas.openxmlformats.org/officeDocument/2006/relationships" xmlns:p="http://schemas.openxmlformats.org/presentationml/2006/main">
-  <p:cSld>
-    <p:spTree>
-      <p:nvGrpSpPr>
-        <p:cNvPr id="1" name=""/>
-        <p:cNvGrpSpPr/>
-        <p:nvPr/>
-      </p:nvGrpSpPr>
-      <p:grpSpPr>
-        <a:xfrm>
-          <a:off x="0" y="0"/>
-          <a:ext cx="0" cy="0"/>
-          <a:chOff x="0" y="0"/>
-          <a:chExt cx="0" cy="0"/>
-        </a:xfrm>
-      </p:grpSpPr>
-      <p:sp>
-        <p:nvSpPr>
-          <p:cNvPr id="4" name="Titre 3">
-            <a:extLst>
-              <a:ext uri="{FF2B5EF4-FFF2-40B4-BE49-F238E27FC236}">
-                <a16:creationId xmlns:a16="http://schemas.microsoft.com/office/drawing/2014/main" id="{E98DCA46-603B-4178-8707-30E192CE6B8D}"/>
-              </a:ext>
-            </a:extLst>
-          </p:cNvPr>
-          <p:cNvSpPr>
-            <a:spLocks noGrp="1"/>
-          </p:cNvSpPr>
-          <p:nvPr>
-            <p:ph type="title"/>
-          </p:nvPr>
-        </p:nvSpPr>
-        <p:spPr/>
-        <p:txBody>
-          <a:bodyPr rtlCol="0"/>
-          <a:lstStyle/>
-          <a:p>
-            <a:pPr rtl="0"/>
-            <a:r>
-              <a:rPr lang="fr-FR"/>
-              <a:t>Personnaliser</a:t>
-            </a:r>
-            <a:r>
-              <a:rPr lang="fr-FR" i="1"/>
-              <a:t> </a:t>
-            </a:r>
-            <a:r>
-              <a:rPr lang="fr-FR"/>
-              <a:t>ce modèle</a:t>
-            </a:r>
-          </a:p>
-        </p:txBody>
-      </p:sp>
-      <p:sp>
-        <p:nvSpPr>
-          <p:cNvPr id="8" name="Zone de texte 7">
-            <a:hlinkClick r:id="rId3"/>
-            <a:extLst>
-              <a:ext uri="{FF2B5EF4-FFF2-40B4-BE49-F238E27FC236}">
-                <a16:creationId xmlns:a16="http://schemas.microsoft.com/office/drawing/2014/main" id="{5FC6C278-4035-446A-A94B-030E792FDDF5}"/>
-              </a:ext>
-            </a:extLst>
-          </p:cNvPr>
-          <p:cNvSpPr txBox="1"/>
-          <p:nvPr/>
-        </p:nvSpPr>
-        <p:spPr>
-          <a:xfrm>
-            <a:off x="1547813" y="2459504"/>
-            <a:ext cx="9096374" cy="3477875"/>
-          </a:xfrm>
-          <a:prstGeom prst="rect">
-            <a:avLst/>
-          </a:prstGeom>
-          <a:noFill/>
-        </p:spPr>
-        <p:txBody>
-          <a:bodyPr wrap="square" rtlCol="0">
-            <a:spAutoFit/>
-          </a:bodyPr>
-          <a:lstStyle/>
-          <a:p>
-            <a:pPr algn="ctr" rtl="0"/>
-            <a:r>
-              <a:rPr lang="fr-FR" sz="5500" u="sng" dirty="0">
-                <a:solidFill>
-                  <a:srgbClr val="0070C0"/>
-                </a:solidFill>
-              </a:rPr>
-              <a:t>Cliquez ici pour découvrir comment modifier ce modèle et nous communiquer vos commentaires</a:t>
-            </a:r>
-          </a:p>
-        </p:txBody>
-      </p:sp>
-    </p:spTree>
-    <p:extLst>
-      <p:ext uri="{BB962C8B-B14F-4D97-AF65-F5344CB8AC3E}">
-        <p14:creationId xmlns:p14="http://schemas.microsoft.com/office/powerpoint/2010/main" val="59582380"/>
       </p:ext>
     </p:extLst>
   </p:cSld>
@@ -12422,6 +12924,114 @@
     <p:extLst>
       <p:ext uri="{BB962C8B-B14F-4D97-AF65-F5344CB8AC3E}">
         <p14:creationId xmlns:p14="http://schemas.microsoft.com/office/powerpoint/2010/main" val="2424550590"/>
+      </p:ext>
+    </p:extLst>
+  </p:cSld>
+  <p:clrMapOvr>
+    <a:masterClrMapping/>
+  </p:clrMapOvr>
+</p:sld>
+</file>
+
+<file path=ppt/slides/slide20.xml><?xml version="1.0" encoding="utf-8"?>
+<p:sld xmlns:a="http://schemas.openxmlformats.org/drawingml/2006/main" xmlns:r="http://schemas.openxmlformats.org/officeDocument/2006/relationships" xmlns:p="http://schemas.openxmlformats.org/presentationml/2006/main">
+  <p:cSld>
+    <p:spTree>
+      <p:nvGrpSpPr>
+        <p:cNvPr id="1" name=""/>
+        <p:cNvGrpSpPr/>
+        <p:nvPr/>
+      </p:nvGrpSpPr>
+      <p:grpSpPr>
+        <a:xfrm>
+          <a:off x="0" y="0"/>
+          <a:ext cx="0" cy="0"/>
+          <a:chOff x="0" y="0"/>
+          <a:chExt cx="0" cy="0"/>
+        </a:xfrm>
+      </p:grpSpPr>
+      <p:sp>
+        <p:nvSpPr>
+          <p:cNvPr id="4" name="Titre 3">
+            <a:extLst>
+              <a:ext uri="{FF2B5EF4-FFF2-40B4-BE49-F238E27FC236}">
+                <a16:creationId xmlns:a16="http://schemas.microsoft.com/office/drawing/2014/main" id="{E98DCA46-603B-4178-8707-30E192CE6B8D}"/>
+              </a:ext>
+            </a:extLst>
+          </p:cNvPr>
+          <p:cNvSpPr>
+            <a:spLocks noGrp="1"/>
+          </p:cNvSpPr>
+          <p:nvPr>
+            <p:ph type="title"/>
+          </p:nvPr>
+        </p:nvSpPr>
+        <p:spPr/>
+        <p:txBody>
+          <a:bodyPr rtlCol="0"/>
+          <a:lstStyle/>
+          <a:p>
+            <a:pPr rtl="0"/>
+            <a:r>
+              <a:rPr lang="fr-FR"/>
+              <a:t>Personnaliser</a:t>
+            </a:r>
+            <a:r>
+              <a:rPr lang="fr-FR" i="1"/>
+              <a:t> </a:t>
+            </a:r>
+            <a:r>
+              <a:rPr lang="fr-FR"/>
+              <a:t>ce modèle</a:t>
+            </a:r>
+          </a:p>
+        </p:txBody>
+      </p:sp>
+      <p:sp>
+        <p:nvSpPr>
+          <p:cNvPr id="8" name="Zone de texte 7">
+            <a:hlinkClick r:id="rId3"/>
+            <a:extLst>
+              <a:ext uri="{FF2B5EF4-FFF2-40B4-BE49-F238E27FC236}">
+                <a16:creationId xmlns:a16="http://schemas.microsoft.com/office/drawing/2014/main" id="{5FC6C278-4035-446A-A94B-030E792FDDF5}"/>
+              </a:ext>
+            </a:extLst>
+          </p:cNvPr>
+          <p:cNvSpPr txBox="1"/>
+          <p:nvPr/>
+        </p:nvSpPr>
+        <p:spPr>
+          <a:xfrm>
+            <a:off x="1547813" y="2459504"/>
+            <a:ext cx="9096374" cy="3477875"/>
+          </a:xfrm>
+          <a:prstGeom prst="rect">
+            <a:avLst/>
+          </a:prstGeom>
+          <a:noFill/>
+        </p:spPr>
+        <p:txBody>
+          <a:bodyPr wrap="square" rtlCol="0">
+            <a:spAutoFit/>
+          </a:bodyPr>
+          <a:lstStyle/>
+          <a:p>
+            <a:pPr algn="ctr" rtl="0"/>
+            <a:r>
+              <a:rPr lang="fr-FR" sz="5500" u="sng" dirty="0">
+                <a:solidFill>
+                  <a:srgbClr val="0070C0"/>
+                </a:solidFill>
+              </a:rPr>
+              <a:t>Cliquez ici pour découvrir comment modifier ce modèle et nous communiquer vos commentaires</a:t>
+            </a:r>
+          </a:p>
+        </p:txBody>
+      </p:sp>
+    </p:spTree>
+    <p:extLst>
+      <p:ext uri="{BB962C8B-B14F-4D97-AF65-F5344CB8AC3E}">
+        <p14:creationId xmlns:p14="http://schemas.microsoft.com/office/powerpoint/2010/main" val="59582380"/>
       </p:ext>
     </p:extLst>
   </p:cSld>
@@ -12484,7 +13094,7 @@
                 <a16:creationId xmlns:a16="http://schemas.microsoft.com/office/drawing/2014/main" id="{AB025618-C830-4992-9CD3-D9E49BC79E67}"/>
               </a:ext>
               <a:ext uri="{C183D7F6-B498-43B3-948B-1728B52AA6E4}">
-                <adec:decorative xmlns:adec="http://schemas.microsoft.com/office/drawing/2017/decorative" xmlns="" val="1"/>
+                <adec:decorative xmlns:adec="http://schemas.microsoft.com/office/drawing/2017/decorative" val="1"/>
               </a:ext>
             </a:extLst>
           </p:cNvPr>
@@ -12711,7 +13321,7 @@
           <a:blip r:embed="rId4">
             <a:extLst>
               <a:ext uri="{96DAC541-7B7A-43D3-8B79-37D633B846F1}">
-                <asvg:svgBlip xmlns:asvg="http://schemas.microsoft.com/office/drawing/2016/SVG/main" xmlns="" r:embed="rId5"/>
+                <asvg:svgBlip xmlns:asvg="http://schemas.microsoft.com/office/drawing/2016/SVG/main" r:embed="rId5"/>
               </a:ext>
             </a:extLst>
           </a:blip>
@@ -12815,7 +13425,7 @@
           <a:blip r:embed="rId6">
             <a:extLst>
               <a:ext uri="{96DAC541-7B7A-43D3-8B79-37D633B846F1}">
-                <asvg:svgBlip xmlns:asvg="http://schemas.microsoft.com/office/drawing/2016/SVG/main" xmlns="" r:embed="rId7"/>
+                <asvg:svgBlip xmlns:asvg="http://schemas.microsoft.com/office/drawing/2016/SVG/main" r:embed="rId7"/>
               </a:ext>
             </a:extLst>
           </a:blip>
@@ -12837,7 +13447,7 @@
                 <a16:creationId xmlns:a16="http://schemas.microsoft.com/office/drawing/2014/main" id="{C862BC4D-BD7A-417E-A34A-59CE4D4A6AC8}"/>
               </a:ext>
               <a:ext uri="{C183D7F6-B498-43B3-948B-1728B52AA6E4}">
-                <adec:decorative xmlns:adec="http://schemas.microsoft.com/office/drawing/2017/decorative" xmlns="" val="1"/>
+                <adec:decorative xmlns:adec="http://schemas.microsoft.com/office/drawing/2017/decorative" val="1"/>
               </a:ext>
             </a:extLst>
           </p:cNvPr>
@@ -12894,7 +13504,7 @@
                 <a16:creationId xmlns:a16="http://schemas.microsoft.com/office/drawing/2014/main" id="{652937FB-CDE3-46B3-8481-AB5DB8C4BABA}"/>
               </a:ext>
               <a:ext uri="{C183D7F6-B498-43B3-948B-1728B52AA6E4}">
-                <adec:decorative xmlns:adec="http://schemas.microsoft.com/office/drawing/2017/decorative" xmlns="" val="1"/>
+                <adec:decorative xmlns:adec="http://schemas.microsoft.com/office/drawing/2017/decorative" val="1"/>
               </a:ext>
             </a:extLst>
           </p:cNvPr>
@@ -12951,7 +13561,7 @@
                 <a16:creationId xmlns:a16="http://schemas.microsoft.com/office/drawing/2014/main" id="{11457662-C1A5-4B93-8E30-88025E27C462}"/>
               </a:ext>
               <a:ext uri="{C183D7F6-B498-43B3-948B-1728B52AA6E4}">
-                <adec:decorative xmlns:adec="http://schemas.microsoft.com/office/drawing/2017/decorative" xmlns="" val="0"/>
+                <adec:decorative xmlns:adec="http://schemas.microsoft.com/office/drawing/2017/decorative" val="0"/>
               </a:ext>
             </a:extLst>
           </p:cNvPr>
@@ -13136,7 +13746,7 @@
           <a:blip r:embed="rId8">
             <a:extLst>
               <a:ext uri="{96DAC541-7B7A-43D3-8B79-37D633B846F1}">
-                <asvg:svgBlip xmlns:asvg="http://schemas.microsoft.com/office/drawing/2016/SVG/main" xmlns="" r:embed="rId9"/>
+                <asvg:svgBlip xmlns:asvg="http://schemas.microsoft.com/office/drawing/2016/SVG/main" r:embed="rId9"/>
               </a:ext>
             </a:extLst>
           </a:blip>
@@ -13225,7 +13835,7 @@
                 <a16:creationId xmlns:a16="http://schemas.microsoft.com/office/drawing/2014/main" id="{AB025618-C830-4992-9CD3-D9E49BC79E67}"/>
               </a:ext>
               <a:ext uri="{C183D7F6-B498-43B3-948B-1728B52AA6E4}">
-                <adec:decorative xmlns:adec="http://schemas.microsoft.com/office/drawing/2017/decorative" xmlns="" val="1"/>
+                <adec:decorative xmlns:adec="http://schemas.microsoft.com/office/drawing/2017/decorative" val="1"/>
               </a:ext>
             </a:extLst>
           </p:cNvPr>
@@ -13356,7 +13966,7 @@
                   <a16:creationId xmlns:a16="http://schemas.microsoft.com/office/drawing/2014/main" id="{0051AD99-BC4A-487F-BE1C-486FC5B8E9F2}"/>
                 </a:ext>
                 <a:ext uri="{C183D7F6-B498-43B3-948B-1728B52AA6E4}">
-                  <adec:decorative xmlns:adec="http://schemas.microsoft.com/office/drawing/2017/decorative" xmlns="" val="1"/>
+                  <adec:decorative xmlns:adec="http://schemas.microsoft.com/office/drawing/2017/decorative" val="1"/>
                 </a:ext>
               </a:extLst>
             </p:cNvPr>
@@ -13507,7 +14117,7 @@
                 <a16:creationId xmlns:a16="http://schemas.microsoft.com/office/drawing/2014/main" id="{C862BC4D-BD7A-417E-A34A-59CE4D4A6AC8}"/>
               </a:ext>
               <a:ext uri="{C183D7F6-B498-43B3-948B-1728B52AA6E4}">
-                <adec:decorative xmlns:adec="http://schemas.microsoft.com/office/drawing/2017/decorative" xmlns="" val="1"/>
+                <adec:decorative xmlns:adec="http://schemas.microsoft.com/office/drawing/2017/decorative" val="1"/>
               </a:ext>
             </a:extLst>
           </p:cNvPr>
@@ -13564,7 +14174,7 @@
                 <a16:creationId xmlns:a16="http://schemas.microsoft.com/office/drawing/2014/main" id="{652937FB-CDE3-46B3-8481-AB5DB8C4BABA}"/>
               </a:ext>
               <a:ext uri="{C183D7F6-B498-43B3-948B-1728B52AA6E4}">
-                <adec:decorative xmlns:adec="http://schemas.microsoft.com/office/drawing/2017/decorative" xmlns="" val="1"/>
+                <adec:decorative xmlns:adec="http://schemas.microsoft.com/office/drawing/2017/decorative" val="1"/>
               </a:ext>
             </a:extLst>
           </p:cNvPr>
@@ -13621,7 +14231,7 @@
                 <a16:creationId xmlns:a16="http://schemas.microsoft.com/office/drawing/2014/main" id="{79161314-0A22-4109-A2B1-41E87EFE1E18}"/>
               </a:ext>
               <a:ext uri="{C183D7F6-B498-43B3-948B-1728B52AA6E4}">
-                <adec:decorative xmlns:adec="http://schemas.microsoft.com/office/drawing/2017/decorative" xmlns="" val="0"/>
+                <adec:decorative xmlns:adec="http://schemas.microsoft.com/office/drawing/2017/decorative" val="0"/>
               </a:ext>
             </a:extLst>
           </p:cNvPr>
@@ -14211,78 +14821,10 @@
       </p:grpSpPr>
       <p:sp>
         <p:nvSpPr>
-          <p:cNvPr id="2" name="Espace réservé pour une image  1">
-            <a:extLst>
-              <a:ext uri="{FF2B5EF4-FFF2-40B4-BE49-F238E27FC236}">
-                <a16:creationId xmlns:a16="http://schemas.microsoft.com/office/drawing/2014/main" id="{FA283945-DC34-25C9-31D8-5678CB8A2EC3}"/>
-              </a:ext>
-            </a:extLst>
-          </p:cNvPr>
-          <p:cNvSpPr>
-            <a:spLocks noGrp="1"/>
-          </p:cNvSpPr>
-          <p:nvPr>
-            <p:ph type="pic" sz="quarter" idx="10"/>
-          </p:nvPr>
-        </p:nvSpPr>
-        <p:spPr/>
-      </p:sp>
-      <p:sp>
-        <p:nvSpPr>
-          <p:cNvPr id="3" name="Espace réservé du texte 2">
-            <a:extLst>
-              <a:ext uri="{FF2B5EF4-FFF2-40B4-BE49-F238E27FC236}">
-                <a16:creationId xmlns:a16="http://schemas.microsoft.com/office/drawing/2014/main" id="{F3D260B0-11FF-6B72-4583-59B773E8DC9C}"/>
-              </a:ext>
-            </a:extLst>
-          </p:cNvPr>
-          <p:cNvSpPr>
-            <a:spLocks noGrp="1"/>
-          </p:cNvSpPr>
-          <p:nvPr>
-            <p:ph type="body" sz="quarter" idx="12"/>
-          </p:nvPr>
-        </p:nvSpPr>
-        <p:spPr/>
-        <p:txBody>
-          <a:bodyPr/>
-          <a:lstStyle/>
-          <a:p>
-            <a:endParaRPr lang="fr-FR"/>
-          </a:p>
-        </p:txBody>
-      </p:sp>
-      <p:sp>
-        <p:nvSpPr>
-          <p:cNvPr id="4" name="Espace réservé du texte 3">
-            <a:extLst>
-              <a:ext uri="{FF2B5EF4-FFF2-40B4-BE49-F238E27FC236}">
-                <a16:creationId xmlns:a16="http://schemas.microsoft.com/office/drawing/2014/main" id="{61CEC20E-F9D6-D5E0-8EFE-06277B8EA0B4}"/>
-              </a:ext>
-            </a:extLst>
-          </p:cNvPr>
-          <p:cNvSpPr>
-            <a:spLocks noGrp="1"/>
-          </p:cNvSpPr>
-          <p:nvPr>
-            <p:ph type="body" sz="quarter" idx="11"/>
-          </p:nvPr>
-        </p:nvSpPr>
-        <p:spPr/>
-        <p:txBody>
-          <a:bodyPr/>
-          <a:lstStyle/>
-          <a:p>
-            <a:endParaRPr lang="fr-FR"/>
-          </a:p>
-        </p:txBody>
-      </p:sp>
-      <p:sp>
-        <p:nvSpPr>
-          <p:cNvPr id="5" name="Titre 4">
-            <a:extLst>
-              <a:ext uri="{FF2B5EF4-FFF2-40B4-BE49-F238E27FC236}">
-                <a16:creationId xmlns:a16="http://schemas.microsoft.com/office/drawing/2014/main" id="{7BC74D96-20AD-411A-6EC2-B30B1CA4C432}"/>
+          <p:cNvPr id="2" name="Titre 1">
+            <a:extLst>
+              <a:ext uri="{FF2B5EF4-FFF2-40B4-BE49-F238E27FC236}">
+                <a16:creationId xmlns:a16="http://schemas.microsoft.com/office/drawing/2014/main" id="{8F72320B-6C98-8F43-BB51-A1C8DC23BBA8}"/>
               </a:ext>
             </a:extLst>
           </p:cNvPr>
@@ -14300,21 +14842,17 @@
           <a:p>
             <a:r>
               <a:rPr lang="fr-FR" dirty="0"/>
-              <a:t>Gestion des accès au campus</a:t>
-            </a:r>
-            <a:br>
-              <a:rPr lang="fr-FR" dirty="0"/>
-            </a:br>
-            <a:endParaRPr lang="fr-FR" dirty="0"/>
-          </a:p>
-        </p:txBody>
-      </p:sp>
-      <p:sp>
-        <p:nvSpPr>
-          <p:cNvPr id="6" name="Espace réservé du contenu 5">
-            <a:extLst>
-              <a:ext uri="{FF2B5EF4-FFF2-40B4-BE49-F238E27FC236}">
-                <a16:creationId xmlns:a16="http://schemas.microsoft.com/office/drawing/2014/main" id="{666D94BE-5775-4A54-7E6D-77B5431B251B}"/>
+              <a:t>Diagrammes</a:t>
+            </a:r>
+          </a:p>
+        </p:txBody>
+      </p:sp>
+      <p:sp>
+        <p:nvSpPr>
+          <p:cNvPr id="3" name="Espace réservé du contenu 2">
+            <a:extLst>
+              <a:ext uri="{FF2B5EF4-FFF2-40B4-BE49-F238E27FC236}">
+                <a16:creationId xmlns:a16="http://schemas.microsoft.com/office/drawing/2014/main" id="{524213D3-55DE-FC04-45CF-072B2B32754C}"/>
               </a:ext>
             </a:extLst>
           </p:cNvPr>
@@ -14322,78 +14860,69 @@
             <a:spLocks noGrp="1"/>
           </p:cNvSpPr>
           <p:nvPr>
-            <p:ph sz="quarter" idx="13"/>
+            <p:ph sz="half" idx="1"/>
           </p:nvPr>
         </p:nvSpPr>
-        <p:spPr/>
+        <p:spPr>
+          <a:xfrm>
+            <a:off x="633186" y="1388436"/>
+            <a:ext cx="11375200" cy="4788527"/>
+          </a:xfrm>
+        </p:spPr>
         <p:txBody>
           <a:bodyPr/>
           <a:lstStyle/>
           <a:p>
-            <a:endParaRPr lang="fr-FR"/>
-          </a:p>
-        </p:txBody>
-      </p:sp>
-      <p:sp>
-        <p:nvSpPr>
-          <p:cNvPr id="7" name="Espace réservé du contenu 6">
-            <a:extLst>
-              <a:ext uri="{FF2B5EF4-FFF2-40B4-BE49-F238E27FC236}">
-                <a16:creationId xmlns:a16="http://schemas.microsoft.com/office/drawing/2014/main" id="{F2FF4F9D-4655-4D6A-5ADB-8CDDE0B8D175}"/>
-              </a:ext>
-            </a:extLst>
-          </p:cNvPr>
-          <p:cNvSpPr>
-            <a:spLocks noGrp="1"/>
-          </p:cNvSpPr>
-          <p:nvPr>
-            <p:ph sz="quarter" idx="14"/>
-          </p:nvPr>
-        </p:nvSpPr>
-        <p:spPr/>
-        <p:txBody>
-          <a:bodyPr/>
-          <a:lstStyle/>
-          <a:p>
-            <a:endParaRPr lang="fr-FR"/>
-          </a:p>
-        </p:txBody>
-      </p:sp>
-      <p:sp>
-        <p:nvSpPr>
-          <p:cNvPr id="8" name="Espace réservé du numéro de diapositive 7">
-            <a:extLst>
-              <a:ext uri="{FF2B5EF4-FFF2-40B4-BE49-F238E27FC236}">
-                <a16:creationId xmlns:a16="http://schemas.microsoft.com/office/drawing/2014/main" id="{292B76D6-CD86-E9EB-1368-EC8B1C74C821}"/>
-              </a:ext>
-            </a:extLst>
-          </p:cNvPr>
-          <p:cNvSpPr>
-            <a:spLocks noGrp="1"/>
-          </p:cNvSpPr>
-          <p:nvPr>
-            <p:ph type="sldNum" sz="quarter" idx="4"/>
-          </p:nvPr>
-        </p:nvSpPr>
-        <p:spPr/>
-        <p:txBody>
-          <a:bodyPr/>
-          <a:lstStyle/>
-          <a:p>
-            <a:pPr algn="ctr" rtl="0"/>
-            <a:fld id="{817179DE-9BF3-494C-804F-0C7C90AC8700}" type="slidenum">
-              <a:rPr lang="fr-FR" noProof="0" smtClean="0"/>
-              <a:pPr algn="ctr" rtl="0"/>
-              <a:t>5</a:t>
-            </a:fld>
-            <a:endParaRPr lang="fr-FR" noProof="0"/>
-          </a:p>
-        </p:txBody>
-      </p:sp>
+            <a:r>
+              <a:rPr lang="fr-FR" dirty="0"/>
+              <a:t>Architecture du projet</a:t>
+            </a:r>
+          </a:p>
+          <a:p>
+            <a:endParaRPr lang="fr-FR" dirty="0"/>
+          </a:p>
+        </p:txBody>
+      </p:sp>
+      <p:pic>
+        <p:nvPicPr>
+          <p:cNvPr id="5" name="Image 4">
+            <a:extLst>
+              <a:ext uri="{FF2B5EF4-FFF2-40B4-BE49-F238E27FC236}">
+                <a16:creationId xmlns:a16="http://schemas.microsoft.com/office/drawing/2014/main" id="{E4082824-72E7-3ACA-EC01-EB9C924BC5B4}"/>
+              </a:ext>
+            </a:extLst>
+          </p:cNvPr>
+          <p:cNvPicPr>
+            <a:picLocks noChangeAspect="1"/>
+          </p:cNvPicPr>
+          <p:nvPr/>
+        </p:nvPicPr>
+        <p:blipFill>
+          <a:blip r:embed="rId2">
+            <a:extLst>
+              <a:ext uri="{28A0092B-C50C-407E-A947-70E740481C1C}">
+                <a14:useLocalDpi xmlns:a14="http://schemas.microsoft.com/office/drawing/2010/main" val="0"/>
+              </a:ext>
+            </a:extLst>
+          </a:blip>
+          <a:stretch>
+            <a:fillRect/>
+          </a:stretch>
+        </p:blipFill>
+        <p:spPr>
+          <a:xfrm>
+            <a:off x="766164" y="2009775"/>
+            <a:ext cx="10695946" cy="4066934"/>
+          </a:xfrm>
+          <a:prstGeom prst="rect">
+            <a:avLst/>
+          </a:prstGeom>
+        </p:spPr>
+      </p:pic>
     </p:spTree>
     <p:extLst>
       <p:ext uri="{BB962C8B-B14F-4D97-AF65-F5344CB8AC3E}">
-        <p14:creationId xmlns:p14="http://schemas.microsoft.com/office/powerpoint/2010/main" val="2173750144"/>
+        <p14:creationId xmlns:p14="http://schemas.microsoft.com/office/powerpoint/2010/main" val="3046203844"/>
       </p:ext>
     </p:extLst>
   </p:cSld>
@@ -14422,10 +14951,10 @@
       </p:grpSpPr>
       <p:sp>
         <p:nvSpPr>
-          <p:cNvPr id="2" name="Titre 1">
-            <a:extLst>
-              <a:ext uri="{FF2B5EF4-FFF2-40B4-BE49-F238E27FC236}">
-                <a16:creationId xmlns:a16="http://schemas.microsoft.com/office/drawing/2014/main" id="{1FE865AE-991B-8E6C-4958-77BCF27CB95F}"/>
+          <p:cNvPr id="3" name="Espace réservé du contenu 2">
+            <a:extLst>
+              <a:ext uri="{FF2B5EF4-FFF2-40B4-BE49-F238E27FC236}">
+                <a16:creationId xmlns:a16="http://schemas.microsoft.com/office/drawing/2014/main" id="{A61C8046-60F1-F81B-2281-CA42AF340F7E}"/>
               </a:ext>
             </a:extLst>
           </p:cNvPr>
@@ -14433,104 +14962,35 @@
             <a:spLocks noGrp="1"/>
           </p:cNvSpPr>
           <p:nvPr>
-            <p:ph type="title"/>
+            <p:ph sz="half" idx="1"/>
           </p:nvPr>
         </p:nvSpPr>
-        <p:spPr/>
-        <p:txBody>
-          <a:bodyPr>
-            <a:normAutofit/>
-          </a:bodyPr>
-          <a:lstStyle/>
-          <a:p>
-            <a:r>
-              <a:rPr lang="fr-FR" dirty="0"/>
-              <a:t>Gestion des accès au campus</a:t>
-            </a:r>
-            <a:br>
-              <a:rPr lang="fr-FR" dirty="0"/>
-            </a:br>
-            <a:r>
-              <a:rPr lang="fr-FR" sz="2000" dirty="0"/>
-              <a:t>Récupération des adresses MAC  </a:t>
-            </a:r>
-            <a:endParaRPr lang="fr-FR" dirty="0"/>
-          </a:p>
-        </p:txBody>
-      </p:sp>
-      <p:sp>
-        <p:nvSpPr>
-          <p:cNvPr id="3" name="Espace réservé du texte 2">
-            <a:extLst>
-              <a:ext uri="{FF2B5EF4-FFF2-40B4-BE49-F238E27FC236}">
-                <a16:creationId xmlns:a16="http://schemas.microsoft.com/office/drawing/2014/main" id="{09E83A35-1FD2-59BB-CBDE-C332CBAB8755}"/>
-              </a:ext>
-            </a:extLst>
-          </p:cNvPr>
-          <p:cNvSpPr>
-            <a:spLocks noGrp="1"/>
-          </p:cNvSpPr>
-          <p:nvPr>
-            <p:ph type="body" sz="half" idx="2"/>
-          </p:nvPr>
-        </p:nvSpPr>
-        <p:spPr>
-          <a:xfrm>
-            <a:off x="839788" y="2222770"/>
-            <a:ext cx="3932237" cy="3811588"/>
+        <p:spPr>
+          <a:xfrm>
+            <a:off x="300942" y="318026"/>
+            <a:ext cx="11620981" cy="5858937"/>
           </a:xfrm>
         </p:spPr>
         <p:txBody>
           <a:bodyPr/>
           <a:lstStyle/>
           <a:p>
-            <a:pPr marL="285750" indent="-285750">
-              <a:buFont typeface="Arial" panose="020B0604020202020204" pitchFamily="34" charset="0"/>
-              <a:buChar char="•"/>
-            </a:pPr>
             <a:r>
               <a:rPr lang="fr-FR" dirty="0"/>
-              <a:t>M5 stick utilisé comme lecteur Bluetooth</a:t>
-            </a:r>
-          </a:p>
-          <a:p>
-            <a:pPr marL="285750" indent="-285750">
-              <a:buFont typeface="Arial" panose="020B0604020202020204" pitchFamily="34" charset="0"/>
-              <a:buChar char="•"/>
-            </a:pPr>
+              <a:t>Diagramme de déploiement</a:t>
+            </a:r>
+          </a:p>
+          <a:p>
             <a:endParaRPr lang="fr-FR" dirty="0"/>
-          </a:p>
-          <a:p>
-            <a:endParaRPr lang="fr-FR" dirty="0"/>
-          </a:p>
-          <a:p>
-            <a:pPr marL="285750" indent="-285750">
-              <a:buFont typeface="Arial" panose="020B0604020202020204" pitchFamily="34" charset="0"/>
-              <a:buChar char="•"/>
-            </a:pPr>
-            <a:r>
-              <a:rPr lang="fr-FR" dirty="0"/>
-              <a:t>Le programme permet de récupérer les adresses MAC des appareils BLE à proximité</a:t>
-            </a:r>
-          </a:p>
-          <a:p>
-            <a:pPr marL="285750" indent="-285750">
-              <a:buFont typeface="Arial" panose="020B0604020202020204" pitchFamily="34" charset="0"/>
-              <a:buChar char="•"/>
-            </a:pPr>
-            <a:r>
-              <a:rPr lang="fr-FR" dirty="0"/>
-              <a:t>Délai de 10 secondes afin de permettre à un piéton de passer la zone de détection et pas être compté deux fois.</a:t>
-            </a:r>
           </a:p>
         </p:txBody>
       </p:sp>
       <p:pic>
         <p:nvPicPr>
-          <p:cNvPr id="8" name="Image 7">
-            <a:extLst>
-              <a:ext uri="{FF2B5EF4-FFF2-40B4-BE49-F238E27FC236}">
-                <a16:creationId xmlns:a16="http://schemas.microsoft.com/office/drawing/2014/main" id="{3766C935-AA72-D632-DF9F-664EEAE4D71A}"/>
+          <p:cNvPr id="6" name="Image 5">
+            <a:extLst>
+              <a:ext uri="{FF2B5EF4-FFF2-40B4-BE49-F238E27FC236}">
+                <a16:creationId xmlns:a16="http://schemas.microsoft.com/office/drawing/2014/main" id="{B7C715DA-C3E1-2F2A-F69B-FF72B30C409F}"/>
               </a:ext>
             </a:extLst>
           </p:cNvPr>
@@ -14540,123 +15000,25 @@
           <p:nvPr/>
         </p:nvPicPr>
         <p:blipFill>
-          <a:blip r:embed="rId2">
-            <a:extLst>
-              <a:ext uri="{BEBA8EAE-BF5A-486C-A8C5-ECC9F3942E4B}">
-                <a14:imgProps xmlns:a14="http://schemas.microsoft.com/office/drawing/2010/main">
-                  <a14:imgLayer r:embed="rId3">
-                    <a14:imgEffect>
-                      <a14:backgroundRemoval t="10000" b="90000" l="4222" r="94000">
-                        <a14:foregroundMark x1="5778" y1="59333" x2="5778" y2="59333"/>
-                        <a14:foregroundMark x1="94000" y1="55556" x2="94000" y2="55556"/>
-                        <a14:foregroundMark x1="75333" y1="48444" x2="75333" y2="48444"/>
-                        <a14:foregroundMark x1="8889" y1="65556" x2="8889" y2="65556"/>
-                        <a14:foregroundMark x1="4222" y1="62444" x2="4222" y2="62444"/>
-                      </a14:backgroundRemoval>
-                    </a14:imgEffect>
-                  </a14:imgLayer>
-                </a14:imgProps>
-              </a:ext>
-              <a:ext uri="{837473B0-CC2E-450A-ABE3-18F120FF3D39}">
-                <a1611:picAttrSrcUrl xmlns:a1611="http://schemas.microsoft.com/office/drawing/2016/11/main" xmlns="" r:id="rId4"/>
-              </a:ext>
-            </a:extLst>
-          </a:blip>
+          <a:blip r:embed="rId2"/>
           <a:stretch>
             <a:fillRect/>
           </a:stretch>
         </p:blipFill>
         <p:spPr>
           <a:xfrm>
-            <a:off x="110297" y="2208346"/>
-            <a:ext cx="1220654" cy="1220654"/>
+            <a:off x="115746" y="681036"/>
+            <a:ext cx="10984376" cy="5605663"/>
           </a:xfrm>
           <a:prstGeom prst="rect">
             <a:avLst/>
           </a:prstGeom>
         </p:spPr>
       </p:pic>
-      <p:pic>
-        <p:nvPicPr>
-          <p:cNvPr id="12" name="Image 11">
-            <a:extLst>
-              <a:ext uri="{FF2B5EF4-FFF2-40B4-BE49-F238E27FC236}">
-                <a16:creationId xmlns:a16="http://schemas.microsoft.com/office/drawing/2014/main" id="{103C5B29-E6F3-7053-9678-13D27864FFAC}"/>
-              </a:ext>
-            </a:extLst>
-          </p:cNvPr>
-          <p:cNvPicPr>
-            <a:picLocks noChangeAspect="1"/>
-          </p:cNvPicPr>
-          <p:nvPr/>
-        </p:nvPicPr>
-        <p:blipFill rotWithShape="1">
-          <a:blip r:embed="rId5"/>
-          <a:srcRect l="40072"/>
-          <a:stretch/>
-        </p:blipFill>
-        <p:spPr>
-          <a:xfrm>
-            <a:off x="4989153" y="0"/>
-            <a:ext cx="7202847" cy="6858000"/>
-          </a:xfrm>
-          <a:prstGeom prst="rect">
-            <a:avLst/>
-          </a:prstGeom>
-        </p:spPr>
-      </p:pic>
-      <p:sp>
-        <p:nvSpPr>
-          <p:cNvPr id="10" name="Ellipse 9">
-            <a:extLst>
-              <a:ext uri="{FF2B5EF4-FFF2-40B4-BE49-F238E27FC236}">
-                <a16:creationId xmlns:a16="http://schemas.microsoft.com/office/drawing/2014/main" id="{CAAC5C78-E630-573E-A43F-D1107666D747}"/>
-              </a:ext>
-            </a:extLst>
-          </p:cNvPr>
-          <p:cNvSpPr/>
-          <p:nvPr/>
-        </p:nvSpPr>
-        <p:spPr>
-          <a:xfrm>
-            <a:off x="7583488" y="1488332"/>
-            <a:ext cx="2825108" cy="3988340"/>
-          </a:xfrm>
-          <a:prstGeom prst="ellipse">
-            <a:avLst/>
-          </a:prstGeom>
-          <a:noFill/>
-          <a:ln w="38100"/>
-        </p:spPr>
-        <p:style>
-          <a:lnRef idx="2">
-            <a:schemeClr val="accent1">
-              <a:shade val="50000"/>
-            </a:schemeClr>
-          </a:lnRef>
-          <a:fillRef idx="1">
-            <a:schemeClr val="accent1"/>
-          </a:fillRef>
-          <a:effectRef idx="0">
-            <a:schemeClr val="accent1"/>
-          </a:effectRef>
-          <a:fontRef idx="minor">
-            <a:schemeClr val="lt1"/>
-          </a:fontRef>
-        </p:style>
-        <p:txBody>
-          <a:bodyPr rtlCol="0" anchor="ctr"/>
-          <a:lstStyle/>
-          <a:p>
-            <a:pPr algn="ctr"/>
-            <a:endParaRPr lang="fr-FR"/>
-          </a:p>
-        </p:txBody>
-      </p:sp>
     </p:spTree>
     <p:extLst>
       <p:ext uri="{BB962C8B-B14F-4D97-AF65-F5344CB8AC3E}">
-        <p14:creationId xmlns:p14="http://schemas.microsoft.com/office/powerpoint/2010/main" val="2809124533"/>
+        <p14:creationId xmlns:p14="http://schemas.microsoft.com/office/powerpoint/2010/main" val="3609832429"/>
       </p:ext>
     </p:extLst>
   </p:cSld>
@@ -14685,10 +15047,78 @@
       </p:grpSpPr>
       <p:sp>
         <p:nvSpPr>
-          <p:cNvPr id="2" name="Titre 1">
-            <a:extLst>
-              <a:ext uri="{FF2B5EF4-FFF2-40B4-BE49-F238E27FC236}">
-                <a16:creationId xmlns:a16="http://schemas.microsoft.com/office/drawing/2014/main" id="{1FE865AE-991B-8E6C-4958-77BCF27CB95F}"/>
+          <p:cNvPr id="2" name="Espace réservé pour une image  1">
+            <a:extLst>
+              <a:ext uri="{FF2B5EF4-FFF2-40B4-BE49-F238E27FC236}">
+                <a16:creationId xmlns:a16="http://schemas.microsoft.com/office/drawing/2014/main" id="{FA283945-DC34-25C9-31D8-5678CB8A2EC3}"/>
+              </a:ext>
+            </a:extLst>
+          </p:cNvPr>
+          <p:cNvSpPr>
+            <a:spLocks noGrp="1"/>
+          </p:cNvSpPr>
+          <p:nvPr>
+            <p:ph type="pic" sz="quarter" idx="10"/>
+          </p:nvPr>
+        </p:nvSpPr>
+        <p:spPr/>
+      </p:sp>
+      <p:sp>
+        <p:nvSpPr>
+          <p:cNvPr id="3" name="Espace réservé du texte 2">
+            <a:extLst>
+              <a:ext uri="{FF2B5EF4-FFF2-40B4-BE49-F238E27FC236}">
+                <a16:creationId xmlns:a16="http://schemas.microsoft.com/office/drawing/2014/main" id="{F3D260B0-11FF-6B72-4583-59B773E8DC9C}"/>
+              </a:ext>
+            </a:extLst>
+          </p:cNvPr>
+          <p:cNvSpPr>
+            <a:spLocks noGrp="1"/>
+          </p:cNvSpPr>
+          <p:nvPr>
+            <p:ph type="body" sz="quarter" idx="12"/>
+          </p:nvPr>
+        </p:nvSpPr>
+        <p:spPr/>
+        <p:txBody>
+          <a:bodyPr/>
+          <a:lstStyle/>
+          <a:p>
+            <a:endParaRPr lang="fr-FR"/>
+          </a:p>
+        </p:txBody>
+      </p:sp>
+      <p:sp>
+        <p:nvSpPr>
+          <p:cNvPr id="4" name="Espace réservé du texte 3">
+            <a:extLst>
+              <a:ext uri="{FF2B5EF4-FFF2-40B4-BE49-F238E27FC236}">
+                <a16:creationId xmlns:a16="http://schemas.microsoft.com/office/drawing/2014/main" id="{61CEC20E-F9D6-D5E0-8EFE-06277B8EA0B4}"/>
+              </a:ext>
+            </a:extLst>
+          </p:cNvPr>
+          <p:cNvSpPr>
+            <a:spLocks noGrp="1"/>
+          </p:cNvSpPr>
+          <p:nvPr>
+            <p:ph type="body" sz="quarter" idx="11"/>
+          </p:nvPr>
+        </p:nvSpPr>
+        <p:spPr/>
+        <p:txBody>
+          <a:bodyPr/>
+          <a:lstStyle/>
+          <a:p>
+            <a:endParaRPr lang="fr-FR"/>
+          </a:p>
+        </p:txBody>
+      </p:sp>
+      <p:sp>
+        <p:nvSpPr>
+          <p:cNvPr id="5" name="Titre 4">
+            <a:extLst>
+              <a:ext uri="{FF2B5EF4-FFF2-40B4-BE49-F238E27FC236}">
+                <a16:creationId xmlns:a16="http://schemas.microsoft.com/office/drawing/2014/main" id="{7BC74D96-20AD-411A-6EC2-B30B1CA4C432}"/>
               </a:ext>
             </a:extLst>
           </p:cNvPr>
@@ -14701,9 +15131,7 @@
         </p:nvSpPr>
         <p:spPr/>
         <p:txBody>
-          <a:bodyPr>
-            <a:normAutofit/>
-          </a:bodyPr>
+          <a:bodyPr/>
           <a:lstStyle/>
           <a:p>
             <a:r>
@@ -14713,20 +15141,16 @@
             <a:br>
               <a:rPr lang="fr-FR" dirty="0"/>
             </a:br>
-            <a:r>
-              <a:rPr lang="fr-FR" sz="2000" dirty="0"/>
-              <a:t>Publication des données avec MQTT</a:t>
-            </a:r>
             <a:endParaRPr lang="fr-FR" dirty="0"/>
           </a:p>
         </p:txBody>
       </p:sp>
       <p:sp>
         <p:nvSpPr>
-          <p:cNvPr id="3" name="Espace réservé du texte 2">
-            <a:extLst>
-              <a:ext uri="{FF2B5EF4-FFF2-40B4-BE49-F238E27FC236}">
-                <a16:creationId xmlns:a16="http://schemas.microsoft.com/office/drawing/2014/main" id="{09E83A35-1FD2-59BB-CBDE-C332CBAB8755}"/>
+          <p:cNvPr id="6" name="Espace réservé du contenu 5">
+            <a:extLst>
+              <a:ext uri="{FF2B5EF4-FFF2-40B4-BE49-F238E27FC236}">
+                <a16:creationId xmlns:a16="http://schemas.microsoft.com/office/drawing/2014/main" id="{666D94BE-5775-4A54-7E6D-77B5431B251B}"/>
               </a:ext>
             </a:extLst>
           </p:cNvPr>
@@ -14734,137 +15158,78 @@
             <a:spLocks noGrp="1"/>
           </p:cNvSpPr>
           <p:nvPr>
-            <p:ph type="body" sz="half" idx="2"/>
+            <p:ph sz="quarter" idx="13"/>
           </p:nvPr>
         </p:nvSpPr>
-        <p:spPr>
-          <a:xfrm>
-            <a:off x="839788" y="2222770"/>
-            <a:ext cx="3932237" cy="3811588"/>
-          </a:xfrm>
-        </p:spPr>
+        <p:spPr/>
         <p:txBody>
           <a:bodyPr/>
           <a:lstStyle/>
           <a:p>
-            <a:pPr marL="285750" indent="-285750">
-              <a:buFont typeface="Arial" panose="020B0604020202020204" pitchFamily="34" charset="0"/>
-              <a:buChar char="•"/>
-            </a:pPr>
-            <a:r>
-              <a:rPr lang="fr-FR" dirty="0"/>
-              <a:t>MQTT serveur : 192.168.143.151</a:t>
-            </a:r>
-          </a:p>
-          <a:p>
-            <a:pPr marL="285750" indent="-285750">
-              <a:buFont typeface="Arial" panose="020B0604020202020204" pitchFamily="34" charset="0"/>
-              <a:buChar char="•"/>
-            </a:pPr>
-            <a:r>
-              <a:rPr lang="fr-FR" dirty="0"/>
-              <a:t>Topic: Campus</a:t>
-            </a:r>
-          </a:p>
-          <a:p>
-            <a:pPr marL="285750" indent="-285750">
-              <a:buFont typeface="Arial" panose="020B0604020202020204" pitchFamily="34" charset="0"/>
-              <a:buChar char="•"/>
-            </a:pPr>
-            <a:r>
-              <a:rPr lang="fr-FR" dirty="0"/>
-              <a:t>Port : 1883</a:t>
-            </a:r>
-          </a:p>
-          <a:p>
-            <a:pPr marL="285750" indent="-285750">
-              <a:buFont typeface="Arial" panose="020B0604020202020204" pitchFamily="34" charset="0"/>
-              <a:buChar char="•"/>
-            </a:pPr>
-            <a:endParaRPr lang="fr-FR" dirty="0"/>
-          </a:p>
-        </p:txBody>
-      </p:sp>
-      <p:sp>
-        <p:nvSpPr>
-          <p:cNvPr id="10" name="Ellipse 9">
-            <a:extLst>
-              <a:ext uri="{FF2B5EF4-FFF2-40B4-BE49-F238E27FC236}">
-                <a16:creationId xmlns:a16="http://schemas.microsoft.com/office/drawing/2014/main" id="{CAAC5C78-E630-573E-A43F-D1107666D747}"/>
-              </a:ext>
-            </a:extLst>
-          </p:cNvPr>
-          <p:cNvSpPr/>
-          <p:nvPr/>
-        </p:nvSpPr>
-        <p:spPr>
-          <a:xfrm>
-            <a:off x="7583488" y="2208346"/>
-            <a:ext cx="1618878" cy="914233"/>
-          </a:xfrm>
-          <a:prstGeom prst="ellipse">
-            <a:avLst/>
-          </a:prstGeom>
-          <a:noFill/>
-          <a:ln w="38100"/>
-        </p:spPr>
-        <p:style>
-          <a:lnRef idx="2">
-            <a:schemeClr val="accent1">
-              <a:shade val="50000"/>
-            </a:schemeClr>
-          </a:lnRef>
-          <a:fillRef idx="1">
-            <a:schemeClr val="accent1"/>
-          </a:fillRef>
-          <a:effectRef idx="0">
-            <a:schemeClr val="accent1"/>
-          </a:effectRef>
-          <a:fontRef idx="minor">
-            <a:schemeClr val="lt1"/>
-          </a:fontRef>
-        </p:style>
-        <p:txBody>
-          <a:bodyPr rtlCol="0" anchor="ctr"/>
+            <a:endParaRPr lang="fr-FR"/>
+          </a:p>
+        </p:txBody>
+      </p:sp>
+      <p:sp>
+        <p:nvSpPr>
+          <p:cNvPr id="7" name="Espace réservé du contenu 6">
+            <a:extLst>
+              <a:ext uri="{FF2B5EF4-FFF2-40B4-BE49-F238E27FC236}">
+                <a16:creationId xmlns:a16="http://schemas.microsoft.com/office/drawing/2014/main" id="{F2FF4F9D-4655-4D6A-5ADB-8CDDE0B8D175}"/>
+              </a:ext>
+            </a:extLst>
+          </p:cNvPr>
+          <p:cNvSpPr>
+            <a:spLocks noGrp="1"/>
+          </p:cNvSpPr>
+          <p:nvPr>
+            <p:ph sz="quarter" idx="14"/>
+          </p:nvPr>
+        </p:nvSpPr>
+        <p:spPr/>
+        <p:txBody>
+          <a:bodyPr/>
           <a:lstStyle/>
           <a:p>
-            <a:pPr algn="ctr"/>
             <a:endParaRPr lang="fr-FR"/>
           </a:p>
         </p:txBody>
       </p:sp>
-      <p:pic>
-        <p:nvPicPr>
-          <p:cNvPr id="9" name="Espace réservé pour une image  8">
-            <a:extLst>
-              <a:ext uri="{FF2B5EF4-FFF2-40B4-BE49-F238E27FC236}">
-                <a16:creationId xmlns:a16="http://schemas.microsoft.com/office/drawing/2014/main" id="{59BC2D6D-E3B7-1549-8F37-2F65054EAF82}"/>
-              </a:ext>
-            </a:extLst>
-          </p:cNvPr>
-          <p:cNvPicPr>
-            <a:picLocks noGrp="1" noChangeAspect="1"/>
-          </p:cNvPicPr>
+      <p:sp>
+        <p:nvSpPr>
+          <p:cNvPr id="8" name="Espace réservé du numéro de diapositive 7">
+            <a:extLst>
+              <a:ext uri="{FF2B5EF4-FFF2-40B4-BE49-F238E27FC236}">
+                <a16:creationId xmlns:a16="http://schemas.microsoft.com/office/drawing/2014/main" id="{292B76D6-CD86-E9EB-1368-EC8B1C74C821}"/>
+              </a:ext>
+            </a:extLst>
+          </p:cNvPr>
+          <p:cNvSpPr>
+            <a:spLocks noGrp="1"/>
+          </p:cNvSpPr>
           <p:nvPr>
-            <p:ph type="pic" idx="1"/>
+            <p:ph type="sldNum" sz="quarter" idx="4"/>
           </p:nvPr>
-        </p:nvPicPr>
-        <p:blipFill rotWithShape="1">
-          <a:blip r:embed="rId2"/>
-          <a:srcRect t="-10496" b="-10496"/>
-          <a:stretch/>
-        </p:blipFill>
-        <p:spPr>
-          <a:xfrm>
-            <a:off x="5183188" y="417513"/>
-            <a:ext cx="6172200" cy="5403850"/>
-          </a:xfrm>
-        </p:spPr>
-      </p:pic>
+        </p:nvSpPr>
+        <p:spPr/>
+        <p:txBody>
+          <a:bodyPr/>
+          <a:lstStyle/>
+          <a:p>
+            <a:pPr algn="ctr" rtl="0"/>
+            <a:fld id="{817179DE-9BF3-494C-804F-0C7C90AC8700}" type="slidenum">
+              <a:rPr lang="fr-FR" noProof="0" smtClean="0"/>
+              <a:pPr algn="ctr" rtl="0"/>
+              <a:t>7</a:t>
+            </a:fld>
+            <a:endParaRPr lang="fr-FR" noProof="0"/>
+          </a:p>
+        </p:txBody>
+      </p:sp>
     </p:spTree>
     <p:extLst>
       <p:ext uri="{BB962C8B-B14F-4D97-AF65-F5344CB8AC3E}">
-        <p14:creationId xmlns:p14="http://schemas.microsoft.com/office/powerpoint/2010/main" val="2686469771"/>
+        <p14:creationId xmlns:p14="http://schemas.microsoft.com/office/powerpoint/2010/main" val="2173750144"/>
       </p:ext>
     </p:extLst>
   </p:cSld>
@@ -14893,10 +15258,10 @@
       </p:grpSpPr>
       <p:sp>
         <p:nvSpPr>
-          <p:cNvPr id="2" name="Titre 1">
-            <a:extLst>
-              <a:ext uri="{FF2B5EF4-FFF2-40B4-BE49-F238E27FC236}">
-                <a16:creationId xmlns:a16="http://schemas.microsoft.com/office/drawing/2014/main" id="{1FE865AE-991B-8E6C-4958-77BCF27CB95F}"/>
+          <p:cNvPr id="5" name="Titre 4">
+            <a:extLst>
+              <a:ext uri="{FF2B5EF4-FFF2-40B4-BE49-F238E27FC236}">
+                <a16:creationId xmlns:a16="http://schemas.microsoft.com/office/drawing/2014/main" id="{7BC74D96-20AD-411A-6EC2-B30B1CA4C432}"/>
               </a:ext>
             </a:extLst>
           </p:cNvPr>
@@ -14909,32 +15274,30 @@
         </p:nvSpPr>
         <p:spPr/>
         <p:txBody>
-          <a:bodyPr>
-            <a:normAutofit/>
-          </a:bodyPr>
+          <a:bodyPr/>
           <a:lstStyle/>
           <a:p>
             <a:r>
               <a:rPr lang="fr-FR" dirty="0"/>
-              <a:t>Gestion des accès au campus</a:t>
+              <a:t>Gestion des accès au </a:t>
+            </a:r>
+            <a:r>
+              <a:rPr lang="fr-FR" dirty="0" err="1"/>
+              <a:t>batiment</a:t>
             </a:r>
             <a:br>
               <a:rPr lang="fr-FR" dirty="0"/>
             </a:br>
-            <a:r>
-              <a:rPr lang="fr-FR" sz="2000" dirty="0"/>
-              <a:t>Sauvegarde des données sur la BDD</a:t>
-            </a:r>
             <a:endParaRPr lang="fr-FR" dirty="0"/>
           </a:p>
         </p:txBody>
       </p:sp>
       <p:sp>
         <p:nvSpPr>
-          <p:cNvPr id="3" name="Espace réservé du texte 2">
-            <a:extLst>
-              <a:ext uri="{FF2B5EF4-FFF2-40B4-BE49-F238E27FC236}">
-                <a16:creationId xmlns:a16="http://schemas.microsoft.com/office/drawing/2014/main" id="{09E83A35-1FD2-59BB-CBDE-C332CBAB8755}"/>
+          <p:cNvPr id="8" name="Espace réservé du numéro de diapositive 7">
+            <a:extLst>
+              <a:ext uri="{FF2B5EF4-FFF2-40B4-BE49-F238E27FC236}">
+                <a16:creationId xmlns:a16="http://schemas.microsoft.com/office/drawing/2014/main" id="{292B76D6-CD86-E9EB-1368-EC8B1C74C821}"/>
               </a:ext>
             </a:extLst>
           </p:cNvPr>
@@ -14942,61 +15305,202 @@
             <a:spLocks noGrp="1"/>
           </p:cNvSpPr>
           <p:nvPr>
-            <p:ph type="body" sz="half" idx="2"/>
+            <p:ph type="sldNum" sz="quarter" idx="4"/>
           </p:nvPr>
         </p:nvSpPr>
-        <p:spPr>
-          <a:xfrm>
-            <a:off x="839788" y="2222770"/>
-            <a:ext cx="3932237" cy="3811588"/>
-          </a:xfrm>
-        </p:spPr>
+        <p:spPr/>
         <p:txBody>
           <a:bodyPr/>
           <a:lstStyle/>
           <a:p>
+            <a:pPr algn="ctr" rtl="0"/>
+            <a:fld id="{817179DE-9BF3-494C-804F-0C7C90AC8700}" type="slidenum">
+              <a:rPr lang="fr-FR" noProof="0" smtClean="0"/>
+              <a:pPr algn="ctr" rtl="0"/>
+              <a:t>8</a:t>
+            </a:fld>
+            <a:endParaRPr lang="fr-FR" noProof="0"/>
+          </a:p>
+        </p:txBody>
+      </p:sp>
+      <p:sp>
+        <p:nvSpPr>
+          <p:cNvPr id="9" name="ZoneTexte 8">
+            <a:extLst>
+              <a:ext uri="{FF2B5EF4-FFF2-40B4-BE49-F238E27FC236}">
+                <a16:creationId xmlns:a16="http://schemas.microsoft.com/office/drawing/2014/main" id="{1B95B750-151B-7F88-6A2D-8E96DD9071A3}"/>
+              </a:ext>
+            </a:extLst>
+          </p:cNvPr>
+          <p:cNvSpPr txBox="1"/>
+          <p:nvPr/>
+        </p:nvSpPr>
+        <p:spPr>
+          <a:xfrm>
+            <a:off x="566501" y="1588010"/>
+            <a:ext cx="11058998" cy="1200329"/>
+          </a:xfrm>
+          <a:prstGeom prst="rect">
+            <a:avLst/>
+          </a:prstGeom>
+          <a:noFill/>
+        </p:spPr>
+        <p:txBody>
+          <a:bodyPr wrap="square" rtlCol="0">
+            <a:spAutoFit/>
+          </a:bodyPr>
+          <a:lstStyle/>
+          <a:p>
             <a:pPr marL="285750" indent="-285750">
-              <a:buFont typeface="Arial" panose="020B0604020202020204" pitchFamily="34" charset="0"/>
-              <a:buChar char="•"/>
+              <a:buFontTx/>
+              <a:buChar char="-"/>
             </a:pPr>
+            <a:r>
+              <a:rPr lang="fr-FR" dirty="0"/>
+              <a:t>Objectif</a:t>
+            </a:r>
+          </a:p>
+          <a:p>
+            <a:pPr marL="285750" indent="-285750">
+              <a:buFontTx/>
+              <a:buChar char="-"/>
+            </a:pPr>
+            <a:r>
+              <a:rPr lang="fr-FR" dirty="0"/>
+              <a:t>Environnement de développement :</a:t>
+            </a:r>
+          </a:p>
+          <a:p>
+            <a:r>
+              <a:rPr lang="fr-FR" dirty="0"/>
+              <a:t> </a:t>
+            </a:r>
+          </a:p>
+          <a:p>
             <a:endParaRPr lang="fr-FR" dirty="0"/>
           </a:p>
         </p:txBody>
       </p:sp>
       <p:pic>
         <p:nvPicPr>
-          <p:cNvPr id="6" name="Image 5">
-            <a:extLst>
-              <a:ext uri="{FF2B5EF4-FFF2-40B4-BE49-F238E27FC236}">
-                <a16:creationId xmlns:a16="http://schemas.microsoft.com/office/drawing/2014/main" id="{D1394E37-3DD0-E51A-C2F0-265279C79AC0}"/>
-              </a:ext>
-            </a:extLst>
-          </p:cNvPr>
-          <p:cNvPicPr>
-            <a:picLocks noChangeAspect="1"/>
-          </p:cNvPicPr>
+          <p:cNvPr id="10" name="Image 18">
+            <a:extLst>
+              <a:ext uri="{FF2B5EF4-FFF2-40B4-BE49-F238E27FC236}">
+                <a16:creationId xmlns:a16="http://schemas.microsoft.com/office/drawing/2014/main" id="{F1D40CE8-3EB9-890A-D4D9-30A9FCB6176C}"/>
+              </a:ext>
+            </a:extLst>
+          </p:cNvPr>
+          <p:cNvPicPr/>
           <p:nvPr/>
         </p:nvPicPr>
         <p:blipFill>
           <a:blip r:embed="rId2"/>
-          <a:stretch>
-            <a:fillRect/>
-          </a:stretch>
+          <a:stretch/>
         </p:blipFill>
         <p:spPr>
           <a:xfrm>
-            <a:off x="4894331" y="1148564"/>
-            <a:ext cx="7297669" cy="1074206"/>
+            <a:off x="566501" y="2607120"/>
+            <a:ext cx="1262299" cy="1200329"/>
           </a:xfrm>
           <a:prstGeom prst="rect">
             <a:avLst/>
           </a:prstGeom>
+          <a:ln w="0">
+            <a:noFill/>
+          </a:ln>
+        </p:spPr>
+      </p:pic>
+      <p:pic>
+        <p:nvPicPr>
+          <p:cNvPr id="11" name="Image 20">
+            <a:extLst>
+              <a:ext uri="{FF2B5EF4-FFF2-40B4-BE49-F238E27FC236}">
+                <a16:creationId xmlns:a16="http://schemas.microsoft.com/office/drawing/2014/main" id="{C4C88EF2-EA0C-65F9-4DF1-F41F23F33BB4}"/>
+              </a:ext>
+            </a:extLst>
+          </p:cNvPr>
+          <p:cNvPicPr/>
+          <p:nvPr/>
+        </p:nvPicPr>
+        <p:blipFill>
+          <a:blip r:embed="rId3"/>
+          <a:stretch/>
+        </p:blipFill>
+        <p:spPr>
+          <a:xfrm>
+            <a:off x="2286720" y="2714758"/>
+            <a:ext cx="2008602" cy="1140270"/>
+          </a:xfrm>
+          <a:prstGeom prst="rect">
+            <a:avLst/>
+          </a:prstGeom>
+          <a:ln w="0">
+            <a:noFill/>
+          </a:ln>
+        </p:spPr>
+      </p:pic>
+      <p:pic>
+        <p:nvPicPr>
+          <p:cNvPr id="12" name="Image 26">
+            <a:extLst>
+              <a:ext uri="{FF2B5EF4-FFF2-40B4-BE49-F238E27FC236}">
+                <a16:creationId xmlns:a16="http://schemas.microsoft.com/office/drawing/2014/main" id="{A1FAC33E-E0AE-0DBC-FDB2-EBA3A10B717A}"/>
+              </a:ext>
+            </a:extLst>
+          </p:cNvPr>
+          <p:cNvPicPr/>
+          <p:nvPr/>
+        </p:nvPicPr>
+        <p:blipFill>
+          <a:blip r:embed="rId4"/>
+          <a:stretch/>
+        </p:blipFill>
+        <p:spPr>
+          <a:xfrm>
+            <a:off x="4753242" y="2833674"/>
+            <a:ext cx="1766880" cy="928440"/>
+          </a:xfrm>
+          <a:prstGeom prst="rect">
+            <a:avLst/>
+          </a:prstGeom>
+          <a:ln w="0">
+            <a:noFill/>
+          </a:ln>
+        </p:spPr>
+      </p:pic>
+      <p:pic>
+        <p:nvPicPr>
+          <p:cNvPr id="13" name="Image 22">
+            <a:extLst>
+              <a:ext uri="{FF2B5EF4-FFF2-40B4-BE49-F238E27FC236}">
+                <a16:creationId xmlns:a16="http://schemas.microsoft.com/office/drawing/2014/main" id="{C37B0FE5-96B9-A9EE-3CDB-584D5CCF8BD9}"/>
+              </a:ext>
+            </a:extLst>
+          </p:cNvPr>
+          <p:cNvPicPr/>
+          <p:nvPr/>
+        </p:nvPicPr>
+        <p:blipFill>
+          <a:blip r:embed="rId5"/>
+          <a:stretch/>
+        </p:blipFill>
+        <p:spPr>
+          <a:xfrm>
+            <a:off x="6978042" y="2714758"/>
+            <a:ext cx="1758960" cy="1037520"/>
+          </a:xfrm>
+          <a:prstGeom prst="rect">
+            <a:avLst/>
+          </a:prstGeom>
+          <a:ln w="0">
+            <a:noFill/>
+          </a:ln>
         </p:spPr>
       </p:pic>
     </p:spTree>
     <p:extLst>
       <p:ext uri="{BB962C8B-B14F-4D97-AF65-F5344CB8AC3E}">
-        <p14:creationId xmlns:p14="http://schemas.microsoft.com/office/powerpoint/2010/main" val="2475685554"/>
+        <p14:creationId xmlns:p14="http://schemas.microsoft.com/office/powerpoint/2010/main" val="3740899374"/>
       </p:ext>
     </p:extLst>
   </p:cSld>
@@ -15028,7 +15532,7 @@
           <p:cNvPr id="2" name="Titre 1">
             <a:extLst>
               <a:ext uri="{FF2B5EF4-FFF2-40B4-BE49-F238E27FC236}">
-                <a16:creationId xmlns:a16="http://schemas.microsoft.com/office/drawing/2014/main" id="{DBD23F23-EF92-2EE6-EED2-24F174401B9D}"/>
+                <a16:creationId xmlns:a16="http://schemas.microsoft.com/office/drawing/2014/main" id="{1FE865AE-991B-8E6C-4958-77BCF27CB95F}"/>
               </a:ext>
             </a:extLst>
           </p:cNvPr>
@@ -15041,7 +15545,9 @@
         </p:nvSpPr>
         <p:spPr/>
         <p:txBody>
-          <a:bodyPr anchor="t"/>
+          <a:bodyPr>
+            <a:normAutofit/>
+          </a:bodyPr>
           <a:lstStyle/>
           <a:p>
             <a:r>
@@ -15053,7 +15559,7 @@
             </a:br>
             <a:r>
               <a:rPr lang="fr-FR" sz="2000" dirty="0"/>
-              <a:t>Les défauts</a:t>
+              <a:t>Récupération des adresses MAC  </a:t>
             </a:r>
             <a:endParaRPr lang="fr-FR" dirty="0"/>
           </a:p>
@@ -15064,7 +15570,7 @@
           <p:cNvPr id="3" name="Espace réservé du texte 2">
             <a:extLst>
               <a:ext uri="{FF2B5EF4-FFF2-40B4-BE49-F238E27FC236}">
-                <a16:creationId xmlns:a16="http://schemas.microsoft.com/office/drawing/2014/main" id="{070D4B8C-89A7-65B0-892A-D27A85A3C9A2}"/>
+                <a16:creationId xmlns:a16="http://schemas.microsoft.com/office/drawing/2014/main" id="{09E83A35-1FD2-59BB-CBDE-C332CBAB8755}"/>
               </a:ext>
             </a:extLst>
           </p:cNvPr>
@@ -15075,7 +15581,12 @@
             <p:ph type="body" sz="half" idx="2"/>
           </p:nvPr>
         </p:nvSpPr>
-        <p:spPr/>
+        <p:spPr>
+          <a:xfrm>
+            <a:off x="839788" y="2222770"/>
+            <a:ext cx="3932237" cy="3811588"/>
+          </a:xfrm>
+        </p:spPr>
         <p:txBody>
           <a:bodyPr/>
           <a:lstStyle/>
@@ -15086,17 +15597,7 @@
             </a:pPr>
             <a:r>
               <a:rPr lang="fr-FR" dirty="0"/>
-              <a:t>1 appareil Bluetooth activé par personne</a:t>
-            </a:r>
-          </a:p>
-          <a:p>
-            <a:pPr marL="285750" indent="-285750">
-              <a:buFont typeface="Arial" panose="020B0604020202020204" pitchFamily="34" charset="0"/>
-              <a:buChar char="•"/>
-            </a:pPr>
-            <a:r>
-              <a:rPr lang="fr-FR" dirty="0"/>
-              <a:t>Erreur de comptage en cas d’immobilité à proximité des lecteurs</a:t>
+              <a:t>M5 stick utilisé comme lecteur Bluetooth</a:t>
             </a:r>
           </a:p>
           <a:p>
@@ -15106,212 +15607,163 @@
             </a:pPr>
             <a:endParaRPr lang="fr-FR" dirty="0"/>
           </a:p>
-        </p:txBody>
-      </p:sp>
-      <p:sp>
-        <p:nvSpPr>
-          <p:cNvPr id="5" name="Espace réservé du texte 2">
-            <a:extLst>
-              <a:ext uri="{FF2B5EF4-FFF2-40B4-BE49-F238E27FC236}">
-                <a16:creationId xmlns:a16="http://schemas.microsoft.com/office/drawing/2014/main" id="{6179D6B3-CEDC-2E73-35FD-19CBE81377C6}"/>
-              </a:ext>
-            </a:extLst>
-          </p:cNvPr>
-          <p:cNvSpPr txBox="1">
-            <a:spLocks/>
-          </p:cNvSpPr>
+          <a:p>
+            <a:endParaRPr lang="fr-FR" dirty="0"/>
+          </a:p>
+          <a:p>
+            <a:pPr marL="285750" indent="-285750">
+              <a:buFont typeface="Arial" panose="020B0604020202020204" pitchFamily="34" charset="0"/>
+              <a:buChar char="•"/>
+            </a:pPr>
+            <a:r>
+              <a:rPr lang="fr-FR" dirty="0"/>
+              <a:t>Le programme permet de récupérer les adresses MAC des appareils BLE à proximité</a:t>
+            </a:r>
+          </a:p>
+          <a:p>
+            <a:pPr marL="285750" indent="-285750">
+              <a:buFont typeface="Arial" panose="020B0604020202020204" pitchFamily="34" charset="0"/>
+              <a:buChar char="•"/>
+            </a:pPr>
+            <a:r>
+              <a:rPr lang="fr-FR" dirty="0"/>
+              <a:t>Délai de 10 secondes afin de permettre à un piéton de passer la zone de détection et pas être compté deux fois.</a:t>
+            </a:r>
+          </a:p>
+        </p:txBody>
+      </p:sp>
+      <p:pic>
+        <p:nvPicPr>
+          <p:cNvPr id="8" name="Image 7">
+            <a:extLst>
+              <a:ext uri="{FF2B5EF4-FFF2-40B4-BE49-F238E27FC236}">
+                <a16:creationId xmlns:a16="http://schemas.microsoft.com/office/drawing/2014/main" id="{3766C935-AA72-D632-DF9F-664EEAE4D71A}"/>
+              </a:ext>
+            </a:extLst>
+          </p:cNvPr>
+          <p:cNvPicPr>
+            <a:picLocks noChangeAspect="1"/>
+          </p:cNvPicPr>
           <p:nvPr/>
-        </p:nvSpPr>
-        <p:spPr>
-          <a:xfrm>
-            <a:off x="6745288" y="2057400"/>
-            <a:ext cx="3932237" cy="3811588"/>
+        </p:nvPicPr>
+        <p:blipFill>
+          <a:blip r:embed="rId2">
+            <a:extLst>
+              <a:ext uri="{BEBA8EAE-BF5A-486C-A8C5-ECC9F3942E4B}">
+                <a14:imgProps xmlns:a14="http://schemas.microsoft.com/office/drawing/2010/main">
+                  <a14:imgLayer r:embed="rId3">
+                    <a14:imgEffect>
+                      <a14:backgroundRemoval t="10000" b="90000" l="4222" r="94000">
+                        <a14:foregroundMark x1="5778" y1="59333" x2="5778" y2="59333"/>
+                        <a14:foregroundMark x1="94000" y1="55556" x2="94000" y2="55556"/>
+                        <a14:foregroundMark x1="75333" y1="48444" x2="75333" y2="48444"/>
+                        <a14:foregroundMark x1="8889" y1="65556" x2="8889" y2="65556"/>
+                        <a14:foregroundMark x1="4222" y1="62444" x2="4222" y2="62444"/>
+                      </a14:backgroundRemoval>
+                    </a14:imgEffect>
+                  </a14:imgLayer>
+                </a14:imgProps>
+              </a:ext>
+              <a:ext uri="{837473B0-CC2E-450A-ABE3-18F120FF3D39}">
+                <a1611:picAttrSrcUrl xmlns:a1611="http://schemas.microsoft.com/office/drawing/2016/11/main" r:id="rId4"/>
+              </a:ext>
+            </a:extLst>
+          </a:blip>
+          <a:stretch>
+            <a:fillRect/>
+          </a:stretch>
+        </p:blipFill>
+        <p:spPr>
+          <a:xfrm>
+            <a:off x="110297" y="2208346"/>
+            <a:ext cx="1220654" cy="1220654"/>
           </a:xfrm>
           <a:prstGeom prst="rect">
             <a:avLst/>
           </a:prstGeom>
         </p:spPr>
-        <p:txBody>
-          <a:bodyPr vert="horz" lIns="91440" tIns="45720" rIns="91440" bIns="45720" rtlCol="0">
-            <a:normAutofit/>
-          </a:bodyPr>
-          <a:lstStyle>
-            <a:lvl1pPr marL="0" indent="0" algn="l" defTabSz="914400" rtl="0" eaLnBrk="1" latinLnBrk="0" hangingPunct="1">
-              <a:lnSpc>
-                <a:spcPct val="90000"/>
-              </a:lnSpc>
-              <a:spcBef>
-                <a:spcPts val="1000"/>
-              </a:spcBef>
-              <a:buFont typeface="Arial" panose="020B0604020202020204" pitchFamily="34" charset="0"/>
-              <a:buNone/>
-              <a:defRPr sz="1600" kern="1200">
-                <a:solidFill>
-                  <a:schemeClr val="tx1"/>
-                </a:solidFill>
-                <a:latin typeface="+mn-lt"/>
-                <a:ea typeface="+mn-ea"/>
-                <a:cs typeface="+mn-cs"/>
-              </a:defRPr>
-            </a:lvl1pPr>
-            <a:lvl2pPr marL="457200" indent="0" algn="l" defTabSz="914400" rtl="0" eaLnBrk="1" latinLnBrk="0" hangingPunct="1">
-              <a:lnSpc>
-                <a:spcPct val="90000"/>
-              </a:lnSpc>
-              <a:spcBef>
-                <a:spcPts val="500"/>
-              </a:spcBef>
-              <a:buFont typeface="Arial" panose="020B0604020202020204" pitchFamily="34" charset="0"/>
-              <a:buNone/>
-              <a:defRPr sz="1400" kern="1200">
-                <a:solidFill>
-                  <a:schemeClr val="tx1"/>
-                </a:solidFill>
-                <a:latin typeface="+mn-lt"/>
-                <a:ea typeface="+mn-ea"/>
-                <a:cs typeface="+mn-cs"/>
-              </a:defRPr>
-            </a:lvl2pPr>
-            <a:lvl3pPr marL="914400" indent="0" algn="l" defTabSz="914400" rtl="0" eaLnBrk="1" latinLnBrk="0" hangingPunct="1">
-              <a:lnSpc>
-                <a:spcPct val="90000"/>
-              </a:lnSpc>
-              <a:spcBef>
-                <a:spcPts val="500"/>
-              </a:spcBef>
-              <a:buFont typeface="Arial" panose="020B0604020202020204" pitchFamily="34" charset="0"/>
-              <a:buNone/>
-              <a:defRPr sz="1200" kern="1200">
-                <a:solidFill>
-                  <a:schemeClr val="tx1"/>
-                </a:solidFill>
-                <a:latin typeface="+mn-lt"/>
-                <a:ea typeface="+mn-ea"/>
-                <a:cs typeface="+mn-cs"/>
-              </a:defRPr>
-            </a:lvl3pPr>
-            <a:lvl4pPr marL="1371600" indent="0" algn="l" defTabSz="914400" rtl="0" eaLnBrk="1" latinLnBrk="0" hangingPunct="1">
-              <a:lnSpc>
-                <a:spcPct val="90000"/>
-              </a:lnSpc>
-              <a:spcBef>
-                <a:spcPts val="500"/>
-              </a:spcBef>
-              <a:buFont typeface="Arial" panose="020B0604020202020204" pitchFamily="34" charset="0"/>
-              <a:buNone/>
-              <a:defRPr sz="1000" kern="1200">
-                <a:solidFill>
-                  <a:schemeClr val="tx1"/>
-                </a:solidFill>
-                <a:latin typeface="+mn-lt"/>
-                <a:ea typeface="+mn-ea"/>
-                <a:cs typeface="+mn-cs"/>
-              </a:defRPr>
-            </a:lvl4pPr>
-            <a:lvl5pPr marL="1828800" indent="0" algn="l" defTabSz="914400" rtl="0" eaLnBrk="1" latinLnBrk="0" hangingPunct="1">
-              <a:lnSpc>
-                <a:spcPct val="90000"/>
-              </a:lnSpc>
-              <a:spcBef>
-                <a:spcPts val="500"/>
-              </a:spcBef>
-              <a:buFont typeface="Arial" panose="020B0604020202020204" pitchFamily="34" charset="0"/>
-              <a:buNone/>
-              <a:defRPr sz="1000" kern="1200">
-                <a:solidFill>
-                  <a:schemeClr val="tx1"/>
-                </a:solidFill>
-                <a:latin typeface="+mn-lt"/>
-                <a:ea typeface="+mn-ea"/>
-                <a:cs typeface="+mn-cs"/>
-              </a:defRPr>
-            </a:lvl5pPr>
-            <a:lvl6pPr marL="2286000" indent="0" algn="l" defTabSz="914400" rtl="0" eaLnBrk="1" latinLnBrk="0" hangingPunct="1">
-              <a:lnSpc>
-                <a:spcPct val="90000"/>
-              </a:lnSpc>
-              <a:spcBef>
-                <a:spcPts val="500"/>
-              </a:spcBef>
-              <a:buFont typeface="Arial" panose="020B0604020202020204" pitchFamily="34" charset="0"/>
-              <a:buNone/>
-              <a:defRPr sz="1000" kern="1200">
-                <a:solidFill>
-                  <a:schemeClr val="tx1"/>
-                </a:solidFill>
-                <a:latin typeface="+mn-lt"/>
-                <a:ea typeface="+mn-ea"/>
-                <a:cs typeface="+mn-cs"/>
-              </a:defRPr>
-            </a:lvl6pPr>
-            <a:lvl7pPr marL="2743200" indent="0" algn="l" defTabSz="914400" rtl="0" eaLnBrk="1" latinLnBrk="0" hangingPunct="1">
-              <a:lnSpc>
-                <a:spcPct val="90000"/>
-              </a:lnSpc>
-              <a:spcBef>
-                <a:spcPts val="500"/>
-              </a:spcBef>
-              <a:buFont typeface="Arial" panose="020B0604020202020204" pitchFamily="34" charset="0"/>
-              <a:buNone/>
-              <a:defRPr sz="1000" kern="1200">
-                <a:solidFill>
-                  <a:schemeClr val="tx1"/>
-                </a:solidFill>
-                <a:latin typeface="+mn-lt"/>
-                <a:ea typeface="+mn-ea"/>
-                <a:cs typeface="+mn-cs"/>
-              </a:defRPr>
-            </a:lvl7pPr>
-            <a:lvl8pPr marL="3200400" indent="0" algn="l" defTabSz="914400" rtl="0" eaLnBrk="1" latinLnBrk="0" hangingPunct="1">
-              <a:lnSpc>
-                <a:spcPct val="90000"/>
-              </a:lnSpc>
-              <a:spcBef>
-                <a:spcPts val="500"/>
-              </a:spcBef>
-              <a:buFont typeface="Arial" panose="020B0604020202020204" pitchFamily="34" charset="0"/>
-              <a:buNone/>
-              <a:defRPr sz="1000" kern="1200">
-                <a:solidFill>
-                  <a:schemeClr val="tx1"/>
-                </a:solidFill>
-                <a:latin typeface="+mn-lt"/>
-                <a:ea typeface="+mn-ea"/>
-                <a:cs typeface="+mn-cs"/>
-              </a:defRPr>
-            </a:lvl8pPr>
-            <a:lvl9pPr marL="3657600" indent="0" algn="l" defTabSz="914400" rtl="0" eaLnBrk="1" latinLnBrk="0" hangingPunct="1">
-              <a:lnSpc>
-                <a:spcPct val="90000"/>
-              </a:lnSpc>
-              <a:spcBef>
-                <a:spcPts val="500"/>
-              </a:spcBef>
-              <a:buFont typeface="Arial" panose="020B0604020202020204" pitchFamily="34" charset="0"/>
-              <a:buNone/>
-              <a:defRPr sz="1000" kern="1200">
-                <a:solidFill>
-                  <a:schemeClr val="tx1"/>
-                </a:solidFill>
-                <a:latin typeface="+mn-lt"/>
-                <a:ea typeface="+mn-ea"/>
-                <a:cs typeface="+mn-cs"/>
-              </a:defRPr>
-            </a:lvl9pPr>
-          </a:lstStyle>
-          <a:p>
-            <a:r>
-              <a:rPr lang="fr-FR"/>
-              <a:t>Gestion des accès au campus</a:t>
-            </a:r>
-            <a:endParaRPr lang="fr-FR" dirty="0"/>
+      </p:pic>
+      <p:pic>
+        <p:nvPicPr>
+          <p:cNvPr id="12" name="Image 11">
+            <a:extLst>
+              <a:ext uri="{FF2B5EF4-FFF2-40B4-BE49-F238E27FC236}">
+                <a16:creationId xmlns:a16="http://schemas.microsoft.com/office/drawing/2014/main" id="{103C5B29-E6F3-7053-9678-13D27864FFAC}"/>
+              </a:ext>
+            </a:extLst>
+          </p:cNvPr>
+          <p:cNvPicPr>
+            <a:picLocks noChangeAspect="1"/>
+          </p:cNvPicPr>
+          <p:nvPr/>
+        </p:nvPicPr>
+        <p:blipFill rotWithShape="1">
+          <a:blip r:embed="rId5"/>
+          <a:srcRect l="40072"/>
+          <a:stretch/>
+        </p:blipFill>
+        <p:spPr>
+          <a:xfrm>
+            <a:off x="4989153" y="0"/>
+            <a:ext cx="7202847" cy="6858000"/>
+          </a:xfrm>
+          <a:prstGeom prst="rect">
+            <a:avLst/>
+          </a:prstGeom>
+        </p:spPr>
+      </p:pic>
+      <p:sp>
+        <p:nvSpPr>
+          <p:cNvPr id="10" name="Ellipse 9">
+            <a:extLst>
+              <a:ext uri="{FF2B5EF4-FFF2-40B4-BE49-F238E27FC236}">
+                <a16:creationId xmlns:a16="http://schemas.microsoft.com/office/drawing/2014/main" id="{CAAC5C78-E630-573E-A43F-D1107666D747}"/>
+              </a:ext>
+            </a:extLst>
+          </p:cNvPr>
+          <p:cNvSpPr/>
+          <p:nvPr/>
+        </p:nvSpPr>
+        <p:spPr>
+          <a:xfrm>
+            <a:off x="7583488" y="1488332"/>
+            <a:ext cx="2825108" cy="3988340"/>
+          </a:xfrm>
+          <a:prstGeom prst="ellipse">
+            <a:avLst/>
+          </a:prstGeom>
+          <a:noFill/>
+          <a:ln w="38100"/>
+        </p:spPr>
+        <p:style>
+          <a:lnRef idx="2">
+            <a:schemeClr val="accent1">
+              <a:shade val="50000"/>
+            </a:schemeClr>
+          </a:lnRef>
+          <a:fillRef idx="1">
+            <a:schemeClr val="accent1"/>
+          </a:fillRef>
+          <a:effectRef idx="0">
+            <a:schemeClr val="accent1"/>
+          </a:effectRef>
+          <a:fontRef idx="minor">
+            <a:schemeClr val="lt1"/>
+          </a:fontRef>
+        </p:style>
+        <p:txBody>
+          <a:bodyPr rtlCol="0" anchor="ctr"/>
+          <a:lstStyle/>
+          <a:p>
+            <a:pPr algn="ctr"/>
+            <a:endParaRPr lang="fr-FR"/>
           </a:p>
         </p:txBody>
       </p:sp>
     </p:spTree>
     <p:extLst>
       <p:ext uri="{BB962C8B-B14F-4D97-AF65-F5344CB8AC3E}">
-        <p14:creationId xmlns:p14="http://schemas.microsoft.com/office/powerpoint/2010/main" val="3303001111"/>
+        <p14:creationId xmlns:p14="http://schemas.microsoft.com/office/powerpoint/2010/main" val="2809124533"/>
       </p:ext>
     </p:extLst>
   </p:cSld>
@@ -16113,15 +16565,6 @@
 </file>
 
 <file path=customXml/item1.xml><?xml version="1.0" encoding="utf-8"?>
-<?mso-contentType ?>
-<FormTemplates xmlns="http://schemas.microsoft.com/sharepoint/v3/contenttype/forms">
-  <Display>DocumentLibraryForm</Display>
-  <Edit>DocumentLibraryForm</Edit>
-  <New>DocumentLibraryForm</New>
-</FormTemplates>
-</file>
-
-<file path=customXml/item2.xml><?xml version="1.0" encoding="utf-8"?>
 <ct:contentTypeSchema xmlns:ct="http://schemas.microsoft.com/office/2006/metadata/contentType" xmlns:ma="http://schemas.microsoft.com/office/2006/metadata/properties/metaAttributes" ct:_="" ma:_="" ma:contentTypeName="Document" ma:contentTypeID="0x01010049B758F657B6B546A2B1F25A9054A133" ma:contentTypeVersion="2" ma:contentTypeDescription="Crée un document." ma:contentTypeScope="" ma:versionID="345806b9f831dd6ed5c15d9ed9821fb1">
   <xsd:schema xmlns:xsd="http://www.w3.org/2001/XMLSchema" xmlns:xs="http://www.w3.org/2001/XMLSchema" xmlns:p="http://schemas.microsoft.com/office/2006/metadata/properties" xmlns:ns3="88e89e40-c19a-48d0-a0b6-11184f7f918e" targetNamespace="http://schemas.microsoft.com/office/2006/metadata/properties" ma:root="true" ma:fieldsID="5384d96721a2c9fc685b12fc798eb168" ns3:_="">
     <xsd:import namespace="88e89e40-c19a-48d0-a0b6-11184f7f918e"/>
@@ -16253,6 +16696,15 @@
 </ct:contentTypeSchema>
 </file>
 
+<file path=customXml/item2.xml><?xml version="1.0" encoding="utf-8"?>
+<?mso-contentType ?>
+<FormTemplates xmlns="http://schemas.microsoft.com/sharepoint/v3/contenttype/forms">
+  <Display>DocumentLibraryForm</Display>
+  <Edit>DocumentLibraryForm</Edit>
+  <New>DocumentLibraryForm</New>
+</FormTemplates>
+</file>
+
 <file path=customXml/item3.xml><?xml version="1.0" encoding="utf-8"?>
 <p:properties xmlns:p="http://schemas.microsoft.com/office/2006/metadata/properties" xmlns:xsi="http://www.w3.org/2001/XMLSchema-instance" xmlns:pc="http://schemas.microsoft.com/office/infopath/2007/PartnerControls">
   <documentManagement/>
@@ -16260,14 +16712,6 @@
 </file>
 
 <file path=customXml/itemProps1.xml><?xml version="1.0" encoding="utf-8"?>
-<ds:datastoreItem xmlns:ds="http://schemas.openxmlformats.org/officeDocument/2006/customXml" ds:itemID="{6216BF83-BC37-4FA3-93AF-55DBFC07FBB9}">
-  <ds:schemaRefs>
-    <ds:schemaRef ds:uri="http://schemas.microsoft.com/sharepoint/v3/contenttype/forms"/>
-  </ds:schemaRefs>
-</ds:datastoreItem>
-</file>
-
-<file path=customXml/itemProps2.xml><?xml version="1.0" encoding="utf-8"?>
 <ds:datastoreItem xmlns:ds="http://schemas.openxmlformats.org/officeDocument/2006/customXml" ds:itemID="{0F26BBB6-F212-4F70-8A4C-78715A39EE34}">
   <ds:schemaRefs>
     <ds:schemaRef ds:uri="http://schemas.microsoft.com/office/2006/metadata/contentType"/>
@@ -16281,6 +16725,14 @@
     <ds:schemaRef ds:uri="http://purl.org/dc/elements/1.1/"/>
     <ds:schemaRef ds:uri="http://purl.org/dc/terms/"/>
     <ds:schemaRef ds:uri="http://schemas.microsoft.com/internal/obd"/>
+  </ds:schemaRefs>
+</ds:datastoreItem>
+</file>
+
+<file path=customXml/itemProps2.xml><?xml version="1.0" encoding="utf-8"?>
+<ds:datastoreItem xmlns:ds="http://schemas.openxmlformats.org/officeDocument/2006/customXml" ds:itemID="{6216BF83-BC37-4FA3-93AF-55DBFC07FBB9}">
+  <ds:schemaRefs>
+    <ds:schemaRef ds:uri="http://schemas.microsoft.com/sharepoint/v3/contenttype/forms"/>
   </ds:schemaRefs>
 </ds:datastoreItem>
 </file>

--- a/Docs/Gestion des accès au bâtiment.pptx
+++ b/Docs/Gestion des accès au bâtiment.pptx
@@ -5,10 +5,10 @@
     <p:sldMasterId id="2147483648" r:id="rId4"/>
   </p:sldMasterIdLst>
   <p:notesMasterIdLst>
-    <p:notesMasterId r:id="rId25"/>
+    <p:notesMasterId r:id="rId26"/>
   </p:notesMasterIdLst>
   <p:handoutMasterIdLst>
-    <p:handoutMasterId r:id="rId26"/>
+    <p:handoutMasterId r:id="rId27"/>
   </p:handoutMasterIdLst>
   <p:sldIdLst>
     <p:sldId id="281" r:id="rId5"/>
@@ -18,19 +18,20 @@
     <p:sldId id="309" r:id="rId9"/>
     <p:sldId id="310" r:id="rId10"/>
     <p:sldId id="298" r:id="rId11"/>
-    <p:sldId id="311" r:id="rId12"/>
-    <p:sldId id="300" r:id="rId13"/>
-    <p:sldId id="301" r:id="rId14"/>
-    <p:sldId id="302" r:id="rId15"/>
+    <p:sldId id="300" r:id="rId12"/>
+    <p:sldId id="301" r:id="rId13"/>
+    <p:sldId id="302" r:id="rId14"/>
+    <p:sldId id="312" r:id="rId15"/>
     <p:sldId id="303" r:id="rId16"/>
-    <p:sldId id="304" r:id="rId17"/>
-    <p:sldId id="308" r:id="rId18"/>
-    <p:sldId id="305" r:id="rId19"/>
-    <p:sldId id="306" r:id="rId20"/>
-    <p:sldId id="307" r:id="rId21"/>
-    <p:sldId id="299" r:id="rId22"/>
-    <p:sldId id="295" r:id="rId23"/>
-    <p:sldId id="256" r:id="rId24"/>
+    <p:sldId id="311" r:id="rId17"/>
+    <p:sldId id="304" r:id="rId18"/>
+    <p:sldId id="308" r:id="rId19"/>
+    <p:sldId id="305" r:id="rId20"/>
+    <p:sldId id="306" r:id="rId21"/>
+    <p:sldId id="307" r:id="rId22"/>
+    <p:sldId id="299" r:id="rId23"/>
+    <p:sldId id="295" r:id="rId24"/>
+    <p:sldId id="256" r:id="rId25"/>
   </p:sldIdLst>
   <p:sldSz cx="12192000" cy="6858000"/>
   <p:notesSz cx="6858000" cy="9144000"/>
@@ -1036,7 +1037,7 @@
             <a:pPr rtl="0"/>
             <a:fld id="{6BF82289-BCFD-4053-9D06-A9140C63A457}" type="slidenum">
               <a:rPr lang="fr-FR" smtClean="0"/>
-              <a:t>19</a:t>
+              <a:t>20</a:t>
             </a:fld>
             <a:endParaRPr lang="fr-FR"/>
           </a:p>
@@ -1122,7 +1123,7 @@
             <a:pPr rtl="0"/>
             <a:fld id="{6BF82289-BCFD-4053-9D06-A9140C63A457}" type="slidenum">
               <a:rPr lang="fr-FR" smtClean="0"/>
-              <a:t>20</a:t>
+              <a:t>21</a:t>
             </a:fld>
             <a:endParaRPr lang="fr-FR"/>
           </a:p>
@@ -10445,156 +10446,46 @@
             </a:br>
             <a:r>
               <a:rPr lang="fr-FR" sz="2000" dirty="0"/>
-              <a:t>Publication des données avec MQTT</a:t>
+              <a:t>Sauvegarde des données sur la BDD</a:t>
             </a:r>
             <a:endParaRPr lang="fr-FR" dirty="0"/>
           </a:p>
         </p:txBody>
       </p:sp>
-      <p:sp>
-        <p:nvSpPr>
-          <p:cNvPr id="3" name="Espace réservé du texte 2">
-            <a:extLst>
-              <a:ext uri="{FF2B5EF4-FFF2-40B4-BE49-F238E27FC236}">
-                <a16:creationId xmlns:a16="http://schemas.microsoft.com/office/drawing/2014/main" id="{09E83A35-1FD2-59BB-CBDE-C332CBAB8755}"/>
-              </a:ext>
-            </a:extLst>
-          </p:cNvPr>
-          <p:cNvSpPr>
-            <a:spLocks noGrp="1"/>
-          </p:cNvSpPr>
-          <p:nvPr>
-            <p:ph type="body" sz="half" idx="2"/>
-          </p:nvPr>
-        </p:nvSpPr>
-        <p:spPr>
-          <a:xfrm>
-            <a:off x="839788" y="2222770"/>
-            <a:ext cx="3932237" cy="3811588"/>
-          </a:xfrm>
-        </p:spPr>
-        <p:txBody>
-          <a:bodyPr/>
-          <a:lstStyle/>
-          <a:p>
-            <a:pPr marL="285750" indent="-285750">
-              <a:buFont typeface="Arial" panose="020B0604020202020204" pitchFamily="34" charset="0"/>
-              <a:buChar char="•"/>
-            </a:pPr>
-            <a:r>
-              <a:rPr lang="fr-FR" dirty="0"/>
-              <a:t>MQTT serveur : 192.168.143.151</a:t>
-            </a:r>
-          </a:p>
-          <a:p>
-            <a:pPr marL="285750" indent="-285750">
-              <a:buFont typeface="Arial" panose="020B0604020202020204" pitchFamily="34" charset="0"/>
-              <a:buChar char="•"/>
-            </a:pPr>
-            <a:r>
-              <a:rPr lang="fr-FR" dirty="0"/>
-              <a:t>Topic: Campus</a:t>
-            </a:r>
-          </a:p>
-          <a:p>
-            <a:pPr marL="285750" indent="-285750">
-              <a:buFont typeface="Arial" panose="020B0604020202020204" pitchFamily="34" charset="0"/>
-              <a:buChar char="•"/>
-            </a:pPr>
-            <a:r>
-              <a:rPr lang="fr-FR" dirty="0"/>
-              <a:t>Port : 1883</a:t>
-            </a:r>
-          </a:p>
-          <a:p>
-            <a:pPr marL="285750" indent="-285750">
-              <a:buFont typeface="Arial" panose="020B0604020202020204" pitchFamily="34" charset="0"/>
-              <a:buChar char="•"/>
-            </a:pPr>
-            <a:endParaRPr lang="fr-FR" dirty="0"/>
-          </a:p>
-        </p:txBody>
-      </p:sp>
-      <p:sp>
-        <p:nvSpPr>
-          <p:cNvPr id="10" name="Ellipse 9">
-            <a:extLst>
-              <a:ext uri="{FF2B5EF4-FFF2-40B4-BE49-F238E27FC236}">
-                <a16:creationId xmlns:a16="http://schemas.microsoft.com/office/drawing/2014/main" id="{CAAC5C78-E630-573E-A43F-D1107666D747}"/>
-              </a:ext>
-            </a:extLst>
-          </p:cNvPr>
-          <p:cNvSpPr/>
+      <p:pic>
+        <p:nvPicPr>
+          <p:cNvPr id="10" name="Image 9">
+            <a:extLst>
+              <a:ext uri="{FF2B5EF4-FFF2-40B4-BE49-F238E27FC236}">
+                <a16:creationId xmlns:a16="http://schemas.microsoft.com/office/drawing/2014/main" id="{07643997-9388-B0DA-5BA1-467E1550C170}"/>
+              </a:ext>
+            </a:extLst>
+          </p:cNvPr>
+          <p:cNvPicPr>
+            <a:picLocks noChangeAspect="1"/>
+          </p:cNvPicPr>
           <p:nvPr/>
-        </p:nvSpPr>
-        <p:spPr>
-          <a:xfrm>
-            <a:off x="7583488" y="2208346"/>
-            <a:ext cx="1618878" cy="914233"/>
-          </a:xfrm>
-          <a:prstGeom prst="ellipse">
+        </p:nvPicPr>
+        <p:blipFill>
+          <a:blip r:embed="rId2"/>
+          <a:stretch>
+            <a:fillRect/>
+          </a:stretch>
+        </p:blipFill>
+        <p:spPr>
+          <a:xfrm>
+            <a:off x="261505" y="2213736"/>
+            <a:ext cx="6573404" cy="4387666"/>
+          </a:xfrm>
+          <a:prstGeom prst="rect">
             <a:avLst/>
           </a:prstGeom>
-          <a:noFill/>
-          <a:ln w="38100"/>
-        </p:spPr>
-        <p:style>
-          <a:lnRef idx="2">
-            <a:schemeClr val="accent1">
-              <a:shade val="50000"/>
-            </a:schemeClr>
-          </a:lnRef>
-          <a:fillRef idx="1">
-            <a:schemeClr val="accent1"/>
-          </a:fillRef>
-          <a:effectRef idx="0">
-            <a:schemeClr val="accent1"/>
-          </a:effectRef>
-          <a:fontRef idx="minor">
-            <a:schemeClr val="lt1"/>
-          </a:fontRef>
-        </p:style>
-        <p:txBody>
-          <a:bodyPr rtlCol="0" anchor="ctr"/>
-          <a:lstStyle/>
-          <a:p>
-            <a:pPr algn="ctr"/>
-            <a:endParaRPr lang="fr-FR"/>
-          </a:p>
-        </p:txBody>
-      </p:sp>
-      <p:pic>
-        <p:nvPicPr>
-          <p:cNvPr id="9" name="Espace réservé pour une image  8">
-            <a:extLst>
-              <a:ext uri="{FF2B5EF4-FFF2-40B4-BE49-F238E27FC236}">
-                <a16:creationId xmlns:a16="http://schemas.microsoft.com/office/drawing/2014/main" id="{59BC2D6D-E3B7-1549-8F37-2F65054EAF82}"/>
-              </a:ext>
-            </a:extLst>
-          </p:cNvPr>
-          <p:cNvPicPr>
-            <a:picLocks noGrp="1" noChangeAspect="1"/>
-          </p:cNvPicPr>
-          <p:nvPr>
-            <p:ph type="pic" idx="1"/>
-          </p:nvPr>
-        </p:nvPicPr>
-        <p:blipFill rotWithShape="1">
-          <a:blip r:embed="rId2"/>
-          <a:srcRect t="-10496" b="-10496"/>
-          <a:stretch/>
-        </p:blipFill>
-        <p:spPr>
-          <a:xfrm>
-            <a:off x="5183188" y="417513"/>
-            <a:ext cx="6172200" cy="5403850"/>
-          </a:xfrm>
         </p:spPr>
       </p:pic>
     </p:spTree>
     <p:extLst>
       <p:ext uri="{BB962C8B-B14F-4D97-AF65-F5344CB8AC3E}">
-        <p14:creationId xmlns:p14="http://schemas.microsoft.com/office/powerpoint/2010/main" val="2686469771"/>
+        <p14:creationId xmlns:p14="http://schemas.microsoft.com/office/powerpoint/2010/main" val="2475685554"/>
       </p:ext>
     </p:extLst>
   </p:cSld>
@@ -10653,52 +10544,18 @@
             </a:br>
             <a:r>
               <a:rPr lang="fr-FR" sz="2000" dirty="0"/>
-              <a:t>Sauvegarde des données sur la BDD</a:t>
-            </a:r>
-            <a:endParaRPr lang="fr-FR" dirty="0"/>
-          </a:p>
-        </p:txBody>
-      </p:sp>
-      <p:sp>
-        <p:nvSpPr>
-          <p:cNvPr id="3" name="Espace réservé du texte 2">
-            <a:extLst>
-              <a:ext uri="{FF2B5EF4-FFF2-40B4-BE49-F238E27FC236}">
-                <a16:creationId xmlns:a16="http://schemas.microsoft.com/office/drawing/2014/main" id="{09E83A35-1FD2-59BB-CBDE-C332CBAB8755}"/>
-              </a:ext>
-            </a:extLst>
-          </p:cNvPr>
-          <p:cNvSpPr>
-            <a:spLocks noGrp="1"/>
-          </p:cNvSpPr>
-          <p:nvPr>
-            <p:ph type="body" sz="half" idx="2"/>
-          </p:nvPr>
-        </p:nvSpPr>
-        <p:spPr>
-          <a:xfrm>
-            <a:off x="839788" y="2222770"/>
-            <a:ext cx="3932237" cy="3811588"/>
-          </a:xfrm>
-        </p:spPr>
-        <p:txBody>
-          <a:bodyPr/>
-          <a:lstStyle/>
-          <a:p>
-            <a:pPr marL="285750" indent="-285750">
-              <a:buFont typeface="Arial" panose="020B0604020202020204" pitchFamily="34" charset="0"/>
-              <a:buChar char="•"/>
-            </a:pPr>
+              <a:t>Calcul du nombre de personnes présentes sur le campus</a:t>
+            </a:r>
             <a:endParaRPr lang="fr-FR" dirty="0"/>
           </a:p>
         </p:txBody>
       </p:sp>
       <p:pic>
         <p:nvPicPr>
-          <p:cNvPr id="6" name="Image 5">
-            <a:extLst>
-              <a:ext uri="{FF2B5EF4-FFF2-40B4-BE49-F238E27FC236}">
-                <a16:creationId xmlns:a16="http://schemas.microsoft.com/office/drawing/2014/main" id="{D1394E37-3DD0-E51A-C2F0-265279C79AC0}"/>
+          <p:cNvPr id="3" name="Image 2">
+            <a:extLst>
+              <a:ext uri="{FF2B5EF4-FFF2-40B4-BE49-F238E27FC236}">
+                <a16:creationId xmlns:a16="http://schemas.microsoft.com/office/drawing/2014/main" id="{9F31891A-6439-CCC0-57E7-8CECF73C182B}"/>
               </a:ext>
             </a:extLst>
           </p:cNvPr>
@@ -10715,8 +10572,38 @@
         </p:blipFill>
         <p:spPr>
           <a:xfrm>
-            <a:off x="4894331" y="1148564"/>
-            <a:ext cx="7297669" cy="1074206"/>
+            <a:off x="383020" y="2066636"/>
+            <a:ext cx="3505489" cy="4647318"/>
+          </a:xfrm>
+          <a:prstGeom prst="rect">
+            <a:avLst/>
+          </a:prstGeom>
+        </p:spPr>
+      </p:pic>
+      <p:pic>
+        <p:nvPicPr>
+          <p:cNvPr id="4" name="Image 3">
+            <a:extLst>
+              <a:ext uri="{FF2B5EF4-FFF2-40B4-BE49-F238E27FC236}">
+                <a16:creationId xmlns:a16="http://schemas.microsoft.com/office/drawing/2014/main" id="{FF427FB7-A603-CEC7-956E-0C13243419C8}"/>
+              </a:ext>
+            </a:extLst>
+          </p:cNvPr>
+          <p:cNvPicPr>
+            <a:picLocks noChangeAspect="1"/>
+          </p:cNvPicPr>
+          <p:nvPr/>
+        </p:nvPicPr>
+        <p:blipFill>
+          <a:blip r:embed="rId3"/>
+          <a:stretch>
+            <a:fillRect/>
+          </a:stretch>
+        </p:blipFill>
+        <p:spPr>
+          <a:xfrm>
+            <a:off x="4209038" y="2066636"/>
+            <a:ext cx="7816707" cy="1554063"/>
           </a:xfrm>
           <a:prstGeom prst="rect">
             <a:avLst/>
@@ -10726,7 +10613,7 @@
     </p:spTree>
     <p:extLst>
       <p:ext uri="{BB962C8B-B14F-4D97-AF65-F5344CB8AC3E}">
-        <p14:creationId xmlns:p14="http://schemas.microsoft.com/office/powerpoint/2010/main" val="2475685554"/>
+        <p14:creationId xmlns:p14="http://schemas.microsoft.com/office/powerpoint/2010/main" val="424443722"/>
       </p:ext>
     </p:extLst>
   </p:cSld>
@@ -11070,10 +10957,10 @@
       </p:grpSpPr>
       <p:sp>
         <p:nvSpPr>
-          <p:cNvPr id="2" name="Titre 1">
-            <a:extLst>
-              <a:ext uri="{FF2B5EF4-FFF2-40B4-BE49-F238E27FC236}">
-                <a16:creationId xmlns:a16="http://schemas.microsoft.com/office/drawing/2014/main" id="{DBD23F23-EF92-2EE6-EED2-24F174401B9D}"/>
+          <p:cNvPr id="5" name="Titre 4">
+            <a:extLst>
+              <a:ext uri="{FF2B5EF4-FFF2-40B4-BE49-F238E27FC236}">
+                <a16:creationId xmlns:a16="http://schemas.microsoft.com/office/drawing/2014/main" id="{7BC74D96-20AD-411A-6EC2-B30B1CA4C432}"/>
               </a:ext>
             </a:extLst>
           </p:cNvPr>
@@ -11084,121 +10971,235 @@
             <p:ph type="title"/>
           </p:nvPr>
         </p:nvSpPr>
-        <p:spPr>
-          <a:xfrm>
-            <a:off x="839788" y="457200"/>
-            <a:ext cx="4654925" cy="1600200"/>
-          </a:xfrm>
-        </p:spPr>
-        <p:txBody>
-          <a:bodyPr anchor="t">
-            <a:normAutofit/>
-          </a:bodyPr>
+        <p:spPr/>
+        <p:txBody>
+          <a:bodyPr/>
           <a:lstStyle/>
           <a:p>
             <a:r>
               <a:rPr lang="fr-FR" dirty="0"/>
-              <a:t>Gestion des accès à la salle</a:t>
+              <a:t>Gestion des accès au </a:t>
+            </a:r>
+            <a:r>
+              <a:rPr lang="fr-FR" dirty="0" err="1"/>
+              <a:t>batiment</a:t>
             </a:r>
             <a:br>
               <a:rPr lang="fr-FR" dirty="0"/>
             </a:br>
-            <a:r>
-              <a:rPr lang="fr-FR" sz="2000" dirty="0"/>
-              <a:t>Récupération des paramètres biométrique </a:t>
-            </a:r>
+            <a:endParaRPr lang="fr-FR" dirty="0"/>
+          </a:p>
+        </p:txBody>
+      </p:sp>
+      <p:sp>
+        <p:nvSpPr>
+          <p:cNvPr id="8" name="Espace réservé du numéro de diapositive 7">
+            <a:extLst>
+              <a:ext uri="{FF2B5EF4-FFF2-40B4-BE49-F238E27FC236}">
+                <a16:creationId xmlns:a16="http://schemas.microsoft.com/office/drawing/2014/main" id="{292B76D6-CD86-E9EB-1368-EC8B1C74C821}"/>
+              </a:ext>
+            </a:extLst>
+          </p:cNvPr>
+          <p:cNvSpPr>
+            <a:spLocks noGrp="1"/>
+          </p:cNvSpPr>
+          <p:nvPr>
+            <p:ph type="sldNum" sz="quarter" idx="4"/>
+          </p:nvPr>
+        </p:nvSpPr>
+        <p:spPr/>
+        <p:txBody>
+          <a:bodyPr/>
+          <a:lstStyle/>
+          <a:p>
+            <a:pPr algn="ctr" rtl="0"/>
+            <a:fld id="{817179DE-9BF3-494C-804F-0C7C90AC8700}" type="slidenum">
+              <a:rPr lang="fr-FR" noProof="0" smtClean="0"/>
+              <a:pPr algn="ctr" rtl="0"/>
+              <a:t>13</a:t>
+            </a:fld>
+            <a:endParaRPr lang="fr-FR" noProof="0"/>
+          </a:p>
+        </p:txBody>
+      </p:sp>
+      <p:sp>
+        <p:nvSpPr>
+          <p:cNvPr id="9" name="ZoneTexte 8">
+            <a:extLst>
+              <a:ext uri="{FF2B5EF4-FFF2-40B4-BE49-F238E27FC236}">
+                <a16:creationId xmlns:a16="http://schemas.microsoft.com/office/drawing/2014/main" id="{1B95B750-151B-7F88-6A2D-8E96DD9071A3}"/>
+              </a:ext>
+            </a:extLst>
+          </p:cNvPr>
+          <p:cNvSpPr txBox="1"/>
+          <p:nvPr/>
+        </p:nvSpPr>
+        <p:spPr>
+          <a:xfrm>
+            <a:off x="566501" y="1588010"/>
+            <a:ext cx="11058998" cy="1200329"/>
+          </a:xfrm>
+          <a:prstGeom prst="rect">
+            <a:avLst/>
+          </a:prstGeom>
+          <a:noFill/>
+        </p:spPr>
+        <p:txBody>
+          <a:bodyPr wrap="square" rtlCol="0">
+            <a:spAutoFit/>
+          </a:bodyPr>
+          <a:lstStyle/>
+          <a:p>
+            <a:pPr marL="285750" indent="-285750">
+              <a:buFontTx/>
+              <a:buChar char="-"/>
+            </a:pPr>
+            <a:r>
+              <a:rPr lang="fr-FR" dirty="0"/>
+              <a:t>Objectif</a:t>
+            </a:r>
+          </a:p>
+          <a:p>
+            <a:pPr marL="285750" indent="-285750">
+              <a:buFontTx/>
+              <a:buChar char="-"/>
+            </a:pPr>
+            <a:r>
+              <a:rPr lang="fr-FR" dirty="0"/>
+              <a:t>Environnement de développement :</a:t>
+            </a:r>
+          </a:p>
+          <a:p>
             <a:r>
               <a:rPr lang="fr-FR" dirty="0"/>
               <a:t> </a:t>
             </a:r>
           </a:p>
-        </p:txBody>
-      </p:sp>
-      <p:sp>
-        <p:nvSpPr>
-          <p:cNvPr id="3" name="Espace réservé du texte 2">
-            <a:extLst>
-              <a:ext uri="{FF2B5EF4-FFF2-40B4-BE49-F238E27FC236}">
-                <a16:creationId xmlns:a16="http://schemas.microsoft.com/office/drawing/2014/main" id="{070D4B8C-89A7-65B0-892A-D27A85A3C9A2}"/>
-              </a:ext>
-            </a:extLst>
-          </p:cNvPr>
-          <p:cNvSpPr>
-            <a:spLocks noGrp="1"/>
-          </p:cNvSpPr>
-          <p:nvPr>
-            <p:ph type="body" sz="half" idx="2"/>
-          </p:nvPr>
-        </p:nvSpPr>
-        <p:spPr>
-          <a:xfrm>
-            <a:off x="839788" y="1625138"/>
-            <a:ext cx="3932237" cy="432262"/>
-          </a:xfrm>
-        </p:spPr>
-        <p:txBody>
-          <a:bodyPr/>
-          <a:lstStyle/>
-          <a:p>
-            <a:r>
-              <a:rPr lang="fr-FR" dirty="0"/>
-              <a:t>Lancement de la caméra</a:t>
-            </a:r>
+          <a:p>
+            <a:endParaRPr lang="fr-FR" dirty="0"/>
           </a:p>
         </p:txBody>
       </p:sp>
       <p:pic>
         <p:nvPicPr>
-          <p:cNvPr id="4" name="Image 3"/>
-          <p:cNvPicPr>
-            <a:picLocks noChangeAspect="1"/>
-          </p:cNvPicPr>
+          <p:cNvPr id="10" name="Image 18">
+            <a:extLst>
+              <a:ext uri="{FF2B5EF4-FFF2-40B4-BE49-F238E27FC236}">
+                <a16:creationId xmlns:a16="http://schemas.microsoft.com/office/drawing/2014/main" id="{F1D40CE8-3EB9-890A-D4D9-30A9FCB6176C}"/>
+              </a:ext>
+            </a:extLst>
+          </p:cNvPr>
+          <p:cNvPicPr/>
           <p:nvPr/>
         </p:nvPicPr>
         <p:blipFill>
           <a:blip r:embed="rId2"/>
-          <a:stretch>
-            <a:fillRect/>
-          </a:stretch>
+          <a:stretch/>
         </p:blipFill>
         <p:spPr>
           <a:xfrm>
-            <a:off x="681225" y="2144713"/>
-            <a:ext cx="4972050" cy="3724275"/>
+            <a:off x="566501" y="2607120"/>
+            <a:ext cx="1262299" cy="1200329"/>
           </a:xfrm>
           <a:prstGeom prst="rect">
             <a:avLst/>
           </a:prstGeom>
+          <a:ln w="0">
+            <a:noFill/>
+          </a:ln>
         </p:spPr>
       </p:pic>
       <p:pic>
         <p:nvPicPr>
-          <p:cNvPr id="6" name="Image 5"/>
-          <p:cNvPicPr>
-            <a:picLocks noChangeAspect="1"/>
-          </p:cNvPicPr>
+          <p:cNvPr id="11" name="Image 20">
+            <a:extLst>
+              <a:ext uri="{FF2B5EF4-FFF2-40B4-BE49-F238E27FC236}">
+                <a16:creationId xmlns:a16="http://schemas.microsoft.com/office/drawing/2014/main" id="{C4C88EF2-EA0C-65F9-4DF1-F41F23F33BB4}"/>
+              </a:ext>
+            </a:extLst>
+          </p:cNvPr>
+          <p:cNvPicPr/>
           <p:nvPr/>
         </p:nvPicPr>
         <p:blipFill>
           <a:blip r:embed="rId3"/>
-          <a:stretch>
-            <a:fillRect/>
-          </a:stretch>
+          <a:stretch/>
         </p:blipFill>
         <p:spPr>
           <a:xfrm>
-            <a:off x="6602001" y="1251284"/>
-            <a:ext cx="4685124" cy="4876800"/>
+            <a:off x="2286720" y="2714758"/>
+            <a:ext cx="2008602" cy="1140270"/>
           </a:xfrm>
           <a:prstGeom prst="rect">
             <a:avLst/>
           </a:prstGeom>
+          <a:ln w="0">
+            <a:noFill/>
+          </a:ln>
+        </p:spPr>
+      </p:pic>
+      <p:pic>
+        <p:nvPicPr>
+          <p:cNvPr id="12" name="Image 26">
+            <a:extLst>
+              <a:ext uri="{FF2B5EF4-FFF2-40B4-BE49-F238E27FC236}">
+                <a16:creationId xmlns:a16="http://schemas.microsoft.com/office/drawing/2014/main" id="{A1FAC33E-E0AE-0DBC-FDB2-EBA3A10B717A}"/>
+              </a:ext>
+            </a:extLst>
+          </p:cNvPr>
+          <p:cNvPicPr/>
+          <p:nvPr/>
+        </p:nvPicPr>
+        <p:blipFill>
+          <a:blip r:embed="rId4"/>
+          <a:stretch/>
+        </p:blipFill>
+        <p:spPr>
+          <a:xfrm>
+            <a:off x="4753242" y="2833674"/>
+            <a:ext cx="1766880" cy="928440"/>
+          </a:xfrm>
+          <a:prstGeom prst="rect">
+            <a:avLst/>
+          </a:prstGeom>
+          <a:ln w="0">
+            <a:noFill/>
+          </a:ln>
+        </p:spPr>
+      </p:pic>
+      <p:pic>
+        <p:nvPicPr>
+          <p:cNvPr id="13" name="Image 22">
+            <a:extLst>
+              <a:ext uri="{FF2B5EF4-FFF2-40B4-BE49-F238E27FC236}">
+                <a16:creationId xmlns:a16="http://schemas.microsoft.com/office/drawing/2014/main" id="{C37B0FE5-96B9-A9EE-3CDB-584D5CCF8BD9}"/>
+              </a:ext>
+            </a:extLst>
+          </p:cNvPr>
+          <p:cNvPicPr/>
+          <p:nvPr/>
+        </p:nvPicPr>
+        <p:blipFill>
+          <a:blip r:embed="rId5"/>
+          <a:stretch/>
+        </p:blipFill>
+        <p:spPr>
+          <a:xfrm>
+            <a:off x="6978042" y="2714758"/>
+            <a:ext cx="1758960" cy="1037520"/>
+          </a:xfrm>
+          <a:prstGeom prst="rect">
+            <a:avLst/>
+          </a:prstGeom>
+          <a:ln w="0">
+            <a:noFill/>
+          </a:ln>
         </p:spPr>
       </p:pic>
     </p:spTree>
     <p:extLst>
       <p:ext uri="{BB962C8B-B14F-4D97-AF65-F5344CB8AC3E}">
-        <p14:creationId xmlns:p14="http://schemas.microsoft.com/office/powerpoint/2010/main" val="2428980419"/>
+        <p14:creationId xmlns:p14="http://schemas.microsoft.com/office/powerpoint/2010/main" val="3740899374"/>
       </p:ext>
     </p:extLst>
   </p:cSld>
@@ -11355,7 +11356,7 @@
     </p:spTree>
     <p:extLst>
       <p:ext uri="{BB962C8B-B14F-4D97-AF65-F5344CB8AC3E}">
-        <p14:creationId xmlns:p14="http://schemas.microsoft.com/office/powerpoint/2010/main" val="821740354"/>
+        <p14:creationId xmlns:p14="http://schemas.microsoft.com/office/powerpoint/2010/main" val="2428980419"/>
       </p:ext>
     </p:extLst>
   </p:cSld>
@@ -11456,19 +11457,14 @@
           <a:p>
             <a:r>
               <a:rPr lang="fr-FR" dirty="0"/>
-              <a:t>Début du </a:t>
-            </a:r>
-            <a:r>
-              <a:rPr lang="fr-FR" dirty="0" err="1"/>
-              <a:t>stream</a:t>
-            </a:r>
-            <a:endParaRPr lang="fr-FR" dirty="0"/>
+              <a:t>Lancement de la caméra</a:t>
+            </a:r>
           </a:p>
         </p:txBody>
       </p:sp>
       <p:pic>
         <p:nvPicPr>
-          <p:cNvPr id="7" name="Image 6"/>
+          <p:cNvPr id="4" name="Image 3"/>
           <p:cNvPicPr>
             <a:picLocks noChangeAspect="1"/>
           </p:cNvPicPr>
@@ -11482,8 +11478,8 @@
         </p:blipFill>
         <p:spPr>
           <a:xfrm>
-            <a:off x="839788" y="2057401"/>
-            <a:ext cx="3932237" cy="4360082"/>
+            <a:off x="681225" y="2144713"/>
+            <a:ext cx="4972050" cy="3724275"/>
           </a:xfrm>
           <a:prstGeom prst="rect">
             <a:avLst/>
@@ -11492,7 +11488,7 @@
       </p:pic>
       <p:pic>
         <p:nvPicPr>
-          <p:cNvPr id="8" name="Image 7"/>
+          <p:cNvPr id="6" name="Image 5"/>
           <p:cNvPicPr>
             <a:picLocks noChangeAspect="1"/>
           </p:cNvPicPr>
@@ -11506,8 +11502,8 @@
         </p:blipFill>
         <p:spPr>
           <a:xfrm>
-            <a:off x="6304547" y="1257300"/>
-            <a:ext cx="4348413" cy="4744697"/>
+            <a:off x="6602001" y="1251284"/>
+            <a:ext cx="4685124" cy="4876800"/>
           </a:xfrm>
           <a:prstGeom prst="rect">
             <a:avLst/>
@@ -11517,7 +11513,7 @@
     </p:spTree>
     <p:extLst>
       <p:ext uri="{BB962C8B-B14F-4D97-AF65-F5344CB8AC3E}">
-        <p14:creationId xmlns:p14="http://schemas.microsoft.com/office/powerpoint/2010/main" val="2131517895"/>
+        <p14:creationId xmlns:p14="http://schemas.microsoft.com/office/powerpoint/2010/main" val="821740354"/>
       </p:ext>
     </p:extLst>
   </p:cSld>
@@ -11618,14 +11614,19 @@
           <a:p>
             <a:r>
               <a:rPr lang="fr-FR" dirty="0"/>
-              <a:t>Détection d’un visage</a:t>
-            </a:r>
+              <a:t>Début du </a:t>
+            </a:r>
+            <a:r>
+              <a:rPr lang="fr-FR" dirty="0" err="1"/>
+              <a:t>stream</a:t>
+            </a:r>
+            <a:endParaRPr lang="fr-FR" dirty="0"/>
           </a:p>
         </p:txBody>
       </p:sp>
       <p:pic>
         <p:nvPicPr>
-          <p:cNvPr id="4" name="Image 3"/>
+          <p:cNvPr id="7" name="Image 6"/>
           <p:cNvPicPr>
             <a:picLocks noChangeAspect="1"/>
           </p:cNvPicPr>
@@ -11639,8 +11640,32 @@
         </p:blipFill>
         <p:spPr>
           <a:xfrm>
-            <a:off x="839788" y="2556330"/>
-            <a:ext cx="6425470" cy="2817775"/>
+            <a:off x="839788" y="2057401"/>
+            <a:ext cx="3932237" cy="4360082"/>
+          </a:xfrm>
+          <a:prstGeom prst="rect">
+            <a:avLst/>
+          </a:prstGeom>
+        </p:spPr>
+      </p:pic>
+      <p:pic>
+        <p:nvPicPr>
+          <p:cNvPr id="8" name="Image 7"/>
+          <p:cNvPicPr>
+            <a:picLocks noChangeAspect="1"/>
+          </p:cNvPicPr>
+          <p:nvPr/>
+        </p:nvPicPr>
+        <p:blipFill>
+          <a:blip r:embed="rId3"/>
+          <a:stretch>
+            <a:fillRect/>
+          </a:stretch>
+        </p:blipFill>
+        <p:spPr>
+          <a:xfrm>
+            <a:off x="6304547" y="1257300"/>
+            <a:ext cx="4348413" cy="4744697"/>
           </a:xfrm>
           <a:prstGeom prst="rect">
             <a:avLst/>
@@ -11650,7 +11675,7 @@
     </p:spTree>
     <p:extLst>
       <p:ext uri="{BB962C8B-B14F-4D97-AF65-F5344CB8AC3E}">
-        <p14:creationId xmlns:p14="http://schemas.microsoft.com/office/powerpoint/2010/main" val="232207055"/>
+        <p14:creationId xmlns:p14="http://schemas.microsoft.com/office/powerpoint/2010/main" val="2131517895"/>
       </p:ext>
     </p:extLst>
   </p:cSld>
@@ -11696,7 +11721,7 @@
         <p:spPr>
           <a:xfrm>
             <a:off x="839788" y="457200"/>
-            <a:ext cx="5625180" cy="1600200"/>
+            <a:ext cx="4654925" cy="1600200"/>
           </a:xfrm>
         </p:spPr>
         <p:txBody>
@@ -11714,258 +11739,76 @@
             </a:br>
             <a:r>
               <a:rPr lang="fr-FR" sz="2000" dirty="0"/>
-              <a:t>Les Défauts</a:t>
-            </a:r>
-          </a:p>
-        </p:txBody>
-      </p:sp>
-      <p:sp>
-        <p:nvSpPr>
-          <p:cNvPr id="6" name="Espace réservé du texte 2">
+              <a:t>Récupération des paramètres biométrique </a:t>
+            </a:r>
+            <a:r>
+              <a:rPr lang="fr-FR" dirty="0"/>
+              <a:t> </a:t>
+            </a:r>
+          </a:p>
+        </p:txBody>
+      </p:sp>
+      <p:sp>
+        <p:nvSpPr>
+          <p:cNvPr id="3" name="Espace réservé du texte 2">
             <a:extLst>
               <a:ext uri="{FF2B5EF4-FFF2-40B4-BE49-F238E27FC236}">
                 <a16:creationId xmlns:a16="http://schemas.microsoft.com/office/drawing/2014/main" id="{070D4B8C-89A7-65B0-892A-D27A85A3C9A2}"/>
               </a:ext>
             </a:extLst>
           </p:cNvPr>
-          <p:cNvSpPr txBox="1">
-            <a:spLocks/>
-          </p:cNvSpPr>
+          <p:cNvSpPr>
+            <a:spLocks noGrp="1"/>
+          </p:cNvSpPr>
+          <p:nvPr>
+            <p:ph type="body" sz="half" idx="2"/>
+          </p:nvPr>
+        </p:nvSpPr>
+        <p:spPr>
+          <a:xfrm>
+            <a:off x="839788" y="1625138"/>
+            <a:ext cx="3932237" cy="432262"/>
+          </a:xfrm>
+        </p:spPr>
+        <p:txBody>
+          <a:bodyPr/>
+          <a:lstStyle/>
+          <a:p>
+            <a:r>
+              <a:rPr lang="fr-FR" dirty="0"/>
+              <a:t>Détection d’un visage</a:t>
+            </a:r>
+          </a:p>
+        </p:txBody>
+      </p:sp>
+      <p:pic>
+        <p:nvPicPr>
+          <p:cNvPr id="4" name="Image 3"/>
+          <p:cNvPicPr>
+            <a:picLocks noChangeAspect="1"/>
+          </p:cNvPicPr>
           <p:nvPr/>
-        </p:nvSpPr>
-        <p:spPr>
-          <a:xfrm>
-            <a:off x="839788" y="2057400"/>
-            <a:ext cx="3932237" cy="3811588"/>
+        </p:nvPicPr>
+        <p:blipFill>
+          <a:blip r:embed="rId2"/>
+          <a:stretch>
+            <a:fillRect/>
+          </a:stretch>
+        </p:blipFill>
+        <p:spPr>
+          <a:xfrm>
+            <a:off x="839788" y="2556330"/>
+            <a:ext cx="6425470" cy="2817775"/>
           </a:xfrm>
           <a:prstGeom prst="rect">
             <a:avLst/>
           </a:prstGeom>
         </p:spPr>
-        <p:txBody>
-          <a:bodyPr vert="horz" lIns="91440" tIns="45720" rIns="91440" bIns="45720" rtlCol="0">
-            <a:normAutofit/>
-          </a:bodyPr>
-          <a:lstStyle>
-            <a:lvl1pPr marL="0" indent="0" algn="l" defTabSz="914400" rtl="0" eaLnBrk="1" latinLnBrk="0" hangingPunct="1">
-              <a:lnSpc>
-                <a:spcPct val="90000"/>
-              </a:lnSpc>
-              <a:spcBef>
-                <a:spcPts val="1000"/>
-              </a:spcBef>
-              <a:buFont typeface="Arial" panose="020B0604020202020204" pitchFamily="34" charset="0"/>
-              <a:buNone/>
-              <a:defRPr sz="1600" kern="1200">
-                <a:solidFill>
-                  <a:schemeClr val="tx1"/>
-                </a:solidFill>
-                <a:latin typeface="+mn-lt"/>
-                <a:ea typeface="+mn-ea"/>
-                <a:cs typeface="+mn-cs"/>
-              </a:defRPr>
-            </a:lvl1pPr>
-            <a:lvl2pPr marL="457200" indent="0" algn="l" defTabSz="914400" rtl="0" eaLnBrk="1" latinLnBrk="0" hangingPunct="1">
-              <a:lnSpc>
-                <a:spcPct val="90000"/>
-              </a:lnSpc>
-              <a:spcBef>
-                <a:spcPts val="500"/>
-              </a:spcBef>
-              <a:buFont typeface="Arial" panose="020B0604020202020204" pitchFamily="34" charset="0"/>
-              <a:buNone/>
-              <a:defRPr sz="1400" kern="1200">
-                <a:solidFill>
-                  <a:schemeClr val="tx1"/>
-                </a:solidFill>
-                <a:latin typeface="+mn-lt"/>
-                <a:ea typeface="+mn-ea"/>
-                <a:cs typeface="+mn-cs"/>
-              </a:defRPr>
-            </a:lvl2pPr>
-            <a:lvl3pPr marL="914400" indent="0" algn="l" defTabSz="914400" rtl="0" eaLnBrk="1" latinLnBrk="0" hangingPunct="1">
-              <a:lnSpc>
-                <a:spcPct val="90000"/>
-              </a:lnSpc>
-              <a:spcBef>
-                <a:spcPts val="500"/>
-              </a:spcBef>
-              <a:buFont typeface="Arial" panose="020B0604020202020204" pitchFamily="34" charset="0"/>
-              <a:buNone/>
-              <a:defRPr sz="1200" kern="1200">
-                <a:solidFill>
-                  <a:schemeClr val="tx1"/>
-                </a:solidFill>
-                <a:latin typeface="+mn-lt"/>
-                <a:ea typeface="+mn-ea"/>
-                <a:cs typeface="+mn-cs"/>
-              </a:defRPr>
-            </a:lvl3pPr>
-            <a:lvl4pPr marL="1371600" indent="0" algn="l" defTabSz="914400" rtl="0" eaLnBrk="1" latinLnBrk="0" hangingPunct="1">
-              <a:lnSpc>
-                <a:spcPct val="90000"/>
-              </a:lnSpc>
-              <a:spcBef>
-                <a:spcPts val="500"/>
-              </a:spcBef>
-              <a:buFont typeface="Arial" panose="020B0604020202020204" pitchFamily="34" charset="0"/>
-              <a:buNone/>
-              <a:defRPr sz="1000" kern="1200">
-                <a:solidFill>
-                  <a:schemeClr val="tx1"/>
-                </a:solidFill>
-                <a:latin typeface="+mn-lt"/>
-                <a:ea typeface="+mn-ea"/>
-                <a:cs typeface="+mn-cs"/>
-              </a:defRPr>
-            </a:lvl4pPr>
-            <a:lvl5pPr marL="1828800" indent="0" algn="l" defTabSz="914400" rtl="0" eaLnBrk="1" latinLnBrk="0" hangingPunct="1">
-              <a:lnSpc>
-                <a:spcPct val="90000"/>
-              </a:lnSpc>
-              <a:spcBef>
-                <a:spcPts val="500"/>
-              </a:spcBef>
-              <a:buFont typeface="Arial" panose="020B0604020202020204" pitchFamily="34" charset="0"/>
-              <a:buNone/>
-              <a:defRPr sz="1000" kern="1200">
-                <a:solidFill>
-                  <a:schemeClr val="tx1"/>
-                </a:solidFill>
-                <a:latin typeface="+mn-lt"/>
-                <a:ea typeface="+mn-ea"/>
-                <a:cs typeface="+mn-cs"/>
-              </a:defRPr>
-            </a:lvl5pPr>
-            <a:lvl6pPr marL="2286000" indent="0" algn="l" defTabSz="914400" rtl="0" eaLnBrk="1" latinLnBrk="0" hangingPunct="1">
-              <a:lnSpc>
-                <a:spcPct val="90000"/>
-              </a:lnSpc>
-              <a:spcBef>
-                <a:spcPts val="500"/>
-              </a:spcBef>
-              <a:buFont typeface="Arial" panose="020B0604020202020204" pitchFamily="34" charset="0"/>
-              <a:buNone/>
-              <a:defRPr sz="1000" kern="1200">
-                <a:solidFill>
-                  <a:schemeClr val="tx1"/>
-                </a:solidFill>
-                <a:latin typeface="+mn-lt"/>
-                <a:ea typeface="+mn-ea"/>
-                <a:cs typeface="+mn-cs"/>
-              </a:defRPr>
-            </a:lvl6pPr>
-            <a:lvl7pPr marL="2743200" indent="0" algn="l" defTabSz="914400" rtl="0" eaLnBrk="1" latinLnBrk="0" hangingPunct="1">
-              <a:lnSpc>
-                <a:spcPct val="90000"/>
-              </a:lnSpc>
-              <a:spcBef>
-                <a:spcPts val="500"/>
-              </a:spcBef>
-              <a:buFont typeface="Arial" panose="020B0604020202020204" pitchFamily="34" charset="0"/>
-              <a:buNone/>
-              <a:defRPr sz="1000" kern="1200">
-                <a:solidFill>
-                  <a:schemeClr val="tx1"/>
-                </a:solidFill>
-                <a:latin typeface="+mn-lt"/>
-                <a:ea typeface="+mn-ea"/>
-                <a:cs typeface="+mn-cs"/>
-              </a:defRPr>
-            </a:lvl7pPr>
-            <a:lvl8pPr marL="3200400" indent="0" algn="l" defTabSz="914400" rtl="0" eaLnBrk="1" latinLnBrk="0" hangingPunct="1">
-              <a:lnSpc>
-                <a:spcPct val="90000"/>
-              </a:lnSpc>
-              <a:spcBef>
-                <a:spcPts val="500"/>
-              </a:spcBef>
-              <a:buFont typeface="Arial" panose="020B0604020202020204" pitchFamily="34" charset="0"/>
-              <a:buNone/>
-              <a:defRPr sz="1000" kern="1200">
-                <a:solidFill>
-                  <a:schemeClr val="tx1"/>
-                </a:solidFill>
-                <a:latin typeface="+mn-lt"/>
-                <a:ea typeface="+mn-ea"/>
-                <a:cs typeface="+mn-cs"/>
-              </a:defRPr>
-            </a:lvl8pPr>
-            <a:lvl9pPr marL="3657600" indent="0" algn="l" defTabSz="914400" rtl="0" eaLnBrk="1" latinLnBrk="0" hangingPunct="1">
-              <a:lnSpc>
-                <a:spcPct val="90000"/>
-              </a:lnSpc>
-              <a:spcBef>
-                <a:spcPts val="500"/>
-              </a:spcBef>
-              <a:buFont typeface="Arial" panose="020B0604020202020204" pitchFamily="34" charset="0"/>
-              <a:buNone/>
-              <a:defRPr sz="1000" kern="1200">
-                <a:solidFill>
-                  <a:schemeClr val="tx1"/>
-                </a:solidFill>
-                <a:latin typeface="+mn-lt"/>
-                <a:ea typeface="+mn-ea"/>
-                <a:cs typeface="+mn-cs"/>
-              </a:defRPr>
-            </a:lvl9pPr>
-          </a:lstStyle>
-          <a:p>
-            <a:pPr marL="285750" indent="-285750">
-              <a:buFont typeface="Arial" panose="020B0604020202020204" pitchFamily="34" charset="0"/>
-              <a:buChar char="•"/>
-            </a:pPr>
-            <a:r>
-              <a:rPr lang="fr-FR" dirty="0"/>
-              <a:t>Le </a:t>
-            </a:r>
-            <a:r>
-              <a:rPr lang="fr-FR" dirty="0" err="1"/>
-              <a:t>stream</a:t>
-            </a:r>
-            <a:r>
-              <a:rPr lang="fr-FR" dirty="0"/>
-              <a:t> </a:t>
-            </a:r>
-            <a:r>
-              <a:rPr lang="fr-FR" dirty="0" err="1"/>
-              <a:t>freeze</a:t>
-            </a:r>
-            <a:r>
-              <a:rPr lang="fr-FR" dirty="0"/>
-              <a:t> lorsque qu’un visage est détecté </a:t>
-            </a:r>
-          </a:p>
-          <a:p>
-            <a:pPr marL="285750" indent="-285750">
-              <a:buFont typeface="Arial" panose="020B0604020202020204" pitchFamily="34" charset="0"/>
-              <a:buChar char="•"/>
-            </a:pPr>
-            <a:r>
-              <a:rPr lang="fr-FR" dirty="0"/>
-              <a:t>Impossibilité d’enregistrer un visage</a:t>
-            </a:r>
-          </a:p>
-          <a:p>
-            <a:pPr marL="285750" indent="-285750">
-              <a:buFont typeface="Arial" panose="020B0604020202020204" pitchFamily="34" charset="0"/>
-              <a:buChar char="•"/>
-            </a:pPr>
-            <a:endParaRPr lang="fr-FR" dirty="0"/>
-          </a:p>
-          <a:p>
-            <a:pPr marL="285750" indent="-285750">
-              <a:buFont typeface="Arial" panose="020B0604020202020204" pitchFamily="34" charset="0"/>
-              <a:buChar char="•"/>
-            </a:pPr>
-            <a:endParaRPr lang="fr-FR" dirty="0"/>
-          </a:p>
-        </p:txBody>
-      </p:sp>
+      </p:pic>
     </p:spTree>
     <p:extLst>
       <p:ext uri="{BB962C8B-B14F-4D97-AF65-F5344CB8AC3E}">
-        <p14:creationId xmlns:p14="http://schemas.microsoft.com/office/powerpoint/2010/main" val="3977045273"/>
+        <p14:creationId xmlns:p14="http://schemas.microsoft.com/office/powerpoint/2010/main" val="232207055"/>
       </p:ext>
     </p:extLst>
   </p:cSld>
@@ -11994,6 +11837,321 @@
       </p:grpSpPr>
       <p:sp>
         <p:nvSpPr>
+          <p:cNvPr id="2" name="Titre 1">
+            <a:extLst>
+              <a:ext uri="{FF2B5EF4-FFF2-40B4-BE49-F238E27FC236}">
+                <a16:creationId xmlns:a16="http://schemas.microsoft.com/office/drawing/2014/main" id="{DBD23F23-EF92-2EE6-EED2-24F174401B9D}"/>
+              </a:ext>
+            </a:extLst>
+          </p:cNvPr>
+          <p:cNvSpPr>
+            <a:spLocks noGrp="1"/>
+          </p:cNvSpPr>
+          <p:nvPr>
+            <p:ph type="title"/>
+          </p:nvPr>
+        </p:nvSpPr>
+        <p:spPr>
+          <a:xfrm>
+            <a:off x="839788" y="457200"/>
+            <a:ext cx="5625180" cy="1600200"/>
+          </a:xfrm>
+        </p:spPr>
+        <p:txBody>
+          <a:bodyPr anchor="t">
+            <a:normAutofit/>
+          </a:bodyPr>
+          <a:lstStyle/>
+          <a:p>
+            <a:r>
+              <a:rPr lang="fr-FR" dirty="0"/>
+              <a:t>Gestion des accès à la salle</a:t>
+            </a:r>
+            <a:br>
+              <a:rPr lang="fr-FR" dirty="0"/>
+            </a:br>
+            <a:r>
+              <a:rPr lang="fr-FR" sz="2000" dirty="0"/>
+              <a:t>Les Défauts</a:t>
+            </a:r>
+          </a:p>
+        </p:txBody>
+      </p:sp>
+      <p:sp>
+        <p:nvSpPr>
+          <p:cNvPr id="6" name="Espace réservé du texte 2">
+            <a:extLst>
+              <a:ext uri="{FF2B5EF4-FFF2-40B4-BE49-F238E27FC236}">
+                <a16:creationId xmlns:a16="http://schemas.microsoft.com/office/drawing/2014/main" id="{070D4B8C-89A7-65B0-892A-D27A85A3C9A2}"/>
+              </a:ext>
+            </a:extLst>
+          </p:cNvPr>
+          <p:cNvSpPr txBox="1">
+            <a:spLocks/>
+          </p:cNvSpPr>
+          <p:nvPr/>
+        </p:nvSpPr>
+        <p:spPr>
+          <a:xfrm>
+            <a:off x="839788" y="2057400"/>
+            <a:ext cx="3932237" cy="3811588"/>
+          </a:xfrm>
+          <a:prstGeom prst="rect">
+            <a:avLst/>
+          </a:prstGeom>
+        </p:spPr>
+        <p:txBody>
+          <a:bodyPr vert="horz" lIns="91440" tIns="45720" rIns="91440" bIns="45720" rtlCol="0">
+            <a:normAutofit/>
+          </a:bodyPr>
+          <a:lstStyle>
+            <a:lvl1pPr marL="0" indent="0" algn="l" defTabSz="914400" rtl="0" eaLnBrk="1" latinLnBrk="0" hangingPunct="1">
+              <a:lnSpc>
+                <a:spcPct val="90000"/>
+              </a:lnSpc>
+              <a:spcBef>
+                <a:spcPts val="1000"/>
+              </a:spcBef>
+              <a:buFont typeface="Arial" panose="020B0604020202020204" pitchFamily="34" charset="0"/>
+              <a:buNone/>
+              <a:defRPr sz="1600" kern="1200">
+                <a:solidFill>
+                  <a:schemeClr val="tx1"/>
+                </a:solidFill>
+                <a:latin typeface="+mn-lt"/>
+                <a:ea typeface="+mn-ea"/>
+                <a:cs typeface="+mn-cs"/>
+              </a:defRPr>
+            </a:lvl1pPr>
+            <a:lvl2pPr marL="457200" indent="0" algn="l" defTabSz="914400" rtl="0" eaLnBrk="1" latinLnBrk="0" hangingPunct="1">
+              <a:lnSpc>
+                <a:spcPct val="90000"/>
+              </a:lnSpc>
+              <a:spcBef>
+                <a:spcPts val="500"/>
+              </a:spcBef>
+              <a:buFont typeface="Arial" panose="020B0604020202020204" pitchFamily="34" charset="0"/>
+              <a:buNone/>
+              <a:defRPr sz="1400" kern="1200">
+                <a:solidFill>
+                  <a:schemeClr val="tx1"/>
+                </a:solidFill>
+                <a:latin typeface="+mn-lt"/>
+                <a:ea typeface="+mn-ea"/>
+                <a:cs typeface="+mn-cs"/>
+              </a:defRPr>
+            </a:lvl2pPr>
+            <a:lvl3pPr marL="914400" indent="0" algn="l" defTabSz="914400" rtl="0" eaLnBrk="1" latinLnBrk="0" hangingPunct="1">
+              <a:lnSpc>
+                <a:spcPct val="90000"/>
+              </a:lnSpc>
+              <a:spcBef>
+                <a:spcPts val="500"/>
+              </a:spcBef>
+              <a:buFont typeface="Arial" panose="020B0604020202020204" pitchFamily="34" charset="0"/>
+              <a:buNone/>
+              <a:defRPr sz="1200" kern="1200">
+                <a:solidFill>
+                  <a:schemeClr val="tx1"/>
+                </a:solidFill>
+                <a:latin typeface="+mn-lt"/>
+                <a:ea typeface="+mn-ea"/>
+                <a:cs typeface="+mn-cs"/>
+              </a:defRPr>
+            </a:lvl3pPr>
+            <a:lvl4pPr marL="1371600" indent="0" algn="l" defTabSz="914400" rtl="0" eaLnBrk="1" latinLnBrk="0" hangingPunct="1">
+              <a:lnSpc>
+                <a:spcPct val="90000"/>
+              </a:lnSpc>
+              <a:spcBef>
+                <a:spcPts val="500"/>
+              </a:spcBef>
+              <a:buFont typeface="Arial" panose="020B0604020202020204" pitchFamily="34" charset="0"/>
+              <a:buNone/>
+              <a:defRPr sz="1000" kern="1200">
+                <a:solidFill>
+                  <a:schemeClr val="tx1"/>
+                </a:solidFill>
+                <a:latin typeface="+mn-lt"/>
+                <a:ea typeface="+mn-ea"/>
+                <a:cs typeface="+mn-cs"/>
+              </a:defRPr>
+            </a:lvl4pPr>
+            <a:lvl5pPr marL="1828800" indent="0" algn="l" defTabSz="914400" rtl="0" eaLnBrk="1" latinLnBrk="0" hangingPunct="1">
+              <a:lnSpc>
+                <a:spcPct val="90000"/>
+              </a:lnSpc>
+              <a:spcBef>
+                <a:spcPts val="500"/>
+              </a:spcBef>
+              <a:buFont typeface="Arial" panose="020B0604020202020204" pitchFamily="34" charset="0"/>
+              <a:buNone/>
+              <a:defRPr sz="1000" kern="1200">
+                <a:solidFill>
+                  <a:schemeClr val="tx1"/>
+                </a:solidFill>
+                <a:latin typeface="+mn-lt"/>
+                <a:ea typeface="+mn-ea"/>
+                <a:cs typeface="+mn-cs"/>
+              </a:defRPr>
+            </a:lvl5pPr>
+            <a:lvl6pPr marL="2286000" indent="0" algn="l" defTabSz="914400" rtl="0" eaLnBrk="1" latinLnBrk="0" hangingPunct="1">
+              <a:lnSpc>
+                <a:spcPct val="90000"/>
+              </a:lnSpc>
+              <a:spcBef>
+                <a:spcPts val="500"/>
+              </a:spcBef>
+              <a:buFont typeface="Arial" panose="020B0604020202020204" pitchFamily="34" charset="0"/>
+              <a:buNone/>
+              <a:defRPr sz="1000" kern="1200">
+                <a:solidFill>
+                  <a:schemeClr val="tx1"/>
+                </a:solidFill>
+                <a:latin typeface="+mn-lt"/>
+                <a:ea typeface="+mn-ea"/>
+                <a:cs typeface="+mn-cs"/>
+              </a:defRPr>
+            </a:lvl6pPr>
+            <a:lvl7pPr marL="2743200" indent="0" algn="l" defTabSz="914400" rtl="0" eaLnBrk="1" latinLnBrk="0" hangingPunct="1">
+              <a:lnSpc>
+                <a:spcPct val="90000"/>
+              </a:lnSpc>
+              <a:spcBef>
+                <a:spcPts val="500"/>
+              </a:spcBef>
+              <a:buFont typeface="Arial" panose="020B0604020202020204" pitchFamily="34" charset="0"/>
+              <a:buNone/>
+              <a:defRPr sz="1000" kern="1200">
+                <a:solidFill>
+                  <a:schemeClr val="tx1"/>
+                </a:solidFill>
+                <a:latin typeface="+mn-lt"/>
+                <a:ea typeface="+mn-ea"/>
+                <a:cs typeface="+mn-cs"/>
+              </a:defRPr>
+            </a:lvl7pPr>
+            <a:lvl8pPr marL="3200400" indent="0" algn="l" defTabSz="914400" rtl="0" eaLnBrk="1" latinLnBrk="0" hangingPunct="1">
+              <a:lnSpc>
+                <a:spcPct val="90000"/>
+              </a:lnSpc>
+              <a:spcBef>
+                <a:spcPts val="500"/>
+              </a:spcBef>
+              <a:buFont typeface="Arial" panose="020B0604020202020204" pitchFamily="34" charset="0"/>
+              <a:buNone/>
+              <a:defRPr sz="1000" kern="1200">
+                <a:solidFill>
+                  <a:schemeClr val="tx1"/>
+                </a:solidFill>
+                <a:latin typeface="+mn-lt"/>
+                <a:ea typeface="+mn-ea"/>
+                <a:cs typeface="+mn-cs"/>
+              </a:defRPr>
+            </a:lvl8pPr>
+            <a:lvl9pPr marL="3657600" indent="0" algn="l" defTabSz="914400" rtl="0" eaLnBrk="1" latinLnBrk="0" hangingPunct="1">
+              <a:lnSpc>
+                <a:spcPct val="90000"/>
+              </a:lnSpc>
+              <a:spcBef>
+                <a:spcPts val="500"/>
+              </a:spcBef>
+              <a:buFont typeface="Arial" panose="020B0604020202020204" pitchFamily="34" charset="0"/>
+              <a:buNone/>
+              <a:defRPr sz="1000" kern="1200">
+                <a:solidFill>
+                  <a:schemeClr val="tx1"/>
+                </a:solidFill>
+                <a:latin typeface="+mn-lt"/>
+                <a:ea typeface="+mn-ea"/>
+                <a:cs typeface="+mn-cs"/>
+              </a:defRPr>
+            </a:lvl9pPr>
+          </a:lstStyle>
+          <a:p>
+            <a:pPr marL="285750" indent="-285750">
+              <a:buFont typeface="Arial" panose="020B0604020202020204" pitchFamily="34" charset="0"/>
+              <a:buChar char="•"/>
+            </a:pPr>
+            <a:r>
+              <a:rPr lang="fr-FR" dirty="0"/>
+              <a:t>Le </a:t>
+            </a:r>
+            <a:r>
+              <a:rPr lang="fr-FR" dirty="0" err="1"/>
+              <a:t>stream</a:t>
+            </a:r>
+            <a:r>
+              <a:rPr lang="fr-FR" dirty="0"/>
+              <a:t> </a:t>
+            </a:r>
+            <a:r>
+              <a:rPr lang="fr-FR" dirty="0" err="1"/>
+              <a:t>freeze</a:t>
+            </a:r>
+            <a:r>
+              <a:rPr lang="fr-FR" dirty="0"/>
+              <a:t> lorsque qu’un visage est détecté </a:t>
+            </a:r>
+          </a:p>
+          <a:p>
+            <a:pPr marL="285750" indent="-285750">
+              <a:buFont typeface="Arial" panose="020B0604020202020204" pitchFamily="34" charset="0"/>
+              <a:buChar char="•"/>
+            </a:pPr>
+            <a:r>
+              <a:rPr lang="fr-FR" dirty="0"/>
+              <a:t>Impossibilité d’enregistrer un visage</a:t>
+            </a:r>
+          </a:p>
+          <a:p>
+            <a:pPr marL="285750" indent="-285750">
+              <a:buFont typeface="Arial" panose="020B0604020202020204" pitchFamily="34" charset="0"/>
+              <a:buChar char="•"/>
+            </a:pPr>
+            <a:endParaRPr lang="fr-FR" dirty="0"/>
+          </a:p>
+          <a:p>
+            <a:pPr marL="285750" indent="-285750">
+              <a:buFont typeface="Arial" panose="020B0604020202020204" pitchFamily="34" charset="0"/>
+              <a:buChar char="•"/>
+            </a:pPr>
+            <a:endParaRPr lang="fr-FR" dirty="0"/>
+          </a:p>
+        </p:txBody>
+      </p:sp>
+    </p:spTree>
+    <p:extLst>
+      <p:ext uri="{BB962C8B-B14F-4D97-AF65-F5344CB8AC3E}">
+        <p14:creationId xmlns:p14="http://schemas.microsoft.com/office/powerpoint/2010/main" val="3977045273"/>
+      </p:ext>
+    </p:extLst>
+  </p:cSld>
+  <p:clrMapOvr>
+    <a:masterClrMapping/>
+  </p:clrMapOvr>
+</p:sld>
+</file>
+
+<file path=ppt/slides/slide19.xml><?xml version="1.0" encoding="utf-8"?>
+<p:sld xmlns:a="http://schemas.openxmlformats.org/drawingml/2006/main" xmlns:r="http://schemas.openxmlformats.org/officeDocument/2006/relationships" xmlns:p="http://schemas.openxmlformats.org/presentationml/2006/main">
+  <p:cSld>
+    <p:spTree>
+      <p:nvGrpSpPr>
+        <p:cNvPr id="1" name=""/>
+        <p:cNvGrpSpPr/>
+        <p:nvPr/>
+      </p:nvGrpSpPr>
+      <p:grpSpPr>
+        <a:xfrm>
+          <a:off x="0" y="0"/>
+          <a:ext cx="0" cy="0"/>
+          <a:chOff x="0" y="0"/>
+          <a:chExt cx="0" cy="0"/>
+        </a:xfrm>
+      </p:grpSpPr>
+      <p:sp>
+        <p:nvSpPr>
           <p:cNvPr id="2" name="Espace réservé pour une image  1">
             <a:extLst>
               <a:ext uri="{FF2B5EF4-FFF2-40B4-BE49-F238E27FC236}">
@@ -12073,7 +12231,175 @@
 </p:sld>
 </file>
 
-<file path=ppt/slides/slide19.xml><?xml version="1.0" encoding="utf-8"?>
+<file path=ppt/slides/slide2.xml><?xml version="1.0" encoding="utf-8"?>
+<p:sld xmlns:a="http://schemas.openxmlformats.org/drawingml/2006/main" xmlns:r="http://schemas.openxmlformats.org/officeDocument/2006/relationships" xmlns:p="http://schemas.openxmlformats.org/presentationml/2006/main">
+  <p:cSld>
+    <p:spTree>
+      <p:nvGrpSpPr>
+        <p:cNvPr id="1" name=""/>
+        <p:cNvGrpSpPr/>
+        <p:nvPr/>
+      </p:nvGrpSpPr>
+      <p:grpSpPr>
+        <a:xfrm>
+          <a:off x="0" y="0"/>
+          <a:ext cx="0" cy="0"/>
+          <a:chOff x="0" y="0"/>
+          <a:chExt cx="0" cy="0"/>
+        </a:xfrm>
+      </p:grpSpPr>
+      <p:sp>
+        <p:nvSpPr>
+          <p:cNvPr id="2" name="Titre 1">
+            <a:extLst>
+              <a:ext uri="{FF2B5EF4-FFF2-40B4-BE49-F238E27FC236}">
+                <a16:creationId xmlns:a16="http://schemas.microsoft.com/office/drawing/2014/main" id="{13ADE574-348A-4178-F52B-58D380802F92}"/>
+              </a:ext>
+            </a:extLst>
+          </p:cNvPr>
+          <p:cNvSpPr>
+            <a:spLocks noGrp="1"/>
+          </p:cNvSpPr>
+          <p:nvPr>
+            <p:ph type="title"/>
+          </p:nvPr>
+        </p:nvSpPr>
+        <p:spPr/>
+        <p:txBody>
+          <a:bodyPr/>
+          <a:lstStyle/>
+          <a:p>
+            <a:r>
+              <a:rPr lang="fr-FR" sz="4000" dirty="0"/>
+              <a:t>Sommaire</a:t>
+            </a:r>
+          </a:p>
+        </p:txBody>
+      </p:sp>
+      <p:sp>
+        <p:nvSpPr>
+          <p:cNvPr id="3" name="Espace réservé du contenu 2">
+            <a:extLst>
+              <a:ext uri="{FF2B5EF4-FFF2-40B4-BE49-F238E27FC236}">
+                <a16:creationId xmlns:a16="http://schemas.microsoft.com/office/drawing/2014/main" id="{EAB1D07C-79D9-933D-9D37-DE93FD7E126B}"/>
+              </a:ext>
+            </a:extLst>
+          </p:cNvPr>
+          <p:cNvSpPr>
+            <a:spLocks noGrp="1"/>
+          </p:cNvSpPr>
+          <p:nvPr>
+            <p:ph idx="1"/>
+          </p:nvPr>
+        </p:nvSpPr>
+        <p:spPr/>
+        <p:txBody>
+          <a:bodyPr>
+            <a:normAutofit fontScale="92500" lnSpcReduction="10000"/>
+          </a:bodyPr>
+          <a:lstStyle/>
+          <a:p>
+            <a:r>
+              <a:rPr lang="fr-FR" dirty="0"/>
+              <a:t>Résumé du projet</a:t>
+            </a:r>
+          </a:p>
+          <a:p>
+            <a:r>
+              <a:rPr lang="fr-FR" dirty="0"/>
+              <a:t>Diagrammes</a:t>
+            </a:r>
+          </a:p>
+          <a:p>
+            <a:r>
+              <a:rPr lang="fr-FR" dirty="0"/>
+              <a:t>Gestion du projet</a:t>
+            </a:r>
+          </a:p>
+          <a:p>
+            <a:r>
+              <a:rPr lang="fr-FR" dirty="0"/>
+              <a:t>Gestion des accès au campus</a:t>
+            </a:r>
+          </a:p>
+          <a:p>
+            <a:pPr lvl="1"/>
+            <a:r>
+              <a:rPr lang="fr-FR" dirty="0"/>
+              <a:t>Récupération des adresses MAC  </a:t>
+            </a:r>
+          </a:p>
+          <a:p>
+            <a:pPr lvl="1"/>
+            <a:r>
+              <a:rPr lang="fr-FR" dirty="0"/>
+              <a:t>Publication des données avec MQTT</a:t>
+            </a:r>
+          </a:p>
+          <a:p>
+            <a:pPr lvl="1"/>
+            <a:r>
+              <a:rPr lang="fr-FR" dirty="0"/>
+              <a:t>Sauvegarde des données sur la BDD</a:t>
+            </a:r>
+          </a:p>
+          <a:p>
+            <a:pPr lvl="1"/>
+            <a:r>
+              <a:rPr lang="fr-FR" dirty="0"/>
+              <a:t>Les défauts</a:t>
+            </a:r>
+          </a:p>
+          <a:p>
+            <a:r>
+              <a:rPr lang="fr-FR" dirty="0"/>
+              <a:t>Gestion des accès au </a:t>
+            </a:r>
+            <a:r>
+              <a:rPr lang="fr-FR" dirty="0" err="1"/>
+              <a:t>batiment</a:t>
+            </a:r>
+            <a:endParaRPr lang="fr-FR" dirty="0"/>
+          </a:p>
+          <a:p>
+            <a:pPr lvl="1"/>
+            <a:endParaRPr lang="fr-FR" dirty="0"/>
+          </a:p>
+          <a:p>
+            <a:r>
+              <a:rPr lang="fr-FR" dirty="0"/>
+              <a:t>Gestion des accès aux salles</a:t>
+            </a:r>
+          </a:p>
+          <a:p>
+            <a:pPr lvl="1"/>
+            <a:endParaRPr lang="fr-FR" dirty="0"/>
+          </a:p>
+          <a:p>
+            <a:endParaRPr lang="fr-FR" dirty="0"/>
+          </a:p>
+          <a:p>
+            <a:endParaRPr lang="fr-FR" dirty="0"/>
+          </a:p>
+          <a:p>
+            <a:endParaRPr lang="fr-FR" dirty="0"/>
+          </a:p>
+        </p:txBody>
+      </p:sp>
+    </p:spTree>
+    <p:extLst>
+      <p:ext uri="{BB962C8B-B14F-4D97-AF65-F5344CB8AC3E}">
+        <p14:creationId xmlns:p14="http://schemas.microsoft.com/office/powerpoint/2010/main" val="2424550590"/>
+      </p:ext>
+    </p:extLst>
+  </p:cSld>
+  <p:clrMapOvr>
+    <a:masterClrMapping/>
+  </p:clrMapOvr>
+</p:sld>
+</file>
+
+<file path=ppt/slides/slide20.xml><?xml version="1.0" encoding="utf-8"?>
 <p:sld xmlns:a="http://schemas.openxmlformats.org/drawingml/2006/main" xmlns:r="http://schemas.openxmlformats.org/officeDocument/2006/relationships" xmlns:p="http://schemas.openxmlformats.org/presentationml/2006/main">
   <p:cSld>
     <p:spTree>
@@ -12746,7 +13072,7 @@
             <a:fld id="{817179DE-9BF3-494C-804F-0C7C90AC8700}" type="slidenum">
               <a:rPr lang="fr-FR" noProof="0" smtClean="0"/>
               <a:pPr algn="ctr" rtl="0"/>
-              <a:t>19</a:t>
+              <a:t>20</a:t>
             </a:fld>
             <a:endParaRPr lang="fr-FR" noProof="0"/>
           </a:p>
@@ -12765,175 +13091,7 @@
 </p:sld>
 </file>
 
-<file path=ppt/slides/slide2.xml><?xml version="1.0" encoding="utf-8"?>
-<p:sld xmlns:a="http://schemas.openxmlformats.org/drawingml/2006/main" xmlns:r="http://schemas.openxmlformats.org/officeDocument/2006/relationships" xmlns:p="http://schemas.openxmlformats.org/presentationml/2006/main">
-  <p:cSld>
-    <p:spTree>
-      <p:nvGrpSpPr>
-        <p:cNvPr id="1" name=""/>
-        <p:cNvGrpSpPr/>
-        <p:nvPr/>
-      </p:nvGrpSpPr>
-      <p:grpSpPr>
-        <a:xfrm>
-          <a:off x="0" y="0"/>
-          <a:ext cx="0" cy="0"/>
-          <a:chOff x="0" y="0"/>
-          <a:chExt cx="0" cy="0"/>
-        </a:xfrm>
-      </p:grpSpPr>
-      <p:sp>
-        <p:nvSpPr>
-          <p:cNvPr id="2" name="Titre 1">
-            <a:extLst>
-              <a:ext uri="{FF2B5EF4-FFF2-40B4-BE49-F238E27FC236}">
-                <a16:creationId xmlns:a16="http://schemas.microsoft.com/office/drawing/2014/main" id="{13ADE574-348A-4178-F52B-58D380802F92}"/>
-              </a:ext>
-            </a:extLst>
-          </p:cNvPr>
-          <p:cNvSpPr>
-            <a:spLocks noGrp="1"/>
-          </p:cNvSpPr>
-          <p:nvPr>
-            <p:ph type="title"/>
-          </p:nvPr>
-        </p:nvSpPr>
-        <p:spPr/>
-        <p:txBody>
-          <a:bodyPr/>
-          <a:lstStyle/>
-          <a:p>
-            <a:r>
-              <a:rPr lang="fr-FR" sz="4000" dirty="0"/>
-              <a:t>Sommaire</a:t>
-            </a:r>
-          </a:p>
-        </p:txBody>
-      </p:sp>
-      <p:sp>
-        <p:nvSpPr>
-          <p:cNvPr id="3" name="Espace réservé du contenu 2">
-            <a:extLst>
-              <a:ext uri="{FF2B5EF4-FFF2-40B4-BE49-F238E27FC236}">
-                <a16:creationId xmlns:a16="http://schemas.microsoft.com/office/drawing/2014/main" id="{EAB1D07C-79D9-933D-9D37-DE93FD7E126B}"/>
-              </a:ext>
-            </a:extLst>
-          </p:cNvPr>
-          <p:cNvSpPr>
-            <a:spLocks noGrp="1"/>
-          </p:cNvSpPr>
-          <p:nvPr>
-            <p:ph idx="1"/>
-          </p:nvPr>
-        </p:nvSpPr>
-        <p:spPr/>
-        <p:txBody>
-          <a:bodyPr>
-            <a:normAutofit fontScale="92500" lnSpcReduction="10000"/>
-          </a:bodyPr>
-          <a:lstStyle/>
-          <a:p>
-            <a:r>
-              <a:rPr lang="fr-FR" dirty="0"/>
-              <a:t>Résumé du projet</a:t>
-            </a:r>
-          </a:p>
-          <a:p>
-            <a:r>
-              <a:rPr lang="fr-FR" dirty="0"/>
-              <a:t>Diagrammes</a:t>
-            </a:r>
-          </a:p>
-          <a:p>
-            <a:r>
-              <a:rPr lang="fr-FR" dirty="0"/>
-              <a:t>Gestion du projet</a:t>
-            </a:r>
-          </a:p>
-          <a:p>
-            <a:r>
-              <a:rPr lang="fr-FR" dirty="0"/>
-              <a:t>Gestion des accès au campus</a:t>
-            </a:r>
-          </a:p>
-          <a:p>
-            <a:pPr lvl="1"/>
-            <a:r>
-              <a:rPr lang="fr-FR" dirty="0"/>
-              <a:t>Récupération des adresses MAC  </a:t>
-            </a:r>
-          </a:p>
-          <a:p>
-            <a:pPr lvl="1"/>
-            <a:r>
-              <a:rPr lang="fr-FR" dirty="0"/>
-              <a:t>Publication des données avec MQTT</a:t>
-            </a:r>
-          </a:p>
-          <a:p>
-            <a:pPr lvl="1"/>
-            <a:r>
-              <a:rPr lang="fr-FR" dirty="0"/>
-              <a:t>Sauvegarde des données sur la BDD</a:t>
-            </a:r>
-          </a:p>
-          <a:p>
-            <a:pPr lvl="1"/>
-            <a:r>
-              <a:rPr lang="fr-FR" dirty="0"/>
-              <a:t>Les défauts</a:t>
-            </a:r>
-          </a:p>
-          <a:p>
-            <a:r>
-              <a:rPr lang="fr-FR" dirty="0"/>
-              <a:t>Gestion des accès au </a:t>
-            </a:r>
-            <a:r>
-              <a:rPr lang="fr-FR" dirty="0" err="1"/>
-              <a:t>batiment</a:t>
-            </a:r>
-            <a:endParaRPr lang="fr-FR" dirty="0"/>
-          </a:p>
-          <a:p>
-            <a:pPr lvl="1"/>
-            <a:endParaRPr lang="fr-FR" dirty="0"/>
-          </a:p>
-          <a:p>
-            <a:r>
-              <a:rPr lang="fr-FR" dirty="0"/>
-              <a:t>Gestion des accès aux salles</a:t>
-            </a:r>
-          </a:p>
-          <a:p>
-            <a:pPr lvl="1"/>
-            <a:endParaRPr lang="fr-FR" dirty="0"/>
-          </a:p>
-          <a:p>
-            <a:endParaRPr lang="fr-FR" dirty="0"/>
-          </a:p>
-          <a:p>
-            <a:endParaRPr lang="fr-FR" dirty="0"/>
-          </a:p>
-          <a:p>
-            <a:endParaRPr lang="fr-FR" dirty="0"/>
-          </a:p>
-        </p:txBody>
-      </p:sp>
-    </p:spTree>
-    <p:extLst>
-      <p:ext uri="{BB962C8B-B14F-4D97-AF65-F5344CB8AC3E}">
-        <p14:creationId xmlns:p14="http://schemas.microsoft.com/office/powerpoint/2010/main" val="2424550590"/>
-      </p:ext>
-    </p:extLst>
-  </p:cSld>
-  <p:clrMapOvr>
-    <a:masterClrMapping/>
-  </p:clrMapOvr>
-</p:sld>
-</file>
-
-<file path=ppt/slides/slide20.xml><?xml version="1.0" encoding="utf-8"?>
+<file path=ppt/slides/slide21.xml><?xml version="1.0" encoding="utf-8"?>
 <p:sld xmlns:a="http://schemas.openxmlformats.org/drawingml/2006/main" xmlns:r="http://schemas.openxmlformats.org/officeDocument/2006/relationships" xmlns:p="http://schemas.openxmlformats.org/presentationml/2006/main">
   <p:cSld>
     <p:spTree>
@@ -15258,10 +15416,10 @@
       </p:grpSpPr>
       <p:sp>
         <p:nvSpPr>
-          <p:cNvPr id="5" name="Titre 4">
-            <a:extLst>
-              <a:ext uri="{FF2B5EF4-FFF2-40B4-BE49-F238E27FC236}">
-                <a16:creationId xmlns:a16="http://schemas.microsoft.com/office/drawing/2014/main" id="{7BC74D96-20AD-411A-6EC2-B30B1CA4C432}"/>
+          <p:cNvPr id="2" name="Titre 1">
+            <a:extLst>
+              <a:ext uri="{FF2B5EF4-FFF2-40B4-BE49-F238E27FC236}">
+                <a16:creationId xmlns:a16="http://schemas.microsoft.com/office/drawing/2014/main" id="{1FE865AE-991B-8E6C-4958-77BCF27CB95F}"/>
               </a:ext>
             </a:extLst>
           </p:cNvPr>
@@ -15274,30 +15432,32 @@
         </p:nvSpPr>
         <p:spPr/>
         <p:txBody>
-          <a:bodyPr/>
+          <a:bodyPr>
+            <a:normAutofit/>
+          </a:bodyPr>
           <a:lstStyle/>
           <a:p>
             <a:r>
               <a:rPr lang="fr-FR" dirty="0"/>
-              <a:t>Gestion des accès au </a:t>
-            </a:r>
-            <a:r>
-              <a:rPr lang="fr-FR" dirty="0" err="1"/>
-              <a:t>batiment</a:t>
+              <a:t>Gestion des accès au campus</a:t>
             </a:r>
             <a:br>
               <a:rPr lang="fr-FR" dirty="0"/>
             </a:br>
+            <a:r>
+              <a:rPr lang="fr-FR" sz="2000" dirty="0"/>
+              <a:t>Récupération des adresses MAC  </a:t>
+            </a:r>
             <a:endParaRPr lang="fr-FR" dirty="0"/>
           </a:p>
         </p:txBody>
       </p:sp>
       <p:sp>
         <p:nvSpPr>
-          <p:cNvPr id="8" name="Espace réservé du numéro de diapositive 7">
-            <a:extLst>
-              <a:ext uri="{FF2B5EF4-FFF2-40B4-BE49-F238E27FC236}">
-                <a16:creationId xmlns:a16="http://schemas.microsoft.com/office/drawing/2014/main" id="{292B76D6-CD86-E9EB-1368-EC8B1C74C821}"/>
+          <p:cNvPr id="3" name="Espace réservé du texte 2">
+            <a:extLst>
+              <a:ext uri="{FF2B5EF4-FFF2-40B4-BE49-F238E27FC236}">
+                <a16:creationId xmlns:a16="http://schemas.microsoft.com/office/drawing/2014/main" id="{09E83A35-1FD2-59BB-CBDE-C332CBAB8755}"/>
               </a:ext>
             </a:extLst>
           </p:cNvPr>
@@ -15305,202 +15465,192 @@
             <a:spLocks noGrp="1"/>
           </p:cNvSpPr>
           <p:nvPr>
-            <p:ph type="sldNum" sz="quarter" idx="4"/>
+            <p:ph type="body" sz="half" idx="2"/>
           </p:nvPr>
         </p:nvSpPr>
-        <p:spPr/>
+        <p:spPr>
+          <a:xfrm>
+            <a:off x="839788" y="2222770"/>
+            <a:ext cx="3932237" cy="3811588"/>
+          </a:xfrm>
+        </p:spPr>
         <p:txBody>
           <a:bodyPr/>
           <a:lstStyle/>
           <a:p>
-            <a:pPr algn="ctr" rtl="0"/>
-            <a:fld id="{817179DE-9BF3-494C-804F-0C7C90AC8700}" type="slidenum">
-              <a:rPr lang="fr-FR" noProof="0" smtClean="0"/>
-              <a:pPr algn="ctr" rtl="0"/>
-              <a:t>8</a:t>
-            </a:fld>
-            <a:endParaRPr lang="fr-FR" noProof="0"/>
-          </a:p>
-        </p:txBody>
-      </p:sp>
-      <p:sp>
-        <p:nvSpPr>
-          <p:cNvPr id="9" name="ZoneTexte 8">
-            <a:extLst>
-              <a:ext uri="{FF2B5EF4-FFF2-40B4-BE49-F238E27FC236}">
-                <a16:creationId xmlns:a16="http://schemas.microsoft.com/office/drawing/2014/main" id="{1B95B750-151B-7F88-6A2D-8E96DD9071A3}"/>
-              </a:ext>
-            </a:extLst>
-          </p:cNvPr>
-          <p:cNvSpPr txBox="1"/>
+            <a:pPr marL="285750" indent="-285750">
+              <a:buFont typeface="Arial" panose="020B0604020202020204" pitchFamily="34" charset="0"/>
+              <a:buChar char="•"/>
+            </a:pPr>
+            <a:r>
+              <a:rPr lang="fr-FR" dirty="0"/>
+              <a:t>M5 stick utilisé comme lecteur Bluetooth</a:t>
+            </a:r>
+          </a:p>
+          <a:p>
+            <a:pPr marL="285750" indent="-285750">
+              <a:buFont typeface="Arial" panose="020B0604020202020204" pitchFamily="34" charset="0"/>
+              <a:buChar char="•"/>
+            </a:pPr>
+            <a:endParaRPr lang="fr-FR" dirty="0"/>
+          </a:p>
+          <a:p>
+            <a:endParaRPr lang="fr-FR" dirty="0"/>
+          </a:p>
+          <a:p>
+            <a:pPr marL="285750" indent="-285750">
+              <a:buFont typeface="Arial" panose="020B0604020202020204" pitchFamily="34" charset="0"/>
+              <a:buChar char="•"/>
+            </a:pPr>
+            <a:r>
+              <a:rPr lang="fr-FR" dirty="0"/>
+              <a:t>Le programme permet de récupérer les adresses MAC des appareils BLE à proximité</a:t>
+            </a:r>
+          </a:p>
+          <a:p>
+            <a:pPr marL="285750" indent="-285750">
+              <a:buFont typeface="Arial" panose="020B0604020202020204" pitchFamily="34" charset="0"/>
+              <a:buChar char="•"/>
+            </a:pPr>
+            <a:r>
+              <a:rPr lang="fr-FR" dirty="0"/>
+              <a:t>Délai de 10 secondes afin de permettre à un piéton de passer la zone de détection et pas être compté deux fois.</a:t>
+            </a:r>
+          </a:p>
+        </p:txBody>
+      </p:sp>
+      <p:pic>
+        <p:nvPicPr>
+          <p:cNvPr id="8" name="Image 7">
+            <a:extLst>
+              <a:ext uri="{FF2B5EF4-FFF2-40B4-BE49-F238E27FC236}">
+                <a16:creationId xmlns:a16="http://schemas.microsoft.com/office/drawing/2014/main" id="{3766C935-AA72-D632-DF9F-664EEAE4D71A}"/>
+              </a:ext>
+            </a:extLst>
+          </p:cNvPr>
+          <p:cNvPicPr>
+            <a:picLocks noChangeAspect="1"/>
+          </p:cNvPicPr>
           <p:nvPr/>
-        </p:nvSpPr>
-        <p:spPr>
-          <a:xfrm>
-            <a:off x="566501" y="1588010"/>
-            <a:ext cx="11058998" cy="1200329"/>
+        </p:nvPicPr>
+        <p:blipFill>
+          <a:blip r:embed="rId2">
+            <a:extLst>
+              <a:ext uri="{BEBA8EAE-BF5A-486C-A8C5-ECC9F3942E4B}">
+                <a14:imgProps xmlns:a14="http://schemas.microsoft.com/office/drawing/2010/main">
+                  <a14:imgLayer r:embed="rId3">
+                    <a14:imgEffect>
+                      <a14:backgroundRemoval t="10000" b="90000" l="4222" r="94000">
+                        <a14:foregroundMark x1="5778" y1="59333" x2="5778" y2="59333"/>
+                        <a14:foregroundMark x1="94000" y1="55556" x2="94000" y2="55556"/>
+                        <a14:foregroundMark x1="75333" y1="48444" x2="75333" y2="48444"/>
+                        <a14:foregroundMark x1="8889" y1="65556" x2="8889" y2="65556"/>
+                        <a14:foregroundMark x1="4222" y1="62444" x2="4222" y2="62444"/>
+                      </a14:backgroundRemoval>
+                    </a14:imgEffect>
+                  </a14:imgLayer>
+                </a14:imgProps>
+              </a:ext>
+              <a:ext uri="{837473B0-CC2E-450A-ABE3-18F120FF3D39}">
+                <a1611:picAttrSrcUrl xmlns:a1611="http://schemas.microsoft.com/office/drawing/2016/11/main" r:id="rId4"/>
+              </a:ext>
+            </a:extLst>
+          </a:blip>
+          <a:stretch>
+            <a:fillRect/>
+          </a:stretch>
+        </p:blipFill>
+        <p:spPr>
+          <a:xfrm>
+            <a:off x="110297" y="2208346"/>
+            <a:ext cx="1220654" cy="1220654"/>
           </a:xfrm>
           <a:prstGeom prst="rect">
             <a:avLst/>
           </a:prstGeom>
-          <a:noFill/>
-        </p:spPr>
-        <p:txBody>
-          <a:bodyPr wrap="square" rtlCol="0">
-            <a:spAutoFit/>
-          </a:bodyPr>
-          <a:lstStyle/>
-          <a:p>
-            <a:pPr marL="285750" indent="-285750">
-              <a:buFontTx/>
-              <a:buChar char="-"/>
-            </a:pPr>
-            <a:r>
-              <a:rPr lang="fr-FR" dirty="0"/>
-              <a:t>Objectif</a:t>
-            </a:r>
-          </a:p>
-          <a:p>
-            <a:pPr marL="285750" indent="-285750">
-              <a:buFontTx/>
-              <a:buChar char="-"/>
-            </a:pPr>
-            <a:r>
-              <a:rPr lang="fr-FR" dirty="0"/>
-              <a:t>Environnement de développement :</a:t>
-            </a:r>
-          </a:p>
-          <a:p>
-            <a:r>
-              <a:rPr lang="fr-FR" dirty="0"/>
-              <a:t> </a:t>
-            </a:r>
-          </a:p>
-          <a:p>
-            <a:endParaRPr lang="fr-FR" dirty="0"/>
-          </a:p>
-        </p:txBody>
-      </p:sp>
+        </p:spPr>
+      </p:pic>
       <p:pic>
         <p:nvPicPr>
-          <p:cNvPr id="10" name="Image 18">
-            <a:extLst>
-              <a:ext uri="{FF2B5EF4-FFF2-40B4-BE49-F238E27FC236}">
-                <a16:creationId xmlns:a16="http://schemas.microsoft.com/office/drawing/2014/main" id="{F1D40CE8-3EB9-890A-D4D9-30A9FCB6176C}"/>
-              </a:ext>
-            </a:extLst>
-          </p:cNvPr>
-          <p:cNvPicPr/>
+          <p:cNvPr id="12" name="Image 11">
+            <a:extLst>
+              <a:ext uri="{FF2B5EF4-FFF2-40B4-BE49-F238E27FC236}">
+                <a16:creationId xmlns:a16="http://schemas.microsoft.com/office/drawing/2014/main" id="{103C5B29-E6F3-7053-9678-13D27864FFAC}"/>
+              </a:ext>
+            </a:extLst>
+          </p:cNvPr>
+          <p:cNvPicPr>
+            <a:picLocks noChangeAspect="1"/>
+          </p:cNvPicPr>
           <p:nvPr/>
         </p:nvPicPr>
-        <p:blipFill>
-          <a:blip r:embed="rId2"/>
+        <p:blipFill rotWithShape="1">
+          <a:blip r:embed="rId5"/>
+          <a:srcRect l="40072"/>
           <a:stretch/>
         </p:blipFill>
         <p:spPr>
           <a:xfrm>
-            <a:off x="566501" y="2607120"/>
-            <a:ext cx="1262299" cy="1200329"/>
+            <a:off x="4989153" y="0"/>
+            <a:ext cx="7202847" cy="6858000"/>
           </a:xfrm>
           <a:prstGeom prst="rect">
             <a:avLst/>
           </a:prstGeom>
-          <a:ln w="0">
-            <a:noFill/>
-          </a:ln>
         </p:spPr>
       </p:pic>
-      <p:pic>
-        <p:nvPicPr>
-          <p:cNvPr id="11" name="Image 20">
-            <a:extLst>
-              <a:ext uri="{FF2B5EF4-FFF2-40B4-BE49-F238E27FC236}">
-                <a16:creationId xmlns:a16="http://schemas.microsoft.com/office/drawing/2014/main" id="{C4C88EF2-EA0C-65F9-4DF1-F41F23F33BB4}"/>
-              </a:ext>
-            </a:extLst>
-          </p:cNvPr>
-          <p:cNvPicPr/>
+      <p:sp>
+        <p:nvSpPr>
+          <p:cNvPr id="10" name="Ellipse 9">
+            <a:extLst>
+              <a:ext uri="{FF2B5EF4-FFF2-40B4-BE49-F238E27FC236}">
+                <a16:creationId xmlns:a16="http://schemas.microsoft.com/office/drawing/2014/main" id="{CAAC5C78-E630-573E-A43F-D1107666D747}"/>
+              </a:ext>
+            </a:extLst>
+          </p:cNvPr>
+          <p:cNvSpPr/>
           <p:nvPr/>
-        </p:nvPicPr>
-        <p:blipFill>
-          <a:blip r:embed="rId3"/>
-          <a:stretch/>
-        </p:blipFill>
-        <p:spPr>
-          <a:xfrm>
-            <a:off x="2286720" y="2714758"/>
-            <a:ext cx="2008602" cy="1140270"/>
-          </a:xfrm>
-          <a:prstGeom prst="rect">
+        </p:nvSpPr>
+        <p:spPr>
+          <a:xfrm>
+            <a:off x="7583488" y="1488332"/>
+            <a:ext cx="2825108" cy="3988340"/>
+          </a:xfrm>
+          <a:prstGeom prst="ellipse">
             <a:avLst/>
           </a:prstGeom>
-          <a:ln w="0">
-            <a:noFill/>
-          </a:ln>
-        </p:spPr>
-      </p:pic>
-      <p:pic>
-        <p:nvPicPr>
-          <p:cNvPr id="12" name="Image 26">
-            <a:extLst>
-              <a:ext uri="{FF2B5EF4-FFF2-40B4-BE49-F238E27FC236}">
-                <a16:creationId xmlns:a16="http://schemas.microsoft.com/office/drawing/2014/main" id="{A1FAC33E-E0AE-0DBC-FDB2-EBA3A10B717A}"/>
-              </a:ext>
-            </a:extLst>
-          </p:cNvPr>
-          <p:cNvPicPr/>
-          <p:nvPr/>
-        </p:nvPicPr>
-        <p:blipFill>
-          <a:blip r:embed="rId4"/>
-          <a:stretch/>
-        </p:blipFill>
-        <p:spPr>
-          <a:xfrm>
-            <a:off x="4753242" y="2833674"/>
-            <a:ext cx="1766880" cy="928440"/>
-          </a:xfrm>
-          <a:prstGeom prst="rect">
-            <a:avLst/>
-          </a:prstGeom>
-          <a:ln w="0">
-            <a:noFill/>
-          </a:ln>
-        </p:spPr>
-      </p:pic>
-      <p:pic>
-        <p:nvPicPr>
-          <p:cNvPr id="13" name="Image 22">
-            <a:extLst>
-              <a:ext uri="{FF2B5EF4-FFF2-40B4-BE49-F238E27FC236}">
-                <a16:creationId xmlns:a16="http://schemas.microsoft.com/office/drawing/2014/main" id="{C37B0FE5-96B9-A9EE-3CDB-584D5CCF8BD9}"/>
-              </a:ext>
-            </a:extLst>
-          </p:cNvPr>
-          <p:cNvPicPr/>
-          <p:nvPr/>
-        </p:nvPicPr>
-        <p:blipFill>
-          <a:blip r:embed="rId5"/>
-          <a:stretch/>
-        </p:blipFill>
-        <p:spPr>
-          <a:xfrm>
-            <a:off x="6978042" y="2714758"/>
-            <a:ext cx="1758960" cy="1037520"/>
-          </a:xfrm>
-          <a:prstGeom prst="rect">
-            <a:avLst/>
-          </a:prstGeom>
-          <a:ln w="0">
-            <a:noFill/>
-          </a:ln>
-        </p:spPr>
-      </p:pic>
+          <a:noFill/>
+          <a:ln w="38100"/>
+        </p:spPr>
+        <p:style>
+          <a:lnRef idx="2">
+            <a:schemeClr val="accent1">
+              <a:shade val="50000"/>
+            </a:schemeClr>
+          </a:lnRef>
+          <a:fillRef idx="1">
+            <a:schemeClr val="accent1"/>
+          </a:fillRef>
+          <a:effectRef idx="0">
+            <a:schemeClr val="accent1"/>
+          </a:effectRef>
+          <a:fontRef idx="minor">
+            <a:schemeClr val="lt1"/>
+          </a:fontRef>
+        </p:style>
+        <p:txBody>
+          <a:bodyPr rtlCol="0" anchor="ctr"/>
+          <a:lstStyle/>
+          <a:p>
+            <a:pPr algn="ctr"/>
+            <a:endParaRPr lang="fr-FR"/>
+          </a:p>
+        </p:txBody>
+      </p:sp>
     </p:spTree>
     <p:extLst>
       <p:ext uri="{BB962C8B-B14F-4D97-AF65-F5344CB8AC3E}">
-        <p14:creationId xmlns:p14="http://schemas.microsoft.com/office/powerpoint/2010/main" val="3740899374"/>
+        <p14:creationId xmlns:p14="http://schemas.microsoft.com/office/powerpoint/2010/main" val="2809124533"/>
       </p:ext>
     </p:extLst>
   </p:cSld>
@@ -15559,7 +15709,7 @@
             </a:br>
             <a:r>
               <a:rPr lang="fr-FR" sz="2000" dirty="0"/>
-              <a:t>Récupération des adresses MAC  </a:t>
+              <a:t>Publication des données avec MQTT</a:t>
             </a:r>
             <a:endParaRPr lang="fr-FR" dirty="0"/>
           </a:p>
@@ -15597,7 +15747,27 @@
             </a:pPr>
             <a:r>
               <a:rPr lang="fr-FR" dirty="0"/>
-              <a:t>M5 stick utilisé comme lecteur Bluetooth</a:t>
+              <a:t>MQTT serveur : 192.168.143.151</a:t>
+            </a:r>
+          </a:p>
+          <a:p>
+            <a:pPr marL="285750" indent="-285750">
+              <a:buFont typeface="Arial" panose="020B0604020202020204" pitchFamily="34" charset="0"/>
+              <a:buChar char="•"/>
+            </a:pPr>
+            <a:r>
+              <a:rPr lang="fr-FR" dirty="0"/>
+              <a:t>Topic: Campus</a:t>
+            </a:r>
+          </a:p>
+          <a:p>
+            <a:pPr marL="285750" indent="-285750">
+              <a:buFont typeface="Arial" panose="020B0604020202020204" pitchFamily="34" charset="0"/>
+              <a:buChar char="•"/>
+            </a:pPr>
+            <a:r>
+              <a:rPr lang="fr-FR" dirty="0"/>
+              <a:t>Port : 1883</a:t>
             </a:r>
           </a:p>
           <a:p>
@@ -15607,111 +15777,8 @@
             </a:pPr>
             <a:endParaRPr lang="fr-FR" dirty="0"/>
           </a:p>
-          <a:p>
-            <a:endParaRPr lang="fr-FR" dirty="0"/>
-          </a:p>
-          <a:p>
-            <a:pPr marL="285750" indent="-285750">
-              <a:buFont typeface="Arial" panose="020B0604020202020204" pitchFamily="34" charset="0"/>
-              <a:buChar char="•"/>
-            </a:pPr>
-            <a:r>
-              <a:rPr lang="fr-FR" dirty="0"/>
-              <a:t>Le programme permet de récupérer les adresses MAC des appareils BLE à proximité</a:t>
-            </a:r>
-          </a:p>
-          <a:p>
-            <a:pPr marL="285750" indent="-285750">
-              <a:buFont typeface="Arial" panose="020B0604020202020204" pitchFamily="34" charset="0"/>
-              <a:buChar char="•"/>
-            </a:pPr>
-            <a:r>
-              <a:rPr lang="fr-FR" dirty="0"/>
-              <a:t>Délai de 10 secondes afin de permettre à un piéton de passer la zone de détection et pas être compté deux fois.</a:t>
-            </a:r>
-          </a:p>
-        </p:txBody>
-      </p:sp>
-      <p:pic>
-        <p:nvPicPr>
-          <p:cNvPr id="8" name="Image 7">
-            <a:extLst>
-              <a:ext uri="{FF2B5EF4-FFF2-40B4-BE49-F238E27FC236}">
-                <a16:creationId xmlns:a16="http://schemas.microsoft.com/office/drawing/2014/main" id="{3766C935-AA72-D632-DF9F-664EEAE4D71A}"/>
-              </a:ext>
-            </a:extLst>
-          </p:cNvPr>
-          <p:cNvPicPr>
-            <a:picLocks noChangeAspect="1"/>
-          </p:cNvPicPr>
-          <p:nvPr/>
-        </p:nvPicPr>
-        <p:blipFill>
-          <a:blip r:embed="rId2">
-            <a:extLst>
-              <a:ext uri="{BEBA8EAE-BF5A-486C-A8C5-ECC9F3942E4B}">
-                <a14:imgProps xmlns:a14="http://schemas.microsoft.com/office/drawing/2010/main">
-                  <a14:imgLayer r:embed="rId3">
-                    <a14:imgEffect>
-                      <a14:backgroundRemoval t="10000" b="90000" l="4222" r="94000">
-                        <a14:foregroundMark x1="5778" y1="59333" x2="5778" y2="59333"/>
-                        <a14:foregroundMark x1="94000" y1="55556" x2="94000" y2="55556"/>
-                        <a14:foregroundMark x1="75333" y1="48444" x2="75333" y2="48444"/>
-                        <a14:foregroundMark x1="8889" y1="65556" x2="8889" y2="65556"/>
-                        <a14:foregroundMark x1="4222" y1="62444" x2="4222" y2="62444"/>
-                      </a14:backgroundRemoval>
-                    </a14:imgEffect>
-                  </a14:imgLayer>
-                </a14:imgProps>
-              </a:ext>
-              <a:ext uri="{837473B0-CC2E-450A-ABE3-18F120FF3D39}">
-                <a1611:picAttrSrcUrl xmlns:a1611="http://schemas.microsoft.com/office/drawing/2016/11/main" r:id="rId4"/>
-              </a:ext>
-            </a:extLst>
-          </a:blip>
-          <a:stretch>
-            <a:fillRect/>
-          </a:stretch>
-        </p:blipFill>
-        <p:spPr>
-          <a:xfrm>
-            <a:off x="110297" y="2208346"/>
-            <a:ext cx="1220654" cy="1220654"/>
-          </a:xfrm>
-          <a:prstGeom prst="rect">
-            <a:avLst/>
-          </a:prstGeom>
-        </p:spPr>
-      </p:pic>
-      <p:pic>
-        <p:nvPicPr>
-          <p:cNvPr id="12" name="Image 11">
-            <a:extLst>
-              <a:ext uri="{FF2B5EF4-FFF2-40B4-BE49-F238E27FC236}">
-                <a16:creationId xmlns:a16="http://schemas.microsoft.com/office/drawing/2014/main" id="{103C5B29-E6F3-7053-9678-13D27864FFAC}"/>
-              </a:ext>
-            </a:extLst>
-          </p:cNvPr>
-          <p:cNvPicPr>
-            <a:picLocks noChangeAspect="1"/>
-          </p:cNvPicPr>
-          <p:nvPr/>
-        </p:nvPicPr>
-        <p:blipFill rotWithShape="1">
-          <a:blip r:embed="rId5"/>
-          <a:srcRect l="40072"/>
-          <a:stretch/>
-        </p:blipFill>
-        <p:spPr>
-          <a:xfrm>
-            <a:off x="4989153" y="0"/>
-            <a:ext cx="7202847" cy="6858000"/>
-          </a:xfrm>
-          <a:prstGeom prst="rect">
-            <a:avLst/>
-          </a:prstGeom>
-        </p:spPr>
-      </p:pic>
+        </p:txBody>
+      </p:sp>
       <p:sp>
         <p:nvSpPr>
           <p:cNvPr id="10" name="Ellipse 9">
@@ -15726,8 +15793,8 @@
         </p:nvSpPr>
         <p:spPr>
           <a:xfrm>
-            <a:off x="7583488" y="1488332"/>
-            <a:ext cx="2825108" cy="3988340"/>
+            <a:off x="7583488" y="2208346"/>
+            <a:ext cx="1618878" cy="914233"/>
           </a:xfrm>
           <a:prstGeom prst="ellipse">
             <a:avLst/>
@@ -15760,10 +15827,38 @@
           </a:p>
         </p:txBody>
       </p:sp>
+      <p:pic>
+        <p:nvPicPr>
+          <p:cNvPr id="9" name="Espace réservé pour une image  8">
+            <a:extLst>
+              <a:ext uri="{FF2B5EF4-FFF2-40B4-BE49-F238E27FC236}">
+                <a16:creationId xmlns:a16="http://schemas.microsoft.com/office/drawing/2014/main" id="{59BC2D6D-E3B7-1549-8F37-2F65054EAF82}"/>
+              </a:ext>
+            </a:extLst>
+          </p:cNvPr>
+          <p:cNvPicPr>
+            <a:picLocks noGrp="1" noChangeAspect="1"/>
+          </p:cNvPicPr>
+          <p:nvPr>
+            <p:ph type="pic" idx="1"/>
+          </p:nvPr>
+        </p:nvPicPr>
+        <p:blipFill rotWithShape="1">
+          <a:blip r:embed="rId2"/>
+          <a:srcRect t="-10496" b="-10496"/>
+          <a:stretch/>
+        </p:blipFill>
+        <p:spPr>
+          <a:xfrm>
+            <a:off x="5183188" y="417513"/>
+            <a:ext cx="6172200" cy="5403850"/>
+          </a:xfrm>
+        </p:spPr>
+      </p:pic>
     </p:spTree>
     <p:extLst>
       <p:ext uri="{BB962C8B-B14F-4D97-AF65-F5344CB8AC3E}">
-        <p14:creationId xmlns:p14="http://schemas.microsoft.com/office/powerpoint/2010/main" val="2809124533"/>
+        <p14:creationId xmlns:p14="http://schemas.microsoft.com/office/powerpoint/2010/main" val="2686469771"/>
       </p:ext>
     </p:extLst>
   </p:cSld>
@@ -16565,6 +16660,21 @@
 </file>
 
 <file path=customXml/item1.xml><?xml version="1.0" encoding="utf-8"?>
+<p:properties xmlns:p="http://schemas.microsoft.com/office/2006/metadata/properties" xmlns:xsi="http://www.w3.org/2001/XMLSchema-instance" xmlns:pc="http://schemas.microsoft.com/office/infopath/2007/PartnerControls">
+  <documentManagement/>
+</p:properties>
+</file>
+
+<file path=customXml/item2.xml><?xml version="1.0" encoding="utf-8"?>
+<?mso-contentType ?>
+<FormTemplates xmlns="http://schemas.microsoft.com/sharepoint/v3/contenttype/forms">
+  <Display>DocumentLibraryForm</Display>
+  <Edit>DocumentLibraryForm</Edit>
+  <New>DocumentLibraryForm</New>
+</FormTemplates>
+</file>
+
+<file path=customXml/item3.xml><?xml version="1.0" encoding="utf-8"?>
 <ct:contentTypeSchema xmlns:ct="http://schemas.microsoft.com/office/2006/metadata/contentType" xmlns:ma="http://schemas.microsoft.com/office/2006/metadata/properties/metaAttributes" ct:_="" ma:_="" ma:contentTypeName="Document" ma:contentTypeID="0x01010049B758F657B6B546A2B1F25A9054A133" ma:contentTypeVersion="2" ma:contentTypeDescription="Crée un document." ma:contentTypeScope="" ma:versionID="345806b9f831dd6ed5c15d9ed9821fb1">
   <xsd:schema xmlns:xsd="http://www.w3.org/2001/XMLSchema" xmlns:xs="http://www.w3.org/2001/XMLSchema" xmlns:p="http://schemas.microsoft.com/office/2006/metadata/properties" xmlns:ns3="88e89e40-c19a-48d0-a0b6-11184f7f918e" targetNamespace="http://schemas.microsoft.com/office/2006/metadata/properties" ma:root="true" ma:fieldsID="5384d96721a2c9fc685b12fc798eb168" ns3:_="">
     <xsd:import namespace="88e89e40-c19a-48d0-a0b6-11184f7f918e"/>
@@ -16696,22 +16806,31 @@
 </ct:contentTypeSchema>
 </file>
 
-<file path=customXml/item2.xml><?xml version="1.0" encoding="utf-8"?>
-<?mso-contentType ?>
-<FormTemplates xmlns="http://schemas.microsoft.com/sharepoint/v3/contenttype/forms">
-  <Display>DocumentLibraryForm</Display>
-  <Edit>DocumentLibraryForm</Edit>
-  <New>DocumentLibraryForm</New>
-</FormTemplates>
+<file path=customXml/itemProps1.xml><?xml version="1.0" encoding="utf-8"?>
+<ds:datastoreItem xmlns:ds="http://schemas.openxmlformats.org/officeDocument/2006/customXml" ds:itemID="{9A042760-9A7A-479B-B4D8-612EBC1AFF18}">
+  <ds:schemaRefs>
+    <ds:schemaRef ds:uri="http://schemas.microsoft.com/office/2006/metadata/properties"/>
+    <ds:schemaRef ds:uri="http://www.w3.org/XML/1998/namespace"/>
+    <ds:schemaRef ds:uri="http://schemas.openxmlformats.org/package/2006/metadata/core-properties"/>
+    <ds:schemaRef ds:uri="http://purl.org/dc/terms/"/>
+    <ds:schemaRef ds:uri="http://purl.org/dc/dcmitype/"/>
+    <ds:schemaRef ds:uri="http://purl.org/dc/elements/1.1/"/>
+    <ds:schemaRef ds:uri="http://schemas.microsoft.com/office/2006/documentManagement/types"/>
+    <ds:schemaRef ds:uri="http://schemas.microsoft.com/office/infopath/2007/PartnerControls"/>
+    <ds:schemaRef ds:uri="88e89e40-c19a-48d0-a0b6-11184f7f918e"/>
+  </ds:schemaRefs>
+</ds:datastoreItem>
 </file>
 
-<file path=customXml/item3.xml><?xml version="1.0" encoding="utf-8"?>
-<p:properties xmlns:p="http://schemas.microsoft.com/office/2006/metadata/properties" xmlns:xsi="http://www.w3.org/2001/XMLSchema-instance" xmlns:pc="http://schemas.microsoft.com/office/infopath/2007/PartnerControls">
-  <documentManagement/>
-</p:properties>
+<file path=customXml/itemProps2.xml><?xml version="1.0" encoding="utf-8"?>
+<ds:datastoreItem xmlns:ds="http://schemas.openxmlformats.org/officeDocument/2006/customXml" ds:itemID="{6216BF83-BC37-4FA3-93AF-55DBFC07FBB9}">
+  <ds:schemaRefs>
+    <ds:schemaRef ds:uri="http://schemas.microsoft.com/sharepoint/v3/contenttype/forms"/>
+  </ds:schemaRefs>
+</ds:datastoreItem>
 </file>
 
-<file path=customXml/itemProps1.xml><?xml version="1.0" encoding="utf-8"?>
+<file path=customXml/itemProps3.xml><?xml version="1.0" encoding="utf-8"?>
 <ds:datastoreItem xmlns:ds="http://schemas.openxmlformats.org/officeDocument/2006/customXml" ds:itemID="{0F26BBB6-F212-4F70-8A4C-78715A39EE34}">
   <ds:schemaRefs>
     <ds:schemaRef ds:uri="http://schemas.microsoft.com/office/2006/metadata/contentType"/>
@@ -16727,28 +16846,4 @@
     <ds:schemaRef ds:uri="http://schemas.microsoft.com/internal/obd"/>
   </ds:schemaRefs>
 </ds:datastoreItem>
-</file>
-
-<file path=customXml/itemProps2.xml><?xml version="1.0" encoding="utf-8"?>
-<ds:datastoreItem xmlns:ds="http://schemas.openxmlformats.org/officeDocument/2006/customXml" ds:itemID="{6216BF83-BC37-4FA3-93AF-55DBFC07FBB9}">
-  <ds:schemaRefs>
-    <ds:schemaRef ds:uri="http://schemas.microsoft.com/sharepoint/v3/contenttype/forms"/>
-  </ds:schemaRefs>
-</ds:datastoreItem>
-</file>
-
-<file path=customXml/itemProps3.xml><?xml version="1.0" encoding="utf-8"?>
-<ds:datastoreItem xmlns:ds="http://schemas.openxmlformats.org/officeDocument/2006/customXml" ds:itemID="{9A042760-9A7A-479B-B4D8-612EBC1AFF18}">
-  <ds:schemaRefs>
-    <ds:schemaRef ds:uri="http://schemas.microsoft.com/office/2006/metadata/properties"/>
-    <ds:schemaRef ds:uri="http://www.w3.org/XML/1998/namespace"/>
-    <ds:schemaRef ds:uri="http://schemas.openxmlformats.org/package/2006/metadata/core-properties"/>
-    <ds:schemaRef ds:uri="http://purl.org/dc/terms/"/>
-    <ds:schemaRef ds:uri="http://purl.org/dc/dcmitype/"/>
-    <ds:schemaRef ds:uri="http://purl.org/dc/elements/1.1/"/>
-    <ds:schemaRef ds:uri="http://schemas.microsoft.com/office/2006/documentManagement/types"/>
-    <ds:schemaRef ds:uri="http://schemas.microsoft.com/office/infopath/2007/PartnerControls"/>
-    <ds:schemaRef ds:uri="88e89e40-c19a-48d0-a0b6-11184f7f918e"/>
-  </ds:schemaRefs>
-</ds:datastoreItem>
 </file>
--- a/Docs/Gestion des accès au bâtiment.pptx
+++ b/Docs/Gestion des accès au bâtiment.pptx
@@ -9998,7 +9998,7 @@
                 <a16:creationId xmlns:a16="http://schemas.microsoft.com/office/drawing/2014/main" id="{EB664AAE-5AE9-41D7-8346-002B9F445323}"/>
               </a:ext>
               <a:ext uri="{C183D7F6-B498-43B3-948B-1728B52AA6E4}">
-                <adec:decorative xmlns:adec="http://schemas.microsoft.com/office/drawing/2017/decorative" val="1"/>
+                <adec:decorative xmlns="" xmlns:adec="http://schemas.microsoft.com/office/drawing/2017/decorative" val="1"/>
               </a:ext>
             </a:extLst>
           </p:cNvPr>
@@ -12132,7 +12132,7 @@
                 <a16:creationId xmlns:a16="http://schemas.microsoft.com/office/drawing/2014/main" id="{31664CF3-C0D1-4769-8E59-8694AF07951A}"/>
               </a:ext>
               <a:ext uri="{C183D7F6-B498-43B3-948B-1728B52AA6E4}">
-                <adec:decorative xmlns:adec="http://schemas.microsoft.com/office/drawing/2017/decorative" val="1"/>
+                <adec:decorative xmlns="" xmlns:adec="http://schemas.microsoft.com/office/drawing/2017/decorative" val="1"/>
               </a:ext>
             </a:extLst>
           </p:cNvPr>
@@ -12189,7 +12189,7 @@
                 <a16:creationId xmlns:a16="http://schemas.microsoft.com/office/drawing/2014/main" id="{F5325EDA-7343-463C-83EC-5D799E8B8195}"/>
               </a:ext>
               <a:ext uri="{C183D7F6-B498-43B3-948B-1728B52AA6E4}">
-                <adec:decorative xmlns:adec="http://schemas.microsoft.com/office/drawing/2017/decorative" val="1"/>
+                <adec:decorative xmlns="" xmlns:adec="http://schemas.microsoft.com/office/drawing/2017/decorative" val="1"/>
               </a:ext>
             </a:extLst>
           </p:cNvPr>
@@ -13094,7 +13094,7 @@
                 <a16:creationId xmlns:a16="http://schemas.microsoft.com/office/drawing/2014/main" id="{AB025618-C830-4992-9CD3-D9E49BC79E67}"/>
               </a:ext>
               <a:ext uri="{C183D7F6-B498-43B3-948B-1728B52AA6E4}">
-                <adec:decorative xmlns:adec="http://schemas.microsoft.com/office/drawing/2017/decorative" val="1"/>
+                <adec:decorative xmlns="" xmlns:adec="http://schemas.microsoft.com/office/drawing/2017/decorative" val="1"/>
               </a:ext>
             </a:extLst>
           </p:cNvPr>
@@ -13321,7 +13321,7 @@
           <a:blip r:embed="rId4">
             <a:extLst>
               <a:ext uri="{96DAC541-7B7A-43D3-8B79-37D633B846F1}">
-                <asvg:svgBlip xmlns:asvg="http://schemas.microsoft.com/office/drawing/2016/SVG/main" r:embed="rId5"/>
+                <asvg:svgBlip xmlns="" xmlns:asvg="http://schemas.microsoft.com/office/drawing/2016/SVG/main" r:embed="rId5"/>
               </a:ext>
             </a:extLst>
           </a:blip>
@@ -13425,7 +13425,7 @@
           <a:blip r:embed="rId6">
             <a:extLst>
               <a:ext uri="{96DAC541-7B7A-43D3-8B79-37D633B846F1}">
-                <asvg:svgBlip xmlns:asvg="http://schemas.microsoft.com/office/drawing/2016/SVG/main" r:embed="rId7"/>
+                <asvg:svgBlip xmlns="" xmlns:asvg="http://schemas.microsoft.com/office/drawing/2016/SVG/main" r:embed="rId7"/>
               </a:ext>
             </a:extLst>
           </a:blip>
@@ -13447,7 +13447,7 @@
                 <a16:creationId xmlns:a16="http://schemas.microsoft.com/office/drawing/2014/main" id="{C862BC4D-BD7A-417E-A34A-59CE4D4A6AC8}"/>
               </a:ext>
               <a:ext uri="{C183D7F6-B498-43B3-948B-1728B52AA6E4}">
-                <adec:decorative xmlns:adec="http://schemas.microsoft.com/office/drawing/2017/decorative" val="1"/>
+                <adec:decorative xmlns="" xmlns:adec="http://schemas.microsoft.com/office/drawing/2017/decorative" val="1"/>
               </a:ext>
             </a:extLst>
           </p:cNvPr>
@@ -13504,7 +13504,7 @@
                 <a16:creationId xmlns:a16="http://schemas.microsoft.com/office/drawing/2014/main" id="{652937FB-CDE3-46B3-8481-AB5DB8C4BABA}"/>
               </a:ext>
               <a:ext uri="{C183D7F6-B498-43B3-948B-1728B52AA6E4}">
-                <adec:decorative xmlns:adec="http://schemas.microsoft.com/office/drawing/2017/decorative" val="1"/>
+                <adec:decorative xmlns="" xmlns:adec="http://schemas.microsoft.com/office/drawing/2017/decorative" val="1"/>
               </a:ext>
             </a:extLst>
           </p:cNvPr>
@@ -13561,7 +13561,7 @@
                 <a16:creationId xmlns:a16="http://schemas.microsoft.com/office/drawing/2014/main" id="{11457662-C1A5-4B93-8E30-88025E27C462}"/>
               </a:ext>
               <a:ext uri="{C183D7F6-B498-43B3-948B-1728B52AA6E4}">
-                <adec:decorative xmlns:adec="http://schemas.microsoft.com/office/drawing/2017/decorative" val="0"/>
+                <adec:decorative xmlns="" xmlns:adec="http://schemas.microsoft.com/office/drawing/2017/decorative" val="0"/>
               </a:ext>
             </a:extLst>
           </p:cNvPr>
@@ -13746,7 +13746,7 @@
           <a:blip r:embed="rId8">
             <a:extLst>
               <a:ext uri="{96DAC541-7B7A-43D3-8B79-37D633B846F1}">
-                <asvg:svgBlip xmlns:asvg="http://schemas.microsoft.com/office/drawing/2016/SVG/main" r:embed="rId9"/>
+                <asvg:svgBlip xmlns="" xmlns:asvg="http://schemas.microsoft.com/office/drawing/2016/SVG/main" r:embed="rId9"/>
               </a:ext>
             </a:extLst>
           </a:blip>
@@ -13835,7 +13835,7 @@
                 <a16:creationId xmlns:a16="http://schemas.microsoft.com/office/drawing/2014/main" id="{AB025618-C830-4992-9CD3-D9E49BC79E67}"/>
               </a:ext>
               <a:ext uri="{C183D7F6-B498-43B3-948B-1728B52AA6E4}">
-                <adec:decorative xmlns:adec="http://schemas.microsoft.com/office/drawing/2017/decorative" val="1"/>
+                <adec:decorative xmlns="" xmlns:adec="http://schemas.microsoft.com/office/drawing/2017/decorative" val="1"/>
               </a:ext>
             </a:extLst>
           </p:cNvPr>
@@ -13966,7 +13966,7 @@
                   <a16:creationId xmlns:a16="http://schemas.microsoft.com/office/drawing/2014/main" id="{0051AD99-BC4A-487F-BE1C-486FC5B8E9F2}"/>
                 </a:ext>
                 <a:ext uri="{C183D7F6-B498-43B3-948B-1728B52AA6E4}">
-                  <adec:decorative xmlns:adec="http://schemas.microsoft.com/office/drawing/2017/decorative" val="1"/>
+                  <adec:decorative xmlns="" xmlns:adec="http://schemas.microsoft.com/office/drawing/2017/decorative" val="1"/>
                 </a:ext>
               </a:extLst>
             </p:cNvPr>
@@ -14104,8 +14104,33 @@
             </a:pPr>
             <a:r>
               <a:rPr lang="fr-FR" sz="1600" dirty="0"/>
-              <a:t>Classe : Accessibles aux intervenants ayant réservé la salle. Un digicode envoyé avec la confirmation de réservation permet l’ouverture de la salle. Ce code n'est utilisable que durant le créneau réservé. Les portes se ferment automatiquement à la fin du créneau (restent possible d’ouvrir de l'intérieur) et le digicode est expiré.</a:t>
-            </a:r>
+              <a:t>Classe : </a:t>
+            </a:r>
+            <a:r>
+              <a:rPr lang="fr-FR" sz="1600" dirty="0" smtClean="0"/>
+              <a:t>Une </a:t>
+            </a:r>
+            <a:r>
+              <a:rPr lang="fr-FR" sz="1600" dirty="0" smtClean="0"/>
+              <a:t>caméra à reconnaissance faciale </a:t>
+            </a:r>
+            <a:r>
+              <a:rPr lang="fr-FR" sz="1600" dirty="0" smtClean="0"/>
+              <a:t>permettra l’accès à </a:t>
+            </a:r>
+            <a:r>
+              <a:rPr lang="fr-FR" sz="1600" dirty="0" smtClean="0"/>
+              <a:t>la </a:t>
+            </a:r>
+            <a:r>
+              <a:rPr lang="fr-FR" sz="1600" dirty="0" smtClean="0"/>
+              <a:t>salle aux personnes </a:t>
+            </a:r>
+            <a:r>
+              <a:rPr lang="fr-FR" sz="1600" smtClean="0"/>
+              <a:t>authorisé.</a:t>
+            </a:r>
+            <a:endParaRPr lang="fr-FR" sz="1600" dirty="0"/>
           </a:p>
         </p:txBody>
       </p:sp>
@@ -14117,7 +14142,7 @@
                 <a16:creationId xmlns:a16="http://schemas.microsoft.com/office/drawing/2014/main" id="{C862BC4D-BD7A-417E-A34A-59CE4D4A6AC8}"/>
               </a:ext>
               <a:ext uri="{C183D7F6-B498-43B3-948B-1728B52AA6E4}">
-                <adec:decorative xmlns:adec="http://schemas.microsoft.com/office/drawing/2017/decorative" val="1"/>
+                <adec:decorative xmlns="" xmlns:adec="http://schemas.microsoft.com/office/drawing/2017/decorative" val="1"/>
               </a:ext>
             </a:extLst>
           </p:cNvPr>
@@ -14174,7 +14199,7 @@
                 <a16:creationId xmlns:a16="http://schemas.microsoft.com/office/drawing/2014/main" id="{652937FB-CDE3-46B3-8481-AB5DB8C4BABA}"/>
               </a:ext>
               <a:ext uri="{C183D7F6-B498-43B3-948B-1728B52AA6E4}">
-                <adec:decorative xmlns:adec="http://schemas.microsoft.com/office/drawing/2017/decorative" val="1"/>
+                <adec:decorative xmlns="" xmlns:adec="http://schemas.microsoft.com/office/drawing/2017/decorative" val="1"/>
               </a:ext>
             </a:extLst>
           </p:cNvPr>
@@ -14231,7 +14256,7 @@
                 <a16:creationId xmlns:a16="http://schemas.microsoft.com/office/drawing/2014/main" id="{79161314-0A22-4109-A2B1-41E87EFE1E18}"/>
               </a:ext>
               <a:ext uri="{C183D7F6-B498-43B3-948B-1728B52AA6E4}">
-                <adec:decorative xmlns:adec="http://schemas.microsoft.com/office/drawing/2017/decorative" val="0"/>
+                <adec:decorative xmlns="" xmlns:adec="http://schemas.microsoft.com/office/drawing/2017/decorative" val="0"/>
               </a:ext>
             </a:extLst>
           </p:cNvPr>
@@ -15285,6 +15310,10 @@
               <a:rPr lang="fr-FR" dirty="0" err="1"/>
               <a:t>batiment</a:t>
             </a:r>
+            <a:r>
+              <a:rPr lang="fr-FR" dirty="0"/>
+              <a:t/>
+            </a:r>
             <a:br>
               <a:rPr lang="fr-FR" dirty="0"/>
             </a:br>
@@ -15665,7 +15694,7 @@
                 </a14:imgProps>
               </a:ext>
               <a:ext uri="{837473B0-CC2E-450A-ABE3-18F120FF3D39}">
-                <a1611:picAttrSrcUrl xmlns:a1611="http://schemas.microsoft.com/office/drawing/2016/11/main" r:id="rId4"/>
+                <a1611:picAttrSrcUrl xmlns="" xmlns:a1611="http://schemas.microsoft.com/office/drawing/2016/11/main" r:id="rId4"/>
               </a:ext>
             </a:extLst>
           </a:blip>

--- a/Docs/Gestion des accès au bâtiment.pptx
+++ b/Docs/Gestion des accès au bâtiment.pptx
@@ -10474,7 +10474,7 @@
         </p:blipFill>
         <p:spPr>
           <a:xfrm>
-            <a:off x="261505" y="2213736"/>
+            <a:off x="138545" y="2479571"/>
             <a:ext cx="6573404" cy="4387666"/>
           </a:xfrm>
           <a:prstGeom prst="rect">
@@ -10482,6 +10482,77 @@
           </a:prstGeom>
         </p:spPr>
       </p:pic>
+      <p:pic>
+        <p:nvPicPr>
+          <p:cNvPr id="5" name="Image 4">
+            <a:extLst>
+              <a:ext uri="{FF2B5EF4-FFF2-40B4-BE49-F238E27FC236}">
+                <a16:creationId xmlns:a16="http://schemas.microsoft.com/office/drawing/2014/main" id="{E913ECB4-C3A0-E6D5-D421-6CDEA1EA0A59}"/>
+              </a:ext>
+            </a:extLst>
+          </p:cNvPr>
+          <p:cNvPicPr>
+            <a:picLocks noChangeAspect="1"/>
+          </p:cNvPicPr>
+          <p:nvPr/>
+        </p:nvPicPr>
+        <p:blipFill>
+          <a:blip r:embed="rId3"/>
+          <a:stretch>
+            <a:fillRect/>
+          </a:stretch>
+        </p:blipFill>
+        <p:spPr>
+          <a:xfrm>
+            <a:off x="4181475" y="1257301"/>
+            <a:ext cx="8010525" cy="1046602"/>
+          </a:xfrm>
+          <a:prstGeom prst="rect">
+            <a:avLst/>
+          </a:prstGeom>
+        </p:spPr>
+      </p:pic>
+      <p:cxnSp>
+        <p:nvCxnSpPr>
+          <p:cNvPr id="7" name="Connecteur droit avec flèche 6">
+            <a:extLst>
+              <a:ext uri="{FF2B5EF4-FFF2-40B4-BE49-F238E27FC236}">
+                <a16:creationId xmlns:a16="http://schemas.microsoft.com/office/drawing/2014/main" id="{AFBFF984-DA0C-43DB-A80E-CF57F20E65DC}"/>
+              </a:ext>
+            </a:extLst>
+          </p:cNvPr>
+          <p:cNvCxnSpPr>
+            <a:cxnSpLocks/>
+          </p:cNvCxnSpPr>
+          <p:nvPr/>
+        </p:nvCxnSpPr>
+        <p:spPr>
+          <a:xfrm flipH="1">
+            <a:off x="5762625" y="1644312"/>
+            <a:ext cx="1450975" cy="1384638"/>
+          </a:xfrm>
+          <a:prstGeom prst="straightConnector1">
+            <a:avLst/>
+          </a:prstGeom>
+          <a:ln>
+            <a:tailEnd type="triangle"/>
+          </a:ln>
+        </p:spPr>
+        <p:style>
+          <a:lnRef idx="1">
+            <a:schemeClr val="accent1"/>
+          </a:lnRef>
+          <a:fillRef idx="0">
+            <a:schemeClr val="accent1"/>
+          </a:fillRef>
+          <a:effectRef idx="0">
+            <a:schemeClr val="accent1"/>
+          </a:effectRef>
+          <a:fontRef idx="minor">
+            <a:schemeClr val="tx1"/>
+          </a:fontRef>
+        </p:style>
+      </p:cxnSp>
     </p:spTree>
     <p:extLst>
       <p:ext uri="{BB962C8B-B14F-4D97-AF65-F5344CB8AC3E}">
@@ -10572,7 +10643,7 @@
         </p:blipFill>
         <p:spPr>
           <a:xfrm>
-            <a:off x="383020" y="2066636"/>
+            <a:off x="1907020" y="2057399"/>
             <a:ext cx="3505489" cy="4647318"/>
           </a:xfrm>
           <a:prstGeom prst="rect">
@@ -10582,10 +10653,10 @@
       </p:pic>
       <p:pic>
         <p:nvPicPr>
-          <p:cNvPr id="4" name="Image 3">
-            <a:extLst>
-              <a:ext uri="{FF2B5EF4-FFF2-40B4-BE49-F238E27FC236}">
-                <a16:creationId xmlns:a16="http://schemas.microsoft.com/office/drawing/2014/main" id="{FF427FB7-A603-CEC7-956E-0C13243419C8}"/>
+          <p:cNvPr id="5" name="Image 4">
+            <a:extLst>
+              <a:ext uri="{FF2B5EF4-FFF2-40B4-BE49-F238E27FC236}">
+                <a16:creationId xmlns:a16="http://schemas.microsoft.com/office/drawing/2014/main" id="{7223E12C-DEB2-BE40-1777-16D90940D8FA}"/>
               </a:ext>
             </a:extLst>
           </p:cNvPr>
@@ -10602,14 +10673,181 @@
         </p:blipFill>
         <p:spPr>
           <a:xfrm>
-            <a:off x="4209038" y="2066636"/>
-            <a:ext cx="7816707" cy="1554063"/>
+            <a:off x="7135079" y="2201268"/>
+            <a:ext cx="2522271" cy="4359580"/>
           </a:xfrm>
           <a:prstGeom prst="rect">
             <a:avLst/>
           </a:prstGeom>
         </p:spPr>
       </p:pic>
+      <p:pic>
+        <p:nvPicPr>
+          <p:cNvPr id="6" name="Image 5">
+            <a:extLst>
+              <a:ext uri="{FF2B5EF4-FFF2-40B4-BE49-F238E27FC236}">
+                <a16:creationId xmlns:a16="http://schemas.microsoft.com/office/drawing/2014/main" id="{6E456205-1949-261C-840F-335B8422B499}"/>
+              </a:ext>
+            </a:extLst>
+          </p:cNvPr>
+          <p:cNvPicPr>
+            <a:picLocks noChangeAspect="1"/>
+          </p:cNvPicPr>
+          <p:nvPr/>
+        </p:nvPicPr>
+        <p:blipFill>
+          <a:blip r:embed="rId4"/>
+          <a:stretch>
+            <a:fillRect/>
+          </a:stretch>
+        </p:blipFill>
+        <p:spPr>
+          <a:xfrm>
+            <a:off x="4674322" y="552773"/>
+            <a:ext cx="7443787" cy="1409053"/>
+          </a:xfrm>
+          <a:prstGeom prst="rect">
+            <a:avLst/>
+          </a:prstGeom>
+        </p:spPr>
+      </p:pic>
+      <p:sp>
+        <p:nvSpPr>
+          <p:cNvPr id="7" name="Ellipse 6">
+            <a:extLst>
+              <a:ext uri="{FF2B5EF4-FFF2-40B4-BE49-F238E27FC236}">
+                <a16:creationId xmlns:a16="http://schemas.microsoft.com/office/drawing/2014/main" id="{B8EF9824-8F46-721E-61A3-B8C2363C965D}"/>
+              </a:ext>
+            </a:extLst>
+          </p:cNvPr>
+          <p:cNvSpPr/>
+          <p:nvPr/>
+        </p:nvSpPr>
+        <p:spPr>
+          <a:xfrm>
+            <a:off x="4517303" y="1512384"/>
+            <a:ext cx="1486333" cy="422310"/>
+          </a:xfrm>
+          <a:prstGeom prst="ellipse">
+            <a:avLst/>
+          </a:prstGeom>
+          <a:noFill/>
+          <a:ln w="28575"/>
+        </p:spPr>
+        <p:style>
+          <a:lnRef idx="2">
+            <a:schemeClr val="accent1">
+              <a:shade val="50000"/>
+            </a:schemeClr>
+          </a:lnRef>
+          <a:fillRef idx="1">
+            <a:schemeClr val="accent1"/>
+          </a:fillRef>
+          <a:effectRef idx="0">
+            <a:schemeClr val="accent1"/>
+          </a:effectRef>
+          <a:fontRef idx="minor">
+            <a:schemeClr val="lt1"/>
+          </a:fontRef>
+        </p:style>
+        <p:txBody>
+          <a:bodyPr rtlCol="0" anchor="ctr"/>
+          <a:lstStyle/>
+          <a:p>
+            <a:pPr algn="ctr"/>
+            <a:endParaRPr lang="fr-FR"/>
+          </a:p>
+        </p:txBody>
+      </p:sp>
+      <p:sp>
+        <p:nvSpPr>
+          <p:cNvPr id="8" name="Ellipse 7">
+            <a:extLst>
+              <a:ext uri="{FF2B5EF4-FFF2-40B4-BE49-F238E27FC236}">
+                <a16:creationId xmlns:a16="http://schemas.microsoft.com/office/drawing/2014/main" id="{3CB3F626-010D-43B4-7762-6B8D89B60A74}"/>
+              </a:ext>
+            </a:extLst>
+          </p:cNvPr>
+          <p:cNvSpPr/>
+          <p:nvPr/>
+        </p:nvSpPr>
+        <p:spPr>
+          <a:xfrm>
+            <a:off x="7135079" y="4082473"/>
+            <a:ext cx="1486333" cy="277092"/>
+          </a:xfrm>
+          <a:prstGeom prst="ellipse">
+            <a:avLst/>
+          </a:prstGeom>
+          <a:noFill/>
+          <a:ln w="28575"/>
+        </p:spPr>
+        <p:style>
+          <a:lnRef idx="2">
+            <a:schemeClr val="accent1">
+              <a:shade val="50000"/>
+            </a:schemeClr>
+          </a:lnRef>
+          <a:fillRef idx="1">
+            <a:schemeClr val="accent1"/>
+          </a:fillRef>
+          <a:effectRef idx="0">
+            <a:schemeClr val="accent1"/>
+          </a:effectRef>
+          <a:fontRef idx="minor">
+            <a:schemeClr val="lt1"/>
+          </a:fontRef>
+        </p:style>
+        <p:txBody>
+          <a:bodyPr rtlCol="0" anchor="ctr"/>
+          <a:lstStyle/>
+          <a:p>
+            <a:pPr algn="ctr"/>
+            <a:endParaRPr lang="fr-FR"/>
+          </a:p>
+        </p:txBody>
+      </p:sp>
+      <p:cxnSp>
+        <p:nvCxnSpPr>
+          <p:cNvPr id="10" name="Connecteur droit avec flèche 9">
+            <a:extLst>
+              <a:ext uri="{FF2B5EF4-FFF2-40B4-BE49-F238E27FC236}">
+                <a16:creationId xmlns:a16="http://schemas.microsoft.com/office/drawing/2014/main" id="{BCBBE4CC-7174-1DF1-9D28-ADE6EBB1A954}"/>
+              </a:ext>
+            </a:extLst>
+          </p:cNvPr>
+          <p:cNvCxnSpPr>
+            <a:endCxn id="8" idx="2"/>
+          </p:cNvCxnSpPr>
+          <p:nvPr/>
+        </p:nvCxnSpPr>
+        <p:spPr>
+          <a:xfrm>
+            <a:off x="5578764" y="1934694"/>
+            <a:ext cx="1556315" cy="2286325"/>
+          </a:xfrm>
+          <a:prstGeom prst="straightConnector1">
+            <a:avLst/>
+          </a:prstGeom>
+          <a:ln>
+            <a:tailEnd type="triangle"/>
+          </a:ln>
+        </p:spPr>
+        <p:style>
+          <a:lnRef idx="1">
+            <a:schemeClr val="accent1"/>
+          </a:lnRef>
+          <a:fillRef idx="0">
+            <a:schemeClr val="accent1"/>
+          </a:fillRef>
+          <a:effectRef idx="0">
+            <a:schemeClr val="accent1"/>
+          </a:effectRef>
+          <a:fontRef idx="minor">
+            <a:schemeClr val="tx1"/>
+          </a:fontRef>
+        </p:style>
+      </p:cxnSp>
     </p:spTree>
     <p:extLst>
       <p:ext uri="{BB962C8B-B14F-4D97-AF65-F5344CB8AC3E}">
@@ -10917,10 +11155,6 @@
             </a:lvl9pPr>
           </a:lstStyle>
           <a:p>
-            <a:r>
-              <a:rPr lang="fr-FR"/>
-              <a:t>Gestion des accès au campus</a:t>
-            </a:r>
             <a:endParaRPr lang="fr-FR" dirty="0"/>
           </a:p>
         </p:txBody>
@@ -13522,21 +13756,28 @@
             <a:pPr rtl="0"/>
             <a:r>
               <a:rPr lang="fr-FR" sz="2000" dirty="0"/>
-              <a:t>Ce projet a pour objectif de créer un système de gestion des accès d’un bâtiment.</a:t>
+              <a:t>Objectif : créer un système de gestion des accès d’un bâtiment.</a:t>
             </a:r>
           </a:p>
           <a:p>
             <a:pPr rtl="0"/>
+            <a:endParaRPr lang="fr-FR" sz="2000" dirty="0"/>
+          </a:p>
+          <a:p>
             <a:r>
               <a:rPr lang="fr-FR" sz="2000" dirty="0"/>
-              <a:t>Un campus contenant plusieurs bâtiments, dans lequel se trouvent plusieurs salles.</a:t>
+              <a:t>Scénario : Un campus contenant plusieurs bâtiments, dans lequel se trouvent plusieurs salles.</a:t>
             </a:r>
           </a:p>
           <a:p>
             <a:pPr rtl="0"/>
             <a:r>
+              <a:rPr lang="fr-FR" sz="2000"/>
+              <a:t>Tous </a:t>
+            </a:r>
+            <a:r>
               <a:rPr lang="fr-FR" sz="2000" dirty="0"/>
-              <a:t>Tous ont un niveau d’accès différent selon leur titre et leur emploi du temps.</a:t>
+              <a:t>ont un niveau d’accès différent selon leur titre et leur emploi du temps.</a:t>
             </a:r>
           </a:p>
           <a:p>
@@ -13550,11 +13791,15 @@
             <a:pPr rtl="0"/>
             <a:r>
               <a:rPr lang="fr-FR" sz="2000" dirty="0"/>
-              <a:t>Les différents utilisateurs sont les enseignants, les élèves et les agents de sécurité.</a:t>
+              <a:t>Utilisateurs:</a:t>
             </a:r>
           </a:p>
           <a:p>
             <a:pPr rtl="0"/>
+            <a:r>
+              <a:rPr lang="fr-FR" sz="2000" dirty="0"/>
+              <a:t> </a:t>
+            </a:r>
             <a:endParaRPr lang="fr-FR" sz="1800" dirty="0"/>
           </a:p>
           <a:p>
@@ -13921,6 +14166,41 @@
           </a:prstGeom>
         </p:spPr>
       </p:pic>
+      <p:sp>
+        <p:nvSpPr>
+          <p:cNvPr id="17" name="ZoneTexte 16">
+            <a:extLst>
+              <a:ext uri="{FF2B5EF4-FFF2-40B4-BE49-F238E27FC236}">
+                <a16:creationId xmlns:a16="http://schemas.microsoft.com/office/drawing/2014/main" id="{2FB46601-4116-054F-02F3-4265AC883B52}"/>
+              </a:ext>
+            </a:extLst>
+          </p:cNvPr>
+          <p:cNvSpPr txBox="1"/>
+          <p:nvPr/>
+        </p:nvSpPr>
+        <p:spPr>
+          <a:xfrm>
+            <a:off x="902263" y="6418848"/>
+            <a:ext cx="7807627" cy="369332"/>
+          </a:xfrm>
+          <a:prstGeom prst="rect">
+            <a:avLst/>
+          </a:prstGeom>
+          <a:noFill/>
+        </p:spPr>
+        <p:txBody>
+          <a:bodyPr wrap="square">
+            <a:spAutoFit/>
+          </a:bodyPr>
+          <a:lstStyle/>
+          <a:p>
+            <a:r>
+              <a:rPr lang="fr-FR" dirty="0"/>
+              <a:t>Enseignants		 Etudiants                         Agents de sécurité.</a:t>
+            </a:r>
+          </a:p>
+        </p:txBody>
+      </p:sp>
     </p:spTree>
     <p:extLst>
       <p:ext uri="{BB962C8B-B14F-4D97-AF65-F5344CB8AC3E}">
@@ -14242,7 +14522,7 @@
             </a:pPr>
             <a:r>
               <a:rPr lang="fr-FR" sz="1600" dirty="0"/>
-              <a:t>Campus : Accessible par tous, un lecteur BT permet de compter le nombre de personnes dans le périmètre défini.</a:t>
+              <a:t>Campus : Accessible par tous, un lecteur BLE permet de compter le nombre de personnes dans le périmètre défini.</a:t>
             </a:r>
           </a:p>
           <a:p>
@@ -14262,7 +14542,7 @@
             </a:pPr>
             <a:r>
               <a:rPr lang="fr-FR" sz="1600" dirty="0"/>
-              <a:t>Classe : Accessibles aux intervenants ayant réservé la salle. Un digicode envoyé avec la confirmation de réservation permet l’ouverture de la salle. Ce code n'est utilisable que durant le créneau réservé. Les portes se ferment automatiquement à la fin du créneau (restent possible d’ouvrir de l'intérieur) et le digicode est expiré.</a:t>
+              <a:t>Salle : Une caméra à reconnaissance faciale permettra l'accès à la salle aux personnes autorisé</a:t>
             </a:r>
           </a:p>
         </p:txBody>
@@ -15484,7 +15764,7 @@
             </a:pPr>
             <a:r>
               <a:rPr lang="fr-FR" dirty="0"/>
-              <a:t>M5 stick utilisé comme lecteur Bluetooth</a:t>
+              <a:t>M5 stick utilisé comme lecteur BLE</a:t>
             </a:r>
           </a:p>
           <a:p>
@@ -15505,16 +15785,6 @@
             <a:r>
               <a:rPr lang="fr-FR" dirty="0"/>
               <a:t>Le programme permet de récupérer les adresses MAC des appareils BLE à proximité</a:t>
-            </a:r>
-          </a:p>
-          <a:p>
-            <a:pPr marL="285750" indent="-285750">
-              <a:buFont typeface="Arial" panose="020B0604020202020204" pitchFamily="34" charset="0"/>
-              <a:buChar char="•"/>
-            </a:pPr>
-            <a:r>
-              <a:rPr lang="fr-FR" dirty="0"/>
-              <a:t>Délai de 10 secondes afin de permettre à un piéton de passer la zone de détection et pas être compté deux fois.</a:t>
             </a:r>
           </a:p>
         </p:txBody>
@@ -16660,18 +16930,18 @@
 </file>
 
 <file path=customXml/item1.xml><?xml version="1.0" encoding="utf-8"?>
-<p:properties xmlns:p="http://schemas.microsoft.com/office/2006/metadata/properties" xmlns:xsi="http://www.w3.org/2001/XMLSchema-instance" xmlns:pc="http://schemas.microsoft.com/office/infopath/2007/PartnerControls">
-  <documentManagement/>
-</p:properties>
-</file>
-
-<file path=customXml/item2.xml><?xml version="1.0" encoding="utf-8"?>
 <?mso-contentType ?>
 <FormTemplates xmlns="http://schemas.microsoft.com/sharepoint/v3/contenttype/forms">
   <Display>DocumentLibraryForm</Display>
   <Edit>DocumentLibraryForm</Edit>
   <New>DocumentLibraryForm</New>
 </FormTemplates>
+</file>
+
+<file path=customXml/item2.xml><?xml version="1.0" encoding="utf-8"?>
+<p:properties xmlns:p="http://schemas.microsoft.com/office/2006/metadata/properties" xmlns:xsi="http://www.w3.org/2001/XMLSchema-instance" xmlns:pc="http://schemas.microsoft.com/office/infopath/2007/PartnerControls">
+  <documentManagement/>
+</p:properties>
 </file>
 
 <file path=customXml/item3.xml><?xml version="1.0" encoding="utf-8"?>
@@ -16807,6 +17077,14 @@
 </file>
 
 <file path=customXml/itemProps1.xml><?xml version="1.0" encoding="utf-8"?>
+<ds:datastoreItem xmlns:ds="http://schemas.openxmlformats.org/officeDocument/2006/customXml" ds:itemID="{6216BF83-BC37-4FA3-93AF-55DBFC07FBB9}">
+  <ds:schemaRefs>
+    <ds:schemaRef ds:uri="http://schemas.microsoft.com/sharepoint/v3/contenttype/forms"/>
+  </ds:schemaRefs>
+</ds:datastoreItem>
+</file>
+
+<file path=customXml/itemProps2.xml><?xml version="1.0" encoding="utf-8"?>
 <ds:datastoreItem xmlns:ds="http://schemas.openxmlformats.org/officeDocument/2006/customXml" ds:itemID="{9A042760-9A7A-479B-B4D8-612EBC1AFF18}">
   <ds:schemaRefs>
     <ds:schemaRef ds:uri="http://schemas.microsoft.com/office/2006/metadata/properties"/>
@@ -16818,14 +17096,6 @@
     <ds:schemaRef ds:uri="http://schemas.microsoft.com/office/2006/documentManagement/types"/>
     <ds:schemaRef ds:uri="http://schemas.microsoft.com/office/infopath/2007/PartnerControls"/>
     <ds:schemaRef ds:uri="88e89e40-c19a-48d0-a0b6-11184f7f918e"/>
-  </ds:schemaRefs>
-</ds:datastoreItem>
-</file>
-
-<file path=customXml/itemProps2.xml><?xml version="1.0" encoding="utf-8"?>
-<ds:datastoreItem xmlns:ds="http://schemas.openxmlformats.org/officeDocument/2006/customXml" ds:itemID="{6216BF83-BC37-4FA3-93AF-55DBFC07FBB9}">
-  <ds:schemaRefs>
-    <ds:schemaRef ds:uri="http://schemas.microsoft.com/sharepoint/v3/contenttype/forms"/>
   </ds:schemaRefs>
 </ds:datastoreItem>
 </file>

--- a/Docs/Gestion des accès au bâtiment.pptx
+++ b/Docs/Gestion des accès au bâtiment.pptx
@@ -5,10 +5,10 @@
     <p:sldMasterId id="2147483648" r:id="rId4"/>
   </p:sldMasterIdLst>
   <p:notesMasterIdLst>
-    <p:notesMasterId r:id="rId26"/>
+    <p:notesMasterId r:id="rId32"/>
   </p:notesMasterIdLst>
   <p:handoutMasterIdLst>
-    <p:handoutMasterId r:id="rId27"/>
+    <p:handoutMasterId r:id="rId33"/>
   </p:handoutMasterIdLst>
   <p:sldIdLst>
     <p:sldId id="281" r:id="rId5"/>
@@ -24,14 +24,20 @@
     <p:sldId id="312" r:id="rId15"/>
     <p:sldId id="303" r:id="rId16"/>
     <p:sldId id="311" r:id="rId17"/>
-    <p:sldId id="304" r:id="rId18"/>
-    <p:sldId id="308" r:id="rId19"/>
-    <p:sldId id="305" r:id="rId20"/>
-    <p:sldId id="306" r:id="rId21"/>
-    <p:sldId id="307" r:id="rId22"/>
-    <p:sldId id="299" r:id="rId23"/>
-    <p:sldId id="295" r:id="rId24"/>
-    <p:sldId id="256" r:id="rId25"/>
+    <p:sldId id="313" r:id="rId18"/>
+    <p:sldId id="314" r:id="rId19"/>
+    <p:sldId id="316" r:id="rId20"/>
+    <p:sldId id="320" r:id="rId21"/>
+    <p:sldId id="319" r:id="rId22"/>
+    <p:sldId id="304" r:id="rId23"/>
+    <p:sldId id="308" r:id="rId24"/>
+    <p:sldId id="305" r:id="rId25"/>
+    <p:sldId id="306" r:id="rId26"/>
+    <p:sldId id="307" r:id="rId27"/>
+    <p:sldId id="317" r:id="rId28"/>
+    <p:sldId id="299" r:id="rId29"/>
+    <p:sldId id="295" r:id="rId30"/>
+    <p:sldId id="256" r:id="rId31"/>
   </p:sldIdLst>
   <p:sldSz cx="12192000" cy="6858000"/>
   <p:notesSz cx="6858000" cy="9144000"/>
@@ -361,6 +367,64 @@
 </p:handoutMaster>
 </file>
 
+<file path=ppt/ink/ink1.xml><?xml version="1.0" encoding="utf-8"?>
+<inkml:ink xmlns:inkml="http://www.w3.org/2003/InkML">
+  <inkml:definitions>
+    <inkml:context xml:id="ctx0">
+      <inkml:inkSource xml:id="inkSrc0">
+        <inkml:traceFormat>
+          <inkml:channel name="X" type="integer" min="-2.14748E9" max="2.14748E9" units="cm"/>
+          <inkml:channel name="Y" type="integer" min="-2.14748E9" max="2.14748E9" units="cm"/>
+        </inkml:traceFormat>
+        <inkml:channelProperties>
+          <inkml:channelProperty channel="X" name="resolution" value="1000" units="1/cm"/>
+          <inkml:channelProperty channel="Y" name="resolution" value="1000" units="1/cm"/>
+        </inkml:channelProperties>
+      </inkml:inkSource>
+      <inkml:timestamp xml:id="ts0" timeString="2022-05-12T18:00:17.930"/>
+    </inkml:context>
+    <inkml:brush xml:id="br0">
+      <inkml:brushProperty name="width" value="0.2" units="cm"/>
+      <inkml:brushProperty name="height" value="0.4" units="cm"/>
+      <inkml:brushProperty name="color" value="#FFFC00"/>
+      <inkml:brushProperty name="tip" value="rectangle"/>
+      <inkml:brushProperty name="rasterOp" value="maskPen"/>
+      <inkml:brushProperty name="ignorePressure" value="1"/>
+    </inkml:brush>
+  </inkml:definitions>
+  <inkml:trace contextRef="#ctx0" brushRef="#br0">5340 3,'-63'0,"-37"-2,0 5,-158 25,150-14,1-5,-2-4,-112-10,19 1,193 4,-40-2,1 2,0 2,0 2,0 2,0 3,-86 26,79-16,0-3,-1-2,0-2,-87 6,-230-10,268-9,61 3,-1 2,-59 14,56-9,-86 7,82-14,1-1,0-2,-1-3,1-2,1-2,-1-3,2-1,-61-24,58 13,-1 3,-1 2,0 3,-1 1,-1 4,0 1,-79 0,-1110 13,1240-4,-3-1,1 0,-1 1,0 1,0-1,0 1,0 0,0 1,1 0,-1 0,1 1,-1 0,1 0,-12 7,-1 11</inkml:trace>
+</inkml:ink>
+</file>
+
+<file path=ppt/ink/ink2.xml><?xml version="1.0" encoding="utf-8"?>
+<inkml:ink xmlns:inkml="http://www.w3.org/2003/InkML">
+  <inkml:definitions>
+    <inkml:context xml:id="ctx0">
+      <inkml:inkSource xml:id="inkSrc0">
+        <inkml:traceFormat>
+          <inkml:channel name="X" type="integer" min="-2.14748E9" max="2.14748E9" units="cm"/>
+          <inkml:channel name="Y" type="integer" min="-2.14748E9" max="2.14748E9" units="cm"/>
+        </inkml:traceFormat>
+        <inkml:channelProperties>
+          <inkml:channelProperty channel="X" name="resolution" value="1000" units="1/cm"/>
+          <inkml:channelProperty channel="Y" name="resolution" value="1000" units="1/cm"/>
+        </inkml:channelProperties>
+      </inkml:inkSource>
+      <inkml:timestamp xml:id="ts0" timeString="2022-05-12T18:00:37.666"/>
+    </inkml:context>
+    <inkml:brush xml:id="br0">
+      <inkml:brushProperty name="width" value="0.2" units="cm"/>
+      <inkml:brushProperty name="height" value="0.4" units="cm"/>
+      <inkml:brushProperty name="color" value="#FFFC00"/>
+      <inkml:brushProperty name="tip" value="rectangle"/>
+      <inkml:brushProperty name="rasterOp" value="maskPen"/>
+      <inkml:brushProperty name="ignorePressure" value="1"/>
+    </inkml:brush>
+  </inkml:definitions>
+  <inkml:trace contextRef="#ctx0" brushRef="#br0">1882 54,'-3'-2,"0"0,1 1,-1-1,0 0,-1 1,1 0,-6-2,-12-6,15 6,0 0,0 1,0-1,-1 1,1 1,0-1,-1 1,-9-1,-7 1,-25 3,10-1,-531-1,481-7,0 0,-719 8,800-1,1 0,-1 1,1 0,-1 1,1-1,0 1,-1 0,1 1,0-1,0 1,0 1,1-1,-8 6,12-8,1-1,-1 1,0-1,1 1,-1 0,0-1,1 1,-1 0,1 0,-1-1,1 1,-1 0,1 0,0 0,-1-1,1 1,0 0,0 0,-1 0,1 0,0 0,0 0,0 0,0 0,0 0,1-1,-1 1,0 0,0 0,0 0,1 0,-1 0,0 0,1-1,-1 1,1 0,-1 0,2 0,2 3,0 0,0-1,1 0,-1 1,9 3,-8-5,-1 0,0 1,7 6,0 4,-9-11,-1 0,0 0,1 0,0 0,-1-1,1 1,0 0,0-1,0 1,0-1,0 0,0 0,0 0,4 1,5 0,-1 0,1-1,0 0,-1-1,1-1,0 0,-1 0,15-4,-13 3,1 0,-1 0,0 1,1 1,21 2,35 5,1-2,81-5,-60-1,-58 1,82-2,-88 1,0-2,32-8,69-15,-82 20,0 2,0 1,47 5,-17-1,-59 0,-1 1,1 0,21 7,-20-5,0 0,32 2,69 1,-68-3,57-3,-68-1,-27 0</inkml:trace>
+</inkml:ink>
+</file>
+
 <file path=ppt/notesMasters/notesMaster1.xml><?xml version="1.0" encoding="utf-8"?>
 <p:notesMaster xmlns:a="http://schemas.openxmlformats.org/drawingml/2006/main" xmlns:r="http://schemas.openxmlformats.org/officeDocument/2006/relationships" xmlns:p="http://schemas.openxmlformats.org/presentationml/2006/main">
   <p:cSld>
@@ -1037,7 +1101,7 @@
             <a:pPr rtl="0"/>
             <a:fld id="{6BF82289-BCFD-4053-9D06-A9140C63A457}" type="slidenum">
               <a:rPr lang="fr-FR" smtClean="0"/>
-              <a:t>20</a:t>
+              <a:t>26</a:t>
             </a:fld>
             <a:endParaRPr lang="fr-FR"/>
           </a:p>
@@ -1123,7 +1187,7 @@
             <a:pPr rtl="0"/>
             <a:fld id="{6BF82289-BCFD-4053-9D06-A9140C63A457}" type="slidenum">
               <a:rPr lang="fr-FR" smtClean="0"/>
-              <a:t>21</a:t>
+              <a:t>27</a:t>
             </a:fld>
             <a:endParaRPr lang="fr-FR"/>
           </a:p>
@@ -11212,11 +11276,11 @@
           <a:p>
             <a:r>
               <a:rPr lang="fr-FR" dirty="0"/>
-              <a:t>Gestion des accès au </a:t>
-            </a:r>
-            <a:r>
-              <a:rPr lang="fr-FR" dirty="0" err="1"/>
-              <a:t>batiment</a:t>
+              <a:t>Gestion des accès </a:t>
+            </a:r>
+            <a:r>
+              <a:rPr lang="fr-FR"/>
+              <a:t>au bâtiment</a:t>
             </a:r>
             <a:br>
               <a:rPr lang="fr-FR" dirty="0"/>
@@ -11332,8 +11396,8 @@
         </p:blipFill>
         <p:spPr>
           <a:xfrm>
-            <a:off x="566501" y="2607120"/>
-            <a:ext cx="1262299" cy="1200329"/>
+            <a:off x="566501" y="2607121"/>
+            <a:ext cx="824149" cy="821880"/>
           </a:xfrm>
           <a:prstGeom prst="rect">
             <a:avLst/>
@@ -11361,8 +11425,8 @@
         </p:blipFill>
         <p:spPr>
           <a:xfrm>
-            <a:off x="2286720" y="2714758"/>
-            <a:ext cx="2008602" cy="1140270"/>
+            <a:off x="1608897" y="2590092"/>
+            <a:ext cx="1766880" cy="928440"/>
           </a:xfrm>
           <a:prstGeom prst="rect">
             <a:avLst/>
@@ -11390,7 +11454,7 @@
         </p:blipFill>
         <p:spPr>
           <a:xfrm>
-            <a:off x="4753242" y="2833674"/>
+            <a:off x="3601243" y="2590092"/>
             <a:ext cx="1766880" cy="928440"/>
           </a:xfrm>
           <a:prstGeom prst="rect">
@@ -11419,8 +11483,8 @@
         </p:blipFill>
         <p:spPr>
           <a:xfrm>
-            <a:off x="6978042" y="2714758"/>
-            <a:ext cx="1758960" cy="1037520"/>
+            <a:off x="5540418" y="2607121"/>
+            <a:ext cx="1758960" cy="928441"/>
           </a:xfrm>
           <a:prstGeom prst="rect">
             <a:avLst/>
@@ -11428,6 +11492,236 @@
           <a:ln w="0">
             <a:noFill/>
           </a:ln>
+        </p:spPr>
+      </p:pic>
+      <p:pic>
+        <p:nvPicPr>
+          <p:cNvPr id="1026" name="Picture 2" descr="Arduino — Wikipédia">
+            <a:extLst>
+              <a:ext uri="{FF2B5EF4-FFF2-40B4-BE49-F238E27FC236}">
+                <a16:creationId xmlns:a16="http://schemas.microsoft.com/office/drawing/2014/main" id="{7BD36406-06EF-A3AB-3492-02F8636CBD6B}"/>
+              </a:ext>
+            </a:extLst>
+          </p:cNvPr>
+          <p:cNvPicPr>
+            <a:picLocks noChangeAspect="1" noChangeArrowheads="1"/>
+          </p:cNvPicPr>
+          <p:nvPr/>
+        </p:nvPicPr>
+        <p:blipFill>
+          <a:blip r:embed="rId6">
+            <a:extLst>
+              <a:ext uri="{28A0092B-C50C-407E-A947-70E740481C1C}">
+                <a14:useLocalDpi xmlns:a14="http://schemas.microsoft.com/office/drawing/2010/main" val="0"/>
+              </a:ext>
+            </a:extLst>
+          </a:blip>
+          <a:srcRect/>
+          <a:stretch>
+            <a:fillRect/>
+          </a:stretch>
+        </p:blipFill>
+        <p:spPr bwMode="auto">
+          <a:xfrm>
+            <a:off x="7882645" y="2607121"/>
+            <a:ext cx="1223255" cy="831993"/>
+          </a:xfrm>
+          <a:prstGeom prst="rect">
+            <a:avLst/>
+          </a:prstGeom>
+          <a:noFill/>
+          <a:extLst>
+            <a:ext uri="{909E8E84-426E-40DD-AFC4-6F175D3DCCD1}">
+              <a14:hiddenFill xmlns:a14="http://schemas.microsoft.com/office/drawing/2010/main">
+                <a:solidFill>
+                  <a:srgbClr val="FFFFFF"/>
+                </a:solidFill>
+              </a14:hiddenFill>
+            </a:ext>
+          </a:extLst>
+        </p:spPr>
+      </p:pic>
+      <p:pic>
+        <p:nvPicPr>
+          <p:cNvPr id="1028" name="Picture 4" descr="Microsoft Visual Studio — Wikipédia">
+            <a:extLst>
+              <a:ext uri="{FF2B5EF4-FFF2-40B4-BE49-F238E27FC236}">
+                <a16:creationId xmlns:a16="http://schemas.microsoft.com/office/drawing/2014/main" id="{0724C26F-DC0D-E9AB-DC16-7E8764DB1334}"/>
+              </a:ext>
+            </a:extLst>
+          </p:cNvPr>
+          <p:cNvPicPr>
+            <a:picLocks noChangeAspect="1" noChangeArrowheads="1"/>
+          </p:cNvPicPr>
+          <p:nvPr/>
+        </p:nvPicPr>
+        <p:blipFill>
+          <a:blip r:embed="rId7">
+            <a:extLst>
+              <a:ext uri="{28A0092B-C50C-407E-A947-70E740481C1C}">
+                <a14:useLocalDpi xmlns:a14="http://schemas.microsoft.com/office/drawing/2010/main" val="0"/>
+              </a:ext>
+            </a:extLst>
+          </a:blip>
+          <a:srcRect/>
+          <a:stretch>
+            <a:fillRect/>
+          </a:stretch>
+        </p:blipFill>
+        <p:spPr bwMode="auto">
+          <a:xfrm>
+            <a:off x="10583103" y="1794806"/>
+            <a:ext cx="1223255" cy="1223255"/>
+          </a:xfrm>
+          <a:prstGeom prst="rect">
+            <a:avLst/>
+          </a:prstGeom>
+          <a:noFill/>
+          <a:extLst>
+            <a:ext uri="{909E8E84-426E-40DD-AFC4-6F175D3DCCD1}">
+              <a14:hiddenFill xmlns:a14="http://schemas.microsoft.com/office/drawing/2010/main">
+                <a:solidFill>
+                  <a:srgbClr val="FFFFFF"/>
+                </a:solidFill>
+              </a14:hiddenFill>
+            </a:ext>
+          </a:extLst>
+        </p:spPr>
+      </p:pic>
+      <p:pic>
+        <p:nvPicPr>
+          <p:cNvPr id="1030" name="Picture 6" descr="Visual Studio Code — Wikipédia">
+            <a:extLst>
+              <a:ext uri="{FF2B5EF4-FFF2-40B4-BE49-F238E27FC236}">
+                <a16:creationId xmlns:a16="http://schemas.microsoft.com/office/drawing/2014/main" id="{2483E4B5-2BFB-38BE-55F9-27EC65C97E73}"/>
+              </a:ext>
+            </a:extLst>
+          </p:cNvPr>
+          <p:cNvPicPr>
+            <a:picLocks noChangeAspect="1" noChangeArrowheads="1"/>
+          </p:cNvPicPr>
+          <p:nvPr/>
+        </p:nvPicPr>
+        <p:blipFill>
+          <a:blip r:embed="rId8">
+            <a:extLst>
+              <a:ext uri="{28A0092B-C50C-407E-A947-70E740481C1C}">
+                <a14:useLocalDpi xmlns:a14="http://schemas.microsoft.com/office/drawing/2010/main" val="0"/>
+              </a:ext>
+            </a:extLst>
+          </a:blip>
+          <a:srcRect/>
+          <a:stretch>
+            <a:fillRect/>
+          </a:stretch>
+        </p:blipFill>
+        <p:spPr bwMode="auto">
+          <a:xfrm>
+            <a:off x="10583103" y="3247783"/>
+            <a:ext cx="1223255" cy="1223255"/>
+          </a:xfrm>
+          <a:prstGeom prst="rect">
+            <a:avLst/>
+          </a:prstGeom>
+          <a:noFill/>
+          <a:extLst>
+            <a:ext uri="{909E8E84-426E-40DD-AFC4-6F175D3DCCD1}">
+              <a14:hiddenFill xmlns:a14="http://schemas.microsoft.com/office/drawing/2010/main">
+                <a:solidFill>
+                  <a:srgbClr val="FFFFFF"/>
+                </a:solidFill>
+              </a14:hiddenFill>
+            </a:ext>
+          </a:extLst>
+        </p:spPr>
+      </p:pic>
+      <p:sp>
+        <p:nvSpPr>
+          <p:cNvPr id="2" name="ZoneTexte 1">
+            <a:extLst>
+              <a:ext uri="{FF2B5EF4-FFF2-40B4-BE49-F238E27FC236}">
+                <a16:creationId xmlns:a16="http://schemas.microsoft.com/office/drawing/2014/main" id="{BC3CE2B3-0507-C936-F454-C651BEF889EA}"/>
+              </a:ext>
+            </a:extLst>
+          </p:cNvPr>
+          <p:cNvSpPr txBox="1"/>
+          <p:nvPr/>
+        </p:nvSpPr>
+        <p:spPr>
+          <a:xfrm>
+            <a:off x="633186" y="5029200"/>
+            <a:ext cx="10992313" cy="646331"/>
+          </a:xfrm>
+          <a:prstGeom prst="rect">
+            <a:avLst/>
+          </a:prstGeom>
+          <a:noFill/>
+        </p:spPr>
+        <p:txBody>
+          <a:bodyPr wrap="square" rtlCol="0">
+            <a:spAutoFit/>
+          </a:bodyPr>
+          <a:lstStyle/>
+          <a:p>
+            <a:pPr marL="285750" indent="-285750">
+              <a:buFontTx/>
+              <a:buChar char="-"/>
+            </a:pPr>
+            <a:r>
+              <a:rPr lang="fr-FR" dirty="0"/>
+              <a:t>Technologies utilisées :</a:t>
+            </a:r>
+          </a:p>
+          <a:p>
+            <a:endParaRPr lang="fr-FR" dirty="0"/>
+          </a:p>
+        </p:txBody>
+      </p:sp>
+      <p:pic>
+        <p:nvPicPr>
+          <p:cNvPr id="1032" name="Picture 8" descr="Avantages et inconvénients des technologies RFID active et passive | Altium">
+            <a:extLst>
+              <a:ext uri="{FF2B5EF4-FFF2-40B4-BE49-F238E27FC236}">
+                <a16:creationId xmlns:a16="http://schemas.microsoft.com/office/drawing/2014/main" id="{3FF5A621-E8C4-042F-C056-0024B3D33B21}"/>
+              </a:ext>
+            </a:extLst>
+          </p:cNvPr>
+          <p:cNvPicPr>
+            <a:picLocks noChangeAspect="1" noChangeArrowheads="1"/>
+          </p:cNvPicPr>
+          <p:nvPr/>
+        </p:nvPicPr>
+        <p:blipFill>
+          <a:blip r:embed="rId9">
+            <a:extLst>
+              <a:ext uri="{28A0092B-C50C-407E-A947-70E740481C1C}">
+                <a14:useLocalDpi xmlns:a14="http://schemas.microsoft.com/office/drawing/2010/main" val="0"/>
+              </a:ext>
+            </a:extLst>
+          </a:blip>
+          <a:srcRect/>
+          <a:stretch>
+            <a:fillRect/>
+          </a:stretch>
+        </p:blipFill>
+        <p:spPr bwMode="auto">
+          <a:xfrm>
+            <a:off x="3093130" y="4736668"/>
+            <a:ext cx="1971675" cy="1066644"/>
+          </a:xfrm>
+          <a:prstGeom prst="rect">
+            <a:avLst/>
+          </a:prstGeom>
+          <a:noFill/>
+          <a:extLst>
+            <a:ext uri="{909E8E84-426E-40DD-AFC4-6F175D3DCCD1}">
+              <a14:hiddenFill xmlns:a14="http://schemas.microsoft.com/office/drawing/2010/main">
+                <a:solidFill>
+                  <a:srgbClr val="FFFFFF"/>
+                </a:solidFill>
+              </a14:hiddenFill>
+            </a:ext>
+          </a:extLst>
         </p:spPr>
       </p:pic>
     </p:spTree>
@@ -11465,7 +11759,7 @@
           <p:cNvPr id="2" name="Titre 1">
             <a:extLst>
               <a:ext uri="{FF2B5EF4-FFF2-40B4-BE49-F238E27FC236}">
-                <a16:creationId xmlns:a16="http://schemas.microsoft.com/office/drawing/2014/main" id="{DBD23F23-EF92-2EE6-EED2-24F174401B9D}"/>
+                <a16:creationId xmlns:a16="http://schemas.microsoft.com/office/drawing/2014/main" id="{1FE865AE-991B-8E6C-4958-77BCF27CB95F}"/>
               </a:ext>
             </a:extLst>
           </p:cNvPr>
@@ -11478,119 +11772,217 @@
         </p:nvSpPr>
         <p:spPr>
           <a:xfrm>
-            <a:off x="839788" y="457200"/>
-            <a:ext cx="4654925" cy="1600200"/>
-          </a:xfrm>
-        </p:spPr>
-        <p:txBody>
-          <a:bodyPr anchor="t">
-            <a:normAutofit/>
+            <a:off x="110297" y="267678"/>
+            <a:ext cx="4661728" cy="1464790"/>
+          </a:xfrm>
+        </p:spPr>
+        <p:txBody>
+          <a:bodyPr>
+            <a:normAutofit fontScale="90000"/>
           </a:bodyPr>
           <a:lstStyle/>
           <a:p>
             <a:r>
               <a:rPr lang="fr-FR" dirty="0"/>
-              <a:t>Gestion des accès à la salle</a:t>
+              <a:t>Gestion des accès au </a:t>
+            </a:r>
+            <a:r>
+              <a:rPr lang="fr-FR" dirty="0" err="1"/>
+              <a:t>batiment</a:t>
             </a:r>
             <a:br>
               <a:rPr lang="fr-FR" dirty="0"/>
             </a:br>
+            <a:br>
+              <a:rPr lang="fr-FR" dirty="0"/>
+            </a:br>
             <a:r>
               <a:rPr lang="fr-FR" sz="2000" dirty="0"/>
-              <a:t>Récupération des paramètres biométrique </a:t>
-            </a:r>
-            <a:r>
-              <a:rPr lang="fr-FR" dirty="0"/>
-              <a:t> </a:t>
-            </a:r>
-          </a:p>
-        </p:txBody>
-      </p:sp>
-      <p:sp>
-        <p:nvSpPr>
-          <p:cNvPr id="3" name="Espace réservé du texte 2">
-            <a:extLst>
-              <a:ext uri="{FF2B5EF4-FFF2-40B4-BE49-F238E27FC236}">
-                <a16:creationId xmlns:a16="http://schemas.microsoft.com/office/drawing/2014/main" id="{070D4B8C-89A7-65B0-892A-D27A85A3C9A2}"/>
-              </a:ext>
-            </a:extLst>
-          </p:cNvPr>
-          <p:cNvSpPr>
-            <a:spLocks noGrp="1"/>
-          </p:cNvSpPr>
-          <p:nvPr>
-            <p:ph type="body" sz="half" idx="2"/>
-          </p:nvPr>
-        </p:nvSpPr>
-        <p:spPr>
-          <a:xfrm>
-            <a:off x="839788" y="1625138"/>
-            <a:ext cx="3932237" cy="432262"/>
-          </a:xfrm>
-        </p:spPr>
-        <p:txBody>
-          <a:bodyPr/>
-          <a:lstStyle/>
-          <a:p>
-            <a:r>
-              <a:rPr lang="fr-FR" dirty="0"/>
-              <a:t>Lancement de la caméra</a:t>
-            </a:r>
+              <a:t>Récupération des tag RFID</a:t>
+            </a:r>
+            <a:endParaRPr lang="fr-FR" dirty="0"/>
           </a:p>
         </p:txBody>
       </p:sp>
       <p:pic>
         <p:nvPicPr>
-          <p:cNvPr id="4" name="Image 3"/>
+          <p:cNvPr id="2050" name="Picture 2" descr="WEMOS D1 R2 WIFI ESP8266 Shield for Arduino at Rs 315 | Arduino Shield |  ID: 15361012912">
+            <a:extLst>
+              <a:ext uri="{FF2B5EF4-FFF2-40B4-BE49-F238E27FC236}">
+                <a16:creationId xmlns:a16="http://schemas.microsoft.com/office/drawing/2014/main" id="{DCEBF7D5-679B-5BA6-479D-D1E60131ED39}"/>
+              </a:ext>
+            </a:extLst>
+          </p:cNvPr>
+          <p:cNvPicPr>
+            <a:picLocks noChangeAspect="1" noChangeArrowheads="1"/>
+          </p:cNvPicPr>
+          <p:nvPr/>
+        </p:nvPicPr>
+        <p:blipFill>
+          <a:blip r:embed="rId2">
+            <a:extLst>
+              <a:ext uri="{28A0092B-C50C-407E-A947-70E740481C1C}">
+                <a14:useLocalDpi xmlns:a14="http://schemas.microsoft.com/office/drawing/2010/main" val="0"/>
+              </a:ext>
+            </a:extLst>
+          </a:blip>
+          <a:srcRect/>
+          <a:stretch>
+            <a:fillRect/>
+          </a:stretch>
+        </p:blipFill>
+        <p:spPr bwMode="auto">
+          <a:xfrm>
+            <a:off x="766662" y="1920926"/>
+            <a:ext cx="2925323" cy="1948266"/>
+          </a:xfrm>
+          <a:prstGeom prst="rect">
+            <a:avLst/>
+          </a:prstGeom>
+          <a:noFill/>
+          <a:extLst>
+            <a:ext uri="{909E8E84-426E-40DD-AFC4-6F175D3DCCD1}">
+              <a14:hiddenFill xmlns:a14="http://schemas.microsoft.com/office/drawing/2010/main">
+                <a:solidFill>
+                  <a:srgbClr val="FFFFFF"/>
+                </a:solidFill>
+              </a14:hiddenFill>
+            </a:ext>
+          </a:extLst>
+        </p:spPr>
+      </p:pic>
+      <p:pic>
+        <p:nvPicPr>
+          <p:cNvPr id="2052" name="Picture 4" descr="SUNFOUNDER Mifare RC522 Card Read Antenna RF Module RFID Reader IC Card  Proximity Module for Arduino : Amazon.fr: Informatique">
+            <a:extLst>
+              <a:ext uri="{FF2B5EF4-FFF2-40B4-BE49-F238E27FC236}">
+                <a16:creationId xmlns:a16="http://schemas.microsoft.com/office/drawing/2014/main" id="{D0825C55-4C0C-2DB1-61E7-B0BB5AAE0946}"/>
+              </a:ext>
+            </a:extLst>
+          </p:cNvPr>
+          <p:cNvPicPr>
+            <a:picLocks noChangeAspect="1" noChangeArrowheads="1"/>
+          </p:cNvPicPr>
+          <p:nvPr/>
+        </p:nvPicPr>
+        <p:blipFill>
+          <a:blip r:embed="rId3">
+            <a:extLst>
+              <a:ext uri="{28A0092B-C50C-407E-A947-70E740481C1C}">
+                <a14:useLocalDpi xmlns:a14="http://schemas.microsoft.com/office/drawing/2010/main" val="0"/>
+              </a:ext>
+            </a:extLst>
+          </a:blip>
+          <a:srcRect/>
+          <a:stretch>
+            <a:fillRect/>
+          </a:stretch>
+        </p:blipFill>
+        <p:spPr bwMode="auto">
+          <a:xfrm>
+            <a:off x="1273994" y="4057650"/>
+            <a:ext cx="2006581" cy="1996414"/>
+          </a:xfrm>
+          <a:prstGeom prst="rect">
+            <a:avLst/>
+          </a:prstGeom>
+          <a:noFill/>
+          <a:extLst>
+            <a:ext uri="{909E8E84-426E-40DD-AFC4-6F175D3DCCD1}">
+              <a14:hiddenFill xmlns:a14="http://schemas.microsoft.com/office/drawing/2010/main">
+                <a:solidFill>
+                  <a:srgbClr val="FFFFFF"/>
+                </a:solidFill>
+              </a14:hiddenFill>
+            </a:ext>
+          </a:extLst>
+        </p:spPr>
+      </p:pic>
+      <p:pic>
+        <p:nvPicPr>
+          <p:cNvPr id="16" name="Image 15" descr="Une image contenant texte&#10;&#10;Description générée automatiquement">
+            <a:extLst>
+              <a:ext uri="{FF2B5EF4-FFF2-40B4-BE49-F238E27FC236}">
+                <a16:creationId xmlns:a16="http://schemas.microsoft.com/office/drawing/2014/main" id="{95876EB4-562E-5DA4-C36A-909C07F1A7F3}"/>
+              </a:ext>
+            </a:extLst>
+          </p:cNvPr>
           <p:cNvPicPr>
             <a:picLocks noChangeAspect="1"/>
           </p:cNvPicPr>
           <p:nvPr/>
         </p:nvPicPr>
         <p:blipFill>
-          <a:blip r:embed="rId2"/>
+          <a:blip r:embed="rId4"/>
           <a:stretch>
             <a:fillRect/>
           </a:stretch>
         </p:blipFill>
         <p:spPr>
           <a:xfrm>
-            <a:off x="681225" y="2144713"/>
-            <a:ext cx="4972050" cy="3724275"/>
+            <a:off x="6093443" y="0"/>
+            <a:ext cx="6098557" cy="5995867"/>
           </a:xfrm>
           <a:prstGeom prst="rect">
             <a:avLst/>
           </a:prstGeom>
         </p:spPr>
       </p:pic>
-      <p:pic>
-        <p:nvPicPr>
-          <p:cNvPr id="6" name="Image 5"/>
-          <p:cNvPicPr>
-            <a:picLocks noChangeAspect="1"/>
-          </p:cNvPicPr>
-          <p:nvPr/>
-        </p:nvPicPr>
-        <p:blipFill>
-          <a:blip r:embed="rId3"/>
-          <a:stretch>
-            <a:fillRect/>
-          </a:stretch>
-        </p:blipFill>
-        <p:spPr>
-          <a:xfrm>
-            <a:off x="6602001" y="1251284"/>
-            <a:ext cx="4685124" cy="4876800"/>
-          </a:xfrm>
-          <a:prstGeom prst="rect">
-            <a:avLst/>
-          </a:prstGeom>
-        </p:spPr>
-      </p:pic>
+      <mc:AlternateContent xmlns:mc="http://schemas.openxmlformats.org/markup-compatibility/2006">
+        <mc:Choice xmlns:p14="http://schemas.microsoft.com/office/powerpoint/2010/main" Requires="p14">
+          <p:contentPart p14:bwMode="auto" r:id="rId5">
+            <p14:nvContentPartPr>
+              <p14:cNvPr id="14" name="Encre 13">
+                <a:extLst>
+                  <a:ext uri="{FF2B5EF4-FFF2-40B4-BE49-F238E27FC236}">
+                    <a16:creationId xmlns:a16="http://schemas.microsoft.com/office/drawing/2014/main" id="{CE53AF44-24C5-A621-87BD-1C6EF430FA27}"/>
+                  </a:ext>
+                </a:extLst>
+              </p14:cNvPr>
+              <p14:cNvContentPartPr/>
+              <p14:nvPr/>
+            </p14:nvContentPartPr>
+            <p14:xfrm>
+              <a:off x="6096000" y="2004137"/>
+              <a:ext cx="1922558" cy="87665"/>
+            </p14:xfrm>
+          </p:contentPart>
+        </mc:Choice>
+        <mc:Fallback>
+          <p:pic>
+            <p:nvPicPr>
+              <p:cNvPr id="14" name="Encre 13">
+                <a:extLst>
+                  <a:ext uri="{FF2B5EF4-FFF2-40B4-BE49-F238E27FC236}">
+                    <a16:creationId xmlns:a16="http://schemas.microsoft.com/office/drawing/2014/main" id="{CE53AF44-24C5-A621-87BD-1C6EF430FA27}"/>
+                  </a:ext>
+                </a:extLst>
+              </p:cNvPr>
+              <p:cNvPicPr/>
+              <p:nvPr/>
+            </p:nvPicPr>
+            <p:blipFill>
+              <a:blip r:embed="rId6"/>
+              <a:stretch>
+                <a:fillRect/>
+              </a:stretch>
+            </p:blipFill>
+            <p:spPr>
+              <a:xfrm>
+                <a:off x="6060357" y="1931985"/>
+                <a:ext cx="1994204" cy="231609"/>
+              </a:xfrm>
+              <a:prstGeom prst="rect">
+                <a:avLst/>
+              </a:prstGeom>
+            </p:spPr>
+          </p:pic>
+        </mc:Fallback>
+      </mc:AlternateContent>
     </p:spTree>
     <p:extLst>
       <p:ext uri="{BB962C8B-B14F-4D97-AF65-F5344CB8AC3E}">
-        <p14:creationId xmlns:p14="http://schemas.microsoft.com/office/powerpoint/2010/main" val="2428980419"/>
+        <p14:creationId xmlns:p14="http://schemas.microsoft.com/office/powerpoint/2010/main" val="1152253124"/>
       </p:ext>
     </p:extLst>
   </p:cSld>
@@ -11617,88 +12009,15 @@
           <a:chExt cx="0" cy="0"/>
         </a:xfrm>
       </p:grpSpPr>
-      <p:sp>
-        <p:nvSpPr>
-          <p:cNvPr id="2" name="Titre 1">
-            <a:extLst>
-              <a:ext uri="{FF2B5EF4-FFF2-40B4-BE49-F238E27FC236}">
-                <a16:creationId xmlns:a16="http://schemas.microsoft.com/office/drawing/2014/main" id="{DBD23F23-EF92-2EE6-EED2-24F174401B9D}"/>
-              </a:ext>
-            </a:extLst>
-          </p:cNvPr>
-          <p:cNvSpPr>
-            <a:spLocks noGrp="1"/>
-          </p:cNvSpPr>
-          <p:nvPr>
-            <p:ph type="title"/>
-          </p:nvPr>
-        </p:nvSpPr>
-        <p:spPr>
-          <a:xfrm>
-            <a:off x="839788" y="457200"/>
-            <a:ext cx="4654925" cy="1600200"/>
-          </a:xfrm>
-        </p:spPr>
-        <p:txBody>
-          <a:bodyPr anchor="t">
-            <a:normAutofit/>
-          </a:bodyPr>
-          <a:lstStyle/>
-          <a:p>
-            <a:r>
-              <a:rPr lang="fr-FR" dirty="0"/>
-              <a:t>Gestion des accès à la salle</a:t>
-            </a:r>
-            <a:br>
-              <a:rPr lang="fr-FR" dirty="0"/>
-            </a:br>
-            <a:r>
-              <a:rPr lang="fr-FR" sz="2000" dirty="0"/>
-              <a:t>Récupération des paramètres biométrique </a:t>
-            </a:r>
-            <a:r>
-              <a:rPr lang="fr-FR" dirty="0"/>
-              <a:t> </a:t>
-            </a:r>
-          </a:p>
-        </p:txBody>
-      </p:sp>
-      <p:sp>
-        <p:nvSpPr>
-          <p:cNvPr id="3" name="Espace réservé du texte 2">
-            <a:extLst>
-              <a:ext uri="{FF2B5EF4-FFF2-40B4-BE49-F238E27FC236}">
-                <a16:creationId xmlns:a16="http://schemas.microsoft.com/office/drawing/2014/main" id="{070D4B8C-89A7-65B0-892A-D27A85A3C9A2}"/>
-              </a:ext>
-            </a:extLst>
-          </p:cNvPr>
-          <p:cNvSpPr>
-            <a:spLocks noGrp="1"/>
-          </p:cNvSpPr>
-          <p:nvPr>
-            <p:ph type="body" sz="half" idx="2"/>
-          </p:nvPr>
-        </p:nvSpPr>
-        <p:spPr>
-          <a:xfrm>
-            <a:off x="839788" y="1625138"/>
-            <a:ext cx="3932237" cy="432262"/>
-          </a:xfrm>
-        </p:spPr>
-        <p:txBody>
-          <a:bodyPr/>
-          <a:lstStyle/>
-          <a:p>
-            <a:r>
-              <a:rPr lang="fr-FR" dirty="0"/>
-              <a:t>Lancement de la caméra</a:t>
-            </a:r>
-          </a:p>
-        </p:txBody>
-      </p:sp>
       <p:pic>
         <p:nvPicPr>
-          <p:cNvPr id="4" name="Image 3"/>
+          <p:cNvPr id="6" name="Image 5" descr="Une image contenant texte&#10;&#10;Description générée automatiquement">
+            <a:extLst>
+              <a:ext uri="{FF2B5EF4-FFF2-40B4-BE49-F238E27FC236}">
+                <a16:creationId xmlns:a16="http://schemas.microsoft.com/office/drawing/2014/main" id="{D72F7D9A-9350-80F4-5C54-06DA7724CB98}"/>
+              </a:ext>
+            </a:extLst>
+          </p:cNvPr>
           <p:cNvPicPr>
             <a:picLocks noChangeAspect="1"/>
           </p:cNvPicPr>
@@ -11712,42 +12031,160 @@
         </p:blipFill>
         <p:spPr>
           <a:xfrm>
-            <a:off x="681225" y="2144713"/>
-            <a:ext cx="4972050" cy="3724275"/>
+            <a:off x="6257580" y="978803"/>
+            <a:ext cx="5934419" cy="4898521"/>
           </a:xfrm>
           <a:prstGeom prst="rect">
             <a:avLst/>
           </a:prstGeom>
         </p:spPr>
       </p:pic>
+      <mc:AlternateContent xmlns:mc="http://schemas.openxmlformats.org/markup-compatibility/2006">
+        <mc:Choice xmlns:p14="http://schemas.microsoft.com/office/powerpoint/2010/main" Requires="p14">
+          <p:contentPart p14:bwMode="auto" r:id="rId3">
+            <p14:nvContentPartPr>
+              <p14:cNvPr id="8" name="Encre 7">
+                <a:extLst>
+                  <a:ext uri="{FF2B5EF4-FFF2-40B4-BE49-F238E27FC236}">
+                    <a16:creationId xmlns:a16="http://schemas.microsoft.com/office/drawing/2014/main" id="{1EAFB98C-3C5F-28F8-FCE4-87D7DF3103B4}"/>
+                  </a:ext>
+                </a:extLst>
+              </p14:cNvPr>
+              <p14:cNvContentPartPr/>
+              <p14:nvPr/>
+            </p14:nvContentPartPr>
+            <p14:xfrm>
+              <a:off x="8009263" y="3878618"/>
+              <a:ext cx="682000" cy="54000"/>
+            </p14:xfrm>
+          </p:contentPart>
+        </mc:Choice>
+        <mc:Fallback>
+          <p:pic>
+            <p:nvPicPr>
+              <p:cNvPr id="8" name="Encre 7">
+                <a:extLst>
+                  <a:ext uri="{FF2B5EF4-FFF2-40B4-BE49-F238E27FC236}">
+                    <a16:creationId xmlns:a16="http://schemas.microsoft.com/office/drawing/2014/main" id="{1EAFB98C-3C5F-28F8-FCE4-87D7DF3103B4}"/>
+                  </a:ext>
+                </a:extLst>
+              </p:cNvPr>
+              <p:cNvPicPr/>
+              <p:nvPr/>
+            </p:nvPicPr>
+            <p:blipFill>
+              <a:blip r:embed="rId4"/>
+              <a:stretch>
+                <a:fillRect/>
+              </a:stretch>
+            </p:blipFill>
+            <p:spPr>
+              <a:xfrm>
+                <a:off x="7973274" y="3806618"/>
+                <a:ext cx="753619" cy="197640"/>
+              </a:xfrm>
+              <a:prstGeom prst="rect">
+                <a:avLst/>
+              </a:prstGeom>
+            </p:spPr>
+          </p:pic>
+        </mc:Fallback>
+      </mc:AlternateContent>
       <p:pic>
         <p:nvPicPr>
-          <p:cNvPr id="6" name="Image 5"/>
+          <p:cNvPr id="10" name="Image 9">
+            <a:extLst>
+              <a:ext uri="{FF2B5EF4-FFF2-40B4-BE49-F238E27FC236}">
+                <a16:creationId xmlns:a16="http://schemas.microsoft.com/office/drawing/2014/main" id="{72094EF0-5B20-B681-0502-D274BBD401F4}"/>
+              </a:ext>
+            </a:extLst>
+          </p:cNvPr>
           <p:cNvPicPr>
             <a:picLocks noChangeAspect="1"/>
           </p:cNvPicPr>
           <p:nvPr/>
         </p:nvPicPr>
         <p:blipFill>
-          <a:blip r:embed="rId3"/>
+          <a:blip r:embed="rId5"/>
           <a:stretch>
             <a:fillRect/>
           </a:stretch>
         </p:blipFill>
         <p:spPr>
           <a:xfrm>
-            <a:off x="6602001" y="1251284"/>
-            <a:ext cx="4685124" cy="4876800"/>
+            <a:off x="0" y="978803"/>
+            <a:ext cx="4338947" cy="4900394"/>
           </a:xfrm>
           <a:prstGeom prst="rect">
             <a:avLst/>
           </a:prstGeom>
         </p:spPr>
       </p:pic>
+      <p:sp>
+        <p:nvSpPr>
+          <p:cNvPr id="13" name="Flèche : droite 12">
+            <a:extLst>
+              <a:ext uri="{FF2B5EF4-FFF2-40B4-BE49-F238E27FC236}">
+                <a16:creationId xmlns:a16="http://schemas.microsoft.com/office/drawing/2014/main" id="{70262626-5622-EE9F-5255-496AA7C5E1C2}"/>
+              </a:ext>
+            </a:extLst>
+          </p:cNvPr>
+          <p:cNvSpPr/>
+          <p:nvPr/>
+        </p:nvSpPr>
+        <p:spPr>
+          <a:xfrm>
+            <a:off x="4500527" y="2919470"/>
+            <a:ext cx="1595474" cy="594911"/>
+          </a:xfrm>
+          <a:prstGeom prst="rightArrow">
+            <a:avLst/>
+          </a:prstGeom>
+          <a:ln w="28575">
+            <a:solidFill>
+              <a:schemeClr val="tx1"/>
+            </a:solidFill>
+          </a:ln>
+        </p:spPr>
+        <p:style>
+          <a:lnRef idx="2">
+            <a:schemeClr val="accent6"/>
+          </a:lnRef>
+          <a:fillRef idx="1">
+            <a:schemeClr val="lt1"/>
+          </a:fillRef>
+          <a:effectRef idx="0">
+            <a:schemeClr val="accent6"/>
+          </a:effectRef>
+          <a:fontRef idx="minor">
+            <a:schemeClr val="dk1"/>
+          </a:fontRef>
+        </p:style>
+        <p:txBody>
+          <a:bodyPr rtlCol="0" anchor="ctr"/>
+          <a:lstStyle/>
+          <a:p>
+            <a:pPr algn="ctr"/>
+            <a:endParaRPr lang="fr-FR">
+              <a:ln w="0"/>
+              <a:solidFill>
+                <a:schemeClr val="tx1"/>
+              </a:solidFill>
+              <a:effectLst>
+                <a:outerShdw blurRad="38100" dist="19050" dir="2700000" algn="tl" rotWithShape="0">
+                  <a:schemeClr val="dk1">
+                    <a:alpha val="40000"/>
+                  </a:schemeClr>
+                </a:outerShdw>
+              </a:effectLst>
+            </a:endParaRPr>
+          </a:p>
+        </p:txBody>
+      </p:sp>
     </p:spTree>
     <p:extLst>
       <p:ext uri="{BB962C8B-B14F-4D97-AF65-F5344CB8AC3E}">
-        <p14:creationId xmlns:p14="http://schemas.microsoft.com/office/powerpoint/2010/main" val="821740354"/>
+        <p14:creationId xmlns:p14="http://schemas.microsoft.com/office/powerpoint/2010/main" val="1151289900"/>
       </p:ext>
     </p:extLst>
   </p:cSld>
@@ -11779,7 +12216,7 @@
           <p:cNvPr id="2" name="Titre 1">
             <a:extLst>
               <a:ext uri="{FF2B5EF4-FFF2-40B4-BE49-F238E27FC236}">
-                <a16:creationId xmlns:a16="http://schemas.microsoft.com/office/drawing/2014/main" id="{DBD23F23-EF92-2EE6-EED2-24F174401B9D}"/>
+                <a16:creationId xmlns:a16="http://schemas.microsoft.com/office/drawing/2014/main" id="{1FE865AE-991B-8E6C-4958-77BCF27CB95F}"/>
               </a:ext>
             </a:extLst>
           </p:cNvPr>
@@ -11792,67 +12229,29 @@
         </p:nvSpPr>
         <p:spPr>
           <a:xfrm>
-            <a:off x="839788" y="457200"/>
-            <a:ext cx="4654925" cy="1600200"/>
-          </a:xfrm>
-        </p:spPr>
-        <p:txBody>
-          <a:bodyPr anchor="t">
-            <a:normAutofit/>
+            <a:off x="249238" y="180402"/>
+            <a:ext cx="3932237" cy="1600200"/>
+          </a:xfrm>
+        </p:spPr>
+        <p:txBody>
+          <a:bodyPr>
+            <a:normAutofit fontScale="90000"/>
           </a:bodyPr>
           <a:lstStyle/>
           <a:p>
             <a:r>
               <a:rPr lang="fr-FR" dirty="0"/>
-              <a:t>Gestion des accès à la salle</a:t>
+              <a:t>Gestion des accès au bâtiment</a:t>
             </a:r>
             <a:br>
               <a:rPr lang="fr-FR" dirty="0"/>
             </a:br>
+            <a:br>
+              <a:rPr lang="fr-FR" dirty="0"/>
+            </a:br>
             <a:r>
               <a:rPr lang="fr-FR" sz="2000" dirty="0"/>
-              <a:t>Récupération des paramètres biométrique </a:t>
-            </a:r>
-            <a:r>
-              <a:rPr lang="fr-FR" dirty="0"/>
-              <a:t> </a:t>
-            </a:r>
-          </a:p>
-        </p:txBody>
-      </p:sp>
-      <p:sp>
-        <p:nvSpPr>
-          <p:cNvPr id="3" name="Espace réservé du texte 2">
-            <a:extLst>
-              <a:ext uri="{FF2B5EF4-FFF2-40B4-BE49-F238E27FC236}">
-                <a16:creationId xmlns:a16="http://schemas.microsoft.com/office/drawing/2014/main" id="{070D4B8C-89A7-65B0-892A-D27A85A3C9A2}"/>
-              </a:ext>
-            </a:extLst>
-          </p:cNvPr>
-          <p:cNvSpPr>
-            <a:spLocks noGrp="1"/>
-          </p:cNvSpPr>
-          <p:nvPr>
-            <p:ph type="body" sz="half" idx="2"/>
-          </p:nvPr>
-        </p:nvSpPr>
-        <p:spPr>
-          <a:xfrm>
-            <a:off x="839788" y="1625138"/>
-            <a:ext cx="3932237" cy="432262"/>
-          </a:xfrm>
-        </p:spPr>
-        <p:txBody>
-          <a:bodyPr/>
-          <a:lstStyle/>
-          <a:p>
-            <a:r>
-              <a:rPr lang="fr-FR" dirty="0"/>
-              <a:t>Début du </a:t>
-            </a:r>
-            <a:r>
-              <a:rPr lang="fr-FR" dirty="0" err="1"/>
-              <a:t>stream</a:t>
+              <a:t>Sauvegarde des données sur la BDD</a:t>
             </a:r>
             <a:endParaRPr lang="fr-FR" dirty="0"/>
           </a:p>
@@ -11860,7 +12259,13 @@
       </p:sp>
       <p:pic>
         <p:nvPicPr>
-          <p:cNvPr id="7" name="Image 6"/>
+          <p:cNvPr id="5" name="Image 4">
+            <a:extLst>
+              <a:ext uri="{FF2B5EF4-FFF2-40B4-BE49-F238E27FC236}">
+                <a16:creationId xmlns:a16="http://schemas.microsoft.com/office/drawing/2014/main" id="{E913ECB4-C3A0-E6D5-D421-6CDEA1EA0A59}"/>
+              </a:ext>
+            </a:extLst>
+          </p:cNvPr>
           <p:cNvPicPr>
             <a:picLocks noChangeAspect="1"/>
           </p:cNvPicPr>
@@ -11874,32 +12279,8 @@
         </p:blipFill>
         <p:spPr>
           <a:xfrm>
-            <a:off x="839788" y="2057401"/>
-            <a:ext cx="3932237" cy="4360082"/>
-          </a:xfrm>
-          <a:prstGeom prst="rect">
-            <a:avLst/>
-          </a:prstGeom>
-        </p:spPr>
-      </p:pic>
-      <p:pic>
-        <p:nvPicPr>
-          <p:cNvPr id="8" name="Image 7"/>
-          <p:cNvPicPr>
-            <a:picLocks noChangeAspect="1"/>
-          </p:cNvPicPr>
-          <p:nvPr/>
-        </p:nvPicPr>
-        <p:blipFill>
-          <a:blip r:embed="rId3"/>
-          <a:stretch>
-            <a:fillRect/>
-          </a:stretch>
-        </p:blipFill>
-        <p:spPr>
-          <a:xfrm>
-            <a:off x="6304547" y="1257300"/>
-            <a:ext cx="4348413" cy="4744697"/>
+            <a:off x="1958534" y="2905699"/>
+            <a:ext cx="8010525" cy="1046602"/>
           </a:xfrm>
           <a:prstGeom prst="rect">
             <a:avLst/>
@@ -11909,7 +12290,7 @@
     </p:spTree>
     <p:extLst>
       <p:ext uri="{BB962C8B-B14F-4D97-AF65-F5344CB8AC3E}">
-        <p14:creationId xmlns:p14="http://schemas.microsoft.com/office/powerpoint/2010/main" val="2131517895"/>
+        <p14:creationId xmlns:p14="http://schemas.microsoft.com/office/powerpoint/2010/main" val="903662574"/>
       </p:ext>
     </p:extLst>
   </p:cSld>
@@ -11955,7 +12336,7 @@
         <p:spPr>
           <a:xfrm>
             <a:off x="839788" y="457200"/>
-            <a:ext cx="4654925" cy="1600200"/>
+            <a:ext cx="5625180" cy="1600200"/>
           </a:xfrm>
         </p:spPr>
         <p:txBody>
@@ -11966,83 +12347,258 @@
           <a:p>
             <a:r>
               <a:rPr lang="fr-FR" dirty="0"/>
-              <a:t>Gestion des accès à la salle</a:t>
+              <a:t>Gestion des accès au bâtiment</a:t>
             </a:r>
             <a:br>
               <a:rPr lang="fr-FR" dirty="0"/>
             </a:br>
+            <a:br>
+              <a:rPr lang="fr-FR" dirty="0"/>
+            </a:br>
             <a:r>
               <a:rPr lang="fr-FR" sz="2000" dirty="0"/>
-              <a:t>Récupération des paramètres biométrique </a:t>
-            </a:r>
-            <a:r>
-              <a:rPr lang="fr-FR" dirty="0"/>
-              <a:t> </a:t>
-            </a:r>
-          </a:p>
-        </p:txBody>
-      </p:sp>
-      <p:sp>
-        <p:nvSpPr>
-          <p:cNvPr id="3" name="Espace réservé du texte 2">
+              <a:t>Les Défauts</a:t>
+            </a:r>
+          </a:p>
+        </p:txBody>
+      </p:sp>
+      <p:sp>
+        <p:nvSpPr>
+          <p:cNvPr id="6" name="Espace réservé du texte 2">
             <a:extLst>
               <a:ext uri="{FF2B5EF4-FFF2-40B4-BE49-F238E27FC236}">
                 <a16:creationId xmlns:a16="http://schemas.microsoft.com/office/drawing/2014/main" id="{070D4B8C-89A7-65B0-892A-D27A85A3C9A2}"/>
               </a:ext>
             </a:extLst>
           </p:cNvPr>
-          <p:cNvSpPr>
-            <a:spLocks noGrp="1"/>
+          <p:cNvSpPr txBox="1">
+            <a:spLocks/>
           </p:cNvSpPr>
-          <p:nvPr>
-            <p:ph type="body" sz="half" idx="2"/>
-          </p:nvPr>
-        </p:nvSpPr>
-        <p:spPr>
-          <a:xfrm>
-            <a:off x="839788" y="1625138"/>
-            <a:ext cx="3932237" cy="432262"/>
-          </a:xfrm>
-        </p:spPr>
-        <p:txBody>
-          <a:bodyPr/>
-          <a:lstStyle/>
-          <a:p>
-            <a:r>
-              <a:rPr lang="fr-FR" dirty="0"/>
-              <a:t>Détection d’un visage</a:t>
-            </a:r>
-          </a:p>
-        </p:txBody>
-      </p:sp>
-      <p:pic>
-        <p:nvPicPr>
-          <p:cNvPr id="4" name="Image 3"/>
-          <p:cNvPicPr>
-            <a:picLocks noChangeAspect="1"/>
-          </p:cNvPicPr>
           <p:nvPr/>
-        </p:nvPicPr>
-        <p:blipFill>
-          <a:blip r:embed="rId2"/>
-          <a:stretch>
-            <a:fillRect/>
-          </a:stretch>
-        </p:blipFill>
-        <p:spPr>
-          <a:xfrm>
-            <a:off x="839788" y="2556330"/>
-            <a:ext cx="6425470" cy="2817775"/>
+        </p:nvSpPr>
+        <p:spPr>
+          <a:xfrm>
+            <a:off x="839788" y="2057400"/>
+            <a:ext cx="3932237" cy="674783"/>
           </a:xfrm>
           <a:prstGeom prst="rect">
             <a:avLst/>
           </a:prstGeom>
         </p:spPr>
-      </p:pic>
+        <p:txBody>
+          <a:bodyPr vert="horz" lIns="91440" tIns="45720" rIns="91440" bIns="45720" rtlCol="0">
+            <a:normAutofit/>
+          </a:bodyPr>
+          <a:lstStyle>
+            <a:lvl1pPr marL="0" indent="0" algn="l" defTabSz="914400" rtl="0" eaLnBrk="1" latinLnBrk="0" hangingPunct="1">
+              <a:lnSpc>
+                <a:spcPct val="90000"/>
+              </a:lnSpc>
+              <a:spcBef>
+                <a:spcPts val="1000"/>
+              </a:spcBef>
+              <a:buFont typeface="Arial" panose="020B0604020202020204" pitchFamily="34" charset="0"/>
+              <a:buNone/>
+              <a:defRPr sz="1600" kern="1200">
+                <a:solidFill>
+                  <a:schemeClr val="tx1"/>
+                </a:solidFill>
+                <a:latin typeface="+mn-lt"/>
+                <a:ea typeface="+mn-ea"/>
+                <a:cs typeface="+mn-cs"/>
+              </a:defRPr>
+            </a:lvl1pPr>
+            <a:lvl2pPr marL="457200" indent="0" algn="l" defTabSz="914400" rtl="0" eaLnBrk="1" latinLnBrk="0" hangingPunct="1">
+              <a:lnSpc>
+                <a:spcPct val="90000"/>
+              </a:lnSpc>
+              <a:spcBef>
+                <a:spcPts val="500"/>
+              </a:spcBef>
+              <a:buFont typeface="Arial" panose="020B0604020202020204" pitchFamily="34" charset="0"/>
+              <a:buNone/>
+              <a:defRPr sz="1400" kern="1200">
+                <a:solidFill>
+                  <a:schemeClr val="tx1"/>
+                </a:solidFill>
+                <a:latin typeface="+mn-lt"/>
+                <a:ea typeface="+mn-ea"/>
+                <a:cs typeface="+mn-cs"/>
+              </a:defRPr>
+            </a:lvl2pPr>
+            <a:lvl3pPr marL="914400" indent="0" algn="l" defTabSz="914400" rtl="0" eaLnBrk="1" latinLnBrk="0" hangingPunct="1">
+              <a:lnSpc>
+                <a:spcPct val="90000"/>
+              </a:lnSpc>
+              <a:spcBef>
+                <a:spcPts val="500"/>
+              </a:spcBef>
+              <a:buFont typeface="Arial" panose="020B0604020202020204" pitchFamily="34" charset="0"/>
+              <a:buNone/>
+              <a:defRPr sz="1200" kern="1200">
+                <a:solidFill>
+                  <a:schemeClr val="tx1"/>
+                </a:solidFill>
+                <a:latin typeface="+mn-lt"/>
+                <a:ea typeface="+mn-ea"/>
+                <a:cs typeface="+mn-cs"/>
+              </a:defRPr>
+            </a:lvl3pPr>
+            <a:lvl4pPr marL="1371600" indent="0" algn="l" defTabSz="914400" rtl="0" eaLnBrk="1" latinLnBrk="0" hangingPunct="1">
+              <a:lnSpc>
+                <a:spcPct val="90000"/>
+              </a:lnSpc>
+              <a:spcBef>
+                <a:spcPts val="500"/>
+              </a:spcBef>
+              <a:buFont typeface="Arial" panose="020B0604020202020204" pitchFamily="34" charset="0"/>
+              <a:buNone/>
+              <a:defRPr sz="1000" kern="1200">
+                <a:solidFill>
+                  <a:schemeClr val="tx1"/>
+                </a:solidFill>
+                <a:latin typeface="+mn-lt"/>
+                <a:ea typeface="+mn-ea"/>
+                <a:cs typeface="+mn-cs"/>
+              </a:defRPr>
+            </a:lvl4pPr>
+            <a:lvl5pPr marL="1828800" indent="0" algn="l" defTabSz="914400" rtl="0" eaLnBrk="1" latinLnBrk="0" hangingPunct="1">
+              <a:lnSpc>
+                <a:spcPct val="90000"/>
+              </a:lnSpc>
+              <a:spcBef>
+                <a:spcPts val="500"/>
+              </a:spcBef>
+              <a:buFont typeface="Arial" panose="020B0604020202020204" pitchFamily="34" charset="0"/>
+              <a:buNone/>
+              <a:defRPr sz="1000" kern="1200">
+                <a:solidFill>
+                  <a:schemeClr val="tx1"/>
+                </a:solidFill>
+                <a:latin typeface="+mn-lt"/>
+                <a:ea typeface="+mn-ea"/>
+                <a:cs typeface="+mn-cs"/>
+              </a:defRPr>
+            </a:lvl5pPr>
+            <a:lvl6pPr marL="2286000" indent="0" algn="l" defTabSz="914400" rtl="0" eaLnBrk="1" latinLnBrk="0" hangingPunct="1">
+              <a:lnSpc>
+                <a:spcPct val="90000"/>
+              </a:lnSpc>
+              <a:spcBef>
+                <a:spcPts val="500"/>
+              </a:spcBef>
+              <a:buFont typeface="Arial" panose="020B0604020202020204" pitchFamily="34" charset="0"/>
+              <a:buNone/>
+              <a:defRPr sz="1000" kern="1200">
+                <a:solidFill>
+                  <a:schemeClr val="tx1"/>
+                </a:solidFill>
+                <a:latin typeface="+mn-lt"/>
+                <a:ea typeface="+mn-ea"/>
+                <a:cs typeface="+mn-cs"/>
+              </a:defRPr>
+            </a:lvl6pPr>
+            <a:lvl7pPr marL="2743200" indent="0" algn="l" defTabSz="914400" rtl="0" eaLnBrk="1" latinLnBrk="0" hangingPunct="1">
+              <a:lnSpc>
+                <a:spcPct val="90000"/>
+              </a:lnSpc>
+              <a:spcBef>
+                <a:spcPts val="500"/>
+              </a:spcBef>
+              <a:buFont typeface="Arial" panose="020B0604020202020204" pitchFamily="34" charset="0"/>
+              <a:buNone/>
+              <a:defRPr sz="1000" kern="1200">
+                <a:solidFill>
+                  <a:schemeClr val="tx1"/>
+                </a:solidFill>
+                <a:latin typeface="+mn-lt"/>
+                <a:ea typeface="+mn-ea"/>
+                <a:cs typeface="+mn-cs"/>
+              </a:defRPr>
+            </a:lvl7pPr>
+            <a:lvl8pPr marL="3200400" indent="0" algn="l" defTabSz="914400" rtl="0" eaLnBrk="1" latinLnBrk="0" hangingPunct="1">
+              <a:lnSpc>
+                <a:spcPct val="90000"/>
+              </a:lnSpc>
+              <a:spcBef>
+                <a:spcPts val="500"/>
+              </a:spcBef>
+              <a:buFont typeface="Arial" panose="020B0604020202020204" pitchFamily="34" charset="0"/>
+              <a:buNone/>
+              <a:defRPr sz="1000" kern="1200">
+                <a:solidFill>
+                  <a:schemeClr val="tx1"/>
+                </a:solidFill>
+                <a:latin typeface="+mn-lt"/>
+                <a:ea typeface="+mn-ea"/>
+                <a:cs typeface="+mn-cs"/>
+              </a:defRPr>
+            </a:lvl8pPr>
+            <a:lvl9pPr marL="3657600" indent="0" algn="l" defTabSz="914400" rtl="0" eaLnBrk="1" latinLnBrk="0" hangingPunct="1">
+              <a:lnSpc>
+                <a:spcPct val="90000"/>
+              </a:lnSpc>
+              <a:spcBef>
+                <a:spcPts val="500"/>
+              </a:spcBef>
+              <a:buFont typeface="Arial" panose="020B0604020202020204" pitchFamily="34" charset="0"/>
+              <a:buNone/>
+              <a:defRPr sz="1000" kern="1200">
+                <a:solidFill>
+                  <a:schemeClr val="tx1"/>
+                </a:solidFill>
+                <a:latin typeface="+mn-lt"/>
+                <a:ea typeface="+mn-ea"/>
+                <a:cs typeface="+mn-cs"/>
+              </a:defRPr>
+            </a:lvl9pPr>
+          </a:lstStyle>
+          <a:p>
+            <a:pPr marL="285750" indent="-285750">
+              <a:buFont typeface="Arial" panose="020B0604020202020204" pitchFamily="34" charset="0"/>
+              <a:buChar char="•"/>
+            </a:pPr>
+            <a:r>
+              <a:rPr lang="fr-FR" dirty="0"/>
+              <a:t>Le </a:t>
+            </a:r>
+            <a:r>
+              <a:rPr lang="fr-FR" dirty="0" err="1"/>
+              <a:t>node</a:t>
+            </a:r>
+            <a:r>
+              <a:rPr lang="fr-FR" dirty="0"/>
+              <a:t> </a:t>
+            </a:r>
+            <a:r>
+              <a:rPr lang="fr-FR" dirty="0" err="1"/>
+              <a:t>red</a:t>
+            </a:r>
+            <a:r>
+              <a:rPr lang="fr-FR" dirty="0"/>
+              <a:t> arrête après un certain temps de recevoir les données RFID</a:t>
+            </a:r>
+          </a:p>
+          <a:p>
+            <a:pPr marL="285750" indent="-285750">
+              <a:buFont typeface="Arial" panose="020B0604020202020204" pitchFamily="34" charset="0"/>
+              <a:buChar char="•"/>
+            </a:pPr>
+            <a:endParaRPr lang="fr-FR" dirty="0"/>
+          </a:p>
+          <a:p>
+            <a:pPr marL="285750" indent="-285750">
+              <a:buFont typeface="Arial" panose="020B0604020202020204" pitchFamily="34" charset="0"/>
+              <a:buChar char="•"/>
+            </a:pPr>
+            <a:endParaRPr lang="fr-FR" dirty="0"/>
+          </a:p>
+        </p:txBody>
+      </p:sp>
     </p:spTree>
     <p:extLst>
       <p:ext uri="{BB962C8B-B14F-4D97-AF65-F5344CB8AC3E}">
-        <p14:creationId xmlns:p14="http://schemas.microsoft.com/office/powerpoint/2010/main" val="232207055"/>
+        <p14:creationId xmlns:p14="http://schemas.microsoft.com/office/powerpoint/2010/main" val="3268416288"/>
       </p:ext>
     </p:extLst>
   </p:cSld>
@@ -12074,7 +12630,7 @@
           <p:cNvPr id="2" name="Titre 1">
             <a:extLst>
               <a:ext uri="{FF2B5EF4-FFF2-40B4-BE49-F238E27FC236}">
-                <a16:creationId xmlns:a16="http://schemas.microsoft.com/office/drawing/2014/main" id="{DBD23F23-EF92-2EE6-EED2-24F174401B9D}"/>
+                <a16:creationId xmlns:a16="http://schemas.microsoft.com/office/drawing/2014/main" id="{1FE865AE-991B-8E6C-4958-77BCF27CB95F}"/>
               </a:ext>
             </a:extLst>
           </p:cNvPr>
@@ -12087,277 +12643,68 @@
         </p:nvSpPr>
         <p:spPr>
           <a:xfrm>
-            <a:off x="839788" y="457200"/>
-            <a:ext cx="5625180" cy="1600200"/>
-          </a:xfrm>
-        </p:spPr>
-        <p:txBody>
-          <a:bodyPr anchor="t">
-            <a:normAutofit/>
+            <a:off x="0" y="8263"/>
+            <a:ext cx="11898585" cy="1464790"/>
+          </a:xfrm>
+        </p:spPr>
+        <p:txBody>
+          <a:bodyPr>
+            <a:normAutofit fontScale="90000"/>
           </a:bodyPr>
           <a:lstStyle/>
           <a:p>
             <a:r>
               <a:rPr lang="fr-FR" dirty="0"/>
-              <a:t>Gestion des accès à la salle</a:t>
+              <a:t>Gestion des accès au bâtiment</a:t>
             </a:r>
             <a:br>
               <a:rPr lang="fr-FR" dirty="0"/>
             </a:br>
+            <a:br>
+              <a:rPr lang="fr-FR" dirty="0"/>
+            </a:br>
             <a:r>
               <a:rPr lang="fr-FR" sz="2000" dirty="0"/>
-              <a:t>Les Défauts</a:t>
-            </a:r>
-          </a:p>
-        </p:txBody>
-      </p:sp>
-      <p:sp>
-        <p:nvSpPr>
-          <p:cNvPr id="6" name="Espace réservé du texte 2">
-            <a:extLst>
-              <a:ext uri="{FF2B5EF4-FFF2-40B4-BE49-F238E27FC236}">
-                <a16:creationId xmlns:a16="http://schemas.microsoft.com/office/drawing/2014/main" id="{070D4B8C-89A7-65B0-892A-D27A85A3C9A2}"/>
-              </a:ext>
-            </a:extLst>
-          </p:cNvPr>
-          <p:cNvSpPr txBox="1">
-            <a:spLocks/>
-          </p:cNvSpPr>
+              <a:t>Système d’enregistrement d’une personne dans une BD et de reconnaissance pour l’accès au bâtiment et à une salle</a:t>
+            </a:r>
+            <a:endParaRPr lang="fr-FR" dirty="0"/>
+          </a:p>
+        </p:txBody>
+      </p:sp>
+      <p:pic>
+        <p:nvPicPr>
+          <p:cNvPr id="4" name="Image 3">
+            <a:extLst>
+              <a:ext uri="{FF2B5EF4-FFF2-40B4-BE49-F238E27FC236}">
+                <a16:creationId xmlns:a16="http://schemas.microsoft.com/office/drawing/2014/main" id="{214D79A7-F87C-8EF3-F4EB-84EEFE6B0894}"/>
+              </a:ext>
+            </a:extLst>
+          </p:cNvPr>
+          <p:cNvPicPr>
+            <a:picLocks noChangeAspect="1"/>
+          </p:cNvPicPr>
           <p:nvPr/>
-        </p:nvSpPr>
-        <p:spPr>
-          <a:xfrm>
-            <a:off x="839788" y="2057400"/>
-            <a:ext cx="3932237" cy="3811588"/>
+        </p:nvPicPr>
+        <p:blipFill>
+          <a:blip r:embed="rId2"/>
+          <a:stretch>
+            <a:fillRect/>
+          </a:stretch>
+        </p:blipFill>
+        <p:spPr>
+          <a:xfrm>
+            <a:off x="1404833" y="1622587"/>
+            <a:ext cx="9088917" cy="4687323"/>
           </a:xfrm>
           <a:prstGeom prst="rect">
             <a:avLst/>
           </a:prstGeom>
         </p:spPr>
-        <p:txBody>
-          <a:bodyPr vert="horz" lIns="91440" tIns="45720" rIns="91440" bIns="45720" rtlCol="0">
-            <a:normAutofit/>
-          </a:bodyPr>
-          <a:lstStyle>
-            <a:lvl1pPr marL="0" indent="0" algn="l" defTabSz="914400" rtl="0" eaLnBrk="1" latinLnBrk="0" hangingPunct="1">
-              <a:lnSpc>
-                <a:spcPct val="90000"/>
-              </a:lnSpc>
-              <a:spcBef>
-                <a:spcPts val="1000"/>
-              </a:spcBef>
-              <a:buFont typeface="Arial" panose="020B0604020202020204" pitchFamily="34" charset="0"/>
-              <a:buNone/>
-              <a:defRPr sz="1600" kern="1200">
-                <a:solidFill>
-                  <a:schemeClr val="tx1"/>
-                </a:solidFill>
-                <a:latin typeface="+mn-lt"/>
-                <a:ea typeface="+mn-ea"/>
-                <a:cs typeface="+mn-cs"/>
-              </a:defRPr>
-            </a:lvl1pPr>
-            <a:lvl2pPr marL="457200" indent="0" algn="l" defTabSz="914400" rtl="0" eaLnBrk="1" latinLnBrk="0" hangingPunct="1">
-              <a:lnSpc>
-                <a:spcPct val="90000"/>
-              </a:lnSpc>
-              <a:spcBef>
-                <a:spcPts val="500"/>
-              </a:spcBef>
-              <a:buFont typeface="Arial" panose="020B0604020202020204" pitchFamily="34" charset="0"/>
-              <a:buNone/>
-              <a:defRPr sz="1400" kern="1200">
-                <a:solidFill>
-                  <a:schemeClr val="tx1"/>
-                </a:solidFill>
-                <a:latin typeface="+mn-lt"/>
-                <a:ea typeface="+mn-ea"/>
-                <a:cs typeface="+mn-cs"/>
-              </a:defRPr>
-            </a:lvl2pPr>
-            <a:lvl3pPr marL="914400" indent="0" algn="l" defTabSz="914400" rtl="0" eaLnBrk="1" latinLnBrk="0" hangingPunct="1">
-              <a:lnSpc>
-                <a:spcPct val="90000"/>
-              </a:lnSpc>
-              <a:spcBef>
-                <a:spcPts val="500"/>
-              </a:spcBef>
-              <a:buFont typeface="Arial" panose="020B0604020202020204" pitchFamily="34" charset="0"/>
-              <a:buNone/>
-              <a:defRPr sz="1200" kern="1200">
-                <a:solidFill>
-                  <a:schemeClr val="tx1"/>
-                </a:solidFill>
-                <a:latin typeface="+mn-lt"/>
-                <a:ea typeface="+mn-ea"/>
-                <a:cs typeface="+mn-cs"/>
-              </a:defRPr>
-            </a:lvl3pPr>
-            <a:lvl4pPr marL="1371600" indent="0" algn="l" defTabSz="914400" rtl="0" eaLnBrk="1" latinLnBrk="0" hangingPunct="1">
-              <a:lnSpc>
-                <a:spcPct val="90000"/>
-              </a:lnSpc>
-              <a:spcBef>
-                <a:spcPts val="500"/>
-              </a:spcBef>
-              <a:buFont typeface="Arial" panose="020B0604020202020204" pitchFamily="34" charset="0"/>
-              <a:buNone/>
-              <a:defRPr sz="1000" kern="1200">
-                <a:solidFill>
-                  <a:schemeClr val="tx1"/>
-                </a:solidFill>
-                <a:latin typeface="+mn-lt"/>
-                <a:ea typeface="+mn-ea"/>
-                <a:cs typeface="+mn-cs"/>
-              </a:defRPr>
-            </a:lvl4pPr>
-            <a:lvl5pPr marL="1828800" indent="0" algn="l" defTabSz="914400" rtl="0" eaLnBrk="1" latinLnBrk="0" hangingPunct="1">
-              <a:lnSpc>
-                <a:spcPct val="90000"/>
-              </a:lnSpc>
-              <a:spcBef>
-                <a:spcPts val="500"/>
-              </a:spcBef>
-              <a:buFont typeface="Arial" panose="020B0604020202020204" pitchFamily="34" charset="0"/>
-              <a:buNone/>
-              <a:defRPr sz="1000" kern="1200">
-                <a:solidFill>
-                  <a:schemeClr val="tx1"/>
-                </a:solidFill>
-                <a:latin typeface="+mn-lt"/>
-                <a:ea typeface="+mn-ea"/>
-                <a:cs typeface="+mn-cs"/>
-              </a:defRPr>
-            </a:lvl5pPr>
-            <a:lvl6pPr marL="2286000" indent="0" algn="l" defTabSz="914400" rtl="0" eaLnBrk="1" latinLnBrk="0" hangingPunct="1">
-              <a:lnSpc>
-                <a:spcPct val="90000"/>
-              </a:lnSpc>
-              <a:spcBef>
-                <a:spcPts val="500"/>
-              </a:spcBef>
-              <a:buFont typeface="Arial" panose="020B0604020202020204" pitchFamily="34" charset="0"/>
-              <a:buNone/>
-              <a:defRPr sz="1000" kern="1200">
-                <a:solidFill>
-                  <a:schemeClr val="tx1"/>
-                </a:solidFill>
-                <a:latin typeface="+mn-lt"/>
-                <a:ea typeface="+mn-ea"/>
-                <a:cs typeface="+mn-cs"/>
-              </a:defRPr>
-            </a:lvl6pPr>
-            <a:lvl7pPr marL="2743200" indent="0" algn="l" defTabSz="914400" rtl="0" eaLnBrk="1" latinLnBrk="0" hangingPunct="1">
-              <a:lnSpc>
-                <a:spcPct val="90000"/>
-              </a:lnSpc>
-              <a:spcBef>
-                <a:spcPts val="500"/>
-              </a:spcBef>
-              <a:buFont typeface="Arial" panose="020B0604020202020204" pitchFamily="34" charset="0"/>
-              <a:buNone/>
-              <a:defRPr sz="1000" kern="1200">
-                <a:solidFill>
-                  <a:schemeClr val="tx1"/>
-                </a:solidFill>
-                <a:latin typeface="+mn-lt"/>
-                <a:ea typeface="+mn-ea"/>
-                <a:cs typeface="+mn-cs"/>
-              </a:defRPr>
-            </a:lvl7pPr>
-            <a:lvl8pPr marL="3200400" indent="0" algn="l" defTabSz="914400" rtl="0" eaLnBrk="1" latinLnBrk="0" hangingPunct="1">
-              <a:lnSpc>
-                <a:spcPct val="90000"/>
-              </a:lnSpc>
-              <a:spcBef>
-                <a:spcPts val="500"/>
-              </a:spcBef>
-              <a:buFont typeface="Arial" panose="020B0604020202020204" pitchFamily="34" charset="0"/>
-              <a:buNone/>
-              <a:defRPr sz="1000" kern="1200">
-                <a:solidFill>
-                  <a:schemeClr val="tx1"/>
-                </a:solidFill>
-                <a:latin typeface="+mn-lt"/>
-                <a:ea typeface="+mn-ea"/>
-                <a:cs typeface="+mn-cs"/>
-              </a:defRPr>
-            </a:lvl8pPr>
-            <a:lvl9pPr marL="3657600" indent="0" algn="l" defTabSz="914400" rtl="0" eaLnBrk="1" latinLnBrk="0" hangingPunct="1">
-              <a:lnSpc>
-                <a:spcPct val="90000"/>
-              </a:lnSpc>
-              <a:spcBef>
-                <a:spcPts val="500"/>
-              </a:spcBef>
-              <a:buFont typeface="Arial" panose="020B0604020202020204" pitchFamily="34" charset="0"/>
-              <a:buNone/>
-              <a:defRPr sz="1000" kern="1200">
-                <a:solidFill>
-                  <a:schemeClr val="tx1"/>
-                </a:solidFill>
-                <a:latin typeface="+mn-lt"/>
-                <a:ea typeface="+mn-ea"/>
-                <a:cs typeface="+mn-cs"/>
-              </a:defRPr>
-            </a:lvl9pPr>
-          </a:lstStyle>
-          <a:p>
-            <a:pPr marL="285750" indent="-285750">
-              <a:buFont typeface="Arial" panose="020B0604020202020204" pitchFamily="34" charset="0"/>
-              <a:buChar char="•"/>
-            </a:pPr>
-            <a:r>
-              <a:rPr lang="fr-FR" dirty="0"/>
-              <a:t>Le </a:t>
-            </a:r>
-            <a:r>
-              <a:rPr lang="fr-FR" dirty="0" err="1"/>
-              <a:t>stream</a:t>
-            </a:r>
-            <a:r>
-              <a:rPr lang="fr-FR" dirty="0"/>
-              <a:t> </a:t>
-            </a:r>
-            <a:r>
-              <a:rPr lang="fr-FR" dirty="0" err="1"/>
-              <a:t>freeze</a:t>
-            </a:r>
-            <a:r>
-              <a:rPr lang="fr-FR" dirty="0"/>
-              <a:t> lorsque qu’un visage est détecté </a:t>
-            </a:r>
-          </a:p>
-          <a:p>
-            <a:pPr marL="285750" indent="-285750">
-              <a:buFont typeface="Arial" panose="020B0604020202020204" pitchFamily="34" charset="0"/>
-              <a:buChar char="•"/>
-            </a:pPr>
-            <a:r>
-              <a:rPr lang="fr-FR" dirty="0"/>
-              <a:t>Impossibilité d’enregistrer un visage</a:t>
-            </a:r>
-          </a:p>
-          <a:p>
-            <a:pPr marL="285750" indent="-285750">
-              <a:buFont typeface="Arial" panose="020B0604020202020204" pitchFamily="34" charset="0"/>
-              <a:buChar char="•"/>
-            </a:pPr>
-            <a:endParaRPr lang="fr-FR" dirty="0"/>
-          </a:p>
-          <a:p>
-            <a:pPr marL="285750" indent="-285750">
-              <a:buFont typeface="Arial" panose="020B0604020202020204" pitchFamily="34" charset="0"/>
-              <a:buChar char="•"/>
-            </a:pPr>
-            <a:endParaRPr lang="fr-FR" dirty="0"/>
-          </a:p>
-        </p:txBody>
-      </p:sp>
+      </p:pic>
     </p:spTree>
     <p:extLst>
       <p:ext uri="{BB962C8B-B14F-4D97-AF65-F5344CB8AC3E}">
-        <p14:creationId xmlns:p14="http://schemas.microsoft.com/office/powerpoint/2010/main" val="3977045273"/>
+        <p14:creationId xmlns:p14="http://schemas.microsoft.com/office/powerpoint/2010/main" val="620592324"/>
       </p:ext>
     </p:extLst>
   </p:cSld>
@@ -12386,10 +12733,10 @@
       </p:grpSpPr>
       <p:sp>
         <p:nvSpPr>
-          <p:cNvPr id="2" name="Espace réservé pour une image  1">
-            <a:extLst>
-              <a:ext uri="{FF2B5EF4-FFF2-40B4-BE49-F238E27FC236}">
-                <a16:creationId xmlns:a16="http://schemas.microsoft.com/office/drawing/2014/main" id="{CEE6C035-8F9A-9921-CAA9-48F1FAE17402}"/>
+          <p:cNvPr id="2" name="Titre 1">
+            <a:extLst>
+              <a:ext uri="{FF2B5EF4-FFF2-40B4-BE49-F238E27FC236}">
+                <a16:creationId xmlns:a16="http://schemas.microsoft.com/office/drawing/2014/main" id="{DBD23F23-EF92-2EE6-EED2-24F174401B9D}"/>
               </a:ext>
             </a:extLst>
           </p:cNvPr>
@@ -12397,17 +12744,45 @@
             <a:spLocks noGrp="1"/>
           </p:cNvSpPr>
           <p:nvPr>
-            <p:ph type="pic" sz="quarter" idx="10"/>
+            <p:ph type="title"/>
           </p:nvPr>
         </p:nvSpPr>
-        <p:spPr/>
-      </p:sp>
-      <p:sp>
-        <p:nvSpPr>
-          <p:cNvPr id="3" name="Titre 2">
-            <a:extLst>
-              <a:ext uri="{FF2B5EF4-FFF2-40B4-BE49-F238E27FC236}">
-                <a16:creationId xmlns:a16="http://schemas.microsoft.com/office/drawing/2014/main" id="{714EB4A1-F86C-D8B3-DB71-21F5533E4D96}"/>
+        <p:spPr>
+          <a:xfrm>
+            <a:off x="839788" y="457200"/>
+            <a:ext cx="4654925" cy="1600200"/>
+          </a:xfrm>
+        </p:spPr>
+        <p:txBody>
+          <a:bodyPr anchor="t">
+            <a:normAutofit/>
+          </a:bodyPr>
+          <a:lstStyle/>
+          <a:p>
+            <a:r>
+              <a:rPr lang="fr-FR" dirty="0"/>
+              <a:t>Gestion des accès à la salle</a:t>
+            </a:r>
+            <a:br>
+              <a:rPr lang="fr-FR" dirty="0"/>
+            </a:br>
+            <a:r>
+              <a:rPr lang="fr-FR" sz="2000" dirty="0"/>
+              <a:t>Récupération des paramètres biométrique </a:t>
+            </a:r>
+            <a:r>
+              <a:rPr lang="fr-FR" dirty="0"/>
+              <a:t> </a:t>
+            </a:r>
+          </a:p>
+        </p:txBody>
+      </p:sp>
+      <p:sp>
+        <p:nvSpPr>
+          <p:cNvPr id="3" name="Espace réservé du texte 2">
+            <a:extLst>
+              <a:ext uri="{FF2B5EF4-FFF2-40B4-BE49-F238E27FC236}">
+                <a16:creationId xmlns:a16="http://schemas.microsoft.com/office/drawing/2014/main" id="{070D4B8C-89A7-65B0-892A-D27A85A3C9A2}"/>
               </a:ext>
             </a:extLst>
           </p:cNvPr>
@@ -12415,47 +12790,78 @@
             <a:spLocks noGrp="1"/>
           </p:cNvSpPr>
           <p:nvPr>
-            <p:ph type="ctrTitle"/>
+            <p:ph type="body" sz="half" idx="2"/>
           </p:nvPr>
         </p:nvSpPr>
-        <p:spPr/>
+        <p:spPr>
+          <a:xfrm>
+            <a:off x="839788" y="1625138"/>
+            <a:ext cx="3932237" cy="432262"/>
+          </a:xfrm>
+        </p:spPr>
         <p:txBody>
           <a:bodyPr/>
           <a:lstStyle/>
           <a:p>
-            <a:endParaRPr lang="fr-FR" dirty="0"/>
-          </a:p>
-        </p:txBody>
-      </p:sp>
-      <p:sp>
-        <p:nvSpPr>
-          <p:cNvPr id="4" name="Sous-titre 3">
-            <a:extLst>
-              <a:ext uri="{FF2B5EF4-FFF2-40B4-BE49-F238E27FC236}">
-                <a16:creationId xmlns:a16="http://schemas.microsoft.com/office/drawing/2014/main" id="{4282A136-35A6-F764-D70A-4C476EE04F11}"/>
-              </a:ext>
-            </a:extLst>
-          </p:cNvPr>
-          <p:cNvSpPr>
-            <a:spLocks noGrp="1"/>
-          </p:cNvSpPr>
-          <p:nvPr>
-            <p:ph type="subTitle" idx="1"/>
-          </p:nvPr>
-        </p:nvSpPr>
-        <p:spPr/>
-        <p:txBody>
-          <a:bodyPr/>
-          <a:lstStyle/>
-          <a:p>
-            <a:endParaRPr lang="fr-FR"/>
-          </a:p>
-        </p:txBody>
-      </p:sp>
+            <a:r>
+              <a:rPr lang="fr-FR" dirty="0"/>
+              <a:t>Lancement de la caméra</a:t>
+            </a:r>
+          </a:p>
+        </p:txBody>
+      </p:sp>
+      <p:pic>
+        <p:nvPicPr>
+          <p:cNvPr id="4" name="Image 3"/>
+          <p:cNvPicPr>
+            <a:picLocks noChangeAspect="1"/>
+          </p:cNvPicPr>
+          <p:nvPr/>
+        </p:nvPicPr>
+        <p:blipFill>
+          <a:blip r:embed="rId2"/>
+          <a:stretch>
+            <a:fillRect/>
+          </a:stretch>
+        </p:blipFill>
+        <p:spPr>
+          <a:xfrm>
+            <a:off x="681225" y="2144713"/>
+            <a:ext cx="4972050" cy="3724275"/>
+          </a:xfrm>
+          <a:prstGeom prst="rect">
+            <a:avLst/>
+          </a:prstGeom>
+        </p:spPr>
+      </p:pic>
+      <p:pic>
+        <p:nvPicPr>
+          <p:cNvPr id="6" name="Image 5"/>
+          <p:cNvPicPr>
+            <a:picLocks noChangeAspect="1"/>
+          </p:cNvPicPr>
+          <p:nvPr/>
+        </p:nvPicPr>
+        <p:blipFill>
+          <a:blip r:embed="rId3"/>
+          <a:stretch>
+            <a:fillRect/>
+          </a:stretch>
+        </p:blipFill>
+        <p:spPr>
+          <a:xfrm>
+            <a:off x="6602001" y="1251284"/>
+            <a:ext cx="4685124" cy="4876800"/>
+          </a:xfrm>
+          <a:prstGeom prst="rect">
+            <a:avLst/>
+          </a:prstGeom>
+        </p:spPr>
+      </p:pic>
     </p:spTree>
     <p:extLst>
       <p:ext uri="{BB962C8B-B14F-4D97-AF65-F5344CB8AC3E}">
-        <p14:creationId xmlns:p14="http://schemas.microsoft.com/office/powerpoint/2010/main" val="3640759210"/>
+        <p14:creationId xmlns:p14="http://schemas.microsoft.com/office/powerpoint/2010/main" val="2428980419"/>
       </p:ext>
     </p:extLst>
   </p:cSld>
@@ -12634,6 +13040,969 @@
 </file>
 
 <file path=ppt/slides/slide20.xml><?xml version="1.0" encoding="utf-8"?>
+<p:sld xmlns:a="http://schemas.openxmlformats.org/drawingml/2006/main" xmlns:r="http://schemas.openxmlformats.org/officeDocument/2006/relationships" xmlns:p="http://schemas.openxmlformats.org/presentationml/2006/main">
+  <p:cSld>
+    <p:spTree>
+      <p:nvGrpSpPr>
+        <p:cNvPr id="1" name=""/>
+        <p:cNvGrpSpPr/>
+        <p:nvPr/>
+      </p:nvGrpSpPr>
+      <p:grpSpPr>
+        <a:xfrm>
+          <a:off x="0" y="0"/>
+          <a:ext cx="0" cy="0"/>
+          <a:chOff x="0" y="0"/>
+          <a:chExt cx="0" cy="0"/>
+        </a:xfrm>
+      </p:grpSpPr>
+      <p:sp>
+        <p:nvSpPr>
+          <p:cNvPr id="2" name="Titre 1">
+            <a:extLst>
+              <a:ext uri="{FF2B5EF4-FFF2-40B4-BE49-F238E27FC236}">
+                <a16:creationId xmlns:a16="http://schemas.microsoft.com/office/drawing/2014/main" id="{DBD23F23-EF92-2EE6-EED2-24F174401B9D}"/>
+              </a:ext>
+            </a:extLst>
+          </p:cNvPr>
+          <p:cNvSpPr>
+            <a:spLocks noGrp="1"/>
+          </p:cNvSpPr>
+          <p:nvPr>
+            <p:ph type="title"/>
+          </p:nvPr>
+        </p:nvSpPr>
+        <p:spPr>
+          <a:xfrm>
+            <a:off x="839788" y="457200"/>
+            <a:ext cx="4654925" cy="1600200"/>
+          </a:xfrm>
+        </p:spPr>
+        <p:txBody>
+          <a:bodyPr anchor="t">
+            <a:normAutofit/>
+          </a:bodyPr>
+          <a:lstStyle/>
+          <a:p>
+            <a:r>
+              <a:rPr lang="fr-FR" dirty="0"/>
+              <a:t>Gestion des accès à la salle</a:t>
+            </a:r>
+            <a:br>
+              <a:rPr lang="fr-FR" dirty="0"/>
+            </a:br>
+            <a:r>
+              <a:rPr lang="fr-FR" sz="2000" dirty="0"/>
+              <a:t>Récupération des paramètres biométrique </a:t>
+            </a:r>
+            <a:r>
+              <a:rPr lang="fr-FR" dirty="0"/>
+              <a:t> </a:t>
+            </a:r>
+          </a:p>
+        </p:txBody>
+      </p:sp>
+      <p:sp>
+        <p:nvSpPr>
+          <p:cNvPr id="3" name="Espace réservé du texte 2">
+            <a:extLst>
+              <a:ext uri="{FF2B5EF4-FFF2-40B4-BE49-F238E27FC236}">
+                <a16:creationId xmlns:a16="http://schemas.microsoft.com/office/drawing/2014/main" id="{070D4B8C-89A7-65B0-892A-D27A85A3C9A2}"/>
+              </a:ext>
+            </a:extLst>
+          </p:cNvPr>
+          <p:cNvSpPr>
+            <a:spLocks noGrp="1"/>
+          </p:cNvSpPr>
+          <p:nvPr>
+            <p:ph type="body" sz="half" idx="2"/>
+          </p:nvPr>
+        </p:nvSpPr>
+        <p:spPr>
+          <a:xfrm>
+            <a:off x="839788" y="1625138"/>
+            <a:ext cx="3932237" cy="432262"/>
+          </a:xfrm>
+        </p:spPr>
+        <p:txBody>
+          <a:bodyPr/>
+          <a:lstStyle/>
+          <a:p>
+            <a:r>
+              <a:rPr lang="fr-FR" dirty="0"/>
+              <a:t>Lancement de la caméra</a:t>
+            </a:r>
+          </a:p>
+        </p:txBody>
+      </p:sp>
+      <p:pic>
+        <p:nvPicPr>
+          <p:cNvPr id="4" name="Image 3"/>
+          <p:cNvPicPr>
+            <a:picLocks noChangeAspect="1"/>
+          </p:cNvPicPr>
+          <p:nvPr/>
+        </p:nvPicPr>
+        <p:blipFill>
+          <a:blip r:embed="rId2"/>
+          <a:stretch>
+            <a:fillRect/>
+          </a:stretch>
+        </p:blipFill>
+        <p:spPr>
+          <a:xfrm>
+            <a:off x="681225" y="2144713"/>
+            <a:ext cx="4972050" cy="3724275"/>
+          </a:xfrm>
+          <a:prstGeom prst="rect">
+            <a:avLst/>
+          </a:prstGeom>
+        </p:spPr>
+      </p:pic>
+      <p:pic>
+        <p:nvPicPr>
+          <p:cNvPr id="6" name="Image 5"/>
+          <p:cNvPicPr>
+            <a:picLocks noChangeAspect="1"/>
+          </p:cNvPicPr>
+          <p:nvPr/>
+        </p:nvPicPr>
+        <p:blipFill>
+          <a:blip r:embed="rId3"/>
+          <a:stretch>
+            <a:fillRect/>
+          </a:stretch>
+        </p:blipFill>
+        <p:spPr>
+          <a:xfrm>
+            <a:off x="6602001" y="1251284"/>
+            <a:ext cx="4685124" cy="4876800"/>
+          </a:xfrm>
+          <a:prstGeom prst="rect">
+            <a:avLst/>
+          </a:prstGeom>
+        </p:spPr>
+      </p:pic>
+    </p:spTree>
+    <p:extLst>
+      <p:ext uri="{BB962C8B-B14F-4D97-AF65-F5344CB8AC3E}">
+        <p14:creationId xmlns:p14="http://schemas.microsoft.com/office/powerpoint/2010/main" val="821740354"/>
+      </p:ext>
+    </p:extLst>
+  </p:cSld>
+  <p:clrMapOvr>
+    <a:masterClrMapping/>
+  </p:clrMapOvr>
+</p:sld>
+</file>
+
+<file path=ppt/slides/slide21.xml><?xml version="1.0" encoding="utf-8"?>
+<p:sld xmlns:a="http://schemas.openxmlformats.org/drawingml/2006/main" xmlns:r="http://schemas.openxmlformats.org/officeDocument/2006/relationships" xmlns:p="http://schemas.openxmlformats.org/presentationml/2006/main">
+  <p:cSld>
+    <p:spTree>
+      <p:nvGrpSpPr>
+        <p:cNvPr id="1" name=""/>
+        <p:cNvGrpSpPr/>
+        <p:nvPr/>
+      </p:nvGrpSpPr>
+      <p:grpSpPr>
+        <a:xfrm>
+          <a:off x="0" y="0"/>
+          <a:ext cx="0" cy="0"/>
+          <a:chOff x="0" y="0"/>
+          <a:chExt cx="0" cy="0"/>
+        </a:xfrm>
+      </p:grpSpPr>
+      <p:sp>
+        <p:nvSpPr>
+          <p:cNvPr id="2" name="Titre 1">
+            <a:extLst>
+              <a:ext uri="{FF2B5EF4-FFF2-40B4-BE49-F238E27FC236}">
+                <a16:creationId xmlns:a16="http://schemas.microsoft.com/office/drawing/2014/main" id="{DBD23F23-EF92-2EE6-EED2-24F174401B9D}"/>
+              </a:ext>
+            </a:extLst>
+          </p:cNvPr>
+          <p:cNvSpPr>
+            <a:spLocks noGrp="1"/>
+          </p:cNvSpPr>
+          <p:nvPr>
+            <p:ph type="title"/>
+          </p:nvPr>
+        </p:nvSpPr>
+        <p:spPr>
+          <a:xfrm>
+            <a:off x="839788" y="457200"/>
+            <a:ext cx="4654925" cy="1600200"/>
+          </a:xfrm>
+        </p:spPr>
+        <p:txBody>
+          <a:bodyPr anchor="t">
+            <a:normAutofit/>
+          </a:bodyPr>
+          <a:lstStyle/>
+          <a:p>
+            <a:r>
+              <a:rPr lang="fr-FR" dirty="0"/>
+              <a:t>Gestion des accès à la salle</a:t>
+            </a:r>
+            <a:br>
+              <a:rPr lang="fr-FR" dirty="0"/>
+            </a:br>
+            <a:r>
+              <a:rPr lang="fr-FR" sz="2000" dirty="0"/>
+              <a:t>Récupération des paramètres biométrique </a:t>
+            </a:r>
+            <a:r>
+              <a:rPr lang="fr-FR" dirty="0"/>
+              <a:t> </a:t>
+            </a:r>
+          </a:p>
+        </p:txBody>
+      </p:sp>
+      <p:sp>
+        <p:nvSpPr>
+          <p:cNvPr id="3" name="Espace réservé du texte 2">
+            <a:extLst>
+              <a:ext uri="{FF2B5EF4-FFF2-40B4-BE49-F238E27FC236}">
+                <a16:creationId xmlns:a16="http://schemas.microsoft.com/office/drawing/2014/main" id="{070D4B8C-89A7-65B0-892A-D27A85A3C9A2}"/>
+              </a:ext>
+            </a:extLst>
+          </p:cNvPr>
+          <p:cNvSpPr>
+            <a:spLocks noGrp="1"/>
+          </p:cNvSpPr>
+          <p:nvPr>
+            <p:ph type="body" sz="half" idx="2"/>
+          </p:nvPr>
+        </p:nvSpPr>
+        <p:spPr>
+          <a:xfrm>
+            <a:off x="839788" y="1625138"/>
+            <a:ext cx="3932237" cy="432262"/>
+          </a:xfrm>
+        </p:spPr>
+        <p:txBody>
+          <a:bodyPr/>
+          <a:lstStyle/>
+          <a:p>
+            <a:r>
+              <a:rPr lang="fr-FR" dirty="0"/>
+              <a:t>Début du </a:t>
+            </a:r>
+            <a:r>
+              <a:rPr lang="fr-FR" dirty="0" err="1"/>
+              <a:t>stream</a:t>
+            </a:r>
+            <a:endParaRPr lang="fr-FR" dirty="0"/>
+          </a:p>
+        </p:txBody>
+      </p:sp>
+      <p:pic>
+        <p:nvPicPr>
+          <p:cNvPr id="7" name="Image 6"/>
+          <p:cNvPicPr>
+            <a:picLocks noChangeAspect="1"/>
+          </p:cNvPicPr>
+          <p:nvPr/>
+        </p:nvPicPr>
+        <p:blipFill>
+          <a:blip r:embed="rId2"/>
+          <a:stretch>
+            <a:fillRect/>
+          </a:stretch>
+        </p:blipFill>
+        <p:spPr>
+          <a:xfrm>
+            <a:off x="839788" y="2057401"/>
+            <a:ext cx="3932237" cy="4360082"/>
+          </a:xfrm>
+          <a:prstGeom prst="rect">
+            <a:avLst/>
+          </a:prstGeom>
+        </p:spPr>
+      </p:pic>
+      <p:pic>
+        <p:nvPicPr>
+          <p:cNvPr id="8" name="Image 7"/>
+          <p:cNvPicPr>
+            <a:picLocks noChangeAspect="1"/>
+          </p:cNvPicPr>
+          <p:nvPr/>
+        </p:nvPicPr>
+        <p:blipFill>
+          <a:blip r:embed="rId3"/>
+          <a:stretch>
+            <a:fillRect/>
+          </a:stretch>
+        </p:blipFill>
+        <p:spPr>
+          <a:xfrm>
+            <a:off x="6304547" y="1257300"/>
+            <a:ext cx="4348413" cy="4744697"/>
+          </a:xfrm>
+          <a:prstGeom prst="rect">
+            <a:avLst/>
+          </a:prstGeom>
+        </p:spPr>
+      </p:pic>
+    </p:spTree>
+    <p:extLst>
+      <p:ext uri="{BB962C8B-B14F-4D97-AF65-F5344CB8AC3E}">
+        <p14:creationId xmlns:p14="http://schemas.microsoft.com/office/powerpoint/2010/main" val="2131517895"/>
+      </p:ext>
+    </p:extLst>
+  </p:cSld>
+  <p:clrMapOvr>
+    <a:masterClrMapping/>
+  </p:clrMapOvr>
+</p:sld>
+</file>
+
+<file path=ppt/slides/slide22.xml><?xml version="1.0" encoding="utf-8"?>
+<p:sld xmlns:a="http://schemas.openxmlformats.org/drawingml/2006/main" xmlns:r="http://schemas.openxmlformats.org/officeDocument/2006/relationships" xmlns:p="http://schemas.openxmlformats.org/presentationml/2006/main">
+  <p:cSld>
+    <p:spTree>
+      <p:nvGrpSpPr>
+        <p:cNvPr id="1" name=""/>
+        <p:cNvGrpSpPr/>
+        <p:nvPr/>
+      </p:nvGrpSpPr>
+      <p:grpSpPr>
+        <a:xfrm>
+          <a:off x="0" y="0"/>
+          <a:ext cx="0" cy="0"/>
+          <a:chOff x="0" y="0"/>
+          <a:chExt cx="0" cy="0"/>
+        </a:xfrm>
+      </p:grpSpPr>
+      <p:sp>
+        <p:nvSpPr>
+          <p:cNvPr id="2" name="Titre 1">
+            <a:extLst>
+              <a:ext uri="{FF2B5EF4-FFF2-40B4-BE49-F238E27FC236}">
+                <a16:creationId xmlns:a16="http://schemas.microsoft.com/office/drawing/2014/main" id="{DBD23F23-EF92-2EE6-EED2-24F174401B9D}"/>
+              </a:ext>
+            </a:extLst>
+          </p:cNvPr>
+          <p:cNvSpPr>
+            <a:spLocks noGrp="1"/>
+          </p:cNvSpPr>
+          <p:nvPr>
+            <p:ph type="title"/>
+          </p:nvPr>
+        </p:nvSpPr>
+        <p:spPr>
+          <a:xfrm>
+            <a:off x="839788" y="457200"/>
+            <a:ext cx="4654925" cy="1600200"/>
+          </a:xfrm>
+        </p:spPr>
+        <p:txBody>
+          <a:bodyPr anchor="t">
+            <a:normAutofit/>
+          </a:bodyPr>
+          <a:lstStyle/>
+          <a:p>
+            <a:r>
+              <a:rPr lang="fr-FR" dirty="0"/>
+              <a:t>Gestion des accès à la salle</a:t>
+            </a:r>
+            <a:br>
+              <a:rPr lang="fr-FR" dirty="0"/>
+            </a:br>
+            <a:r>
+              <a:rPr lang="fr-FR" sz="2000" dirty="0"/>
+              <a:t>Récupération des paramètres biométrique </a:t>
+            </a:r>
+            <a:r>
+              <a:rPr lang="fr-FR" dirty="0"/>
+              <a:t> </a:t>
+            </a:r>
+          </a:p>
+        </p:txBody>
+      </p:sp>
+      <p:sp>
+        <p:nvSpPr>
+          <p:cNvPr id="3" name="Espace réservé du texte 2">
+            <a:extLst>
+              <a:ext uri="{FF2B5EF4-FFF2-40B4-BE49-F238E27FC236}">
+                <a16:creationId xmlns:a16="http://schemas.microsoft.com/office/drawing/2014/main" id="{070D4B8C-89A7-65B0-892A-D27A85A3C9A2}"/>
+              </a:ext>
+            </a:extLst>
+          </p:cNvPr>
+          <p:cNvSpPr>
+            <a:spLocks noGrp="1"/>
+          </p:cNvSpPr>
+          <p:nvPr>
+            <p:ph type="body" sz="half" idx="2"/>
+          </p:nvPr>
+        </p:nvSpPr>
+        <p:spPr>
+          <a:xfrm>
+            <a:off x="839788" y="1625138"/>
+            <a:ext cx="3932237" cy="432262"/>
+          </a:xfrm>
+        </p:spPr>
+        <p:txBody>
+          <a:bodyPr/>
+          <a:lstStyle/>
+          <a:p>
+            <a:r>
+              <a:rPr lang="fr-FR" dirty="0"/>
+              <a:t>Détection d’un visage</a:t>
+            </a:r>
+          </a:p>
+        </p:txBody>
+      </p:sp>
+      <p:pic>
+        <p:nvPicPr>
+          <p:cNvPr id="4" name="Image 3"/>
+          <p:cNvPicPr>
+            <a:picLocks noChangeAspect="1"/>
+          </p:cNvPicPr>
+          <p:nvPr/>
+        </p:nvPicPr>
+        <p:blipFill>
+          <a:blip r:embed="rId2"/>
+          <a:stretch>
+            <a:fillRect/>
+          </a:stretch>
+        </p:blipFill>
+        <p:spPr>
+          <a:xfrm>
+            <a:off x="839788" y="2556330"/>
+            <a:ext cx="6425470" cy="2817775"/>
+          </a:xfrm>
+          <a:prstGeom prst="rect">
+            <a:avLst/>
+          </a:prstGeom>
+        </p:spPr>
+      </p:pic>
+    </p:spTree>
+    <p:extLst>
+      <p:ext uri="{BB962C8B-B14F-4D97-AF65-F5344CB8AC3E}">
+        <p14:creationId xmlns:p14="http://schemas.microsoft.com/office/powerpoint/2010/main" val="232207055"/>
+      </p:ext>
+    </p:extLst>
+  </p:cSld>
+  <p:clrMapOvr>
+    <a:masterClrMapping/>
+  </p:clrMapOvr>
+</p:sld>
+</file>
+
+<file path=ppt/slides/slide23.xml><?xml version="1.0" encoding="utf-8"?>
+<p:sld xmlns:a="http://schemas.openxmlformats.org/drawingml/2006/main" xmlns:r="http://schemas.openxmlformats.org/officeDocument/2006/relationships" xmlns:p="http://schemas.openxmlformats.org/presentationml/2006/main">
+  <p:cSld>
+    <p:spTree>
+      <p:nvGrpSpPr>
+        <p:cNvPr id="1" name=""/>
+        <p:cNvGrpSpPr/>
+        <p:nvPr/>
+      </p:nvGrpSpPr>
+      <p:grpSpPr>
+        <a:xfrm>
+          <a:off x="0" y="0"/>
+          <a:ext cx="0" cy="0"/>
+          <a:chOff x="0" y="0"/>
+          <a:chExt cx="0" cy="0"/>
+        </a:xfrm>
+      </p:grpSpPr>
+      <p:sp>
+        <p:nvSpPr>
+          <p:cNvPr id="2" name="Titre 1">
+            <a:extLst>
+              <a:ext uri="{FF2B5EF4-FFF2-40B4-BE49-F238E27FC236}">
+                <a16:creationId xmlns:a16="http://schemas.microsoft.com/office/drawing/2014/main" id="{DBD23F23-EF92-2EE6-EED2-24F174401B9D}"/>
+              </a:ext>
+            </a:extLst>
+          </p:cNvPr>
+          <p:cNvSpPr>
+            <a:spLocks noGrp="1"/>
+          </p:cNvSpPr>
+          <p:nvPr>
+            <p:ph type="title"/>
+          </p:nvPr>
+        </p:nvSpPr>
+        <p:spPr>
+          <a:xfrm>
+            <a:off x="839788" y="457200"/>
+            <a:ext cx="5625180" cy="1600200"/>
+          </a:xfrm>
+        </p:spPr>
+        <p:txBody>
+          <a:bodyPr anchor="t">
+            <a:normAutofit/>
+          </a:bodyPr>
+          <a:lstStyle/>
+          <a:p>
+            <a:r>
+              <a:rPr lang="fr-FR" dirty="0"/>
+              <a:t>Gestion des accès à la salle</a:t>
+            </a:r>
+            <a:br>
+              <a:rPr lang="fr-FR" dirty="0"/>
+            </a:br>
+            <a:r>
+              <a:rPr lang="fr-FR" sz="2000" dirty="0"/>
+              <a:t>Les Défauts</a:t>
+            </a:r>
+          </a:p>
+        </p:txBody>
+      </p:sp>
+      <p:sp>
+        <p:nvSpPr>
+          <p:cNvPr id="6" name="Espace réservé du texte 2">
+            <a:extLst>
+              <a:ext uri="{FF2B5EF4-FFF2-40B4-BE49-F238E27FC236}">
+                <a16:creationId xmlns:a16="http://schemas.microsoft.com/office/drawing/2014/main" id="{070D4B8C-89A7-65B0-892A-D27A85A3C9A2}"/>
+              </a:ext>
+            </a:extLst>
+          </p:cNvPr>
+          <p:cNvSpPr txBox="1">
+            <a:spLocks/>
+          </p:cNvSpPr>
+          <p:nvPr/>
+        </p:nvSpPr>
+        <p:spPr>
+          <a:xfrm>
+            <a:off x="839788" y="2057400"/>
+            <a:ext cx="3932237" cy="3811588"/>
+          </a:xfrm>
+          <a:prstGeom prst="rect">
+            <a:avLst/>
+          </a:prstGeom>
+        </p:spPr>
+        <p:txBody>
+          <a:bodyPr vert="horz" lIns="91440" tIns="45720" rIns="91440" bIns="45720" rtlCol="0">
+            <a:normAutofit/>
+          </a:bodyPr>
+          <a:lstStyle>
+            <a:lvl1pPr marL="0" indent="0" algn="l" defTabSz="914400" rtl="0" eaLnBrk="1" latinLnBrk="0" hangingPunct="1">
+              <a:lnSpc>
+                <a:spcPct val="90000"/>
+              </a:lnSpc>
+              <a:spcBef>
+                <a:spcPts val="1000"/>
+              </a:spcBef>
+              <a:buFont typeface="Arial" panose="020B0604020202020204" pitchFamily="34" charset="0"/>
+              <a:buNone/>
+              <a:defRPr sz="1600" kern="1200">
+                <a:solidFill>
+                  <a:schemeClr val="tx1"/>
+                </a:solidFill>
+                <a:latin typeface="+mn-lt"/>
+                <a:ea typeface="+mn-ea"/>
+                <a:cs typeface="+mn-cs"/>
+              </a:defRPr>
+            </a:lvl1pPr>
+            <a:lvl2pPr marL="457200" indent="0" algn="l" defTabSz="914400" rtl="0" eaLnBrk="1" latinLnBrk="0" hangingPunct="1">
+              <a:lnSpc>
+                <a:spcPct val="90000"/>
+              </a:lnSpc>
+              <a:spcBef>
+                <a:spcPts val="500"/>
+              </a:spcBef>
+              <a:buFont typeface="Arial" panose="020B0604020202020204" pitchFamily="34" charset="0"/>
+              <a:buNone/>
+              <a:defRPr sz="1400" kern="1200">
+                <a:solidFill>
+                  <a:schemeClr val="tx1"/>
+                </a:solidFill>
+                <a:latin typeface="+mn-lt"/>
+                <a:ea typeface="+mn-ea"/>
+                <a:cs typeface="+mn-cs"/>
+              </a:defRPr>
+            </a:lvl2pPr>
+            <a:lvl3pPr marL="914400" indent="0" algn="l" defTabSz="914400" rtl="0" eaLnBrk="1" latinLnBrk="0" hangingPunct="1">
+              <a:lnSpc>
+                <a:spcPct val="90000"/>
+              </a:lnSpc>
+              <a:spcBef>
+                <a:spcPts val="500"/>
+              </a:spcBef>
+              <a:buFont typeface="Arial" panose="020B0604020202020204" pitchFamily="34" charset="0"/>
+              <a:buNone/>
+              <a:defRPr sz="1200" kern="1200">
+                <a:solidFill>
+                  <a:schemeClr val="tx1"/>
+                </a:solidFill>
+                <a:latin typeface="+mn-lt"/>
+                <a:ea typeface="+mn-ea"/>
+                <a:cs typeface="+mn-cs"/>
+              </a:defRPr>
+            </a:lvl3pPr>
+            <a:lvl4pPr marL="1371600" indent="0" algn="l" defTabSz="914400" rtl="0" eaLnBrk="1" latinLnBrk="0" hangingPunct="1">
+              <a:lnSpc>
+                <a:spcPct val="90000"/>
+              </a:lnSpc>
+              <a:spcBef>
+                <a:spcPts val="500"/>
+              </a:spcBef>
+              <a:buFont typeface="Arial" panose="020B0604020202020204" pitchFamily="34" charset="0"/>
+              <a:buNone/>
+              <a:defRPr sz="1000" kern="1200">
+                <a:solidFill>
+                  <a:schemeClr val="tx1"/>
+                </a:solidFill>
+                <a:latin typeface="+mn-lt"/>
+                <a:ea typeface="+mn-ea"/>
+                <a:cs typeface="+mn-cs"/>
+              </a:defRPr>
+            </a:lvl4pPr>
+            <a:lvl5pPr marL="1828800" indent="0" algn="l" defTabSz="914400" rtl="0" eaLnBrk="1" latinLnBrk="0" hangingPunct="1">
+              <a:lnSpc>
+                <a:spcPct val="90000"/>
+              </a:lnSpc>
+              <a:spcBef>
+                <a:spcPts val="500"/>
+              </a:spcBef>
+              <a:buFont typeface="Arial" panose="020B0604020202020204" pitchFamily="34" charset="0"/>
+              <a:buNone/>
+              <a:defRPr sz="1000" kern="1200">
+                <a:solidFill>
+                  <a:schemeClr val="tx1"/>
+                </a:solidFill>
+                <a:latin typeface="+mn-lt"/>
+                <a:ea typeface="+mn-ea"/>
+                <a:cs typeface="+mn-cs"/>
+              </a:defRPr>
+            </a:lvl5pPr>
+            <a:lvl6pPr marL="2286000" indent="0" algn="l" defTabSz="914400" rtl="0" eaLnBrk="1" latinLnBrk="0" hangingPunct="1">
+              <a:lnSpc>
+                <a:spcPct val="90000"/>
+              </a:lnSpc>
+              <a:spcBef>
+                <a:spcPts val="500"/>
+              </a:spcBef>
+              <a:buFont typeface="Arial" panose="020B0604020202020204" pitchFamily="34" charset="0"/>
+              <a:buNone/>
+              <a:defRPr sz="1000" kern="1200">
+                <a:solidFill>
+                  <a:schemeClr val="tx1"/>
+                </a:solidFill>
+                <a:latin typeface="+mn-lt"/>
+                <a:ea typeface="+mn-ea"/>
+                <a:cs typeface="+mn-cs"/>
+              </a:defRPr>
+            </a:lvl6pPr>
+            <a:lvl7pPr marL="2743200" indent="0" algn="l" defTabSz="914400" rtl="0" eaLnBrk="1" latinLnBrk="0" hangingPunct="1">
+              <a:lnSpc>
+                <a:spcPct val="90000"/>
+              </a:lnSpc>
+              <a:spcBef>
+                <a:spcPts val="500"/>
+              </a:spcBef>
+              <a:buFont typeface="Arial" panose="020B0604020202020204" pitchFamily="34" charset="0"/>
+              <a:buNone/>
+              <a:defRPr sz="1000" kern="1200">
+                <a:solidFill>
+                  <a:schemeClr val="tx1"/>
+                </a:solidFill>
+                <a:latin typeface="+mn-lt"/>
+                <a:ea typeface="+mn-ea"/>
+                <a:cs typeface="+mn-cs"/>
+              </a:defRPr>
+            </a:lvl7pPr>
+            <a:lvl8pPr marL="3200400" indent="0" algn="l" defTabSz="914400" rtl="0" eaLnBrk="1" latinLnBrk="0" hangingPunct="1">
+              <a:lnSpc>
+                <a:spcPct val="90000"/>
+              </a:lnSpc>
+              <a:spcBef>
+                <a:spcPts val="500"/>
+              </a:spcBef>
+              <a:buFont typeface="Arial" panose="020B0604020202020204" pitchFamily="34" charset="0"/>
+              <a:buNone/>
+              <a:defRPr sz="1000" kern="1200">
+                <a:solidFill>
+                  <a:schemeClr val="tx1"/>
+                </a:solidFill>
+                <a:latin typeface="+mn-lt"/>
+                <a:ea typeface="+mn-ea"/>
+                <a:cs typeface="+mn-cs"/>
+              </a:defRPr>
+            </a:lvl8pPr>
+            <a:lvl9pPr marL="3657600" indent="0" algn="l" defTabSz="914400" rtl="0" eaLnBrk="1" latinLnBrk="0" hangingPunct="1">
+              <a:lnSpc>
+                <a:spcPct val="90000"/>
+              </a:lnSpc>
+              <a:spcBef>
+                <a:spcPts val="500"/>
+              </a:spcBef>
+              <a:buFont typeface="Arial" panose="020B0604020202020204" pitchFamily="34" charset="0"/>
+              <a:buNone/>
+              <a:defRPr sz="1000" kern="1200">
+                <a:solidFill>
+                  <a:schemeClr val="tx1"/>
+                </a:solidFill>
+                <a:latin typeface="+mn-lt"/>
+                <a:ea typeface="+mn-ea"/>
+                <a:cs typeface="+mn-cs"/>
+              </a:defRPr>
+            </a:lvl9pPr>
+          </a:lstStyle>
+          <a:p>
+            <a:pPr marL="285750" indent="-285750">
+              <a:buFont typeface="Arial" panose="020B0604020202020204" pitchFamily="34" charset="0"/>
+              <a:buChar char="•"/>
+            </a:pPr>
+            <a:r>
+              <a:rPr lang="fr-FR" dirty="0"/>
+              <a:t>Le </a:t>
+            </a:r>
+            <a:r>
+              <a:rPr lang="fr-FR" dirty="0" err="1"/>
+              <a:t>stream</a:t>
+            </a:r>
+            <a:r>
+              <a:rPr lang="fr-FR" dirty="0"/>
+              <a:t> </a:t>
+            </a:r>
+            <a:r>
+              <a:rPr lang="fr-FR" dirty="0" err="1"/>
+              <a:t>freeze</a:t>
+            </a:r>
+            <a:r>
+              <a:rPr lang="fr-FR" dirty="0"/>
+              <a:t> lorsque qu’un visage est détecté </a:t>
+            </a:r>
+          </a:p>
+          <a:p>
+            <a:pPr marL="285750" indent="-285750">
+              <a:buFont typeface="Arial" panose="020B0604020202020204" pitchFamily="34" charset="0"/>
+              <a:buChar char="•"/>
+            </a:pPr>
+            <a:r>
+              <a:rPr lang="fr-FR" dirty="0"/>
+              <a:t>Impossibilité d’enregistrer un visage</a:t>
+            </a:r>
+          </a:p>
+          <a:p>
+            <a:pPr marL="285750" indent="-285750">
+              <a:buFont typeface="Arial" panose="020B0604020202020204" pitchFamily="34" charset="0"/>
+              <a:buChar char="•"/>
+            </a:pPr>
+            <a:endParaRPr lang="fr-FR" dirty="0"/>
+          </a:p>
+          <a:p>
+            <a:pPr marL="285750" indent="-285750">
+              <a:buFont typeface="Arial" panose="020B0604020202020204" pitchFamily="34" charset="0"/>
+              <a:buChar char="•"/>
+            </a:pPr>
+            <a:endParaRPr lang="fr-FR" dirty="0"/>
+          </a:p>
+        </p:txBody>
+      </p:sp>
+    </p:spTree>
+    <p:extLst>
+      <p:ext uri="{BB962C8B-B14F-4D97-AF65-F5344CB8AC3E}">
+        <p14:creationId xmlns:p14="http://schemas.microsoft.com/office/powerpoint/2010/main" val="3977045273"/>
+      </p:ext>
+    </p:extLst>
+  </p:cSld>
+  <p:clrMapOvr>
+    <a:masterClrMapping/>
+  </p:clrMapOvr>
+</p:sld>
+</file>
+
+<file path=ppt/slides/slide24.xml><?xml version="1.0" encoding="utf-8"?>
+<p:sld xmlns:a="http://schemas.openxmlformats.org/drawingml/2006/main" xmlns:r="http://schemas.openxmlformats.org/officeDocument/2006/relationships" xmlns:p="http://schemas.openxmlformats.org/presentationml/2006/main">
+  <p:cSld>
+    <p:spTree>
+      <p:nvGrpSpPr>
+        <p:cNvPr id="1" name=""/>
+        <p:cNvGrpSpPr/>
+        <p:nvPr/>
+      </p:nvGrpSpPr>
+      <p:grpSpPr>
+        <a:xfrm>
+          <a:off x="0" y="0"/>
+          <a:ext cx="0" cy="0"/>
+          <a:chOff x="0" y="0"/>
+          <a:chExt cx="0" cy="0"/>
+        </a:xfrm>
+      </p:grpSpPr>
+      <p:sp>
+        <p:nvSpPr>
+          <p:cNvPr id="2" name="Titre 1">
+            <a:extLst>
+              <a:ext uri="{FF2B5EF4-FFF2-40B4-BE49-F238E27FC236}">
+                <a16:creationId xmlns:a16="http://schemas.microsoft.com/office/drawing/2014/main" id="{E941FBC7-F257-358E-0380-CD012AF5C376}"/>
+              </a:ext>
+            </a:extLst>
+          </p:cNvPr>
+          <p:cNvSpPr>
+            <a:spLocks noGrp="1"/>
+          </p:cNvSpPr>
+          <p:nvPr>
+            <p:ph type="title"/>
+          </p:nvPr>
+        </p:nvSpPr>
+        <p:spPr/>
+        <p:txBody>
+          <a:bodyPr/>
+          <a:lstStyle/>
+          <a:p>
+            <a:endParaRPr lang="fr-FR" dirty="0"/>
+          </a:p>
+        </p:txBody>
+      </p:sp>
+      <p:sp>
+        <p:nvSpPr>
+          <p:cNvPr id="3" name="Espace réservé du texte 2">
+            <a:extLst>
+              <a:ext uri="{FF2B5EF4-FFF2-40B4-BE49-F238E27FC236}">
+                <a16:creationId xmlns:a16="http://schemas.microsoft.com/office/drawing/2014/main" id="{7DC3202A-F664-28D7-C609-246C5A0D3BA3}"/>
+              </a:ext>
+            </a:extLst>
+          </p:cNvPr>
+          <p:cNvSpPr>
+            <a:spLocks noGrp="1"/>
+          </p:cNvSpPr>
+          <p:nvPr>
+            <p:ph type="body" sz="half" idx="2"/>
+          </p:nvPr>
+        </p:nvSpPr>
+        <p:spPr/>
+        <p:txBody>
+          <a:bodyPr/>
+          <a:lstStyle/>
+          <a:p>
+            <a:endParaRPr lang="fr-FR"/>
+          </a:p>
+        </p:txBody>
+      </p:sp>
+      <p:sp>
+        <p:nvSpPr>
+          <p:cNvPr id="4" name="Espace réservé pour une image  3">
+            <a:extLst>
+              <a:ext uri="{FF2B5EF4-FFF2-40B4-BE49-F238E27FC236}">
+                <a16:creationId xmlns:a16="http://schemas.microsoft.com/office/drawing/2014/main" id="{1F220FD8-3231-EE7D-48A7-0A825C87FE5A}"/>
+              </a:ext>
+            </a:extLst>
+          </p:cNvPr>
+          <p:cNvSpPr>
+            <a:spLocks noGrp="1"/>
+          </p:cNvSpPr>
+          <p:nvPr>
+            <p:ph type="pic" idx="1"/>
+          </p:nvPr>
+        </p:nvSpPr>
+        <p:spPr/>
+      </p:sp>
+    </p:spTree>
+    <p:extLst>
+      <p:ext uri="{BB962C8B-B14F-4D97-AF65-F5344CB8AC3E}">
+        <p14:creationId xmlns:p14="http://schemas.microsoft.com/office/powerpoint/2010/main" val="2327138012"/>
+      </p:ext>
+    </p:extLst>
+  </p:cSld>
+  <p:clrMapOvr>
+    <a:masterClrMapping/>
+  </p:clrMapOvr>
+</p:sld>
+</file>
+
+<file path=ppt/slides/slide25.xml><?xml version="1.0" encoding="utf-8"?>
+<p:sld xmlns:a="http://schemas.openxmlformats.org/drawingml/2006/main" xmlns:r="http://schemas.openxmlformats.org/officeDocument/2006/relationships" xmlns:p="http://schemas.openxmlformats.org/presentationml/2006/main">
+  <p:cSld>
+    <p:spTree>
+      <p:nvGrpSpPr>
+        <p:cNvPr id="1" name=""/>
+        <p:cNvGrpSpPr/>
+        <p:nvPr/>
+      </p:nvGrpSpPr>
+      <p:grpSpPr>
+        <a:xfrm>
+          <a:off x="0" y="0"/>
+          <a:ext cx="0" cy="0"/>
+          <a:chOff x="0" y="0"/>
+          <a:chExt cx="0" cy="0"/>
+        </a:xfrm>
+      </p:grpSpPr>
+      <p:sp>
+        <p:nvSpPr>
+          <p:cNvPr id="2" name="Espace réservé pour une image  1">
+            <a:extLst>
+              <a:ext uri="{FF2B5EF4-FFF2-40B4-BE49-F238E27FC236}">
+                <a16:creationId xmlns:a16="http://schemas.microsoft.com/office/drawing/2014/main" id="{CEE6C035-8F9A-9921-CAA9-48F1FAE17402}"/>
+              </a:ext>
+            </a:extLst>
+          </p:cNvPr>
+          <p:cNvSpPr>
+            <a:spLocks noGrp="1"/>
+          </p:cNvSpPr>
+          <p:nvPr>
+            <p:ph type="pic" sz="quarter" idx="10"/>
+          </p:nvPr>
+        </p:nvSpPr>
+        <p:spPr/>
+      </p:sp>
+      <p:sp>
+        <p:nvSpPr>
+          <p:cNvPr id="3" name="Titre 2">
+            <a:extLst>
+              <a:ext uri="{FF2B5EF4-FFF2-40B4-BE49-F238E27FC236}">
+                <a16:creationId xmlns:a16="http://schemas.microsoft.com/office/drawing/2014/main" id="{714EB4A1-F86C-D8B3-DB71-21F5533E4D96}"/>
+              </a:ext>
+            </a:extLst>
+          </p:cNvPr>
+          <p:cNvSpPr>
+            <a:spLocks noGrp="1"/>
+          </p:cNvSpPr>
+          <p:nvPr>
+            <p:ph type="ctrTitle"/>
+          </p:nvPr>
+        </p:nvSpPr>
+        <p:spPr/>
+        <p:txBody>
+          <a:bodyPr/>
+          <a:lstStyle/>
+          <a:p>
+            <a:endParaRPr lang="fr-FR" dirty="0"/>
+          </a:p>
+        </p:txBody>
+      </p:sp>
+      <p:sp>
+        <p:nvSpPr>
+          <p:cNvPr id="4" name="Sous-titre 3">
+            <a:extLst>
+              <a:ext uri="{FF2B5EF4-FFF2-40B4-BE49-F238E27FC236}">
+                <a16:creationId xmlns:a16="http://schemas.microsoft.com/office/drawing/2014/main" id="{4282A136-35A6-F764-D70A-4C476EE04F11}"/>
+              </a:ext>
+            </a:extLst>
+          </p:cNvPr>
+          <p:cNvSpPr>
+            <a:spLocks noGrp="1"/>
+          </p:cNvSpPr>
+          <p:nvPr>
+            <p:ph type="subTitle" idx="1"/>
+          </p:nvPr>
+        </p:nvSpPr>
+        <p:spPr/>
+        <p:txBody>
+          <a:bodyPr/>
+          <a:lstStyle/>
+          <a:p>
+            <a:endParaRPr lang="fr-FR"/>
+          </a:p>
+        </p:txBody>
+      </p:sp>
+    </p:spTree>
+    <p:extLst>
+      <p:ext uri="{BB962C8B-B14F-4D97-AF65-F5344CB8AC3E}">
+        <p14:creationId xmlns:p14="http://schemas.microsoft.com/office/powerpoint/2010/main" val="3640759210"/>
+      </p:ext>
+    </p:extLst>
+  </p:cSld>
+  <p:clrMapOvr>
+    <a:masterClrMapping/>
+  </p:clrMapOvr>
+</p:sld>
+</file>
+
+<file path=ppt/slides/slide26.xml><?xml version="1.0" encoding="utf-8"?>
 <p:sld xmlns:a="http://schemas.openxmlformats.org/drawingml/2006/main" xmlns:r="http://schemas.openxmlformats.org/officeDocument/2006/relationships" xmlns:p="http://schemas.openxmlformats.org/presentationml/2006/main">
   <p:cSld>
     <p:spTree>
@@ -13306,7 +14675,7 @@
             <a:fld id="{817179DE-9BF3-494C-804F-0C7C90AC8700}" type="slidenum">
               <a:rPr lang="fr-FR" noProof="0" smtClean="0"/>
               <a:pPr algn="ctr" rtl="0"/>
-              <a:t>20</a:t>
+              <a:t>26</a:t>
             </a:fld>
             <a:endParaRPr lang="fr-FR" noProof="0"/>
           </a:p>
@@ -13325,7 +14694,7 @@
 </p:sld>
 </file>
 
-<file path=ppt/slides/slide21.xml><?xml version="1.0" encoding="utf-8"?>
+<file path=ppt/slides/slide27.xml><?xml version="1.0" encoding="utf-8"?>
 <p:sld xmlns:a="http://schemas.openxmlformats.org/drawingml/2006/main" xmlns:r="http://schemas.openxmlformats.org/officeDocument/2006/relationships" xmlns:p="http://schemas.openxmlformats.org/presentationml/2006/main">
   <p:cSld>
     <p:spTree>
@@ -16930,18 +18299,18 @@
 </file>
 
 <file path=customXml/item1.xml><?xml version="1.0" encoding="utf-8"?>
-<p:properties xmlns:p="http://schemas.microsoft.com/office/2006/metadata/properties" xmlns:xsi="http://www.w3.org/2001/XMLSchema-instance" xmlns:pc="http://schemas.microsoft.com/office/infopath/2007/PartnerControls">
-  <documentManagement/>
-</p:properties>
-</file>
-
-<file path=customXml/item2.xml><?xml version="1.0" encoding="utf-8"?>
 <?mso-contentType ?>
 <FormTemplates xmlns="http://schemas.microsoft.com/sharepoint/v3/contenttype/forms">
   <Display>DocumentLibraryForm</Display>
   <Edit>DocumentLibraryForm</Edit>
   <New>DocumentLibraryForm</New>
 </FormTemplates>
+</file>
+
+<file path=customXml/item2.xml><?xml version="1.0" encoding="utf-8"?>
+<p:properties xmlns:p="http://schemas.microsoft.com/office/2006/metadata/properties" xmlns:xsi="http://www.w3.org/2001/XMLSchema-instance" xmlns:pc="http://schemas.microsoft.com/office/infopath/2007/PartnerControls">
+  <documentManagement/>
+</p:properties>
 </file>
 
 <file path=customXml/item3.xml><?xml version="1.0" encoding="utf-8"?>
@@ -17077,6 +18446,14 @@
 </file>
 
 <file path=customXml/itemProps1.xml><?xml version="1.0" encoding="utf-8"?>
+<ds:datastoreItem xmlns:ds="http://schemas.openxmlformats.org/officeDocument/2006/customXml" ds:itemID="{6216BF83-BC37-4FA3-93AF-55DBFC07FBB9}">
+  <ds:schemaRefs>
+    <ds:schemaRef ds:uri="http://schemas.microsoft.com/sharepoint/v3/contenttype/forms"/>
+  </ds:schemaRefs>
+</ds:datastoreItem>
+</file>
+
+<file path=customXml/itemProps2.xml><?xml version="1.0" encoding="utf-8"?>
 <ds:datastoreItem xmlns:ds="http://schemas.openxmlformats.org/officeDocument/2006/customXml" ds:itemID="{9A042760-9A7A-479B-B4D8-612EBC1AFF18}">
   <ds:schemaRefs>
     <ds:schemaRef ds:uri="http://schemas.microsoft.com/office/2006/metadata/properties"/>
@@ -17088,14 +18465,6 @@
     <ds:schemaRef ds:uri="http://schemas.microsoft.com/office/2006/documentManagement/types"/>
     <ds:schemaRef ds:uri="http://schemas.microsoft.com/office/infopath/2007/PartnerControls"/>
     <ds:schemaRef ds:uri="88e89e40-c19a-48d0-a0b6-11184f7f918e"/>
-  </ds:schemaRefs>
-</ds:datastoreItem>
-</file>
-
-<file path=customXml/itemProps2.xml><?xml version="1.0" encoding="utf-8"?>
-<ds:datastoreItem xmlns:ds="http://schemas.openxmlformats.org/officeDocument/2006/customXml" ds:itemID="{6216BF83-BC37-4FA3-93AF-55DBFC07FBB9}">
-  <ds:schemaRefs>
-    <ds:schemaRef ds:uri="http://schemas.microsoft.com/sharepoint/v3/contenttype/forms"/>
   </ds:schemaRefs>
 </ds:datastoreItem>
 </file>

--- a/Docs/Gestion des accès au bâtiment.pptx
+++ b/Docs/Gestion des accès au bâtiment.pptx
@@ -5,39 +5,38 @@
     <p:sldMasterId id="2147483648" r:id="rId4"/>
   </p:sldMasterIdLst>
   <p:notesMasterIdLst>
-    <p:notesMasterId r:id="rId32"/>
+    <p:notesMasterId r:id="rId31"/>
   </p:notesMasterIdLst>
   <p:handoutMasterIdLst>
-    <p:handoutMasterId r:id="rId33"/>
+    <p:handoutMasterId r:id="rId32"/>
   </p:handoutMasterIdLst>
   <p:sldIdLst>
     <p:sldId id="281" r:id="rId5"/>
     <p:sldId id="297" r:id="rId6"/>
     <p:sldId id="257" r:id="rId7"/>
     <p:sldId id="283" r:id="rId8"/>
-    <p:sldId id="309" r:id="rId9"/>
-    <p:sldId id="310" r:id="rId10"/>
-    <p:sldId id="298" r:id="rId11"/>
-    <p:sldId id="300" r:id="rId12"/>
-    <p:sldId id="301" r:id="rId13"/>
-    <p:sldId id="302" r:id="rId14"/>
-    <p:sldId id="312" r:id="rId15"/>
-    <p:sldId id="303" r:id="rId16"/>
-    <p:sldId id="311" r:id="rId17"/>
-    <p:sldId id="313" r:id="rId18"/>
-    <p:sldId id="314" r:id="rId19"/>
-    <p:sldId id="316" r:id="rId20"/>
-    <p:sldId id="320" r:id="rId21"/>
-    <p:sldId id="319" r:id="rId22"/>
-    <p:sldId id="304" r:id="rId23"/>
-    <p:sldId id="308" r:id="rId24"/>
-    <p:sldId id="305" r:id="rId25"/>
-    <p:sldId id="306" r:id="rId26"/>
-    <p:sldId id="307" r:id="rId27"/>
-    <p:sldId id="317" r:id="rId28"/>
-    <p:sldId id="299" r:id="rId29"/>
+    <p:sldId id="321" r:id="rId9"/>
+    <p:sldId id="309" r:id="rId10"/>
+    <p:sldId id="310" r:id="rId11"/>
+    <p:sldId id="322" r:id="rId12"/>
+    <p:sldId id="298" r:id="rId13"/>
+    <p:sldId id="300" r:id="rId14"/>
+    <p:sldId id="301" r:id="rId15"/>
+    <p:sldId id="302" r:id="rId16"/>
+    <p:sldId id="312" r:id="rId17"/>
+    <p:sldId id="303" r:id="rId18"/>
+    <p:sldId id="311" r:id="rId19"/>
+    <p:sldId id="313" r:id="rId20"/>
+    <p:sldId id="314" r:id="rId21"/>
+    <p:sldId id="316" r:id="rId22"/>
+    <p:sldId id="320" r:id="rId23"/>
+    <p:sldId id="319" r:id="rId24"/>
+    <p:sldId id="304" r:id="rId25"/>
+    <p:sldId id="308" r:id="rId26"/>
+    <p:sldId id="305" r:id="rId27"/>
+    <p:sldId id="306" r:id="rId28"/>
+    <p:sldId id="307" r:id="rId29"/>
     <p:sldId id="295" r:id="rId30"/>
-    <p:sldId id="256" r:id="rId31"/>
   </p:sldIdLst>
   <p:sldSz cx="12192000" cy="6858000"/>
   <p:notesSz cx="6858000" cy="9144000"/>
@@ -909,7 +908,21 @@
           <a:bodyPr/>
           <a:lstStyle/>
           <a:p>
-            <a:endParaRPr lang="fr-FR"/>
+            <a:pPr rtl="0"/>
+            <a:r>
+              <a:rPr lang="fr-FR" sz="1200" dirty="0"/>
+              <a:t>Tous ont un niveau d’accès différent selon leur titre et leur emploi du temps.</a:t>
+            </a:r>
+          </a:p>
+          <a:p>
+            <a:pPr rtl="0"/>
+            <a:r>
+              <a:rPr lang="fr-FR" sz="1200" dirty="0"/>
+              <a:t>Chaque lieu demande un niveau d’accès différent selon la sensibilité du contenu de la zone.</a:t>
+            </a:r>
+          </a:p>
+          <a:p>
+            <a:endParaRPr lang="fr-FR" dirty="0"/>
           </a:p>
         </p:txBody>
       </p:sp>
@@ -994,7 +1007,7 @@
           <a:bodyPr/>
           <a:lstStyle/>
           <a:p>
-            <a:endParaRPr lang="fr-FR"/>
+            <a:endParaRPr lang="fr-FR" dirty="0"/>
           </a:p>
         </p:txBody>
       </p:sp>
@@ -1111,92 +1124,6 @@
     <p:extLst>
       <p:ext uri="{BB962C8B-B14F-4D97-AF65-F5344CB8AC3E}">
         <p14:creationId xmlns:p14="http://schemas.microsoft.com/office/powerpoint/2010/main" val="4118902307"/>
-      </p:ext>
-    </p:extLst>
-  </p:cSld>
-  <p:clrMapOvr>
-    <a:masterClrMapping/>
-  </p:clrMapOvr>
-</p:notes>
-</file>
-
-<file path=ppt/notesSlides/notesSlide5.xml><?xml version="1.0" encoding="utf-8"?>
-<p:notes xmlns:a="http://schemas.openxmlformats.org/drawingml/2006/main" xmlns:r="http://schemas.openxmlformats.org/officeDocument/2006/relationships" xmlns:p="http://schemas.openxmlformats.org/presentationml/2006/main">
-  <p:cSld>
-    <p:spTree>
-      <p:nvGrpSpPr>
-        <p:cNvPr id="1" name=""/>
-        <p:cNvGrpSpPr/>
-        <p:nvPr/>
-      </p:nvGrpSpPr>
-      <p:grpSpPr>
-        <a:xfrm>
-          <a:off x="0" y="0"/>
-          <a:ext cx="0" cy="0"/>
-          <a:chOff x="0" y="0"/>
-          <a:chExt cx="0" cy="0"/>
-        </a:xfrm>
-      </p:grpSpPr>
-      <p:sp>
-        <p:nvSpPr>
-          <p:cNvPr id="2" name="Espace réservé de l’image des diapositives 1"/>
-          <p:cNvSpPr>
-            <a:spLocks noGrp="1" noRot="1" noChangeAspect="1"/>
-          </p:cNvSpPr>
-          <p:nvPr>
-            <p:ph type="sldImg"/>
-          </p:nvPr>
-        </p:nvSpPr>
-        <p:spPr/>
-      </p:sp>
-      <p:sp>
-        <p:nvSpPr>
-          <p:cNvPr id="3" name="Espace réservé des commentaires 2"/>
-          <p:cNvSpPr>
-            <a:spLocks noGrp="1"/>
-          </p:cNvSpPr>
-          <p:nvPr>
-            <p:ph type="body" idx="1"/>
-          </p:nvPr>
-        </p:nvSpPr>
-        <p:spPr/>
-        <p:txBody>
-          <a:bodyPr rtlCol="0"/>
-          <a:lstStyle/>
-          <a:p>
-            <a:pPr rtl="0"/>
-            <a:endParaRPr lang="fr-FR"/>
-          </a:p>
-        </p:txBody>
-      </p:sp>
-      <p:sp>
-        <p:nvSpPr>
-          <p:cNvPr id="4" name="Espace réservé du numéro de diapositive 3"/>
-          <p:cNvSpPr>
-            <a:spLocks noGrp="1"/>
-          </p:cNvSpPr>
-          <p:nvPr>
-            <p:ph type="sldNum" sz="quarter" idx="5"/>
-          </p:nvPr>
-        </p:nvSpPr>
-        <p:spPr/>
-        <p:txBody>
-          <a:bodyPr rtlCol="0"/>
-          <a:lstStyle/>
-          <a:p>
-            <a:pPr rtl="0"/>
-            <a:fld id="{6BF82289-BCFD-4053-9D06-A9140C63A457}" type="slidenum">
-              <a:rPr lang="fr-FR" smtClean="0"/>
-              <a:t>27</a:t>
-            </a:fld>
-            <a:endParaRPr lang="fr-FR"/>
-          </a:p>
-        </p:txBody>
-      </p:sp>
-    </p:spTree>
-    <p:extLst>
-      <p:ext uri="{BB962C8B-B14F-4D97-AF65-F5344CB8AC3E}">
-        <p14:creationId xmlns:p14="http://schemas.microsoft.com/office/powerpoint/2010/main" val="2372341194"/>
       </p:ext>
     </p:extLst>
   </p:cSld>
@@ -10510,6 +10437,467 @@
             </a:br>
             <a:r>
               <a:rPr lang="fr-FR" sz="2000" dirty="0"/>
+              <a:t>Récupération des adresses MAC  </a:t>
+            </a:r>
+            <a:endParaRPr lang="fr-FR" dirty="0"/>
+          </a:p>
+        </p:txBody>
+      </p:sp>
+      <p:sp>
+        <p:nvSpPr>
+          <p:cNvPr id="3" name="Espace réservé du texte 2">
+            <a:extLst>
+              <a:ext uri="{FF2B5EF4-FFF2-40B4-BE49-F238E27FC236}">
+                <a16:creationId xmlns:a16="http://schemas.microsoft.com/office/drawing/2014/main" id="{09E83A35-1FD2-59BB-CBDE-C332CBAB8755}"/>
+              </a:ext>
+            </a:extLst>
+          </p:cNvPr>
+          <p:cNvSpPr>
+            <a:spLocks noGrp="1"/>
+          </p:cNvSpPr>
+          <p:nvPr>
+            <p:ph type="body" sz="half" idx="2"/>
+          </p:nvPr>
+        </p:nvSpPr>
+        <p:spPr>
+          <a:xfrm>
+            <a:off x="839788" y="2222770"/>
+            <a:ext cx="3932237" cy="3811588"/>
+          </a:xfrm>
+        </p:spPr>
+        <p:txBody>
+          <a:bodyPr/>
+          <a:lstStyle/>
+          <a:p>
+            <a:pPr marL="285750" indent="-285750">
+              <a:buFont typeface="Arial" panose="020B0604020202020204" pitchFamily="34" charset="0"/>
+              <a:buChar char="•"/>
+            </a:pPr>
+            <a:r>
+              <a:rPr lang="fr-FR" dirty="0"/>
+              <a:t>M5 stick utilisé comme lecteur BLE</a:t>
+            </a:r>
+          </a:p>
+          <a:p>
+            <a:pPr marL="285750" indent="-285750">
+              <a:buFont typeface="Arial" panose="020B0604020202020204" pitchFamily="34" charset="0"/>
+              <a:buChar char="•"/>
+            </a:pPr>
+            <a:endParaRPr lang="fr-FR" dirty="0"/>
+          </a:p>
+          <a:p>
+            <a:endParaRPr lang="fr-FR" dirty="0"/>
+          </a:p>
+          <a:p>
+            <a:pPr marL="285750" indent="-285750">
+              <a:buFont typeface="Arial" panose="020B0604020202020204" pitchFamily="34" charset="0"/>
+              <a:buChar char="•"/>
+            </a:pPr>
+            <a:r>
+              <a:rPr lang="fr-FR" dirty="0"/>
+              <a:t>Le programme permet de récupérer les adresses MAC des appareils BLE à proximité</a:t>
+            </a:r>
+          </a:p>
+        </p:txBody>
+      </p:sp>
+      <p:pic>
+        <p:nvPicPr>
+          <p:cNvPr id="8" name="Image 7">
+            <a:extLst>
+              <a:ext uri="{FF2B5EF4-FFF2-40B4-BE49-F238E27FC236}">
+                <a16:creationId xmlns:a16="http://schemas.microsoft.com/office/drawing/2014/main" id="{3766C935-AA72-D632-DF9F-664EEAE4D71A}"/>
+              </a:ext>
+            </a:extLst>
+          </p:cNvPr>
+          <p:cNvPicPr>
+            <a:picLocks noChangeAspect="1"/>
+          </p:cNvPicPr>
+          <p:nvPr/>
+        </p:nvPicPr>
+        <p:blipFill>
+          <a:blip r:embed="rId2">
+            <a:extLst>
+              <a:ext uri="{BEBA8EAE-BF5A-486C-A8C5-ECC9F3942E4B}">
+                <a14:imgProps xmlns:a14="http://schemas.microsoft.com/office/drawing/2010/main">
+                  <a14:imgLayer r:embed="rId3">
+                    <a14:imgEffect>
+                      <a14:backgroundRemoval t="10000" b="90000" l="4222" r="94000">
+                        <a14:foregroundMark x1="5778" y1="59333" x2="5778" y2="59333"/>
+                        <a14:foregroundMark x1="94000" y1="55556" x2="94000" y2="55556"/>
+                        <a14:foregroundMark x1="75333" y1="48444" x2="75333" y2="48444"/>
+                        <a14:foregroundMark x1="8889" y1="65556" x2="8889" y2="65556"/>
+                        <a14:foregroundMark x1="4222" y1="62444" x2="4222" y2="62444"/>
+                      </a14:backgroundRemoval>
+                    </a14:imgEffect>
+                  </a14:imgLayer>
+                </a14:imgProps>
+              </a:ext>
+              <a:ext uri="{837473B0-CC2E-450A-ABE3-18F120FF3D39}">
+                <a1611:picAttrSrcUrl xmlns:a1611="http://schemas.microsoft.com/office/drawing/2016/11/main" r:id="rId4"/>
+              </a:ext>
+            </a:extLst>
+          </a:blip>
+          <a:stretch>
+            <a:fillRect/>
+          </a:stretch>
+        </p:blipFill>
+        <p:spPr>
+          <a:xfrm>
+            <a:off x="110297" y="2208346"/>
+            <a:ext cx="1220654" cy="1220654"/>
+          </a:xfrm>
+          <a:prstGeom prst="rect">
+            <a:avLst/>
+          </a:prstGeom>
+        </p:spPr>
+      </p:pic>
+      <p:pic>
+        <p:nvPicPr>
+          <p:cNvPr id="12" name="Image 11">
+            <a:extLst>
+              <a:ext uri="{FF2B5EF4-FFF2-40B4-BE49-F238E27FC236}">
+                <a16:creationId xmlns:a16="http://schemas.microsoft.com/office/drawing/2014/main" id="{103C5B29-E6F3-7053-9678-13D27864FFAC}"/>
+              </a:ext>
+            </a:extLst>
+          </p:cNvPr>
+          <p:cNvPicPr>
+            <a:picLocks noChangeAspect="1"/>
+          </p:cNvPicPr>
+          <p:nvPr/>
+        </p:nvPicPr>
+        <p:blipFill rotWithShape="1">
+          <a:blip r:embed="rId5"/>
+          <a:srcRect l="40072"/>
+          <a:stretch/>
+        </p:blipFill>
+        <p:spPr>
+          <a:xfrm>
+            <a:off x="4989153" y="0"/>
+            <a:ext cx="7202847" cy="6858000"/>
+          </a:xfrm>
+          <a:prstGeom prst="rect">
+            <a:avLst/>
+          </a:prstGeom>
+        </p:spPr>
+      </p:pic>
+      <p:sp>
+        <p:nvSpPr>
+          <p:cNvPr id="10" name="Ellipse 9">
+            <a:extLst>
+              <a:ext uri="{FF2B5EF4-FFF2-40B4-BE49-F238E27FC236}">
+                <a16:creationId xmlns:a16="http://schemas.microsoft.com/office/drawing/2014/main" id="{CAAC5C78-E630-573E-A43F-D1107666D747}"/>
+              </a:ext>
+            </a:extLst>
+          </p:cNvPr>
+          <p:cNvSpPr/>
+          <p:nvPr/>
+        </p:nvSpPr>
+        <p:spPr>
+          <a:xfrm>
+            <a:off x="7583488" y="1488332"/>
+            <a:ext cx="2825108" cy="3988340"/>
+          </a:xfrm>
+          <a:prstGeom prst="ellipse">
+            <a:avLst/>
+          </a:prstGeom>
+          <a:noFill/>
+          <a:ln w="38100"/>
+        </p:spPr>
+        <p:style>
+          <a:lnRef idx="2">
+            <a:schemeClr val="accent1">
+              <a:shade val="50000"/>
+            </a:schemeClr>
+          </a:lnRef>
+          <a:fillRef idx="1">
+            <a:schemeClr val="accent1"/>
+          </a:fillRef>
+          <a:effectRef idx="0">
+            <a:schemeClr val="accent1"/>
+          </a:effectRef>
+          <a:fontRef idx="minor">
+            <a:schemeClr val="lt1"/>
+          </a:fontRef>
+        </p:style>
+        <p:txBody>
+          <a:bodyPr rtlCol="0" anchor="ctr"/>
+          <a:lstStyle/>
+          <a:p>
+            <a:pPr algn="ctr"/>
+            <a:endParaRPr lang="fr-FR"/>
+          </a:p>
+        </p:txBody>
+      </p:sp>
+    </p:spTree>
+    <p:extLst>
+      <p:ext uri="{BB962C8B-B14F-4D97-AF65-F5344CB8AC3E}">
+        <p14:creationId xmlns:p14="http://schemas.microsoft.com/office/powerpoint/2010/main" val="2809124533"/>
+      </p:ext>
+    </p:extLst>
+  </p:cSld>
+  <p:clrMapOvr>
+    <a:masterClrMapping/>
+  </p:clrMapOvr>
+</p:sld>
+</file>
+
+<file path=ppt/slides/slide11.xml><?xml version="1.0" encoding="utf-8"?>
+<p:sld xmlns:a="http://schemas.openxmlformats.org/drawingml/2006/main" xmlns:r="http://schemas.openxmlformats.org/officeDocument/2006/relationships" xmlns:p="http://schemas.openxmlformats.org/presentationml/2006/main">
+  <p:cSld>
+    <p:spTree>
+      <p:nvGrpSpPr>
+        <p:cNvPr id="1" name=""/>
+        <p:cNvGrpSpPr/>
+        <p:nvPr/>
+      </p:nvGrpSpPr>
+      <p:grpSpPr>
+        <a:xfrm>
+          <a:off x="0" y="0"/>
+          <a:ext cx="0" cy="0"/>
+          <a:chOff x="0" y="0"/>
+          <a:chExt cx="0" cy="0"/>
+        </a:xfrm>
+      </p:grpSpPr>
+      <p:sp>
+        <p:nvSpPr>
+          <p:cNvPr id="2" name="Titre 1">
+            <a:extLst>
+              <a:ext uri="{FF2B5EF4-FFF2-40B4-BE49-F238E27FC236}">
+                <a16:creationId xmlns:a16="http://schemas.microsoft.com/office/drawing/2014/main" id="{1FE865AE-991B-8E6C-4958-77BCF27CB95F}"/>
+              </a:ext>
+            </a:extLst>
+          </p:cNvPr>
+          <p:cNvSpPr>
+            <a:spLocks noGrp="1"/>
+          </p:cNvSpPr>
+          <p:nvPr>
+            <p:ph type="title"/>
+          </p:nvPr>
+        </p:nvSpPr>
+        <p:spPr/>
+        <p:txBody>
+          <a:bodyPr>
+            <a:normAutofit/>
+          </a:bodyPr>
+          <a:lstStyle/>
+          <a:p>
+            <a:r>
+              <a:rPr lang="fr-FR" dirty="0"/>
+              <a:t>Gestion des accès au campus</a:t>
+            </a:r>
+            <a:br>
+              <a:rPr lang="fr-FR" dirty="0"/>
+            </a:br>
+            <a:r>
+              <a:rPr lang="fr-FR" sz="2000" dirty="0"/>
+              <a:t>Publication des données avec MQTT</a:t>
+            </a:r>
+            <a:endParaRPr lang="fr-FR" dirty="0"/>
+          </a:p>
+        </p:txBody>
+      </p:sp>
+      <p:sp>
+        <p:nvSpPr>
+          <p:cNvPr id="3" name="Espace réservé du texte 2">
+            <a:extLst>
+              <a:ext uri="{FF2B5EF4-FFF2-40B4-BE49-F238E27FC236}">
+                <a16:creationId xmlns:a16="http://schemas.microsoft.com/office/drawing/2014/main" id="{09E83A35-1FD2-59BB-CBDE-C332CBAB8755}"/>
+              </a:ext>
+            </a:extLst>
+          </p:cNvPr>
+          <p:cNvSpPr>
+            <a:spLocks noGrp="1"/>
+          </p:cNvSpPr>
+          <p:nvPr>
+            <p:ph type="body" sz="half" idx="2"/>
+          </p:nvPr>
+        </p:nvSpPr>
+        <p:spPr>
+          <a:xfrm>
+            <a:off x="839788" y="2222770"/>
+            <a:ext cx="3932237" cy="3811588"/>
+          </a:xfrm>
+        </p:spPr>
+        <p:txBody>
+          <a:bodyPr/>
+          <a:lstStyle/>
+          <a:p>
+            <a:pPr marL="285750" indent="-285750">
+              <a:buFont typeface="Arial" panose="020B0604020202020204" pitchFamily="34" charset="0"/>
+              <a:buChar char="•"/>
+            </a:pPr>
+            <a:r>
+              <a:rPr lang="fr-FR" dirty="0"/>
+              <a:t>MQTT serveur : 192.168.143.151</a:t>
+            </a:r>
+          </a:p>
+          <a:p>
+            <a:pPr marL="285750" indent="-285750">
+              <a:buFont typeface="Arial" panose="020B0604020202020204" pitchFamily="34" charset="0"/>
+              <a:buChar char="•"/>
+            </a:pPr>
+            <a:r>
+              <a:rPr lang="fr-FR" dirty="0"/>
+              <a:t>Topic: Campus</a:t>
+            </a:r>
+          </a:p>
+          <a:p>
+            <a:pPr marL="285750" indent="-285750">
+              <a:buFont typeface="Arial" panose="020B0604020202020204" pitchFamily="34" charset="0"/>
+              <a:buChar char="•"/>
+            </a:pPr>
+            <a:r>
+              <a:rPr lang="fr-FR" dirty="0"/>
+              <a:t>Port : 1883</a:t>
+            </a:r>
+          </a:p>
+          <a:p>
+            <a:pPr marL="285750" indent="-285750">
+              <a:buFont typeface="Arial" panose="020B0604020202020204" pitchFamily="34" charset="0"/>
+              <a:buChar char="•"/>
+            </a:pPr>
+            <a:endParaRPr lang="fr-FR" dirty="0"/>
+          </a:p>
+        </p:txBody>
+      </p:sp>
+      <p:sp>
+        <p:nvSpPr>
+          <p:cNvPr id="10" name="Ellipse 9">
+            <a:extLst>
+              <a:ext uri="{FF2B5EF4-FFF2-40B4-BE49-F238E27FC236}">
+                <a16:creationId xmlns:a16="http://schemas.microsoft.com/office/drawing/2014/main" id="{CAAC5C78-E630-573E-A43F-D1107666D747}"/>
+              </a:ext>
+            </a:extLst>
+          </p:cNvPr>
+          <p:cNvSpPr/>
+          <p:nvPr/>
+        </p:nvSpPr>
+        <p:spPr>
+          <a:xfrm>
+            <a:off x="7583488" y="2208346"/>
+            <a:ext cx="1618878" cy="914233"/>
+          </a:xfrm>
+          <a:prstGeom prst="ellipse">
+            <a:avLst/>
+          </a:prstGeom>
+          <a:noFill/>
+          <a:ln w="38100"/>
+        </p:spPr>
+        <p:style>
+          <a:lnRef idx="2">
+            <a:schemeClr val="accent1">
+              <a:shade val="50000"/>
+            </a:schemeClr>
+          </a:lnRef>
+          <a:fillRef idx="1">
+            <a:schemeClr val="accent1"/>
+          </a:fillRef>
+          <a:effectRef idx="0">
+            <a:schemeClr val="accent1"/>
+          </a:effectRef>
+          <a:fontRef idx="minor">
+            <a:schemeClr val="lt1"/>
+          </a:fontRef>
+        </p:style>
+        <p:txBody>
+          <a:bodyPr rtlCol="0" anchor="ctr"/>
+          <a:lstStyle/>
+          <a:p>
+            <a:pPr algn="ctr"/>
+            <a:endParaRPr lang="fr-FR"/>
+          </a:p>
+        </p:txBody>
+      </p:sp>
+      <p:pic>
+        <p:nvPicPr>
+          <p:cNvPr id="9" name="Espace réservé pour une image  8">
+            <a:extLst>
+              <a:ext uri="{FF2B5EF4-FFF2-40B4-BE49-F238E27FC236}">
+                <a16:creationId xmlns:a16="http://schemas.microsoft.com/office/drawing/2014/main" id="{59BC2D6D-E3B7-1549-8F37-2F65054EAF82}"/>
+              </a:ext>
+            </a:extLst>
+          </p:cNvPr>
+          <p:cNvPicPr>
+            <a:picLocks noGrp="1" noChangeAspect="1"/>
+          </p:cNvPicPr>
+          <p:nvPr>
+            <p:ph type="pic" idx="1"/>
+          </p:nvPr>
+        </p:nvPicPr>
+        <p:blipFill rotWithShape="1">
+          <a:blip r:embed="rId2"/>
+          <a:srcRect t="-10496" b="-10496"/>
+          <a:stretch/>
+        </p:blipFill>
+        <p:spPr>
+          <a:xfrm>
+            <a:off x="5183188" y="417513"/>
+            <a:ext cx="6172200" cy="5403850"/>
+          </a:xfrm>
+        </p:spPr>
+      </p:pic>
+    </p:spTree>
+    <p:extLst>
+      <p:ext uri="{BB962C8B-B14F-4D97-AF65-F5344CB8AC3E}">
+        <p14:creationId xmlns:p14="http://schemas.microsoft.com/office/powerpoint/2010/main" val="2686469771"/>
+      </p:ext>
+    </p:extLst>
+  </p:cSld>
+  <p:clrMapOvr>
+    <a:masterClrMapping/>
+  </p:clrMapOvr>
+</p:sld>
+</file>
+
+<file path=ppt/slides/slide12.xml><?xml version="1.0" encoding="utf-8"?>
+<p:sld xmlns:a="http://schemas.openxmlformats.org/drawingml/2006/main" xmlns:r="http://schemas.openxmlformats.org/officeDocument/2006/relationships" xmlns:p="http://schemas.openxmlformats.org/presentationml/2006/main">
+  <p:cSld>
+    <p:spTree>
+      <p:nvGrpSpPr>
+        <p:cNvPr id="1" name=""/>
+        <p:cNvGrpSpPr/>
+        <p:nvPr/>
+      </p:nvGrpSpPr>
+      <p:grpSpPr>
+        <a:xfrm>
+          <a:off x="0" y="0"/>
+          <a:ext cx="0" cy="0"/>
+          <a:chOff x="0" y="0"/>
+          <a:chExt cx="0" cy="0"/>
+        </a:xfrm>
+      </p:grpSpPr>
+      <p:sp>
+        <p:nvSpPr>
+          <p:cNvPr id="2" name="Titre 1">
+            <a:extLst>
+              <a:ext uri="{FF2B5EF4-FFF2-40B4-BE49-F238E27FC236}">
+                <a16:creationId xmlns:a16="http://schemas.microsoft.com/office/drawing/2014/main" id="{1FE865AE-991B-8E6C-4958-77BCF27CB95F}"/>
+              </a:ext>
+            </a:extLst>
+          </p:cNvPr>
+          <p:cNvSpPr>
+            <a:spLocks noGrp="1"/>
+          </p:cNvSpPr>
+          <p:nvPr>
+            <p:ph type="title"/>
+          </p:nvPr>
+        </p:nvSpPr>
+        <p:spPr/>
+        <p:txBody>
+          <a:bodyPr>
+            <a:normAutofit/>
+          </a:bodyPr>
+          <a:lstStyle/>
+          <a:p>
+            <a:r>
+              <a:rPr lang="fr-FR" dirty="0"/>
+              <a:t>Gestion des accès au campus</a:t>
+            </a:r>
+            <a:br>
+              <a:rPr lang="fr-FR" dirty="0"/>
+            </a:br>
+            <a:r>
+              <a:rPr lang="fr-FR" sz="2000" dirty="0"/>
               <a:t>Sauvegarde des données sur la BDD</a:t>
             </a:r>
             <a:endParaRPr lang="fr-FR" dirty="0"/>
@@ -10630,7 +11018,7 @@
 </p:sld>
 </file>
 
-<file path=ppt/slides/slide11.xml><?xml version="1.0" encoding="utf-8"?>
+<file path=ppt/slides/slide13.xml><?xml version="1.0" encoding="utf-8"?>
 <p:sld xmlns:a="http://schemas.openxmlformats.org/drawingml/2006/main" xmlns:r="http://schemas.openxmlformats.org/officeDocument/2006/relationships" xmlns:p="http://schemas.openxmlformats.org/presentationml/2006/main">
   <p:cSld>
     <p:spTree>
@@ -10925,818 +11313,6 @@
 </p:sld>
 </file>
 
-<file path=ppt/slides/slide12.xml><?xml version="1.0" encoding="utf-8"?>
-<p:sld xmlns:a="http://schemas.openxmlformats.org/drawingml/2006/main" xmlns:r="http://schemas.openxmlformats.org/officeDocument/2006/relationships" xmlns:p="http://schemas.openxmlformats.org/presentationml/2006/main">
-  <p:cSld>
-    <p:spTree>
-      <p:nvGrpSpPr>
-        <p:cNvPr id="1" name=""/>
-        <p:cNvGrpSpPr/>
-        <p:nvPr/>
-      </p:nvGrpSpPr>
-      <p:grpSpPr>
-        <a:xfrm>
-          <a:off x="0" y="0"/>
-          <a:ext cx="0" cy="0"/>
-          <a:chOff x="0" y="0"/>
-          <a:chExt cx="0" cy="0"/>
-        </a:xfrm>
-      </p:grpSpPr>
-      <p:sp>
-        <p:nvSpPr>
-          <p:cNvPr id="2" name="Titre 1">
-            <a:extLst>
-              <a:ext uri="{FF2B5EF4-FFF2-40B4-BE49-F238E27FC236}">
-                <a16:creationId xmlns:a16="http://schemas.microsoft.com/office/drawing/2014/main" id="{DBD23F23-EF92-2EE6-EED2-24F174401B9D}"/>
-              </a:ext>
-            </a:extLst>
-          </p:cNvPr>
-          <p:cNvSpPr>
-            <a:spLocks noGrp="1"/>
-          </p:cNvSpPr>
-          <p:nvPr>
-            <p:ph type="title"/>
-          </p:nvPr>
-        </p:nvSpPr>
-        <p:spPr/>
-        <p:txBody>
-          <a:bodyPr anchor="t"/>
-          <a:lstStyle/>
-          <a:p>
-            <a:r>
-              <a:rPr lang="fr-FR" dirty="0"/>
-              <a:t>Gestion des accès au campus</a:t>
-            </a:r>
-            <a:br>
-              <a:rPr lang="fr-FR" dirty="0"/>
-            </a:br>
-            <a:r>
-              <a:rPr lang="fr-FR" sz="2000" dirty="0"/>
-              <a:t>Les défauts</a:t>
-            </a:r>
-            <a:endParaRPr lang="fr-FR" dirty="0"/>
-          </a:p>
-        </p:txBody>
-      </p:sp>
-      <p:sp>
-        <p:nvSpPr>
-          <p:cNvPr id="3" name="Espace réservé du texte 2">
-            <a:extLst>
-              <a:ext uri="{FF2B5EF4-FFF2-40B4-BE49-F238E27FC236}">
-                <a16:creationId xmlns:a16="http://schemas.microsoft.com/office/drawing/2014/main" id="{070D4B8C-89A7-65B0-892A-D27A85A3C9A2}"/>
-              </a:ext>
-            </a:extLst>
-          </p:cNvPr>
-          <p:cNvSpPr>
-            <a:spLocks noGrp="1"/>
-          </p:cNvSpPr>
-          <p:nvPr>
-            <p:ph type="body" sz="half" idx="2"/>
-          </p:nvPr>
-        </p:nvSpPr>
-        <p:spPr/>
-        <p:txBody>
-          <a:bodyPr/>
-          <a:lstStyle/>
-          <a:p>
-            <a:pPr marL="285750" indent="-285750">
-              <a:buFont typeface="Arial" panose="020B0604020202020204" pitchFamily="34" charset="0"/>
-              <a:buChar char="•"/>
-            </a:pPr>
-            <a:r>
-              <a:rPr lang="fr-FR" dirty="0"/>
-              <a:t>1 appareil Bluetooth activé par personne</a:t>
-            </a:r>
-          </a:p>
-          <a:p>
-            <a:pPr marL="285750" indent="-285750">
-              <a:buFont typeface="Arial" panose="020B0604020202020204" pitchFamily="34" charset="0"/>
-              <a:buChar char="•"/>
-            </a:pPr>
-            <a:r>
-              <a:rPr lang="fr-FR" dirty="0"/>
-              <a:t>Erreur de comptage en cas d’immobilité à proximité des lecteurs</a:t>
-            </a:r>
-          </a:p>
-          <a:p>
-            <a:pPr marL="285750" indent="-285750">
-              <a:buFont typeface="Arial" panose="020B0604020202020204" pitchFamily="34" charset="0"/>
-              <a:buChar char="•"/>
-            </a:pPr>
-            <a:endParaRPr lang="fr-FR" dirty="0"/>
-          </a:p>
-        </p:txBody>
-      </p:sp>
-      <p:sp>
-        <p:nvSpPr>
-          <p:cNvPr id="5" name="Espace réservé du texte 2">
-            <a:extLst>
-              <a:ext uri="{FF2B5EF4-FFF2-40B4-BE49-F238E27FC236}">
-                <a16:creationId xmlns:a16="http://schemas.microsoft.com/office/drawing/2014/main" id="{6179D6B3-CEDC-2E73-35FD-19CBE81377C6}"/>
-              </a:ext>
-            </a:extLst>
-          </p:cNvPr>
-          <p:cNvSpPr txBox="1">
-            <a:spLocks/>
-          </p:cNvSpPr>
-          <p:nvPr/>
-        </p:nvSpPr>
-        <p:spPr>
-          <a:xfrm>
-            <a:off x="6745288" y="2057400"/>
-            <a:ext cx="3932237" cy="3811588"/>
-          </a:xfrm>
-          <a:prstGeom prst="rect">
-            <a:avLst/>
-          </a:prstGeom>
-        </p:spPr>
-        <p:txBody>
-          <a:bodyPr vert="horz" lIns="91440" tIns="45720" rIns="91440" bIns="45720" rtlCol="0">
-            <a:normAutofit/>
-          </a:bodyPr>
-          <a:lstStyle>
-            <a:lvl1pPr marL="0" indent="0" algn="l" defTabSz="914400" rtl="0" eaLnBrk="1" latinLnBrk="0" hangingPunct="1">
-              <a:lnSpc>
-                <a:spcPct val="90000"/>
-              </a:lnSpc>
-              <a:spcBef>
-                <a:spcPts val="1000"/>
-              </a:spcBef>
-              <a:buFont typeface="Arial" panose="020B0604020202020204" pitchFamily="34" charset="0"/>
-              <a:buNone/>
-              <a:defRPr sz="1600" kern="1200">
-                <a:solidFill>
-                  <a:schemeClr val="tx1"/>
-                </a:solidFill>
-                <a:latin typeface="+mn-lt"/>
-                <a:ea typeface="+mn-ea"/>
-                <a:cs typeface="+mn-cs"/>
-              </a:defRPr>
-            </a:lvl1pPr>
-            <a:lvl2pPr marL="457200" indent="0" algn="l" defTabSz="914400" rtl="0" eaLnBrk="1" latinLnBrk="0" hangingPunct="1">
-              <a:lnSpc>
-                <a:spcPct val="90000"/>
-              </a:lnSpc>
-              <a:spcBef>
-                <a:spcPts val="500"/>
-              </a:spcBef>
-              <a:buFont typeface="Arial" panose="020B0604020202020204" pitchFamily="34" charset="0"/>
-              <a:buNone/>
-              <a:defRPr sz="1400" kern="1200">
-                <a:solidFill>
-                  <a:schemeClr val="tx1"/>
-                </a:solidFill>
-                <a:latin typeface="+mn-lt"/>
-                <a:ea typeface="+mn-ea"/>
-                <a:cs typeface="+mn-cs"/>
-              </a:defRPr>
-            </a:lvl2pPr>
-            <a:lvl3pPr marL="914400" indent="0" algn="l" defTabSz="914400" rtl="0" eaLnBrk="1" latinLnBrk="0" hangingPunct="1">
-              <a:lnSpc>
-                <a:spcPct val="90000"/>
-              </a:lnSpc>
-              <a:spcBef>
-                <a:spcPts val="500"/>
-              </a:spcBef>
-              <a:buFont typeface="Arial" panose="020B0604020202020204" pitchFamily="34" charset="0"/>
-              <a:buNone/>
-              <a:defRPr sz="1200" kern="1200">
-                <a:solidFill>
-                  <a:schemeClr val="tx1"/>
-                </a:solidFill>
-                <a:latin typeface="+mn-lt"/>
-                <a:ea typeface="+mn-ea"/>
-                <a:cs typeface="+mn-cs"/>
-              </a:defRPr>
-            </a:lvl3pPr>
-            <a:lvl4pPr marL="1371600" indent="0" algn="l" defTabSz="914400" rtl="0" eaLnBrk="1" latinLnBrk="0" hangingPunct="1">
-              <a:lnSpc>
-                <a:spcPct val="90000"/>
-              </a:lnSpc>
-              <a:spcBef>
-                <a:spcPts val="500"/>
-              </a:spcBef>
-              <a:buFont typeface="Arial" panose="020B0604020202020204" pitchFamily="34" charset="0"/>
-              <a:buNone/>
-              <a:defRPr sz="1000" kern="1200">
-                <a:solidFill>
-                  <a:schemeClr val="tx1"/>
-                </a:solidFill>
-                <a:latin typeface="+mn-lt"/>
-                <a:ea typeface="+mn-ea"/>
-                <a:cs typeface="+mn-cs"/>
-              </a:defRPr>
-            </a:lvl4pPr>
-            <a:lvl5pPr marL="1828800" indent="0" algn="l" defTabSz="914400" rtl="0" eaLnBrk="1" latinLnBrk="0" hangingPunct="1">
-              <a:lnSpc>
-                <a:spcPct val="90000"/>
-              </a:lnSpc>
-              <a:spcBef>
-                <a:spcPts val="500"/>
-              </a:spcBef>
-              <a:buFont typeface="Arial" panose="020B0604020202020204" pitchFamily="34" charset="0"/>
-              <a:buNone/>
-              <a:defRPr sz="1000" kern="1200">
-                <a:solidFill>
-                  <a:schemeClr val="tx1"/>
-                </a:solidFill>
-                <a:latin typeface="+mn-lt"/>
-                <a:ea typeface="+mn-ea"/>
-                <a:cs typeface="+mn-cs"/>
-              </a:defRPr>
-            </a:lvl5pPr>
-            <a:lvl6pPr marL="2286000" indent="0" algn="l" defTabSz="914400" rtl="0" eaLnBrk="1" latinLnBrk="0" hangingPunct="1">
-              <a:lnSpc>
-                <a:spcPct val="90000"/>
-              </a:lnSpc>
-              <a:spcBef>
-                <a:spcPts val="500"/>
-              </a:spcBef>
-              <a:buFont typeface="Arial" panose="020B0604020202020204" pitchFamily="34" charset="0"/>
-              <a:buNone/>
-              <a:defRPr sz="1000" kern="1200">
-                <a:solidFill>
-                  <a:schemeClr val="tx1"/>
-                </a:solidFill>
-                <a:latin typeface="+mn-lt"/>
-                <a:ea typeface="+mn-ea"/>
-                <a:cs typeface="+mn-cs"/>
-              </a:defRPr>
-            </a:lvl6pPr>
-            <a:lvl7pPr marL="2743200" indent="0" algn="l" defTabSz="914400" rtl="0" eaLnBrk="1" latinLnBrk="0" hangingPunct="1">
-              <a:lnSpc>
-                <a:spcPct val="90000"/>
-              </a:lnSpc>
-              <a:spcBef>
-                <a:spcPts val="500"/>
-              </a:spcBef>
-              <a:buFont typeface="Arial" panose="020B0604020202020204" pitchFamily="34" charset="0"/>
-              <a:buNone/>
-              <a:defRPr sz="1000" kern="1200">
-                <a:solidFill>
-                  <a:schemeClr val="tx1"/>
-                </a:solidFill>
-                <a:latin typeface="+mn-lt"/>
-                <a:ea typeface="+mn-ea"/>
-                <a:cs typeface="+mn-cs"/>
-              </a:defRPr>
-            </a:lvl7pPr>
-            <a:lvl8pPr marL="3200400" indent="0" algn="l" defTabSz="914400" rtl="0" eaLnBrk="1" latinLnBrk="0" hangingPunct="1">
-              <a:lnSpc>
-                <a:spcPct val="90000"/>
-              </a:lnSpc>
-              <a:spcBef>
-                <a:spcPts val="500"/>
-              </a:spcBef>
-              <a:buFont typeface="Arial" panose="020B0604020202020204" pitchFamily="34" charset="0"/>
-              <a:buNone/>
-              <a:defRPr sz="1000" kern="1200">
-                <a:solidFill>
-                  <a:schemeClr val="tx1"/>
-                </a:solidFill>
-                <a:latin typeface="+mn-lt"/>
-                <a:ea typeface="+mn-ea"/>
-                <a:cs typeface="+mn-cs"/>
-              </a:defRPr>
-            </a:lvl8pPr>
-            <a:lvl9pPr marL="3657600" indent="0" algn="l" defTabSz="914400" rtl="0" eaLnBrk="1" latinLnBrk="0" hangingPunct="1">
-              <a:lnSpc>
-                <a:spcPct val="90000"/>
-              </a:lnSpc>
-              <a:spcBef>
-                <a:spcPts val="500"/>
-              </a:spcBef>
-              <a:buFont typeface="Arial" panose="020B0604020202020204" pitchFamily="34" charset="0"/>
-              <a:buNone/>
-              <a:defRPr sz="1000" kern="1200">
-                <a:solidFill>
-                  <a:schemeClr val="tx1"/>
-                </a:solidFill>
-                <a:latin typeface="+mn-lt"/>
-                <a:ea typeface="+mn-ea"/>
-                <a:cs typeface="+mn-cs"/>
-              </a:defRPr>
-            </a:lvl9pPr>
-          </a:lstStyle>
-          <a:p>
-            <a:endParaRPr lang="fr-FR" dirty="0"/>
-          </a:p>
-        </p:txBody>
-      </p:sp>
-    </p:spTree>
-    <p:extLst>
-      <p:ext uri="{BB962C8B-B14F-4D97-AF65-F5344CB8AC3E}">
-        <p14:creationId xmlns:p14="http://schemas.microsoft.com/office/powerpoint/2010/main" val="3303001111"/>
-      </p:ext>
-    </p:extLst>
-  </p:cSld>
-  <p:clrMapOvr>
-    <a:masterClrMapping/>
-  </p:clrMapOvr>
-</p:sld>
-</file>
-
-<file path=ppt/slides/slide13.xml><?xml version="1.0" encoding="utf-8"?>
-<p:sld xmlns:a="http://schemas.openxmlformats.org/drawingml/2006/main" xmlns:r="http://schemas.openxmlformats.org/officeDocument/2006/relationships" xmlns:p="http://schemas.openxmlformats.org/presentationml/2006/main">
-  <p:cSld>
-    <p:spTree>
-      <p:nvGrpSpPr>
-        <p:cNvPr id="1" name=""/>
-        <p:cNvGrpSpPr/>
-        <p:nvPr/>
-      </p:nvGrpSpPr>
-      <p:grpSpPr>
-        <a:xfrm>
-          <a:off x="0" y="0"/>
-          <a:ext cx="0" cy="0"/>
-          <a:chOff x="0" y="0"/>
-          <a:chExt cx="0" cy="0"/>
-        </a:xfrm>
-      </p:grpSpPr>
-      <p:sp>
-        <p:nvSpPr>
-          <p:cNvPr id="5" name="Titre 4">
-            <a:extLst>
-              <a:ext uri="{FF2B5EF4-FFF2-40B4-BE49-F238E27FC236}">
-                <a16:creationId xmlns:a16="http://schemas.microsoft.com/office/drawing/2014/main" id="{7BC74D96-20AD-411A-6EC2-B30B1CA4C432}"/>
-              </a:ext>
-            </a:extLst>
-          </p:cNvPr>
-          <p:cNvSpPr>
-            <a:spLocks noGrp="1"/>
-          </p:cNvSpPr>
-          <p:nvPr>
-            <p:ph type="title"/>
-          </p:nvPr>
-        </p:nvSpPr>
-        <p:spPr/>
-        <p:txBody>
-          <a:bodyPr/>
-          <a:lstStyle/>
-          <a:p>
-            <a:r>
-              <a:rPr lang="fr-FR" dirty="0"/>
-              <a:t>Gestion des accès </a:t>
-            </a:r>
-            <a:r>
-              <a:rPr lang="fr-FR"/>
-              <a:t>au bâtiment</a:t>
-            </a:r>
-            <a:br>
-              <a:rPr lang="fr-FR" dirty="0"/>
-            </a:br>
-            <a:endParaRPr lang="fr-FR" dirty="0"/>
-          </a:p>
-        </p:txBody>
-      </p:sp>
-      <p:sp>
-        <p:nvSpPr>
-          <p:cNvPr id="8" name="Espace réservé du numéro de diapositive 7">
-            <a:extLst>
-              <a:ext uri="{FF2B5EF4-FFF2-40B4-BE49-F238E27FC236}">
-                <a16:creationId xmlns:a16="http://schemas.microsoft.com/office/drawing/2014/main" id="{292B76D6-CD86-E9EB-1368-EC8B1C74C821}"/>
-              </a:ext>
-            </a:extLst>
-          </p:cNvPr>
-          <p:cNvSpPr>
-            <a:spLocks noGrp="1"/>
-          </p:cNvSpPr>
-          <p:nvPr>
-            <p:ph type="sldNum" sz="quarter" idx="4"/>
-          </p:nvPr>
-        </p:nvSpPr>
-        <p:spPr/>
-        <p:txBody>
-          <a:bodyPr/>
-          <a:lstStyle/>
-          <a:p>
-            <a:pPr algn="ctr" rtl="0"/>
-            <a:fld id="{817179DE-9BF3-494C-804F-0C7C90AC8700}" type="slidenum">
-              <a:rPr lang="fr-FR" noProof="0" smtClean="0"/>
-              <a:pPr algn="ctr" rtl="0"/>
-              <a:t>13</a:t>
-            </a:fld>
-            <a:endParaRPr lang="fr-FR" noProof="0"/>
-          </a:p>
-        </p:txBody>
-      </p:sp>
-      <p:sp>
-        <p:nvSpPr>
-          <p:cNvPr id="9" name="ZoneTexte 8">
-            <a:extLst>
-              <a:ext uri="{FF2B5EF4-FFF2-40B4-BE49-F238E27FC236}">
-                <a16:creationId xmlns:a16="http://schemas.microsoft.com/office/drawing/2014/main" id="{1B95B750-151B-7F88-6A2D-8E96DD9071A3}"/>
-              </a:ext>
-            </a:extLst>
-          </p:cNvPr>
-          <p:cNvSpPr txBox="1"/>
-          <p:nvPr/>
-        </p:nvSpPr>
-        <p:spPr>
-          <a:xfrm>
-            <a:off x="566501" y="1588010"/>
-            <a:ext cx="11058998" cy="1200329"/>
-          </a:xfrm>
-          <a:prstGeom prst="rect">
-            <a:avLst/>
-          </a:prstGeom>
-          <a:noFill/>
-        </p:spPr>
-        <p:txBody>
-          <a:bodyPr wrap="square" rtlCol="0">
-            <a:spAutoFit/>
-          </a:bodyPr>
-          <a:lstStyle/>
-          <a:p>
-            <a:pPr marL="285750" indent="-285750">
-              <a:buFontTx/>
-              <a:buChar char="-"/>
-            </a:pPr>
-            <a:r>
-              <a:rPr lang="fr-FR" dirty="0"/>
-              <a:t>Objectif</a:t>
-            </a:r>
-          </a:p>
-          <a:p>
-            <a:pPr marL="285750" indent="-285750">
-              <a:buFontTx/>
-              <a:buChar char="-"/>
-            </a:pPr>
-            <a:r>
-              <a:rPr lang="fr-FR" dirty="0"/>
-              <a:t>Environnement de développement :</a:t>
-            </a:r>
-          </a:p>
-          <a:p>
-            <a:r>
-              <a:rPr lang="fr-FR" dirty="0"/>
-              <a:t> </a:t>
-            </a:r>
-          </a:p>
-          <a:p>
-            <a:endParaRPr lang="fr-FR" dirty="0"/>
-          </a:p>
-        </p:txBody>
-      </p:sp>
-      <p:pic>
-        <p:nvPicPr>
-          <p:cNvPr id="10" name="Image 18">
-            <a:extLst>
-              <a:ext uri="{FF2B5EF4-FFF2-40B4-BE49-F238E27FC236}">
-                <a16:creationId xmlns:a16="http://schemas.microsoft.com/office/drawing/2014/main" id="{F1D40CE8-3EB9-890A-D4D9-30A9FCB6176C}"/>
-              </a:ext>
-            </a:extLst>
-          </p:cNvPr>
-          <p:cNvPicPr/>
-          <p:nvPr/>
-        </p:nvPicPr>
-        <p:blipFill>
-          <a:blip r:embed="rId2"/>
-          <a:stretch/>
-        </p:blipFill>
-        <p:spPr>
-          <a:xfrm>
-            <a:off x="566501" y="2607121"/>
-            <a:ext cx="824149" cy="821880"/>
-          </a:xfrm>
-          <a:prstGeom prst="rect">
-            <a:avLst/>
-          </a:prstGeom>
-          <a:ln w="0">
-            <a:noFill/>
-          </a:ln>
-        </p:spPr>
-      </p:pic>
-      <p:pic>
-        <p:nvPicPr>
-          <p:cNvPr id="11" name="Image 20">
-            <a:extLst>
-              <a:ext uri="{FF2B5EF4-FFF2-40B4-BE49-F238E27FC236}">
-                <a16:creationId xmlns:a16="http://schemas.microsoft.com/office/drawing/2014/main" id="{C4C88EF2-EA0C-65F9-4DF1-F41F23F33BB4}"/>
-              </a:ext>
-            </a:extLst>
-          </p:cNvPr>
-          <p:cNvPicPr/>
-          <p:nvPr/>
-        </p:nvPicPr>
-        <p:blipFill>
-          <a:blip r:embed="rId3"/>
-          <a:stretch/>
-        </p:blipFill>
-        <p:spPr>
-          <a:xfrm>
-            <a:off x="1608897" y="2590092"/>
-            <a:ext cx="1766880" cy="928440"/>
-          </a:xfrm>
-          <a:prstGeom prst="rect">
-            <a:avLst/>
-          </a:prstGeom>
-          <a:ln w="0">
-            <a:noFill/>
-          </a:ln>
-        </p:spPr>
-      </p:pic>
-      <p:pic>
-        <p:nvPicPr>
-          <p:cNvPr id="12" name="Image 26">
-            <a:extLst>
-              <a:ext uri="{FF2B5EF4-FFF2-40B4-BE49-F238E27FC236}">
-                <a16:creationId xmlns:a16="http://schemas.microsoft.com/office/drawing/2014/main" id="{A1FAC33E-E0AE-0DBC-FDB2-EBA3A10B717A}"/>
-              </a:ext>
-            </a:extLst>
-          </p:cNvPr>
-          <p:cNvPicPr/>
-          <p:nvPr/>
-        </p:nvPicPr>
-        <p:blipFill>
-          <a:blip r:embed="rId4"/>
-          <a:stretch/>
-        </p:blipFill>
-        <p:spPr>
-          <a:xfrm>
-            <a:off x="3601243" y="2590092"/>
-            <a:ext cx="1766880" cy="928440"/>
-          </a:xfrm>
-          <a:prstGeom prst="rect">
-            <a:avLst/>
-          </a:prstGeom>
-          <a:ln w="0">
-            <a:noFill/>
-          </a:ln>
-        </p:spPr>
-      </p:pic>
-      <p:pic>
-        <p:nvPicPr>
-          <p:cNvPr id="13" name="Image 22">
-            <a:extLst>
-              <a:ext uri="{FF2B5EF4-FFF2-40B4-BE49-F238E27FC236}">
-                <a16:creationId xmlns:a16="http://schemas.microsoft.com/office/drawing/2014/main" id="{C37B0FE5-96B9-A9EE-3CDB-584D5CCF8BD9}"/>
-              </a:ext>
-            </a:extLst>
-          </p:cNvPr>
-          <p:cNvPicPr/>
-          <p:nvPr/>
-        </p:nvPicPr>
-        <p:blipFill>
-          <a:blip r:embed="rId5"/>
-          <a:stretch/>
-        </p:blipFill>
-        <p:spPr>
-          <a:xfrm>
-            <a:off x="5540418" y="2607121"/>
-            <a:ext cx="1758960" cy="928441"/>
-          </a:xfrm>
-          <a:prstGeom prst="rect">
-            <a:avLst/>
-          </a:prstGeom>
-          <a:ln w="0">
-            <a:noFill/>
-          </a:ln>
-        </p:spPr>
-      </p:pic>
-      <p:pic>
-        <p:nvPicPr>
-          <p:cNvPr id="1026" name="Picture 2" descr="Arduino — Wikipédia">
-            <a:extLst>
-              <a:ext uri="{FF2B5EF4-FFF2-40B4-BE49-F238E27FC236}">
-                <a16:creationId xmlns:a16="http://schemas.microsoft.com/office/drawing/2014/main" id="{7BD36406-06EF-A3AB-3492-02F8636CBD6B}"/>
-              </a:ext>
-            </a:extLst>
-          </p:cNvPr>
-          <p:cNvPicPr>
-            <a:picLocks noChangeAspect="1" noChangeArrowheads="1"/>
-          </p:cNvPicPr>
-          <p:nvPr/>
-        </p:nvPicPr>
-        <p:blipFill>
-          <a:blip r:embed="rId6">
-            <a:extLst>
-              <a:ext uri="{28A0092B-C50C-407E-A947-70E740481C1C}">
-                <a14:useLocalDpi xmlns:a14="http://schemas.microsoft.com/office/drawing/2010/main" val="0"/>
-              </a:ext>
-            </a:extLst>
-          </a:blip>
-          <a:srcRect/>
-          <a:stretch>
-            <a:fillRect/>
-          </a:stretch>
-        </p:blipFill>
-        <p:spPr bwMode="auto">
-          <a:xfrm>
-            <a:off x="7882645" y="2607121"/>
-            <a:ext cx="1223255" cy="831993"/>
-          </a:xfrm>
-          <a:prstGeom prst="rect">
-            <a:avLst/>
-          </a:prstGeom>
-          <a:noFill/>
-          <a:extLst>
-            <a:ext uri="{909E8E84-426E-40DD-AFC4-6F175D3DCCD1}">
-              <a14:hiddenFill xmlns:a14="http://schemas.microsoft.com/office/drawing/2010/main">
-                <a:solidFill>
-                  <a:srgbClr val="FFFFFF"/>
-                </a:solidFill>
-              </a14:hiddenFill>
-            </a:ext>
-          </a:extLst>
-        </p:spPr>
-      </p:pic>
-      <p:pic>
-        <p:nvPicPr>
-          <p:cNvPr id="1028" name="Picture 4" descr="Microsoft Visual Studio — Wikipédia">
-            <a:extLst>
-              <a:ext uri="{FF2B5EF4-FFF2-40B4-BE49-F238E27FC236}">
-                <a16:creationId xmlns:a16="http://schemas.microsoft.com/office/drawing/2014/main" id="{0724C26F-DC0D-E9AB-DC16-7E8764DB1334}"/>
-              </a:ext>
-            </a:extLst>
-          </p:cNvPr>
-          <p:cNvPicPr>
-            <a:picLocks noChangeAspect="1" noChangeArrowheads="1"/>
-          </p:cNvPicPr>
-          <p:nvPr/>
-        </p:nvPicPr>
-        <p:blipFill>
-          <a:blip r:embed="rId7">
-            <a:extLst>
-              <a:ext uri="{28A0092B-C50C-407E-A947-70E740481C1C}">
-                <a14:useLocalDpi xmlns:a14="http://schemas.microsoft.com/office/drawing/2010/main" val="0"/>
-              </a:ext>
-            </a:extLst>
-          </a:blip>
-          <a:srcRect/>
-          <a:stretch>
-            <a:fillRect/>
-          </a:stretch>
-        </p:blipFill>
-        <p:spPr bwMode="auto">
-          <a:xfrm>
-            <a:off x="10583103" y="1794806"/>
-            <a:ext cx="1223255" cy="1223255"/>
-          </a:xfrm>
-          <a:prstGeom prst="rect">
-            <a:avLst/>
-          </a:prstGeom>
-          <a:noFill/>
-          <a:extLst>
-            <a:ext uri="{909E8E84-426E-40DD-AFC4-6F175D3DCCD1}">
-              <a14:hiddenFill xmlns:a14="http://schemas.microsoft.com/office/drawing/2010/main">
-                <a:solidFill>
-                  <a:srgbClr val="FFFFFF"/>
-                </a:solidFill>
-              </a14:hiddenFill>
-            </a:ext>
-          </a:extLst>
-        </p:spPr>
-      </p:pic>
-      <p:pic>
-        <p:nvPicPr>
-          <p:cNvPr id="1030" name="Picture 6" descr="Visual Studio Code — Wikipédia">
-            <a:extLst>
-              <a:ext uri="{FF2B5EF4-FFF2-40B4-BE49-F238E27FC236}">
-                <a16:creationId xmlns:a16="http://schemas.microsoft.com/office/drawing/2014/main" id="{2483E4B5-2BFB-38BE-55F9-27EC65C97E73}"/>
-              </a:ext>
-            </a:extLst>
-          </p:cNvPr>
-          <p:cNvPicPr>
-            <a:picLocks noChangeAspect="1" noChangeArrowheads="1"/>
-          </p:cNvPicPr>
-          <p:nvPr/>
-        </p:nvPicPr>
-        <p:blipFill>
-          <a:blip r:embed="rId8">
-            <a:extLst>
-              <a:ext uri="{28A0092B-C50C-407E-A947-70E740481C1C}">
-                <a14:useLocalDpi xmlns:a14="http://schemas.microsoft.com/office/drawing/2010/main" val="0"/>
-              </a:ext>
-            </a:extLst>
-          </a:blip>
-          <a:srcRect/>
-          <a:stretch>
-            <a:fillRect/>
-          </a:stretch>
-        </p:blipFill>
-        <p:spPr bwMode="auto">
-          <a:xfrm>
-            <a:off x="10583103" y="3247783"/>
-            <a:ext cx="1223255" cy="1223255"/>
-          </a:xfrm>
-          <a:prstGeom prst="rect">
-            <a:avLst/>
-          </a:prstGeom>
-          <a:noFill/>
-          <a:extLst>
-            <a:ext uri="{909E8E84-426E-40DD-AFC4-6F175D3DCCD1}">
-              <a14:hiddenFill xmlns:a14="http://schemas.microsoft.com/office/drawing/2010/main">
-                <a:solidFill>
-                  <a:srgbClr val="FFFFFF"/>
-                </a:solidFill>
-              </a14:hiddenFill>
-            </a:ext>
-          </a:extLst>
-        </p:spPr>
-      </p:pic>
-      <p:sp>
-        <p:nvSpPr>
-          <p:cNvPr id="2" name="ZoneTexte 1">
-            <a:extLst>
-              <a:ext uri="{FF2B5EF4-FFF2-40B4-BE49-F238E27FC236}">
-                <a16:creationId xmlns:a16="http://schemas.microsoft.com/office/drawing/2014/main" id="{BC3CE2B3-0507-C936-F454-C651BEF889EA}"/>
-              </a:ext>
-            </a:extLst>
-          </p:cNvPr>
-          <p:cNvSpPr txBox="1"/>
-          <p:nvPr/>
-        </p:nvSpPr>
-        <p:spPr>
-          <a:xfrm>
-            <a:off x="633186" y="5029200"/>
-            <a:ext cx="10992313" cy="646331"/>
-          </a:xfrm>
-          <a:prstGeom prst="rect">
-            <a:avLst/>
-          </a:prstGeom>
-          <a:noFill/>
-        </p:spPr>
-        <p:txBody>
-          <a:bodyPr wrap="square" rtlCol="0">
-            <a:spAutoFit/>
-          </a:bodyPr>
-          <a:lstStyle/>
-          <a:p>
-            <a:pPr marL="285750" indent="-285750">
-              <a:buFontTx/>
-              <a:buChar char="-"/>
-            </a:pPr>
-            <a:r>
-              <a:rPr lang="fr-FR" dirty="0"/>
-              <a:t>Technologies utilisées :</a:t>
-            </a:r>
-          </a:p>
-          <a:p>
-            <a:endParaRPr lang="fr-FR" dirty="0"/>
-          </a:p>
-        </p:txBody>
-      </p:sp>
-      <p:pic>
-        <p:nvPicPr>
-          <p:cNvPr id="1032" name="Picture 8" descr="Avantages et inconvénients des technologies RFID active et passive | Altium">
-            <a:extLst>
-              <a:ext uri="{FF2B5EF4-FFF2-40B4-BE49-F238E27FC236}">
-                <a16:creationId xmlns:a16="http://schemas.microsoft.com/office/drawing/2014/main" id="{3FF5A621-E8C4-042F-C056-0024B3D33B21}"/>
-              </a:ext>
-            </a:extLst>
-          </p:cNvPr>
-          <p:cNvPicPr>
-            <a:picLocks noChangeAspect="1" noChangeArrowheads="1"/>
-          </p:cNvPicPr>
-          <p:nvPr/>
-        </p:nvPicPr>
-        <p:blipFill>
-          <a:blip r:embed="rId9">
-            <a:extLst>
-              <a:ext uri="{28A0092B-C50C-407E-A947-70E740481C1C}">
-                <a14:useLocalDpi xmlns:a14="http://schemas.microsoft.com/office/drawing/2010/main" val="0"/>
-              </a:ext>
-            </a:extLst>
-          </a:blip>
-          <a:srcRect/>
-          <a:stretch>
-            <a:fillRect/>
-          </a:stretch>
-        </p:blipFill>
-        <p:spPr bwMode="auto">
-          <a:xfrm>
-            <a:off x="3093130" y="4736668"/>
-            <a:ext cx="1971675" cy="1066644"/>
-          </a:xfrm>
-          <a:prstGeom prst="rect">
-            <a:avLst/>
-          </a:prstGeom>
-          <a:noFill/>
-          <a:extLst>
-            <a:ext uri="{909E8E84-426E-40DD-AFC4-6F175D3DCCD1}">
-              <a14:hiddenFill xmlns:a14="http://schemas.microsoft.com/office/drawing/2010/main">
-                <a:solidFill>
-                  <a:srgbClr val="FFFFFF"/>
-                </a:solidFill>
-              </a14:hiddenFill>
-            </a:ext>
-          </a:extLst>
-        </p:spPr>
-      </p:pic>
-    </p:spTree>
-    <p:extLst>
-      <p:ext uri="{BB962C8B-B14F-4D97-AF65-F5344CB8AC3E}">
-        <p14:creationId xmlns:p14="http://schemas.microsoft.com/office/powerpoint/2010/main" val="3740899374"/>
-      </p:ext>
-    </p:extLst>
-  </p:cSld>
-  <p:clrMapOvr>
-    <a:masterClrMapping/>
-  </p:clrMapOvr>
-</p:sld>
-</file>
-
 <file path=ppt/slides/slide14.xml><?xml version="1.0" encoding="utf-8"?>
 <p:sld xmlns:a="http://schemas.openxmlformats.org/drawingml/2006/main" xmlns:r="http://schemas.openxmlformats.org/officeDocument/2006/relationships" xmlns:p="http://schemas.openxmlformats.org/presentationml/2006/main">
   <p:cSld>
@@ -11759,6 +11335,853 @@
           <p:cNvPr id="2" name="Titre 1">
             <a:extLst>
               <a:ext uri="{FF2B5EF4-FFF2-40B4-BE49-F238E27FC236}">
+                <a16:creationId xmlns:a16="http://schemas.microsoft.com/office/drawing/2014/main" id="{DBD23F23-EF92-2EE6-EED2-24F174401B9D}"/>
+              </a:ext>
+            </a:extLst>
+          </p:cNvPr>
+          <p:cNvSpPr>
+            <a:spLocks noGrp="1"/>
+          </p:cNvSpPr>
+          <p:nvPr>
+            <p:ph type="title"/>
+          </p:nvPr>
+        </p:nvSpPr>
+        <p:spPr/>
+        <p:txBody>
+          <a:bodyPr anchor="t"/>
+          <a:lstStyle/>
+          <a:p>
+            <a:r>
+              <a:rPr lang="fr-FR" dirty="0"/>
+              <a:t>Gestion des accès au campus</a:t>
+            </a:r>
+            <a:br>
+              <a:rPr lang="fr-FR" dirty="0"/>
+            </a:br>
+            <a:r>
+              <a:rPr lang="fr-FR" sz="2000" dirty="0"/>
+              <a:t>Les faiblesses</a:t>
+            </a:r>
+            <a:endParaRPr lang="fr-FR" dirty="0"/>
+          </a:p>
+        </p:txBody>
+      </p:sp>
+      <p:sp>
+        <p:nvSpPr>
+          <p:cNvPr id="3" name="Espace réservé du texte 2">
+            <a:extLst>
+              <a:ext uri="{FF2B5EF4-FFF2-40B4-BE49-F238E27FC236}">
+                <a16:creationId xmlns:a16="http://schemas.microsoft.com/office/drawing/2014/main" id="{070D4B8C-89A7-65B0-892A-D27A85A3C9A2}"/>
+              </a:ext>
+            </a:extLst>
+          </p:cNvPr>
+          <p:cNvSpPr>
+            <a:spLocks noGrp="1"/>
+          </p:cNvSpPr>
+          <p:nvPr>
+            <p:ph type="body" sz="half" idx="2"/>
+          </p:nvPr>
+        </p:nvSpPr>
+        <p:spPr/>
+        <p:txBody>
+          <a:bodyPr/>
+          <a:lstStyle/>
+          <a:p>
+            <a:pPr marL="285750" indent="-285750">
+              <a:buFont typeface="Arial" panose="020B0604020202020204" pitchFamily="34" charset="0"/>
+              <a:buChar char="•"/>
+            </a:pPr>
+            <a:r>
+              <a:rPr lang="fr-FR" sz="2000" dirty="0"/>
+              <a:t>Le comptage peut être erroné en cas </a:t>
+            </a:r>
+          </a:p>
+          <a:p>
+            <a:pPr marL="742950" lvl="1" indent="-285750">
+              <a:buFont typeface="Arial" panose="020B0604020202020204" pitchFamily="34" charset="0"/>
+              <a:buChar char="•"/>
+            </a:pPr>
+            <a:r>
+              <a:rPr lang="fr-FR" sz="1800" dirty="0"/>
+              <a:t>De stationnement autour du lecteur</a:t>
+            </a:r>
+          </a:p>
+          <a:p>
+            <a:pPr marL="742950" lvl="1" indent="-285750">
+              <a:buFont typeface="Arial" panose="020B0604020202020204" pitchFamily="34" charset="0"/>
+              <a:buChar char="•"/>
+            </a:pPr>
+            <a:r>
+              <a:rPr lang="fr-FR" sz="1800" dirty="0"/>
+              <a:t>De possession de plusieurs ou aucun appareil ayant le BLE activé </a:t>
+            </a:r>
+          </a:p>
+          <a:p>
+            <a:pPr marL="742950" lvl="1" indent="-285750">
+              <a:buFont typeface="Arial" panose="020B0604020202020204" pitchFamily="34" charset="0"/>
+              <a:buChar char="•"/>
+            </a:pPr>
+            <a:r>
+              <a:rPr lang="fr-FR" sz="1800" dirty="0"/>
+              <a:t>De passage trop rapide </a:t>
+            </a:r>
+          </a:p>
+          <a:p>
+            <a:pPr lvl="1"/>
+            <a:endParaRPr lang="fr-FR" sz="1800" dirty="0"/>
+          </a:p>
+          <a:p>
+            <a:pPr lvl="1"/>
+            <a:endParaRPr lang="fr-FR" sz="1800" dirty="0"/>
+          </a:p>
+          <a:p>
+            <a:pPr marL="742950" lvl="1" indent="-285750">
+              <a:buFont typeface="Arial" panose="020B0604020202020204" pitchFamily="34" charset="0"/>
+              <a:buChar char="•"/>
+            </a:pPr>
+            <a:endParaRPr lang="fr-FR" dirty="0"/>
+          </a:p>
+          <a:p>
+            <a:pPr marL="285750" indent="-285750">
+              <a:buFont typeface="Arial" panose="020B0604020202020204" pitchFamily="34" charset="0"/>
+              <a:buChar char="•"/>
+            </a:pPr>
+            <a:endParaRPr lang="fr-FR" dirty="0"/>
+          </a:p>
+        </p:txBody>
+      </p:sp>
+      <p:sp>
+        <p:nvSpPr>
+          <p:cNvPr id="5" name="Espace réservé du texte 2">
+            <a:extLst>
+              <a:ext uri="{FF2B5EF4-FFF2-40B4-BE49-F238E27FC236}">
+                <a16:creationId xmlns:a16="http://schemas.microsoft.com/office/drawing/2014/main" id="{6179D6B3-CEDC-2E73-35FD-19CBE81377C6}"/>
+              </a:ext>
+            </a:extLst>
+          </p:cNvPr>
+          <p:cNvSpPr txBox="1">
+            <a:spLocks/>
+          </p:cNvSpPr>
+          <p:nvPr/>
+        </p:nvSpPr>
+        <p:spPr>
+          <a:xfrm>
+            <a:off x="6745288" y="2057400"/>
+            <a:ext cx="3932237" cy="3811588"/>
+          </a:xfrm>
+          <a:prstGeom prst="rect">
+            <a:avLst/>
+          </a:prstGeom>
+        </p:spPr>
+        <p:txBody>
+          <a:bodyPr vert="horz" lIns="91440" tIns="45720" rIns="91440" bIns="45720" rtlCol="0">
+            <a:normAutofit/>
+          </a:bodyPr>
+          <a:lstStyle>
+            <a:lvl1pPr marL="0" indent="0" algn="l" defTabSz="914400" rtl="0" eaLnBrk="1" latinLnBrk="0" hangingPunct="1">
+              <a:lnSpc>
+                <a:spcPct val="90000"/>
+              </a:lnSpc>
+              <a:spcBef>
+                <a:spcPts val="1000"/>
+              </a:spcBef>
+              <a:buFont typeface="Arial" panose="020B0604020202020204" pitchFamily="34" charset="0"/>
+              <a:buNone/>
+              <a:defRPr sz="1600" kern="1200">
+                <a:solidFill>
+                  <a:schemeClr val="tx1"/>
+                </a:solidFill>
+                <a:latin typeface="+mn-lt"/>
+                <a:ea typeface="+mn-ea"/>
+                <a:cs typeface="+mn-cs"/>
+              </a:defRPr>
+            </a:lvl1pPr>
+            <a:lvl2pPr marL="457200" indent="0" algn="l" defTabSz="914400" rtl="0" eaLnBrk="1" latinLnBrk="0" hangingPunct="1">
+              <a:lnSpc>
+                <a:spcPct val="90000"/>
+              </a:lnSpc>
+              <a:spcBef>
+                <a:spcPts val="500"/>
+              </a:spcBef>
+              <a:buFont typeface="Arial" panose="020B0604020202020204" pitchFamily="34" charset="0"/>
+              <a:buNone/>
+              <a:defRPr sz="1400" kern="1200">
+                <a:solidFill>
+                  <a:schemeClr val="tx1"/>
+                </a:solidFill>
+                <a:latin typeface="+mn-lt"/>
+                <a:ea typeface="+mn-ea"/>
+                <a:cs typeface="+mn-cs"/>
+              </a:defRPr>
+            </a:lvl2pPr>
+            <a:lvl3pPr marL="914400" indent="0" algn="l" defTabSz="914400" rtl="0" eaLnBrk="1" latinLnBrk="0" hangingPunct="1">
+              <a:lnSpc>
+                <a:spcPct val="90000"/>
+              </a:lnSpc>
+              <a:spcBef>
+                <a:spcPts val="500"/>
+              </a:spcBef>
+              <a:buFont typeface="Arial" panose="020B0604020202020204" pitchFamily="34" charset="0"/>
+              <a:buNone/>
+              <a:defRPr sz="1200" kern="1200">
+                <a:solidFill>
+                  <a:schemeClr val="tx1"/>
+                </a:solidFill>
+                <a:latin typeface="+mn-lt"/>
+                <a:ea typeface="+mn-ea"/>
+                <a:cs typeface="+mn-cs"/>
+              </a:defRPr>
+            </a:lvl3pPr>
+            <a:lvl4pPr marL="1371600" indent="0" algn="l" defTabSz="914400" rtl="0" eaLnBrk="1" latinLnBrk="0" hangingPunct="1">
+              <a:lnSpc>
+                <a:spcPct val="90000"/>
+              </a:lnSpc>
+              <a:spcBef>
+                <a:spcPts val="500"/>
+              </a:spcBef>
+              <a:buFont typeface="Arial" panose="020B0604020202020204" pitchFamily="34" charset="0"/>
+              <a:buNone/>
+              <a:defRPr sz="1000" kern="1200">
+                <a:solidFill>
+                  <a:schemeClr val="tx1"/>
+                </a:solidFill>
+                <a:latin typeface="+mn-lt"/>
+                <a:ea typeface="+mn-ea"/>
+                <a:cs typeface="+mn-cs"/>
+              </a:defRPr>
+            </a:lvl4pPr>
+            <a:lvl5pPr marL="1828800" indent="0" algn="l" defTabSz="914400" rtl="0" eaLnBrk="1" latinLnBrk="0" hangingPunct="1">
+              <a:lnSpc>
+                <a:spcPct val="90000"/>
+              </a:lnSpc>
+              <a:spcBef>
+                <a:spcPts val="500"/>
+              </a:spcBef>
+              <a:buFont typeface="Arial" panose="020B0604020202020204" pitchFamily="34" charset="0"/>
+              <a:buNone/>
+              <a:defRPr sz="1000" kern="1200">
+                <a:solidFill>
+                  <a:schemeClr val="tx1"/>
+                </a:solidFill>
+                <a:latin typeface="+mn-lt"/>
+                <a:ea typeface="+mn-ea"/>
+                <a:cs typeface="+mn-cs"/>
+              </a:defRPr>
+            </a:lvl5pPr>
+            <a:lvl6pPr marL="2286000" indent="0" algn="l" defTabSz="914400" rtl="0" eaLnBrk="1" latinLnBrk="0" hangingPunct="1">
+              <a:lnSpc>
+                <a:spcPct val="90000"/>
+              </a:lnSpc>
+              <a:spcBef>
+                <a:spcPts val="500"/>
+              </a:spcBef>
+              <a:buFont typeface="Arial" panose="020B0604020202020204" pitchFamily="34" charset="0"/>
+              <a:buNone/>
+              <a:defRPr sz="1000" kern="1200">
+                <a:solidFill>
+                  <a:schemeClr val="tx1"/>
+                </a:solidFill>
+                <a:latin typeface="+mn-lt"/>
+                <a:ea typeface="+mn-ea"/>
+                <a:cs typeface="+mn-cs"/>
+              </a:defRPr>
+            </a:lvl6pPr>
+            <a:lvl7pPr marL="2743200" indent="0" algn="l" defTabSz="914400" rtl="0" eaLnBrk="1" latinLnBrk="0" hangingPunct="1">
+              <a:lnSpc>
+                <a:spcPct val="90000"/>
+              </a:lnSpc>
+              <a:spcBef>
+                <a:spcPts val="500"/>
+              </a:spcBef>
+              <a:buFont typeface="Arial" panose="020B0604020202020204" pitchFamily="34" charset="0"/>
+              <a:buNone/>
+              <a:defRPr sz="1000" kern="1200">
+                <a:solidFill>
+                  <a:schemeClr val="tx1"/>
+                </a:solidFill>
+                <a:latin typeface="+mn-lt"/>
+                <a:ea typeface="+mn-ea"/>
+                <a:cs typeface="+mn-cs"/>
+              </a:defRPr>
+            </a:lvl7pPr>
+            <a:lvl8pPr marL="3200400" indent="0" algn="l" defTabSz="914400" rtl="0" eaLnBrk="1" latinLnBrk="0" hangingPunct="1">
+              <a:lnSpc>
+                <a:spcPct val="90000"/>
+              </a:lnSpc>
+              <a:spcBef>
+                <a:spcPts val="500"/>
+              </a:spcBef>
+              <a:buFont typeface="Arial" panose="020B0604020202020204" pitchFamily="34" charset="0"/>
+              <a:buNone/>
+              <a:defRPr sz="1000" kern="1200">
+                <a:solidFill>
+                  <a:schemeClr val="tx1"/>
+                </a:solidFill>
+                <a:latin typeface="+mn-lt"/>
+                <a:ea typeface="+mn-ea"/>
+                <a:cs typeface="+mn-cs"/>
+              </a:defRPr>
+            </a:lvl8pPr>
+            <a:lvl9pPr marL="3657600" indent="0" algn="l" defTabSz="914400" rtl="0" eaLnBrk="1" latinLnBrk="0" hangingPunct="1">
+              <a:lnSpc>
+                <a:spcPct val="90000"/>
+              </a:lnSpc>
+              <a:spcBef>
+                <a:spcPts val="500"/>
+              </a:spcBef>
+              <a:buFont typeface="Arial" panose="020B0604020202020204" pitchFamily="34" charset="0"/>
+              <a:buNone/>
+              <a:defRPr sz="1000" kern="1200">
+                <a:solidFill>
+                  <a:schemeClr val="tx1"/>
+                </a:solidFill>
+                <a:latin typeface="+mn-lt"/>
+                <a:ea typeface="+mn-ea"/>
+                <a:cs typeface="+mn-cs"/>
+              </a:defRPr>
+            </a:lvl9pPr>
+          </a:lstStyle>
+          <a:p>
+            <a:endParaRPr lang="fr-FR" dirty="0"/>
+          </a:p>
+        </p:txBody>
+      </p:sp>
+    </p:spTree>
+    <p:extLst>
+      <p:ext uri="{BB962C8B-B14F-4D97-AF65-F5344CB8AC3E}">
+        <p14:creationId xmlns:p14="http://schemas.microsoft.com/office/powerpoint/2010/main" val="3303001111"/>
+      </p:ext>
+    </p:extLst>
+  </p:cSld>
+  <p:clrMapOvr>
+    <a:masterClrMapping/>
+  </p:clrMapOvr>
+</p:sld>
+</file>
+
+<file path=ppt/slides/slide15.xml><?xml version="1.0" encoding="utf-8"?>
+<p:sld xmlns:a="http://schemas.openxmlformats.org/drawingml/2006/main" xmlns:r="http://schemas.openxmlformats.org/officeDocument/2006/relationships" xmlns:p="http://schemas.openxmlformats.org/presentationml/2006/main">
+  <p:cSld>
+    <p:spTree>
+      <p:nvGrpSpPr>
+        <p:cNvPr id="1" name=""/>
+        <p:cNvGrpSpPr/>
+        <p:nvPr/>
+      </p:nvGrpSpPr>
+      <p:grpSpPr>
+        <a:xfrm>
+          <a:off x="0" y="0"/>
+          <a:ext cx="0" cy="0"/>
+          <a:chOff x="0" y="0"/>
+          <a:chExt cx="0" cy="0"/>
+        </a:xfrm>
+      </p:grpSpPr>
+      <p:sp>
+        <p:nvSpPr>
+          <p:cNvPr id="5" name="Titre 4">
+            <a:extLst>
+              <a:ext uri="{FF2B5EF4-FFF2-40B4-BE49-F238E27FC236}">
+                <a16:creationId xmlns:a16="http://schemas.microsoft.com/office/drawing/2014/main" id="{7BC74D96-20AD-411A-6EC2-B30B1CA4C432}"/>
+              </a:ext>
+            </a:extLst>
+          </p:cNvPr>
+          <p:cNvSpPr>
+            <a:spLocks noGrp="1"/>
+          </p:cNvSpPr>
+          <p:nvPr>
+            <p:ph type="title"/>
+          </p:nvPr>
+        </p:nvSpPr>
+        <p:spPr/>
+        <p:txBody>
+          <a:bodyPr/>
+          <a:lstStyle/>
+          <a:p>
+            <a:r>
+              <a:rPr lang="fr-FR" dirty="0"/>
+              <a:t>Gestion des accès </a:t>
+            </a:r>
+            <a:r>
+              <a:rPr lang="fr-FR"/>
+              <a:t>au bâtiment</a:t>
+            </a:r>
+            <a:br>
+              <a:rPr lang="fr-FR" dirty="0"/>
+            </a:br>
+            <a:endParaRPr lang="fr-FR" dirty="0"/>
+          </a:p>
+        </p:txBody>
+      </p:sp>
+      <p:sp>
+        <p:nvSpPr>
+          <p:cNvPr id="8" name="Espace réservé du numéro de diapositive 7">
+            <a:extLst>
+              <a:ext uri="{FF2B5EF4-FFF2-40B4-BE49-F238E27FC236}">
+                <a16:creationId xmlns:a16="http://schemas.microsoft.com/office/drawing/2014/main" id="{292B76D6-CD86-E9EB-1368-EC8B1C74C821}"/>
+              </a:ext>
+            </a:extLst>
+          </p:cNvPr>
+          <p:cNvSpPr>
+            <a:spLocks noGrp="1"/>
+          </p:cNvSpPr>
+          <p:nvPr>
+            <p:ph type="sldNum" sz="quarter" idx="4"/>
+          </p:nvPr>
+        </p:nvSpPr>
+        <p:spPr/>
+        <p:txBody>
+          <a:bodyPr/>
+          <a:lstStyle/>
+          <a:p>
+            <a:pPr algn="ctr" rtl="0"/>
+            <a:fld id="{817179DE-9BF3-494C-804F-0C7C90AC8700}" type="slidenum">
+              <a:rPr lang="fr-FR" noProof="0" smtClean="0"/>
+              <a:pPr algn="ctr" rtl="0"/>
+              <a:t>15</a:t>
+            </a:fld>
+            <a:endParaRPr lang="fr-FR" noProof="0"/>
+          </a:p>
+        </p:txBody>
+      </p:sp>
+      <p:sp>
+        <p:nvSpPr>
+          <p:cNvPr id="9" name="ZoneTexte 8">
+            <a:extLst>
+              <a:ext uri="{FF2B5EF4-FFF2-40B4-BE49-F238E27FC236}">
+                <a16:creationId xmlns:a16="http://schemas.microsoft.com/office/drawing/2014/main" id="{1B95B750-151B-7F88-6A2D-8E96DD9071A3}"/>
+              </a:ext>
+            </a:extLst>
+          </p:cNvPr>
+          <p:cNvSpPr txBox="1"/>
+          <p:nvPr/>
+        </p:nvSpPr>
+        <p:spPr>
+          <a:xfrm>
+            <a:off x="566501" y="1588010"/>
+            <a:ext cx="11058998" cy="1200329"/>
+          </a:xfrm>
+          <a:prstGeom prst="rect">
+            <a:avLst/>
+          </a:prstGeom>
+          <a:noFill/>
+        </p:spPr>
+        <p:txBody>
+          <a:bodyPr wrap="square" rtlCol="0">
+            <a:spAutoFit/>
+          </a:bodyPr>
+          <a:lstStyle/>
+          <a:p>
+            <a:pPr marL="285750" indent="-285750">
+              <a:buFontTx/>
+              <a:buChar char="-"/>
+            </a:pPr>
+            <a:r>
+              <a:rPr lang="fr-FR" dirty="0"/>
+              <a:t>Objectif</a:t>
+            </a:r>
+          </a:p>
+          <a:p>
+            <a:pPr marL="285750" indent="-285750">
+              <a:buFontTx/>
+              <a:buChar char="-"/>
+            </a:pPr>
+            <a:r>
+              <a:rPr lang="fr-FR" dirty="0"/>
+              <a:t>Environnement de développement :</a:t>
+            </a:r>
+          </a:p>
+          <a:p>
+            <a:r>
+              <a:rPr lang="fr-FR" dirty="0"/>
+              <a:t> </a:t>
+            </a:r>
+          </a:p>
+          <a:p>
+            <a:endParaRPr lang="fr-FR" dirty="0"/>
+          </a:p>
+        </p:txBody>
+      </p:sp>
+      <p:pic>
+        <p:nvPicPr>
+          <p:cNvPr id="10" name="Image 18">
+            <a:extLst>
+              <a:ext uri="{FF2B5EF4-FFF2-40B4-BE49-F238E27FC236}">
+                <a16:creationId xmlns:a16="http://schemas.microsoft.com/office/drawing/2014/main" id="{F1D40CE8-3EB9-890A-D4D9-30A9FCB6176C}"/>
+              </a:ext>
+            </a:extLst>
+          </p:cNvPr>
+          <p:cNvPicPr/>
+          <p:nvPr/>
+        </p:nvPicPr>
+        <p:blipFill>
+          <a:blip r:embed="rId2"/>
+          <a:stretch/>
+        </p:blipFill>
+        <p:spPr>
+          <a:xfrm>
+            <a:off x="566501" y="2607121"/>
+            <a:ext cx="824149" cy="821880"/>
+          </a:xfrm>
+          <a:prstGeom prst="rect">
+            <a:avLst/>
+          </a:prstGeom>
+          <a:ln w="0">
+            <a:noFill/>
+          </a:ln>
+        </p:spPr>
+      </p:pic>
+      <p:pic>
+        <p:nvPicPr>
+          <p:cNvPr id="11" name="Image 20">
+            <a:extLst>
+              <a:ext uri="{FF2B5EF4-FFF2-40B4-BE49-F238E27FC236}">
+                <a16:creationId xmlns:a16="http://schemas.microsoft.com/office/drawing/2014/main" id="{C4C88EF2-EA0C-65F9-4DF1-F41F23F33BB4}"/>
+              </a:ext>
+            </a:extLst>
+          </p:cNvPr>
+          <p:cNvPicPr/>
+          <p:nvPr/>
+        </p:nvPicPr>
+        <p:blipFill>
+          <a:blip r:embed="rId3"/>
+          <a:stretch/>
+        </p:blipFill>
+        <p:spPr>
+          <a:xfrm>
+            <a:off x="1608897" y="2590092"/>
+            <a:ext cx="1766880" cy="928440"/>
+          </a:xfrm>
+          <a:prstGeom prst="rect">
+            <a:avLst/>
+          </a:prstGeom>
+          <a:ln w="0">
+            <a:noFill/>
+          </a:ln>
+        </p:spPr>
+      </p:pic>
+      <p:pic>
+        <p:nvPicPr>
+          <p:cNvPr id="12" name="Image 26">
+            <a:extLst>
+              <a:ext uri="{FF2B5EF4-FFF2-40B4-BE49-F238E27FC236}">
+                <a16:creationId xmlns:a16="http://schemas.microsoft.com/office/drawing/2014/main" id="{A1FAC33E-E0AE-0DBC-FDB2-EBA3A10B717A}"/>
+              </a:ext>
+            </a:extLst>
+          </p:cNvPr>
+          <p:cNvPicPr/>
+          <p:nvPr/>
+        </p:nvPicPr>
+        <p:blipFill>
+          <a:blip r:embed="rId4"/>
+          <a:stretch/>
+        </p:blipFill>
+        <p:spPr>
+          <a:xfrm>
+            <a:off x="3601243" y="2590092"/>
+            <a:ext cx="1766880" cy="928440"/>
+          </a:xfrm>
+          <a:prstGeom prst="rect">
+            <a:avLst/>
+          </a:prstGeom>
+          <a:ln w="0">
+            <a:noFill/>
+          </a:ln>
+        </p:spPr>
+      </p:pic>
+      <p:pic>
+        <p:nvPicPr>
+          <p:cNvPr id="13" name="Image 22">
+            <a:extLst>
+              <a:ext uri="{FF2B5EF4-FFF2-40B4-BE49-F238E27FC236}">
+                <a16:creationId xmlns:a16="http://schemas.microsoft.com/office/drawing/2014/main" id="{C37B0FE5-96B9-A9EE-3CDB-584D5CCF8BD9}"/>
+              </a:ext>
+            </a:extLst>
+          </p:cNvPr>
+          <p:cNvPicPr/>
+          <p:nvPr/>
+        </p:nvPicPr>
+        <p:blipFill>
+          <a:blip r:embed="rId5"/>
+          <a:stretch/>
+        </p:blipFill>
+        <p:spPr>
+          <a:xfrm>
+            <a:off x="5540418" y="2607121"/>
+            <a:ext cx="1758960" cy="928441"/>
+          </a:xfrm>
+          <a:prstGeom prst="rect">
+            <a:avLst/>
+          </a:prstGeom>
+          <a:ln w="0">
+            <a:noFill/>
+          </a:ln>
+        </p:spPr>
+      </p:pic>
+      <p:pic>
+        <p:nvPicPr>
+          <p:cNvPr id="1026" name="Picture 2" descr="Arduino — Wikipédia">
+            <a:extLst>
+              <a:ext uri="{FF2B5EF4-FFF2-40B4-BE49-F238E27FC236}">
+                <a16:creationId xmlns:a16="http://schemas.microsoft.com/office/drawing/2014/main" id="{7BD36406-06EF-A3AB-3492-02F8636CBD6B}"/>
+              </a:ext>
+            </a:extLst>
+          </p:cNvPr>
+          <p:cNvPicPr>
+            <a:picLocks noChangeAspect="1" noChangeArrowheads="1"/>
+          </p:cNvPicPr>
+          <p:nvPr/>
+        </p:nvPicPr>
+        <p:blipFill>
+          <a:blip r:embed="rId6">
+            <a:extLst>
+              <a:ext uri="{28A0092B-C50C-407E-A947-70E740481C1C}">
+                <a14:useLocalDpi xmlns:a14="http://schemas.microsoft.com/office/drawing/2010/main" val="0"/>
+              </a:ext>
+            </a:extLst>
+          </a:blip>
+          <a:srcRect/>
+          <a:stretch>
+            <a:fillRect/>
+          </a:stretch>
+        </p:blipFill>
+        <p:spPr bwMode="auto">
+          <a:xfrm>
+            <a:off x="7882645" y="2607121"/>
+            <a:ext cx="1223255" cy="831993"/>
+          </a:xfrm>
+          <a:prstGeom prst="rect">
+            <a:avLst/>
+          </a:prstGeom>
+          <a:noFill/>
+          <a:extLst>
+            <a:ext uri="{909E8E84-426E-40DD-AFC4-6F175D3DCCD1}">
+              <a14:hiddenFill xmlns:a14="http://schemas.microsoft.com/office/drawing/2010/main">
+                <a:solidFill>
+                  <a:srgbClr val="FFFFFF"/>
+                </a:solidFill>
+              </a14:hiddenFill>
+            </a:ext>
+          </a:extLst>
+        </p:spPr>
+      </p:pic>
+      <p:pic>
+        <p:nvPicPr>
+          <p:cNvPr id="1028" name="Picture 4" descr="Microsoft Visual Studio — Wikipédia">
+            <a:extLst>
+              <a:ext uri="{FF2B5EF4-FFF2-40B4-BE49-F238E27FC236}">
+                <a16:creationId xmlns:a16="http://schemas.microsoft.com/office/drawing/2014/main" id="{0724C26F-DC0D-E9AB-DC16-7E8764DB1334}"/>
+              </a:ext>
+            </a:extLst>
+          </p:cNvPr>
+          <p:cNvPicPr>
+            <a:picLocks noChangeAspect="1" noChangeArrowheads="1"/>
+          </p:cNvPicPr>
+          <p:nvPr/>
+        </p:nvPicPr>
+        <p:blipFill>
+          <a:blip r:embed="rId7">
+            <a:extLst>
+              <a:ext uri="{28A0092B-C50C-407E-A947-70E740481C1C}">
+                <a14:useLocalDpi xmlns:a14="http://schemas.microsoft.com/office/drawing/2010/main" val="0"/>
+              </a:ext>
+            </a:extLst>
+          </a:blip>
+          <a:srcRect/>
+          <a:stretch>
+            <a:fillRect/>
+          </a:stretch>
+        </p:blipFill>
+        <p:spPr bwMode="auto">
+          <a:xfrm>
+            <a:off x="10583103" y="1794806"/>
+            <a:ext cx="1223255" cy="1223255"/>
+          </a:xfrm>
+          <a:prstGeom prst="rect">
+            <a:avLst/>
+          </a:prstGeom>
+          <a:noFill/>
+          <a:extLst>
+            <a:ext uri="{909E8E84-426E-40DD-AFC4-6F175D3DCCD1}">
+              <a14:hiddenFill xmlns:a14="http://schemas.microsoft.com/office/drawing/2010/main">
+                <a:solidFill>
+                  <a:srgbClr val="FFFFFF"/>
+                </a:solidFill>
+              </a14:hiddenFill>
+            </a:ext>
+          </a:extLst>
+        </p:spPr>
+      </p:pic>
+      <p:pic>
+        <p:nvPicPr>
+          <p:cNvPr id="1030" name="Picture 6" descr="Visual Studio Code — Wikipédia">
+            <a:extLst>
+              <a:ext uri="{FF2B5EF4-FFF2-40B4-BE49-F238E27FC236}">
+                <a16:creationId xmlns:a16="http://schemas.microsoft.com/office/drawing/2014/main" id="{2483E4B5-2BFB-38BE-55F9-27EC65C97E73}"/>
+              </a:ext>
+            </a:extLst>
+          </p:cNvPr>
+          <p:cNvPicPr>
+            <a:picLocks noChangeAspect="1" noChangeArrowheads="1"/>
+          </p:cNvPicPr>
+          <p:nvPr/>
+        </p:nvPicPr>
+        <p:blipFill>
+          <a:blip r:embed="rId8">
+            <a:extLst>
+              <a:ext uri="{28A0092B-C50C-407E-A947-70E740481C1C}">
+                <a14:useLocalDpi xmlns:a14="http://schemas.microsoft.com/office/drawing/2010/main" val="0"/>
+              </a:ext>
+            </a:extLst>
+          </a:blip>
+          <a:srcRect/>
+          <a:stretch>
+            <a:fillRect/>
+          </a:stretch>
+        </p:blipFill>
+        <p:spPr bwMode="auto">
+          <a:xfrm>
+            <a:off x="10583103" y="3247783"/>
+            <a:ext cx="1223255" cy="1223255"/>
+          </a:xfrm>
+          <a:prstGeom prst="rect">
+            <a:avLst/>
+          </a:prstGeom>
+          <a:noFill/>
+          <a:extLst>
+            <a:ext uri="{909E8E84-426E-40DD-AFC4-6F175D3DCCD1}">
+              <a14:hiddenFill xmlns:a14="http://schemas.microsoft.com/office/drawing/2010/main">
+                <a:solidFill>
+                  <a:srgbClr val="FFFFFF"/>
+                </a:solidFill>
+              </a14:hiddenFill>
+            </a:ext>
+          </a:extLst>
+        </p:spPr>
+      </p:pic>
+      <p:sp>
+        <p:nvSpPr>
+          <p:cNvPr id="2" name="ZoneTexte 1">
+            <a:extLst>
+              <a:ext uri="{FF2B5EF4-FFF2-40B4-BE49-F238E27FC236}">
+                <a16:creationId xmlns:a16="http://schemas.microsoft.com/office/drawing/2014/main" id="{BC3CE2B3-0507-C936-F454-C651BEF889EA}"/>
+              </a:ext>
+            </a:extLst>
+          </p:cNvPr>
+          <p:cNvSpPr txBox="1"/>
+          <p:nvPr/>
+        </p:nvSpPr>
+        <p:spPr>
+          <a:xfrm>
+            <a:off x="633186" y="5029200"/>
+            <a:ext cx="10992313" cy="646331"/>
+          </a:xfrm>
+          <a:prstGeom prst="rect">
+            <a:avLst/>
+          </a:prstGeom>
+          <a:noFill/>
+        </p:spPr>
+        <p:txBody>
+          <a:bodyPr wrap="square" rtlCol="0">
+            <a:spAutoFit/>
+          </a:bodyPr>
+          <a:lstStyle/>
+          <a:p>
+            <a:pPr marL="285750" indent="-285750">
+              <a:buFontTx/>
+              <a:buChar char="-"/>
+            </a:pPr>
+            <a:r>
+              <a:rPr lang="fr-FR" dirty="0"/>
+              <a:t>Technologies utilisées :</a:t>
+            </a:r>
+          </a:p>
+          <a:p>
+            <a:endParaRPr lang="fr-FR" dirty="0"/>
+          </a:p>
+        </p:txBody>
+      </p:sp>
+      <p:pic>
+        <p:nvPicPr>
+          <p:cNvPr id="1032" name="Picture 8" descr="Avantages et inconvénients des technologies RFID active et passive | Altium">
+            <a:extLst>
+              <a:ext uri="{FF2B5EF4-FFF2-40B4-BE49-F238E27FC236}">
+                <a16:creationId xmlns:a16="http://schemas.microsoft.com/office/drawing/2014/main" id="{3FF5A621-E8C4-042F-C056-0024B3D33B21}"/>
+              </a:ext>
+            </a:extLst>
+          </p:cNvPr>
+          <p:cNvPicPr>
+            <a:picLocks noChangeAspect="1" noChangeArrowheads="1"/>
+          </p:cNvPicPr>
+          <p:nvPr/>
+        </p:nvPicPr>
+        <p:blipFill>
+          <a:blip r:embed="rId9">
+            <a:extLst>
+              <a:ext uri="{28A0092B-C50C-407E-A947-70E740481C1C}">
+                <a14:useLocalDpi xmlns:a14="http://schemas.microsoft.com/office/drawing/2010/main" val="0"/>
+              </a:ext>
+            </a:extLst>
+          </a:blip>
+          <a:srcRect/>
+          <a:stretch>
+            <a:fillRect/>
+          </a:stretch>
+        </p:blipFill>
+        <p:spPr bwMode="auto">
+          <a:xfrm>
+            <a:off x="3093130" y="4736668"/>
+            <a:ext cx="1971675" cy="1066644"/>
+          </a:xfrm>
+          <a:prstGeom prst="rect">
+            <a:avLst/>
+          </a:prstGeom>
+          <a:noFill/>
+          <a:extLst>
+            <a:ext uri="{909E8E84-426E-40DD-AFC4-6F175D3DCCD1}">
+              <a14:hiddenFill xmlns:a14="http://schemas.microsoft.com/office/drawing/2010/main">
+                <a:solidFill>
+                  <a:srgbClr val="FFFFFF"/>
+                </a:solidFill>
+              </a14:hiddenFill>
+            </a:ext>
+          </a:extLst>
+        </p:spPr>
+      </p:pic>
+    </p:spTree>
+    <p:extLst>
+      <p:ext uri="{BB962C8B-B14F-4D97-AF65-F5344CB8AC3E}">
+        <p14:creationId xmlns:p14="http://schemas.microsoft.com/office/powerpoint/2010/main" val="3740899374"/>
+      </p:ext>
+    </p:extLst>
+  </p:cSld>
+  <p:clrMapOvr>
+    <a:masterClrMapping/>
+  </p:clrMapOvr>
+</p:sld>
+</file>
+
+<file path=ppt/slides/slide16.xml><?xml version="1.0" encoding="utf-8"?>
+<p:sld xmlns:a="http://schemas.openxmlformats.org/drawingml/2006/main" xmlns:r="http://schemas.openxmlformats.org/officeDocument/2006/relationships" xmlns:p="http://schemas.openxmlformats.org/presentationml/2006/main">
+  <p:cSld>
+    <p:spTree>
+      <p:nvGrpSpPr>
+        <p:cNvPr id="1" name=""/>
+        <p:cNvGrpSpPr/>
+        <p:nvPr/>
+      </p:nvGrpSpPr>
+      <p:grpSpPr>
+        <a:xfrm>
+          <a:off x="0" y="0"/>
+          <a:ext cx="0" cy="0"/>
+          <a:chOff x="0" y="0"/>
+          <a:chExt cx="0" cy="0"/>
+        </a:xfrm>
+      </p:grpSpPr>
+      <p:sp>
+        <p:nvSpPr>
+          <p:cNvPr id="2" name="Titre 1">
+            <a:extLst>
+              <a:ext uri="{FF2B5EF4-FFF2-40B4-BE49-F238E27FC236}">
                 <a16:creationId xmlns:a16="http://schemas.microsoft.com/office/drawing/2014/main" id="{1FE865AE-991B-8E6C-4958-77BCF27CB95F}"/>
               </a:ext>
             </a:extLst>
@@ -11928,8 +12351,8 @@
           </a:prstGeom>
         </p:spPr>
       </p:pic>
-      <mc:AlternateContent xmlns:mc="http://schemas.openxmlformats.org/markup-compatibility/2006">
-        <mc:Choice xmlns:p14="http://schemas.microsoft.com/office/powerpoint/2010/main" Requires="p14">
+      <mc:AlternateContent xmlns:mc="http://schemas.openxmlformats.org/markup-compatibility/2006" xmlns:p14="http://schemas.microsoft.com/office/powerpoint/2010/main">
+        <mc:Choice Requires="p14">
           <p:contentPart p14:bwMode="auto" r:id="rId5">
             <p14:nvContentPartPr>
               <p14:cNvPr id="14" name="Encre 13">
@@ -11948,7 +12371,7 @@
             </p14:xfrm>
           </p:contentPart>
         </mc:Choice>
-        <mc:Fallback>
+        <mc:Fallback xmlns="">
           <p:pic>
             <p:nvPicPr>
               <p:cNvPr id="14" name="Encre 13">
@@ -11992,7 +12415,7 @@
 </p:sld>
 </file>
 
-<file path=ppt/slides/slide15.xml><?xml version="1.0" encoding="utf-8"?>
+<file path=ppt/slides/slide17.xml><?xml version="1.0" encoding="utf-8"?>
 <p:sld xmlns:a="http://schemas.openxmlformats.org/drawingml/2006/main" xmlns:r="http://schemas.openxmlformats.org/officeDocument/2006/relationships" xmlns:p="http://schemas.openxmlformats.org/presentationml/2006/main">
   <p:cSld>
     <p:spTree>
@@ -12039,8 +12462,8 @@
           </a:prstGeom>
         </p:spPr>
       </p:pic>
-      <mc:AlternateContent xmlns:mc="http://schemas.openxmlformats.org/markup-compatibility/2006">
-        <mc:Choice xmlns:p14="http://schemas.microsoft.com/office/powerpoint/2010/main" Requires="p14">
+      <mc:AlternateContent xmlns:mc="http://schemas.openxmlformats.org/markup-compatibility/2006" xmlns:p14="http://schemas.microsoft.com/office/powerpoint/2010/main">
+        <mc:Choice Requires="p14">
           <p:contentPart p14:bwMode="auto" r:id="rId3">
             <p14:nvContentPartPr>
               <p14:cNvPr id="8" name="Encre 7">
@@ -12059,7 +12482,7 @@
             </p14:xfrm>
           </p:contentPart>
         </mc:Choice>
-        <mc:Fallback>
+        <mc:Fallback xmlns="">
           <p:pic>
             <p:nvPicPr>
               <p:cNvPr id="8" name="Encre 7">
@@ -12194,420 +12617,6 @@
 </p:sld>
 </file>
 
-<file path=ppt/slides/slide16.xml><?xml version="1.0" encoding="utf-8"?>
-<p:sld xmlns:a="http://schemas.openxmlformats.org/drawingml/2006/main" xmlns:r="http://schemas.openxmlformats.org/officeDocument/2006/relationships" xmlns:p="http://schemas.openxmlformats.org/presentationml/2006/main">
-  <p:cSld>
-    <p:spTree>
-      <p:nvGrpSpPr>
-        <p:cNvPr id="1" name=""/>
-        <p:cNvGrpSpPr/>
-        <p:nvPr/>
-      </p:nvGrpSpPr>
-      <p:grpSpPr>
-        <a:xfrm>
-          <a:off x="0" y="0"/>
-          <a:ext cx="0" cy="0"/>
-          <a:chOff x="0" y="0"/>
-          <a:chExt cx="0" cy="0"/>
-        </a:xfrm>
-      </p:grpSpPr>
-      <p:sp>
-        <p:nvSpPr>
-          <p:cNvPr id="2" name="Titre 1">
-            <a:extLst>
-              <a:ext uri="{FF2B5EF4-FFF2-40B4-BE49-F238E27FC236}">
-                <a16:creationId xmlns:a16="http://schemas.microsoft.com/office/drawing/2014/main" id="{1FE865AE-991B-8E6C-4958-77BCF27CB95F}"/>
-              </a:ext>
-            </a:extLst>
-          </p:cNvPr>
-          <p:cNvSpPr>
-            <a:spLocks noGrp="1"/>
-          </p:cNvSpPr>
-          <p:nvPr>
-            <p:ph type="title"/>
-          </p:nvPr>
-        </p:nvSpPr>
-        <p:spPr>
-          <a:xfrm>
-            <a:off x="249238" y="180402"/>
-            <a:ext cx="3932237" cy="1600200"/>
-          </a:xfrm>
-        </p:spPr>
-        <p:txBody>
-          <a:bodyPr>
-            <a:normAutofit fontScale="90000"/>
-          </a:bodyPr>
-          <a:lstStyle/>
-          <a:p>
-            <a:r>
-              <a:rPr lang="fr-FR" dirty="0"/>
-              <a:t>Gestion des accès au bâtiment</a:t>
-            </a:r>
-            <a:br>
-              <a:rPr lang="fr-FR" dirty="0"/>
-            </a:br>
-            <a:br>
-              <a:rPr lang="fr-FR" dirty="0"/>
-            </a:br>
-            <a:r>
-              <a:rPr lang="fr-FR" sz="2000" dirty="0"/>
-              <a:t>Sauvegarde des données sur la BDD</a:t>
-            </a:r>
-            <a:endParaRPr lang="fr-FR" dirty="0"/>
-          </a:p>
-        </p:txBody>
-      </p:sp>
-      <p:pic>
-        <p:nvPicPr>
-          <p:cNvPr id="5" name="Image 4">
-            <a:extLst>
-              <a:ext uri="{FF2B5EF4-FFF2-40B4-BE49-F238E27FC236}">
-                <a16:creationId xmlns:a16="http://schemas.microsoft.com/office/drawing/2014/main" id="{E913ECB4-C3A0-E6D5-D421-6CDEA1EA0A59}"/>
-              </a:ext>
-            </a:extLst>
-          </p:cNvPr>
-          <p:cNvPicPr>
-            <a:picLocks noChangeAspect="1"/>
-          </p:cNvPicPr>
-          <p:nvPr/>
-        </p:nvPicPr>
-        <p:blipFill>
-          <a:blip r:embed="rId2"/>
-          <a:stretch>
-            <a:fillRect/>
-          </a:stretch>
-        </p:blipFill>
-        <p:spPr>
-          <a:xfrm>
-            <a:off x="1958534" y="2905699"/>
-            <a:ext cx="8010525" cy="1046602"/>
-          </a:xfrm>
-          <a:prstGeom prst="rect">
-            <a:avLst/>
-          </a:prstGeom>
-        </p:spPr>
-      </p:pic>
-    </p:spTree>
-    <p:extLst>
-      <p:ext uri="{BB962C8B-B14F-4D97-AF65-F5344CB8AC3E}">
-        <p14:creationId xmlns:p14="http://schemas.microsoft.com/office/powerpoint/2010/main" val="903662574"/>
-      </p:ext>
-    </p:extLst>
-  </p:cSld>
-  <p:clrMapOvr>
-    <a:masterClrMapping/>
-  </p:clrMapOvr>
-</p:sld>
-</file>
-
-<file path=ppt/slides/slide17.xml><?xml version="1.0" encoding="utf-8"?>
-<p:sld xmlns:a="http://schemas.openxmlformats.org/drawingml/2006/main" xmlns:r="http://schemas.openxmlformats.org/officeDocument/2006/relationships" xmlns:p="http://schemas.openxmlformats.org/presentationml/2006/main">
-  <p:cSld>
-    <p:spTree>
-      <p:nvGrpSpPr>
-        <p:cNvPr id="1" name=""/>
-        <p:cNvGrpSpPr/>
-        <p:nvPr/>
-      </p:nvGrpSpPr>
-      <p:grpSpPr>
-        <a:xfrm>
-          <a:off x="0" y="0"/>
-          <a:ext cx="0" cy="0"/>
-          <a:chOff x="0" y="0"/>
-          <a:chExt cx="0" cy="0"/>
-        </a:xfrm>
-      </p:grpSpPr>
-      <p:sp>
-        <p:nvSpPr>
-          <p:cNvPr id="2" name="Titre 1">
-            <a:extLst>
-              <a:ext uri="{FF2B5EF4-FFF2-40B4-BE49-F238E27FC236}">
-                <a16:creationId xmlns:a16="http://schemas.microsoft.com/office/drawing/2014/main" id="{DBD23F23-EF92-2EE6-EED2-24F174401B9D}"/>
-              </a:ext>
-            </a:extLst>
-          </p:cNvPr>
-          <p:cNvSpPr>
-            <a:spLocks noGrp="1"/>
-          </p:cNvSpPr>
-          <p:nvPr>
-            <p:ph type="title"/>
-          </p:nvPr>
-        </p:nvSpPr>
-        <p:spPr>
-          <a:xfrm>
-            <a:off x="839788" y="457200"/>
-            <a:ext cx="5625180" cy="1600200"/>
-          </a:xfrm>
-        </p:spPr>
-        <p:txBody>
-          <a:bodyPr anchor="t">
-            <a:normAutofit/>
-          </a:bodyPr>
-          <a:lstStyle/>
-          <a:p>
-            <a:r>
-              <a:rPr lang="fr-FR" dirty="0"/>
-              <a:t>Gestion des accès au bâtiment</a:t>
-            </a:r>
-            <a:br>
-              <a:rPr lang="fr-FR" dirty="0"/>
-            </a:br>
-            <a:br>
-              <a:rPr lang="fr-FR" dirty="0"/>
-            </a:br>
-            <a:r>
-              <a:rPr lang="fr-FR" sz="2000" dirty="0"/>
-              <a:t>Les Défauts</a:t>
-            </a:r>
-          </a:p>
-        </p:txBody>
-      </p:sp>
-      <p:sp>
-        <p:nvSpPr>
-          <p:cNvPr id="6" name="Espace réservé du texte 2">
-            <a:extLst>
-              <a:ext uri="{FF2B5EF4-FFF2-40B4-BE49-F238E27FC236}">
-                <a16:creationId xmlns:a16="http://schemas.microsoft.com/office/drawing/2014/main" id="{070D4B8C-89A7-65B0-892A-D27A85A3C9A2}"/>
-              </a:ext>
-            </a:extLst>
-          </p:cNvPr>
-          <p:cNvSpPr txBox="1">
-            <a:spLocks/>
-          </p:cNvSpPr>
-          <p:nvPr/>
-        </p:nvSpPr>
-        <p:spPr>
-          <a:xfrm>
-            <a:off x="839788" y="2057400"/>
-            <a:ext cx="3932237" cy="674783"/>
-          </a:xfrm>
-          <a:prstGeom prst="rect">
-            <a:avLst/>
-          </a:prstGeom>
-        </p:spPr>
-        <p:txBody>
-          <a:bodyPr vert="horz" lIns="91440" tIns="45720" rIns="91440" bIns="45720" rtlCol="0">
-            <a:normAutofit/>
-          </a:bodyPr>
-          <a:lstStyle>
-            <a:lvl1pPr marL="0" indent="0" algn="l" defTabSz="914400" rtl="0" eaLnBrk="1" latinLnBrk="0" hangingPunct="1">
-              <a:lnSpc>
-                <a:spcPct val="90000"/>
-              </a:lnSpc>
-              <a:spcBef>
-                <a:spcPts val="1000"/>
-              </a:spcBef>
-              <a:buFont typeface="Arial" panose="020B0604020202020204" pitchFamily="34" charset="0"/>
-              <a:buNone/>
-              <a:defRPr sz="1600" kern="1200">
-                <a:solidFill>
-                  <a:schemeClr val="tx1"/>
-                </a:solidFill>
-                <a:latin typeface="+mn-lt"/>
-                <a:ea typeface="+mn-ea"/>
-                <a:cs typeface="+mn-cs"/>
-              </a:defRPr>
-            </a:lvl1pPr>
-            <a:lvl2pPr marL="457200" indent="0" algn="l" defTabSz="914400" rtl="0" eaLnBrk="1" latinLnBrk="0" hangingPunct="1">
-              <a:lnSpc>
-                <a:spcPct val="90000"/>
-              </a:lnSpc>
-              <a:spcBef>
-                <a:spcPts val="500"/>
-              </a:spcBef>
-              <a:buFont typeface="Arial" panose="020B0604020202020204" pitchFamily="34" charset="0"/>
-              <a:buNone/>
-              <a:defRPr sz="1400" kern="1200">
-                <a:solidFill>
-                  <a:schemeClr val="tx1"/>
-                </a:solidFill>
-                <a:latin typeface="+mn-lt"/>
-                <a:ea typeface="+mn-ea"/>
-                <a:cs typeface="+mn-cs"/>
-              </a:defRPr>
-            </a:lvl2pPr>
-            <a:lvl3pPr marL="914400" indent="0" algn="l" defTabSz="914400" rtl="0" eaLnBrk="1" latinLnBrk="0" hangingPunct="1">
-              <a:lnSpc>
-                <a:spcPct val="90000"/>
-              </a:lnSpc>
-              <a:spcBef>
-                <a:spcPts val="500"/>
-              </a:spcBef>
-              <a:buFont typeface="Arial" panose="020B0604020202020204" pitchFamily="34" charset="0"/>
-              <a:buNone/>
-              <a:defRPr sz="1200" kern="1200">
-                <a:solidFill>
-                  <a:schemeClr val="tx1"/>
-                </a:solidFill>
-                <a:latin typeface="+mn-lt"/>
-                <a:ea typeface="+mn-ea"/>
-                <a:cs typeface="+mn-cs"/>
-              </a:defRPr>
-            </a:lvl3pPr>
-            <a:lvl4pPr marL="1371600" indent="0" algn="l" defTabSz="914400" rtl="0" eaLnBrk="1" latinLnBrk="0" hangingPunct="1">
-              <a:lnSpc>
-                <a:spcPct val="90000"/>
-              </a:lnSpc>
-              <a:spcBef>
-                <a:spcPts val="500"/>
-              </a:spcBef>
-              <a:buFont typeface="Arial" panose="020B0604020202020204" pitchFamily="34" charset="0"/>
-              <a:buNone/>
-              <a:defRPr sz="1000" kern="1200">
-                <a:solidFill>
-                  <a:schemeClr val="tx1"/>
-                </a:solidFill>
-                <a:latin typeface="+mn-lt"/>
-                <a:ea typeface="+mn-ea"/>
-                <a:cs typeface="+mn-cs"/>
-              </a:defRPr>
-            </a:lvl4pPr>
-            <a:lvl5pPr marL="1828800" indent="0" algn="l" defTabSz="914400" rtl="0" eaLnBrk="1" latinLnBrk="0" hangingPunct="1">
-              <a:lnSpc>
-                <a:spcPct val="90000"/>
-              </a:lnSpc>
-              <a:spcBef>
-                <a:spcPts val="500"/>
-              </a:spcBef>
-              <a:buFont typeface="Arial" panose="020B0604020202020204" pitchFamily="34" charset="0"/>
-              <a:buNone/>
-              <a:defRPr sz="1000" kern="1200">
-                <a:solidFill>
-                  <a:schemeClr val="tx1"/>
-                </a:solidFill>
-                <a:latin typeface="+mn-lt"/>
-                <a:ea typeface="+mn-ea"/>
-                <a:cs typeface="+mn-cs"/>
-              </a:defRPr>
-            </a:lvl5pPr>
-            <a:lvl6pPr marL="2286000" indent="0" algn="l" defTabSz="914400" rtl="0" eaLnBrk="1" latinLnBrk="0" hangingPunct="1">
-              <a:lnSpc>
-                <a:spcPct val="90000"/>
-              </a:lnSpc>
-              <a:spcBef>
-                <a:spcPts val="500"/>
-              </a:spcBef>
-              <a:buFont typeface="Arial" panose="020B0604020202020204" pitchFamily="34" charset="0"/>
-              <a:buNone/>
-              <a:defRPr sz="1000" kern="1200">
-                <a:solidFill>
-                  <a:schemeClr val="tx1"/>
-                </a:solidFill>
-                <a:latin typeface="+mn-lt"/>
-                <a:ea typeface="+mn-ea"/>
-                <a:cs typeface="+mn-cs"/>
-              </a:defRPr>
-            </a:lvl6pPr>
-            <a:lvl7pPr marL="2743200" indent="0" algn="l" defTabSz="914400" rtl="0" eaLnBrk="1" latinLnBrk="0" hangingPunct="1">
-              <a:lnSpc>
-                <a:spcPct val="90000"/>
-              </a:lnSpc>
-              <a:spcBef>
-                <a:spcPts val="500"/>
-              </a:spcBef>
-              <a:buFont typeface="Arial" panose="020B0604020202020204" pitchFamily="34" charset="0"/>
-              <a:buNone/>
-              <a:defRPr sz="1000" kern="1200">
-                <a:solidFill>
-                  <a:schemeClr val="tx1"/>
-                </a:solidFill>
-                <a:latin typeface="+mn-lt"/>
-                <a:ea typeface="+mn-ea"/>
-                <a:cs typeface="+mn-cs"/>
-              </a:defRPr>
-            </a:lvl7pPr>
-            <a:lvl8pPr marL="3200400" indent="0" algn="l" defTabSz="914400" rtl="0" eaLnBrk="1" latinLnBrk="0" hangingPunct="1">
-              <a:lnSpc>
-                <a:spcPct val="90000"/>
-              </a:lnSpc>
-              <a:spcBef>
-                <a:spcPts val="500"/>
-              </a:spcBef>
-              <a:buFont typeface="Arial" panose="020B0604020202020204" pitchFamily="34" charset="0"/>
-              <a:buNone/>
-              <a:defRPr sz="1000" kern="1200">
-                <a:solidFill>
-                  <a:schemeClr val="tx1"/>
-                </a:solidFill>
-                <a:latin typeface="+mn-lt"/>
-                <a:ea typeface="+mn-ea"/>
-                <a:cs typeface="+mn-cs"/>
-              </a:defRPr>
-            </a:lvl8pPr>
-            <a:lvl9pPr marL="3657600" indent="0" algn="l" defTabSz="914400" rtl="0" eaLnBrk="1" latinLnBrk="0" hangingPunct="1">
-              <a:lnSpc>
-                <a:spcPct val="90000"/>
-              </a:lnSpc>
-              <a:spcBef>
-                <a:spcPts val="500"/>
-              </a:spcBef>
-              <a:buFont typeface="Arial" panose="020B0604020202020204" pitchFamily="34" charset="0"/>
-              <a:buNone/>
-              <a:defRPr sz="1000" kern="1200">
-                <a:solidFill>
-                  <a:schemeClr val="tx1"/>
-                </a:solidFill>
-                <a:latin typeface="+mn-lt"/>
-                <a:ea typeface="+mn-ea"/>
-                <a:cs typeface="+mn-cs"/>
-              </a:defRPr>
-            </a:lvl9pPr>
-          </a:lstStyle>
-          <a:p>
-            <a:pPr marL="285750" indent="-285750">
-              <a:buFont typeface="Arial" panose="020B0604020202020204" pitchFamily="34" charset="0"/>
-              <a:buChar char="•"/>
-            </a:pPr>
-            <a:r>
-              <a:rPr lang="fr-FR" dirty="0"/>
-              <a:t>Le </a:t>
-            </a:r>
-            <a:r>
-              <a:rPr lang="fr-FR" dirty="0" err="1"/>
-              <a:t>node</a:t>
-            </a:r>
-            <a:r>
-              <a:rPr lang="fr-FR" dirty="0"/>
-              <a:t> </a:t>
-            </a:r>
-            <a:r>
-              <a:rPr lang="fr-FR" dirty="0" err="1"/>
-              <a:t>red</a:t>
-            </a:r>
-            <a:r>
-              <a:rPr lang="fr-FR" dirty="0"/>
-              <a:t> arrête après un certain temps de recevoir les données RFID</a:t>
-            </a:r>
-          </a:p>
-          <a:p>
-            <a:pPr marL="285750" indent="-285750">
-              <a:buFont typeface="Arial" panose="020B0604020202020204" pitchFamily="34" charset="0"/>
-              <a:buChar char="•"/>
-            </a:pPr>
-            <a:endParaRPr lang="fr-FR" dirty="0"/>
-          </a:p>
-          <a:p>
-            <a:pPr marL="285750" indent="-285750">
-              <a:buFont typeface="Arial" panose="020B0604020202020204" pitchFamily="34" charset="0"/>
-              <a:buChar char="•"/>
-            </a:pPr>
-            <a:endParaRPr lang="fr-FR" dirty="0"/>
-          </a:p>
-        </p:txBody>
-      </p:sp>
-    </p:spTree>
-    <p:extLst>
-      <p:ext uri="{BB962C8B-B14F-4D97-AF65-F5344CB8AC3E}">
-        <p14:creationId xmlns:p14="http://schemas.microsoft.com/office/powerpoint/2010/main" val="3268416288"/>
-      </p:ext>
-    </p:extLst>
-  </p:cSld>
-  <p:clrMapOvr>
-    <a:masterClrMapping/>
-  </p:clrMapOvr>
-</p:sld>
-</file>
-
 <file path=ppt/slides/slide18.xml><?xml version="1.0" encoding="utf-8"?>
 <p:sld xmlns:a="http://schemas.openxmlformats.org/drawingml/2006/main" xmlns:r="http://schemas.openxmlformats.org/officeDocument/2006/relationships" xmlns:p="http://schemas.openxmlformats.org/presentationml/2006/main">
   <p:cSld>
@@ -12643,8 +12652,8 @@
         </p:nvSpPr>
         <p:spPr>
           <a:xfrm>
-            <a:off x="0" y="8263"/>
-            <a:ext cx="11898585" cy="1464790"/>
+            <a:off x="249238" y="180402"/>
+            <a:ext cx="3932237" cy="1600200"/>
           </a:xfrm>
         </p:spPr>
         <p:txBody>
@@ -12665,7 +12674,7 @@
             </a:br>
             <a:r>
               <a:rPr lang="fr-FR" sz="2000" dirty="0"/>
-              <a:t>Système d’enregistrement d’une personne dans une BD et de reconnaissance pour l’accès au bâtiment et à une salle</a:t>
+              <a:t>Sauvegarde des données sur la BDD</a:t>
             </a:r>
             <a:endParaRPr lang="fr-FR" dirty="0"/>
           </a:p>
@@ -12673,10 +12682,10 @@
       </p:sp>
       <p:pic>
         <p:nvPicPr>
-          <p:cNvPr id="4" name="Image 3">
-            <a:extLst>
-              <a:ext uri="{FF2B5EF4-FFF2-40B4-BE49-F238E27FC236}">
-                <a16:creationId xmlns:a16="http://schemas.microsoft.com/office/drawing/2014/main" id="{214D79A7-F87C-8EF3-F4EB-84EEFE6B0894}"/>
+          <p:cNvPr id="5" name="Image 4">
+            <a:extLst>
+              <a:ext uri="{FF2B5EF4-FFF2-40B4-BE49-F238E27FC236}">
+                <a16:creationId xmlns:a16="http://schemas.microsoft.com/office/drawing/2014/main" id="{E913ECB4-C3A0-E6D5-D421-6CDEA1EA0A59}"/>
               </a:ext>
             </a:extLst>
           </p:cNvPr>
@@ -12693,8 +12702,8 @@
         </p:blipFill>
         <p:spPr>
           <a:xfrm>
-            <a:off x="1404833" y="1622587"/>
-            <a:ext cx="9088917" cy="4687323"/>
+            <a:off x="1958534" y="2905699"/>
+            <a:ext cx="8010525" cy="1046602"/>
           </a:xfrm>
           <a:prstGeom prst="rect">
             <a:avLst/>
@@ -12704,7 +12713,7 @@
     </p:spTree>
     <p:extLst>
       <p:ext uri="{BB962C8B-B14F-4D97-AF65-F5344CB8AC3E}">
-        <p14:creationId xmlns:p14="http://schemas.microsoft.com/office/powerpoint/2010/main" val="620592324"/>
+        <p14:creationId xmlns:p14="http://schemas.microsoft.com/office/powerpoint/2010/main" val="903662574"/>
       </p:ext>
     </p:extLst>
   </p:cSld>
@@ -12750,7 +12759,7 @@
         <p:spPr>
           <a:xfrm>
             <a:off x="839788" y="457200"/>
-            <a:ext cx="4654925" cy="1600200"/>
+            <a:ext cx="5625180" cy="1600200"/>
           </a:xfrm>
         </p:spPr>
         <p:txBody>
@@ -12761,107 +12770,258 @@
           <a:p>
             <a:r>
               <a:rPr lang="fr-FR" dirty="0"/>
-              <a:t>Gestion des accès à la salle</a:t>
+              <a:t>Gestion des accès au bâtiment</a:t>
             </a:r>
             <a:br>
               <a:rPr lang="fr-FR" dirty="0"/>
             </a:br>
+            <a:br>
+              <a:rPr lang="fr-FR" dirty="0"/>
+            </a:br>
             <a:r>
               <a:rPr lang="fr-FR" sz="2000" dirty="0"/>
-              <a:t>Récupération des paramètres biométrique </a:t>
-            </a:r>
-            <a:r>
-              <a:rPr lang="fr-FR" dirty="0"/>
-              <a:t> </a:t>
-            </a:r>
-          </a:p>
-        </p:txBody>
-      </p:sp>
-      <p:sp>
-        <p:nvSpPr>
-          <p:cNvPr id="3" name="Espace réservé du texte 2">
+              <a:t>Les faiblesses</a:t>
+            </a:r>
+          </a:p>
+        </p:txBody>
+      </p:sp>
+      <p:sp>
+        <p:nvSpPr>
+          <p:cNvPr id="6" name="Espace réservé du texte 2">
             <a:extLst>
               <a:ext uri="{FF2B5EF4-FFF2-40B4-BE49-F238E27FC236}">
                 <a16:creationId xmlns:a16="http://schemas.microsoft.com/office/drawing/2014/main" id="{070D4B8C-89A7-65B0-892A-D27A85A3C9A2}"/>
               </a:ext>
             </a:extLst>
           </p:cNvPr>
-          <p:cNvSpPr>
-            <a:spLocks noGrp="1"/>
+          <p:cNvSpPr txBox="1">
+            <a:spLocks/>
           </p:cNvSpPr>
-          <p:nvPr>
-            <p:ph type="body" sz="half" idx="2"/>
-          </p:nvPr>
-        </p:nvSpPr>
-        <p:spPr>
-          <a:xfrm>
-            <a:off x="839788" y="1625138"/>
-            <a:ext cx="3932237" cy="432262"/>
-          </a:xfrm>
-        </p:spPr>
-        <p:txBody>
-          <a:bodyPr/>
-          <a:lstStyle/>
-          <a:p>
-            <a:r>
-              <a:rPr lang="fr-FR" dirty="0"/>
-              <a:t>Lancement de la caméra</a:t>
-            </a:r>
-          </a:p>
-        </p:txBody>
-      </p:sp>
-      <p:pic>
-        <p:nvPicPr>
-          <p:cNvPr id="4" name="Image 3"/>
-          <p:cNvPicPr>
-            <a:picLocks noChangeAspect="1"/>
-          </p:cNvPicPr>
           <p:nvPr/>
-        </p:nvPicPr>
-        <p:blipFill>
-          <a:blip r:embed="rId2"/>
-          <a:stretch>
-            <a:fillRect/>
-          </a:stretch>
-        </p:blipFill>
-        <p:spPr>
-          <a:xfrm>
-            <a:off x="681225" y="2144713"/>
-            <a:ext cx="4972050" cy="3724275"/>
+        </p:nvSpPr>
+        <p:spPr>
+          <a:xfrm>
+            <a:off x="839788" y="2057400"/>
+            <a:ext cx="3932237" cy="674783"/>
           </a:xfrm>
           <a:prstGeom prst="rect">
             <a:avLst/>
           </a:prstGeom>
         </p:spPr>
-      </p:pic>
-      <p:pic>
-        <p:nvPicPr>
-          <p:cNvPr id="6" name="Image 5"/>
-          <p:cNvPicPr>
-            <a:picLocks noChangeAspect="1"/>
-          </p:cNvPicPr>
-          <p:nvPr/>
-        </p:nvPicPr>
-        <p:blipFill>
-          <a:blip r:embed="rId3"/>
-          <a:stretch>
-            <a:fillRect/>
-          </a:stretch>
-        </p:blipFill>
-        <p:spPr>
-          <a:xfrm>
-            <a:off x="6602001" y="1251284"/>
-            <a:ext cx="4685124" cy="4876800"/>
-          </a:xfrm>
-          <a:prstGeom prst="rect">
-            <a:avLst/>
-          </a:prstGeom>
-        </p:spPr>
-      </p:pic>
+        <p:txBody>
+          <a:bodyPr vert="horz" lIns="91440" tIns="45720" rIns="91440" bIns="45720" rtlCol="0">
+            <a:normAutofit/>
+          </a:bodyPr>
+          <a:lstStyle>
+            <a:lvl1pPr marL="0" indent="0" algn="l" defTabSz="914400" rtl="0" eaLnBrk="1" latinLnBrk="0" hangingPunct="1">
+              <a:lnSpc>
+                <a:spcPct val="90000"/>
+              </a:lnSpc>
+              <a:spcBef>
+                <a:spcPts val="1000"/>
+              </a:spcBef>
+              <a:buFont typeface="Arial" panose="020B0604020202020204" pitchFamily="34" charset="0"/>
+              <a:buNone/>
+              <a:defRPr sz="1600" kern="1200">
+                <a:solidFill>
+                  <a:schemeClr val="tx1"/>
+                </a:solidFill>
+                <a:latin typeface="+mn-lt"/>
+                <a:ea typeface="+mn-ea"/>
+                <a:cs typeface="+mn-cs"/>
+              </a:defRPr>
+            </a:lvl1pPr>
+            <a:lvl2pPr marL="457200" indent="0" algn="l" defTabSz="914400" rtl="0" eaLnBrk="1" latinLnBrk="0" hangingPunct="1">
+              <a:lnSpc>
+                <a:spcPct val="90000"/>
+              </a:lnSpc>
+              <a:spcBef>
+                <a:spcPts val="500"/>
+              </a:spcBef>
+              <a:buFont typeface="Arial" panose="020B0604020202020204" pitchFamily="34" charset="0"/>
+              <a:buNone/>
+              <a:defRPr sz="1400" kern="1200">
+                <a:solidFill>
+                  <a:schemeClr val="tx1"/>
+                </a:solidFill>
+                <a:latin typeface="+mn-lt"/>
+                <a:ea typeface="+mn-ea"/>
+                <a:cs typeface="+mn-cs"/>
+              </a:defRPr>
+            </a:lvl2pPr>
+            <a:lvl3pPr marL="914400" indent="0" algn="l" defTabSz="914400" rtl="0" eaLnBrk="1" latinLnBrk="0" hangingPunct="1">
+              <a:lnSpc>
+                <a:spcPct val="90000"/>
+              </a:lnSpc>
+              <a:spcBef>
+                <a:spcPts val="500"/>
+              </a:spcBef>
+              <a:buFont typeface="Arial" panose="020B0604020202020204" pitchFamily="34" charset="0"/>
+              <a:buNone/>
+              <a:defRPr sz="1200" kern="1200">
+                <a:solidFill>
+                  <a:schemeClr val="tx1"/>
+                </a:solidFill>
+                <a:latin typeface="+mn-lt"/>
+                <a:ea typeface="+mn-ea"/>
+                <a:cs typeface="+mn-cs"/>
+              </a:defRPr>
+            </a:lvl3pPr>
+            <a:lvl4pPr marL="1371600" indent="0" algn="l" defTabSz="914400" rtl="0" eaLnBrk="1" latinLnBrk="0" hangingPunct="1">
+              <a:lnSpc>
+                <a:spcPct val="90000"/>
+              </a:lnSpc>
+              <a:spcBef>
+                <a:spcPts val="500"/>
+              </a:spcBef>
+              <a:buFont typeface="Arial" panose="020B0604020202020204" pitchFamily="34" charset="0"/>
+              <a:buNone/>
+              <a:defRPr sz="1000" kern="1200">
+                <a:solidFill>
+                  <a:schemeClr val="tx1"/>
+                </a:solidFill>
+                <a:latin typeface="+mn-lt"/>
+                <a:ea typeface="+mn-ea"/>
+                <a:cs typeface="+mn-cs"/>
+              </a:defRPr>
+            </a:lvl4pPr>
+            <a:lvl5pPr marL="1828800" indent="0" algn="l" defTabSz="914400" rtl="0" eaLnBrk="1" latinLnBrk="0" hangingPunct="1">
+              <a:lnSpc>
+                <a:spcPct val="90000"/>
+              </a:lnSpc>
+              <a:spcBef>
+                <a:spcPts val="500"/>
+              </a:spcBef>
+              <a:buFont typeface="Arial" panose="020B0604020202020204" pitchFamily="34" charset="0"/>
+              <a:buNone/>
+              <a:defRPr sz="1000" kern="1200">
+                <a:solidFill>
+                  <a:schemeClr val="tx1"/>
+                </a:solidFill>
+                <a:latin typeface="+mn-lt"/>
+                <a:ea typeface="+mn-ea"/>
+                <a:cs typeface="+mn-cs"/>
+              </a:defRPr>
+            </a:lvl5pPr>
+            <a:lvl6pPr marL="2286000" indent="0" algn="l" defTabSz="914400" rtl="0" eaLnBrk="1" latinLnBrk="0" hangingPunct="1">
+              <a:lnSpc>
+                <a:spcPct val="90000"/>
+              </a:lnSpc>
+              <a:spcBef>
+                <a:spcPts val="500"/>
+              </a:spcBef>
+              <a:buFont typeface="Arial" panose="020B0604020202020204" pitchFamily="34" charset="0"/>
+              <a:buNone/>
+              <a:defRPr sz="1000" kern="1200">
+                <a:solidFill>
+                  <a:schemeClr val="tx1"/>
+                </a:solidFill>
+                <a:latin typeface="+mn-lt"/>
+                <a:ea typeface="+mn-ea"/>
+                <a:cs typeface="+mn-cs"/>
+              </a:defRPr>
+            </a:lvl6pPr>
+            <a:lvl7pPr marL="2743200" indent="0" algn="l" defTabSz="914400" rtl="0" eaLnBrk="1" latinLnBrk="0" hangingPunct="1">
+              <a:lnSpc>
+                <a:spcPct val="90000"/>
+              </a:lnSpc>
+              <a:spcBef>
+                <a:spcPts val="500"/>
+              </a:spcBef>
+              <a:buFont typeface="Arial" panose="020B0604020202020204" pitchFamily="34" charset="0"/>
+              <a:buNone/>
+              <a:defRPr sz="1000" kern="1200">
+                <a:solidFill>
+                  <a:schemeClr val="tx1"/>
+                </a:solidFill>
+                <a:latin typeface="+mn-lt"/>
+                <a:ea typeface="+mn-ea"/>
+                <a:cs typeface="+mn-cs"/>
+              </a:defRPr>
+            </a:lvl7pPr>
+            <a:lvl8pPr marL="3200400" indent="0" algn="l" defTabSz="914400" rtl="0" eaLnBrk="1" latinLnBrk="0" hangingPunct="1">
+              <a:lnSpc>
+                <a:spcPct val="90000"/>
+              </a:lnSpc>
+              <a:spcBef>
+                <a:spcPts val="500"/>
+              </a:spcBef>
+              <a:buFont typeface="Arial" panose="020B0604020202020204" pitchFamily="34" charset="0"/>
+              <a:buNone/>
+              <a:defRPr sz="1000" kern="1200">
+                <a:solidFill>
+                  <a:schemeClr val="tx1"/>
+                </a:solidFill>
+                <a:latin typeface="+mn-lt"/>
+                <a:ea typeface="+mn-ea"/>
+                <a:cs typeface="+mn-cs"/>
+              </a:defRPr>
+            </a:lvl8pPr>
+            <a:lvl9pPr marL="3657600" indent="0" algn="l" defTabSz="914400" rtl="0" eaLnBrk="1" latinLnBrk="0" hangingPunct="1">
+              <a:lnSpc>
+                <a:spcPct val="90000"/>
+              </a:lnSpc>
+              <a:spcBef>
+                <a:spcPts val="500"/>
+              </a:spcBef>
+              <a:buFont typeface="Arial" panose="020B0604020202020204" pitchFamily="34" charset="0"/>
+              <a:buNone/>
+              <a:defRPr sz="1000" kern="1200">
+                <a:solidFill>
+                  <a:schemeClr val="tx1"/>
+                </a:solidFill>
+                <a:latin typeface="+mn-lt"/>
+                <a:ea typeface="+mn-ea"/>
+                <a:cs typeface="+mn-cs"/>
+              </a:defRPr>
+            </a:lvl9pPr>
+          </a:lstStyle>
+          <a:p>
+            <a:pPr marL="285750" indent="-285750">
+              <a:buFont typeface="Arial" panose="020B0604020202020204" pitchFamily="34" charset="0"/>
+              <a:buChar char="•"/>
+            </a:pPr>
+            <a:r>
+              <a:rPr lang="fr-FR" dirty="0"/>
+              <a:t>Le </a:t>
+            </a:r>
+            <a:r>
+              <a:rPr lang="fr-FR" dirty="0" err="1"/>
+              <a:t>node</a:t>
+            </a:r>
+            <a:r>
+              <a:rPr lang="fr-FR" dirty="0"/>
+              <a:t> </a:t>
+            </a:r>
+            <a:r>
+              <a:rPr lang="fr-FR" dirty="0" err="1"/>
+              <a:t>red</a:t>
+            </a:r>
+            <a:r>
+              <a:rPr lang="fr-FR" dirty="0"/>
+              <a:t> arrête après un certain temps de recevoir les données RFID</a:t>
+            </a:r>
+          </a:p>
+          <a:p>
+            <a:pPr marL="285750" indent="-285750">
+              <a:buFont typeface="Arial" panose="020B0604020202020204" pitchFamily="34" charset="0"/>
+              <a:buChar char="•"/>
+            </a:pPr>
+            <a:endParaRPr lang="fr-FR" dirty="0"/>
+          </a:p>
+          <a:p>
+            <a:pPr marL="285750" indent="-285750">
+              <a:buFont typeface="Arial" panose="020B0604020202020204" pitchFamily="34" charset="0"/>
+              <a:buChar char="•"/>
+            </a:pPr>
+            <a:endParaRPr lang="fr-FR" dirty="0"/>
+          </a:p>
+        </p:txBody>
+      </p:sp>
     </p:spTree>
     <p:extLst>
       <p:ext uri="{BB962C8B-B14F-4D97-AF65-F5344CB8AC3E}">
-        <p14:creationId xmlns:p14="http://schemas.microsoft.com/office/powerpoint/2010/main" val="2428980419"/>
+        <p14:creationId xmlns:p14="http://schemas.microsoft.com/office/powerpoint/2010/main" val="3268416288"/>
       </p:ext>
     </p:extLst>
   </p:cSld>
@@ -13061,7 +13221,7 @@
           <p:cNvPr id="2" name="Titre 1">
             <a:extLst>
               <a:ext uri="{FF2B5EF4-FFF2-40B4-BE49-F238E27FC236}">
-                <a16:creationId xmlns:a16="http://schemas.microsoft.com/office/drawing/2014/main" id="{DBD23F23-EF92-2EE6-EED2-24F174401B9D}"/>
+                <a16:creationId xmlns:a16="http://schemas.microsoft.com/office/drawing/2014/main" id="{1FE865AE-991B-8E6C-4958-77BCF27CB95F}"/>
               </a:ext>
             </a:extLst>
           </p:cNvPr>
@@ -13074,70 +13234,43 @@
         </p:nvSpPr>
         <p:spPr>
           <a:xfrm>
-            <a:off x="839788" y="457200"/>
-            <a:ext cx="4654925" cy="1600200"/>
-          </a:xfrm>
-        </p:spPr>
-        <p:txBody>
-          <a:bodyPr anchor="t">
-            <a:normAutofit/>
+            <a:off x="0" y="8263"/>
+            <a:ext cx="11898585" cy="1464790"/>
+          </a:xfrm>
+        </p:spPr>
+        <p:txBody>
+          <a:bodyPr>
+            <a:normAutofit fontScale="90000"/>
           </a:bodyPr>
           <a:lstStyle/>
           <a:p>
             <a:r>
               <a:rPr lang="fr-FR" dirty="0"/>
-              <a:t>Gestion des accès à la salle</a:t>
+              <a:t>Gestion des accès au bâtiment</a:t>
             </a:r>
             <a:br>
               <a:rPr lang="fr-FR" dirty="0"/>
             </a:br>
+            <a:br>
+              <a:rPr lang="fr-FR" dirty="0"/>
+            </a:br>
             <a:r>
               <a:rPr lang="fr-FR" sz="2000" dirty="0"/>
-              <a:t>Récupération des paramètres biométrique </a:t>
-            </a:r>
-            <a:r>
-              <a:rPr lang="fr-FR" dirty="0"/>
-              <a:t> </a:t>
-            </a:r>
-          </a:p>
-        </p:txBody>
-      </p:sp>
-      <p:sp>
-        <p:nvSpPr>
-          <p:cNvPr id="3" name="Espace réservé du texte 2">
-            <a:extLst>
-              <a:ext uri="{FF2B5EF4-FFF2-40B4-BE49-F238E27FC236}">
-                <a16:creationId xmlns:a16="http://schemas.microsoft.com/office/drawing/2014/main" id="{070D4B8C-89A7-65B0-892A-D27A85A3C9A2}"/>
-              </a:ext>
-            </a:extLst>
-          </p:cNvPr>
-          <p:cNvSpPr>
-            <a:spLocks noGrp="1"/>
-          </p:cNvSpPr>
-          <p:nvPr>
-            <p:ph type="body" sz="half" idx="2"/>
-          </p:nvPr>
-        </p:nvSpPr>
-        <p:spPr>
-          <a:xfrm>
-            <a:off x="839788" y="1625138"/>
-            <a:ext cx="3932237" cy="432262"/>
-          </a:xfrm>
-        </p:spPr>
-        <p:txBody>
-          <a:bodyPr/>
-          <a:lstStyle/>
-          <a:p>
-            <a:r>
-              <a:rPr lang="fr-FR" dirty="0"/>
-              <a:t>Lancement de la caméra</a:t>
-            </a:r>
+              <a:t>Système d’enregistrement d’une personne dans une BD et de reconnaissance pour l’accès au bâtiment et à une salle</a:t>
+            </a:r>
+            <a:endParaRPr lang="fr-FR" dirty="0"/>
           </a:p>
         </p:txBody>
       </p:sp>
       <p:pic>
         <p:nvPicPr>
-          <p:cNvPr id="4" name="Image 3"/>
+          <p:cNvPr id="4" name="Image 3">
+            <a:extLst>
+              <a:ext uri="{FF2B5EF4-FFF2-40B4-BE49-F238E27FC236}">
+                <a16:creationId xmlns:a16="http://schemas.microsoft.com/office/drawing/2014/main" id="{214D79A7-F87C-8EF3-F4EB-84EEFE6B0894}"/>
+              </a:ext>
+            </a:extLst>
+          </p:cNvPr>
           <p:cNvPicPr>
             <a:picLocks noChangeAspect="1"/>
           </p:cNvPicPr>
@@ -13151,32 +13284,8 @@
         </p:blipFill>
         <p:spPr>
           <a:xfrm>
-            <a:off x="681225" y="2144713"/>
-            <a:ext cx="4972050" cy="3724275"/>
-          </a:xfrm>
-          <a:prstGeom prst="rect">
-            <a:avLst/>
-          </a:prstGeom>
-        </p:spPr>
-      </p:pic>
-      <p:pic>
-        <p:nvPicPr>
-          <p:cNvPr id="6" name="Image 5"/>
-          <p:cNvPicPr>
-            <a:picLocks noChangeAspect="1"/>
-          </p:cNvPicPr>
-          <p:nvPr/>
-        </p:nvPicPr>
-        <p:blipFill>
-          <a:blip r:embed="rId3"/>
-          <a:stretch>
-            <a:fillRect/>
-          </a:stretch>
-        </p:blipFill>
-        <p:spPr>
-          <a:xfrm>
-            <a:off x="6602001" y="1251284"/>
-            <a:ext cx="4685124" cy="4876800"/>
+            <a:off x="1404833" y="1622587"/>
+            <a:ext cx="9088917" cy="4687323"/>
           </a:xfrm>
           <a:prstGeom prst="rect">
             <a:avLst/>
@@ -13186,7 +13295,7 @@
     </p:spTree>
     <p:extLst>
       <p:ext uri="{BB962C8B-B14F-4D97-AF65-F5344CB8AC3E}">
-        <p14:creationId xmlns:p14="http://schemas.microsoft.com/office/powerpoint/2010/main" val="821740354"/>
+        <p14:creationId xmlns:p14="http://schemas.microsoft.com/office/powerpoint/2010/main" val="620592324"/>
       </p:ext>
     </p:extLst>
   </p:cSld>
@@ -13287,19 +13396,14 @@
           <a:p>
             <a:r>
               <a:rPr lang="fr-FR" dirty="0"/>
-              <a:t>Début du </a:t>
-            </a:r>
-            <a:r>
-              <a:rPr lang="fr-FR" dirty="0" err="1"/>
-              <a:t>stream</a:t>
-            </a:r>
-            <a:endParaRPr lang="fr-FR" dirty="0"/>
+              <a:t>Lancement de la caméra</a:t>
+            </a:r>
           </a:p>
         </p:txBody>
       </p:sp>
       <p:pic>
         <p:nvPicPr>
-          <p:cNvPr id="7" name="Image 6"/>
+          <p:cNvPr id="4" name="Image 3"/>
           <p:cNvPicPr>
             <a:picLocks noChangeAspect="1"/>
           </p:cNvPicPr>
@@ -13313,8 +13417,8 @@
         </p:blipFill>
         <p:spPr>
           <a:xfrm>
-            <a:off x="839788" y="2057401"/>
-            <a:ext cx="3932237" cy="4360082"/>
+            <a:off x="681225" y="2144713"/>
+            <a:ext cx="4972050" cy="3724275"/>
           </a:xfrm>
           <a:prstGeom prst="rect">
             <a:avLst/>
@@ -13323,7 +13427,7 @@
       </p:pic>
       <p:pic>
         <p:nvPicPr>
-          <p:cNvPr id="8" name="Image 7"/>
+          <p:cNvPr id="6" name="Image 5"/>
           <p:cNvPicPr>
             <a:picLocks noChangeAspect="1"/>
           </p:cNvPicPr>
@@ -13337,8 +13441,8 @@
         </p:blipFill>
         <p:spPr>
           <a:xfrm>
-            <a:off x="6304547" y="1257300"/>
-            <a:ext cx="4348413" cy="4744697"/>
+            <a:off x="6602001" y="1251284"/>
+            <a:ext cx="4685124" cy="4876800"/>
           </a:xfrm>
           <a:prstGeom prst="rect">
             <a:avLst/>
@@ -13348,7 +13452,7 @@
     </p:spTree>
     <p:extLst>
       <p:ext uri="{BB962C8B-B14F-4D97-AF65-F5344CB8AC3E}">
-        <p14:creationId xmlns:p14="http://schemas.microsoft.com/office/powerpoint/2010/main" val="2131517895"/>
+        <p14:creationId xmlns:p14="http://schemas.microsoft.com/office/powerpoint/2010/main" val="2428980419"/>
       </p:ext>
     </p:extLst>
   </p:cSld>
@@ -13449,7 +13553,7 @@
           <a:p>
             <a:r>
               <a:rPr lang="fr-FR" dirty="0"/>
-              <a:t>Détection d’un visage</a:t>
+              <a:t>Lancement de la caméra</a:t>
             </a:r>
           </a:p>
         </p:txBody>
@@ -13470,8 +13574,32 @@
         </p:blipFill>
         <p:spPr>
           <a:xfrm>
-            <a:off x="839788" y="2556330"/>
-            <a:ext cx="6425470" cy="2817775"/>
+            <a:off x="681225" y="2144713"/>
+            <a:ext cx="4972050" cy="3724275"/>
+          </a:xfrm>
+          <a:prstGeom prst="rect">
+            <a:avLst/>
+          </a:prstGeom>
+        </p:spPr>
+      </p:pic>
+      <p:pic>
+        <p:nvPicPr>
+          <p:cNvPr id="6" name="Image 5"/>
+          <p:cNvPicPr>
+            <a:picLocks noChangeAspect="1"/>
+          </p:cNvPicPr>
+          <p:nvPr/>
+        </p:nvPicPr>
+        <p:blipFill>
+          <a:blip r:embed="rId3"/>
+          <a:stretch>
+            <a:fillRect/>
+          </a:stretch>
+        </p:blipFill>
+        <p:spPr>
+          <a:xfrm>
+            <a:off x="6602001" y="1251284"/>
+            <a:ext cx="4685124" cy="4876800"/>
           </a:xfrm>
           <a:prstGeom prst="rect">
             <a:avLst/>
@@ -13481,7 +13609,7 @@
     </p:spTree>
     <p:extLst>
       <p:ext uri="{BB962C8B-B14F-4D97-AF65-F5344CB8AC3E}">
-        <p14:creationId xmlns:p14="http://schemas.microsoft.com/office/powerpoint/2010/main" val="232207055"/>
+        <p14:creationId xmlns:p14="http://schemas.microsoft.com/office/powerpoint/2010/main" val="821740354"/>
       </p:ext>
     </p:extLst>
   </p:cSld>
@@ -13527,7 +13655,7 @@
         <p:spPr>
           <a:xfrm>
             <a:off x="839788" y="457200"/>
-            <a:ext cx="5625180" cy="1600200"/>
+            <a:ext cx="4654925" cy="1600200"/>
           </a:xfrm>
         </p:spPr>
         <p:txBody>
@@ -13545,258 +13673,105 @@
             </a:br>
             <a:r>
               <a:rPr lang="fr-FR" sz="2000" dirty="0"/>
-              <a:t>Les Défauts</a:t>
-            </a:r>
-          </a:p>
-        </p:txBody>
-      </p:sp>
-      <p:sp>
-        <p:nvSpPr>
-          <p:cNvPr id="6" name="Espace réservé du texte 2">
+              <a:t>Récupération des paramètres biométrique </a:t>
+            </a:r>
+            <a:r>
+              <a:rPr lang="fr-FR" dirty="0"/>
+              <a:t> </a:t>
+            </a:r>
+          </a:p>
+        </p:txBody>
+      </p:sp>
+      <p:sp>
+        <p:nvSpPr>
+          <p:cNvPr id="3" name="Espace réservé du texte 2">
             <a:extLst>
               <a:ext uri="{FF2B5EF4-FFF2-40B4-BE49-F238E27FC236}">
                 <a16:creationId xmlns:a16="http://schemas.microsoft.com/office/drawing/2014/main" id="{070D4B8C-89A7-65B0-892A-D27A85A3C9A2}"/>
               </a:ext>
             </a:extLst>
           </p:cNvPr>
-          <p:cNvSpPr txBox="1">
-            <a:spLocks/>
+          <p:cNvSpPr>
+            <a:spLocks noGrp="1"/>
           </p:cNvSpPr>
+          <p:nvPr>
+            <p:ph type="body" sz="half" idx="2"/>
+          </p:nvPr>
+        </p:nvSpPr>
+        <p:spPr>
+          <a:xfrm>
+            <a:off x="839788" y="1625138"/>
+            <a:ext cx="3932237" cy="432262"/>
+          </a:xfrm>
+        </p:spPr>
+        <p:txBody>
+          <a:bodyPr/>
+          <a:lstStyle/>
+          <a:p>
+            <a:r>
+              <a:rPr lang="fr-FR" dirty="0"/>
+              <a:t>Début du </a:t>
+            </a:r>
+            <a:r>
+              <a:rPr lang="fr-FR" dirty="0" err="1"/>
+              <a:t>stream</a:t>
+            </a:r>
+            <a:endParaRPr lang="fr-FR" dirty="0"/>
+          </a:p>
+        </p:txBody>
+      </p:sp>
+      <p:pic>
+        <p:nvPicPr>
+          <p:cNvPr id="7" name="Image 6"/>
+          <p:cNvPicPr>
+            <a:picLocks noChangeAspect="1"/>
+          </p:cNvPicPr>
           <p:nvPr/>
-        </p:nvSpPr>
-        <p:spPr>
-          <a:xfrm>
-            <a:off x="839788" y="2057400"/>
-            <a:ext cx="3932237" cy="3811588"/>
+        </p:nvPicPr>
+        <p:blipFill>
+          <a:blip r:embed="rId2"/>
+          <a:stretch>
+            <a:fillRect/>
+          </a:stretch>
+        </p:blipFill>
+        <p:spPr>
+          <a:xfrm>
+            <a:off x="839788" y="2057401"/>
+            <a:ext cx="3932237" cy="4360082"/>
           </a:xfrm>
           <a:prstGeom prst="rect">
             <a:avLst/>
           </a:prstGeom>
         </p:spPr>
-        <p:txBody>
-          <a:bodyPr vert="horz" lIns="91440" tIns="45720" rIns="91440" bIns="45720" rtlCol="0">
-            <a:normAutofit/>
-          </a:bodyPr>
-          <a:lstStyle>
-            <a:lvl1pPr marL="0" indent="0" algn="l" defTabSz="914400" rtl="0" eaLnBrk="1" latinLnBrk="0" hangingPunct="1">
-              <a:lnSpc>
-                <a:spcPct val="90000"/>
-              </a:lnSpc>
-              <a:spcBef>
-                <a:spcPts val="1000"/>
-              </a:spcBef>
-              <a:buFont typeface="Arial" panose="020B0604020202020204" pitchFamily="34" charset="0"/>
-              <a:buNone/>
-              <a:defRPr sz="1600" kern="1200">
-                <a:solidFill>
-                  <a:schemeClr val="tx1"/>
-                </a:solidFill>
-                <a:latin typeface="+mn-lt"/>
-                <a:ea typeface="+mn-ea"/>
-                <a:cs typeface="+mn-cs"/>
-              </a:defRPr>
-            </a:lvl1pPr>
-            <a:lvl2pPr marL="457200" indent="0" algn="l" defTabSz="914400" rtl="0" eaLnBrk="1" latinLnBrk="0" hangingPunct="1">
-              <a:lnSpc>
-                <a:spcPct val="90000"/>
-              </a:lnSpc>
-              <a:spcBef>
-                <a:spcPts val="500"/>
-              </a:spcBef>
-              <a:buFont typeface="Arial" panose="020B0604020202020204" pitchFamily="34" charset="0"/>
-              <a:buNone/>
-              <a:defRPr sz="1400" kern="1200">
-                <a:solidFill>
-                  <a:schemeClr val="tx1"/>
-                </a:solidFill>
-                <a:latin typeface="+mn-lt"/>
-                <a:ea typeface="+mn-ea"/>
-                <a:cs typeface="+mn-cs"/>
-              </a:defRPr>
-            </a:lvl2pPr>
-            <a:lvl3pPr marL="914400" indent="0" algn="l" defTabSz="914400" rtl="0" eaLnBrk="1" latinLnBrk="0" hangingPunct="1">
-              <a:lnSpc>
-                <a:spcPct val="90000"/>
-              </a:lnSpc>
-              <a:spcBef>
-                <a:spcPts val="500"/>
-              </a:spcBef>
-              <a:buFont typeface="Arial" panose="020B0604020202020204" pitchFamily="34" charset="0"/>
-              <a:buNone/>
-              <a:defRPr sz="1200" kern="1200">
-                <a:solidFill>
-                  <a:schemeClr val="tx1"/>
-                </a:solidFill>
-                <a:latin typeface="+mn-lt"/>
-                <a:ea typeface="+mn-ea"/>
-                <a:cs typeface="+mn-cs"/>
-              </a:defRPr>
-            </a:lvl3pPr>
-            <a:lvl4pPr marL="1371600" indent="0" algn="l" defTabSz="914400" rtl="0" eaLnBrk="1" latinLnBrk="0" hangingPunct="1">
-              <a:lnSpc>
-                <a:spcPct val="90000"/>
-              </a:lnSpc>
-              <a:spcBef>
-                <a:spcPts val="500"/>
-              </a:spcBef>
-              <a:buFont typeface="Arial" panose="020B0604020202020204" pitchFamily="34" charset="0"/>
-              <a:buNone/>
-              <a:defRPr sz="1000" kern="1200">
-                <a:solidFill>
-                  <a:schemeClr val="tx1"/>
-                </a:solidFill>
-                <a:latin typeface="+mn-lt"/>
-                <a:ea typeface="+mn-ea"/>
-                <a:cs typeface="+mn-cs"/>
-              </a:defRPr>
-            </a:lvl4pPr>
-            <a:lvl5pPr marL="1828800" indent="0" algn="l" defTabSz="914400" rtl="0" eaLnBrk="1" latinLnBrk="0" hangingPunct="1">
-              <a:lnSpc>
-                <a:spcPct val="90000"/>
-              </a:lnSpc>
-              <a:spcBef>
-                <a:spcPts val="500"/>
-              </a:spcBef>
-              <a:buFont typeface="Arial" panose="020B0604020202020204" pitchFamily="34" charset="0"/>
-              <a:buNone/>
-              <a:defRPr sz="1000" kern="1200">
-                <a:solidFill>
-                  <a:schemeClr val="tx1"/>
-                </a:solidFill>
-                <a:latin typeface="+mn-lt"/>
-                <a:ea typeface="+mn-ea"/>
-                <a:cs typeface="+mn-cs"/>
-              </a:defRPr>
-            </a:lvl5pPr>
-            <a:lvl6pPr marL="2286000" indent="0" algn="l" defTabSz="914400" rtl="0" eaLnBrk="1" latinLnBrk="0" hangingPunct="1">
-              <a:lnSpc>
-                <a:spcPct val="90000"/>
-              </a:lnSpc>
-              <a:spcBef>
-                <a:spcPts val="500"/>
-              </a:spcBef>
-              <a:buFont typeface="Arial" panose="020B0604020202020204" pitchFamily="34" charset="0"/>
-              <a:buNone/>
-              <a:defRPr sz="1000" kern="1200">
-                <a:solidFill>
-                  <a:schemeClr val="tx1"/>
-                </a:solidFill>
-                <a:latin typeface="+mn-lt"/>
-                <a:ea typeface="+mn-ea"/>
-                <a:cs typeface="+mn-cs"/>
-              </a:defRPr>
-            </a:lvl6pPr>
-            <a:lvl7pPr marL="2743200" indent="0" algn="l" defTabSz="914400" rtl="0" eaLnBrk="1" latinLnBrk="0" hangingPunct="1">
-              <a:lnSpc>
-                <a:spcPct val="90000"/>
-              </a:lnSpc>
-              <a:spcBef>
-                <a:spcPts val="500"/>
-              </a:spcBef>
-              <a:buFont typeface="Arial" panose="020B0604020202020204" pitchFamily="34" charset="0"/>
-              <a:buNone/>
-              <a:defRPr sz="1000" kern="1200">
-                <a:solidFill>
-                  <a:schemeClr val="tx1"/>
-                </a:solidFill>
-                <a:latin typeface="+mn-lt"/>
-                <a:ea typeface="+mn-ea"/>
-                <a:cs typeface="+mn-cs"/>
-              </a:defRPr>
-            </a:lvl7pPr>
-            <a:lvl8pPr marL="3200400" indent="0" algn="l" defTabSz="914400" rtl="0" eaLnBrk="1" latinLnBrk="0" hangingPunct="1">
-              <a:lnSpc>
-                <a:spcPct val="90000"/>
-              </a:lnSpc>
-              <a:spcBef>
-                <a:spcPts val="500"/>
-              </a:spcBef>
-              <a:buFont typeface="Arial" panose="020B0604020202020204" pitchFamily="34" charset="0"/>
-              <a:buNone/>
-              <a:defRPr sz="1000" kern="1200">
-                <a:solidFill>
-                  <a:schemeClr val="tx1"/>
-                </a:solidFill>
-                <a:latin typeface="+mn-lt"/>
-                <a:ea typeface="+mn-ea"/>
-                <a:cs typeface="+mn-cs"/>
-              </a:defRPr>
-            </a:lvl8pPr>
-            <a:lvl9pPr marL="3657600" indent="0" algn="l" defTabSz="914400" rtl="0" eaLnBrk="1" latinLnBrk="0" hangingPunct="1">
-              <a:lnSpc>
-                <a:spcPct val="90000"/>
-              </a:lnSpc>
-              <a:spcBef>
-                <a:spcPts val="500"/>
-              </a:spcBef>
-              <a:buFont typeface="Arial" panose="020B0604020202020204" pitchFamily="34" charset="0"/>
-              <a:buNone/>
-              <a:defRPr sz="1000" kern="1200">
-                <a:solidFill>
-                  <a:schemeClr val="tx1"/>
-                </a:solidFill>
-                <a:latin typeface="+mn-lt"/>
-                <a:ea typeface="+mn-ea"/>
-                <a:cs typeface="+mn-cs"/>
-              </a:defRPr>
-            </a:lvl9pPr>
-          </a:lstStyle>
-          <a:p>
-            <a:pPr marL="285750" indent="-285750">
-              <a:buFont typeface="Arial" panose="020B0604020202020204" pitchFamily="34" charset="0"/>
-              <a:buChar char="•"/>
-            </a:pPr>
-            <a:r>
-              <a:rPr lang="fr-FR" dirty="0"/>
-              <a:t>Le </a:t>
-            </a:r>
-            <a:r>
-              <a:rPr lang="fr-FR" dirty="0" err="1"/>
-              <a:t>stream</a:t>
-            </a:r>
-            <a:r>
-              <a:rPr lang="fr-FR" dirty="0"/>
-              <a:t> </a:t>
-            </a:r>
-            <a:r>
-              <a:rPr lang="fr-FR" dirty="0" err="1"/>
-              <a:t>freeze</a:t>
-            </a:r>
-            <a:r>
-              <a:rPr lang="fr-FR" dirty="0"/>
-              <a:t> lorsque qu’un visage est détecté </a:t>
-            </a:r>
-          </a:p>
-          <a:p>
-            <a:pPr marL="285750" indent="-285750">
-              <a:buFont typeface="Arial" panose="020B0604020202020204" pitchFamily="34" charset="0"/>
-              <a:buChar char="•"/>
-            </a:pPr>
-            <a:r>
-              <a:rPr lang="fr-FR" dirty="0"/>
-              <a:t>Impossibilité d’enregistrer un visage</a:t>
-            </a:r>
-          </a:p>
-          <a:p>
-            <a:pPr marL="285750" indent="-285750">
-              <a:buFont typeface="Arial" panose="020B0604020202020204" pitchFamily="34" charset="0"/>
-              <a:buChar char="•"/>
-            </a:pPr>
-            <a:endParaRPr lang="fr-FR" dirty="0"/>
-          </a:p>
-          <a:p>
-            <a:pPr marL="285750" indent="-285750">
-              <a:buFont typeface="Arial" panose="020B0604020202020204" pitchFamily="34" charset="0"/>
-              <a:buChar char="•"/>
-            </a:pPr>
-            <a:endParaRPr lang="fr-FR" dirty="0"/>
-          </a:p>
-        </p:txBody>
-      </p:sp>
+      </p:pic>
+      <p:pic>
+        <p:nvPicPr>
+          <p:cNvPr id="8" name="Image 7"/>
+          <p:cNvPicPr>
+            <a:picLocks noChangeAspect="1"/>
+          </p:cNvPicPr>
+          <p:nvPr/>
+        </p:nvPicPr>
+        <p:blipFill>
+          <a:blip r:embed="rId3"/>
+          <a:stretch>
+            <a:fillRect/>
+          </a:stretch>
+        </p:blipFill>
+        <p:spPr>
+          <a:xfrm>
+            <a:off x="6304547" y="1257300"/>
+            <a:ext cx="4348413" cy="4744697"/>
+          </a:xfrm>
+          <a:prstGeom prst="rect">
+            <a:avLst/>
+          </a:prstGeom>
+        </p:spPr>
+      </p:pic>
     </p:spTree>
     <p:extLst>
       <p:ext uri="{BB962C8B-B14F-4D97-AF65-F5344CB8AC3E}">
-        <p14:creationId xmlns:p14="http://schemas.microsoft.com/office/powerpoint/2010/main" val="3977045273"/>
+        <p14:creationId xmlns:p14="http://schemas.microsoft.com/office/powerpoint/2010/main" val="2131517895"/>
       </p:ext>
     </p:extLst>
   </p:cSld>
@@ -13828,7 +13803,7 @@
           <p:cNvPr id="2" name="Titre 1">
             <a:extLst>
               <a:ext uri="{FF2B5EF4-FFF2-40B4-BE49-F238E27FC236}">
-                <a16:creationId xmlns:a16="http://schemas.microsoft.com/office/drawing/2014/main" id="{E941FBC7-F257-358E-0380-CD012AF5C376}"/>
+                <a16:creationId xmlns:a16="http://schemas.microsoft.com/office/drawing/2014/main" id="{DBD23F23-EF92-2EE6-EED2-24F174401B9D}"/>
               </a:ext>
             </a:extLst>
           </p:cNvPr>
@@ -13839,12 +13814,33 @@
             <p:ph type="title"/>
           </p:nvPr>
         </p:nvSpPr>
-        <p:spPr/>
-        <p:txBody>
-          <a:bodyPr/>
+        <p:spPr>
+          <a:xfrm>
+            <a:off x="839788" y="457200"/>
+            <a:ext cx="4654925" cy="1600200"/>
+          </a:xfrm>
+        </p:spPr>
+        <p:txBody>
+          <a:bodyPr anchor="t">
+            <a:normAutofit/>
+          </a:bodyPr>
           <a:lstStyle/>
           <a:p>
-            <a:endParaRPr lang="fr-FR" dirty="0"/>
+            <a:r>
+              <a:rPr lang="fr-FR" dirty="0"/>
+              <a:t>Gestion des accès à la salle</a:t>
+            </a:r>
+            <a:br>
+              <a:rPr lang="fr-FR" dirty="0"/>
+            </a:br>
+            <a:r>
+              <a:rPr lang="fr-FR" sz="2000" dirty="0"/>
+              <a:t>Récupération des paramètres biométrique </a:t>
+            </a:r>
+            <a:r>
+              <a:rPr lang="fr-FR" dirty="0"/>
+              <a:t> </a:t>
+            </a:r>
           </a:p>
         </p:txBody>
       </p:sp>
@@ -13853,7 +13849,7 @@
           <p:cNvPr id="3" name="Espace réservé du texte 2">
             <a:extLst>
               <a:ext uri="{FF2B5EF4-FFF2-40B4-BE49-F238E27FC236}">
-                <a16:creationId xmlns:a16="http://schemas.microsoft.com/office/drawing/2014/main" id="{7DC3202A-F664-28D7-C609-246C5A0D3BA3}"/>
+                <a16:creationId xmlns:a16="http://schemas.microsoft.com/office/drawing/2014/main" id="{070D4B8C-89A7-65B0-892A-D27A85A3C9A2}"/>
               </a:ext>
             </a:extLst>
           </p:cNvPr>
@@ -13864,37 +13860,51 @@
             <p:ph type="body" sz="half" idx="2"/>
           </p:nvPr>
         </p:nvSpPr>
-        <p:spPr/>
+        <p:spPr>
+          <a:xfrm>
+            <a:off x="839788" y="1625138"/>
+            <a:ext cx="3932237" cy="432262"/>
+          </a:xfrm>
+        </p:spPr>
         <p:txBody>
           <a:bodyPr/>
           <a:lstStyle/>
           <a:p>
-            <a:endParaRPr lang="fr-FR"/>
-          </a:p>
-        </p:txBody>
-      </p:sp>
-      <p:sp>
-        <p:nvSpPr>
-          <p:cNvPr id="4" name="Espace réservé pour une image  3">
-            <a:extLst>
-              <a:ext uri="{FF2B5EF4-FFF2-40B4-BE49-F238E27FC236}">
-                <a16:creationId xmlns:a16="http://schemas.microsoft.com/office/drawing/2014/main" id="{1F220FD8-3231-EE7D-48A7-0A825C87FE5A}"/>
-              </a:ext>
-            </a:extLst>
-          </p:cNvPr>
-          <p:cNvSpPr>
-            <a:spLocks noGrp="1"/>
-          </p:cNvSpPr>
-          <p:nvPr>
-            <p:ph type="pic" idx="1"/>
-          </p:nvPr>
-        </p:nvSpPr>
-        <p:spPr/>
-      </p:sp>
+            <a:r>
+              <a:rPr lang="fr-FR" dirty="0"/>
+              <a:t>Détection d’un visage</a:t>
+            </a:r>
+          </a:p>
+        </p:txBody>
+      </p:sp>
+      <p:pic>
+        <p:nvPicPr>
+          <p:cNvPr id="4" name="Image 3"/>
+          <p:cNvPicPr>
+            <a:picLocks noChangeAspect="1"/>
+          </p:cNvPicPr>
+          <p:nvPr/>
+        </p:nvPicPr>
+        <p:blipFill>
+          <a:blip r:embed="rId2"/>
+          <a:stretch>
+            <a:fillRect/>
+          </a:stretch>
+        </p:blipFill>
+        <p:spPr>
+          <a:xfrm>
+            <a:off x="839788" y="2556330"/>
+            <a:ext cx="6425470" cy="2817775"/>
+          </a:xfrm>
+          <a:prstGeom prst="rect">
+            <a:avLst/>
+          </a:prstGeom>
+        </p:spPr>
+      </p:pic>
     </p:spTree>
     <p:extLst>
       <p:ext uri="{BB962C8B-B14F-4D97-AF65-F5344CB8AC3E}">
-        <p14:creationId xmlns:p14="http://schemas.microsoft.com/office/powerpoint/2010/main" val="2327138012"/>
+        <p14:creationId xmlns:p14="http://schemas.microsoft.com/office/powerpoint/2010/main" val="232207055"/>
       </p:ext>
     </p:extLst>
   </p:cSld>
@@ -13923,10 +13933,10 @@
       </p:grpSpPr>
       <p:sp>
         <p:nvSpPr>
-          <p:cNvPr id="2" name="Espace réservé pour une image  1">
-            <a:extLst>
-              <a:ext uri="{FF2B5EF4-FFF2-40B4-BE49-F238E27FC236}">
-                <a16:creationId xmlns:a16="http://schemas.microsoft.com/office/drawing/2014/main" id="{CEE6C035-8F9A-9921-CAA9-48F1FAE17402}"/>
+          <p:cNvPr id="2" name="Titre 1">
+            <a:extLst>
+              <a:ext uri="{FF2B5EF4-FFF2-40B4-BE49-F238E27FC236}">
+                <a16:creationId xmlns:a16="http://schemas.microsoft.com/office/drawing/2014/main" id="{DBD23F23-EF92-2EE6-EED2-24F174401B9D}"/>
               </a:ext>
             </a:extLst>
           </p:cNvPr>
@@ -13934,65 +13944,282 @@
             <a:spLocks noGrp="1"/>
           </p:cNvSpPr>
           <p:nvPr>
-            <p:ph type="pic" sz="quarter" idx="10"/>
+            <p:ph type="title"/>
           </p:nvPr>
         </p:nvSpPr>
-        <p:spPr/>
-      </p:sp>
-      <p:sp>
-        <p:nvSpPr>
-          <p:cNvPr id="3" name="Titre 2">
-            <a:extLst>
-              <a:ext uri="{FF2B5EF4-FFF2-40B4-BE49-F238E27FC236}">
-                <a16:creationId xmlns:a16="http://schemas.microsoft.com/office/drawing/2014/main" id="{714EB4A1-F86C-D8B3-DB71-21F5533E4D96}"/>
-              </a:ext>
-            </a:extLst>
-          </p:cNvPr>
-          <p:cNvSpPr>
-            <a:spLocks noGrp="1"/>
+        <p:spPr>
+          <a:xfrm>
+            <a:off x="839788" y="457200"/>
+            <a:ext cx="5625180" cy="1600200"/>
+          </a:xfrm>
+        </p:spPr>
+        <p:txBody>
+          <a:bodyPr anchor="t">
+            <a:normAutofit/>
+          </a:bodyPr>
+          <a:lstStyle/>
+          <a:p>
+            <a:r>
+              <a:rPr lang="fr-FR" dirty="0"/>
+              <a:t>Gestion des accès à la salle</a:t>
+            </a:r>
+            <a:br>
+              <a:rPr lang="fr-FR" dirty="0"/>
+            </a:br>
+            <a:r>
+              <a:rPr lang="fr-FR" sz="2000" dirty="0"/>
+              <a:t>Les faiblesses</a:t>
+            </a:r>
+          </a:p>
+        </p:txBody>
+      </p:sp>
+      <p:sp>
+        <p:nvSpPr>
+          <p:cNvPr id="6" name="Espace réservé du texte 2">
+            <a:extLst>
+              <a:ext uri="{FF2B5EF4-FFF2-40B4-BE49-F238E27FC236}">
+                <a16:creationId xmlns:a16="http://schemas.microsoft.com/office/drawing/2014/main" id="{070D4B8C-89A7-65B0-892A-D27A85A3C9A2}"/>
+              </a:ext>
+            </a:extLst>
+          </p:cNvPr>
+          <p:cNvSpPr txBox="1">
+            <a:spLocks/>
           </p:cNvSpPr>
-          <p:nvPr>
-            <p:ph type="ctrTitle"/>
-          </p:nvPr>
-        </p:nvSpPr>
-        <p:spPr/>
-        <p:txBody>
-          <a:bodyPr/>
-          <a:lstStyle/>
-          <a:p>
+          <p:nvPr/>
+        </p:nvSpPr>
+        <p:spPr>
+          <a:xfrm>
+            <a:off x="839788" y="2057400"/>
+            <a:ext cx="3932237" cy="3811588"/>
+          </a:xfrm>
+          <a:prstGeom prst="rect">
+            <a:avLst/>
+          </a:prstGeom>
+        </p:spPr>
+        <p:txBody>
+          <a:bodyPr vert="horz" lIns="91440" tIns="45720" rIns="91440" bIns="45720" rtlCol="0">
+            <a:normAutofit/>
+          </a:bodyPr>
+          <a:lstStyle>
+            <a:lvl1pPr marL="0" indent="0" algn="l" defTabSz="914400" rtl="0" eaLnBrk="1" latinLnBrk="0" hangingPunct="1">
+              <a:lnSpc>
+                <a:spcPct val="90000"/>
+              </a:lnSpc>
+              <a:spcBef>
+                <a:spcPts val="1000"/>
+              </a:spcBef>
+              <a:buFont typeface="Arial" panose="020B0604020202020204" pitchFamily="34" charset="0"/>
+              <a:buNone/>
+              <a:defRPr sz="1600" kern="1200">
+                <a:solidFill>
+                  <a:schemeClr val="tx1"/>
+                </a:solidFill>
+                <a:latin typeface="+mn-lt"/>
+                <a:ea typeface="+mn-ea"/>
+                <a:cs typeface="+mn-cs"/>
+              </a:defRPr>
+            </a:lvl1pPr>
+            <a:lvl2pPr marL="457200" indent="0" algn="l" defTabSz="914400" rtl="0" eaLnBrk="1" latinLnBrk="0" hangingPunct="1">
+              <a:lnSpc>
+                <a:spcPct val="90000"/>
+              </a:lnSpc>
+              <a:spcBef>
+                <a:spcPts val="500"/>
+              </a:spcBef>
+              <a:buFont typeface="Arial" panose="020B0604020202020204" pitchFamily="34" charset="0"/>
+              <a:buNone/>
+              <a:defRPr sz="1400" kern="1200">
+                <a:solidFill>
+                  <a:schemeClr val="tx1"/>
+                </a:solidFill>
+                <a:latin typeface="+mn-lt"/>
+                <a:ea typeface="+mn-ea"/>
+                <a:cs typeface="+mn-cs"/>
+              </a:defRPr>
+            </a:lvl2pPr>
+            <a:lvl3pPr marL="914400" indent="0" algn="l" defTabSz="914400" rtl="0" eaLnBrk="1" latinLnBrk="0" hangingPunct="1">
+              <a:lnSpc>
+                <a:spcPct val="90000"/>
+              </a:lnSpc>
+              <a:spcBef>
+                <a:spcPts val="500"/>
+              </a:spcBef>
+              <a:buFont typeface="Arial" panose="020B0604020202020204" pitchFamily="34" charset="0"/>
+              <a:buNone/>
+              <a:defRPr sz="1200" kern="1200">
+                <a:solidFill>
+                  <a:schemeClr val="tx1"/>
+                </a:solidFill>
+                <a:latin typeface="+mn-lt"/>
+                <a:ea typeface="+mn-ea"/>
+                <a:cs typeface="+mn-cs"/>
+              </a:defRPr>
+            </a:lvl3pPr>
+            <a:lvl4pPr marL="1371600" indent="0" algn="l" defTabSz="914400" rtl="0" eaLnBrk="1" latinLnBrk="0" hangingPunct="1">
+              <a:lnSpc>
+                <a:spcPct val="90000"/>
+              </a:lnSpc>
+              <a:spcBef>
+                <a:spcPts val="500"/>
+              </a:spcBef>
+              <a:buFont typeface="Arial" panose="020B0604020202020204" pitchFamily="34" charset="0"/>
+              <a:buNone/>
+              <a:defRPr sz="1000" kern="1200">
+                <a:solidFill>
+                  <a:schemeClr val="tx1"/>
+                </a:solidFill>
+                <a:latin typeface="+mn-lt"/>
+                <a:ea typeface="+mn-ea"/>
+                <a:cs typeface="+mn-cs"/>
+              </a:defRPr>
+            </a:lvl4pPr>
+            <a:lvl5pPr marL="1828800" indent="0" algn="l" defTabSz="914400" rtl="0" eaLnBrk="1" latinLnBrk="0" hangingPunct="1">
+              <a:lnSpc>
+                <a:spcPct val="90000"/>
+              </a:lnSpc>
+              <a:spcBef>
+                <a:spcPts val="500"/>
+              </a:spcBef>
+              <a:buFont typeface="Arial" panose="020B0604020202020204" pitchFamily="34" charset="0"/>
+              <a:buNone/>
+              <a:defRPr sz="1000" kern="1200">
+                <a:solidFill>
+                  <a:schemeClr val="tx1"/>
+                </a:solidFill>
+                <a:latin typeface="+mn-lt"/>
+                <a:ea typeface="+mn-ea"/>
+                <a:cs typeface="+mn-cs"/>
+              </a:defRPr>
+            </a:lvl5pPr>
+            <a:lvl6pPr marL="2286000" indent="0" algn="l" defTabSz="914400" rtl="0" eaLnBrk="1" latinLnBrk="0" hangingPunct="1">
+              <a:lnSpc>
+                <a:spcPct val="90000"/>
+              </a:lnSpc>
+              <a:spcBef>
+                <a:spcPts val="500"/>
+              </a:spcBef>
+              <a:buFont typeface="Arial" panose="020B0604020202020204" pitchFamily="34" charset="0"/>
+              <a:buNone/>
+              <a:defRPr sz="1000" kern="1200">
+                <a:solidFill>
+                  <a:schemeClr val="tx1"/>
+                </a:solidFill>
+                <a:latin typeface="+mn-lt"/>
+                <a:ea typeface="+mn-ea"/>
+                <a:cs typeface="+mn-cs"/>
+              </a:defRPr>
+            </a:lvl6pPr>
+            <a:lvl7pPr marL="2743200" indent="0" algn="l" defTabSz="914400" rtl="0" eaLnBrk="1" latinLnBrk="0" hangingPunct="1">
+              <a:lnSpc>
+                <a:spcPct val="90000"/>
+              </a:lnSpc>
+              <a:spcBef>
+                <a:spcPts val="500"/>
+              </a:spcBef>
+              <a:buFont typeface="Arial" panose="020B0604020202020204" pitchFamily="34" charset="0"/>
+              <a:buNone/>
+              <a:defRPr sz="1000" kern="1200">
+                <a:solidFill>
+                  <a:schemeClr val="tx1"/>
+                </a:solidFill>
+                <a:latin typeface="+mn-lt"/>
+                <a:ea typeface="+mn-ea"/>
+                <a:cs typeface="+mn-cs"/>
+              </a:defRPr>
+            </a:lvl7pPr>
+            <a:lvl8pPr marL="3200400" indent="0" algn="l" defTabSz="914400" rtl="0" eaLnBrk="1" latinLnBrk="0" hangingPunct="1">
+              <a:lnSpc>
+                <a:spcPct val="90000"/>
+              </a:lnSpc>
+              <a:spcBef>
+                <a:spcPts val="500"/>
+              </a:spcBef>
+              <a:buFont typeface="Arial" panose="020B0604020202020204" pitchFamily="34" charset="0"/>
+              <a:buNone/>
+              <a:defRPr sz="1000" kern="1200">
+                <a:solidFill>
+                  <a:schemeClr val="tx1"/>
+                </a:solidFill>
+                <a:latin typeface="+mn-lt"/>
+                <a:ea typeface="+mn-ea"/>
+                <a:cs typeface="+mn-cs"/>
+              </a:defRPr>
+            </a:lvl8pPr>
+            <a:lvl9pPr marL="3657600" indent="0" algn="l" defTabSz="914400" rtl="0" eaLnBrk="1" latinLnBrk="0" hangingPunct="1">
+              <a:lnSpc>
+                <a:spcPct val="90000"/>
+              </a:lnSpc>
+              <a:spcBef>
+                <a:spcPts val="500"/>
+              </a:spcBef>
+              <a:buFont typeface="Arial" panose="020B0604020202020204" pitchFamily="34" charset="0"/>
+              <a:buNone/>
+              <a:defRPr sz="1000" kern="1200">
+                <a:solidFill>
+                  <a:schemeClr val="tx1"/>
+                </a:solidFill>
+                <a:latin typeface="+mn-lt"/>
+                <a:ea typeface="+mn-ea"/>
+                <a:cs typeface="+mn-cs"/>
+              </a:defRPr>
+            </a:lvl9pPr>
+          </a:lstStyle>
+          <a:p>
+            <a:pPr marL="285750" indent="-285750">
+              <a:buFont typeface="Arial" panose="020B0604020202020204" pitchFamily="34" charset="0"/>
+              <a:buChar char="•"/>
+            </a:pPr>
+            <a:r>
+              <a:rPr lang="fr-FR" dirty="0"/>
+              <a:t>Le </a:t>
+            </a:r>
+            <a:r>
+              <a:rPr lang="fr-FR" dirty="0" err="1"/>
+              <a:t>stream</a:t>
+            </a:r>
+            <a:r>
+              <a:rPr lang="fr-FR" dirty="0"/>
+              <a:t> </a:t>
+            </a:r>
+            <a:r>
+              <a:rPr lang="fr-FR" dirty="0" err="1"/>
+              <a:t>freeze</a:t>
+            </a:r>
+            <a:r>
+              <a:rPr lang="fr-FR" dirty="0"/>
+              <a:t> lorsque qu’un visage est détecté </a:t>
+            </a:r>
+          </a:p>
+          <a:p>
+            <a:pPr marL="285750" indent="-285750">
+              <a:buFont typeface="Arial" panose="020B0604020202020204" pitchFamily="34" charset="0"/>
+              <a:buChar char="•"/>
+            </a:pPr>
+            <a:r>
+              <a:rPr lang="fr-FR" dirty="0"/>
+              <a:t>Impossibilité d’enregistrer un visage</a:t>
+            </a:r>
+          </a:p>
+          <a:p>
+            <a:pPr marL="285750" indent="-285750">
+              <a:buFont typeface="Arial" panose="020B0604020202020204" pitchFamily="34" charset="0"/>
+              <a:buChar char="•"/>
+            </a:pPr>
             <a:endParaRPr lang="fr-FR" dirty="0"/>
           </a:p>
-        </p:txBody>
-      </p:sp>
-      <p:sp>
-        <p:nvSpPr>
-          <p:cNvPr id="4" name="Sous-titre 3">
-            <a:extLst>
-              <a:ext uri="{FF2B5EF4-FFF2-40B4-BE49-F238E27FC236}">
-                <a16:creationId xmlns:a16="http://schemas.microsoft.com/office/drawing/2014/main" id="{4282A136-35A6-F764-D70A-4C476EE04F11}"/>
-              </a:ext>
-            </a:extLst>
-          </p:cNvPr>
-          <p:cNvSpPr>
-            <a:spLocks noGrp="1"/>
-          </p:cNvSpPr>
-          <p:nvPr>
-            <p:ph type="subTitle" idx="1"/>
-          </p:nvPr>
-        </p:nvSpPr>
-        <p:spPr/>
-        <p:txBody>
-          <a:bodyPr/>
-          <a:lstStyle/>
-          <a:p>
-            <a:endParaRPr lang="fr-FR"/>
+          <a:p>
+            <a:pPr marL="285750" indent="-285750">
+              <a:buFont typeface="Arial" panose="020B0604020202020204" pitchFamily="34" charset="0"/>
+              <a:buChar char="•"/>
+            </a:pPr>
+            <a:endParaRPr lang="fr-FR" dirty="0"/>
           </a:p>
         </p:txBody>
       </p:sp>
     </p:spTree>
     <p:extLst>
       <p:ext uri="{BB962C8B-B14F-4D97-AF65-F5344CB8AC3E}">
-        <p14:creationId xmlns:p14="http://schemas.microsoft.com/office/powerpoint/2010/main" val="3640759210"/>
+        <p14:creationId xmlns:p14="http://schemas.microsoft.com/office/powerpoint/2010/main" val="3977045273"/>
       </p:ext>
     </p:extLst>
   </p:cSld>
@@ -14694,114 +14921,6 @@
 </p:sld>
 </file>
 
-<file path=ppt/slides/slide27.xml><?xml version="1.0" encoding="utf-8"?>
-<p:sld xmlns:a="http://schemas.openxmlformats.org/drawingml/2006/main" xmlns:r="http://schemas.openxmlformats.org/officeDocument/2006/relationships" xmlns:p="http://schemas.openxmlformats.org/presentationml/2006/main">
-  <p:cSld>
-    <p:spTree>
-      <p:nvGrpSpPr>
-        <p:cNvPr id="1" name=""/>
-        <p:cNvGrpSpPr/>
-        <p:nvPr/>
-      </p:nvGrpSpPr>
-      <p:grpSpPr>
-        <a:xfrm>
-          <a:off x="0" y="0"/>
-          <a:ext cx="0" cy="0"/>
-          <a:chOff x="0" y="0"/>
-          <a:chExt cx="0" cy="0"/>
-        </a:xfrm>
-      </p:grpSpPr>
-      <p:sp>
-        <p:nvSpPr>
-          <p:cNvPr id="4" name="Titre 3">
-            <a:extLst>
-              <a:ext uri="{FF2B5EF4-FFF2-40B4-BE49-F238E27FC236}">
-                <a16:creationId xmlns:a16="http://schemas.microsoft.com/office/drawing/2014/main" id="{E98DCA46-603B-4178-8707-30E192CE6B8D}"/>
-              </a:ext>
-            </a:extLst>
-          </p:cNvPr>
-          <p:cNvSpPr>
-            <a:spLocks noGrp="1"/>
-          </p:cNvSpPr>
-          <p:nvPr>
-            <p:ph type="title"/>
-          </p:nvPr>
-        </p:nvSpPr>
-        <p:spPr/>
-        <p:txBody>
-          <a:bodyPr rtlCol="0"/>
-          <a:lstStyle/>
-          <a:p>
-            <a:pPr rtl="0"/>
-            <a:r>
-              <a:rPr lang="fr-FR"/>
-              <a:t>Personnaliser</a:t>
-            </a:r>
-            <a:r>
-              <a:rPr lang="fr-FR" i="1"/>
-              <a:t> </a:t>
-            </a:r>
-            <a:r>
-              <a:rPr lang="fr-FR"/>
-              <a:t>ce modèle</a:t>
-            </a:r>
-          </a:p>
-        </p:txBody>
-      </p:sp>
-      <p:sp>
-        <p:nvSpPr>
-          <p:cNvPr id="8" name="Zone de texte 7">
-            <a:hlinkClick r:id="rId3"/>
-            <a:extLst>
-              <a:ext uri="{FF2B5EF4-FFF2-40B4-BE49-F238E27FC236}">
-                <a16:creationId xmlns:a16="http://schemas.microsoft.com/office/drawing/2014/main" id="{5FC6C278-4035-446A-A94B-030E792FDDF5}"/>
-              </a:ext>
-            </a:extLst>
-          </p:cNvPr>
-          <p:cNvSpPr txBox="1"/>
-          <p:nvPr/>
-        </p:nvSpPr>
-        <p:spPr>
-          <a:xfrm>
-            <a:off x="1547813" y="2459504"/>
-            <a:ext cx="9096374" cy="3477875"/>
-          </a:xfrm>
-          <a:prstGeom prst="rect">
-            <a:avLst/>
-          </a:prstGeom>
-          <a:noFill/>
-        </p:spPr>
-        <p:txBody>
-          <a:bodyPr wrap="square" rtlCol="0">
-            <a:spAutoFit/>
-          </a:bodyPr>
-          <a:lstStyle/>
-          <a:p>
-            <a:pPr algn="ctr" rtl="0"/>
-            <a:r>
-              <a:rPr lang="fr-FR" sz="5500" u="sng" dirty="0">
-                <a:solidFill>
-                  <a:srgbClr val="0070C0"/>
-                </a:solidFill>
-              </a:rPr>
-              <a:t>Cliquez ici pour découvrir comment modifier ce modèle et nous communiquer vos commentaires</a:t>
-            </a:r>
-          </a:p>
-        </p:txBody>
-      </p:sp>
-    </p:spTree>
-    <p:extLst>
-      <p:ext uri="{BB962C8B-B14F-4D97-AF65-F5344CB8AC3E}">
-        <p14:creationId xmlns:p14="http://schemas.microsoft.com/office/powerpoint/2010/main" val="59582380"/>
-      </p:ext>
-    </p:extLst>
-  </p:cSld>
-  <p:clrMapOvr>
-    <a:masterClrMapping/>
-  </p:clrMapOvr>
-</p:sld>
-</file>
-
 <file path=ppt/slides/slide3.xml><?xml version="1.0" encoding="utf-8"?>
 <p:sld xmlns:a="http://schemas.openxmlformats.org/drawingml/2006/main" xmlns:r="http://schemas.openxmlformats.org/officeDocument/2006/relationships" xmlns:p="http://schemas.openxmlformats.org/presentationml/2006/main">
   <p:cSld>
@@ -15091,7 +15210,7 @@
         </p:blipFill>
         <p:spPr>
           <a:xfrm>
-            <a:off x="3735627" y="5141480"/>
+            <a:off x="3645913" y="4425100"/>
             <a:ext cx="980735" cy="1260000"/>
           </a:xfrm>
         </p:spPr>
@@ -15139,22 +15258,7 @@
             </a:r>
           </a:p>
           <a:p>
-            <a:pPr rtl="0"/>
-            <a:r>
-              <a:rPr lang="fr-FR" sz="2000"/>
-              <a:t>Tous </a:t>
-            </a:r>
-            <a:r>
-              <a:rPr lang="fr-FR" sz="2000" dirty="0"/>
-              <a:t>ont un niveau d’accès différent selon leur titre et leur emploi du temps.</a:t>
-            </a:r>
-          </a:p>
-          <a:p>
-            <a:pPr rtl="0"/>
-            <a:r>
-              <a:rPr lang="fr-FR" sz="2000" dirty="0"/>
-              <a:t>Chaque lieu demande un niveau d’accès différent selon la sensibilité du contenu de la zone.</a:t>
-            </a:r>
+            <a:endParaRPr lang="fr-FR" sz="2000" dirty="0"/>
           </a:p>
           <a:p>
             <a:pPr rtl="0"/>
@@ -15206,7 +15310,7 @@
         </p:blipFill>
         <p:spPr>
           <a:xfrm>
-            <a:off x="986898" y="5166516"/>
+            <a:off x="897184" y="4450136"/>
             <a:ext cx="929845" cy="1260000"/>
           </a:xfrm>
         </p:spPr>
@@ -15527,7 +15631,7 @@
         </p:blipFill>
         <p:spPr>
           <a:xfrm>
-            <a:off x="6395853" y="5078392"/>
+            <a:off x="6306139" y="4362012"/>
             <a:ext cx="1200010" cy="1260000"/>
           </a:xfrm>
           <a:prstGeom prst="rect">
@@ -15549,7 +15653,7 @@
         </p:nvSpPr>
         <p:spPr>
           <a:xfrm>
-            <a:off x="902263" y="6418848"/>
+            <a:off x="812549" y="5702468"/>
             <a:ext cx="7807627" cy="369332"/>
           </a:xfrm>
           <a:prstGeom prst="rect">
@@ -16682,8 +16786,11 @@
           <a:p>
             <a:r>
               <a:rPr lang="fr-FR" dirty="0"/>
-              <a:t>Architecture du projet</a:t>
-            </a:r>
+              <a:t>Use case </a:t>
+            </a:r>
+          </a:p>
+          <a:p>
+            <a:endParaRPr lang="fr-FR" dirty="0"/>
           </a:p>
           <a:p>
             <a:endParaRPr lang="fr-FR" dirty="0"/>
@@ -16692,10 +16799,10 @@
       </p:sp>
       <p:pic>
         <p:nvPicPr>
-          <p:cNvPr id="5" name="Image 4">
-            <a:extLst>
-              <a:ext uri="{FF2B5EF4-FFF2-40B4-BE49-F238E27FC236}">
-                <a16:creationId xmlns:a16="http://schemas.microsoft.com/office/drawing/2014/main" id="{E4082824-72E7-3ACA-EC01-EB9C924BC5B4}"/>
+          <p:cNvPr id="6" name="Image 5">
+            <a:extLst>
+              <a:ext uri="{FF2B5EF4-FFF2-40B4-BE49-F238E27FC236}">
+                <a16:creationId xmlns:a16="http://schemas.microsoft.com/office/drawing/2014/main" id="{15AA9199-1F3A-C843-BBA6-8B5699E82B0C}"/>
               </a:ext>
             </a:extLst>
           </p:cNvPr>
@@ -16705,21 +16812,15 @@
           <p:nvPr/>
         </p:nvPicPr>
         <p:blipFill>
-          <a:blip r:embed="rId2">
-            <a:extLst>
-              <a:ext uri="{28A0092B-C50C-407E-A947-70E740481C1C}">
-                <a14:useLocalDpi xmlns:a14="http://schemas.microsoft.com/office/drawing/2010/main" val="0"/>
-              </a:ext>
-            </a:extLst>
-          </a:blip>
+          <a:blip r:embed="rId2"/>
           <a:stretch>
             <a:fillRect/>
           </a:stretch>
         </p:blipFill>
         <p:spPr>
           <a:xfrm>
-            <a:off x="766164" y="2009775"/>
-            <a:ext cx="10695946" cy="4066934"/>
+            <a:off x="3403963" y="1781810"/>
+            <a:ext cx="5274310" cy="5076190"/>
           </a:xfrm>
           <a:prstGeom prst="rect">
             <a:avLst/>
@@ -16729,7 +16830,7 @@
     </p:spTree>
     <p:extLst>
       <p:ext uri="{BB962C8B-B14F-4D97-AF65-F5344CB8AC3E}">
-        <p14:creationId xmlns:p14="http://schemas.microsoft.com/office/powerpoint/2010/main" val="3046203844"/>
+        <p14:creationId xmlns:p14="http://schemas.microsoft.com/office/powerpoint/2010/main" val="2414843317"/>
       </p:ext>
     </p:extLst>
   </p:cSld>
@@ -16758,10 +16859,38 @@
       </p:grpSpPr>
       <p:sp>
         <p:nvSpPr>
+          <p:cNvPr id="2" name="Titre 1">
+            <a:extLst>
+              <a:ext uri="{FF2B5EF4-FFF2-40B4-BE49-F238E27FC236}">
+                <a16:creationId xmlns:a16="http://schemas.microsoft.com/office/drawing/2014/main" id="{8F72320B-6C98-8F43-BB51-A1C8DC23BBA8}"/>
+              </a:ext>
+            </a:extLst>
+          </p:cNvPr>
+          <p:cNvSpPr>
+            <a:spLocks noGrp="1"/>
+          </p:cNvSpPr>
+          <p:nvPr>
+            <p:ph type="title"/>
+          </p:nvPr>
+        </p:nvSpPr>
+        <p:spPr/>
+        <p:txBody>
+          <a:bodyPr/>
+          <a:lstStyle/>
+          <a:p>
+            <a:r>
+              <a:rPr lang="fr-FR" dirty="0"/>
+              <a:t>Diagrammes</a:t>
+            </a:r>
+          </a:p>
+        </p:txBody>
+      </p:sp>
+      <p:sp>
+        <p:nvSpPr>
           <p:cNvPr id="3" name="Espace réservé du contenu 2">
             <a:extLst>
               <a:ext uri="{FF2B5EF4-FFF2-40B4-BE49-F238E27FC236}">
-                <a16:creationId xmlns:a16="http://schemas.microsoft.com/office/drawing/2014/main" id="{A61C8046-60F1-F81B-2281-CA42AF340F7E}"/>
+                <a16:creationId xmlns:a16="http://schemas.microsoft.com/office/drawing/2014/main" id="{524213D3-55DE-FC04-45CF-072B2B32754C}"/>
               </a:ext>
             </a:extLst>
           </p:cNvPr>
@@ -16774,8 +16903,8 @@
         </p:nvSpPr>
         <p:spPr>
           <a:xfrm>
-            <a:off x="300942" y="318026"/>
-            <a:ext cx="11620981" cy="5858937"/>
+            <a:off x="633186" y="1388436"/>
+            <a:ext cx="11375200" cy="4788527"/>
           </a:xfrm>
         </p:spPr>
         <p:txBody>
@@ -16784,7 +16913,7 @@
           <a:p>
             <a:r>
               <a:rPr lang="fr-FR" dirty="0"/>
-              <a:t>Diagramme de déploiement</a:t>
+              <a:t>Architecture du projet</a:t>
             </a:r>
           </a:p>
           <a:p>
@@ -16794,10 +16923,10 @@
       </p:sp>
       <p:pic>
         <p:nvPicPr>
-          <p:cNvPr id="6" name="Image 5">
-            <a:extLst>
-              <a:ext uri="{FF2B5EF4-FFF2-40B4-BE49-F238E27FC236}">
-                <a16:creationId xmlns:a16="http://schemas.microsoft.com/office/drawing/2014/main" id="{B7C715DA-C3E1-2F2A-F69B-FF72B30C409F}"/>
+          <p:cNvPr id="5" name="Image 4">
+            <a:extLst>
+              <a:ext uri="{FF2B5EF4-FFF2-40B4-BE49-F238E27FC236}">
+                <a16:creationId xmlns:a16="http://schemas.microsoft.com/office/drawing/2014/main" id="{E4082824-72E7-3ACA-EC01-EB9C924BC5B4}"/>
               </a:ext>
             </a:extLst>
           </p:cNvPr>
@@ -16807,15 +16936,21 @@
           <p:nvPr/>
         </p:nvPicPr>
         <p:blipFill>
-          <a:blip r:embed="rId2"/>
+          <a:blip r:embed="rId2">
+            <a:extLst>
+              <a:ext uri="{28A0092B-C50C-407E-A947-70E740481C1C}">
+                <a14:useLocalDpi xmlns:a14="http://schemas.microsoft.com/office/drawing/2010/main" val="0"/>
+              </a:ext>
+            </a:extLst>
+          </a:blip>
           <a:stretch>
             <a:fillRect/>
           </a:stretch>
         </p:blipFill>
         <p:spPr>
           <a:xfrm>
-            <a:off x="115746" y="681036"/>
-            <a:ext cx="10984376" cy="5605663"/>
+            <a:off x="766164" y="2009775"/>
+            <a:ext cx="10695946" cy="4066934"/>
           </a:xfrm>
           <a:prstGeom prst="rect">
             <a:avLst/>
@@ -16825,7 +16960,7 @@
     </p:spTree>
     <p:extLst>
       <p:ext uri="{BB962C8B-B14F-4D97-AF65-F5344CB8AC3E}">
-        <p14:creationId xmlns:p14="http://schemas.microsoft.com/office/powerpoint/2010/main" val="3609832429"/>
+        <p14:creationId xmlns:p14="http://schemas.microsoft.com/office/powerpoint/2010/main" val="3046203844"/>
       </p:ext>
     </p:extLst>
   </p:cSld>
@@ -16854,10 +16989,10 @@
       </p:grpSpPr>
       <p:sp>
         <p:nvSpPr>
-          <p:cNvPr id="2" name="Espace réservé pour une image  1">
-            <a:extLst>
-              <a:ext uri="{FF2B5EF4-FFF2-40B4-BE49-F238E27FC236}">
-                <a16:creationId xmlns:a16="http://schemas.microsoft.com/office/drawing/2014/main" id="{FA283945-DC34-25C9-31D8-5678CB8A2EC3}"/>
+          <p:cNvPr id="3" name="Espace réservé du contenu 2">
+            <a:extLst>
+              <a:ext uri="{FF2B5EF4-FFF2-40B4-BE49-F238E27FC236}">
+                <a16:creationId xmlns:a16="http://schemas.microsoft.com/office/drawing/2014/main" id="{A61C8046-60F1-F81B-2281-CA42AF340F7E}"/>
               </a:ext>
             </a:extLst>
           </p:cNvPr>
@@ -16865,67 +17000,65 @@
             <a:spLocks noGrp="1"/>
           </p:cNvSpPr>
           <p:nvPr>
-            <p:ph type="pic" sz="quarter" idx="10"/>
+            <p:ph sz="half" idx="1"/>
           </p:nvPr>
         </p:nvSpPr>
-        <p:spPr/>
-      </p:sp>
-      <p:sp>
-        <p:nvSpPr>
-          <p:cNvPr id="3" name="Espace réservé du texte 2">
-            <a:extLst>
-              <a:ext uri="{FF2B5EF4-FFF2-40B4-BE49-F238E27FC236}">
-                <a16:creationId xmlns:a16="http://schemas.microsoft.com/office/drawing/2014/main" id="{F3D260B0-11FF-6B72-4583-59B773E8DC9C}"/>
-              </a:ext>
-            </a:extLst>
-          </p:cNvPr>
-          <p:cNvSpPr>
-            <a:spLocks noGrp="1"/>
-          </p:cNvSpPr>
-          <p:nvPr>
-            <p:ph type="body" sz="quarter" idx="12"/>
-          </p:nvPr>
-        </p:nvSpPr>
-        <p:spPr/>
+        <p:spPr>
+          <a:xfrm>
+            <a:off x="455273" y="1388436"/>
+            <a:ext cx="6388872" cy="415637"/>
+          </a:xfrm>
+        </p:spPr>
         <p:txBody>
           <a:bodyPr/>
           <a:lstStyle/>
           <a:p>
-            <a:endParaRPr lang="fr-FR"/>
-          </a:p>
-        </p:txBody>
-      </p:sp>
-      <p:sp>
-        <p:nvSpPr>
-          <p:cNvPr id="4" name="Espace réservé du texte 3">
-            <a:extLst>
-              <a:ext uri="{FF2B5EF4-FFF2-40B4-BE49-F238E27FC236}">
-                <a16:creationId xmlns:a16="http://schemas.microsoft.com/office/drawing/2014/main" id="{61CEC20E-F9D6-D5E0-8EFE-06277B8EA0B4}"/>
-              </a:ext>
-            </a:extLst>
-          </p:cNvPr>
-          <p:cNvSpPr>
-            <a:spLocks noGrp="1"/>
-          </p:cNvSpPr>
-          <p:nvPr>
-            <p:ph type="body" sz="quarter" idx="11"/>
-          </p:nvPr>
-        </p:nvSpPr>
-        <p:spPr/>
-        <p:txBody>
-          <a:bodyPr/>
-          <a:lstStyle/>
-          <a:p>
-            <a:endParaRPr lang="fr-FR"/>
-          </a:p>
-        </p:txBody>
-      </p:sp>
-      <p:sp>
-        <p:nvSpPr>
-          <p:cNvPr id="5" name="Titre 4">
-            <a:extLst>
-              <a:ext uri="{FF2B5EF4-FFF2-40B4-BE49-F238E27FC236}">
-                <a16:creationId xmlns:a16="http://schemas.microsoft.com/office/drawing/2014/main" id="{7BC74D96-20AD-411A-6EC2-B30B1CA4C432}"/>
+            <a:r>
+              <a:rPr lang="fr-FR" dirty="0"/>
+              <a:t>Diagramme de déploiement</a:t>
+            </a:r>
+          </a:p>
+          <a:p>
+            <a:endParaRPr lang="fr-FR" dirty="0"/>
+          </a:p>
+        </p:txBody>
+      </p:sp>
+      <p:pic>
+        <p:nvPicPr>
+          <p:cNvPr id="6" name="Image 5">
+            <a:extLst>
+              <a:ext uri="{FF2B5EF4-FFF2-40B4-BE49-F238E27FC236}">
+                <a16:creationId xmlns:a16="http://schemas.microsoft.com/office/drawing/2014/main" id="{B7C715DA-C3E1-2F2A-F69B-FF72B30C409F}"/>
+              </a:ext>
+            </a:extLst>
+          </p:cNvPr>
+          <p:cNvPicPr>
+            <a:picLocks noChangeAspect="1"/>
+          </p:cNvPicPr>
+          <p:nvPr/>
+        </p:nvPicPr>
+        <p:blipFill>
+          <a:blip r:embed="rId2"/>
+          <a:stretch>
+            <a:fillRect/>
+          </a:stretch>
+        </p:blipFill>
+        <p:spPr>
+          <a:xfrm>
+            <a:off x="963273" y="1804073"/>
+            <a:ext cx="9307563" cy="4749934"/>
+          </a:xfrm>
+          <a:prstGeom prst="rect">
+            <a:avLst/>
+          </a:prstGeom>
+        </p:spPr>
+      </p:pic>
+      <p:sp>
+        <p:nvSpPr>
+          <p:cNvPr id="4" name="Titre 1">
+            <a:extLst>
+              <a:ext uri="{FF2B5EF4-FFF2-40B4-BE49-F238E27FC236}">
+                <a16:creationId xmlns:a16="http://schemas.microsoft.com/office/drawing/2014/main" id="{F8B66D86-3ADE-00A0-EC5D-CCC122ADD43B}"/>
               </a:ext>
             </a:extLst>
           </p:cNvPr>
@@ -16936,107 +17069,27 @@
             <p:ph type="title"/>
           </p:nvPr>
         </p:nvSpPr>
-        <p:spPr/>
+        <p:spPr>
+          <a:xfrm>
+            <a:off x="633186" y="557439"/>
+            <a:ext cx="10815864" cy="830997"/>
+          </a:xfrm>
+        </p:spPr>
         <p:txBody>
           <a:bodyPr/>
           <a:lstStyle/>
           <a:p>
             <a:r>
               <a:rPr lang="fr-FR" dirty="0"/>
-              <a:t>Gestion des accès au campus</a:t>
-            </a:r>
-            <a:br>
-              <a:rPr lang="fr-FR" dirty="0"/>
-            </a:br>
-            <a:endParaRPr lang="fr-FR" dirty="0"/>
-          </a:p>
-        </p:txBody>
-      </p:sp>
-      <p:sp>
-        <p:nvSpPr>
-          <p:cNvPr id="6" name="Espace réservé du contenu 5">
-            <a:extLst>
-              <a:ext uri="{FF2B5EF4-FFF2-40B4-BE49-F238E27FC236}">
-                <a16:creationId xmlns:a16="http://schemas.microsoft.com/office/drawing/2014/main" id="{666D94BE-5775-4A54-7E6D-77B5431B251B}"/>
-              </a:ext>
-            </a:extLst>
-          </p:cNvPr>
-          <p:cNvSpPr>
-            <a:spLocks noGrp="1"/>
-          </p:cNvSpPr>
-          <p:nvPr>
-            <p:ph sz="quarter" idx="13"/>
-          </p:nvPr>
-        </p:nvSpPr>
-        <p:spPr/>
-        <p:txBody>
-          <a:bodyPr/>
-          <a:lstStyle/>
-          <a:p>
-            <a:endParaRPr lang="fr-FR"/>
-          </a:p>
-        </p:txBody>
-      </p:sp>
-      <p:sp>
-        <p:nvSpPr>
-          <p:cNvPr id="7" name="Espace réservé du contenu 6">
-            <a:extLst>
-              <a:ext uri="{FF2B5EF4-FFF2-40B4-BE49-F238E27FC236}">
-                <a16:creationId xmlns:a16="http://schemas.microsoft.com/office/drawing/2014/main" id="{F2FF4F9D-4655-4D6A-5ADB-8CDDE0B8D175}"/>
-              </a:ext>
-            </a:extLst>
-          </p:cNvPr>
-          <p:cNvSpPr>
-            <a:spLocks noGrp="1"/>
-          </p:cNvSpPr>
-          <p:nvPr>
-            <p:ph sz="quarter" idx="14"/>
-          </p:nvPr>
-        </p:nvSpPr>
-        <p:spPr/>
-        <p:txBody>
-          <a:bodyPr/>
-          <a:lstStyle/>
-          <a:p>
-            <a:endParaRPr lang="fr-FR"/>
-          </a:p>
-        </p:txBody>
-      </p:sp>
-      <p:sp>
-        <p:nvSpPr>
-          <p:cNvPr id="8" name="Espace réservé du numéro de diapositive 7">
-            <a:extLst>
-              <a:ext uri="{FF2B5EF4-FFF2-40B4-BE49-F238E27FC236}">
-                <a16:creationId xmlns:a16="http://schemas.microsoft.com/office/drawing/2014/main" id="{292B76D6-CD86-E9EB-1368-EC8B1C74C821}"/>
-              </a:ext>
-            </a:extLst>
-          </p:cNvPr>
-          <p:cNvSpPr>
-            <a:spLocks noGrp="1"/>
-          </p:cNvSpPr>
-          <p:nvPr>
-            <p:ph type="sldNum" sz="quarter" idx="4"/>
-          </p:nvPr>
-        </p:nvSpPr>
-        <p:spPr/>
-        <p:txBody>
-          <a:bodyPr/>
-          <a:lstStyle/>
-          <a:p>
-            <a:pPr algn="ctr" rtl="0"/>
-            <a:fld id="{817179DE-9BF3-494C-804F-0C7C90AC8700}" type="slidenum">
-              <a:rPr lang="fr-FR" noProof="0" smtClean="0"/>
-              <a:pPr algn="ctr" rtl="0"/>
-              <a:t>7</a:t>
-            </a:fld>
-            <a:endParaRPr lang="fr-FR" noProof="0"/>
+              <a:t>Diagrammes</a:t>
+            </a:r>
           </a:p>
         </p:txBody>
       </p:sp>
     </p:spTree>
     <p:extLst>
       <p:ext uri="{BB962C8B-B14F-4D97-AF65-F5344CB8AC3E}">
-        <p14:creationId xmlns:p14="http://schemas.microsoft.com/office/powerpoint/2010/main" val="2173750144"/>
+        <p14:creationId xmlns:p14="http://schemas.microsoft.com/office/powerpoint/2010/main" val="3609832429"/>
       </p:ext>
     </p:extLst>
   </p:cSld>
@@ -17065,10 +17118,73 @@
       </p:grpSpPr>
       <p:sp>
         <p:nvSpPr>
-          <p:cNvPr id="2" name="Titre 1">
-            <a:extLst>
-              <a:ext uri="{FF2B5EF4-FFF2-40B4-BE49-F238E27FC236}">
-                <a16:creationId xmlns:a16="http://schemas.microsoft.com/office/drawing/2014/main" id="{1FE865AE-991B-8E6C-4958-77BCF27CB95F}"/>
+          <p:cNvPr id="3" name="Espace réservé du contenu 2">
+            <a:extLst>
+              <a:ext uri="{FF2B5EF4-FFF2-40B4-BE49-F238E27FC236}">
+                <a16:creationId xmlns:a16="http://schemas.microsoft.com/office/drawing/2014/main" id="{A61C8046-60F1-F81B-2281-CA42AF340F7E}"/>
+              </a:ext>
+            </a:extLst>
+          </p:cNvPr>
+          <p:cNvSpPr>
+            <a:spLocks noGrp="1"/>
+          </p:cNvSpPr>
+          <p:nvPr>
+            <p:ph sz="half" idx="1"/>
+          </p:nvPr>
+        </p:nvSpPr>
+        <p:spPr>
+          <a:xfrm>
+            <a:off x="393306" y="1182612"/>
+            <a:ext cx="5203931" cy="411647"/>
+          </a:xfrm>
+        </p:spPr>
+        <p:txBody>
+          <a:bodyPr/>
+          <a:lstStyle/>
+          <a:p>
+            <a:r>
+              <a:rPr lang="fr-FR" dirty="0"/>
+              <a:t>Diagramme d’activité</a:t>
+            </a:r>
+          </a:p>
+        </p:txBody>
+      </p:sp>
+      <p:pic>
+        <p:nvPicPr>
+          <p:cNvPr id="4" name="Image 3">
+            <a:extLst>
+              <a:ext uri="{FF2B5EF4-FFF2-40B4-BE49-F238E27FC236}">
+                <a16:creationId xmlns:a16="http://schemas.microsoft.com/office/drawing/2014/main" id="{3C25808B-8F93-1DA6-168A-3DF1CBF03197}"/>
+              </a:ext>
+            </a:extLst>
+          </p:cNvPr>
+          <p:cNvPicPr>
+            <a:picLocks noChangeAspect="1"/>
+          </p:cNvPicPr>
+          <p:nvPr/>
+        </p:nvPicPr>
+        <p:blipFill>
+          <a:blip r:embed="rId2"/>
+          <a:stretch>
+            <a:fillRect/>
+          </a:stretch>
+        </p:blipFill>
+        <p:spPr>
+          <a:xfrm>
+            <a:off x="1833244" y="1613298"/>
+            <a:ext cx="7918145" cy="4926676"/>
+          </a:xfrm>
+          <a:prstGeom prst="rect">
+            <a:avLst/>
+          </a:prstGeom>
+        </p:spPr>
+      </p:pic>
+      <p:sp>
+        <p:nvSpPr>
+          <p:cNvPr id="5" name="Titre 1">
+            <a:extLst>
+              <a:ext uri="{FF2B5EF4-FFF2-40B4-BE49-F238E27FC236}">
+                <a16:creationId xmlns:a16="http://schemas.microsoft.com/office/drawing/2014/main" id="{87311CAC-FF21-0702-61ED-42426851057A}"/>
               </a:ext>
             </a:extLst>
           </p:cNvPr>
@@ -17079,217 +17195,27 @@
             <p:ph type="title"/>
           </p:nvPr>
         </p:nvSpPr>
-        <p:spPr/>
-        <p:txBody>
-          <a:bodyPr>
-            <a:normAutofit/>
-          </a:bodyPr>
-          <a:lstStyle/>
-          <a:p>
-            <a:r>
-              <a:rPr lang="fr-FR" dirty="0"/>
-              <a:t>Gestion des accès au campus</a:t>
-            </a:r>
-            <a:br>
-              <a:rPr lang="fr-FR" dirty="0"/>
-            </a:br>
-            <a:r>
-              <a:rPr lang="fr-FR" sz="2000" dirty="0"/>
-              <a:t>Récupération des adresses MAC  </a:t>
-            </a:r>
-            <a:endParaRPr lang="fr-FR" dirty="0"/>
-          </a:p>
-        </p:txBody>
-      </p:sp>
-      <p:sp>
-        <p:nvSpPr>
-          <p:cNvPr id="3" name="Espace réservé du texte 2">
-            <a:extLst>
-              <a:ext uri="{FF2B5EF4-FFF2-40B4-BE49-F238E27FC236}">
-                <a16:creationId xmlns:a16="http://schemas.microsoft.com/office/drawing/2014/main" id="{09E83A35-1FD2-59BB-CBDE-C332CBAB8755}"/>
-              </a:ext>
-            </a:extLst>
-          </p:cNvPr>
-          <p:cNvSpPr>
-            <a:spLocks noGrp="1"/>
-          </p:cNvSpPr>
-          <p:nvPr>
-            <p:ph type="body" sz="half" idx="2"/>
-          </p:nvPr>
-        </p:nvSpPr>
-        <p:spPr>
-          <a:xfrm>
-            <a:off x="839788" y="2222770"/>
-            <a:ext cx="3932237" cy="3811588"/>
+        <p:spPr>
+          <a:xfrm>
+            <a:off x="633186" y="557439"/>
+            <a:ext cx="10815864" cy="830997"/>
           </a:xfrm>
         </p:spPr>
         <p:txBody>
           <a:bodyPr/>
           <a:lstStyle/>
           <a:p>
-            <a:pPr marL="285750" indent="-285750">
-              <a:buFont typeface="Arial" panose="020B0604020202020204" pitchFamily="34" charset="0"/>
-              <a:buChar char="•"/>
-            </a:pPr>
             <a:r>
               <a:rPr lang="fr-FR" dirty="0"/>
-              <a:t>M5 stick utilisé comme lecteur BLE</a:t>
-            </a:r>
-          </a:p>
-          <a:p>
-            <a:pPr marL="285750" indent="-285750">
-              <a:buFont typeface="Arial" panose="020B0604020202020204" pitchFamily="34" charset="0"/>
-              <a:buChar char="•"/>
-            </a:pPr>
-            <a:endParaRPr lang="fr-FR" dirty="0"/>
-          </a:p>
-          <a:p>
-            <a:endParaRPr lang="fr-FR" dirty="0"/>
-          </a:p>
-          <a:p>
-            <a:pPr marL="285750" indent="-285750">
-              <a:buFont typeface="Arial" panose="020B0604020202020204" pitchFamily="34" charset="0"/>
-              <a:buChar char="•"/>
-            </a:pPr>
-            <a:r>
-              <a:rPr lang="fr-FR" dirty="0"/>
-              <a:t>Le programme permet de récupérer les adresses MAC des appareils BLE à proximité</a:t>
-            </a:r>
-          </a:p>
-        </p:txBody>
-      </p:sp>
-      <p:pic>
-        <p:nvPicPr>
-          <p:cNvPr id="8" name="Image 7">
-            <a:extLst>
-              <a:ext uri="{FF2B5EF4-FFF2-40B4-BE49-F238E27FC236}">
-                <a16:creationId xmlns:a16="http://schemas.microsoft.com/office/drawing/2014/main" id="{3766C935-AA72-D632-DF9F-664EEAE4D71A}"/>
-              </a:ext>
-            </a:extLst>
-          </p:cNvPr>
-          <p:cNvPicPr>
-            <a:picLocks noChangeAspect="1"/>
-          </p:cNvPicPr>
-          <p:nvPr/>
-        </p:nvPicPr>
-        <p:blipFill>
-          <a:blip r:embed="rId2">
-            <a:extLst>
-              <a:ext uri="{BEBA8EAE-BF5A-486C-A8C5-ECC9F3942E4B}">
-                <a14:imgProps xmlns:a14="http://schemas.microsoft.com/office/drawing/2010/main">
-                  <a14:imgLayer r:embed="rId3">
-                    <a14:imgEffect>
-                      <a14:backgroundRemoval t="10000" b="90000" l="4222" r="94000">
-                        <a14:foregroundMark x1="5778" y1="59333" x2="5778" y2="59333"/>
-                        <a14:foregroundMark x1="94000" y1="55556" x2="94000" y2="55556"/>
-                        <a14:foregroundMark x1="75333" y1="48444" x2="75333" y2="48444"/>
-                        <a14:foregroundMark x1="8889" y1="65556" x2="8889" y2="65556"/>
-                        <a14:foregroundMark x1="4222" y1="62444" x2="4222" y2="62444"/>
-                      </a14:backgroundRemoval>
-                    </a14:imgEffect>
-                  </a14:imgLayer>
-                </a14:imgProps>
-              </a:ext>
-              <a:ext uri="{837473B0-CC2E-450A-ABE3-18F120FF3D39}">
-                <a1611:picAttrSrcUrl xmlns:a1611="http://schemas.microsoft.com/office/drawing/2016/11/main" r:id="rId4"/>
-              </a:ext>
-            </a:extLst>
-          </a:blip>
-          <a:stretch>
-            <a:fillRect/>
-          </a:stretch>
-        </p:blipFill>
-        <p:spPr>
-          <a:xfrm>
-            <a:off x="110297" y="2208346"/>
-            <a:ext cx="1220654" cy="1220654"/>
-          </a:xfrm>
-          <a:prstGeom prst="rect">
-            <a:avLst/>
-          </a:prstGeom>
-        </p:spPr>
-      </p:pic>
-      <p:pic>
-        <p:nvPicPr>
-          <p:cNvPr id="12" name="Image 11">
-            <a:extLst>
-              <a:ext uri="{FF2B5EF4-FFF2-40B4-BE49-F238E27FC236}">
-                <a16:creationId xmlns:a16="http://schemas.microsoft.com/office/drawing/2014/main" id="{103C5B29-E6F3-7053-9678-13D27864FFAC}"/>
-              </a:ext>
-            </a:extLst>
-          </p:cNvPr>
-          <p:cNvPicPr>
-            <a:picLocks noChangeAspect="1"/>
-          </p:cNvPicPr>
-          <p:nvPr/>
-        </p:nvPicPr>
-        <p:blipFill rotWithShape="1">
-          <a:blip r:embed="rId5"/>
-          <a:srcRect l="40072"/>
-          <a:stretch/>
-        </p:blipFill>
-        <p:spPr>
-          <a:xfrm>
-            <a:off x="4989153" y="0"/>
-            <a:ext cx="7202847" cy="6858000"/>
-          </a:xfrm>
-          <a:prstGeom prst="rect">
-            <a:avLst/>
-          </a:prstGeom>
-        </p:spPr>
-      </p:pic>
-      <p:sp>
-        <p:nvSpPr>
-          <p:cNvPr id="10" name="Ellipse 9">
-            <a:extLst>
-              <a:ext uri="{FF2B5EF4-FFF2-40B4-BE49-F238E27FC236}">
-                <a16:creationId xmlns:a16="http://schemas.microsoft.com/office/drawing/2014/main" id="{CAAC5C78-E630-573E-A43F-D1107666D747}"/>
-              </a:ext>
-            </a:extLst>
-          </p:cNvPr>
-          <p:cNvSpPr/>
-          <p:nvPr/>
-        </p:nvSpPr>
-        <p:spPr>
-          <a:xfrm>
-            <a:off x="7583488" y="1488332"/>
-            <a:ext cx="2825108" cy="3988340"/>
-          </a:xfrm>
-          <a:prstGeom prst="ellipse">
-            <a:avLst/>
-          </a:prstGeom>
-          <a:noFill/>
-          <a:ln w="38100"/>
-        </p:spPr>
-        <p:style>
-          <a:lnRef idx="2">
-            <a:schemeClr val="accent1">
-              <a:shade val="50000"/>
-            </a:schemeClr>
-          </a:lnRef>
-          <a:fillRef idx="1">
-            <a:schemeClr val="accent1"/>
-          </a:fillRef>
-          <a:effectRef idx="0">
-            <a:schemeClr val="accent1"/>
-          </a:effectRef>
-          <a:fontRef idx="minor">
-            <a:schemeClr val="lt1"/>
-          </a:fontRef>
-        </p:style>
-        <p:txBody>
-          <a:bodyPr rtlCol="0" anchor="ctr"/>
-          <a:lstStyle/>
-          <a:p>
-            <a:pPr algn="ctr"/>
-            <a:endParaRPr lang="fr-FR"/>
+              <a:t>Diagrammes</a:t>
+            </a:r>
           </a:p>
         </p:txBody>
       </p:sp>
     </p:spTree>
     <p:extLst>
       <p:ext uri="{BB962C8B-B14F-4D97-AF65-F5344CB8AC3E}">
-        <p14:creationId xmlns:p14="http://schemas.microsoft.com/office/powerpoint/2010/main" val="2809124533"/>
+        <p14:creationId xmlns:p14="http://schemas.microsoft.com/office/powerpoint/2010/main" val="2041386230"/>
       </p:ext>
     </p:extLst>
   </p:cSld>
@@ -17318,10 +17244,90 @@
       </p:grpSpPr>
       <p:sp>
         <p:nvSpPr>
-          <p:cNvPr id="2" name="Titre 1">
-            <a:extLst>
-              <a:ext uri="{FF2B5EF4-FFF2-40B4-BE49-F238E27FC236}">
-                <a16:creationId xmlns:a16="http://schemas.microsoft.com/office/drawing/2014/main" id="{1FE865AE-991B-8E6C-4958-77BCF27CB95F}"/>
+          <p:cNvPr id="4" name="Espace réservé du texte 3">
+            <a:extLst>
+              <a:ext uri="{FF2B5EF4-FFF2-40B4-BE49-F238E27FC236}">
+                <a16:creationId xmlns:a16="http://schemas.microsoft.com/office/drawing/2014/main" id="{61CEC20E-F9D6-D5E0-8EFE-06277B8EA0B4}"/>
+              </a:ext>
+            </a:extLst>
+          </p:cNvPr>
+          <p:cNvSpPr>
+            <a:spLocks noGrp="1"/>
+          </p:cNvSpPr>
+          <p:nvPr>
+            <p:ph type="body" sz="quarter" idx="11"/>
+          </p:nvPr>
+        </p:nvSpPr>
+        <p:spPr>
+          <a:xfrm>
+            <a:off x="647699" y="2717803"/>
+            <a:ext cx="4512973" cy="3368675"/>
+          </a:xfrm>
+        </p:spPr>
+        <p:txBody>
+          <a:bodyPr/>
+          <a:lstStyle/>
+          <a:p>
+            <a:r>
+              <a:rPr lang="fr-FR" sz="1800" dirty="0"/>
+              <a:t>Objectif:</a:t>
+            </a:r>
+          </a:p>
+          <a:p>
+            <a:pPr marL="285750" indent="-285750">
+              <a:buFont typeface="Arial" panose="020B0604020202020204" pitchFamily="34" charset="0"/>
+              <a:buChar char="•"/>
+            </a:pPr>
+            <a:r>
+              <a:rPr lang="fr-FR" sz="1800" dirty="0"/>
+              <a:t>Récupérer les adresses MAC BLE des personnes rentrant et sortant du campus</a:t>
+            </a:r>
+          </a:p>
+          <a:p>
+            <a:pPr marL="285750" indent="-285750">
+              <a:buFont typeface="Arial" panose="020B0604020202020204" pitchFamily="34" charset="0"/>
+              <a:buChar char="•"/>
+            </a:pPr>
+            <a:r>
+              <a:rPr lang="fr-FR" sz="1800" dirty="0"/>
+              <a:t>Publier ces résultats sur le topic « Campus »</a:t>
+            </a:r>
+          </a:p>
+          <a:p>
+            <a:pPr marL="285750" indent="-285750">
+              <a:buFont typeface="Arial" panose="020B0604020202020204" pitchFamily="34" charset="0"/>
+              <a:buChar char="•"/>
+            </a:pPr>
+            <a:r>
+              <a:rPr lang="fr-FR" sz="1800" dirty="0"/>
+              <a:t>Sauvegarder ces résultats dans une base de données</a:t>
+            </a:r>
+          </a:p>
+          <a:p>
+            <a:pPr marL="285750" indent="-285750">
+              <a:buFont typeface="Arial" panose="020B0604020202020204" pitchFamily="34" charset="0"/>
+              <a:buChar char="•"/>
+            </a:pPr>
+            <a:r>
+              <a:rPr lang="fr-FR" sz="1800" dirty="0"/>
+              <a:t>Afficher le nombre de personnes présentes sur le campus</a:t>
+            </a:r>
+          </a:p>
+          <a:p>
+            <a:pPr marL="285750" indent="-285750">
+              <a:buFont typeface="Arial" panose="020B0604020202020204" pitchFamily="34" charset="0"/>
+              <a:buChar char="•"/>
+            </a:pPr>
+            <a:endParaRPr lang="fr-FR" dirty="0"/>
+          </a:p>
+        </p:txBody>
+      </p:sp>
+      <p:sp>
+        <p:nvSpPr>
+          <p:cNvPr id="5" name="Titre 4">
+            <a:extLst>
+              <a:ext uri="{FF2B5EF4-FFF2-40B4-BE49-F238E27FC236}">
+                <a16:creationId xmlns:a16="http://schemas.microsoft.com/office/drawing/2014/main" id="{7BC74D96-20AD-411A-6EC2-B30B1CA4C432}"/>
               </a:ext>
             </a:extLst>
           </p:cNvPr>
@@ -17334,9 +17340,7 @@
         </p:nvSpPr>
         <p:spPr/>
         <p:txBody>
-          <a:bodyPr>
-            <a:normAutofit/>
-          </a:bodyPr>
+          <a:bodyPr/>
           <a:lstStyle/>
           <a:p>
             <a:r>
@@ -17346,20 +17350,16 @@
             <a:br>
               <a:rPr lang="fr-FR" dirty="0"/>
             </a:br>
-            <a:r>
-              <a:rPr lang="fr-FR" sz="2000" dirty="0"/>
-              <a:t>Publication des données avec MQTT</a:t>
-            </a:r>
             <a:endParaRPr lang="fr-FR" dirty="0"/>
           </a:p>
         </p:txBody>
       </p:sp>
       <p:sp>
         <p:nvSpPr>
-          <p:cNvPr id="3" name="Espace réservé du texte 2">
-            <a:extLst>
-              <a:ext uri="{FF2B5EF4-FFF2-40B4-BE49-F238E27FC236}">
-                <a16:creationId xmlns:a16="http://schemas.microsoft.com/office/drawing/2014/main" id="{09E83A35-1FD2-59BB-CBDE-C332CBAB8755}"/>
+          <p:cNvPr id="8" name="Espace réservé du numéro de diapositive 7">
+            <a:extLst>
+              <a:ext uri="{FF2B5EF4-FFF2-40B4-BE49-F238E27FC236}">
+                <a16:creationId xmlns:a16="http://schemas.microsoft.com/office/drawing/2014/main" id="{292B76D6-CD86-E9EB-1368-EC8B1C74C821}"/>
               </a:ext>
             </a:extLst>
           </p:cNvPr>
@@ -17367,137 +17367,307 @@
             <a:spLocks noGrp="1"/>
           </p:cNvSpPr>
           <p:nvPr>
-            <p:ph type="body" sz="half" idx="2"/>
+            <p:ph type="sldNum" sz="quarter" idx="4"/>
           </p:nvPr>
         </p:nvSpPr>
-        <p:spPr>
-          <a:xfrm>
-            <a:off x="839788" y="2222770"/>
-            <a:ext cx="3932237" cy="3811588"/>
-          </a:xfrm>
-        </p:spPr>
+        <p:spPr/>
         <p:txBody>
           <a:bodyPr/>
           <a:lstStyle/>
           <a:p>
-            <a:pPr marL="285750" indent="-285750">
-              <a:buFont typeface="Arial" panose="020B0604020202020204" pitchFamily="34" charset="0"/>
-              <a:buChar char="•"/>
-            </a:pPr>
-            <a:r>
-              <a:rPr lang="fr-FR" dirty="0"/>
-              <a:t>MQTT serveur : 192.168.143.151</a:t>
-            </a:r>
-          </a:p>
-          <a:p>
-            <a:pPr marL="285750" indent="-285750">
-              <a:buFont typeface="Arial" panose="020B0604020202020204" pitchFamily="34" charset="0"/>
-              <a:buChar char="•"/>
-            </a:pPr>
-            <a:r>
-              <a:rPr lang="fr-FR" dirty="0"/>
-              <a:t>Topic: Campus</a:t>
-            </a:r>
-          </a:p>
-          <a:p>
-            <a:pPr marL="285750" indent="-285750">
-              <a:buFont typeface="Arial" panose="020B0604020202020204" pitchFamily="34" charset="0"/>
-              <a:buChar char="•"/>
-            </a:pPr>
-            <a:r>
-              <a:rPr lang="fr-FR" dirty="0"/>
-              <a:t>Port : 1883</a:t>
-            </a:r>
-          </a:p>
-          <a:p>
-            <a:pPr marL="285750" indent="-285750">
-              <a:buFont typeface="Arial" panose="020B0604020202020204" pitchFamily="34" charset="0"/>
-              <a:buChar char="•"/>
-            </a:pPr>
-            <a:endParaRPr lang="fr-FR" dirty="0"/>
-          </a:p>
-        </p:txBody>
-      </p:sp>
-      <p:sp>
-        <p:nvSpPr>
-          <p:cNvPr id="10" name="Ellipse 9">
-            <a:extLst>
-              <a:ext uri="{FF2B5EF4-FFF2-40B4-BE49-F238E27FC236}">
-                <a16:creationId xmlns:a16="http://schemas.microsoft.com/office/drawing/2014/main" id="{CAAC5C78-E630-573E-A43F-D1107666D747}"/>
-              </a:ext>
-            </a:extLst>
-          </p:cNvPr>
-          <p:cNvSpPr/>
-          <p:nvPr/>
-        </p:nvSpPr>
-        <p:spPr>
-          <a:xfrm>
-            <a:off x="7583488" y="2208346"/>
-            <a:ext cx="1618878" cy="914233"/>
-          </a:xfrm>
-          <a:prstGeom prst="ellipse">
+            <a:pPr algn="ctr" rtl="0"/>
+            <a:fld id="{817179DE-9BF3-494C-804F-0C7C90AC8700}" type="slidenum">
+              <a:rPr lang="fr-FR" noProof="0" smtClean="0"/>
+              <a:pPr algn="ctr" rtl="0"/>
+              <a:t>9</a:t>
+            </a:fld>
+            <a:endParaRPr lang="fr-FR" noProof="0"/>
+          </a:p>
+        </p:txBody>
+      </p:sp>
+      <p:pic>
+        <p:nvPicPr>
+          <p:cNvPr id="1026" name="Picture 2" descr="Bluetooth Low Energy (BLE) Introduction - Part 2 ⋆ EmbeTronicX">
+            <a:extLst>
+              <a:ext uri="{FF2B5EF4-FFF2-40B4-BE49-F238E27FC236}">
+                <a16:creationId xmlns:a16="http://schemas.microsoft.com/office/drawing/2014/main" id="{8B7C63E8-4020-808F-39FC-0B91FFD0DF45}"/>
+              </a:ext>
+            </a:extLst>
+          </p:cNvPr>
+          <p:cNvPicPr>
+            <a:picLocks noGrp="1" noChangeAspect="1" noChangeArrowheads="1"/>
+          </p:cNvPicPr>
+          <p:nvPr>
+            <p:ph sz="quarter" idx="13"/>
+          </p:nvPr>
+        </p:nvPicPr>
+        <p:blipFill>
+          <a:blip r:embed="rId2">
+            <a:extLst>
+              <a:ext uri="{28A0092B-C50C-407E-A947-70E740481C1C}">
+                <a14:useLocalDpi xmlns:a14="http://schemas.microsoft.com/office/drawing/2010/main" val="0"/>
+              </a:ext>
+            </a:extLst>
+          </a:blip>
+          <a:srcRect/>
+          <a:stretch>
+            <a:fillRect/>
+          </a:stretch>
+        </p:blipFill>
+        <p:spPr bwMode="auto">
+          <a:xfrm>
+            <a:off x="2780516" y="1642084"/>
+            <a:ext cx="548640" cy="548640"/>
+          </a:xfrm>
+          <a:prstGeom prst="rect">
             <a:avLst/>
           </a:prstGeom>
           <a:noFill/>
-          <a:ln w="38100"/>
-        </p:spPr>
-        <p:style>
-          <a:lnRef idx="2">
-            <a:schemeClr val="accent1">
-              <a:shade val="50000"/>
-            </a:schemeClr>
-          </a:lnRef>
-          <a:fillRef idx="1">
-            <a:schemeClr val="accent1"/>
-          </a:fillRef>
-          <a:effectRef idx="0">
-            <a:schemeClr val="accent1"/>
-          </a:effectRef>
-          <a:fontRef idx="minor">
-            <a:schemeClr val="lt1"/>
-          </a:fontRef>
-        </p:style>
-        <p:txBody>
-          <a:bodyPr rtlCol="0" anchor="ctr"/>
-          <a:lstStyle/>
-          <a:p>
-            <a:pPr algn="ctr"/>
-            <a:endParaRPr lang="fr-FR"/>
-          </a:p>
-        </p:txBody>
-      </p:sp>
+          <a:extLst>
+            <a:ext uri="{909E8E84-426E-40DD-AFC4-6F175D3DCCD1}">
+              <a14:hiddenFill xmlns:a14="http://schemas.microsoft.com/office/drawing/2010/main">
+                <a:solidFill>
+                  <a:srgbClr val="FFFFFF"/>
+                </a:solidFill>
+              </a14:hiddenFill>
+            </a:ext>
+          </a:extLst>
+        </p:spPr>
+      </p:pic>
       <p:pic>
         <p:nvPicPr>
-          <p:cNvPr id="9" name="Espace réservé pour une image  8">
-            <a:extLst>
-              <a:ext uri="{FF2B5EF4-FFF2-40B4-BE49-F238E27FC236}">
-                <a16:creationId xmlns:a16="http://schemas.microsoft.com/office/drawing/2014/main" id="{59BC2D6D-E3B7-1549-8F37-2F65054EAF82}"/>
+          <p:cNvPr id="10" name="Picture 2" descr="Arduino — Wikipédia">
+            <a:extLst>
+              <a:ext uri="{FF2B5EF4-FFF2-40B4-BE49-F238E27FC236}">
+                <a16:creationId xmlns:a16="http://schemas.microsoft.com/office/drawing/2014/main" id="{4D0A9E5D-849D-2782-0CBD-4D2D7DCD5DA9}"/>
               </a:ext>
             </a:extLst>
           </p:cNvPr>
           <p:cNvPicPr>
-            <a:picLocks noGrp="1" noChangeAspect="1"/>
+            <a:picLocks noGrp="1" noChangeAspect="1" noChangeArrowheads="1"/>
           </p:cNvPicPr>
           <p:nvPr>
-            <p:ph type="pic" idx="1"/>
+            <p:ph sz="quarter" idx="14"/>
           </p:nvPr>
         </p:nvPicPr>
-        <p:blipFill rotWithShape="1">
-          <a:blip r:embed="rId2"/>
-          <a:srcRect t="-10496" b="-10496"/>
+        <p:blipFill>
+          <a:blip r:embed="rId3">
+            <a:extLst>
+              <a:ext uri="{28A0092B-C50C-407E-A947-70E740481C1C}">
+                <a14:useLocalDpi xmlns:a14="http://schemas.microsoft.com/office/drawing/2010/main" val="0"/>
+              </a:ext>
+            </a:extLst>
+          </a:blip>
+          <a:srcRect/>
+          <a:stretch>
+            <a:fillRect/>
+          </a:stretch>
+        </p:blipFill>
+        <p:spPr bwMode="auto">
+          <a:xfrm>
+            <a:off x="3573478" y="1817137"/>
+            <a:ext cx="549275" cy="373587"/>
+          </a:xfrm>
+          <a:prstGeom prst="rect">
+            <a:avLst/>
+          </a:prstGeom>
+          <a:noFill/>
+          <a:extLst>
+            <a:ext uri="{909E8E84-426E-40DD-AFC4-6F175D3DCCD1}">
+              <a14:hiddenFill xmlns:a14="http://schemas.microsoft.com/office/drawing/2010/main">
+                <a:solidFill>
+                  <a:srgbClr val="FFFFFF"/>
+                </a:solidFill>
+              </a14:hiddenFill>
+            </a:ext>
+          </a:extLst>
+        </p:spPr>
+      </p:pic>
+      <p:pic>
+        <p:nvPicPr>
+          <p:cNvPr id="14" name="Image 22">
+            <a:extLst>
+              <a:ext uri="{FF2B5EF4-FFF2-40B4-BE49-F238E27FC236}">
+                <a16:creationId xmlns:a16="http://schemas.microsoft.com/office/drawing/2014/main" id="{4B896E3E-DDF7-7892-80D1-75C34E068984}"/>
+              </a:ext>
+            </a:extLst>
+          </p:cNvPr>
+          <p:cNvPicPr/>
+          <p:nvPr/>
+        </p:nvPicPr>
+        <p:blipFill>
+          <a:blip r:embed="rId4"/>
           <a:stretch/>
         </p:blipFill>
         <p:spPr>
           <a:xfrm>
-            <a:off x="5183188" y="417513"/>
-            <a:ext cx="6172200" cy="5403850"/>
-          </a:xfrm>
+            <a:off x="4367075" y="1642084"/>
+            <a:ext cx="549275" cy="548640"/>
+          </a:xfrm>
+          <a:prstGeom prst="rect">
+            <a:avLst/>
+          </a:prstGeom>
+          <a:ln w="0">
+            <a:noFill/>
+          </a:ln>
+        </p:spPr>
+      </p:pic>
+      <p:pic>
+        <p:nvPicPr>
+          <p:cNvPr id="1028" name="Picture 4" descr="MQTT Broker-Client – The Blog of Ivan Krizsan">
+            <a:extLst>
+              <a:ext uri="{FF2B5EF4-FFF2-40B4-BE49-F238E27FC236}">
+                <a16:creationId xmlns:a16="http://schemas.microsoft.com/office/drawing/2014/main" id="{93865ADD-C9AF-2723-263F-406490B7A870}"/>
+              </a:ext>
+            </a:extLst>
+          </p:cNvPr>
+          <p:cNvPicPr>
+            <a:picLocks noChangeAspect="1" noChangeArrowheads="1"/>
+          </p:cNvPicPr>
+          <p:nvPr/>
+        </p:nvPicPr>
+        <p:blipFill>
+          <a:blip r:embed="rId5">
+            <a:extLst>
+              <a:ext uri="{28A0092B-C50C-407E-A947-70E740481C1C}">
+                <a14:useLocalDpi xmlns:a14="http://schemas.microsoft.com/office/drawing/2010/main" val="0"/>
+              </a:ext>
+            </a:extLst>
+          </a:blip>
+          <a:srcRect/>
+          <a:stretch>
+            <a:fillRect/>
+          </a:stretch>
+        </p:blipFill>
+        <p:spPr bwMode="auto">
+          <a:xfrm>
+            <a:off x="1791980" y="1553701"/>
+            <a:ext cx="744214" cy="637023"/>
+          </a:xfrm>
+          <a:prstGeom prst="rect">
+            <a:avLst/>
+          </a:prstGeom>
+          <a:noFill/>
+          <a:extLst>
+            <a:ext uri="{909E8E84-426E-40DD-AFC4-6F175D3DCCD1}">
+              <a14:hiddenFill xmlns:a14="http://schemas.microsoft.com/office/drawing/2010/main">
+                <a:solidFill>
+                  <a:srgbClr val="FFFFFF"/>
+                </a:solidFill>
+              </a14:hiddenFill>
+            </a:ext>
+          </a:extLst>
+        </p:spPr>
+      </p:pic>
+      <p:pic>
+        <p:nvPicPr>
+          <p:cNvPr id="9" name="Image 8">
+            <a:extLst>
+              <a:ext uri="{FF2B5EF4-FFF2-40B4-BE49-F238E27FC236}">
+                <a16:creationId xmlns:a16="http://schemas.microsoft.com/office/drawing/2014/main" id="{18663FBD-18DE-DC6A-8E7C-99BD80AF7DF6}"/>
+              </a:ext>
+            </a:extLst>
+          </p:cNvPr>
+          <p:cNvPicPr>
+            <a:picLocks noChangeAspect="1"/>
+          </p:cNvPicPr>
+          <p:nvPr/>
+        </p:nvPicPr>
+        <p:blipFill>
+          <a:blip r:embed="rId6"/>
+          <a:stretch>
+            <a:fillRect/>
+          </a:stretch>
+        </p:blipFill>
+        <p:spPr>
+          <a:xfrm>
+            <a:off x="5160673" y="1515110"/>
+            <a:ext cx="675614" cy="675614"/>
+          </a:xfrm>
+          <a:prstGeom prst="rect">
+            <a:avLst/>
+          </a:prstGeom>
+        </p:spPr>
+      </p:pic>
+      <p:pic>
+        <p:nvPicPr>
+          <p:cNvPr id="15" name="Image 14">
+            <a:extLst>
+              <a:ext uri="{FF2B5EF4-FFF2-40B4-BE49-F238E27FC236}">
+                <a16:creationId xmlns:a16="http://schemas.microsoft.com/office/drawing/2014/main" id="{42064B03-B3EA-A36E-7153-61AD54B6A6EC}"/>
+              </a:ext>
+            </a:extLst>
+          </p:cNvPr>
+          <p:cNvPicPr>
+            <a:picLocks noChangeAspect="1"/>
+          </p:cNvPicPr>
+          <p:nvPr/>
+        </p:nvPicPr>
+        <p:blipFill>
+          <a:blip r:embed="rId7"/>
+          <a:stretch>
+            <a:fillRect/>
+          </a:stretch>
+        </p:blipFill>
+        <p:spPr>
+          <a:xfrm>
+            <a:off x="919441" y="1562507"/>
+            <a:ext cx="628217" cy="628217"/>
+          </a:xfrm>
+          <a:prstGeom prst="rect">
+            <a:avLst/>
+          </a:prstGeom>
+        </p:spPr>
+      </p:pic>
+      <p:pic>
+        <p:nvPicPr>
+          <p:cNvPr id="1030" name="Picture 6" descr="Fiche projet - Campus SOPHIA TECH - Sophia-Antipolis">
+            <a:extLst>
+              <a:ext uri="{FF2B5EF4-FFF2-40B4-BE49-F238E27FC236}">
+                <a16:creationId xmlns:a16="http://schemas.microsoft.com/office/drawing/2014/main" id="{86CCC64C-BF06-C6DF-AE31-201A39C22E0B}"/>
+              </a:ext>
+            </a:extLst>
+          </p:cNvPr>
+          <p:cNvPicPr>
+            <a:picLocks noGrp="1" noChangeAspect="1" noChangeArrowheads="1"/>
+          </p:cNvPicPr>
+          <p:nvPr>
+            <p:ph type="pic" sz="quarter" idx="10"/>
+          </p:nvPr>
+        </p:nvPicPr>
+        <p:blipFill>
+          <a:blip r:embed="rId8">
+            <a:extLst>
+              <a:ext uri="{28A0092B-C50C-407E-A947-70E740481C1C}">
+                <a14:useLocalDpi xmlns:a14="http://schemas.microsoft.com/office/drawing/2010/main" val="0"/>
+              </a:ext>
+            </a:extLst>
+          </a:blip>
+          <a:srcRect l="23953" r="23953"/>
+          <a:stretch>
+            <a:fillRect/>
+          </a:stretch>
+        </p:blipFill>
+        <p:spPr bwMode="auto">
+          <a:prstGeom prst="rect">
+            <a:avLst/>
+          </a:prstGeom>
+          <a:noFill/>
+          <a:extLst>
+            <a:ext uri="{909E8E84-426E-40DD-AFC4-6F175D3DCCD1}">
+              <a14:hiddenFill xmlns:a14="http://schemas.microsoft.com/office/drawing/2010/main">
+                <a:solidFill>
+                  <a:srgbClr val="FFFFFF"/>
+                </a:solidFill>
+              </a14:hiddenFill>
+            </a:ext>
+          </a:extLst>
         </p:spPr>
       </p:pic>
     </p:spTree>
     <p:extLst>
       <p:ext uri="{BB962C8B-B14F-4D97-AF65-F5344CB8AC3E}">
-        <p14:creationId xmlns:p14="http://schemas.microsoft.com/office/powerpoint/2010/main" val="2686469771"/>
+        <p14:creationId xmlns:p14="http://schemas.microsoft.com/office/powerpoint/2010/main" val="2173750144"/>
       </p:ext>
     </p:extLst>
   </p:cSld>
@@ -18299,18 +18469,18 @@
 </file>
 
 <file path=customXml/item1.xml><?xml version="1.0" encoding="utf-8"?>
+<p:properties xmlns:p="http://schemas.microsoft.com/office/2006/metadata/properties" xmlns:xsi="http://www.w3.org/2001/XMLSchema-instance" xmlns:pc="http://schemas.microsoft.com/office/infopath/2007/PartnerControls">
+  <documentManagement/>
+</p:properties>
+</file>
+
+<file path=customXml/item2.xml><?xml version="1.0" encoding="utf-8"?>
 <?mso-contentType ?>
 <FormTemplates xmlns="http://schemas.microsoft.com/sharepoint/v3/contenttype/forms">
   <Display>DocumentLibraryForm</Display>
   <Edit>DocumentLibraryForm</Edit>
   <New>DocumentLibraryForm</New>
 </FormTemplates>
-</file>
-
-<file path=customXml/item2.xml><?xml version="1.0" encoding="utf-8"?>
-<p:properties xmlns:p="http://schemas.microsoft.com/office/2006/metadata/properties" xmlns:xsi="http://www.w3.org/2001/XMLSchema-instance" xmlns:pc="http://schemas.microsoft.com/office/infopath/2007/PartnerControls">
-  <documentManagement/>
-</p:properties>
 </file>
 
 <file path=customXml/item3.xml><?xml version="1.0" encoding="utf-8"?>
@@ -18446,14 +18616,6 @@
 </file>
 
 <file path=customXml/itemProps1.xml><?xml version="1.0" encoding="utf-8"?>
-<ds:datastoreItem xmlns:ds="http://schemas.openxmlformats.org/officeDocument/2006/customXml" ds:itemID="{6216BF83-BC37-4FA3-93AF-55DBFC07FBB9}">
-  <ds:schemaRefs>
-    <ds:schemaRef ds:uri="http://schemas.microsoft.com/sharepoint/v3/contenttype/forms"/>
-  </ds:schemaRefs>
-</ds:datastoreItem>
-</file>
-
-<file path=customXml/itemProps2.xml><?xml version="1.0" encoding="utf-8"?>
 <ds:datastoreItem xmlns:ds="http://schemas.openxmlformats.org/officeDocument/2006/customXml" ds:itemID="{9A042760-9A7A-479B-B4D8-612EBC1AFF18}">
   <ds:schemaRefs>
     <ds:schemaRef ds:uri="http://schemas.microsoft.com/office/2006/metadata/properties"/>
@@ -18465,6 +18627,14 @@
     <ds:schemaRef ds:uri="http://schemas.microsoft.com/office/2006/documentManagement/types"/>
     <ds:schemaRef ds:uri="http://schemas.microsoft.com/office/infopath/2007/PartnerControls"/>
     <ds:schemaRef ds:uri="88e89e40-c19a-48d0-a0b6-11184f7f918e"/>
+  </ds:schemaRefs>
+</ds:datastoreItem>
+</file>
+
+<file path=customXml/itemProps2.xml><?xml version="1.0" encoding="utf-8"?>
+<ds:datastoreItem xmlns:ds="http://schemas.openxmlformats.org/officeDocument/2006/customXml" ds:itemID="{6216BF83-BC37-4FA3-93AF-55DBFC07FBB9}">
+  <ds:schemaRefs>
+    <ds:schemaRef ds:uri="http://schemas.microsoft.com/sharepoint/v3/contenttype/forms"/>
   </ds:schemaRefs>
 </ds:datastoreItem>
 </file>

--- a/Docs/Gestion des accès au bâtiment.pptx
+++ b/Docs/Gestion des accès au bâtiment.pptx
@@ -5,10 +5,10 @@
     <p:sldMasterId id="2147483648" r:id="rId4"/>
   </p:sldMasterIdLst>
   <p:notesMasterIdLst>
-    <p:notesMasterId r:id="rId31"/>
+    <p:notesMasterId r:id="rId32"/>
   </p:notesMasterIdLst>
   <p:handoutMasterIdLst>
-    <p:handoutMasterId r:id="rId32"/>
+    <p:handoutMasterId r:id="rId33"/>
   </p:handoutMasterIdLst>
   <p:sldIdLst>
     <p:sldId id="281" r:id="rId5"/>
@@ -27,16 +27,17 @@
     <p:sldId id="303" r:id="rId18"/>
     <p:sldId id="311" r:id="rId19"/>
     <p:sldId id="313" r:id="rId20"/>
-    <p:sldId id="314" r:id="rId21"/>
-    <p:sldId id="316" r:id="rId22"/>
-    <p:sldId id="320" r:id="rId23"/>
-    <p:sldId id="319" r:id="rId24"/>
-    <p:sldId id="304" r:id="rId25"/>
-    <p:sldId id="308" r:id="rId26"/>
-    <p:sldId id="305" r:id="rId27"/>
-    <p:sldId id="306" r:id="rId28"/>
-    <p:sldId id="307" r:id="rId29"/>
-    <p:sldId id="295" r:id="rId30"/>
+    <p:sldId id="323" r:id="rId21"/>
+    <p:sldId id="314" r:id="rId22"/>
+    <p:sldId id="316" r:id="rId23"/>
+    <p:sldId id="320" r:id="rId24"/>
+    <p:sldId id="319" r:id="rId25"/>
+    <p:sldId id="304" r:id="rId26"/>
+    <p:sldId id="308" r:id="rId27"/>
+    <p:sldId id="305" r:id="rId28"/>
+    <p:sldId id="306" r:id="rId29"/>
+    <p:sldId id="307" r:id="rId30"/>
+    <p:sldId id="295" r:id="rId31"/>
   </p:sldIdLst>
   <p:sldSz cx="12192000" cy="6858000"/>
   <p:notesSz cx="6858000" cy="9144000"/>
@@ -268,7 +269,7 @@
             <a:pPr rtl="0"/>
             <a:fld id="{6A304465-9F8F-4E6E-9E0A-D4832F175C18}" type="datetime1">
               <a:rPr lang="fr-FR" smtClean="0"/>
-              <a:t>12/05/2022</a:t>
+              <a:t>13/05/2022</a:t>
             </a:fld>
             <a:endParaRPr lang="fr-FR"/>
           </a:p>
@@ -508,7 +509,7 @@
             <a:fld id="{D4679DA2-282D-4D5F-82DD-205B1DC49208}" type="datetime1">
               <a:rPr lang="fr-FR" smtClean="0"/>
               <a:pPr/>
-              <a:t>12/05/2022</a:t>
+              <a:t>13/05/2022</a:t>
             </a:fld>
             <a:endParaRPr lang="fr-FR" dirty="0"/>
           </a:p>
@@ -1114,7 +1115,7 @@
             <a:pPr rtl="0"/>
             <a:fld id="{6BF82289-BCFD-4053-9D06-A9140C63A457}" type="slidenum">
               <a:rPr lang="fr-FR" smtClean="0"/>
-              <a:t>26</a:t>
+              <a:t>27</a:t>
             </a:fld>
             <a:endParaRPr lang="fr-FR"/>
           </a:p>
@@ -12432,6 +12433,221 @@
           <a:chExt cx="0" cy="0"/>
         </a:xfrm>
       </p:grpSpPr>
+      <p:sp>
+        <p:nvSpPr>
+          <p:cNvPr id="2" name="Titre 1">
+            <a:extLst>
+              <a:ext uri="{FF2B5EF4-FFF2-40B4-BE49-F238E27FC236}">
+                <a16:creationId xmlns:a16="http://schemas.microsoft.com/office/drawing/2014/main" id="{1FE865AE-991B-8E6C-4958-77BCF27CB95F}"/>
+              </a:ext>
+            </a:extLst>
+          </p:cNvPr>
+          <p:cNvSpPr>
+            <a:spLocks noGrp="1"/>
+          </p:cNvSpPr>
+          <p:nvPr>
+            <p:ph type="title"/>
+          </p:nvPr>
+        </p:nvSpPr>
+        <p:spPr/>
+        <p:txBody>
+          <a:bodyPr>
+            <a:normAutofit/>
+          </a:bodyPr>
+          <a:lstStyle/>
+          <a:p>
+            <a:r>
+              <a:rPr lang="fr-FR" dirty="0"/>
+              <a:t>Gestion des accès au campus</a:t>
+            </a:r>
+            <a:br>
+              <a:rPr lang="fr-FR" dirty="0"/>
+            </a:br>
+            <a:r>
+              <a:rPr lang="fr-FR" sz="2000" dirty="0"/>
+              <a:t>Publication des données avec MQTT</a:t>
+            </a:r>
+            <a:endParaRPr lang="fr-FR" dirty="0"/>
+          </a:p>
+        </p:txBody>
+      </p:sp>
+      <p:sp>
+        <p:nvSpPr>
+          <p:cNvPr id="3" name="Espace réservé du texte 2">
+            <a:extLst>
+              <a:ext uri="{FF2B5EF4-FFF2-40B4-BE49-F238E27FC236}">
+                <a16:creationId xmlns:a16="http://schemas.microsoft.com/office/drawing/2014/main" id="{09E83A35-1FD2-59BB-CBDE-C332CBAB8755}"/>
+              </a:ext>
+            </a:extLst>
+          </p:cNvPr>
+          <p:cNvSpPr>
+            <a:spLocks noGrp="1"/>
+          </p:cNvSpPr>
+          <p:nvPr>
+            <p:ph type="body" sz="half" idx="2"/>
+          </p:nvPr>
+        </p:nvSpPr>
+        <p:spPr>
+          <a:xfrm>
+            <a:off x="839788" y="2222770"/>
+            <a:ext cx="3932237" cy="3811588"/>
+          </a:xfrm>
+        </p:spPr>
+        <p:txBody>
+          <a:bodyPr/>
+          <a:lstStyle/>
+          <a:p>
+            <a:pPr marL="285750" indent="-285750">
+              <a:buFont typeface="Arial" panose="020B0604020202020204" pitchFamily="34" charset="0"/>
+              <a:buChar char="•"/>
+            </a:pPr>
+            <a:r>
+              <a:rPr lang="fr-FR" dirty="0"/>
+              <a:t>MQTT serveur : 192.168.143.151</a:t>
+            </a:r>
+          </a:p>
+          <a:p>
+            <a:pPr marL="285750" indent="-285750">
+              <a:buFont typeface="Arial" panose="020B0604020202020204" pitchFamily="34" charset="0"/>
+              <a:buChar char="•"/>
+            </a:pPr>
+            <a:r>
+              <a:rPr lang="fr-FR" dirty="0"/>
+              <a:t>Topic: Campus/</a:t>
+            </a:r>
+            <a:r>
+              <a:rPr lang="fr-FR" dirty="0" err="1"/>
+              <a:t>Batiment</a:t>
+            </a:r>
+            <a:endParaRPr lang="fr-FR" dirty="0"/>
+          </a:p>
+          <a:p>
+            <a:pPr marL="285750" indent="-285750">
+              <a:buFont typeface="Arial" panose="020B0604020202020204" pitchFamily="34" charset="0"/>
+              <a:buChar char="•"/>
+            </a:pPr>
+            <a:r>
+              <a:rPr lang="fr-FR" dirty="0"/>
+              <a:t>Port : 1883</a:t>
+            </a:r>
+          </a:p>
+          <a:p>
+            <a:pPr marL="285750" indent="-285750">
+              <a:buFont typeface="Arial" panose="020B0604020202020204" pitchFamily="34" charset="0"/>
+              <a:buChar char="•"/>
+            </a:pPr>
+            <a:endParaRPr lang="fr-FR" dirty="0"/>
+          </a:p>
+        </p:txBody>
+      </p:sp>
+      <p:sp>
+        <p:nvSpPr>
+          <p:cNvPr id="10" name="Ellipse 9">
+            <a:extLst>
+              <a:ext uri="{FF2B5EF4-FFF2-40B4-BE49-F238E27FC236}">
+                <a16:creationId xmlns:a16="http://schemas.microsoft.com/office/drawing/2014/main" id="{CAAC5C78-E630-573E-A43F-D1107666D747}"/>
+              </a:ext>
+            </a:extLst>
+          </p:cNvPr>
+          <p:cNvSpPr/>
+          <p:nvPr/>
+        </p:nvSpPr>
+        <p:spPr>
+          <a:xfrm>
+            <a:off x="7583488" y="2208346"/>
+            <a:ext cx="1618878" cy="914233"/>
+          </a:xfrm>
+          <a:prstGeom prst="ellipse">
+            <a:avLst/>
+          </a:prstGeom>
+          <a:noFill/>
+          <a:ln w="38100"/>
+        </p:spPr>
+        <p:style>
+          <a:lnRef idx="2">
+            <a:schemeClr val="accent1">
+              <a:shade val="50000"/>
+            </a:schemeClr>
+          </a:lnRef>
+          <a:fillRef idx="1">
+            <a:schemeClr val="accent1"/>
+          </a:fillRef>
+          <a:effectRef idx="0">
+            <a:schemeClr val="accent1"/>
+          </a:effectRef>
+          <a:fontRef idx="minor">
+            <a:schemeClr val="lt1"/>
+          </a:fontRef>
+        </p:style>
+        <p:txBody>
+          <a:bodyPr rtlCol="0" anchor="ctr"/>
+          <a:lstStyle/>
+          <a:p>
+            <a:pPr algn="ctr"/>
+            <a:endParaRPr lang="fr-FR"/>
+          </a:p>
+        </p:txBody>
+      </p:sp>
+      <p:pic>
+        <p:nvPicPr>
+          <p:cNvPr id="7" name="Image 6">
+            <a:extLst>
+              <a:ext uri="{FF2B5EF4-FFF2-40B4-BE49-F238E27FC236}">
+                <a16:creationId xmlns:a16="http://schemas.microsoft.com/office/drawing/2014/main" id="{8C992536-5115-F72E-3EF5-6EBF7B03E7BE}"/>
+              </a:ext>
+            </a:extLst>
+          </p:cNvPr>
+          <p:cNvPicPr>
+            <a:picLocks noChangeAspect="1"/>
+          </p:cNvPicPr>
+          <p:nvPr/>
+        </p:nvPicPr>
+        <p:blipFill>
+          <a:blip r:embed="rId2"/>
+          <a:stretch>
+            <a:fillRect/>
+          </a:stretch>
+        </p:blipFill>
+        <p:spPr>
+          <a:xfrm>
+            <a:off x="5164137" y="626218"/>
+            <a:ext cx="6887705" cy="4992721"/>
+          </a:xfrm>
+          <a:prstGeom prst="rect">
+            <a:avLst/>
+          </a:prstGeom>
+        </p:spPr>
+      </p:pic>
+    </p:spTree>
+    <p:extLst>
+      <p:ext uri="{BB962C8B-B14F-4D97-AF65-F5344CB8AC3E}">
+        <p14:creationId xmlns:p14="http://schemas.microsoft.com/office/powerpoint/2010/main" val="3379698594"/>
+      </p:ext>
+    </p:extLst>
+  </p:cSld>
+  <p:clrMapOvr>
+    <a:masterClrMapping/>
+  </p:clrMapOvr>
+</p:sld>
+</file>
+
+<file path=ppt/slides/slide18.xml><?xml version="1.0" encoding="utf-8"?>
+<p:sld xmlns:a="http://schemas.openxmlformats.org/drawingml/2006/main" xmlns:r="http://schemas.openxmlformats.org/officeDocument/2006/relationships" xmlns:p="http://schemas.openxmlformats.org/presentationml/2006/main">
+  <p:cSld>
+    <p:spTree>
+      <p:nvGrpSpPr>
+        <p:cNvPr id="1" name=""/>
+        <p:cNvGrpSpPr/>
+        <p:nvPr/>
+      </p:nvGrpSpPr>
+      <p:grpSpPr>
+        <a:xfrm>
+          <a:off x="0" y="0"/>
+          <a:ext cx="0" cy="0"/>
+          <a:chOff x="0" y="0"/>
+          <a:chExt cx="0" cy="0"/>
+        </a:xfrm>
+      </p:grpSpPr>
       <p:pic>
         <p:nvPicPr>
           <p:cNvPr id="6" name="Image 5" descr="Une image contenant texte&#10;&#10;Description générée automatiquement">
@@ -12535,7 +12751,7 @@
         </p:blipFill>
         <p:spPr>
           <a:xfrm>
-            <a:off x="0" y="978803"/>
+            <a:off x="80790" y="976930"/>
             <a:ext cx="4338947" cy="4900394"/>
           </a:xfrm>
           <a:prstGeom prst="rect">
@@ -12604,116 +12820,53 @@
           </a:p>
         </p:txBody>
       </p:sp>
+      <p:sp>
+        <p:nvSpPr>
+          <p:cNvPr id="2" name="ZoneTexte 1">
+            <a:extLst>
+              <a:ext uri="{FF2B5EF4-FFF2-40B4-BE49-F238E27FC236}">
+                <a16:creationId xmlns:a16="http://schemas.microsoft.com/office/drawing/2014/main" id="{E5AE8AAF-F9FF-FEA9-750C-A571540200A9}"/>
+              </a:ext>
+            </a:extLst>
+          </p:cNvPr>
+          <p:cNvSpPr txBox="1"/>
+          <p:nvPr/>
+        </p:nvSpPr>
+        <p:spPr>
+          <a:xfrm>
+            <a:off x="80790" y="266700"/>
+            <a:ext cx="8434560" cy="369332"/>
+          </a:xfrm>
+          <a:prstGeom prst="rect">
+            <a:avLst/>
+          </a:prstGeom>
+          <a:noFill/>
+        </p:spPr>
+        <p:txBody>
+          <a:bodyPr wrap="square" rtlCol="0">
+            <a:spAutoFit/>
+          </a:bodyPr>
+          <a:lstStyle/>
+          <a:p>
+            <a:r>
+              <a:rPr lang="fr-FR" dirty="0"/>
+              <a:t>Publication sur le </a:t>
+            </a:r>
+            <a:r>
+              <a:rPr lang="fr-FR" dirty="0" err="1"/>
+              <a:t>node-red</a:t>
+            </a:r>
+            <a:r>
+              <a:rPr lang="fr-FR" dirty="0"/>
+              <a:t>… 					puis dans la BD</a:t>
+            </a:r>
+          </a:p>
+        </p:txBody>
+      </p:sp>
     </p:spTree>
     <p:extLst>
       <p:ext uri="{BB962C8B-B14F-4D97-AF65-F5344CB8AC3E}">
         <p14:creationId xmlns:p14="http://schemas.microsoft.com/office/powerpoint/2010/main" val="1151289900"/>
-      </p:ext>
-    </p:extLst>
-  </p:cSld>
-  <p:clrMapOvr>
-    <a:masterClrMapping/>
-  </p:clrMapOvr>
-</p:sld>
-</file>
-
-<file path=ppt/slides/slide18.xml><?xml version="1.0" encoding="utf-8"?>
-<p:sld xmlns:a="http://schemas.openxmlformats.org/drawingml/2006/main" xmlns:r="http://schemas.openxmlformats.org/officeDocument/2006/relationships" xmlns:p="http://schemas.openxmlformats.org/presentationml/2006/main">
-  <p:cSld>
-    <p:spTree>
-      <p:nvGrpSpPr>
-        <p:cNvPr id="1" name=""/>
-        <p:cNvGrpSpPr/>
-        <p:nvPr/>
-      </p:nvGrpSpPr>
-      <p:grpSpPr>
-        <a:xfrm>
-          <a:off x="0" y="0"/>
-          <a:ext cx="0" cy="0"/>
-          <a:chOff x="0" y="0"/>
-          <a:chExt cx="0" cy="0"/>
-        </a:xfrm>
-      </p:grpSpPr>
-      <p:sp>
-        <p:nvSpPr>
-          <p:cNvPr id="2" name="Titre 1">
-            <a:extLst>
-              <a:ext uri="{FF2B5EF4-FFF2-40B4-BE49-F238E27FC236}">
-                <a16:creationId xmlns:a16="http://schemas.microsoft.com/office/drawing/2014/main" id="{1FE865AE-991B-8E6C-4958-77BCF27CB95F}"/>
-              </a:ext>
-            </a:extLst>
-          </p:cNvPr>
-          <p:cNvSpPr>
-            <a:spLocks noGrp="1"/>
-          </p:cNvSpPr>
-          <p:nvPr>
-            <p:ph type="title"/>
-          </p:nvPr>
-        </p:nvSpPr>
-        <p:spPr>
-          <a:xfrm>
-            <a:off x="249238" y="180402"/>
-            <a:ext cx="3932237" cy="1600200"/>
-          </a:xfrm>
-        </p:spPr>
-        <p:txBody>
-          <a:bodyPr>
-            <a:normAutofit fontScale="90000"/>
-          </a:bodyPr>
-          <a:lstStyle/>
-          <a:p>
-            <a:r>
-              <a:rPr lang="fr-FR" dirty="0"/>
-              <a:t>Gestion des accès au bâtiment</a:t>
-            </a:r>
-            <a:br>
-              <a:rPr lang="fr-FR" dirty="0"/>
-            </a:br>
-            <a:br>
-              <a:rPr lang="fr-FR" dirty="0"/>
-            </a:br>
-            <a:r>
-              <a:rPr lang="fr-FR" sz="2000" dirty="0"/>
-              <a:t>Sauvegarde des données sur la BDD</a:t>
-            </a:r>
-            <a:endParaRPr lang="fr-FR" dirty="0"/>
-          </a:p>
-        </p:txBody>
-      </p:sp>
-      <p:pic>
-        <p:nvPicPr>
-          <p:cNvPr id="5" name="Image 4">
-            <a:extLst>
-              <a:ext uri="{FF2B5EF4-FFF2-40B4-BE49-F238E27FC236}">
-                <a16:creationId xmlns:a16="http://schemas.microsoft.com/office/drawing/2014/main" id="{E913ECB4-C3A0-E6D5-D421-6CDEA1EA0A59}"/>
-              </a:ext>
-            </a:extLst>
-          </p:cNvPr>
-          <p:cNvPicPr>
-            <a:picLocks noChangeAspect="1"/>
-          </p:cNvPicPr>
-          <p:nvPr/>
-        </p:nvPicPr>
-        <p:blipFill>
-          <a:blip r:embed="rId2"/>
-          <a:stretch>
-            <a:fillRect/>
-          </a:stretch>
-        </p:blipFill>
-        <p:spPr>
-          <a:xfrm>
-            <a:off x="1958534" y="2905699"/>
-            <a:ext cx="8010525" cy="1046602"/>
-          </a:xfrm>
-          <a:prstGeom prst="rect">
-            <a:avLst/>
-          </a:prstGeom>
-        </p:spPr>
-      </p:pic>
-    </p:spTree>
-    <p:extLst>
-      <p:ext uri="{BB962C8B-B14F-4D97-AF65-F5344CB8AC3E}">
-        <p14:creationId xmlns:p14="http://schemas.microsoft.com/office/powerpoint/2010/main" val="903662574"/>
       </p:ext>
     </p:extLst>
   </p:cSld>
@@ -12745,7 +12898,7 @@
           <p:cNvPr id="2" name="Titre 1">
             <a:extLst>
               <a:ext uri="{FF2B5EF4-FFF2-40B4-BE49-F238E27FC236}">
-                <a16:creationId xmlns:a16="http://schemas.microsoft.com/office/drawing/2014/main" id="{DBD23F23-EF92-2EE6-EED2-24F174401B9D}"/>
+                <a16:creationId xmlns:a16="http://schemas.microsoft.com/office/drawing/2014/main" id="{1FE865AE-991B-8E6C-4958-77BCF27CB95F}"/>
               </a:ext>
             </a:extLst>
           </p:cNvPr>
@@ -12758,13 +12911,13 @@
         </p:nvSpPr>
         <p:spPr>
           <a:xfrm>
-            <a:off x="839788" y="457200"/>
-            <a:ext cx="5625180" cy="1600200"/>
-          </a:xfrm>
-        </p:spPr>
-        <p:txBody>
-          <a:bodyPr anchor="t">
-            <a:normAutofit/>
+            <a:off x="249238" y="180402"/>
+            <a:ext cx="3932237" cy="1600200"/>
+          </a:xfrm>
+        </p:spPr>
+        <p:txBody>
+          <a:bodyPr>
+            <a:normAutofit fontScale="90000"/>
           </a:bodyPr>
           <a:lstStyle/>
           <a:p>
@@ -12780,248 +12933,46 @@
             </a:br>
             <a:r>
               <a:rPr lang="fr-FR" sz="2000" dirty="0"/>
-              <a:t>Les faiblesses</a:t>
-            </a:r>
-          </a:p>
-        </p:txBody>
-      </p:sp>
-      <p:sp>
-        <p:nvSpPr>
-          <p:cNvPr id="6" name="Espace réservé du texte 2">
-            <a:extLst>
-              <a:ext uri="{FF2B5EF4-FFF2-40B4-BE49-F238E27FC236}">
-                <a16:creationId xmlns:a16="http://schemas.microsoft.com/office/drawing/2014/main" id="{070D4B8C-89A7-65B0-892A-D27A85A3C9A2}"/>
-              </a:ext>
-            </a:extLst>
-          </p:cNvPr>
-          <p:cNvSpPr txBox="1">
-            <a:spLocks/>
-          </p:cNvSpPr>
+              <a:t>Sauvegarde des données sur la BDD</a:t>
+            </a:r>
+            <a:endParaRPr lang="fr-FR" dirty="0"/>
+          </a:p>
+        </p:txBody>
+      </p:sp>
+      <p:pic>
+        <p:nvPicPr>
+          <p:cNvPr id="4" name="Image 3">
+            <a:extLst>
+              <a:ext uri="{FF2B5EF4-FFF2-40B4-BE49-F238E27FC236}">
+                <a16:creationId xmlns:a16="http://schemas.microsoft.com/office/drawing/2014/main" id="{258EDE55-FDCB-8F40-B119-A2129570AF97}"/>
+              </a:ext>
+            </a:extLst>
+          </p:cNvPr>
+          <p:cNvPicPr>
+            <a:picLocks noChangeAspect="1"/>
+          </p:cNvPicPr>
           <p:nvPr/>
-        </p:nvSpPr>
-        <p:spPr>
-          <a:xfrm>
-            <a:off x="839788" y="2057400"/>
-            <a:ext cx="3932237" cy="674783"/>
+        </p:nvPicPr>
+        <p:blipFill>
+          <a:blip r:embed="rId2"/>
+          <a:stretch>
+            <a:fillRect/>
+          </a:stretch>
+        </p:blipFill>
+        <p:spPr>
+          <a:xfrm>
+            <a:off x="0" y="2783644"/>
+            <a:ext cx="12192000" cy="1290712"/>
           </a:xfrm>
           <a:prstGeom prst="rect">
             <a:avLst/>
           </a:prstGeom>
         </p:spPr>
-        <p:txBody>
-          <a:bodyPr vert="horz" lIns="91440" tIns="45720" rIns="91440" bIns="45720" rtlCol="0">
-            <a:normAutofit/>
-          </a:bodyPr>
-          <a:lstStyle>
-            <a:lvl1pPr marL="0" indent="0" algn="l" defTabSz="914400" rtl="0" eaLnBrk="1" latinLnBrk="0" hangingPunct="1">
-              <a:lnSpc>
-                <a:spcPct val="90000"/>
-              </a:lnSpc>
-              <a:spcBef>
-                <a:spcPts val="1000"/>
-              </a:spcBef>
-              <a:buFont typeface="Arial" panose="020B0604020202020204" pitchFamily="34" charset="0"/>
-              <a:buNone/>
-              <a:defRPr sz="1600" kern="1200">
-                <a:solidFill>
-                  <a:schemeClr val="tx1"/>
-                </a:solidFill>
-                <a:latin typeface="+mn-lt"/>
-                <a:ea typeface="+mn-ea"/>
-                <a:cs typeface="+mn-cs"/>
-              </a:defRPr>
-            </a:lvl1pPr>
-            <a:lvl2pPr marL="457200" indent="0" algn="l" defTabSz="914400" rtl="0" eaLnBrk="1" latinLnBrk="0" hangingPunct="1">
-              <a:lnSpc>
-                <a:spcPct val="90000"/>
-              </a:lnSpc>
-              <a:spcBef>
-                <a:spcPts val="500"/>
-              </a:spcBef>
-              <a:buFont typeface="Arial" panose="020B0604020202020204" pitchFamily="34" charset="0"/>
-              <a:buNone/>
-              <a:defRPr sz="1400" kern="1200">
-                <a:solidFill>
-                  <a:schemeClr val="tx1"/>
-                </a:solidFill>
-                <a:latin typeface="+mn-lt"/>
-                <a:ea typeface="+mn-ea"/>
-                <a:cs typeface="+mn-cs"/>
-              </a:defRPr>
-            </a:lvl2pPr>
-            <a:lvl3pPr marL="914400" indent="0" algn="l" defTabSz="914400" rtl="0" eaLnBrk="1" latinLnBrk="0" hangingPunct="1">
-              <a:lnSpc>
-                <a:spcPct val="90000"/>
-              </a:lnSpc>
-              <a:spcBef>
-                <a:spcPts val="500"/>
-              </a:spcBef>
-              <a:buFont typeface="Arial" panose="020B0604020202020204" pitchFamily="34" charset="0"/>
-              <a:buNone/>
-              <a:defRPr sz="1200" kern="1200">
-                <a:solidFill>
-                  <a:schemeClr val="tx1"/>
-                </a:solidFill>
-                <a:latin typeface="+mn-lt"/>
-                <a:ea typeface="+mn-ea"/>
-                <a:cs typeface="+mn-cs"/>
-              </a:defRPr>
-            </a:lvl3pPr>
-            <a:lvl4pPr marL="1371600" indent="0" algn="l" defTabSz="914400" rtl="0" eaLnBrk="1" latinLnBrk="0" hangingPunct="1">
-              <a:lnSpc>
-                <a:spcPct val="90000"/>
-              </a:lnSpc>
-              <a:spcBef>
-                <a:spcPts val="500"/>
-              </a:spcBef>
-              <a:buFont typeface="Arial" panose="020B0604020202020204" pitchFamily="34" charset="0"/>
-              <a:buNone/>
-              <a:defRPr sz="1000" kern="1200">
-                <a:solidFill>
-                  <a:schemeClr val="tx1"/>
-                </a:solidFill>
-                <a:latin typeface="+mn-lt"/>
-                <a:ea typeface="+mn-ea"/>
-                <a:cs typeface="+mn-cs"/>
-              </a:defRPr>
-            </a:lvl4pPr>
-            <a:lvl5pPr marL="1828800" indent="0" algn="l" defTabSz="914400" rtl="0" eaLnBrk="1" latinLnBrk="0" hangingPunct="1">
-              <a:lnSpc>
-                <a:spcPct val="90000"/>
-              </a:lnSpc>
-              <a:spcBef>
-                <a:spcPts val="500"/>
-              </a:spcBef>
-              <a:buFont typeface="Arial" panose="020B0604020202020204" pitchFamily="34" charset="0"/>
-              <a:buNone/>
-              <a:defRPr sz="1000" kern="1200">
-                <a:solidFill>
-                  <a:schemeClr val="tx1"/>
-                </a:solidFill>
-                <a:latin typeface="+mn-lt"/>
-                <a:ea typeface="+mn-ea"/>
-                <a:cs typeface="+mn-cs"/>
-              </a:defRPr>
-            </a:lvl5pPr>
-            <a:lvl6pPr marL="2286000" indent="0" algn="l" defTabSz="914400" rtl="0" eaLnBrk="1" latinLnBrk="0" hangingPunct="1">
-              <a:lnSpc>
-                <a:spcPct val="90000"/>
-              </a:lnSpc>
-              <a:spcBef>
-                <a:spcPts val="500"/>
-              </a:spcBef>
-              <a:buFont typeface="Arial" panose="020B0604020202020204" pitchFamily="34" charset="0"/>
-              <a:buNone/>
-              <a:defRPr sz="1000" kern="1200">
-                <a:solidFill>
-                  <a:schemeClr val="tx1"/>
-                </a:solidFill>
-                <a:latin typeface="+mn-lt"/>
-                <a:ea typeface="+mn-ea"/>
-                <a:cs typeface="+mn-cs"/>
-              </a:defRPr>
-            </a:lvl6pPr>
-            <a:lvl7pPr marL="2743200" indent="0" algn="l" defTabSz="914400" rtl="0" eaLnBrk="1" latinLnBrk="0" hangingPunct="1">
-              <a:lnSpc>
-                <a:spcPct val="90000"/>
-              </a:lnSpc>
-              <a:spcBef>
-                <a:spcPts val="500"/>
-              </a:spcBef>
-              <a:buFont typeface="Arial" panose="020B0604020202020204" pitchFamily="34" charset="0"/>
-              <a:buNone/>
-              <a:defRPr sz="1000" kern="1200">
-                <a:solidFill>
-                  <a:schemeClr val="tx1"/>
-                </a:solidFill>
-                <a:latin typeface="+mn-lt"/>
-                <a:ea typeface="+mn-ea"/>
-                <a:cs typeface="+mn-cs"/>
-              </a:defRPr>
-            </a:lvl7pPr>
-            <a:lvl8pPr marL="3200400" indent="0" algn="l" defTabSz="914400" rtl="0" eaLnBrk="1" latinLnBrk="0" hangingPunct="1">
-              <a:lnSpc>
-                <a:spcPct val="90000"/>
-              </a:lnSpc>
-              <a:spcBef>
-                <a:spcPts val="500"/>
-              </a:spcBef>
-              <a:buFont typeface="Arial" panose="020B0604020202020204" pitchFamily="34" charset="0"/>
-              <a:buNone/>
-              <a:defRPr sz="1000" kern="1200">
-                <a:solidFill>
-                  <a:schemeClr val="tx1"/>
-                </a:solidFill>
-                <a:latin typeface="+mn-lt"/>
-                <a:ea typeface="+mn-ea"/>
-                <a:cs typeface="+mn-cs"/>
-              </a:defRPr>
-            </a:lvl8pPr>
-            <a:lvl9pPr marL="3657600" indent="0" algn="l" defTabSz="914400" rtl="0" eaLnBrk="1" latinLnBrk="0" hangingPunct="1">
-              <a:lnSpc>
-                <a:spcPct val="90000"/>
-              </a:lnSpc>
-              <a:spcBef>
-                <a:spcPts val="500"/>
-              </a:spcBef>
-              <a:buFont typeface="Arial" panose="020B0604020202020204" pitchFamily="34" charset="0"/>
-              <a:buNone/>
-              <a:defRPr sz="1000" kern="1200">
-                <a:solidFill>
-                  <a:schemeClr val="tx1"/>
-                </a:solidFill>
-                <a:latin typeface="+mn-lt"/>
-                <a:ea typeface="+mn-ea"/>
-                <a:cs typeface="+mn-cs"/>
-              </a:defRPr>
-            </a:lvl9pPr>
-          </a:lstStyle>
-          <a:p>
-            <a:pPr marL="285750" indent="-285750">
-              <a:buFont typeface="Arial" panose="020B0604020202020204" pitchFamily="34" charset="0"/>
-              <a:buChar char="•"/>
-            </a:pPr>
-            <a:r>
-              <a:rPr lang="fr-FR" dirty="0"/>
-              <a:t>Le </a:t>
-            </a:r>
-            <a:r>
-              <a:rPr lang="fr-FR" dirty="0" err="1"/>
-              <a:t>node</a:t>
-            </a:r>
-            <a:r>
-              <a:rPr lang="fr-FR" dirty="0"/>
-              <a:t> </a:t>
-            </a:r>
-            <a:r>
-              <a:rPr lang="fr-FR" dirty="0" err="1"/>
-              <a:t>red</a:t>
-            </a:r>
-            <a:r>
-              <a:rPr lang="fr-FR" dirty="0"/>
-              <a:t> arrête après un certain temps de recevoir les données RFID</a:t>
-            </a:r>
-          </a:p>
-          <a:p>
-            <a:pPr marL="285750" indent="-285750">
-              <a:buFont typeface="Arial" panose="020B0604020202020204" pitchFamily="34" charset="0"/>
-              <a:buChar char="•"/>
-            </a:pPr>
-            <a:endParaRPr lang="fr-FR" dirty="0"/>
-          </a:p>
-          <a:p>
-            <a:pPr marL="285750" indent="-285750">
-              <a:buFont typeface="Arial" panose="020B0604020202020204" pitchFamily="34" charset="0"/>
-              <a:buChar char="•"/>
-            </a:pPr>
-            <a:endParaRPr lang="fr-FR" dirty="0"/>
-          </a:p>
-        </p:txBody>
-      </p:sp>
+      </p:pic>
     </p:spTree>
     <p:extLst>
       <p:ext uri="{BB962C8B-B14F-4D97-AF65-F5344CB8AC3E}">
-        <p14:creationId xmlns:p14="http://schemas.microsoft.com/office/powerpoint/2010/main" val="3268416288"/>
+        <p14:creationId xmlns:p14="http://schemas.microsoft.com/office/powerpoint/2010/main" val="903662574"/>
       </p:ext>
     </p:extLst>
   </p:cSld>
@@ -13221,7 +13172,7 @@
           <p:cNvPr id="2" name="Titre 1">
             <a:extLst>
               <a:ext uri="{FF2B5EF4-FFF2-40B4-BE49-F238E27FC236}">
-                <a16:creationId xmlns:a16="http://schemas.microsoft.com/office/drawing/2014/main" id="{1FE865AE-991B-8E6C-4958-77BCF27CB95F}"/>
+                <a16:creationId xmlns:a16="http://schemas.microsoft.com/office/drawing/2014/main" id="{DBD23F23-EF92-2EE6-EED2-24F174401B9D}"/>
               </a:ext>
             </a:extLst>
           </p:cNvPr>
@@ -13234,13 +13185,13 @@
         </p:nvSpPr>
         <p:spPr>
           <a:xfrm>
-            <a:off x="0" y="8263"/>
-            <a:ext cx="11898585" cy="1464790"/>
-          </a:xfrm>
-        </p:spPr>
-        <p:txBody>
-          <a:bodyPr>
-            <a:normAutofit fontScale="90000"/>
+            <a:off x="839788" y="457200"/>
+            <a:ext cx="5625180" cy="1600200"/>
+          </a:xfrm>
+        </p:spPr>
+        <p:txBody>
+          <a:bodyPr anchor="t">
+            <a:normAutofit/>
           </a:bodyPr>
           <a:lstStyle/>
           <a:p>
@@ -13256,46 +13207,248 @@
             </a:br>
             <a:r>
               <a:rPr lang="fr-FR" sz="2000" dirty="0"/>
-              <a:t>Système d’enregistrement d’une personne dans une BD et de reconnaissance pour l’accès au bâtiment et à une salle</a:t>
-            </a:r>
-            <a:endParaRPr lang="fr-FR" dirty="0"/>
-          </a:p>
-        </p:txBody>
-      </p:sp>
-      <p:pic>
-        <p:nvPicPr>
-          <p:cNvPr id="4" name="Image 3">
-            <a:extLst>
-              <a:ext uri="{FF2B5EF4-FFF2-40B4-BE49-F238E27FC236}">
-                <a16:creationId xmlns:a16="http://schemas.microsoft.com/office/drawing/2014/main" id="{214D79A7-F87C-8EF3-F4EB-84EEFE6B0894}"/>
-              </a:ext>
-            </a:extLst>
-          </p:cNvPr>
-          <p:cNvPicPr>
-            <a:picLocks noChangeAspect="1"/>
-          </p:cNvPicPr>
+              <a:t>Les faiblesses</a:t>
+            </a:r>
+          </a:p>
+        </p:txBody>
+      </p:sp>
+      <p:sp>
+        <p:nvSpPr>
+          <p:cNvPr id="6" name="Espace réservé du texte 2">
+            <a:extLst>
+              <a:ext uri="{FF2B5EF4-FFF2-40B4-BE49-F238E27FC236}">
+                <a16:creationId xmlns:a16="http://schemas.microsoft.com/office/drawing/2014/main" id="{070D4B8C-89A7-65B0-892A-D27A85A3C9A2}"/>
+              </a:ext>
+            </a:extLst>
+          </p:cNvPr>
+          <p:cNvSpPr txBox="1">
+            <a:spLocks/>
+          </p:cNvSpPr>
           <p:nvPr/>
-        </p:nvPicPr>
-        <p:blipFill>
-          <a:blip r:embed="rId2"/>
-          <a:stretch>
-            <a:fillRect/>
-          </a:stretch>
-        </p:blipFill>
-        <p:spPr>
-          <a:xfrm>
-            <a:off x="1404833" y="1622587"/>
-            <a:ext cx="9088917" cy="4687323"/>
+        </p:nvSpPr>
+        <p:spPr>
+          <a:xfrm>
+            <a:off x="839788" y="2057400"/>
+            <a:ext cx="3932237" cy="674783"/>
           </a:xfrm>
           <a:prstGeom prst="rect">
             <a:avLst/>
           </a:prstGeom>
         </p:spPr>
-      </p:pic>
+        <p:txBody>
+          <a:bodyPr vert="horz" lIns="91440" tIns="45720" rIns="91440" bIns="45720" rtlCol="0">
+            <a:normAutofit/>
+          </a:bodyPr>
+          <a:lstStyle>
+            <a:lvl1pPr marL="0" indent="0" algn="l" defTabSz="914400" rtl="0" eaLnBrk="1" latinLnBrk="0" hangingPunct="1">
+              <a:lnSpc>
+                <a:spcPct val="90000"/>
+              </a:lnSpc>
+              <a:spcBef>
+                <a:spcPts val="1000"/>
+              </a:spcBef>
+              <a:buFont typeface="Arial" panose="020B0604020202020204" pitchFamily="34" charset="0"/>
+              <a:buNone/>
+              <a:defRPr sz="1600" kern="1200">
+                <a:solidFill>
+                  <a:schemeClr val="tx1"/>
+                </a:solidFill>
+                <a:latin typeface="+mn-lt"/>
+                <a:ea typeface="+mn-ea"/>
+                <a:cs typeface="+mn-cs"/>
+              </a:defRPr>
+            </a:lvl1pPr>
+            <a:lvl2pPr marL="457200" indent="0" algn="l" defTabSz="914400" rtl="0" eaLnBrk="1" latinLnBrk="0" hangingPunct="1">
+              <a:lnSpc>
+                <a:spcPct val="90000"/>
+              </a:lnSpc>
+              <a:spcBef>
+                <a:spcPts val="500"/>
+              </a:spcBef>
+              <a:buFont typeface="Arial" panose="020B0604020202020204" pitchFamily="34" charset="0"/>
+              <a:buNone/>
+              <a:defRPr sz="1400" kern="1200">
+                <a:solidFill>
+                  <a:schemeClr val="tx1"/>
+                </a:solidFill>
+                <a:latin typeface="+mn-lt"/>
+                <a:ea typeface="+mn-ea"/>
+                <a:cs typeface="+mn-cs"/>
+              </a:defRPr>
+            </a:lvl2pPr>
+            <a:lvl3pPr marL="914400" indent="0" algn="l" defTabSz="914400" rtl="0" eaLnBrk="1" latinLnBrk="0" hangingPunct="1">
+              <a:lnSpc>
+                <a:spcPct val="90000"/>
+              </a:lnSpc>
+              <a:spcBef>
+                <a:spcPts val="500"/>
+              </a:spcBef>
+              <a:buFont typeface="Arial" panose="020B0604020202020204" pitchFamily="34" charset="0"/>
+              <a:buNone/>
+              <a:defRPr sz="1200" kern="1200">
+                <a:solidFill>
+                  <a:schemeClr val="tx1"/>
+                </a:solidFill>
+                <a:latin typeface="+mn-lt"/>
+                <a:ea typeface="+mn-ea"/>
+                <a:cs typeface="+mn-cs"/>
+              </a:defRPr>
+            </a:lvl3pPr>
+            <a:lvl4pPr marL="1371600" indent="0" algn="l" defTabSz="914400" rtl="0" eaLnBrk="1" latinLnBrk="0" hangingPunct="1">
+              <a:lnSpc>
+                <a:spcPct val="90000"/>
+              </a:lnSpc>
+              <a:spcBef>
+                <a:spcPts val="500"/>
+              </a:spcBef>
+              <a:buFont typeface="Arial" panose="020B0604020202020204" pitchFamily="34" charset="0"/>
+              <a:buNone/>
+              <a:defRPr sz="1000" kern="1200">
+                <a:solidFill>
+                  <a:schemeClr val="tx1"/>
+                </a:solidFill>
+                <a:latin typeface="+mn-lt"/>
+                <a:ea typeface="+mn-ea"/>
+                <a:cs typeface="+mn-cs"/>
+              </a:defRPr>
+            </a:lvl4pPr>
+            <a:lvl5pPr marL="1828800" indent="0" algn="l" defTabSz="914400" rtl="0" eaLnBrk="1" latinLnBrk="0" hangingPunct="1">
+              <a:lnSpc>
+                <a:spcPct val="90000"/>
+              </a:lnSpc>
+              <a:spcBef>
+                <a:spcPts val="500"/>
+              </a:spcBef>
+              <a:buFont typeface="Arial" panose="020B0604020202020204" pitchFamily="34" charset="0"/>
+              <a:buNone/>
+              <a:defRPr sz="1000" kern="1200">
+                <a:solidFill>
+                  <a:schemeClr val="tx1"/>
+                </a:solidFill>
+                <a:latin typeface="+mn-lt"/>
+                <a:ea typeface="+mn-ea"/>
+                <a:cs typeface="+mn-cs"/>
+              </a:defRPr>
+            </a:lvl5pPr>
+            <a:lvl6pPr marL="2286000" indent="0" algn="l" defTabSz="914400" rtl="0" eaLnBrk="1" latinLnBrk="0" hangingPunct="1">
+              <a:lnSpc>
+                <a:spcPct val="90000"/>
+              </a:lnSpc>
+              <a:spcBef>
+                <a:spcPts val="500"/>
+              </a:spcBef>
+              <a:buFont typeface="Arial" panose="020B0604020202020204" pitchFamily="34" charset="0"/>
+              <a:buNone/>
+              <a:defRPr sz="1000" kern="1200">
+                <a:solidFill>
+                  <a:schemeClr val="tx1"/>
+                </a:solidFill>
+                <a:latin typeface="+mn-lt"/>
+                <a:ea typeface="+mn-ea"/>
+                <a:cs typeface="+mn-cs"/>
+              </a:defRPr>
+            </a:lvl6pPr>
+            <a:lvl7pPr marL="2743200" indent="0" algn="l" defTabSz="914400" rtl="0" eaLnBrk="1" latinLnBrk="0" hangingPunct="1">
+              <a:lnSpc>
+                <a:spcPct val="90000"/>
+              </a:lnSpc>
+              <a:spcBef>
+                <a:spcPts val="500"/>
+              </a:spcBef>
+              <a:buFont typeface="Arial" panose="020B0604020202020204" pitchFamily="34" charset="0"/>
+              <a:buNone/>
+              <a:defRPr sz="1000" kern="1200">
+                <a:solidFill>
+                  <a:schemeClr val="tx1"/>
+                </a:solidFill>
+                <a:latin typeface="+mn-lt"/>
+                <a:ea typeface="+mn-ea"/>
+                <a:cs typeface="+mn-cs"/>
+              </a:defRPr>
+            </a:lvl7pPr>
+            <a:lvl8pPr marL="3200400" indent="0" algn="l" defTabSz="914400" rtl="0" eaLnBrk="1" latinLnBrk="0" hangingPunct="1">
+              <a:lnSpc>
+                <a:spcPct val="90000"/>
+              </a:lnSpc>
+              <a:spcBef>
+                <a:spcPts val="500"/>
+              </a:spcBef>
+              <a:buFont typeface="Arial" panose="020B0604020202020204" pitchFamily="34" charset="0"/>
+              <a:buNone/>
+              <a:defRPr sz="1000" kern="1200">
+                <a:solidFill>
+                  <a:schemeClr val="tx1"/>
+                </a:solidFill>
+                <a:latin typeface="+mn-lt"/>
+                <a:ea typeface="+mn-ea"/>
+                <a:cs typeface="+mn-cs"/>
+              </a:defRPr>
+            </a:lvl8pPr>
+            <a:lvl9pPr marL="3657600" indent="0" algn="l" defTabSz="914400" rtl="0" eaLnBrk="1" latinLnBrk="0" hangingPunct="1">
+              <a:lnSpc>
+                <a:spcPct val="90000"/>
+              </a:lnSpc>
+              <a:spcBef>
+                <a:spcPts val="500"/>
+              </a:spcBef>
+              <a:buFont typeface="Arial" panose="020B0604020202020204" pitchFamily="34" charset="0"/>
+              <a:buNone/>
+              <a:defRPr sz="1000" kern="1200">
+                <a:solidFill>
+                  <a:schemeClr val="tx1"/>
+                </a:solidFill>
+                <a:latin typeface="+mn-lt"/>
+                <a:ea typeface="+mn-ea"/>
+                <a:cs typeface="+mn-cs"/>
+              </a:defRPr>
+            </a:lvl9pPr>
+          </a:lstStyle>
+          <a:p>
+            <a:pPr marL="285750" indent="-285750">
+              <a:buFont typeface="Arial" panose="020B0604020202020204" pitchFamily="34" charset="0"/>
+              <a:buChar char="•"/>
+            </a:pPr>
+            <a:r>
+              <a:rPr lang="fr-FR" dirty="0"/>
+              <a:t>Le </a:t>
+            </a:r>
+            <a:r>
+              <a:rPr lang="fr-FR" dirty="0" err="1"/>
+              <a:t>node</a:t>
+            </a:r>
+            <a:r>
+              <a:rPr lang="fr-FR" dirty="0"/>
+              <a:t> </a:t>
+            </a:r>
+            <a:r>
+              <a:rPr lang="fr-FR" dirty="0" err="1"/>
+              <a:t>red</a:t>
+            </a:r>
+            <a:r>
+              <a:rPr lang="fr-FR" dirty="0"/>
+              <a:t> arrête après un certain temps de recevoir les données RFID</a:t>
+            </a:r>
+          </a:p>
+          <a:p>
+            <a:pPr marL="285750" indent="-285750">
+              <a:buFont typeface="Arial" panose="020B0604020202020204" pitchFamily="34" charset="0"/>
+              <a:buChar char="•"/>
+            </a:pPr>
+            <a:endParaRPr lang="fr-FR" dirty="0"/>
+          </a:p>
+          <a:p>
+            <a:pPr marL="285750" indent="-285750">
+              <a:buFont typeface="Arial" panose="020B0604020202020204" pitchFamily="34" charset="0"/>
+              <a:buChar char="•"/>
+            </a:pPr>
+            <a:endParaRPr lang="fr-FR" dirty="0"/>
+          </a:p>
+        </p:txBody>
+      </p:sp>
     </p:spTree>
     <p:extLst>
       <p:ext uri="{BB962C8B-B14F-4D97-AF65-F5344CB8AC3E}">
-        <p14:creationId xmlns:p14="http://schemas.microsoft.com/office/powerpoint/2010/main" val="620592324"/>
+        <p14:creationId xmlns:p14="http://schemas.microsoft.com/office/powerpoint/2010/main" val="3268416288"/>
       </p:ext>
     </p:extLst>
   </p:cSld>
@@ -13327,7 +13480,7 @@
           <p:cNvPr id="2" name="Titre 1">
             <a:extLst>
               <a:ext uri="{FF2B5EF4-FFF2-40B4-BE49-F238E27FC236}">
-                <a16:creationId xmlns:a16="http://schemas.microsoft.com/office/drawing/2014/main" id="{DBD23F23-EF92-2EE6-EED2-24F174401B9D}"/>
+                <a16:creationId xmlns:a16="http://schemas.microsoft.com/office/drawing/2014/main" id="{1FE865AE-991B-8E6C-4958-77BCF27CB95F}"/>
               </a:ext>
             </a:extLst>
           </p:cNvPr>
@@ -13340,70 +13493,43 @@
         </p:nvSpPr>
         <p:spPr>
           <a:xfrm>
-            <a:off x="839788" y="457200"/>
-            <a:ext cx="4654925" cy="1600200"/>
-          </a:xfrm>
-        </p:spPr>
-        <p:txBody>
-          <a:bodyPr anchor="t">
-            <a:normAutofit/>
+            <a:off x="0" y="8263"/>
+            <a:ext cx="11898585" cy="1464790"/>
+          </a:xfrm>
+        </p:spPr>
+        <p:txBody>
+          <a:bodyPr>
+            <a:normAutofit fontScale="90000"/>
           </a:bodyPr>
           <a:lstStyle/>
           <a:p>
             <a:r>
               <a:rPr lang="fr-FR" dirty="0"/>
-              <a:t>Gestion des accès à la salle</a:t>
+              <a:t>Gestion des accès au bâtiment</a:t>
             </a:r>
             <a:br>
               <a:rPr lang="fr-FR" dirty="0"/>
             </a:br>
+            <a:br>
+              <a:rPr lang="fr-FR" dirty="0"/>
+            </a:br>
             <a:r>
               <a:rPr lang="fr-FR" sz="2000" dirty="0"/>
-              <a:t>Récupération des paramètres biométrique </a:t>
-            </a:r>
-            <a:r>
-              <a:rPr lang="fr-FR" dirty="0"/>
-              <a:t> </a:t>
-            </a:r>
-          </a:p>
-        </p:txBody>
-      </p:sp>
-      <p:sp>
-        <p:nvSpPr>
-          <p:cNvPr id="3" name="Espace réservé du texte 2">
-            <a:extLst>
-              <a:ext uri="{FF2B5EF4-FFF2-40B4-BE49-F238E27FC236}">
-                <a16:creationId xmlns:a16="http://schemas.microsoft.com/office/drawing/2014/main" id="{070D4B8C-89A7-65B0-892A-D27A85A3C9A2}"/>
-              </a:ext>
-            </a:extLst>
-          </p:cNvPr>
-          <p:cNvSpPr>
-            <a:spLocks noGrp="1"/>
-          </p:cNvSpPr>
-          <p:nvPr>
-            <p:ph type="body" sz="half" idx="2"/>
-          </p:nvPr>
-        </p:nvSpPr>
-        <p:spPr>
-          <a:xfrm>
-            <a:off x="839788" y="1625138"/>
-            <a:ext cx="3932237" cy="432262"/>
-          </a:xfrm>
-        </p:spPr>
-        <p:txBody>
-          <a:bodyPr/>
-          <a:lstStyle/>
-          <a:p>
-            <a:r>
-              <a:rPr lang="fr-FR" dirty="0"/>
-              <a:t>Lancement de la caméra</a:t>
-            </a:r>
+              <a:t>Système d’enregistrement d’une personne dans une BD et de reconnaissance pour l’accès au bâtiment et à une salle</a:t>
+            </a:r>
+            <a:endParaRPr lang="fr-FR" dirty="0"/>
           </a:p>
         </p:txBody>
       </p:sp>
       <p:pic>
         <p:nvPicPr>
-          <p:cNvPr id="4" name="Image 3"/>
+          <p:cNvPr id="4" name="Image 3">
+            <a:extLst>
+              <a:ext uri="{FF2B5EF4-FFF2-40B4-BE49-F238E27FC236}">
+                <a16:creationId xmlns:a16="http://schemas.microsoft.com/office/drawing/2014/main" id="{214D79A7-F87C-8EF3-F4EB-84EEFE6B0894}"/>
+              </a:ext>
+            </a:extLst>
+          </p:cNvPr>
           <p:cNvPicPr>
             <a:picLocks noChangeAspect="1"/>
           </p:cNvPicPr>
@@ -13417,32 +13543,8 @@
         </p:blipFill>
         <p:spPr>
           <a:xfrm>
-            <a:off x="681225" y="2144713"/>
-            <a:ext cx="4972050" cy="3724275"/>
-          </a:xfrm>
-          <a:prstGeom prst="rect">
-            <a:avLst/>
-          </a:prstGeom>
-        </p:spPr>
-      </p:pic>
-      <p:pic>
-        <p:nvPicPr>
-          <p:cNvPr id="6" name="Image 5"/>
-          <p:cNvPicPr>
-            <a:picLocks noChangeAspect="1"/>
-          </p:cNvPicPr>
-          <p:nvPr/>
-        </p:nvPicPr>
-        <p:blipFill>
-          <a:blip r:embed="rId3"/>
-          <a:stretch>
-            <a:fillRect/>
-          </a:stretch>
-        </p:blipFill>
-        <p:spPr>
-          <a:xfrm>
-            <a:off x="6602001" y="1251284"/>
-            <a:ext cx="4685124" cy="4876800"/>
+            <a:off x="1404833" y="1622587"/>
+            <a:ext cx="9088917" cy="4687323"/>
           </a:xfrm>
           <a:prstGeom prst="rect">
             <a:avLst/>
@@ -13452,7 +13554,7 @@
     </p:spTree>
     <p:extLst>
       <p:ext uri="{BB962C8B-B14F-4D97-AF65-F5344CB8AC3E}">
-        <p14:creationId xmlns:p14="http://schemas.microsoft.com/office/powerpoint/2010/main" val="2428980419"/>
+        <p14:creationId xmlns:p14="http://schemas.microsoft.com/office/powerpoint/2010/main" val="620592324"/>
       </p:ext>
     </p:extLst>
   </p:cSld>
@@ -13609,7 +13711,7 @@
     </p:spTree>
     <p:extLst>
       <p:ext uri="{BB962C8B-B14F-4D97-AF65-F5344CB8AC3E}">
-        <p14:creationId xmlns:p14="http://schemas.microsoft.com/office/powerpoint/2010/main" val="821740354"/>
+        <p14:creationId xmlns:p14="http://schemas.microsoft.com/office/powerpoint/2010/main" val="2428980419"/>
       </p:ext>
     </p:extLst>
   </p:cSld>
@@ -13710,19 +13812,14 @@
           <a:p>
             <a:r>
               <a:rPr lang="fr-FR" dirty="0"/>
-              <a:t>Début du </a:t>
-            </a:r>
-            <a:r>
-              <a:rPr lang="fr-FR" dirty="0" err="1"/>
-              <a:t>stream</a:t>
-            </a:r>
-            <a:endParaRPr lang="fr-FR" dirty="0"/>
+              <a:t>Lancement de la caméra</a:t>
+            </a:r>
           </a:p>
         </p:txBody>
       </p:sp>
       <p:pic>
         <p:nvPicPr>
-          <p:cNvPr id="7" name="Image 6"/>
+          <p:cNvPr id="4" name="Image 3"/>
           <p:cNvPicPr>
             <a:picLocks noChangeAspect="1"/>
           </p:cNvPicPr>
@@ -13736,8 +13833,8 @@
         </p:blipFill>
         <p:spPr>
           <a:xfrm>
-            <a:off x="839788" y="2057401"/>
-            <a:ext cx="3932237" cy="4360082"/>
+            <a:off x="681225" y="2144713"/>
+            <a:ext cx="4972050" cy="3724275"/>
           </a:xfrm>
           <a:prstGeom prst="rect">
             <a:avLst/>
@@ -13746,7 +13843,7 @@
       </p:pic>
       <p:pic>
         <p:nvPicPr>
-          <p:cNvPr id="8" name="Image 7"/>
+          <p:cNvPr id="6" name="Image 5"/>
           <p:cNvPicPr>
             <a:picLocks noChangeAspect="1"/>
           </p:cNvPicPr>
@@ -13760,8 +13857,8 @@
         </p:blipFill>
         <p:spPr>
           <a:xfrm>
-            <a:off x="6304547" y="1257300"/>
-            <a:ext cx="4348413" cy="4744697"/>
+            <a:off x="6602001" y="1251284"/>
+            <a:ext cx="4685124" cy="4876800"/>
           </a:xfrm>
           <a:prstGeom prst="rect">
             <a:avLst/>
@@ -13771,7 +13868,7 @@
     </p:spTree>
     <p:extLst>
       <p:ext uri="{BB962C8B-B14F-4D97-AF65-F5344CB8AC3E}">
-        <p14:creationId xmlns:p14="http://schemas.microsoft.com/office/powerpoint/2010/main" val="2131517895"/>
+        <p14:creationId xmlns:p14="http://schemas.microsoft.com/office/powerpoint/2010/main" val="821740354"/>
       </p:ext>
     </p:extLst>
   </p:cSld>
@@ -13872,14 +13969,19 @@
           <a:p>
             <a:r>
               <a:rPr lang="fr-FR" dirty="0"/>
-              <a:t>Détection d’un visage</a:t>
-            </a:r>
+              <a:t>Début du </a:t>
+            </a:r>
+            <a:r>
+              <a:rPr lang="fr-FR" dirty="0" err="1"/>
+              <a:t>stream</a:t>
+            </a:r>
+            <a:endParaRPr lang="fr-FR" dirty="0"/>
           </a:p>
         </p:txBody>
       </p:sp>
       <p:pic>
         <p:nvPicPr>
-          <p:cNvPr id="4" name="Image 3"/>
+          <p:cNvPr id="7" name="Image 6"/>
           <p:cNvPicPr>
             <a:picLocks noChangeAspect="1"/>
           </p:cNvPicPr>
@@ -13893,8 +13995,32 @@
         </p:blipFill>
         <p:spPr>
           <a:xfrm>
-            <a:off x="839788" y="2556330"/>
-            <a:ext cx="6425470" cy="2817775"/>
+            <a:off x="839788" y="2057401"/>
+            <a:ext cx="3932237" cy="4360082"/>
+          </a:xfrm>
+          <a:prstGeom prst="rect">
+            <a:avLst/>
+          </a:prstGeom>
+        </p:spPr>
+      </p:pic>
+      <p:pic>
+        <p:nvPicPr>
+          <p:cNvPr id="8" name="Image 7"/>
+          <p:cNvPicPr>
+            <a:picLocks noChangeAspect="1"/>
+          </p:cNvPicPr>
+          <p:nvPr/>
+        </p:nvPicPr>
+        <p:blipFill>
+          <a:blip r:embed="rId3"/>
+          <a:stretch>
+            <a:fillRect/>
+          </a:stretch>
+        </p:blipFill>
+        <p:spPr>
+          <a:xfrm>
+            <a:off x="6304547" y="1257300"/>
+            <a:ext cx="4348413" cy="4744697"/>
           </a:xfrm>
           <a:prstGeom prst="rect">
             <a:avLst/>
@@ -13904,7 +14030,7 @@
     </p:spTree>
     <p:extLst>
       <p:ext uri="{BB962C8B-B14F-4D97-AF65-F5344CB8AC3E}">
-        <p14:creationId xmlns:p14="http://schemas.microsoft.com/office/powerpoint/2010/main" val="232207055"/>
+        <p14:creationId xmlns:p14="http://schemas.microsoft.com/office/powerpoint/2010/main" val="2131517895"/>
       </p:ext>
     </p:extLst>
   </p:cSld>
@@ -13950,6 +14076,139 @@
         <p:spPr>
           <a:xfrm>
             <a:off x="839788" y="457200"/>
+            <a:ext cx="4654925" cy="1600200"/>
+          </a:xfrm>
+        </p:spPr>
+        <p:txBody>
+          <a:bodyPr anchor="t">
+            <a:normAutofit/>
+          </a:bodyPr>
+          <a:lstStyle/>
+          <a:p>
+            <a:r>
+              <a:rPr lang="fr-FR" dirty="0"/>
+              <a:t>Gestion des accès à la salle</a:t>
+            </a:r>
+            <a:br>
+              <a:rPr lang="fr-FR" dirty="0"/>
+            </a:br>
+            <a:r>
+              <a:rPr lang="fr-FR" sz="2000" dirty="0"/>
+              <a:t>Récupération des paramètres biométrique </a:t>
+            </a:r>
+            <a:r>
+              <a:rPr lang="fr-FR" dirty="0"/>
+              <a:t> </a:t>
+            </a:r>
+          </a:p>
+        </p:txBody>
+      </p:sp>
+      <p:sp>
+        <p:nvSpPr>
+          <p:cNvPr id="3" name="Espace réservé du texte 2">
+            <a:extLst>
+              <a:ext uri="{FF2B5EF4-FFF2-40B4-BE49-F238E27FC236}">
+                <a16:creationId xmlns:a16="http://schemas.microsoft.com/office/drawing/2014/main" id="{070D4B8C-89A7-65B0-892A-D27A85A3C9A2}"/>
+              </a:ext>
+            </a:extLst>
+          </p:cNvPr>
+          <p:cNvSpPr>
+            <a:spLocks noGrp="1"/>
+          </p:cNvSpPr>
+          <p:nvPr>
+            <p:ph type="body" sz="half" idx="2"/>
+          </p:nvPr>
+        </p:nvSpPr>
+        <p:spPr>
+          <a:xfrm>
+            <a:off x="839788" y="1625138"/>
+            <a:ext cx="3932237" cy="432262"/>
+          </a:xfrm>
+        </p:spPr>
+        <p:txBody>
+          <a:bodyPr/>
+          <a:lstStyle/>
+          <a:p>
+            <a:r>
+              <a:rPr lang="fr-FR" dirty="0"/>
+              <a:t>Détection d’un visage</a:t>
+            </a:r>
+          </a:p>
+        </p:txBody>
+      </p:sp>
+      <p:pic>
+        <p:nvPicPr>
+          <p:cNvPr id="4" name="Image 3"/>
+          <p:cNvPicPr>
+            <a:picLocks noChangeAspect="1"/>
+          </p:cNvPicPr>
+          <p:nvPr/>
+        </p:nvPicPr>
+        <p:blipFill>
+          <a:blip r:embed="rId2"/>
+          <a:stretch>
+            <a:fillRect/>
+          </a:stretch>
+        </p:blipFill>
+        <p:spPr>
+          <a:xfrm>
+            <a:off x="839788" y="2556330"/>
+            <a:ext cx="6425470" cy="2817775"/>
+          </a:xfrm>
+          <a:prstGeom prst="rect">
+            <a:avLst/>
+          </a:prstGeom>
+        </p:spPr>
+      </p:pic>
+    </p:spTree>
+    <p:extLst>
+      <p:ext uri="{BB962C8B-B14F-4D97-AF65-F5344CB8AC3E}">
+        <p14:creationId xmlns:p14="http://schemas.microsoft.com/office/powerpoint/2010/main" val="232207055"/>
+      </p:ext>
+    </p:extLst>
+  </p:cSld>
+  <p:clrMapOvr>
+    <a:masterClrMapping/>
+  </p:clrMapOvr>
+</p:sld>
+</file>
+
+<file path=ppt/slides/slide26.xml><?xml version="1.0" encoding="utf-8"?>
+<p:sld xmlns:a="http://schemas.openxmlformats.org/drawingml/2006/main" xmlns:r="http://schemas.openxmlformats.org/officeDocument/2006/relationships" xmlns:p="http://schemas.openxmlformats.org/presentationml/2006/main">
+  <p:cSld>
+    <p:spTree>
+      <p:nvGrpSpPr>
+        <p:cNvPr id="1" name=""/>
+        <p:cNvGrpSpPr/>
+        <p:nvPr/>
+      </p:nvGrpSpPr>
+      <p:grpSpPr>
+        <a:xfrm>
+          <a:off x="0" y="0"/>
+          <a:ext cx="0" cy="0"/>
+          <a:chOff x="0" y="0"/>
+          <a:chExt cx="0" cy="0"/>
+        </a:xfrm>
+      </p:grpSpPr>
+      <p:sp>
+        <p:nvSpPr>
+          <p:cNvPr id="2" name="Titre 1">
+            <a:extLst>
+              <a:ext uri="{FF2B5EF4-FFF2-40B4-BE49-F238E27FC236}">
+                <a16:creationId xmlns:a16="http://schemas.microsoft.com/office/drawing/2014/main" id="{DBD23F23-EF92-2EE6-EED2-24F174401B9D}"/>
+              </a:ext>
+            </a:extLst>
+          </p:cNvPr>
+          <p:cNvSpPr>
+            <a:spLocks noGrp="1"/>
+          </p:cNvSpPr>
+          <p:nvPr>
+            <p:ph type="title"/>
+          </p:nvPr>
+        </p:nvSpPr>
+        <p:spPr>
+          <a:xfrm>
+            <a:off x="839788" y="457200"/>
             <a:ext cx="5625180" cy="1600200"/>
           </a:xfrm>
         </p:spPr>
@@ -14229,7 +14488,7 @@
 </p:sld>
 </file>
 
-<file path=ppt/slides/slide26.xml><?xml version="1.0" encoding="utf-8"?>
+<file path=ppt/slides/slide27.xml><?xml version="1.0" encoding="utf-8"?>
 <p:sld xmlns:a="http://schemas.openxmlformats.org/drawingml/2006/main" xmlns:r="http://schemas.openxmlformats.org/officeDocument/2006/relationships" xmlns:p="http://schemas.openxmlformats.org/presentationml/2006/main">
   <p:cSld>
     <p:spTree>
@@ -14902,7 +15161,7 @@
             <a:fld id="{817179DE-9BF3-494C-804F-0C7C90AC8700}" type="slidenum">
               <a:rPr lang="fr-FR" noProof="0" smtClean="0"/>
               <a:pPr algn="ctr" rtl="0"/>
-              <a:t>26</a:t>
+              <a:t>27</a:t>
             </a:fld>
             <a:endParaRPr lang="fr-FR" noProof="0"/>
           </a:p>
@@ -18469,18 +18728,18 @@
 </file>
 
 <file path=customXml/item1.xml><?xml version="1.0" encoding="utf-8"?>
-<p:properties xmlns:p="http://schemas.microsoft.com/office/2006/metadata/properties" xmlns:xsi="http://www.w3.org/2001/XMLSchema-instance" xmlns:pc="http://schemas.microsoft.com/office/infopath/2007/PartnerControls">
-  <documentManagement/>
-</p:properties>
-</file>
-
-<file path=customXml/item2.xml><?xml version="1.0" encoding="utf-8"?>
 <?mso-contentType ?>
 <FormTemplates xmlns="http://schemas.microsoft.com/sharepoint/v3/contenttype/forms">
   <Display>DocumentLibraryForm</Display>
   <Edit>DocumentLibraryForm</Edit>
   <New>DocumentLibraryForm</New>
 </FormTemplates>
+</file>
+
+<file path=customXml/item2.xml><?xml version="1.0" encoding="utf-8"?>
+<p:properties xmlns:p="http://schemas.microsoft.com/office/2006/metadata/properties" xmlns:xsi="http://www.w3.org/2001/XMLSchema-instance" xmlns:pc="http://schemas.microsoft.com/office/infopath/2007/PartnerControls">
+  <documentManagement/>
+</p:properties>
 </file>
 
 <file path=customXml/item3.xml><?xml version="1.0" encoding="utf-8"?>
@@ -18616,6 +18875,14 @@
 </file>
 
 <file path=customXml/itemProps1.xml><?xml version="1.0" encoding="utf-8"?>
+<ds:datastoreItem xmlns:ds="http://schemas.openxmlformats.org/officeDocument/2006/customXml" ds:itemID="{6216BF83-BC37-4FA3-93AF-55DBFC07FBB9}">
+  <ds:schemaRefs>
+    <ds:schemaRef ds:uri="http://schemas.microsoft.com/sharepoint/v3/contenttype/forms"/>
+  </ds:schemaRefs>
+</ds:datastoreItem>
+</file>
+
+<file path=customXml/itemProps2.xml><?xml version="1.0" encoding="utf-8"?>
 <ds:datastoreItem xmlns:ds="http://schemas.openxmlformats.org/officeDocument/2006/customXml" ds:itemID="{9A042760-9A7A-479B-B4D8-612EBC1AFF18}">
   <ds:schemaRefs>
     <ds:schemaRef ds:uri="http://schemas.microsoft.com/office/2006/metadata/properties"/>
@@ -18627,14 +18894,6 @@
     <ds:schemaRef ds:uri="http://schemas.microsoft.com/office/2006/documentManagement/types"/>
     <ds:schemaRef ds:uri="http://schemas.microsoft.com/office/infopath/2007/PartnerControls"/>
     <ds:schemaRef ds:uri="88e89e40-c19a-48d0-a0b6-11184f7f918e"/>
-  </ds:schemaRefs>
-</ds:datastoreItem>
-</file>
-
-<file path=customXml/itemProps2.xml><?xml version="1.0" encoding="utf-8"?>
-<ds:datastoreItem xmlns:ds="http://schemas.openxmlformats.org/officeDocument/2006/customXml" ds:itemID="{6216BF83-BC37-4FA3-93AF-55DBFC07FBB9}">
-  <ds:schemaRefs>
-    <ds:schemaRef ds:uri="http://schemas.microsoft.com/sharepoint/v3/contenttype/forms"/>
   </ds:schemaRefs>
 </ds:datastoreItem>
 </file>

--- a/Docs/Gestion des accès au bâtiment.pptx
+++ b/Docs/Gestion des accès au bâtiment.pptx
@@ -5,10 +5,10 @@
     <p:sldMasterId id="2147483648" r:id="rId4"/>
   </p:sldMasterIdLst>
   <p:notesMasterIdLst>
-    <p:notesMasterId r:id="rId32"/>
+    <p:notesMasterId r:id="rId33"/>
   </p:notesMasterIdLst>
   <p:handoutMasterIdLst>
-    <p:handoutMasterId r:id="rId33"/>
+    <p:handoutMasterId r:id="rId34"/>
   </p:handoutMasterIdLst>
   <p:sldIdLst>
     <p:sldId id="281" r:id="rId5"/>
@@ -30,14 +30,15 @@
     <p:sldId id="323" r:id="rId21"/>
     <p:sldId id="314" r:id="rId22"/>
     <p:sldId id="316" r:id="rId23"/>
-    <p:sldId id="320" r:id="rId24"/>
-    <p:sldId id="319" r:id="rId25"/>
-    <p:sldId id="304" r:id="rId26"/>
-    <p:sldId id="308" r:id="rId27"/>
-    <p:sldId id="305" r:id="rId28"/>
-    <p:sldId id="306" r:id="rId29"/>
-    <p:sldId id="307" r:id="rId30"/>
-    <p:sldId id="295" r:id="rId31"/>
+    <p:sldId id="324" r:id="rId24"/>
+    <p:sldId id="320" r:id="rId25"/>
+    <p:sldId id="319" r:id="rId26"/>
+    <p:sldId id="304" r:id="rId27"/>
+    <p:sldId id="308" r:id="rId28"/>
+    <p:sldId id="305" r:id="rId29"/>
+    <p:sldId id="306" r:id="rId30"/>
+    <p:sldId id="307" r:id="rId31"/>
+    <p:sldId id="295" r:id="rId32"/>
   </p:sldIdLst>
   <p:sldSz cx="12192000" cy="6858000"/>
   <p:notesSz cx="6858000" cy="9144000"/>
@@ -1115,7 +1116,7 @@
             <a:pPr rtl="0"/>
             <a:fld id="{6BF82289-BCFD-4053-9D06-A9140C63A457}" type="slidenum">
               <a:rPr lang="fr-FR" smtClean="0"/>
-              <a:t>27</a:t>
+              <a:t>28</a:t>
             </a:fld>
             <a:endParaRPr lang="fr-FR"/>
           </a:p>
@@ -12344,7 +12345,7 @@
         </p:blipFill>
         <p:spPr>
           <a:xfrm>
-            <a:off x="6093443" y="0"/>
+            <a:off x="5983146" y="58197"/>
             <a:ext cx="6098557" cy="5995867"/>
           </a:xfrm>
           <a:prstGeom prst="rect">
@@ -12352,8 +12353,8 @@
           </a:prstGeom>
         </p:spPr>
       </p:pic>
-      <mc:AlternateContent xmlns:mc="http://schemas.openxmlformats.org/markup-compatibility/2006" xmlns:p14="http://schemas.microsoft.com/office/powerpoint/2010/main">
-        <mc:Choice Requires="p14">
+      <mc:AlternateContent xmlns:mc="http://schemas.openxmlformats.org/markup-compatibility/2006">
+        <mc:Choice xmlns:p14="http://schemas.microsoft.com/office/powerpoint/2010/main" Requires="p14">
           <p:contentPart p14:bwMode="auto" r:id="rId5">
             <p14:nvContentPartPr>
               <p14:cNvPr id="14" name="Encre 13">
@@ -12367,12 +12368,12 @@
               <p14:nvPr/>
             </p14:nvContentPartPr>
             <p14:xfrm>
-              <a:off x="6096000" y="2004137"/>
+              <a:off x="6096000" y="1732468"/>
               <a:ext cx="1922558" cy="87665"/>
             </p14:xfrm>
           </p:contentPart>
         </mc:Choice>
-        <mc:Fallback xmlns="">
+        <mc:Fallback>
           <p:pic>
             <p:nvPicPr>
               <p:cNvPr id="14" name="Encre 13">
@@ -12393,7 +12394,7 @@
             </p:blipFill>
             <p:spPr>
               <a:xfrm>
-                <a:off x="6060357" y="1931985"/>
+                <a:off x="6059997" y="1660316"/>
                 <a:ext cx="1994204" cy="231609"/>
               </a:xfrm>
               <a:prstGeom prst="rect">
@@ -12458,7 +12459,7 @@
           <a:p>
             <a:r>
               <a:rPr lang="fr-FR" dirty="0"/>
-              <a:t>Gestion des accès au campus</a:t>
+              <a:t>Gestion des accès au bâtiment</a:t>
             </a:r>
             <a:br>
               <a:rPr lang="fr-FR" dirty="0"/>
@@ -13046,7 +13047,7 @@
         <p:spPr/>
         <p:txBody>
           <a:bodyPr>
-            <a:normAutofit fontScale="92500" lnSpcReduction="10000"/>
+            <a:normAutofit fontScale="62500" lnSpcReduction="20000"/>
           </a:bodyPr>
           <a:lstStyle/>
           <a:p>
@@ -13104,11 +13105,49 @@
           <a:p>
             <a:r>
               <a:rPr lang="fr-FR" dirty="0"/>
-              <a:t>Gestion des accès au </a:t>
-            </a:r>
-            <a:r>
-              <a:rPr lang="fr-FR" dirty="0" err="1"/>
-              <a:t>batiment</a:t>
+              <a:t>Gestion des accès au bâtiment</a:t>
+            </a:r>
+          </a:p>
+          <a:p>
+            <a:pPr lvl="1"/>
+            <a:r>
+              <a:rPr lang="fr-FR" dirty="0"/>
+              <a:t>Environnement de développement</a:t>
+            </a:r>
+          </a:p>
+          <a:p>
+            <a:pPr lvl="1"/>
+            <a:r>
+              <a:rPr lang="fr-FR" sz="2400" dirty="0"/>
+              <a:t>Récupération des tag RFID </a:t>
+            </a:r>
+          </a:p>
+          <a:p>
+            <a:pPr lvl="1"/>
+            <a:r>
+              <a:rPr lang="fr-FR" dirty="0"/>
+              <a:t>Publication des données avec MQTT</a:t>
+            </a:r>
+          </a:p>
+          <a:p>
+            <a:pPr lvl="1"/>
+            <a:r>
+              <a:rPr lang="fr-FR" dirty="0"/>
+              <a:t>Sauvegarde des données sur la BDD</a:t>
+            </a:r>
+          </a:p>
+          <a:p>
+            <a:pPr lvl="1"/>
+            <a:r>
+              <a:rPr lang="fr-FR" dirty="0"/>
+              <a:t>Les faiblesses</a:t>
+            </a:r>
+          </a:p>
+          <a:p>
+            <a:pPr lvl="1"/>
+            <a:r>
+              <a:rPr lang="fr-FR" sz="2400"/>
+              <a:t>Système d’enregistrement d’une personne dans une BD et de reconnaissance pour l’accès au bâtiment et à une salle</a:t>
             </a:r>
             <a:endParaRPr lang="fr-FR" dirty="0"/>
           </a:p>
@@ -13172,7 +13211,7 @@
           <p:cNvPr id="2" name="Titre 1">
             <a:extLst>
               <a:ext uri="{FF2B5EF4-FFF2-40B4-BE49-F238E27FC236}">
-                <a16:creationId xmlns:a16="http://schemas.microsoft.com/office/drawing/2014/main" id="{DBD23F23-EF92-2EE6-EED2-24F174401B9D}"/>
+                <a16:creationId xmlns:a16="http://schemas.microsoft.com/office/drawing/2014/main" id="{1FE865AE-991B-8E6C-4958-77BCF27CB95F}"/>
               </a:ext>
             </a:extLst>
           </p:cNvPr>
@@ -13185,12 +13224,12 @@
         </p:nvSpPr>
         <p:spPr>
           <a:xfrm>
-            <a:off x="839788" y="457200"/>
-            <a:ext cx="5625180" cy="1600200"/>
-          </a:xfrm>
-        </p:spPr>
-        <p:txBody>
-          <a:bodyPr anchor="t">
+            <a:off x="177365" y="361626"/>
+            <a:ext cx="3932237" cy="1600200"/>
+          </a:xfrm>
+        </p:spPr>
+        <p:txBody>
+          <a:bodyPr>
             <a:normAutofit/>
           </a:bodyPr>
           <a:lstStyle/>
@@ -13202,253 +13241,247 @@
             <a:br>
               <a:rPr lang="fr-FR" dirty="0"/>
             </a:br>
-            <a:br>
-              <a:rPr lang="fr-FR" dirty="0"/>
-            </a:br>
             <a:r>
               <a:rPr lang="fr-FR" sz="2000" dirty="0"/>
-              <a:t>Les faiblesses</a:t>
-            </a:r>
-          </a:p>
-        </p:txBody>
-      </p:sp>
-      <p:sp>
-        <p:nvSpPr>
-          <p:cNvPr id="6" name="Espace réservé du texte 2">
-            <a:extLst>
-              <a:ext uri="{FF2B5EF4-FFF2-40B4-BE49-F238E27FC236}">
-                <a16:creationId xmlns:a16="http://schemas.microsoft.com/office/drawing/2014/main" id="{070D4B8C-89A7-65B0-892A-D27A85A3C9A2}"/>
-              </a:ext>
-            </a:extLst>
-          </p:cNvPr>
-          <p:cNvSpPr txBox="1">
-            <a:spLocks/>
-          </p:cNvSpPr>
+              <a:t>Calcul du nombre de personnes présentes sur le campus</a:t>
+            </a:r>
+            <a:endParaRPr lang="fr-FR" dirty="0"/>
+          </a:p>
+        </p:txBody>
+      </p:sp>
+      <p:cxnSp>
+        <p:nvCxnSpPr>
+          <p:cNvPr id="10" name="Connecteur droit avec flèche 9">
+            <a:extLst>
+              <a:ext uri="{FF2B5EF4-FFF2-40B4-BE49-F238E27FC236}">
+                <a16:creationId xmlns:a16="http://schemas.microsoft.com/office/drawing/2014/main" id="{BCBBE4CC-7174-1DF1-9D28-ADE6EBB1A954}"/>
+              </a:ext>
+            </a:extLst>
+          </p:cNvPr>
+          <p:cNvCxnSpPr>
+            <a:cxnSpLocks/>
+            <a:stCxn id="7" idx="5"/>
+            <a:endCxn id="8" idx="2"/>
+          </p:cNvCxnSpPr>
           <p:nvPr/>
-        </p:nvSpPr>
-        <p:spPr>
-          <a:xfrm>
-            <a:off x="839788" y="2057400"/>
-            <a:ext cx="3932237" cy="674783"/>
+        </p:nvCxnSpPr>
+        <p:spPr>
+          <a:xfrm>
+            <a:off x="5113881" y="1611072"/>
+            <a:ext cx="2021198" cy="2609947"/>
+          </a:xfrm>
+          <a:prstGeom prst="straightConnector1">
+            <a:avLst/>
+          </a:prstGeom>
+          <a:ln>
+            <a:tailEnd type="triangle"/>
+          </a:ln>
+        </p:spPr>
+        <p:style>
+          <a:lnRef idx="1">
+            <a:schemeClr val="accent1"/>
+          </a:lnRef>
+          <a:fillRef idx="0">
+            <a:schemeClr val="accent1"/>
+          </a:fillRef>
+          <a:effectRef idx="0">
+            <a:schemeClr val="accent1"/>
+          </a:effectRef>
+          <a:fontRef idx="minor">
+            <a:schemeClr val="tx1"/>
+          </a:fontRef>
+        </p:style>
+      </p:cxnSp>
+      <p:pic>
+        <p:nvPicPr>
+          <p:cNvPr id="12" name="Image 11">
+            <a:extLst>
+              <a:ext uri="{FF2B5EF4-FFF2-40B4-BE49-F238E27FC236}">
+                <a16:creationId xmlns:a16="http://schemas.microsoft.com/office/drawing/2014/main" id="{0C3AA315-0EAD-E047-AEB5-52F18513E488}"/>
+              </a:ext>
+            </a:extLst>
+          </p:cNvPr>
+          <p:cNvPicPr>
+            <a:picLocks noChangeAspect="1"/>
+          </p:cNvPicPr>
+          <p:nvPr/>
+        </p:nvPicPr>
+        <p:blipFill>
+          <a:blip r:embed="rId2"/>
+          <a:stretch>
+            <a:fillRect/>
+          </a:stretch>
+        </p:blipFill>
+        <p:spPr>
+          <a:xfrm>
+            <a:off x="478422" y="2808681"/>
+            <a:ext cx="5168321" cy="3083055"/>
           </a:xfrm>
           <a:prstGeom prst="rect">
             <a:avLst/>
           </a:prstGeom>
         </p:spPr>
-        <p:txBody>
-          <a:bodyPr vert="horz" lIns="91440" tIns="45720" rIns="91440" bIns="45720" rtlCol="0">
-            <a:normAutofit/>
-          </a:bodyPr>
-          <a:lstStyle>
-            <a:lvl1pPr marL="0" indent="0" algn="l" defTabSz="914400" rtl="0" eaLnBrk="1" latinLnBrk="0" hangingPunct="1">
-              <a:lnSpc>
-                <a:spcPct val="90000"/>
-              </a:lnSpc>
-              <a:spcBef>
-                <a:spcPts val="1000"/>
-              </a:spcBef>
-              <a:buFont typeface="Arial" panose="020B0604020202020204" pitchFamily="34" charset="0"/>
-              <a:buNone/>
-              <a:defRPr sz="1600" kern="1200">
-                <a:solidFill>
-                  <a:schemeClr val="tx1"/>
-                </a:solidFill>
-                <a:latin typeface="+mn-lt"/>
-                <a:ea typeface="+mn-ea"/>
-                <a:cs typeface="+mn-cs"/>
-              </a:defRPr>
-            </a:lvl1pPr>
-            <a:lvl2pPr marL="457200" indent="0" algn="l" defTabSz="914400" rtl="0" eaLnBrk="1" latinLnBrk="0" hangingPunct="1">
-              <a:lnSpc>
-                <a:spcPct val="90000"/>
-              </a:lnSpc>
-              <a:spcBef>
-                <a:spcPts val="500"/>
-              </a:spcBef>
-              <a:buFont typeface="Arial" panose="020B0604020202020204" pitchFamily="34" charset="0"/>
-              <a:buNone/>
-              <a:defRPr sz="1400" kern="1200">
-                <a:solidFill>
-                  <a:schemeClr val="tx1"/>
-                </a:solidFill>
-                <a:latin typeface="+mn-lt"/>
-                <a:ea typeface="+mn-ea"/>
-                <a:cs typeface="+mn-cs"/>
-              </a:defRPr>
-            </a:lvl2pPr>
-            <a:lvl3pPr marL="914400" indent="0" algn="l" defTabSz="914400" rtl="0" eaLnBrk="1" latinLnBrk="0" hangingPunct="1">
-              <a:lnSpc>
-                <a:spcPct val="90000"/>
-              </a:lnSpc>
-              <a:spcBef>
-                <a:spcPts val="500"/>
-              </a:spcBef>
-              <a:buFont typeface="Arial" panose="020B0604020202020204" pitchFamily="34" charset="0"/>
-              <a:buNone/>
-              <a:defRPr sz="1200" kern="1200">
-                <a:solidFill>
-                  <a:schemeClr val="tx1"/>
-                </a:solidFill>
-                <a:latin typeface="+mn-lt"/>
-                <a:ea typeface="+mn-ea"/>
-                <a:cs typeface="+mn-cs"/>
-              </a:defRPr>
-            </a:lvl3pPr>
-            <a:lvl4pPr marL="1371600" indent="0" algn="l" defTabSz="914400" rtl="0" eaLnBrk="1" latinLnBrk="0" hangingPunct="1">
-              <a:lnSpc>
-                <a:spcPct val="90000"/>
-              </a:lnSpc>
-              <a:spcBef>
-                <a:spcPts val="500"/>
-              </a:spcBef>
-              <a:buFont typeface="Arial" panose="020B0604020202020204" pitchFamily="34" charset="0"/>
-              <a:buNone/>
-              <a:defRPr sz="1000" kern="1200">
-                <a:solidFill>
-                  <a:schemeClr val="tx1"/>
-                </a:solidFill>
-                <a:latin typeface="+mn-lt"/>
-                <a:ea typeface="+mn-ea"/>
-                <a:cs typeface="+mn-cs"/>
-              </a:defRPr>
-            </a:lvl4pPr>
-            <a:lvl5pPr marL="1828800" indent="0" algn="l" defTabSz="914400" rtl="0" eaLnBrk="1" latinLnBrk="0" hangingPunct="1">
-              <a:lnSpc>
-                <a:spcPct val="90000"/>
-              </a:lnSpc>
-              <a:spcBef>
-                <a:spcPts val="500"/>
-              </a:spcBef>
-              <a:buFont typeface="Arial" panose="020B0604020202020204" pitchFamily="34" charset="0"/>
-              <a:buNone/>
-              <a:defRPr sz="1000" kern="1200">
-                <a:solidFill>
-                  <a:schemeClr val="tx1"/>
-                </a:solidFill>
-                <a:latin typeface="+mn-lt"/>
-                <a:ea typeface="+mn-ea"/>
-                <a:cs typeface="+mn-cs"/>
-              </a:defRPr>
-            </a:lvl5pPr>
-            <a:lvl6pPr marL="2286000" indent="0" algn="l" defTabSz="914400" rtl="0" eaLnBrk="1" latinLnBrk="0" hangingPunct="1">
-              <a:lnSpc>
-                <a:spcPct val="90000"/>
-              </a:lnSpc>
-              <a:spcBef>
-                <a:spcPts val="500"/>
-              </a:spcBef>
-              <a:buFont typeface="Arial" panose="020B0604020202020204" pitchFamily="34" charset="0"/>
-              <a:buNone/>
-              <a:defRPr sz="1000" kern="1200">
-                <a:solidFill>
-                  <a:schemeClr val="tx1"/>
-                </a:solidFill>
-                <a:latin typeface="+mn-lt"/>
-                <a:ea typeface="+mn-ea"/>
-                <a:cs typeface="+mn-cs"/>
-              </a:defRPr>
-            </a:lvl6pPr>
-            <a:lvl7pPr marL="2743200" indent="0" algn="l" defTabSz="914400" rtl="0" eaLnBrk="1" latinLnBrk="0" hangingPunct="1">
-              <a:lnSpc>
-                <a:spcPct val="90000"/>
-              </a:lnSpc>
-              <a:spcBef>
-                <a:spcPts val="500"/>
-              </a:spcBef>
-              <a:buFont typeface="Arial" panose="020B0604020202020204" pitchFamily="34" charset="0"/>
-              <a:buNone/>
-              <a:defRPr sz="1000" kern="1200">
-                <a:solidFill>
-                  <a:schemeClr val="tx1"/>
-                </a:solidFill>
-                <a:latin typeface="+mn-lt"/>
-                <a:ea typeface="+mn-ea"/>
-                <a:cs typeface="+mn-cs"/>
-              </a:defRPr>
-            </a:lvl7pPr>
-            <a:lvl8pPr marL="3200400" indent="0" algn="l" defTabSz="914400" rtl="0" eaLnBrk="1" latinLnBrk="0" hangingPunct="1">
-              <a:lnSpc>
-                <a:spcPct val="90000"/>
-              </a:lnSpc>
-              <a:spcBef>
-                <a:spcPts val="500"/>
-              </a:spcBef>
-              <a:buFont typeface="Arial" panose="020B0604020202020204" pitchFamily="34" charset="0"/>
-              <a:buNone/>
-              <a:defRPr sz="1000" kern="1200">
-                <a:solidFill>
-                  <a:schemeClr val="tx1"/>
-                </a:solidFill>
-                <a:latin typeface="+mn-lt"/>
-                <a:ea typeface="+mn-ea"/>
-                <a:cs typeface="+mn-cs"/>
-              </a:defRPr>
-            </a:lvl8pPr>
-            <a:lvl9pPr marL="3657600" indent="0" algn="l" defTabSz="914400" rtl="0" eaLnBrk="1" latinLnBrk="0" hangingPunct="1">
-              <a:lnSpc>
-                <a:spcPct val="90000"/>
-              </a:lnSpc>
-              <a:spcBef>
-                <a:spcPts val="500"/>
-              </a:spcBef>
-              <a:buFont typeface="Arial" panose="020B0604020202020204" pitchFamily="34" charset="0"/>
-              <a:buNone/>
-              <a:defRPr sz="1000" kern="1200">
-                <a:solidFill>
-                  <a:schemeClr val="tx1"/>
-                </a:solidFill>
-                <a:latin typeface="+mn-lt"/>
-                <a:ea typeface="+mn-ea"/>
-                <a:cs typeface="+mn-cs"/>
-              </a:defRPr>
-            </a:lvl9pPr>
-          </a:lstStyle>
-          <a:p>
-            <a:pPr marL="285750" indent="-285750">
-              <a:buFont typeface="Arial" panose="020B0604020202020204" pitchFamily="34" charset="0"/>
-              <a:buChar char="•"/>
-            </a:pPr>
-            <a:r>
-              <a:rPr lang="fr-FR" dirty="0"/>
-              <a:t>Le </a:t>
-            </a:r>
-            <a:r>
-              <a:rPr lang="fr-FR" dirty="0" err="1"/>
-              <a:t>node</a:t>
-            </a:r>
-            <a:r>
-              <a:rPr lang="fr-FR" dirty="0"/>
-              <a:t> </a:t>
-            </a:r>
-            <a:r>
-              <a:rPr lang="fr-FR" dirty="0" err="1"/>
-              <a:t>red</a:t>
-            </a:r>
-            <a:r>
-              <a:rPr lang="fr-FR" dirty="0"/>
-              <a:t> arrête après un certain temps de recevoir les données RFID</a:t>
-            </a:r>
-          </a:p>
-          <a:p>
-            <a:pPr marL="285750" indent="-285750">
-              <a:buFont typeface="Arial" panose="020B0604020202020204" pitchFamily="34" charset="0"/>
-              <a:buChar char="•"/>
-            </a:pPr>
-            <a:endParaRPr lang="fr-FR" dirty="0"/>
-          </a:p>
-          <a:p>
-            <a:pPr marL="285750" indent="-285750">
-              <a:buFont typeface="Arial" panose="020B0604020202020204" pitchFamily="34" charset="0"/>
-              <a:buChar char="•"/>
-            </a:pPr>
-            <a:endParaRPr lang="fr-FR" dirty="0"/>
+      </p:pic>
+      <p:pic>
+        <p:nvPicPr>
+          <p:cNvPr id="14" name="Image 13">
+            <a:extLst>
+              <a:ext uri="{FF2B5EF4-FFF2-40B4-BE49-F238E27FC236}">
+                <a16:creationId xmlns:a16="http://schemas.microsoft.com/office/drawing/2014/main" id="{1C2DCF61-27CC-59F0-DF3F-013A8BB2333D}"/>
+              </a:ext>
+            </a:extLst>
+          </p:cNvPr>
+          <p:cNvPicPr>
+            <a:picLocks noChangeAspect="1"/>
+          </p:cNvPicPr>
+          <p:nvPr/>
+        </p:nvPicPr>
+        <p:blipFill>
+          <a:blip r:embed="rId3"/>
+          <a:stretch>
+            <a:fillRect/>
+          </a:stretch>
+        </p:blipFill>
+        <p:spPr>
+          <a:xfrm>
+            <a:off x="3845216" y="196717"/>
+            <a:ext cx="8147485" cy="1427457"/>
+          </a:xfrm>
+          <a:prstGeom prst="rect">
+            <a:avLst/>
+          </a:prstGeom>
+        </p:spPr>
+      </p:pic>
+      <p:pic>
+        <p:nvPicPr>
+          <p:cNvPr id="16" name="Image 15">
+            <a:extLst>
+              <a:ext uri="{FF2B5EF4-FFF2-40B4-BE49-F238E27FC236}">
+                <a16:creationId xmlns:a16="http://schemas.microsoft.com/office/drawing/2014/main" id="{737A6A0E-7844-E9F5-8C52-AB2A4249A2EB}"/>
+              </a:ext>
+            </a:extLst>
+          </p:cNvPr>
+          <p:cNvPicPr>
+            <a:picLocks noChangeAspect="1"/>
+          </p:cNvPicPr>
+          <p:nvPr/>
+        </p:nvPicPr>
+        <p:blipFill>
+          <a:blip r:embed="rId4"/>
+          <a:stretch>
+            <a:fillRect/>
+          </a:stretch>
+        </p:blipFill>
+        <p:spPr>
+          <a:xfrm>
+            <a:off x="7135079" y="2066651"/>
+            <a:ext cx="2695575" cy="4114800"/>
+          </a:xfrm>
+          <a:prstGeom prst="rect">
+            <a:avLst/>
+          </a:prstGeom>
+        </p:spPr>
+      </p:pic>
+      <p:sp>
+        <p:nvSpPr>
+          <p:cNvPr id="8" name="Ellipse 7">
+            <a:extLst>
+              <a:ext uri="{FF2B5EF4-FFF2-40B4-BE49-F238E27FC236}">
+                <a16:creationId xmlns:a16="http://schemas.microsoft.com/office/drawing/2014/main" id="{3CB3F626-010D-43B4-7762-6B8D89B60A74}"/>
+              </a:ext>
+            </a:extLst>
+          </p:cNvPr>
+          <p:cNvSpPr/>
+          <p:nvPr/>
+        </p:nvSpPr>
+        <p:spPr>
+          <a:xfrm>
+            <a:off x="7135079" y="4082473"/>
+            <a:ext cx="1486333" cy="277092"/>
+          </a:xfrm>
+          <a:prstGeom prst="ellipse">
+            <a:avLst/>
+          </a:prstGeom>
+          <a:noFill/>
+          <a:ln w="28575"/>
+        </p:spPr>
+        <p:style>
+          <a:lnRef idx="2">
+            <a:schemeClr val="accent1">
+              <a:shade val="50000"/>
+            </a:schemeClr>
+          </a:lnRef>
+          <a:fillRef idx="1">
+            <a:schemeClr val="accent1"/>
+          </a:fillRef>
+          <a:effectRef idx="0">
+            <a:schemeClr val="accent1"/>
+          </a:effectRef>
+          <a:fontRef idx="minor">
+            <a:schemeClr val="lt1"/>
+          </a:fontRef>
+        </p:style>
+        <p:txBody>
+          <a:bodyPr rtlCol="0" anchor="ctr"/>
+          <a:lstStyle/>
+          <a:p>
+            <a:pPr algn="ctr"/>
+            <a:endParaRPr lang="fr-FR"/>
+          </a:p>
+        </p:txBody>
+      </p:sp>
+      <p:sp>
+        <p:nvSpPr>
+          <p:cNvPr id="7" name="Ellipse 6">
+            <a:extLst>
+              <a:ext uri="{FF2B5EF4-FFF2-40B4-BE49-F238E27FC236}">
+                <a16:creationId xmlns:a16="http://schemas.microsoft.com/office/drawing/2014/main" id="{B8EF9824-8F46-721E-61A3-B8C2363C965D}"/>
+              </a:ext>
+            </a:extLst>
+          </p:cNvPr>
+          <p:cNvSpPr/>
+          <p:nvPr/>
+        </p:nvSpPr>
+        <p:spPr>
+          <a:xfrm>
+            <a:off x="3845216" y="1250608"/>
+            <a:ext cx="1486333" cy="422310"/>
+          </a:xfrm>
+          <a:prstGeom prst="ellipse">
+            <a:avLst/>
+          </a:prstGeom>
+          <a:noFill/>
+          <a:ln w="28575"/>
+        </p:spPr>
+        <p:style>
+          <a:lnRef idx="2">
+            <a:schemeClr val="accent1">
+              <a:shade val="50000"/>
+            </a:schemeClr>
+          </a:lnRef>
+          <a:fillRef idx="1">
+            <a:schemeClr val="accent1"/>
+          </a:fillRef>
+          <a:effectRef idx="0">
+            <a:schemeClr val="accent1"/>
+          </a:effectRef>
+          <a:fontRef idx="minor">
+            <a:schemeClr val="lt1"/>
+          </a:fontRef>
+        </p:style>
+        <p:txBody>
+          <a:bodyPr rtlCol="0" anchor="ctr"/>
+          <a:lstStyle/>
+          <a:p>
+            <a:pPr algn="ctr"/>
+            <a:endParaRPr lang="fr-FR"/>
           </a:p>
         </p:txBody>
       </p:sp>
     </p:spTree>
     <p:extLst>
       <p:ext uri="{BB962C8B-B14F-4D97-AF65-F5344CB8AC3E}">
-        <p14:creationId xmlns:p14="http://schemas.microsoft.com/office/powerpoint/2010/main" val="3268416288"/>
+        <p14:creationId xmlns:p14="http://schemas.microsoft.com/office/powerpoint/2010/main" val="2032932978"/>
       </p:ext>
     </p:extLst>
   </p:cSld>
@@ -13480,7 +13513,7 @@
           <p:cNvPr id="2" name="Titre 1">
             <a:extLst>
               <a:ext uri="{FF2B5EF4-FFF2-40B4-BE49-F238E27FC236}">
-                <a16:creationId xmlns:a16="http://schemas.microsoft.com/office/drawing/2014/main" id="{1FE865AE-991B-8E6C-4958-77BCF27CB95F}"/>
+                <a16:creationId xmlns:a16="http://schemas.microsoft.com/office/drawing/2014/main" id="{DBD23F23-EF92-2EE6-EED2-24F174401B9D}"/>
               </a:ext>
             </a:extLst>
           </p:cNvPr>
@@ -13493,13 +13526,13 @@
         </p:nvSpPr>
         <p:spPr>
           <a:xfrm>
-            <a:off x="0" y="8263"/>
-            <a:ext cx="11898585" cy="1464790"/>
-          </a:xfrm>
-        </p:spPr>
-        <p:txBody>
-          <a:bodyPr>
-            <a:normAutofit fontScale="90000"/>
+            <a:off x="839788" y="457200"/>
+            <a:ext cx="5625180" cy="1600200"/>
+          </a:xfrm>
+        </p:spPr>
+        <p:txBody>
+          <a:bodyPr anchor="t">
+            <a:normAutofit/>
           </a:bodyPr>
           <a:lstStyle/>
           <a:p>
@@ -13515,46 +13548,251 @@
             </a:br>
             <a:r>
               <a:rPr lang="fr-FR" sz="2000" dirty="0"/>
-              <a:t>Système d’enregistrement d’une personne dans une BD et de reconnaissance pour l’accès au bâtiment et à une salle</a:t>
-            </a:r>
-            <a:endParaRPr lang="fr-FR" dirty="0"/>
-          </a:p>
-        </p:txBody>
-      </p:sp>
-      <p:pic>
-        <p:nvPicPr>
-          <p:cNvPr id="4" name="Image 3">
-            <a:extLst>
-              <a:ext uri="{FF2B5EF4-FFF2-40B4-BE49-F238E27FC236}">
-                <a16:creationId xmlns:a16="http://schemas.microsoft.com/office/drawing/2014/main" id="{214D79A7-F87C-8EF3-F4EB-84EEFE6B0894}"/>
-              </a:ext>
-            </a:extLst>
-          </p:cNvPr>
-          <p:cNvPicPr>
-            <a:picLocks noChangeAspect="1"/>
-          </p:cNvPicPr>
+              <a:t>Les faiblesses</a:t>
+            </a:r>
+          </a:p>
+        </p:txBody>
+      </p:sp>
+      <p:sp>
+        <p:nvSpPr>
+          <p:cNvPr id="6" name="Espace réservé du texte 2">
+            <a:extLst>
+              <a:ext uri="{FF2B5EF4-FFF2-40B4-BE49-F238E27FC236}">
+                <a16:creationId xmlns:a16="http://schemas.microsoft.com/office/drawing/2014/main" id="{070D4B8C-89A7-65B0-892A-D27A85A3C9A2}"/>
+              </a:ext>
+            </a:extLst>
+          </p:cNvPr>
+          <p:cNvSpPr txBox="1">
+            <a:spLocks/>
+          </p:cNvSpPr>
           <p:nvPr/>
-        </p:nvPicPr>
-        <p:blipFill>
-          <a:blip r:embed="rId2"/>
-          <a:stretch>
-            <a:fillRect/>
-          </a:stretch>
-        </p:blipFill>
-        <p:spPr>
-          <a:xfrm>
-            <a:off x="1404833" y="1622587"/>
-            <a:ext cx="9088917" cy="4687323"/>
+        </p:nvSpPr>
+        <p:spPr>
+          <a:xfrm>
+            <a:off x="839788" y="2057399"/>
+            <a:ext cx="4310946" cy="1218235"/>
           </a:xfrm>
           <a:prstGeom prst="rect">
             <a:avLst/>
           </a:prstGeom>
         </p:spPr>
-      </p:pic>
+        <p:txBody>
+          <a:bodyPr vert="horz" lIns="91440" tIns="45720" rIns="91440" bIns="45720" rtlCol="0">
+            <a:normAutofit fontScale="92500" lnSpcReduction="10000"/>
+          </a:bodyPr>
+          <a:lstStyle>
+            <a:lvl1pPr marL="0" indent="0" algn="l" defTabSz="914400" rtl="0" eaLnBrk="1" latinLnBrk="0" hangingPunct="1">
+              <a:lnSpc>
+                <a:spcPct val="90000"/>
+              </a:lnSpc>
+              <a:spcBef>
+                <a:spcPts val="1000"/>
+              </a:spcBef>
+              <a:buFont typeface="Arial" panose="020B0604020202020204" pitchFamily="34" charset="0"/>
+              <a:buNone/>
+              <a:defRPr sz="1600" kern="1200">
+                <a:solidFill>
+                  <a:schemeClr val="tx1"/>
+                </a:solidFill>
+                <a:latin typeface="+mn-lt"/>
+                <a:ea typeface="+mn-ea"/>
+                <a:cs typeface="+mn-cs"/>
+              </a:defRPr>
+            </a:lvl1pPr>
+            <a:lvl2pPr marL="457200" indent="0" algn="l" defTabSz="914400" rtl="0" eaLnBrk="1" latinLnBrk="0" hangingPunct="1">
+              <a:lnSpc>
+                <a:spcPct val="90000"/>
+              </a:lnSpc>
+              <a:spcBef>
+                <a:spcPts val="500"/>
+              </a:spcBef>
+              <a:buFont typeface="Arial" panose="020B0604020202020204" pitchFamily="34" charset="0"/>
+              <a:buNone/>
+              <a:defRPr sz="1400" kern="1200">
+                <a:solidFill>
+                  <a:schemeClr val="tx1"/>
+                </a:solidFill>
+                <a:latin typeface="+mn-lt"/>
+                <a:ea typeface="+mn-ea"/>
+                <a:cs typeface="+mn-cs"/>
+              </a:defRPr>
+            </a:lvl2pPr>
+            <a:lvl3pPr marL="914400" indent="0" algn="l" defTabSz="914400" rtl="0" eaLnBrk="1" latinLnBrk="0" hangingPunct="1">
+              <a:lnSpc>
+                <a:spcPct val="90000"/>
+              </a:lnSpc>
+              <a:spcBef>
+                <a:spcPts val="500"/>
+              </a:spcBef>
+              <a:buFont typeface="Arial" panose="020B0604020202020204" pitchFamily="34" charset="0"/>
+              <a:buNone/>
+              <a:defRPr sz="1200" kern="1200">
+                <a:solidFill>
+                  <a:schemeClr val="tx1"/>
+                </a:solidFill>
+                <a:latin typeface="+mn-lt"/>
+                <a:ea typeface="+mn-ea"/>
+                <a:cs typeface="+mn-cs"/>
+              </a:defRPr>
+            </a:lvl3pPr>
+            <a:lvl4pPr marL="1371600" indent="0" algn="l" defTabSz="914400" rtl="0" eaLnBrk="1" latinLnBrk="0" hangingPunct="1">
+              <a:lnSpc>
+                <a:spcPct val="90000"/>
+              </a:lnSpc>
+              <a:spcBef>
+                <a:spcPts val="500"/>
+              </a:spcBef>
+              <a:buFont typeface="Arial" panose="020B0604020202020204" pitchFamily="34" charset="0"/>
+              <a:buNone/>
+              <a:defRPr sz="1000" kern="1200">
+                <a:solidFill>
+                  <a:schemeClr val="tx1"/>
+                </a:solidFill>
+                <a:latin typeface="+mn-lt"/>
+                <a:ea typeface="+mn-ea"/>
+                <a:cs typeface="+mn-cs"/>
+              </a:defRPr>
+            </a:lvl4pPr>
+            <a:lvl5pPr marL="1828800" indent="0" algn="l" defTabSz="914400" rtl="0" eaLnBrk="1" latinLnBrk="0" hangingPunct="1">
+              <a:lnSpc>
+                <a:spcPct val="90000"/>
+              </a:lnSpc>
+              <a:spcBef>
+                <a:spcPts val="500"/>
+              </a:spcBef>
+              <a:buFont typeface="Arial" panose="020B0604020202020204" pitchFamily="34" charset="0"/>
+              <a:buNone/>
+              <a:defRPr sz="1000" kern="1200">
+                <a:solidFill>
+                  <a:schemeClr val="tx1"/>
+                </a:solidFill>
+                <a:latin typeface="+mn-lt"/>
+                <a:ea typeface="+mn-ea"/>
+                <a:cs typeface="+mn-cs"/>
+              </a:defRPr>
+            </a:lvl5pPr>
+            <a:lvl6pPr marL="2286000" indent="0" algn="l" defTabSz="914400" rtl="0" eaLnBrk="1" latinLnBrk="0" hangingPunct="1">
+              <a:lnSpc>
+                <a:spcPct val="90000"/>
+              </a:lnSpc>
+              <a:spcBef>
+                <a:spcPts val="500"/>
+              </a:spcBef>
+              <a:buFont typeface="Arial" panose="020B0604020202020204" pitchFamily="34" charset="0"/>
+              <a:buNone/>
+              <a:defRPr sz="1000" kern="1200">
+                <a:solidFill>
+                  <a:schemeClr val="tx1"/>
+                </a:solidFill>
+                <a:latin typeface="+mn-lt"/>
+                <a:ea typeface="+mn-ea"/>
+                <a:cs typeface="+mn-cs"/>
+              </a:defRPr>
+            </a:lvl6pPr>
+            <a:lvl7pPr marL="2743200" indent="0" algn="l" defTabSz="914400" rtl="0" eaLnBrk="1" latinLnBrk="0" hangingPunct="1">
+              <a:lnSpc>
+                <a:spcPct val="90000"/>
+              </a:lnSpc>
+              <a:spcBef>
+                <a:spcPts val="500"/>
+              </a:spcBef>
+              <a:buFont typeface="Arial" panose="020B0604020202020204" pitchFamily="34" charset="0"/>
+              <a:buNone/>
+              <a:defRPr sz="1000" kern="1200">
+                <a:solidFill>
+                  <a:schemeClr val="tx1"/>
+                </a:solidFill>
+                <a:latin typeface="+mn-lt"/>
+                <a:ea typeface="+mn-ea"/>
+                <a:cs typeface="+mn-cs"/>
+              </a:defRPr>
+            </a:lvl7pPr>
+            <a:lvl8pPr marL="3200400" indent="0" algn="l" defTabSz="914400" rtl="0" eaLnBrk="1" latinLnBrk="0" hangingPunct="1">
+              <a:lnSpc>
+                <a:spcPct val="90000"/>
+              </a:lnSpc>
+              <a:spcBef>
+                <a:spcPts val="500"/>
+              </a:spcBef>
+              <a:buFont typeface="Arial" panose="020B0604020202020204" pitchFamily="34" charset="0"/>
+              <a:buNone/>
+              <a:defRPr sz="1000" kern="1200">
+                <a:solidFill>
+                  <a:schemeClr val="tx1"/>
+                </a:solidFill>
+                <a:latin typeface="+mn-lt"/>
+                <a:ea typeface="+mn-ea"/>
+                <a:cs typeface="+mn-cs"/>
+              </a:defRPr>
+            </a:lvl8pPr>
+            <a:lvl9pPr marL="3657600" indent="0" algn="l" defTabSz="914400" rtl="0" eaLnBrk="1" latinLnBrk="0" hangingPunct="1">
+              <a:lnSpc>
+                <a:spcPct val="90000"/>
+              </a:lnSpc>
+              <a:spcBef>
+                <a:spcPts val="500"/>
+              </a:spcBef>
+              <a:buFont typeface="Arial" panose="020B0604020202020204" pitchFamily="34" charset="0"/>
+              <a:buNone/>
+              <a:defRPr sz="1000" kern="1200">
+                <a:solidFill>
+                  <a:schemeClr val="tx1"/>
+                </a:solidFill>
+                <a:latin typeface="+mn-lt"/>
+                <a:ea typeface="+mn-ea"/>
+                <a:cs typeface="+mn-cs"/>
+              </a:defRPr>
+            </a:lvl9pPr>
+          </a:lstStyle>
+          <a:p>
+            <a:pPr marL="285750" indent="-285750">
+              <a:buFont typeface="Arial" panose="020B0604020202020204" pitchFamily="34" charset="0"/>
+              <a:buChar char="•"/>
+            </a:pPr>
+            <a:r>
+              <a:rPr lang="fr-FR" dirty="0"/>
+              <a:t>Le </a:t>
+            </a:r>
+            <a:r>
+              <a:rPr lang="fr-FR" dirty="0" err="1"/>
+              <a:t>node</a:t>
+            </a:r>
+            <a:r>
+              <a:rPr lang="fr-FR" dirty="0"/>
+              <a:t> </a:t>
+            </a:r>
+            <a:r>
+              <a:rPr lang="fr-FR" dirty="0" err="1"/>
+              <a:t>red</a:t>
+            </a:r>
+            <a:r>
+              <a:rPr lang="fr-FR" dirty="0"/>
+              <a:t> arrête après un certain temps de recevoir les données RFID</a:t>
+            </a:r>
+          </a:p>
+          <a:p>
+            <a:pPr marL="285750" indent="-285750">
+              <a:buFont typeface="Arial" panose="020B0604020202020204" pitchFamily="34" charset="0"/>
+              <a:buChar char="•"/>
+            </a:pPr>
+            <a:r>
+              <a:rPr lang="fr-FR" dirty="0"/>
+              <a:t>Une personne peut badger à l’entrée et sortie du bâtiment mais plusieurs personnes peuvent passer derrière</a:t>
+            </a:r>
+          </a:p>
+          <a:p>
+            <a:pPr marL="285750" indent="-285750">
+              <a:buFont typeface="Arial" panose="020B0604020202020204" pitchFamily="34" charset="0"/>
+              <a:buChar char="•"/>
+            </a:pPr>
+            <a:endParaRPr lang="fr-FR" dirty="0"/>
+          </a:p>
+        </p:txBody>
+      </p:sp>
     </p:spTree>
     <p:extLst>
       <p:ext uri="{BB962C8B-B14F-4D97-AF65-F5344CB8AC3E}">
-        <p14:creationId xmlns:p14="http://schemas.microsoft.com/office/powerpoint/2010/main" val="620592324"/>
+        <p14:creationId xmlns:p14="http://schemas.microsoft.com/office/powerpoint/2010/main" val="3268416288"/>
       </p:ext>
     </p:extLst>
   </p:cSld>
@@ -13586,7 +13824,7 @@
           <p:cNvPr id="2" name="Titre 1">
             <a:extLst>
               <a:ext uri="{FF2B5EF4-FFF2-40B4-BE49-F238E27FC236}">
-                <a16:creationId xmlns:a16="http://schemas.microsoft.com/office/drawing/2014/main" id="{DBD23F23-EF92-2EE6-EED2-24F174401B9D}"/>
+                <a16:creationId xmlns:a16="http://schemas.microsoft.com/office/drawing/2014/main" id="{1FE865AE-991B-8E6C-4958-77BCF27CB95F}"/>
               </a:ext>
             </a:extLst>
           </p:cNvPr>
@@ -13599,70 +13837,43 @@
         </p:nvSpPr>
         <p:spPr>
           <a:xfrm>
-            <a:off x="839788" y="457200"/>
-            <a:ext cx="4654925" cy="1600200"/>
-          </a:xfrm>
-        </p:spPr>
-        <p:txBody>
-          <a:bodyPr anchor="t">
-            <a:normAutofit/>
+            <a:off x="0" y="8263"/>
+            <a:ext cx="11898585" cy="1464790"/>
+          </a:xfrm>
+        </p:spPr>
+        <p:txBody>
+          <a:bodyPr>
+            <a:normAutofit fontScale="90000"/>
           </a:bodyPr>
           <a:lstStyle/>
           <a:p>
             <a:r>
               <a:rPr lang="fr-FR" dirty="0"/>
-              <a:t>Gestion des accès à la salle</a:t>
+              <a:t>Gestion des accès au bâtiment</a:t>
             </a:r>
             <a:br>
               <a:rPr lang="fr-FR" dirty="0"/>
             </a:br>
+            <a:br>
+              <a:rPr lang="fr-FR" dirty="0"/>
+            </a:br>
             <a:r>
               <a:rPr lang="fr-FR" sz="2000" dirty="0"/>
-              <a:t>Récupération des paramètres biométrique </a:t>
-            </a:r>
-            <a:r>
-              <a:rPr lang="fr-FR" dirty="0"/>
-              <a:t> </a:t>
-            </a:r>
-          </a:p>
-        </p:txBody>
-      </p:sp>
-      <p:sp>
-        <p:nvSpPr>
-          <p:cNvPr id="3" name="Espace réservé du texte 2">
-            <a:extLst>
-              <a:ext uri="{FF2B5EF4-FFF2-40B4-BE49-F238E27FC236}">
-                <a16:creationId xmlns:a16="http://schemas.microsoft.com/office/drawing/2014/main" id="{070D4B8C-89A7-65B0-892A-D27A85A3C9A2}"/>
-              </a:ext>
-            </a:extLst>
-          </p:cNvPr>
-          <p:cNvSpPr>
-            <a:spLocks noGrp="1"/>
-          </p:cNvSpPr>
-          <p:nvPr>
-            <p:ph type="body" sz="half" idx="2"/>
-          </p:nvPr>
-        </p:nvSpPr>
-        <p:spPr>
-          <a:xfrm>
-            <a:off x="839788" y="1625138"/>
-            <a:ext cx="3932237" cy="432262"/>
-          </a:xfrm>
-        </p:spPr>
-        <p:txBody>
-          <a:bodyPr/>
-          <a:lstStyle/>
-          <a:p>
-            <a:r>
-              <a:rPr lang="fr-FR" dirty="0"/>
-              <a:t>Lancement de la caméra</a:t>
-            </a:r>
+              <a:t>Système d’enregistrement d’une personne dans une BD et de reconnaissance pour l’accès au bâtiment et à une salle</a:t>
+            </a:r>
+            <a:endParaRPr lang="fr-FR" dirty="0"/>
           </a:p>
         </p:txBody>
       </p:sp>
       <p:pic>
         <p:nvPicPr>
-          <p:cNvPr id="4" name="Image 3"/>
+          <p:cNvPr id="4" name="Image 3">
+            <a:extLst>
+              <a:ext uri="{FF2B5EF4-FFF2-40B4-BE49-F238E27FC236}">
+                <a16:creationId xmlns:a16="http://schemas.microsoft.com/office/drawing/2014/main" id="{214D79A7-F87C-8EF3-F4EB-84EEFE6B0894}"/>
+              </a:ext>
+            </a:extLst>
+          </p:cNvPr>
           <p:cNvPicPr>
             <a:picLocks noChangeAspect="1"/>
           </p:cNvPicPr>
@@ -13676,32 +13887,8 @@
         </p:blipFill>
         <p:spPr>
           <a:xfrm>
-            <a:off x="681225" y="2144713"/>
-            <a:ext cx="4972050" cy="3724275"/>
-          </a:xfrm>
-          <a:prstGeom prst="rect">
-            <a:avLst/>
-          </a:prstGeom>
-        </p:spPr>
-      </p:pic>
-      <p:pic>
-        <p:nvPicPr>
-          <p:cNvPr id="6" name="Image 5"/>
-          <p:cNvPicPr>
-            <a:picLocks noChangeAspect="1"/>
-          </p:cNvPicPr>
-          <p:nvPr/>
-        </p:nvPicPr>
-        <p:blipFill>
-          <a:blip r:embed="rId3"/>
-          <a:stretch>
-            <a:fillRect/>
-          </a:stretch>
-        </p:blipFill>
-        <p:spPr>
-          <a:xfrm>
-            <a:off x="6602001" y="1251284"/>
-            <a:ext cx="4685124" cy="4876800"/>
+            <a:off x="1404833" y="1622587"/>
+            <a:ext cx="9088917" cy="4687323"/>
           </a:xfrm>
           <a:prstGeom prst="rect">
             <a:avLst/>
@@ -13711,7 +13898,7 @@
     </p:spTree>
     <p:extLst>
       <p:ext uri="{BB962C8B-B14F-4D97-AF65-F5344CB8AC3E}">
-        <p14:creationId xmlns:p14="http://schemas.microsoft.com/office/powerpoint/2010/main" val="2428980419"/>
+        <p14:creationId xmlns:p14="http://schemas.microsoft.com/office/powerpoint/2010/main" val="620592324"/>
       </p:ext>
     </p:extLst>
   </p:cSld>
@@ -13868,7 +14055,7 @@
     </p:spTree>
     <p:extLst>
       <p:ext uri="{BB962C8B-B14F-4D97-AF65-F5344CB8AC3E}">
-        <p14:creationId xmlns:p14="http://schemas.microsoft.com/office/powerpoint/2010/main" val="821740354"/>
+        <p14:creationId xmlns:p14="http://schemas.microsoft.com/office/powerpoint/2010/main" val="2428980419"/>
       </p:ext>
     </p:extLst>
   </p:cSld>
@@ -13969,19 +14156,14 @@
           <a:p>
             <a:r>
               <a:rPr lang="fr-FR" dirty="0"/>
-              <a:t>Début du </a:t>
-            </a:r>
-            <a:r>
-              <a:rPr lang="fr-FR" dirty="0" err="1"/>
-              <a:t>stream</a:t>
-            </a:r>
-            <a:endParaRPr lang="fr-FR" dirty="0"/>
+              <a:t>Lancement de la caméra</a:t>
+            </a:r>
           </a:p>
         </p:txBody>
       </p:sp>
       <p:pic>
         <p:nvPicPr>
-          <p:cNvPr id="7" name="Image 6"/>
+          <p:cNvPr id="4" name="Image 3"/>
           <p:cNvPicPr>
             <a:picLocks noChangeAspect="1"/>
           </p:cNvPicPr>
@@ -13995,8 +14177,8 @@
         </p:blipFill>
         <p:spPr>
           <a:xfrm>
-            <a:off x="839788" y="2057401"/>
-            <a:ext cx="3932237" cy="4360082"/>
+            <a:off x="681225" y="2144713"/>
+            <a:ext cx="4972050" cy="3724275"/>
           </a:xfrm>
           <a:prstGeom prst="rect">
             <a:avLst/>
@@ -14005,7 +14187,7 @@
       </p:pic>
       <p:pic>
         <p:nvPicPr>
-          <p:cNvPr id="8" name="Image 7"/>
+          <p:cNvPr id="6" name="Image 5"/>
           <p:cNvPicPr>
             <a:picLocks noChangeAspect="1"/>
           </p:cNvPicPr>
@@ -14019,8 +14201,8 @@
         </p:blipFill>
         <p:spPr>
           <a:xfrm>
-            <a:off x="6304547" y="1257300"/>
-            <a:ext cx="4348413" cy="4744697"/>
+            <a:off x="6602001" y="1251284"/>
+            <a:ext cx="4685124" cy="4876800"/>
           </a:xfrm>
           <a:prstGeom prst="rect">
             <a:avLst/>
@@ -14030,7 +14212,7 @@
     </p:spTree>
     <p:extLst>
       <p:ext uri="{BB962C8B-B14F-4D97-AF65-F5344CB8AC3E}">
-        <p14:creationId xmlns:p14="http://schemas.microsoft.com/office/powerpoint/2010/main" val="2131517895"/>
+        <p14:creationId xmlns:p14="http://schemas.microsoft.com/office/powerpoint/2010/main" val="821740354"/>
       </p:ext>
     </p:extLst>
   </p:cSld>
@@ -14131,14 +14313,19 @@
           <a:p>
             <a:r>
               <a:rPr lang="fr-FR" dirty="0"/>
-              <a:t>Détection d’un visage</a:t>
-            </a:r>
+              <a:t>Début du </a:t>
+            </a:r>
+            <a:r>
+              <a:rPr lang="fr-FR" dirty="0" err="1"/>
+              <a:t>stream</a:t>
+            </a:r>
+            <a:endParaRPr lang="fr-FR" dirty="0"/>
           </a:p>
         </p:txBody>
       </p:sp>
       <p:pic>
         <p:nvPicPr>
-          <p:cNvPr id="4" name="Image 3"/>
+          <p:cNvPr id="7" name="Image 6"/>
           <p:cNvPicPr>
             <a:picLocks noChangeAspect="1"/>
           </p:cNvPicPr>
@@ -14152,8 +14339,32 @@
         </p:blipFill>
         <p:spPr>
           <a:xfrm>
-            <a:off x="839788" y="2556330"/>
-            <a:ext cx="6425470" cy="2817775"/>
+            <a:off x="839788" y="2057401"/>
+            <a:ext cx="3932237" cy="4360082"/>
+          </a:xfrm>
+          <a:prstGeom prst="rect">
+            <a:avLst/>
+          </a:prstGeom>
+        </p:spPr>
+      </p:pic>
+      <p:pic>
+        <p:nvPicPr>
+          <p:cNvPr id="8" name="Image 7"/>
+          <p:cNvPicPr>
+            <a:picLocks noChangeAspect="1"/>
+          </p:cNvPicPr>
+          <p:nvPr/>
+        </p:nvPicPr>
+        <p:blipFill>
+          <a:blip r:embed="rId3"/>
+          <a:stretch>
+            <a:fillRect/>
+          </a:stretch>
+        </p:blipFill>
+        <p:spPr>
+          <a:xfrm>
+            <a:off x="6304547" y="1257300"/>
+            <a:ext cx="4348413" cy="4744697"/>
           </a:xfrm>
           <a:prstGeom prst="rect">
             <a:avLst/>
@@ -14163,7 +14374,7 @@
     </p:spTree>
     <p:extLst>
       <p:ext uri="{BB962C8B-B14F-4D97-AF65-F5344CB8AC3E}">
-        <p14:creationId xmlns:p14="http://schemas.microsoft.com/office/powerpoint/2010/main" val="232207055"/>
+        <p14:creationId xmlns:p14="http://schemas.microsoft.com/office/powerpoint/2010/main" val="2131517895"/>
       </p:ext>
     </p:extLst>
   </p:cSld>
@@ -14209,6 +14420,139 @@
         <p:spPr>
           <a:xfrm>
             <a:off x="839788" y="457200"/>
+            <a:ext cx="4654925" cy="1600200"/>
+          </a:xfrm>
+        </p:spPr>
+        <p:txBody>
+          <a:bodyPr anchor="t">
+            <a:normAutofit/>
+          </a:bodyPr>
+          <a:lstStyle/>
+          <a:p>
+            <a:r>
+              <a:rPr lang="fr-FR" dirty="0"/>
+              <a:t>Gestion des accès à la salle</a:t>
+            </a:r>
+            <a:br>
+              <a:rPr lang="fr-FR" dirty="0"/>
+            </a:br>
+            <a:r>
+              <a:rPr lang="fr-FR" sz="2000" dirty="0"/>
+              <a:t>Récupération des paramètres biométrique </a:t>
+            </a:r>
+            <a:r>
+              <a:rPr lang="fr-FR" dirty="0"/>
+              <a:t> </a:t>
+            </a:r>
+          </a:p>
+        </p:txBody>
+      </p:sp>
+      <p:sp>
+        <p:nvSpPr>
+          <p:cNvPr id="3" name="Espace réservé du texte 2">
+            <a:extLst>
+              <a:ext uri="{FF2B5EF4-FFF2-40B4-BE49-F238E27FC236}">
+                <a16:creationId xmlns:a16="http://schemas.microsoft.com/office/drawing/2014/main" id="{070D4B8C-89A7-65B0-892A-D27A85A3C9A2}"/>
+              </a:ext>
+            </a:extLst>
+          </p:cNvPr>
+          <p:cNvSpPr>
+            <a:spLocks noGrp="1"/>
+          </p:cNvSpPr>
+          <p:nvPr>
+            <p:ph type="body" sz="half" idx="2"/>
+          </p:nvPr>
+        </p:nvSpPr>
+        <p:spPr>
+          <a:xfrm>
+            <a:off x="839788" y="1625138"/>
+            <a:ext cx="3932237" cy="432262"/>
+          </a:xfrm>
+        </p:spPr>
+        <p:txBody>
+          <a:bodyPr/>
+          <a:lstStyle/>
+          <a:p>
+            <a:r>
+              <a:rPr lang="fr-FR" dirty="0"/>
+              <a:t>Détection d’un visage</a:t>
+            </a:r>
+          </a:p>
+        </p:txBody>
+      </p:sp>
+      <p:pic>
+        <p:nvPicPr>
+          <p:cNvPr id="4" name="Image 3"/>
+          <p:cNvPicPr>
+            <a:picLocks noChangeAspect="1"/>
+          </p:cNvPicPr>
+          <p:nvPr/>
+        </p:nvPicPr>
+        <p:blipFill>
+          <a:blip r:embed="rId2"/>
+          <a:stretch>
+            <a:fillRect/>
+          </a:stretch>
+        </p:blipFill>
+        <p:spPr>
+          <a:xfrm>
+            <a:off x="839788" y="2556330"/>
+            <a:ext cx="6425470" cy="2817775"/>
+          </a:xfrm>
+          <a:prstGeom prst="rect">
+            <a:avLst/>
+          </a:prstGeom>
+        </p:spPr>
+      </p:pic>
+    </p:spTree>
+    <p:extLst>
+      <p:ext uri="{BB962C8B-B14F-4D97-AF65-F5344CB8AC3E}">
+        <p14:creationId xmlns:p14="http://schemas.microsoft.com/office/powerpoint/2010/main" val="232207055"/>
+      </p:ext>
+    </p:extLst>
+  </p:cSld>
+  <p:clrMapOvr>
+    <a:masterClrMapping/>
+  </p:clrMapOvr>
+</p:sld>
+</file>
+
+<file path=ppt/slides/slide27.xml><?xml version="1.0" encoding="utf-8"?>
+<p:sld xmlns:a="http://schemas.openxmlformats.org/drawingml/2006/main" xmlns:r="http://schemas.openxmlformats.org/officeDocument/2006/relationships" xmlns:p="http://schemas.openxmlformats.org/presentationml/2006/main">
+  <p:cSld>
+    <p:spTree>
+      <p:nvGrpSpPr>
+        <p:cNvPr id="1" name=""/>
+        <p:cNvGrpSpPr/>
+        <p:nvPr/>
+      </p:nvGrpSpPr>
+      <p:grpSpPr>
+        <a:xfrm>
+          <a:off x="0" y="0"/>
+          <a:ext cx="0" cy="0"/>
+          <a:chOff x="0" y="0"/>
+          <a:chExt cx="0" cy="0"/>
+        </a:xfrm>
+      </p:grpSpPr>
+      <p:sp>
+        <p:nvSpPr>
+          <p:cNvPr id="2" name="Titre 1">
+            <a:extLst>
+              <a:ext uri="{FF2B5EF4-FFF2-40B4-BE49-F238E27FC236}">
+                <a16:creationId xmlns:a16="http://schemas.microsoft.com/office/drawing/2014/main" id="{DBD23F23-EF92-2EE6-EED2-24F174401B9D}"/>
+              </a:ext>
+            </a:extLst>
+          </p:cNvPr>
+          <p:cNvSpPr>
+            <a:spLocks noGrp="1"/>
+          </p:cNvSpPr>
+          <p:nvPr>
+            <p:ph type="title"/>
+          </p:nvPr>
+        </p:nvSpPr>
+        <p:spPr>
+          <a:xfrm>
+            <a:off x="839788" y="457200"/>
             <a:ext cx="5625180" cy="1600200"/>
           </a:xfrm>
         </p:spPr>
@@ -14488,7 +14832,7 @@
 </p:sld>
 </file>
 
-<file path=ppt/slides/slide27.xml><?xml version="1.0" encoding="utf-8"?>
+<file path=ppt/slides/slide28.xml><?xml version="1.0" encoding="utf-8"?>
 <p:sld xmlns:a="http://schemas.openxmlformats.org/drawingml/2006/main" xmlns:r="http://schemas.openxmlformats.org/officeDocument/2006/relationships" xmlns:p="http://schemas.openxmlformats.org/presentationml/2006/main">
   <p:cSld>
     <p:spTree>
@@ -15161,7 +15505,7 @@
             <a:fld id="{817179DE-9BF3-494C-804F-0C7C90AC8700}" type="slidenum">
               <a:rPr lang="fr-FR" noProof="0" smtClean="0"/>
               <a:pPr algn="ctr" rtl="0"/>
-              <a:t>27</a:t>
+              <a:t>28</a:t>
             </a:fld>
             <a:endParaRPr lang="fr-FR" noProof="0"/>
           </a:p>
@@ -15928,7 +16272,7 @@
           <a:p>
             <a:r>
               <a:rPr lang="fr-FR" dirty="0"/>
-              <a:t>Enseignants		 Etudiants                         Agents de sécurité.</a:t>
+              <a:t>Enseignants		 Etudiants                         Administrateur.</a:t>
             </a:r>
           </a:p>
         </p:txBody>
@@ -17078,7 +17422,7 @@
         </p:blipFill>
         <p:spPr>
           <a:xfrm>
-            <a:off x="3403963" y="1781810"/>
+            <a:off x="3683631" y="890905"/>
             <a:ext cx="5274310" cy="5076190"/>
           </a:xfrm>
           <a:prstGeom prst="rect">
@@ -17182,10 +17526,10 @@
       </p:sp>
       <p:pic>
         <p:nvPicPr>
-          <p:cNvPr id="5" name="Image 4">
-            <a:extLst>
-              <a:ext uri="{FF2B5EF4-FFF2-40B4-BE49-F238E27FC236}">
-                <a16:creationId xmlns:a16="http://schemas.microsoft.com/office/drawing/2014/main" id="{E4082824-72E7-3ACA-EC01-EB9C924BC5B4}"/>
+          <p:cNvPr id="6" name="Image 5">
+            <a:extLst>
+              <a:ext uri="{FF2B5EF4-FFF2-40B4-BE49-F238E27FC236}">
+                <a16:creationId xmlns:a16="http://schemas.microsoft.com/office/drawing/2014/main" id="{20E63453-B4A6-EEA4-135F-B87E72EFABF9}"/>
               </a:ext>
             </a:extLst>
           </p:cNvPr>
@@ -17208,8 +17552,8 @@
         </p:blipFill>
         <p:spPr>
           <a:xfrm>
-            <a:off x="766164" y="2009775"/>
-            <a:ext cx="10695946" cy="4066934"/>
+            <a:off x="2133804" y="1750381"/>
+            <a:ext cx="7814628" cy="4550180"/>
           </a:xfrm>
           <a:prstGeom prst="rect">
             <a:avLst/>
@@ -17282,12 +17626,45 @@
           </a:p>
         </p:txBody>
       </p:sp>
+      <p:sp>
+        <p:nvSpPr>
+          <p:cNvPr id="4" name="Titre 1">
+            <a:extLst>
+              <a:ext uri="{FF2B5EF4-FFF2-40B4-BE49-F238E27FC236}">
+                <a16:creationId xmlns:a16="http://schemas.microsoft.com/office/drawing/2014/main" id="{F8B66D86-3ADE-00A0-EC5D-CCC122ADD43B}"/>
+              </a:ext>
+            </a:extLst>
+          </p:cNvPr>
+          <p:cNvSpPr>
+            <a:spLocks noGrp="1"/>
+          </p:cNvSpPr>
+          <p:nvPr>
+            <p:ph type="title"/>
+          </p:nvPr>
+        </p:nvSpPr>
+        <p:spPr>
+          <a:xfrm>
+            <a:off x="633186" y="557439"/>
+            <a:ext cx="10815864" cy="830997"/>
+          </a:xfrm>
+        </p:spPr>
+        <p:txBody>
+          <a:bodyPr/>
+          <a:lstStyle/>
+          <a:p>
+            <a:r>
+              <a:rPr lang="fr-FR" dirty="0"/>
+              <a:t>Diagrammes</a:t>
+            </a:r>
+          </a:p>
+        </p:txBody>
+      </p:sp>
       <p:pic>
         <p:nvPicPr>
-          <p:cNvPr id="6" name="Image 5">
-            <a:extLst>
-              <a:ext uri="{FF2B5EF4-FFF2-40B4-BE49-F238E27FC236}">
-                <a16:creationId xmlns:a16="http://schemas.microsoft.com/office/drawing/2014/main" id="{B7C715DA-C3E1-2F2A-F69B-FF72B30C409F}"/>
+          <p:cNvPr id="5" name="Image 4">
+            <a:extLst>
+              <a:ext uri="{FF2B5EF4-FFF2-40B4-BE49-F238E27FC236}">
+                <a16:creationId xmlns:a16="http://schemas.microsoft.com/office/drawing/2014/main" id="{3A713EFF-8E74-D44F-5984-59721F907042}"/>
               </a:ext>
             </a:extLst>
           </p:cNvPr>
@@ -17304,47 +17681,14 @@
         </p:blipFill>
         <p:spPr>
           <a:xfrm>
-            <a:off x="963273" y="1804073"/>
-            <a:ext cx="9307563" cy="4749934"/>
+            <a:off x="1657350" y="1804073"/>
+            <a:ext cx="8267700" cy="4566861"/>
           </a:xfrm>
           <a:prstGeom prst="rect">
             <a:avLst/>
           </a:prstGeom>
         </p:spPr>
       </p:pic>
-      <p:sp>
-        <p:nvSpPr>
-          <p:cNvPr id="4" name="Titre 1">
-            <a:extLst>
-              <a:ext uri="{FF2B5EF4-FFF2-40B4-BE49-F238E27FC236}">
-                <a16:creationId xmlns:a16="http://schemas.microsoft.com/office/drawing/2014/main" id="{F8B66D86-3ADE-00A0-EC5D-CCC122ADD43B}"/>
-              </a:ext>
-            </a:extLst>
-          </p:cNvPr>
-          <p:cNvSpPr>
-            <a:spLocks noGrp="1"/>
-          </p:cNvSpPr>
-          <p:nvPr>
-            <p:ph type="title"/>
-          </p:nvPr>
-        </p:nvSpPr>
-        <p:spPr>
-          <a:xfrm>
-            <a:off x="633186" y="557439"/>
-            <a:ext cx="10815864" cy="830997"/>
-          </a:xfrm>
-        </p:spPr>
-        <p:txBody>
-          <a:bodyPr/>
-          <a:lstStyle/>
-          <a:p>
-            <a:r>
-              <a:rPr lang="fr-FR" dirty="0"/>
-              <a:t>Diagrammes</a:t>
-            </a:r>
-          </a:p>
-        </p:txBody>
-      </p:sp>
     </p:spTree>
     <p:extLst>
       <p:ext uri="{BB962C8B-B14F-4D97-AF65-F5344CB8AC3E}">
@@ -18728,18 +19072,18 @@
 </file>
 
 <file path=customXml/item1.xml><?xml version="1.0" encoding="utf-8"?>
+<p:properties xmlns:p="http://schemas.microsoft.com/office/2006/metadata/properties" xmlns:xsi="http://www.w3.org/2001/XMLSchema-instance" xmlns:pc="http://schemas.microsoft.com/office/infopath/2007/PartnerControls">
+  <documentManagement/>
+</p:properties>
+</file>
+
+<file path=customXml/item2.xml><?xml version="1.0" encoding="utf-8"?>
 <?mso-contentType ?>
 <FormTemplates xmlns="http://schemas.microsoft.com/sharepoint/v3/contenttype/forms">
   <Display>DocumentLibraryForm</Display>
   <Edit>DocumentLibraryForm</Edit>
   <New>DocumentLibraryForm</New>
 </FormTemplates>
-</file>
-
-<file path=customXml/item2.xml><?xml version="1.0" encoding="utf-8"?>
-<p:properties xmlns:p="http://schemas.microsoft.com/office/2006/metadata/properties" xmlns:xsi="http://www.w3.org/2001/XMLSchema-instance" xmlns:pc="http://schemas.microsoft.com/office/infopath/2007/PartnerControls">
-  <documentManagement/>
-</p:properties>
 </file>
 
 <file path=customXml/item3.xml><?xml version="1.0" encoding="utf-8"?>
@@ -18875,14 +19219,6 @@
 </file>
 
 <file path=customXml/itemProps1.xml><?xml version="1.0" encoding="utf-8"?>
-<ds:datastoreItem xmlns:ds="http://schemas.openxmlformats.org/officeDocument/2006/customXml" ds:itemID="{6216BF83-BC37-4FA3-93AF-55DBFC07FBB9}">
-  <ds:schemaRefs>
-    <ds:schemaRef ds:uri="http://schemas.microsoft.com/sharepoint/v3/contenttype/forms"/>
-  </ds:schemaRefs>
-</ds:datastoreItem>
-</file>
-
-<file path=customXml/itemProps2.xml><?xml version="1.0" encoding="utf-8"?>
 <ds:datastoreItem xmlns:ds="http://schemas.openxmlformats.org/officeDocument/2006/customXml" ds:itemID="{9A042760-9A7A-479B-B4D8-612EBC1AFF18}">
   <ds:schemaRefs>
     <ds:schemaRef ds:uri="http://schemas.microsoft.com/office/2006/metadata/properties"/>
@@ -18894,6 +19230,14 @@
     <ds:schemaRef ds:uri="http://schemas.microsoft.com/office/2006/documentManagement/types"/>
     <ds:schemaRef ds:uri="http://schemas.microsoft.com/office/infopath/2007/PartnerControls"/>
     <ds:schemaRef ds:uri="88e89e40-c19a-48d0-a0b6-11184f7f918e"/>
+  </ds:schemaRefs>
+</ds:datastoreItem>
+</file>
+
+<file path=customXml/itemProps2.xml><?xml version="1.0" encoding="utf-8"?>
+<ds:datastoreItem xmlns:ds="http://schemas.openxmlformats.org/officeDocument/2006/customXml" ds:itemID="{6216BF83-BC37-4FA3-93AF-55DBFC07FBB9}">
+  <ds:schemaRefs>
+    <ds:schemaRef ds:uri="http://schemas.microsoft.com/sharepoint/v3/contenttype/forms"/>
   </ds:schemaRefs>
 </ds:datastoreItem>
 </file>

--- a/Docs/Gestion des accès au bâtiment.pptx
+++ b/Docs/Gestion des accès au bâtiment.pptx
@@ -5,10 +5,10 @@
     <p:sldMasterId id="2147483648" r:id="rId4"/>
   </p:sldMasterIdLst>
   <p:notesMasterIdLst>
-    <p:notesMasterId r:id="rId33"/>
+    <p:notesMasterId r:id="rId34"/>
   </p:notesMasterIdLst>
   <p:handoutMasterIdLst>
-    <p:handoutMasterId r:id="rId34"/>
+    <p:handoutMasterId r:id="rId35"/>
   </p:handoutMasterIdLst>
   <p:sldIdLst>
     <p:sldId id="281" r:id="rId5"/>
@@ -19,26 +19,27 @@
     <p:sldId id="309" r:id="rId10"/>
     <p:sldId id="310" r:id="rId11"/>
     <p:sldId id="322" r:id="rId12"/>
-    <p:sldId id="298" r:id="rId13"/>
-    <p:sldId id="300" r:id="rId14"/>
-    <p:sldId id="301" r:id="rId15"/>
-    <p:sldId id="302" r:id="rId16"/>
-    <p:sldId id="312" r:id="rId17"/>
-    <p:sldId id="303" r:id="rId18"/>
-    <p:sldId id="311" r:id="rId19"/>
-    <p:sldId id="313" r:id="rId20"/>
-    <p:sldId id="323" r:id="rId21"/>
-    <p:sldId id="314" r:id="rId22"/>
-    <p:sldId id="316" r:id="rId23"/>
-    <p:sldId id="324" r:id="rId24"/>
-    <p:sldId id="320" r:id="rId25"/>
-    <p:sldId id="319" r:id="rId26"/>
-    <p:sldId id="304" r:id="rId27"/>
-    <p:sldId id="308" r:id="rId28"/>
-    <p:sldId id="305" r:id="rId29"/>
-    <p:sldId id="306" r:id="rId30"/>
-    <p:sldId id="307" r:id="rId31"/>
-    <p:sldId id="295" r:id="rId32"/>
+    <p:sldId id="325" r:id="rId13"/>
+    <p:sldId id="298" r:id="rId14"/>
+    <p:sldId id="300" r:id="rId15"/>
+    <p:sldId id="301" r:id="rId16"/>
+    <p:sldId id="302" r:id="rId17"/>
+    <p:sldId id="312" r:id="rId18"/>
+    <p:sldId id="303" r:id="rId19"/>
+    <p:sldId id="311" r:id="rId20"/>
+    <p:sldId id="313" r:id="rId21"/>
+    <p:sldId id="323" r:id="rId22"/>
+    <p:sldId id="314" r:id="rId23"/>
+    <p:sldId id="316" r:id="rId24"/>
+    <p:sldId id="324" r:id="rId25"/>
+    <p:sldId id="320" r:id="rId26"/>
+    <p:sldId id="319" r:id="rId27"/>
+    <p:sldId id="326" r:id="rId28"/>
+    <p:sldId id="308" r:id="rId29"/>
+    <p:sldId id="305" r:id="rId30"/>
+    <p:sldId id="306" r:id="rId31"/>
+    <p:sldId id="307" r:id="rId32"/>
+    <p:sldId id="295" r:id="rId33"/>
   </p:sldIdLst>
   <p:sldSz cx="12192000" cy="6858000"/>
   <p:notesSz cx="6858000" cy="9144000"/>
@@ -1116,7 +1117,7 @@
             <a:pPr rtl="0"/>
             <a:fld id="{6BF82289-BCFD-4053-9D06-A9140C63A457}" type="slidenum">
               <a:rPr lang="fr-FR" smtClean="0"/>
-              <a:t>28</a:t>
+              <a:t>29</a:t>
             </a:fld>
             <a:endParaRPr lang="fr-FR"/>
           </a:p>
@@ -9992,7 +9993,7 @@
                 <a16:creationId xmlns:a16="http://schemas.microsoft.com/office/drawing/2014/main" id="{EB664AAE-5AE9-41D7-8346-002B9F445323}"/>
               </a:ext>
               <a:ext uri="{C183D7F6-B498-43B3-948B-1728B52AA6E4}">
-                <adec:decorative xmlns:adec="http://schemas.microsoft.com/office/drawing/2017/decorative" val="1"/>
+                <adec:decorative xmlns:adec="http://schemas.microsoft.com/office/drawing/2017/decorative" xmlns="" val="1"/>
               </a:ext>
             </a:extLst>
           </p:cNvPr>
@@ -10409,10 +10410,90 @@
       </p:grpSpPr>
       <p:sp>
         <p:nvSpPr>
-          <p:cNvPr id="2" name="Titre 1">
-            <a:extLst>
-              <a:ext uri="{FF2B5EF4-FFF2-40B4-BE49-F238E27FC236}">
-                <a16:creationId xmlns:a16="http://schemas.microsoft.com/office/drawing/2014/main" id="{1FE865AE-991B-8E6C-4958-77BCF27CB95F}"/>
+          <p:cNvPr id="4" name="Espace réservé du texte 3">
+            <a:extLst>
+              <a:ext uri="{FF2B5EF4-FFF2-40B4-BE49-F238E27FC236}">
+                <a16:creationId xmlns:a16="http://schemas.microsoft.com/office/drawing/2014/main" id="{61CEC20E-F9D6-D5E0-8EFE-06277B8EA0B4}"/>
+              </a:ext>
+            </a:extLst>
+          </p:cNvPr>
+          <p:cNvSpPr>
+            <a:spLocks noGrp="1"/>
+          </p:cNvSpPr>
+          <p:nvPr>
+            <p:ph type="body" sz="quarter" idx="11"/>
+          </p:nvPr>
+        </p:nvSpPr>
+        <p:spPr>
+          <a:xfrm>
+            <a:off x="647699" y="2717803"/>
+            <a:ext cx="4512973" cy="3368675"/>
+          </a:xfrm>
+        </p:spPr>
+        <p:txBody>
+          <a:bodyPr/>
+          <a:lstStyle/>
+          <a:p>
+            <a:r>
+              <a:rPr lang="fr-FR" sz="1800" dirty="0"/>
+              <a:t>Objectif:</a:t>
+            </a:r>
+          </a:p>
+          <a:p>
+            <a:pPr marL="285750" indent="-285750">
+              <a:buFont typeface="Arial" panose="020B0604020202020204" pitchFamily="34" charset="0"/>
+              <a:buChar char="•"/>
+            </a:pPr>
+            <a:r>
+              <a:rPr lang="fr-FR" sz="1800" dirty="0"/>
+              <a:t>Récupérer les adresses MAC BLE des personnes rentrant et sortant du campus</a:t>
+            </a:r>
+          </a:p>
+          <a:p>
+            <a:pPr marL="285750" indent="-285750">
+              <a:buFont typeface="Arial" panose="020B0604020202020204" pitchFamily="34" charset="0"/>
+              <a:buChar char="•"/>
+            </a:pPr>
+            <a:r>
+              <a:rPr lang="fr-FR" sz="1800" dirty="0"/>
+              <a:t>Publier ces résultats sur le topic « Campus »</a:t>
+            </a:r>
+          </a:p>
+          <a:p>
+            <a:pPr marL="285750" indent="-285750">
+              <a:buFont typeface="Arial" panose="020B0604020202020204" pitchFamily="34" charset="0"/>
+              <a:buChar char="•"/>
+            </a:pPr>
+            <a:r>
+              <a:rPr lang="fr-FR" sz="1800" dirty="0"/>
+              <a:t>Sauvegarder ces résultats dans une base de données</a:t>
+            </a:r>
+          </a:p>
+          <a:p>
+            <a:pPr marL="285750" indent="-285750">
+              <a:buFont typeface="Arial" panose="020B0604020202020204" pitchFamily="34" charset="0"/>
+              <a:buChar char="•"/>
+            </a:pPr>
+            <a:r>
+              <a:rPr lang="fr-FR" sz="1800" dirty="0"/>
+              <a:t>Afficher le nombre de personnes présentes sur le campus</a:t>
+            </a:r>
+          </a:p>
+          <a:p>
+            <a:pPr marL="285750" indent="-285750">
+              <a:buFont typeface="Arial" panose="020B0604020202020204" pitchFamily="34" charset="0"/>
+              <a:buChar char="•"/>
+            </a:pPr>
+            <a:endParaRPr lang="fr-FR" dirty="0"/>
+          </a:p>
+        </p:txBody>
+      </p:sp>
+      <p:sp>
+        <p:nvSpPr>
+          <p:cNvPr id="5" name="Titre 4">
+            <a:extLst>
+              <a:ext uri="{FF2B5EF4-FFF2-40B4-BE49-F238E27FC236}">
+                <a16:creationId xmlns:a16="http://schemas.microsoft.com/office/drawing/2014/main" id="{7BC74D96-20AD-411A-6EC2-B30B1CA4C432}"/>
               </a:ext>
             </a:extLst>
           </p:cNvPr>
@@ -10425,9 +10506,7 @@
         </p:nvSpPr>
         <p:spPr/>
         <p:txBody>
-          <a:bodyPr>
-            <a:normAutofit/>
-          </a:bodyPr>
+          <a:bodyPr/>
           <a:lstStyle/>
           <a:p>
             <a:r>
@@ -10437,20 +10516,16 @@
             <a:br>
               <a:rPr lang="fr-FR" dirty="0"/>
             </a:br>
-            <a:r>
-              <a:rPr lang="fr-FR" sz="2000" dirty="0"/>
-              <a:t>Récupération des adresses MAC  </a:t>
-            </a:r>
             <a:endParaRPr lang="fr-FR" dirty="0"/>
           </a:p>
         </p:txBody>
       </p:sp>
       <p:sp>
         <p:nvSpPr>
-          <p:cNvPr id="3" name="Espace réservé du texte 2">
-            <a:extLst>
-              <a:ext uri="{FF2B5EF4-FFF2-40B4-BE49-F238E27FC236}">
-                <a16:creationId xmlns:a16="http://schemas.microsoft.com/office/drawing/2014/main" id="{09E83A35-1FD2-59BB-CBDE-C332CBAB8755}"/>
+          <p:cNvPr id="8" name="Espace réservé du numéro de diapositive 7">
+            <a:extLst>
+              <a:ext uri="{FF2B5EF4-FFF2-40B4-BE49-F238E27FC236}">
+                <a16:creationId xmlns:a16="http://schemas.microsoft.com/office/drawing/2014/main" id="{292B76D6-CD86-E9EB-1368-EC8B1C74C821}"/>
               </a:ext>
             </a:extLst>
           </p:cNvPr>
@@ -10458,56 +10533,204 @@
             <a:spLocks noGrp="1"/>
           </p:cNvSpPr>
           <p:nvPr>
-            <p:ph type="body" sz="half" idx="2"/>
+            <p:ph type="sldNum" sz="quarter" idx="4"/>
           </p:nvPr>
         </p:nvSpPr>
-        <p:spPr>
-          <a:xfrm>
-            <a:off x="839788" y="2222770"/>
-            <a:ext cx="3932237" cy="3811588"/>
-          </a:xfrm>
-        </p:spPr>
+        <p:spPr/>
         <p:txBody>
           <a:bodyPr/>
           <a:lstStyle/>
           <a:p>
-            <a:pPr marL="285750" indent="-285750">
-              <a:buFont typeface="Arial" panose="020B0604020202020204" pitchFamily="34" charset="0"/>
-              <a:buChar char="•"/>
-            </a:pPr>
-            <a:r>
-              <a:rPr lang="fr-FR" dirty="0"/>
-              <a:t>M5 stick utilisé comme lecteur BLE</a:t>
-            </a:r>
-          </a:p>
-          <a:p>
-            <a:pPr marL="285750" indent="-285750">
-              <a:buFont typeface="Arial" panose="020B0604020202020204" pitchFamily="34" charset="0"/>
-              <a:buChar char="•"/>
-            </a:pPr>
-            <a:endParaRPr lang="fr-FR" dirty="0"/>
-          </a:p>
-          <a:p>
-            <a:endParaRPr lang="fr-FR" dirty="0"/>
-          </a:p>
-          <a:p>
-            <a:pPr marL="285750" indent="-285750">
-              <a:buFont typeface="Arial" panose="020B0604020202020204" pitchFamily="34" charset="0"/>
-              <a:buChar char="•"/>
-            </a:pPr>
-            <a:r>
-              <a:rPr lang="fr-FR" dirty="0"/>
-              <a:t>Le programme permet de récupérer les adresses MAC des appareils BLE à proximité</a:t>
-            </a:r>
+            <a:pPr algn="ctr" rtl="0"/>
+            <a:fld id="{817179DE-9BF3-494C-804F-0C7C90AC8700}" type="slidenum">
+              <a:rPr lang="fr-FR" noProof="0" smtClean="0"/>
+              <a:pPr algn="ctr" rtl="0"/>
+              <a:t>10</a:t>
+            </a:fld>
+            <a:endParaRPr lang="fr-FR" noProof="0"/>
           </a:p>
         </p:txBody>
       </p:sp>
       <p:pic>
         <p:nvPicPr>
-          <p:cNvPr id="8" name="Image 7">
-            <a:extLst>
-              <a:ext uri="{FF2B5EF4-FFF2-40B4-BE49-F238E27FC236}">
-                <a16:creationId xmlns:a16="http://schemas.microsoft.com/office/drawing/2014/main" id="{3766C935-AA72-D632-DF9F-664EEAE4D71A}"/>
+          <p:cNvPr id="1026" name="Picture 2" descr="Bluetooth Low Energy (BLE) Introduction - Part 2 ⋆ EmbeTronicX">
+            <a:extLst>
+              <a:ext uri="{FF2B5EF4-FFF2-40B4-BE49-F238E27FC236}">
+                <a16:creationId xmlns:a16="http://schemas.microsoft.com/office/drawing/2014/main" id="{8B7C63E8-4020-808F-39FC-0B91FFD0DF45}"/>
+              </a:ext>
+            </a:extLst>
+          </p:cNvPr>
+          <p:cNvPicPr>
+            <a:picLocks noGrp="1" noChangeAspect="1" noChangeArrowheads="1"/>
+          </p:cNvPicPr>
+          <p:nvPr>
+            <p:ph sz="quarter" idx="13"/>
+          </p:nvPr>
+        </p:nvPicPr>
+        <p:blipFill>
+          <a:blip r:embed="rId2">
+            <a:extLst>
+              <a:ext uri="{28A0092B-C50C-407E-A947-70E740481C1C}">
+                <a14:useLocalDpi xmlns:a14="http://schemas.microsoft.com/office/drawing/2010/main" val="0"/>
+              </a:ext>
+            </a:extLst>
+          </a:blip>
+          <a:srcRect/>
+          <a:stretch>
+            <a:fillRect/>
+          </a:stretch>
+        </p:blipFill>
+        <p:spPr bwMode="auto">
+          <a:xfrm>
+            <a:off x="2780516" y="1642084"/>
+            <a:ext cx="548640" cy="548640"/>
+          </a:xfrm>
+          <a:prstGeom prst="rect">
+            <a:avLst/>
+          </a:prstGeom>
+          <a:noFill/>
+          <a:extLst>
+            <a:ext uri="{909E8E84-426E-40DD-AFC4-6F175D3DCCD1}">
+              <a14:hiddenFill xmlns:a14="http://schemas.microsoft.com/office/drawing/2010/main">
+                <a:solidFill>
+                  <a:srgbClr val="FFFFFF"/>
+                </a:solidFill>
+              </a14:hiddenFill>
+            </a:ext>
+          </a:extLst>
+        </p:spPr>
+      </p:pic>
+      <p:pic>
+        <p:nvPicPr>
+          <p:cNvPr id="10" name="Picture 2" descr="Arduino — Wikipédia">
+            <a:extLst>
+              <a:ext uri="{FF2B5EF4-FFF2-40B4-BE49-F238E27FC236}">
+                <a16:creationId xmlns:a16="http://schemas.microsoft.com/office/drawing/2014/main" id="{4D0A9E5D-849D-2782-0CBD-4D2D7DCD5DA9}"/>
+              </a:ext>
+            </a:extLst>
+          </p:cNvPr>
+          <p:cNvPicPr>
+            <a:picLocks noGrp="1" noChangeAspect="1" noChangeArrowheads="1"/>
+          </p:cNvPicPr>
+          <p:nvPr>
+            <p:ph sz="quarter" idx="14"/>
+          </p:nvPr>
+        </p:nvPicPr>
+        <p:blipFill>
+          <a:blip r:embed="rId3">
+            <a:extLst>
+              <a:ext uri="{28A0092B-C50C-407E-A947-70E740481C1C}">
+                <a14:useLocalDpi xmlns:a14="http://schemas.microsoft.com/office/drawing/2010/main" val="0"/>
+              </a:ext>
+            </a:extLst>
+          </a:blip>
+          <a:srcRect/>
+          <a:stretch>
+            <a:fillRect/>
+          </a:stretch>
+        </p:blipFill>
+        <p:spPr bwMode="auto">
+          <a:xfrm>
+            <a:off x="3573478" y="1817137"/>
+            <a:ext cx="549275" cy="373587"/>
+          </a:xfrm>
+          <a:prstGeom prst="rect">
+            <a:avLst/>
+          </a:prstGeom>
+          <a:noFill/>
+          <a:extLst>
+            <a:ext uri="{909E8E84-426E-40DD-AFC4-6F175D3DCCD1}">
+              <a14:hiddenFill xmlns:a14="http://schemas.microsoft.com/office/drawing/2010/main">
+                <a:solidFill>
+                  <a:srgbClr val="FFFFFF"/>
+                </a:solidFill>
+              </a14:hiddenFill>
+            </a:ext>
+          </a:extLst>
+        </p:spPr>
+      </p:pic>
+      <p:pic>
+        <p:nvPicPr>
+          <p:cNvPr id="14" name="Image 22">
+            <a:extLst>
+              <a:ext uri="{FF2B5EF4-FFF2-40B4-BE49-F238E27FC236}">
+                <a16:creationId xmlns:a16="http://schemas.microsoft.com/office/drawing/2014/main" id="{4B896E3E-DDF7-7892-80D1-75C34E068984}"/>
+              </a:ext>
+            </a:extLst>
+          </p:cNvPr>
+          <p:cNvPicPr/>
+          <p:nvPr/>
+        </p:nvPicPr>
+        <p:blipFill>
+          <a:blip r:embed="rId4"/>
+          <a:stretch/>
+        </p:blipFill>
+        <p:spPr>
+          <a:xfrm>
+            <a:off x="4367075" y="1642084"/>
+            <a:ext cx="549275" cy="548640"/>
+          </a:xfrm>
+          <a:prstGeom prst="rect">
+            <a:avLst/>
+          </a:prstGeom>
+          <a:ln w="0">
+            <a:noFill/>
+          </a:ln>
+        </p:spPr>
+      </p:pic>
+      <p:pic>
+        <p:nvPicPr>
+          <p:cNvPr id="1028" name="Picture 4" descr="MQTT Broker-Client – The Blog of Ivan Krizsan">
+            <a:extLst>
+              <a:ext uri="{FF2B5EF4-FFF2-40B4-BE49-F238E27FC236}">
+                <a16:creationId xmlns:a16="http://schemas.microsoft.com/office/drawing/2014/main" id="{93865ADD-C9AF-2723-263F-406490B7A870}"/>
+              </a:ext>
+            </a:extLst>
+          </p:cNvPr>
+          <p:cNvPicPr>
+            <a:picLocks noChangeAspect="1" noChangeArrowheads="1"/>
+          </p:cNvPicPr>
+          <p:nvPr/>
+        </p:nvPicPr>
+        <p:blipFill>
+          <a:blip r:embed="rId5">
+            <a:extLst>
+              <a:ext uri="{28A0092B-C50C-407E-A947-70E740481C1C}">
+                <a14:useLocalDpi xmlns:a14="http://schemas.microsoft.com/office/drawing/2010/main" val="0"/>
+              </a:ext>
+            </a:extLst>
+          </a:blip>
+          <a:srcRect/>
+          <a:stretch>
+            <a:fillRect/>
+          </a:stretch>
+        </p:blipFill>
+        <p:spPr bwMode="auto">
+          <a:xfrm>
+            <a:off x="1791980" y="1553701"/>
+            <a:ext cx="744214" cy="637023"/>
+          </a:xfrm>
+          <a:prstGeom prst="rect">
+            <a:avLst/>
+          </a:prstGeom>
+          <a:noFill/>
+          <a:extLst>
+            <a:ext uri="{909E8E84-426E-40DD-AFC4-6F175D3DCCD1}">
+              <a14:hiddenFill xmlns:a14="http://schemas.microsoft.com/office/drawing/2010/main">
+                <a:solidFill>
+                  <a:srgbClr val="FFFFFF"/>
+                </a:solidFill>
+              </a14:hiddenFill>
+            </a:ext>
+          </a:extLst>
+        </p:spPr>
+      </p:pic>
+      <p:pic>
+        <p:nvPicPr>
+          <p:cNvPr id="9" name="Image 8">
+            <a:extLst>
+              <a:ext uri="{FF2B5EF4-FFF2-40B4-BE49-F238E27FC236}">
+                <a16:creationId xmlns:a16="http://schemas.microsoft.com/office/drawing/2014/main" id="{18663FBD-18DE-DC6A-8E7C-99BD80AF7DF6}"/>
               </a:ext>
             </a:extLst>
           </p:cNvPr>
@@ -10517,36 +10740,15 @@
           <p:nvPr/>
         </p:nvPicPr>
         <p:blipFill>
-          <a:blip r:embed="rId2">
-            <a:extLst>
-              <a:ext uri="{BEBA8EAE-BF5A-486C-A8C5-ECC9F3942E4B}">
-                <a14:imgProps xmlns:a14="http://schemas.microsoft.com/office/drawing/2010/main">
-                  <a14:imgLayer r:embed="rId3">
-                    <a14:imgEffect>
-                      <a14:backgroundRemoval t="10000" b="90000" l="4222" r="94000">
-                        <a14:foregroundMark x1="5778" y1="59333" x2="5778" y2="59333"/>
-                        <a14:foregroundMark x1="94000" y1="55556" x2="94000" y2="55556"/>
-                        <a14:foregroundMark x1="75333" y1="48444" x2="75333" y2="48444"/>
-                        <a14:foregroundMark x1="8889" y1="65556" x2="8889" y2="65556"/>
-                        <a14:foregroundMark x1="4222" y1="62444" x2="4222" y2="62444"/>
-                      </a14:backgroundRemoval>
-                    </a14:imgEffect>
-                  </a14:imgLayer>
-                </a14:imgProps>
-              </a:ext>
-              <a:ext uri="{837473B0-CC2E-450A-ABE3-18F120FF3D39}">
-                <a1611:picAttrSrcUrl xmlns:a1611="http://schemas.microsoft.com/office/drawing/2016/11/main" r:id="rId4"/>
-              </a:ext>
-            </a:extLst>
-          </a:blip>
+          <a:blip r:embed="rId6"/>
           <a:stretch>
             <a:fillRect/>
           </a:stretch>
         </p:blipFill>
         <p:spPr>
           <a:xfrm>
-            <a:off x="110297" y="2208346"/>
-            <a:ext cx="1220654" cy="1220654"/>
+            <a:off x="5160673" y="1515110"/>
+            <a:ext cx="675614" cy="675614"/>
           </a:xfrm>
           <a:prstGeom prst="rect">
             <a:avLst/>
@@ -10555,10 +10757,10 @@
       </p:pic>
       <p:pic>
         <p:nvPicPr>
-          <p:cNvPr id="12" name="Image 11">
-            <a:extLst>
-              <a:ext uri="{FF2B5EF4-FFF2-40B4-BE49-F238E27FC236}">
-                <a16:creationId xmlns:a16="http://schemas.microsoft.com/office/drawing/2014/main" id="{103C5B29-E6F3-7053-9678-13D27864FFAC}"/>
+          <p:cNvPr id="15" name="Image 14">
+            <a:extLst>
+              <a:ext uri="{FF2B5EF4-FFF2-40B4-BE49-F238E27FC236}">
+                <a16:creationId xmlns:a16="http://schemas.microsoft.com/office/drawing/2014/main" id="{42064B03-B3EA-A36E-7153-61AD54B6A6EC}"/>
               </a:ext>
             </a:extLst>
           </p:cNvPr>
@@ -10567,73 +10769,71 @@
           </p:cNvPicPr>
           <p:nvPr/>
         </p:nvPicPr>
-        <p:blipFill rotWithShape="1">
-          <a:blip r:embed="rId5"/>
-          <a:srcRect l="40072"/>
-          <a:stretch/>
+        <p:blipFill>
+          <a:blip r:embed="rId7"/>
+          <a:stretch>
+            <a:fillRect/>
+          </a:stretch>
         </p:blipFill>
         <p:spPr>
           <a:xfrm>
-            <a:off x="4989153" y="0"/>
-            <a:ext cx="7202847" cy="6858000"/>
+            <a:off x="919441" y="1562507"/>
+            <a:ext cx="628217" cy="628217"/>
           </a:xfrm>
           <a:prstGeom prst="rect">
             <a:avLst/>
           </a:prstGeom>
         </p:spPr>
       </p:pic>
-      <p:sp>
-        <p:nvSpPr>
-          <p:cNvPr id="10" name="Ellipse 9">
-            <a:extLst>
-              <a:ext uri="{FF2B5EF4-FFF2-40B4-BE49-F238E27FC236}">
-                <a16:creationId xmlns:a16="http://schemas.microsoft.com/office/drawing/2014/main" id="{CAAC5C78-E630-573E-A43F-D1107666D747}"/>
-              </a:ext>
-            </a:extLst>
-          </p:cNvPr>
-          <p:cNvSpPr/>
-          <p:nvPr/>
-        </p:nvSpPr>
-        <p:spPr>
-          <a:xfrm>
-            <a:off x="7583488" y="1488332"/>
-            <a:ext cx="2825108" cy="3988340"/>
-          </a:xfrm>
-          <a:prstGeom prst="ellipse">
+      <p:pic>
+        <p:nvPicPr>
+          <p:cNvPr id="1030" name="Picture 6" descr="Fiche projet - Campus SOPHIA TECH - Sophia-Antipolis">
+            <a:extLst>
+              <a:ext uri="{FF2B5EF4-FFF2-40B4-BE49-F238E27FC236}">
+                <a16:creationId xmlns:a16="http://schemas.microsoft.com/office/drawing/2014/main" id="{86CCC64C-BF06-C6DF-AE31-201A39C22E0B}"/>
+              </a:ext>
+            </a:extLst>
+          </p:cNvPr>
+          <p:cNvPicPr>
+            <a:picLocks noGrp="1" noChangeAspect="1" noChangeArrowheads="1"/>
+          </p:cNvPicPr>
+          <p:nvPr>
+            <p:ph type="pic" sz="quarter" idx="10"/>
+          </p:nvPr>
+        </p:nvPicPr>
+        <p:blipFill>
+          <a:blip r:embed="rId8">
+            <a:extLst>
+              <a:ext uri="{28A0092B-C50C-407E-A947-70E740481C1C}">
+                <a14:useLocalDpi xmlns:a14="http://schemas.microsoft.com/office/drawing/2010/main" val="0"/>
+              </a:ext>
+            </a:extLst>
+          </a:blip>
+          <a:srcRect l="23953" r="23953"/>
+          <a:stretch>
+            <a:fillRect/>
+          </a:stretch>
+        </p:blipFill>
+        <p:spPr bwMode="auto">
+          <a:prstGeom prst="rect">
             <a:avLst/>
           </a:prstGeom>
           <a:noFill/>
-          <a:ln w="38100"/>
-        </p:spPr>
-        <p:style>
-          <a:lnRef idx="2">
-            <a:schemeClr val="accent1">
-              <a:shade val="50000"/>
-            </a:schemeClr>
-          </a:lnRef>
-          <a:fillRef idx="1">
-            <a:schemeClr val="accent1"/>
-          </a:fillRef>
-          <a:effectRef idx="0">
-            <a:schemeClr val="accent1"/>
-          </a:effectRef>
-          <a:fontRef idx="minor">
-            <a:schemeClr val="lt1"/>
-          </a:fontRef>
-        </p:style>
-        <p:txBody>
-          <a:bodyPr rtlCol="0" anchor="ctr"/>
-          <a:lstStyle/>
-          <a:p>
-            <a:pPr algn="ctr"/>
-            <a:endParaRPr lang="fr-FR"/>
-          </a:p>
-        </p:txBody>
-      </p:sp>
+          <a:extLst>
+            <a:ext uri="{909E8E84-426E-40DD-AFC4-6F175D3DCCD1}">
+              <a14:hiddenFill xmlns:a14="http://schemas.microsoft.com/office/drawing/2010/main">
+                <a:solidFill>
+                  <a:srgbClr val="FFFFFF"/>
+                </a:solidFill>
+              </a14:hiddenFill>
+            </a:ext>
+          </a:extLst>
+        </p:spPr>
+      </p:pic>
     </p:spTree>
     <p:extLst>
       <p:ext uri="{BB962C8B-B14F-4D97-AF65-F5344CB8AC3E}">
-        <p14:creationId xmlns:p14="http://schemas.microsoft.com/office/powerpoint/2010/main" val="2809124533"/>
+        <p14:creationId xmlns:p14="http://schemas.microsoft.com/office/powerpoint/2010/main" val="2173750144"/>
       </p:ext>
     </p:extLst>
   </p:cSld>
@@ -10692,7 +10892,7 @@
             </a:br>
             <a:r>
               <a:rPr lang="fr-FR" sz="2000" dirty="0"/>
-              <a:t>Publication des données avec MQTT</a:t>
+              <a:t>Récupération des adresses MAC  </a:t>
             </a:r>
             <a:endParaRPr lang="fr-FR" dirty="0"/>
           </a:p>
@@ -10730,27 +10930,7 @@
             </a:pPr>
             <a:r>
               <a:rPr lang="fr-FR" dirty="0"/>
-              <a:t>MQTT serveur : 192.168.143.151</a:t>
-            </a:r>
-          </a:p>
-          <a:p>
-            <a:pPr marL="285750" indent="-285750">
-              <a:buFont typeface="Arial" panose="020B0604020202020204" pitchFamily="34" charset="0"/>
-              <a:buChar char="•"/>
-            </a:pPr>
-            <a:r>
-              <a:rPr lang="fr-FR" dirty="0"/>
-              <a:t>Topic: Campus</a:t>
-            </a:r>
-          </a:p>
-          <a:p>
-            <a:pPr marL="285750" indent="-285750">
-              <a:buFont typeface="Arial" panose="020B0604020202020204" pitchFamily="34" charset="0"/>
-              <a:buChar char="•"/>
-            </a:pPr>
-            <a:r>
-              <a:rPr lang="fr-FR" dirty="0"/>
-              <a:t>Port : 1883</a:t>
+              <a:t>M5 stick utilisé comme lecteur BLE</a:t>
             </a:r>
           </a:p>
           <a:p>
@@ -10760,8 +10940,101 @@
             </a:pPr>
             <a:endParaRPr lang="fr-FR" dirty="0"/>
           </a:p>
-        </p:txBody>
-      </p:sp>
+          <a:p>
+            <a:endParaRPr lang="fr-FR" dirty="0"/>
+          </a:p>
+          <a:p>
+            <a:pPr marL="285750" indent="-285750">
+              <a:buFont typeface="Arial" panose="020B0604020202020204" pitchFamily="34" charset="0"/>
+              <a:buChar char="•"/>
+            </a:pPr>
+            <a:r>
+              <a:rPr lang="fr-FR" dirty="0"/>
+              <a:t>Le programme permet de récupérer les adresses MAC des appareils BLE à proximité</a:t>
+            </a:r>
+          </a:p>
+        </p:txBody>
+      </p:sp>
+      <p:pic>
+        <p:nvPicPr>
+          <p:cNvPr id="8" name="Image 7">
+            <a:extLst>
+              <a:ext uri="{FF2B5EF4-FFF2-40B4-BE49-F238E27FC236}">
+                <a16:creationId xmlns:a16="http://schemas.microsoft.com/office/drawing/2014/main" id="{3766C935-AA72-D632-DF9F-664EEAE4D71A}"/>
+              </a:ext>
+            </a:extLst>
+          </p:cNvPr>
+          <p:cNvPicPr>
+            <a:picLocks noChangeAspect="1"/>
+          </p:cNvPicPr>
+          <p:nvPr/>
+        </p:nvPicPr>
+        <p:blipFill>
+          <a:blip r:embed="rId2">
+            <a:extLst>
+              <a:ext uri="{BEBA8EAE-BF5A-486C-A8C5-ECC9F3942E4B}">
+                <a14:imgProps xmlns:a14="http://schemas.microsoft.com/office/drawing/2010/main">
+                  <a14:imgLayer r:embed="rId3">
+                    <a14:imgEffect>
+                      <a14:backgroundRemoval t="10000" b="90000" l="4222" r="94000">
+                        <a14:foregroundMark x1="5778" y1="59333" x2="5778" y2="59333"/>
+                        <a14:foregroundMark x1="94000" y1="55556" x2="94000" y2="55556"/>
+                        <a14:foregroundMark x1="75333" y1="48444" x2="75333" y2="48444"/>
+                        <a14:foregroundMark x1="8889" y1="65556" x2="8889" y2="65556"/>
+                        <a14:foregroundMark x1="4222" y1="62444" x2="4222" y2="62444"/>
+                      </a14:backgroundRemoval>
+                    </a14:imgEffect>
+                  </a14:imgLayer>
+                </a14:imgProps>
+              </a:ext>
+              <a:ext uri="{837473B0-CC2E-450A-ABE3-18F120FF3D39}">
+                <a1611:picAttrSrcUrl xmlns:a1611="http://schemas.microsoft.com/office/drawing/2016/11/main" xmlns="" r:id="rId4"/>
+              </a:ext>
+            </a:extLst>
+          </a:blip>
+          <a:stretch>
+            <a:fillRect/>
+          </a:stretch>
+        </p:blipFill>
+        <p:spPr>
+          <a:xfrm>
+            <a:off x="110297" y="2208346"/>
+            <a:ext cx="1220654" cy="1220654"/>
+          </a:xfrm>
+          <a:prstGeom prst="rect">
+            <a:avLst/>
+          </a:prstGeom>
+        </p:spPr>
+      </p:pic>
+      <p:pic>
+        <p:nvPicPr>
+          <p:cNvPr id="12" name="Image 11">
+            <a:extLst>
+              <a:ext uri="{FF2B5EF4-FFF2-40B4-BE49-F238E27FC236}">
+                <a16:creationId xmlns:a16="http://schemas.microsoft.com/office/drawing/2014/main" id="{103C5B29-E6F3-7053-9678-13D27864FFAC}"/>
+              </a:ext>
+            </a:extLst>
+          </p:cNvPr>
+          <p:cNvPicPr>
+            <a:picLocks noChangeAspect="1"/>
+          </p:cNvPicPr>
+          <p:nvPr/>
+        </p:nvPicPr>
+        <p:blipFill rotWithShape="1">
+          <a:blip r:embed="rId5"/>
+          <a:srcRect l="40072"/>
+          <a:stretch/>
+        </p:blipFill>
+        <p:spPr>
+          <a:xfrm>
+            <a:off x="4989153" y="0"/>
+            <a:ext cx="7202847" cy="6858000"/>
+          </a:xfrm>
+          <a:prstGeom prst="rect">
+            <a:avLst/>
+          </a:prstGeom>
+        </p:spPr>
+      </p:pic>
       <p:sp>
         <p:nvSpPr>
           <p:cNvPr id="10" name="Ellipse 9">
@@ -10776,8 +11049,8 @@
         </p:nvSpPr>
         <p:spPr>
           <a:xfrm>
-            <a:off x="7583488" y="2208346"/>
-            <a:ext cx="1618878" cy="914233"/>
+            <a:off x="7583488" y="1488332"/>
+            <a:ext cx="2825108" cy="3988340"/>
           </a:xfrm>
           <a:prstGeom prst="ellipse">
             <a:avLst/>
@@ -10810,6 +11083,186 @@
           </a:p>
         </p:txBody>
       </p:sp>
+    </p:spTree>
+    <p:extLst>
+      <p:ext uri="{BB962C8B-B14F-4D97-AF65-F5344CB8AC3E}">
+        <p14:creationId xmlns:p14="http://schemas.microsoft.com/office/powerpoint/2010/main" val="2809124533"/>
+      </p:ext>
+    </p:extLst>
+  </p:cSld>
+  <p:clrMapOvr>
+    <a:masterClrMapping/>
+  </p:clrMapOvr>
+</p:sld>
+</file>
+
+<file path=ppt/slides/slide12.xml><?xml version="1.0" encoding="utf-8"?>
+<p:sld xmlns:a="http://schemas.openxmlformats.org/drawingml/2006/main" xmlns:r="http://schemas.openxmlformats.org/officeDocument/2006/relationships" xmlns:p="http://schemas.openxmlformats.org/presentationml/2006/main">
+  <p:cSld>
+    <p:spTree>
+      <p:nvGrpSpPr>
+        <p:cNvPr id="1" name=""/>
+        <p:cNvGrpSpPr/>
+        <p:nvPr/>
+      </p:nvGrpSpPr>
+      <p:grpSpPr>
+        <a:xfrm>
+          <a:off x="0" y="0"/>
+          <a:ext cx="0" cy="0"/>
+          <a:chOff x="0" y="0"/>
+          <a:chExt cx="0" cy="0"/>
+        </a:xfrm>
+      </p:grpSpPr>
+      <p:sp>
+        <p:nvSpPr>
+          <p:cNvPr id="2" name="Titre 1">
+            <a:extLst>
+              <a:ext uri="{FF2B5EF4-FFF2-40B4-BE49-F238E27FC236}">
+                <a16:creationId xmlns:a16="http://schemas.microsoft.com/office/drawing/2014/main" id="{1FE865AE-991B-8E6C-4958-77BCF27CB95F}"/>
+              </a:ext>
+            </a:extLst>
+          </p:cNvPr>
+          <p:cNvSpPr>
+            <a:spLocks noGrp="1"/>
+          </p:cNvSpPr>
+          <p:nvPr>
+            <p:ph type="title"/>
+          </p:nvPr>
+        </p:nvSpPr>
+        <p:spPr/>
+        <p:txBody>
+          <a:bodyPr>
+            <a:normAutofit/>
+          </a:bodyPr>
+          <a:lstStyle/>
+          <a:p>
+            <a:r>
+              <a:rPr lang="fr-FR" dirty="0"/>
+              <a:t>Gestion des accès au campus</a:t>
+            </a:r>
+            <a:br>
+              <a:rPr lang="fr-FR" dirty="0"/>
+            </a:br>
+            <a:r>
+              <a:rPr lang="fr-FR" sz="2000" dirty="0"/>
+              <a:t>Publication des données avec MQTT</a:t>
+            </a:r>
+            <a:endParaRPr lang="fr-FR" dirty="0"/>
+          </a:p>
+        </p:txBody>
+      </p:sp>
+      <p:sp>
+        <p:nvSpPr>
+          <p:cNvPr id="3" name="Espace réservé du texte 2">
+            <a:extLst>
+              <a:ext uri="{FF2B5EF4-FFF2-40B4-BE49-F238E27FC236}">
+                <a16:creationId xmlns:a16="http://schemas.microsoft.com/office/drawing/2014/main" id="{09E83A35-1FD2-59BB-CBDE-C332CBAB8755}"/>
+              </a:ext>
+            </a:extLst>
+          </p:cNvPr>
+          <p:cNvSpPr>
+            <a:spLocks noGrp="1"/>
+          </p:cNvSpPr>
+          <p:nvPr>
+            <p:ph type="body" sz="half" idx="2"/>
+          </p:nvPr>
+        </p:nvSpPr>
+        <p:spPr>
+          <a:xfrm>
+            <a:off x="839788" y="2222770"/>
+            <a:ext cx="3932237" cy="3811588"/>
+          </a:xfrm>
+        </p:spPr>
+        <p:txBody>
+          <a:bodyPr/>
+          <a:lstStyle/>
+          <a:p>
+            <a:pPr marL="285750" indent="-285750">
+              <a:buFont typeface="Arial" panose="020B0604020202020204" pitchFamily="34" charset="0"/>
+              <a:buChar char="•"/>
+            </a:pPr>
+            <a:r>
+              <a:rPr lang="fr-FR" dirty="0"/>
+              <a:t>MQTT serveur : 192.168.143.151</a:t>
+            </a:r>
+          </a:p>
+          <a:p>
+            <a:pPr marL="285750" indent="-285750">
+              <a:buFont typeface="Arial" panose="020B0604020202020204" pitchFamily="34" charset="0"/>
+              <a:buChar char="•"/>
+            </a:pPr>
+            <a:r>
+              <a:rPr lang="fr-FR" dirty="0"/>
+              <a:t>Topic: Campus</a:t>
+            </a:r>
+          </a:p>
+          <a:p>
+            <a:pPr marL="285750" indent="-285750">
+              <a:buFont typeface="Arial" panose="020B0604020202020204" pitchFamily="34" charset="0"/>
+              <a:buChar char="•"/>
+            </a:pPr>
+            <a:r>
+              <a:rPr lang="fr-FR" dirty="0"/>
+              <a:t>Port : 1883</a:t>
+            </a:r>
+          </a:p>
+          <a:p>
+            <a:pPr marL="285750" indent="-285750">
+              <a:buFont typeface="Arial" panose="020B0604020202020204" pitchFamily="34" charset="0"/>
+              <a:buChar char="•"/>
+            </a:pPr>
+            <a:endParaRPr lang="fr-FR" dirty="0"/>
+          </a:p>
+        </p:txBody>
+      </p:sp>
+      <p:sp>
+        <p:nvSpPr>
+          <p:cNvPr id="10" name="Ellipse 9">
+            <a:extLst>
+              <a:ext uri="{FF2B5EF4-FFF2-40B4-BE49-F238E27FC236}">
+                <a16:creationId xmlns:a16="http://schemas.microsoft.com/office/drawing/2014/main" id="{CAAC5C78-E630-573E-A43F-D1107666D747}"/>
+              </a:ext>
+            </a:extLst>
+          </p:cNvPr>
+          <p:cNvSpPr/>
+          <p:nvPr/>
+        </p:nvSpPr>
+        <p:spPr>
+          <a:xfrm>
+            <a:off x="7583488" y="2208346"/>
+            <a:ext cx="1618878" cy="914233"/>
+          </a:xfrm>
+          <a:prstGeom prst="ellipse">
+            <a:avLst/>
+          </a:prstGeom>
+          <a:noFill/>
+          <a:ln w="38100"/>
+        </p:spPr>
+        <p:style>
+          <a:lnRef idx="2">
+            <a:schemeClr val="accent1">
+              <a:shade val="50000"/>
+            </a:schemeClr>
+          </a:lnRef>
+          <a:fillRef idx="1">
+            <a:schemeClr val="accent1"/>
+          </a:fillRef>
+          <a:effectRef idx="0">
+            <a:schemeClr val="accent1"/>
+          </a:effectRef>
+          <a:fontRef idx="minor">
+            <a:schemeClr val="lt1"/>
+          </a:fontRef>
+        </p:style>
+        <p:txBody>
+          <a:bodyPr rtlCol="0" anchor="ctr"/>
+          <a:lstStyle/>
+          <a:p>
+            <a:pPr algn="ctr"/>
+            <a:endParaRPr lang="fr-FR"/>
+          </a:p>
+        </p:txBody>
+      </p:sp>
       <p:pic>
         <p:nvPicPr>
           <p:cNvPr id="9" name="Espace réservé pour une image  8">
@@ -10851,7 +11304,7 @@
 </p:sld>
 </file>
 
-<file path=ppt/slides/slide12.xml><?xml version="1.0" encoding="utf-8"?>
+<file path=ppt/slides/slide13.xml><?xml version="1.0" encoding="utf-8"?>
 <p:sld xmlns:a="http://schemas.openxmlformats.org/drawingml/2006/main" xmlns:r="http://schemas.openxmlformats.org/officeDocument/2006/relationships" xmlns:p="http://schemas.openxmlformats.org/presentationml/2006/main">
   <p:cSld>
     <p:spTree>
@@ -11020,7 +11473,7 @@
 </p:sld>
 </file>
 
-<file path=ppt/slides/slide13.xml><?xml version="1.0" encoding="utf-8"?>
+<file path=ppt/slides/slide14.xml><?xml version="1.0" encoding="utf-8"?>
 <p:sld xmlns:a="http://schemas.openxmlformats.org/drawingml/2006/main" xmlns:r="http://schemas.openxmlformats.org/officeDocument/2006/relationships" xmlns:p="http://schemas.openxmlformats.org/presentationml/2006/main">
   <p:cSld>
     <p:spTree>
@@ -11315,352 +11768,6 @@
 </p:sld>
 </file>
 
-<file path=ppt/slides/slide14.xml><?xml version="1.0" encoding="utf-8"?>
-<p:sld xmlns:a="http://schemas.openxmlformats.org/drawingml/2006/main" xmlns:r="http://schemas.openxmlformats.org/officeDocument/2006/relationships" xmlns:p="http://schemas.openxmlformats.org/presentationml/2006/main">
-  <p:cSld>
-    <p:spTree>
-      <p:nvGrpSpPr>
-        <p:cNvPr id="1" name=""/>
-        <p:cNvGrpSpPr/>
-        <p:nvPr/>
-      </p:nvGrpSpPr>
-      <p:grpSpPr>
-        <a:xfrm>
-          <a:off x="0" y="0"/>
-          <a:ext cx="0" cy="0"/>
-          <a:chOff x="0" y="0"/>
-          <a:chExt cx="0" cy="0"/>
-        </a:xfrm>
-      </p:grpSpPr>
-      <p:sp>
-        <p:nvSpPr>
-          <p:cNvPr id="2" name="Titre 1">
-            <a:extLst>
-              <a:ext uri="{FF2B5EF4-FFF2-40B4-BE49-F238E27FC236}">
-                <a16:creationId xmlns:a16="http://schemas.microsoft.com/office/drawing/2014/main" id="{DBD23F23-EF92-2EE6-EED2-24F174401B9D}"/>
-              </a:ext>
-            </a:extLst>
-          </p:cNvPr>
-          <p:cNvSpPr>
-            <a:spLocks noGrp="1"/>
-          </p:cNvSpPr>
-          <p:nvPr>
-            <p:ph type="title"/>
-          </p:nvPr>
-        </p:nvSpPr>
-        <p:spPr/>
-        <p:txBody>
-          <a:bodyPr anchor="t"/>
-          <a:lstStyle/>
-          <a:p>
-            <a:r>
-              <a:rPr lang="fr-FR" dirty="0"/>
-              <a:t>Gestion des accès au campus</a:t>
-            </a:r>
-            <a:br>
-              <a:rPr lang="fr-FR" dirty="0"/>
-            </a:br>
-            <a:r>
-              <a:rPr lang="fr-FR" sz="2000" dirty="0"/>
-              <a:t>Les faiblesses</a:t>
-            </a:r>
-            <a:endParaRPr lang="fr-FR" dirty="0"/>
-          </a:p>
-        </p:txBody>
-      </p:sp>
-      <p:sp>
-        <p:nvSpPr>
-          <p:cNvPr id="3" name="Espace réservé du texte 2">
-            <a:extLst>
-              <a:ext uri="{FF2B5EF4-FFF2-40B4-BE49-F238E27FC236}">
-                <a16:creationId xmlns:a16="http://schemas.microsoft.com/office/drawing/2014/main" id="{070D4B8C-89A7-65B0-892A-D27A85A3C9A2}"/>
-              </a:ext>
-            </a:extLst>
-          </p:cNvPr>
-          <p:cNvSpPr>
-            <a:spLocks noGrp="1"/>
-          </p:cNvSpPr>
-          <p:nvPr>
-            <p:ph type="body" sz="half" idx="2"/>
-          </p:nvPr>
-        </p:nvSpPr>
-        <p:spPr/>
-        <p:txBody>
-          <a:bodyPr/>
-          <a:lstStyle/>
-          <a:p>
-            <a:pPr marL="285750" indent="-285750">
-              <a:buFont typeface="Arial" panose="020B0604020202020204" pitchFamily="34" charset="0"/>
-              <a:buChar char="•"/>
-            </a:pPr>
-            <a:r>
-              <a:rPr lang="fr-FR" sz="2000" dirty="0"/>
-              <a:t>Le comptage peut être erroné en cas </a:t>
-            </a:r>
-          </a:p>
-          <a:p>
-            <a:pPr marL="742950" lvl="1" indent="-285750">
-              <a:buFont typeface="Arial" panose="020B0604020202020204" pitchFamily="34" charset="0"/>
-              <a:buChar char="•"/>
-            </a:pPr>
-            <a:r>
-              <a:rPr lang="fr-FR" sz="1800" dirty="0"/>
-              <a:t>De stationnement autour du lecteur</a:t>
-            </a:r>
-          </a:p>
-          <a:p>
-            <a:pPr marL="742950" lvl="1" indent="-285750">
-              <a:buFont typeface="Arial" panose="020B0604020202020204" pitchFamily="34" charset="0"/>
-              <a:buChar char="•"/>
-            </a:pPr>
-            <a:r>
-              <a:rPr lang="fr-FR" sz="1800" dirty="0"/>
-              <a:t>De possession de plusieurs ou aucun appareil ayant le BLE activé </a:t>
-            </a:r>
-          </a:p>
-          <a:p>
-            <a:pPr marL="742950" lvl="1" indent="-285750">
-              <a:buFont typeface="Arial" panose="020B0604020202020204" pitchFamily="34" charset="0"/>
-              <a:buChar char="•"/>
-            </a:pPr>
-            <a:r>
-              <a:rPr lang="fr-FR" sz="1800" dirty="0"/>
-              <a:t>De passage trop rapide </a:t>
-            </a:r>
-          </a:p>
-          <a:p>
-            <a:pPr lvl="1"/>
-            <a:endParaRPr lang="fr-FR" sz="1800" dirty="0"/>
-          </a:p>
-          <a:p>
-            <a:pPr lvl="1"/>
-            <a:endParaRPr lang="fr-FR" sz="1800" dirty="0"/>
-          </a:p>
-          <a:p>
-            <a:pPr marL="742950" lvl="1" indent="-285750">
-              <a:buFont typeface="Arial" panose="020B0604020202020204" pitchFamily="34" charset="0"/>
-              <a:buChar char="•"/>
-            </a:pPr>
-            <a:endParaRPr lang="fr-FR" dirty="0"/>
-          </a:p>
-          <a:p>
-            <a:pPr marL="285750" indent="-285750">
-              <a:buFont typeface="Arial" panose="020B0604020202020204" pitchFamily="34" charset="0"/>
-              <a:buChar char="•"/>
-            </a:pPr>
-            <a:endParaRPr lang="fr-FR" dirty="0"/>
-          </a:p>
-        </p:txBody>
-      </p:sp>
-      <p:sp>
-        <p:nvSpPr>
-          <p:cNvPr id="5" name="Espace réservé du texte 2">
-            <a:extLst>
-              <a:ext uri="{FF2B5EF4-FFF2-40B4-BE49-F238E27FC236}">
-                <a16:creationId xmlns:a16="http://schemas.microsoft.com/office/drawing/2014/main" id="{6179D6B3-CEDC-2E73-35FD-19CBE81377C6}"/>
-              </a:ext>
-            </a:extLst>
-          </p:cNvPr>
-          <p:cNvSpPr txBox="1">
-            <a:spLocks/>
-          </p:cNvSpPr>
-          <p:nvPr/>
-        </p:nvSpPr>
-        <p:spPr>
-          <a:xfrm>
-            <a:off x="6745288" y="2057400"/>
-            <a:ext cx="3932237" cy="3811588"/>
-          </a:xfrm>
-          <a:prstGeom prst="rect">
-            <a:avLst/>
-          </a:prstGeom>
-        </p:spPr>
-        <p:txBody>
-          <a:bodyPr vert="horz" lIns="91440" tIns="45720" rIns="91440" bIns="45720" rtlCol="0">
-            <a:normAutofit/>
-          </a:bodyPr>
-          <a:lstStyle>
-            <a:lvl1pPr marL="0" indent="0" algn="l" defTabSz="914400" rtl="0" eaLnBrk="1" latinLnBrk="0" hangingPunct="1">
-              <a:lnSpc>
-                <a:spcPct val="90000"/>
-              </a:lnSpc>
-              <a:spcBef>
-                <a:spcPts val="1000"/>
-              </a:spcBef>
-              <a:buFont typeface="Arial" panose="020B0604020202020204" pitchFamily="34" charset="0"/>
-              <a:buNone/>
-              <a:defRPr sz="1600" kern="1200">
-                <a:solidFill>
-                  <a:schemeClr val="tx1"/>
-                </a:solidFill>
-                <a:latin typeface="+mn-lt"/>
-                <a:ea typeface="+mn-ea"/>
-                <a:cs typeface="+mn-cs"/>
-              </a:defRPr>
-            </a:lvl1pPr>
-            <a:lvl2pPr marL="457200" indent="0" algn="l" defTabSz="914400" rtl="0" eaLnBrk="1" latinLnBrk="0" hangingPunct="1">
-              <a:lnSpc>
-                <a:spcPct val="90000"/>
-              </a:lnSpc>
-              <a:spcBef>
-                <a:spcPts val="500"/>
-              </a:spcBef>
-              <a:buFont typeface="Arial" panose="020B0604020202020204" pitchFamily="34" charset="0"/>
-              <a:buNone/>
-              <a:defRPr sz="1400" kern="1200">
-                <a:solidFill>
-                  <a:schemeClr val="tx1"/>
-                </a:solidFill>
-                <a:latin typeface="+mn-lt"/>
-                <a:ea typeface="+mn-ea"/>
-                <a:cs typeface="+mn-cs"/>
-              </a:defRPr>
-            </a:lvl2pPr>
-            <a:lvl3pPr marL="914400" indent="0" algn="l" defTabSz="914400" rtl="0" eaLnBrk="1" latinLnBrk="0" hangingPunct="1">
-              <a:lnSpc>
-                <a:spcPct val="90000"/>
-              </a:lnSpc>
-              <a:spcBef>
-                <a:spcPts val="500"/>
-              </a:spcBef>
-              <a:buFont typeface="Arial" panose="020B0604020202020204" pitchFamily="34" charset="0"/>
-              <a:buNone/>
-              <a:defRPr sz="1200" kern="1200">
-                <a:solidFill>
-                  <a:schemeClr val="tx1"/>
-                </a:solidFill>
-                <a:latin typeface="+mn-lt"/>
-                <a:ea typeface="+mn-ea"/>
-                <a:cs typeface="+mn-cs"/>
-              </a:defRPr>
-            </a:lvl3pPr>
-            <a:lvl4pPr marL="1371600" indent="0" algn="l" defTabSz="914400" rtl="0" eaLnBrk="1" latinLnBrk="0" hangingPunct="1">
-              <a:lnSpc>
-                <a:spcPct val="90000"/>
-              </a:lnSpc>
-              <a:spcBef>
-                <a:spcPts val="500"/>
-              </a:spcBef>
-              <a:buFont typeface="Arial" panose="020B0604020202020204" pitchFamily="34" charset="0"/>
-              <a:buNone/>
-              <a:defRPr sz="1000" kern="1200">
-                <a:solidFill>
-                  <a:schemeClr val="tx1"/>
-                </a:solidFill>
-                <a:latin typeface="+mn-lt"/>
-                <a:ea typeface="+mn-ea"/>
-                <a:cs typeface="+mn-cs"/>
-              </a:defRPr>
-            </a:lvl4pPr>
-            <a:lvl5pPr marL="1828800" indent="0" algn="l" defTabSz="914400" rtl="0" eaLnBrk="1" latinLnBrk="0" hangingPunct="1">
-              <a:lnSpc>
-                <a:spcPct val="90000"/>
-              </a:lnSpc>
-              <a:spcBef>
-                <a:spcPts val="500"/>
-              </a:spcBef>
-              <a:buFont typeface="Arial" panose="020B0604020202020204" pitchFamily="34" charset="0"/>
-              <a:buNone/>
-              <a:defRPr sz="1000" kern="1200">
-                <a:solidFill>
-                  <a:schemeClr val="tx1"/>
-                </a:solidFill>
-                <a:latin typeface="+mn-lt"/>
-                <a:ea typeface="+mn-ea"/>
-                <a:cs typeface="+mn-cs"/>
-              </a:defRPr>
-            </a:lvl5pPr>
-            <a:lvl6pPr marL="2286000" indent="0" algn="l" defTabSz="914400" rtl="0" eaLnBrk="1" latinLnBrk="0" hangingPunct="1">
-              <a:lnSpc>
-                <a:spcPct val="90000"/>
-              </a:lnSpc>
-              <a:spcBef>
-                <a:spcPts val="500"/>
-              </a:spcBef>
-              <a:buFont typeface="Arial" panose="020B0604020202020204" pitchFamily="34" charset="0"/>
-              <a:buNone/>
-              <a:defRPr sz="1000" kern="1200">
-                <a:solidFill>
-                  <a:schemeClr val="tx1"/>
-                </a:solidFill>
-                <a:latin typeface="+mn-lt"/>
-                <a:ea typeface="+mn-ea"/>
-                <a:cs typeface="+mn-cs"/>
-              </a:defRPr>
-            </a:lvl6pPr>
-            <a:lvl7pPr marL="2743200" indent="0" algn="l" defTabSz="914400" rtl="0" eaLnBrk="1" latinLnBrk="0" hangingPunct="1">
-              <a:lnSpc>
-                <a:spcPct val="90000"/>
-              </a:lnSpc>
-              <a:spcBef>
-                <a:spcPts val="500"/>
-              </a:spcBef>
-              <a:buFont typeface="Arial" panose="020B0604020202020204" pitchFamily="34" charset="0"/>
-              <a:buNone/>
-              <a:defRPr sz="1000" kern="1200">
-                <a:solidFill>
-                  <a:schemeClr val="tx1"/>
-                </a:solidFill>
-                <a:latin typeface="+mn-lt"/>
-                <a:ea typeface="+mn-ea"/>
-                <a:cs typeface="+mn-cs"/>
-              </a:defRPr>
-            </a:lvl7pPr>
-            <a:lvl8pPr marL="3200400" indent="0" algn="l" defTabSz="914400" rtl="0" eaLnBrk="1" latinLnBrk="0" hangingPunct="1">
-              <a:lnSpc>
-                <a:spcPct val="90000"/>
-              </a:lnSpc>
-              <a:spcBef>
-                <a:spcPts val="500"/>
-              </a:spcBef>
-              <a:buFont typeface="Arial" panose="020B0604020202020204" pitchFamily="34" charset="0"/>
-              <a:buNone/>
-              <a:defRPr sz="1000" kern="1200">
-                <a:solidFill>
-                  <a:schemeClr val="tx1"/>
-                </a:solidFill>
-                <a:latin typeface="+mn-lt"/>
-                <a:ea typeface="+mn-ea"/>
-                <a:cs typeface="+mn-cs"/>
-              </a:defRPr>
-            </a:lvl8pPr>
-            <a:lvl9pPr marL="3657600" indent="0" algn="l" defTabSz="914400" rtl="0" eaLnBrk="1" latinLnBrk="0" hangingPunct="1">
-              <a:lnSpc>
-                <a:spcPct val="90000"/>
-              </a:lnSpc>
-              <a:spcBef>
-                <a:spcPts val="500"/>
-              </a:spcBef>
-              <a:buFont typeface="Arial" panose="020B0604020202020204" pitchFamily="34" charset="0"/>
-              <a:buNone/>
-              <a:defRPr sz="1000" kern="1200">
-                <a:solidFill>
-                  <a:schemeClr val="tx1"/>
-                </a:solidFill>
-                <a:latin typeface="+mn-lt"/>
-                <a:ea typeface="+mn-ea"/>
-                <a:cs typeface="+mn-cs"/>
-              </a:defRPr>
-            </a:lvl9pPr>
-          </a:lstStyle>
-          <a:p>
-            <a:endParaRPr lang="fr-FR" dirty="0"/>
-          </a:p>
-        </p:txBody>
-      </p:sp>
-    </p:spTree>
-    <p:extLst>
-      <p:ext uri="{BB962C8B-B14F-4D97-AF65-F5344CB8AC3E}">
-        <p14:creationId xmlns:p14="http://schemas.microsoft.com/office/powerpoint/2010/main" val="3303001111"/>
-      </p:ext>
-    </p:extLst>
-  </p:cSld>
-  <p:clrMapOvr>
-    <a:masterClrMapping/>
-  </p:clrMapOvr>
-</p:sld>
-</file>
-
 <file path=ppt/slides/slide15.xml><?xml version="1.0" encoding="utf-8"?>
 <p:sld xmlns:a="http://schemas.openxmlformats.org/drawingml/2006/main" xmlns:r="http://schemas.openxmlformats.org/officeDocument/2006/relationships" xmlns:p="http://schemas.openxmlformats.org/presentationml/2006/main">
   <p:cSld>
@@ -11680,10 +11787,10 @@
       </p:grpSpPr>
       <p:sp>
         <p:nvSpPr>
-          <p:cNvPr id="5" name="Titre 4">
-            <a:extLst>
-              <a:ext uri="{FF2B5EF4-FFF2-40B4-BE49-F238E27FC236}">
-                <a16:creationId xmlns:a16="http://schemas.microsoft.com/office/drawing/2014/main" id="{7BC74D96-20AD-411A-6EC2-B30B1CA4C432}"/>
+          <p:cNvPr id="2" name="Titre 1">
+            <a:extLst>
+              <a:ext uri="{FF2B5EF4-FFF2-40B4-BE49-F238E27FC236}">
+                <a16:creationId xmlns:a16="http://schemas.microsoft.com/office/drawing/2014/main" id="{DBD23F23-EF92-2EE6-EED2-24F174401B9D}"/>
               </a:ext>
             </a:extLst>
           </p:cNvPr>
@@ -11696,30 +11803,30 @@
         </p:nvSpPr>
         <p:spPr/>
         <p:txBody>
-          <a:bodyPr/>
+          <a:bodyPr anchor="t"/>
           <a:lstStyle/>
           <a:p>
             <a:r>
               <a:rPr lang="fr-FR" dirty="0"/>
-              <a:t>Gestion des accès </a:t>
-            </a:r>
-            <a:r>
-              <a:rPr lang="fr-FR"/>
-              <a:t>au bâtiment</a:t>
+              <a:t>Gestion des accès au campus</a:t>
             </a:r>
             <a:br>
               <a:rPr lang="fr-FR" dirty="0"/>
             </a:br>
+            <a:r>
+              <a:rPr lang="fr-FR" sz="2000" dirty="0"/>
+              <a:t>Les faiblesses</a:t>
+            </a:r>
             <a:endParaRPr lang="fr-FR" dirty="0"/>
           </a:p>
         </p:txBody>
       </p:sp>
       <p:sp>
         <p:nvSpPr>
-          <p:cNvPr id="8" name="Espace réservé du numéro de diapositive 7">
-            <a:extLst>
-              <a:ext uri="{FF2B5EF4-FFF2-40B4-BE49-F238E27FC236}">
-                <a16:creationId xmlns:a16="http://schemas.microsoft.com/office/drawing/2014/main" id="{292B76D6-CD86-E9EB-1368-EC8B1C74C821}"/>
+          <p:cNvPr id="3" name="Espace réservé du texte 2">
+            <a:extLst>
+              <a:ext uri="{FF2B5EF4-FFF2-40B4-BE49-F238E27FC236}">
+                <a16:creationId xmlns:a16="http://schemas.microsoft.com/office/drawing/2014/main" id="{070D4B8C-89A7-65B0-892A-D27A85A3C9A2}"/>
               </a:ext>
             </a:extLst>
           </p:cNvPr>
@@ -11727,7 +11834,7 @@
             <a:spLocks noGrp="1"/>
           </p:cNvSpPr>
           <p:nvPr>
-            <p:ph type="sldNum" sz="quarter" idx="4"/>
+            <p:ph type="body" sz="half" idx="2"/>
           </p:nvPr>
         </p:nvSpPr>
         <p:spPr/>
@@ -11735,424 +11842,269 @@
           <a:bodyPr/>
           <a:lstStyle/>
           <a:p>
-            <a:pPr algn="ctr" rtl="0"/>
-            <a:fld id="{817179DE-9BF3-494C-804F-0C7C90AC8700}" type="slidenum">
-              <a:rPr lang="fr-FR" noProof="0" smtClean="0"/>
-              <a:pPr algn="ctr" rtl="0"/>
-              <a:t>15</a:t>
-            </a:fld>
-            <a:endParaRPr lang="fr-FR" noProof="0"/>
-          </a:p>
-        </p:txBody>
-      </p:sp>
-      <p:sp>
-        <p:nvSpPr>
-          <p:cNvPr id="9" name="ZoneTexte 8">
-            <a:extLst>
-              <a:ext uri="{FF2B5EF4-FFF2-40B4-BE49-F238E27FC236}">
-                <a16:creationId xmlns:a16="http://schemas.microsoft.com/office/drawing/2014/main" id="{1B95B750-151B-7F88-6A2D-8E96DD9071A3}"/>
-              </a:ext>
-            </a:extLst>
-          </p:cNvPr>
-          <p:cNvSpPr txBox="1"/>
+            <a:pPr marL="285750" indent="-285750">
+              <a:buFont typeface="Arial" panose="020B0604020202020204" pitchFamily="34" charset="0"/>
+              <a:buChar char="•"/>
+            </a:pPr>
+            <a:r>
+              <a:rPr lang="fr-FR" sz="2000" dirty="0"/>
+              <a:t>Le comptage peut être erroné en cas </a:t>
+            </a:r>
+          </a:p>
+          <a:p>
+            <a:pPr marL="742950" lvl="1" indent="-285750">
+              <a:buFont typeface="Arial" panose="020B0604020202020204" pitchFamily="34" charset="0"/>
+              <a:buChar char="•"/>
+            </a:pPr>
+            <a:r>
+              <a:rPr lang="fr-FR" sz="1800" dirty="0"/>
+              <a:t>De stationnement autour du lecteur</a:t>
+            </a:r>
+          </a:p>
+          <a:p>
+            <a:pPr marL="742950" lvl="1" indent="-285750">
+              <a:buFont typeface="Arial" panose="020B0604020202020204" pitchFamily="34" charset="0"/>
+              <a:buChar char="•"/>
+            </a:pPr>
+            <a:r>
+              <a:rPr lang="fr-FR" sz="1800" dirty="0"/>
+              <a:t>De possession de plusieurs ou aucun appareil ayant le BLE activé </a:t>
+            </a:r>
+          </a:p>
+          <a:p>
+            <a:pPr marL="742950" lvl="1" indent="-285750">
+              <a:buFont typeface="Arial" panose="020B0604020202020204" pitchFamily="34" charset="0"/>
+              <a:buChar char="•"/>
+            </a:pPr>
+            <a:r>
+              <a:rPr lang="fr-FR" sz="1800" dirty="0"/>
+              <a:t>De passage trop rapide </a:t>
+            </a:r>
+          </a:p>
+          <a:p>
+            <a:pPr lvl="1"/>
+            <a:endParaRPr lang="fr-FR" sz="1800" dirty="0"/>
+          </a:p>
+          <a:p>
+            <a:pPr lvl="1"/>
+            <a:endParaRPr lang="fr-FR" sz="1800" dirty="0"/>
+          </a:p>
+          <a:p>
+            <a:pPr marL="742950" lvl="1" indent="-285750">
+              <a:buFont typeface="Arial" panose="020B0604020202020204" pitchFamily="34" charset="0"/>
+              <a:buChar char="•"/>
+            </a:pPr>
+            <a:endParaRPr lang="fr-FR" dirty="0"/>
+          </a:p>
+          <a:p>
+            <a:pPr marL="285750" indent="-285750">
+              <a:buFont typeface="Arial" panose="020B0604020202020204" pitchFamily="34" charset="0"/>
+              <a:buChar char="•"/>
+            </a:pPr>
+            <a:endParaRPr lang="fr-FR" dirty="0"/>
+          </a:p>
+        </p:txBody>
+      </p:sp>
+      <p:sp>
+        <p:nvSpPr>
+          <p:cNvPr id="5" name="Espace réservé du texte 2">
+            <a:extLst>
+              <a:ext uri="{FF2B5EF4-FFF2-40B4-BE49-F238E27FC236}">
+                <a16:creationId xmlns:a16="http://schemas.microsoft.com/office/drawing/2014/main" id="{6179D6B3-CEDC-2E73-35FD-19CBE81377C6}"/>
+              </a:ext>
+            </a:extLst>
+          </p:cNvPr>
+          <p:cNvSpPr txBox="1">
+            <a:spLocks/>
+          </p:cNvSpPr>
           <p:nvPr/>
         </p:nvSpPr>
         <p:spPr>
           <a:xfrm>
-            <a:off x="566501" y="1588010"/>
-            <a:ext cx="11058998" cy="1200329"/>
+            <a:off x="6745288" y="2057400"/>
+            <a:ext cx="3932237" cy="3811588"/>
           </a:xfrm>
           <a:prstGeom prst="rect">
             <a:avLst/>
           </a:prstGeom>
-          <a:noFill/>
-        </p:spPr>
-        <p:txBody>
-          <a:bodyPr wrap="square" rtlCol="0">
-            <a:spAutoFit/>
+        </p:spPr>
+        <p:txBody>
+          <a:bodyPr vert="horz" lIns="91440" tIns="45720" rIns="91440" bIns="45720" rtlCol="0">
+            <a:normAutofit/>
           </a:bodyPr>
-          <a:lstStyle/>
-          <a:p>
-            <a:pPr marL="285750" indent="-285750">
-              <a:buFontTx/>
-              <a:buChar char="-"/>
-            </a:pPr>
-            <a:r>
-              <a:rPr lang="fr-FR" dirty="0"/>
-              <a:t>Objectif</a:t>
-            </a:r>
-          </a:p>
-          <a:p>
-            <a:pPr marL="285750" indent="-285750">
-              <a:buFontTx/>
-              <a:buChar char="-"/>
-            </a:pPr>
-            <a:r>
-              <a:rPr lang="fr-FR" dirty="0"/>
-              <a:t>Environnement de développement :</a:t>
-            </a:r>
-          </a:p>
-          <a:p>
-            <a:r>
-              <a:rPr lang="fr-FR" dirty="0"/>
-              <a:t> </a:t>
-            </a:r>
-          </a:p>
+          <a:lstStyle>
+            <a:lvl1pPr marL="0" indent="0" algn="l" defTabSz="914400" rtl="0" eaLnBrk="1" latinLnBrk="0" hangingPunct="1">
+              <a:lnSpc>
+                <a:spcPct val="90000"/>
+              </a:lnSpc>
+              <a:spcBef>
+                <a:spcPts val="1000"/>
+              </a:spcBef>
+              <a:buFont typeface="Arial" panose="020B0604020202020204" pitchFamily="34" charset="0"/>
+              <a:buNone/>
+              <a:defRPr sz="1600" kern="1200">
+                <a:solidFill>
+                  <a:schemeClr val="tx1"/>
+                </a:solidFill>
+                <a:latin typeface="+mn-lt"/>
+                <a:ea typeface="+mn-ea"/>
+                <a:cs typeface="+mn-cs"/>
+              </a:defRPr>
+            </a:lvl1pPr>
+            <a:lvl2pPr marL="457200" indent="0" algn="l" defTabSz="914400" rtl="0" eaLnBrk="1" latinLnBrk="0" hangingPunct="1">
+              <a:lnSpc>
+                <a:spcPct val="90000"/>
+              </a:lnSpc>
+              <a:spcBef>
+                <a:spcPts val="500"/>
+              </a:spcBef>
+              <a:buFont typeface="Arial" panose="020B0604020202020204" pitchFamily="34" charset="0"/>
+              <a:buNone/>
+              <a:defRPr sz="1400" kern="1200">
+                <a:solidFill>
+                  <a:schemeClr val="tx1"/>
+                </a:solidFill>
+                <a:latin typeface="+mn-lt"/>
+                <a:ea typeface="+mn-ea"/>
+                <a:cs typeface="+mn-cs"/>
+              </a:defRPr>
+            </a:lvl2pPr>
+            <a:lvl3pPr marL="914400" indent="0" algn="l" defTabSz="914400" rtl="0" eaLnBrk="1" latinLnBrk="0" hangingPunct="1">
+              <a:lnSpc>
+                <a:spcPct val="90000"/>
+              </a:lnSpc>
+              <a:spcBef>
+                <a:spcPts val="500"/>
+              </a:spcBef>
+              <a:buFont typeface="Arial" panose="020B0604020202020204" pitchFamily="34" charset="0"/>
+              <a:buNone/>
+              <a:defRPr sz="1200" kern="1200">
+                <a:solidFill>
+                  <a:schemeClr val="tx1"/>
+                </a:solidFill>
+                <a:latin typeface="+mn-lt"/>
+                <a:ea typeface="+mn-ea"/>
+                <a:cs typeface="+mn-cs"/>
+              </a:defRPr>
+            </a:lvl3pPr>
+            <a:lvl4pPr marL="1371600" indent="0" algn="l" defTabSz="914400" rtl="0" eaLnBrk="1" latinLnBrk="0" hangingPunct="1">
+              <a:lnSpc>
+                <a:spcPct val="90000"/>
+              </a:lnSpc>
+              <a:spcBef>
+                <a:spcPts val="500"/>
+              </a:spcBef>
+              <a:buFont typeface="Arial" panose="020B0604020202020204" pitchFamily="34" charset="0"/>
+              <a:buNone/>
+              <a:defRPr sz="1000" kern="1200">
+                <a:solidFill>
+                  <a:schemeClr val="tx1"/>
+                </a:solidFill>
+                <a:latin typeface="+mn-lt"/>
+                <a:ea typeface="+mn-ea"/>
+                <a:cs typeface="+mn-cs"/>
+              </a:defRPr>
+            </a:lvl4pPr>
+            <a:lvl5pPr marL="1828800" indent="0" algn="l" defTabSz="914400" rtl="0" eaLnBrk="1" latinLnBrk="0" hangingPunct="1">
+              <a:lnSpc>
+                <a:spcPct val="90000"/>
+              </a:lnSpc>
+              <a:spcBef>
+                <a:spcPts val="500"/>
+              </a:spcBef>
+              <a:buFont typeface="Arial" panose="020B0604020202020204" pitchFamily="34" charset="0"/>
+              <a:buNone/>
+              <a:defRPr sz="1000" kern="1200">
+                <a:solidFill>
+                  <a:schemeClr val="tx1"/>
+                </a:solidFill>
+                <a:latin typeface="+mn-lt"/>
+                <a:ea typeface="+mn-ea"/>
+                <a:cs typeface="+mn-cs"/>
+              </a:defRPr>
+            </a:lvl5pPr>
+            <a:lvl6pPr marL="2286000" indent="0" algn="l" defTabSz="914400" rtl="0" eaLnBrk="1" latinLnBrk="0" hangingPunct="1">
+              <a:lnSpc>
+                <a:spcPct val="90000"/>
+              </a:lnSpc>
+              <a:spcBef>
+                <a:spcPts val="500"/>
+              </a:spcBef>
+              <a:buFont typeface="Arial" panose="020B0604020202020204" pitchFamily="34" charset="0"/>
+              <a:buNone/>
+              <a:defRPr sz="1000" kern="1200">
+                <a:solidFill>
+                  <a:schemeClr val="tx1"/>
+                </a:solidFill>
+                <a:latin typeface="+mn-lt"/>
+                <a:ea typeface="+mn-ea"/>
+                <a:cs typeface="+mn-cs"/>
+              </a:defRPr>
+            </a:lvl6pPr>
+            <a:lvl7pPr marL="2743200" indent="0" algn="l" defTabSz="914400" rtl="0" eaLnBrk="1" latinLnBrk="0" hangingPunct="1">
+              <a:lnSpc>
+                <a:spcPct val="90000"/>
+              </a:lnSpc>
+              <a:spcBef>
+                <a:spcPts val="500"/>
+              </a:spcBef>
+              <a:buFont typeface="Arial" panose="020B0604020202020204" pitchFamily="34" charset="0"/>
+              <a:buNone/>
+              <a:defRPr sz="1000" kern="1200">
+                <a:solidFill>
+                  <a:schemeClr val="tx1"/>
+                </a:solidFill>
+                <a:latin typeface="+mn-lt"/>
+                <a:ea typeface="+mn-ea"/>
+                <a:cs typeface="+mn-cs"/>
+              </a:defRPr>
+            </a:lvl7pPr>
+            <a:lvl8pPr marL="3200400" indent="0" algn="l" defTabSz="914400" rtl="0" eaLnBrk="1" latinLnBrk="0" hangingPunct="1">
+              <a:lnSpc>
+                <a:spcPct val="90000"/>
+              </a:lnSpc>
+              <a:spcBef>
+                <a:spcPts val="500"/>
+              </a:spcBef>
+              <a:buFont typeface="Arial" panose="020B0604020202020204" pitchFamily="34" charset="0"/>
+              <a:buNone/>
+              <a:defRPr sz="1000" kern="1200">
+                <a:solidFill>
+                  <a:schemeClr val="tx1"/>
+                </a:solidFill>
+                <a:latin typeface="+mn-lt"/>
+                <a:ea typeface="+mn-ea"/>
+                <a:cs typeface="+mn-cs"/>
+              </a:defRPr>
+            </a:lvl8pPr>
+            <a:lvl9pPr marL="3657600" indent="0" algn="l" defTabSz="914400" rtl="0" eaLnBrk="1" latinLnBrk="0" hangingPunct="1">
+              <a:lnSpc>
+                <a:spcPct val="90000"/>
+              </a:lnSpc>
+              <a:spcBef>
+                <a:spcPts val="500"/>
+              </a:spcBef>
+              <a:buFont typeface="Arial" panose="020B0604020202020204" pitchFamily="34" charset="0"/>
+              <a:buNone/>
+              <a:defRPr sz="1000" kern="1200">
+                <a:solidFill>
+                  <a:schemeClr val="tx1"/>
+                </a:solidFill>
+                <a:latin typeface="+mn-lt"/>
+                <a:ea typeface="+mn-ea"/>
+                <a:cs typeface="+mn-cs"/>
+              </a:defRPr>
+            </a:lvl9pPr>
+          </a:lstStyle>
           <a:p>
             <a:endParaRPr lang="fr-FR" dirty="0"/>
           </a:p>
         </p:txBody>
       </p:sp>
-      <p:pic>
-        <p:nvPicPr>
-          <p:cNvPr id="10" name="Image 18">
-            <a:extLst>
-              <a:ext uri="{FF2B5EF4-FFF2-40B4-BE49-F238E27FC236}">
-                <a16:creationId xmlns:a16="http://schemas.microsoft.com/office/drawing/2014/main" id="{F1D40CE8-3EB9-890A-D4D9-30A9FCB6176C}"/>
-              </a:ext>
-            </a:extLst>
-          </p:cNvPr>
-          <p:cNvPicPr/>
-          <p:nvPr/>
-        </p:nvPicPr>
-        <p:blipFill>
-          <a:blip r:embed="rId2"/>
-          <a:stretch/>
-        </p:blipFill>
-        <p:spPr>
-          <a:xfrm>
-            <a:off x="566501" y="2607121"/>
-            <a:ext cx="824149" cy="821880"/>
-          </a:xfrm>
-          <a:prstGeom prst="rect">
-            <a:avLst/>
-          </a:prstGeom>
-          <a:ln w="0">
-            <a:noFill/>
-          </a:ln>
-        </p:spPr>
-      </p:pic>
-      <p:pic>
-        <p:nvPicPr>
-          <p:cNvPr id="11" name="Image 20">
-            <a:extLst>
-              <a:ext uri="{FF2B5EF4-FFF2-40B4-BE49-F238E27FC236}">
-                <a16:creationId xmlns:a16="http://schemas.microsoft.com/office/drawing/2014/main" id="{C4C88EF2-EA0C-65F9-4DF1-F41F23F33BB4}"/>
-              </a:ext>
-            </a:extLst>
-          </p:cNvPr>
-          <p:cNvPicPr/>
-          <p:nvPr/>
-        </p:nvPicPr>
-        <p:blipFill>
-          <a:blip r:embed="rId3"/>
-          <a:stretch/>
-        </p:blipFill>
-        <p:spPr>
-          <a:xfrm>
-            <a:off x="1608897" y="2590092"/>
-            <a:ext cx="1766880" cy="928440"/>
-          </a:xfrm>
-          <a:prstGeom prst="rect">
-            <a:avLst/>
-          </a:prstGeom>
-          <a:ln w="0">
-            <a:noFill/>
-          </a:ln>
-        </p:spPr>
-      </p:pic>
-      <p:pic>
-        <p:nvPicPr>
-          <p:cNvPr id="12" name="Image 26">
-            <a:extLst>
-              <a:ext uri="{FF2B5EF4-FFF2-40B4-BE49-F238E27FC236}">
-                <a16:creationId xmlns:a16="http://schemas.microsoft.com/office/drawing/2014/main" id="{A1FAC33E-E0AE-0DBC-FDB2-EBA3A10B717A}"/>
-              </a:ext>
-            </a:extLst>
-          </p:cNvPr>
-          <p:cNvPicPr/>
-          <p:nvPr/>
-        </p:nvPicPr>
-        <p:blipFill>
-          <a:blip r:embed="rId4"/>
-          <a:stretch/>
-        </p:blipFill>
-        <p:spPr>
-          <a:xfrm>
-            <a:off x="3601243" y="2590092"/>
-            <a:ext cx="1766880" cy="928440"/>
-          </a:xfrm>
-          <a:prstGeom prst="rect">
-            <a:avLst/>
-          </a:prstGeom>
-          <a:ln w="0">
-            <a:noFill/>
-          </a:ln>
-        </p:spPr>
-      </p:pic>
-      <p:pic>
-        <p:nvPicPr>
-          <p:cNvPr id="13" name="Image 22">
-            <a:extLst>
-              <a:ext uri="{FF2B5EF4-FFF2-40B4-BE49-F238E27FC236}">
-                <a16:creationId xmlns:a16="http://schemas.microsoft.com/office/drawing/2014/main" id="{C37B0FE5-96B9-A9EE-3CDB-584D5CCF8BD9}"/>
-              </a:ext>
-            </a:extLst>
-          </p:cNvPr>
-          <p:cNvPicPr/>
-          <p:nvPr/>
-        </p:nvPicPr>
-        <p:blipFill>
-          <a:blip r:embed="rId5"/>
-          <a:stretch/>
-        </p:blipFill>
-        <p:spPr>
-          <a:xfrm>
-            <a:off x="5540418" y="2607121"/>
-            <a:ext cx="1758960" cy="928441"/>
-          </a:xfrm>
-          <a:prstGeom prst="rect">
-            <a:avLst/>
-          </a:prstGeom>
-          <a:ln w="0">
-            <a:noFill/>
-          </a:ln>
-        </p:spPr>
-      </p:pic>
-      <p:pic>
-        <p:nvPicPr>
-          <p:cNvPr id="1026" name="Picture 2" descr="Arduino — Wikipédia">
-            <a:extLst>
-              <a:ext uri="{FF2B5EF4-FFF2-40B4-BE49-F238E27FC236}">
-                <a16:creationId xmlns:a16="http://schemas.microsoft.com/office/drawing/2014/main" id="{7BD36406-06EF-A3AB-3492-02F8636CBD6B}"/>
-              </a:ext>
-            </a:extLst>
-          </p:cNvPr>
-          <p:cNvPicPr>
-            <a:picLocks noChangeAspect="1" noChangeArrowheads="1"/>
-          </p:cNvPicPr>
-          <p:nvPr/>
-        </p:nvPicPr>
-        <p:blipFill>
-          <a:blip r:embed="rId6">
-            <a:extLst>
-              <a:ext uri="{28A0092B-C50C-407E-A947-70E740481C1C}">
-                <a14:useLocalDpi xmlns:a14="http://schemas.microsoft.com/office/drawing/2010/main" val="0"/>
-              </a:ext>
-            </a:extLst>
-          </a:blip>
-          <a:srcRect/>
-          <a:stretch>
-            <a:fillRect/>
-          </a:stretch>
-        </p:blipFill>
-        <p:spPr bwMode="auto">
-          <a:xfrm>
-            <a:off x="7882645" y="2607121"/>
-            <a:ext cx="1223255" cy="831993"/>
-          </a:xfrm>
-          <a:prstGeom prst="rect">
-            <a:avLst/>
-          </a:prstGeom>
-          <a:noFill/>
-          <a:extLst>
-            <a:ext uri="{909E8E84-426E-40DD-AFC4-6F175D3DCCD1}">
-              <a14:hiddenFill xmlns:a14="http://schemas.microsoft.com/office/drawing/2010/main">
-                <a:solidFill>
-                  <a:srgbClr val="FFFFFF"/>
-                </a:solidFill>
-              </a14:hiddenFill>
-            </a:ext>
-          </a:extLst>
-        </p:spPr>
-      </p:pic>
-      <p:pic>
-        <p:nvPicPr>
-          <p:cNvPr id="1028" name="Picture 4" descr="Microsoft Visual Studio — Wikipédia">
-            <a:extLst>
-              <a:ext uri="{FF2B5EF4-FFF2-40B4-BE49-F238E27FC236}">
-                <a16:creationId xmlns:a16="http://schemas.microsoft.com/office/drawing/2014/main" id="{0724C26F-DC0D-E9AB-DC16-7E8764DB1334}"/>
-              </a:ext>
-            </a:extLst>
-          </p:cNvPr>
-          <p:cNvPicPr>
-            <a:picLocks noChangeAspect="1" noChangeArrowheads="1"/>
-          </p:cNvPicPr>
-          <p:nvPr/>
-        </p:nvPicPr>
-        <p:blipFill>
-          <a:blip r:embed="rId7">
-            <a:extLst>
-              <a:ext uri="{28A0092B-C50C-407E-A947-70E740481C1C}">
-                <a14:useLocalDpi xmlns:a14="http://schemas.microsoft.com/office/drawing/2010/main" val="0"/>
-              </a:ext>
-            </a:extLst>
-          </a:blip>
-          <a:srcRect/>
-          <a:stretch>
-            <a:fillRect/>
-          </a:stretch>
-        </p:blipFill>
-        <p:spPr bwMode="auto">
-          <a:xfrm>
-            <a:off x="10583103" y="1794806"/>
-            <a:ext cx="1223255" cy="1223255"/>
-          </a:xfrm>
-          <a:prstGeom prst="rect">
-            <a:avLst/>
-          </a:prstGeom>
-          <a:noFill/>
-          <a:extLst>
-            <a:ext uri="{909E8E84-426E-40DD-AFC4-6F175D3DCCD1}">
-              <a14:hiddenFill xmlns:a14="http://schemas.microsoft.com/office/drawing/2010/main">
-                <a:solidFill>
-                  <a:srgbClr val="FFFFFF"/>
-                </a:solidFill>
-              </a14:hiddenFill>
-            </a:ext>
-          </a:extLst>
-        </p:spPr>
-      </p:pic>
-      <p:pic>
-        <p:nvPicPr>
-          <p:cNvPr id="1030" name="Picture 6" descr="Visual Studio Code — Wikipédia">
-            <a:extLst>
-              <a:ext uri="{FF2B5EF4-FFF2-40B4-BE49-F238E27FC236}">
-                <a16:creationId xmlns:a16="http://schemas.microsoft.com/office/drawing/2014/main" id="{2483E4B5-2BFB-38BE-55F9-27EC65C97E73}"/>
-              </a:ext>
-            </a:extLst>
-          </p:cNvPr>
-          <p:cNvPicPr>
-            <a:picLocks noChangeAspect="1" noChangeArrowheads="1"/>
-          </p:cNvPicPr>
-          <p:nvPr/>
-        </p:nvPicPr>
-        <p:blipFill>
-          <a:blip r:embed="rId8">
-            <a:extLst>
-              <a:ext uri="{28A0092B-C50C-407E-A947-70E740481C1C}">
-                <a14:useLocalDpi xmlns:a14="http://schemas.microsoft.com/office/drawing/2010/main" val="0"/>
-              </a:ext>
-            </a:extLst>
-          </a:blip>
-          <a:srcRect/>
-          <a:stretch>
-            <a:fillRect/>
-          </a:stretch>
-        </p:blipFill>
-        <p:spPr bwMode="auto">
-          <a:xfrm>
-            <a:off x="10583103" y="3247783"/>
-            <a:ext cx="1223255" cy="1223255"/>
-          </a:xfrm>
-          <a:prstGeom prst="rect">
-            <a:avLst/>
-          </a:prstGeom>
-          <a:noFill/>
-          <a:extLst>
-            <a:ext uri="{909E8E84-426E-40DD-AFC4-6F175D3DCCD1}">
-              <a14:hiddenFill xmlns:a14="http://schemas.microsoft.com/office/drawing/2010/main">
-                <a:solidFill>
-                  <a:srgbClr val="FFFFFF"/>
-                </a:solidFill>
-              </a14:hiddenFill>
-            </a:ext>
-          </a:extLst>
-        </p:spPr>
-      </p:pic>
-      <p:sp>
-        <p:nvSpPr>
-          <p:cNvPr id="2" name="ZoneTexte 1">
-            <a:extLst>
-              <a:ext uri="{FF2B5EF4-FFF2-40B4-BE49-F238E27FC236}">
-                <a16:creationId xmlns:a16="http://schemas.microsoft.com/office/drawing/2014/main" id="{BC3CE2B3-0507-C936-F454-C651BEF889EA}"/>
-              </a:ext>
-            </a:extLst>
-          </p:cNvPr>
-          <p:cNvSpPr txBox="1"/>
-          <p:nvPr/>
-        </p:nvSpPr>
-        <p:spPr>
-          <a:xfrm>
-            <a:off x="633186" y="5029200"/>
-            <a:ext cx="10992313" cy="646331"/>
-          </a:xfrm>
-          <a:prstGeom prst="rect">
-            <a:avLst/>
-          </a:prstGeom>
-          <a:noFill/>
-        </p:spPr>
-        <p:txBody>
-          <a:bodyPr wrap="square" rtlCol="0">
-            <a:spAutoFit/>
-          </a:bodyPr>
-          <a:lstStyle/>
-          <a:p>
-            <a:pPr marL="285750" indent="-285750">
-              <a:buFontTx/>
-              <a:buChar char="-"/>
-            </a:pPr>
-            <a:r>
-              <a:rPr lang="fr-FR" dirty="0"/>
-              <a:t>Technologies utilisées :</a:t>
-            </a:r>
-          </a:p>
-          <a:p>
-            <a:endParaRPr lang="fr-FR" dirty="0"/>
-          </a:p>
-        </p:txBody>
-      </p:sp>
-      <p:pic>
-        <p:nvPicPr>
-          <p:cNvPr id="1032" name="Picture 8" descr="Avantages et inconvénients des technologies RFID active et passive | Altium">
-            <a:extLst>
-              <a:ext uri="{FF2B5EF4-FFF2-40B4-BE49-F238E27FC236}">
-                <a16:creationId xmlns:a16="http://schemas.microsoft.com/office/drawing/2014/main" id="{3FF5A621-E8C4-042F-C056-0024B3D33B21}"/>
-              </a:ext>
-            </a:extLst>
-          </p:cNvPr>
-          <p:cNvPicPr>
-            <a:picLocks noChangeAspect="1" noChangeArrowheads="1"/>
-          </p:cNvPicPr>
-          <p:nvPr/>
-        </p:nvPicPr>
-        <p:blipFill>
-          <a:blip r:embed="rId9">
-            <a:extLst>
-              <a:ext uri="{28A0092B-C50C-407E-A947-70E740481C1C}">
-                <a14:useLocalDpi xmlns:a14="http://schemas.microsoft.com/office/drawing/2010/main" val="0"/>
-              </a:ext>
-            </a:extLst>
-          </a:blip>
-          <a:srcRect/>
-          <a:stretch>
-            <a:fillRect/>
-          </a:stretch>
-        </p:blipFill>
-        <p:spPr bwMode="auto">
-          <a:xfrm>
-            <a:off x="3093130" y="4736668"/>
-            <a:ext cx="1971675" cy="1066644"/>
-          </a:xfrm>
-          <a:prstGeom prst="rect">
-            <a:avLst/>
-          </a:prstGeom>
-          <a:noFill/>
-          <a:extLst>
-            <a:ext uri="{909E8E84-426E-40DD-AFC4-6F175D3DCCD1}">
-              <a14:hiddenFill xmlns:a14="http://schemas.microsoft.com/office/drawing/2010/main">
-                <a:solidFill>
-                  <a:srgbClr val="FFFFFF"/>
-                </a:solidFill>
-              </a14:hiddenFill>
-            </a:ext>
-          </a:extLst>
-        </p:spPr>
-      </p:pic>
     </p:spTree>
     <p:extLst>
       <p:ext uri="{BB962C8B-B14F-4D97-AF65-F5344CB8AC3E}">
-        <p14:creationId xmlns:p14="http://schemas.microsoft.com/office/powerpoint/2010/main" val="3740899374"/>
+        <p14:creationId xmlns:p14="http://schemas.microsoft.com/office/powerpoint/2010/main" val="3303001111"/>
       </p:ext>
     </p:extLst>
   </p:cSld>
@@ -12181,10 +12133,10 @@
       </p:grpSpPr>
       <p:sp>
         <p:nvSpPr>
-          <p:cNvPr id="2" name="Titre 1">
-            <a:extLst>
-              <a:ext uri="{FF2B5EF4-FFF2-40B4-BE49-F238E27FC236}">
-                <a16:creationId xmlns:a16="http://schemas.microsoft.com/office/drawing/2014/main" id="{1FE865AE-991B-8E6C-4958-77BCF27CB95F}"/>
+          <p:cNvPr id="5" name="Titre 4">
+            <a:extLst>
+              <a:ext uri="{FF2B5EF4-FFF2-40B4-BE49-F238E27FC236}">
+                <a16:creationId xmlns:a16="http://schemas.microsoft.com/office/drawing/2014/main" id="{7BC74D96-20AD-411A-6EC2-B30B1CA4C432}"/>
               </a:ext>
             </a:extLst>
           </p:cNvPr>
@@ -12195,6 +12147,552 @@
             <p:ph type="title"/>
           </p:nvPr>
         </p:nvSpPr>
+        <p:spPr/>
+        <p:txBody>
+          <a:bodyPr/>
+          <a:lstStyle/>
+          <a:p>
+            <a:r>
+              <a:rPr lang="fr-FR" dirty="0"/>
+              <a:t>Gestion des accès </a:t>
+            </a:r>
+            <a:r>
+              <a:rPr lang="fr-FR"/>
+              <a:t>au bâtiment</a:t>
+            </a:r>
+            <a:r>
+              <a:rPr lang="fr-FR" dirty="0"/>
+              <a:t/>
+            </a:r>
+            <a:br>
+              <a:rPr lang="fr-FR" dirty="0"/>
+            </a:br>
+            <a:endParaRPr lang="fr-FR" dirty="0"/>
+          </a:p>
+        </p:txBody>
+      </p:sp>
+      <p:sp>
+        <p:nvSpPr>
+          <p:cNvPr id="8" name="Espace réservé du numéro de diapositive 7">
+            <a:extLst>
+              <a:ext uri="{FF2B5EF4-FFF2-40B4-BE49-F238E27FC236}">
+                <a16:creationId xmlns:a16="http://schemas.microsoft.com/office/drawing/2014/main" id="{292B76D6-CD86-E9EB-1368-EC8B1C74C821}"/>
+              </a:ext>
+            </a:extLst>
+          </p:cNvPr>
+          <p:cNvSpPr>
+            <a:spLocks noGrp="1"/>
+          </p:cNvSpPr>
+          <p:nvPr>
+            <p:ph type="sldNum" sz="quarter" idx="4"/>
+          </p:nvPr>
+        </p:nvSpPr>
+        <p:spPr/>
+        <p:txBody>
+          <a:bodyPr/>
+          <a:lstStyle/>
+          <a:p>
+            <a:pPr algn="ctr" rtl="0"/>
+            <a:fld id="{817179DE-9BF3-494C-804F-0C7C90AC8700}" type="slidenum">
+              <a:rPr lang="fr-FR" noProof="0" smtClean="0"/>
+              <a:pPr algn="ctr" rtl="0"/>
+              <a:t>16</a:t>
+            </a:fld>
+            <a:endParaRPr lang="fr-FR" noProof="0"/>
+          </a:p>
+        </p:txBody>
+      </p:sp>
+      <p:sp>
+        <p:nvSpPr>
+          <p:cNvPr id="9" name="ZoneTexte 8">
+            <a:extLst>
+              <a:ext uri="{FF2B5EF4-FFF2-40B4-BE49-F238E27FC236}">
+                <a16:creationId xmlns:a16="http://schemas.microsoft.com/office/drawing/2014/main" id="{1B95B750-151B-7F88-6A2D-8E96DD9071A3}"/>
+              </a:ext>
+            </a:extLst>
+          </p:cNvPr>
+          <p:cNvSpPr txBox="1"/>
+          <p:nvPr/>
+        </p:nvSpPr>
+        <p:spPr>
+          <a:xfrm>
+            <a:off x="566501" y="1588010"/>
+            <a:ext cx="11058998" cy="1200329"/>
+          </a:xfrm>
+          <a:prstGeom prst="rect">
+            <a:avLst/>
+          </a:prstGeom>
+          <a:noFill/>
+        </p:spPr>
+        <p:txBody>
+          <a:bodyPr wrap="square" rtlCol="0">
+            <a:spAutoFit/>
+          </a:bodyPr>
+          <a:lstStyle/>
+          <a:p>
+            <a:pPr marL="285750" indent="-285750">
+              <a:buFontTx/>
+              <a:buChar char="-"/>
+            </a:pPr>
+            <a:r>
+              <a:rPr lang="fr-FR" dirty="0"/>
+              <a:t>Objectif</a:t>
+            </a:r>
+          </a:p>
+          <a:p>
+            <a:pPr marL="285750" indent="-285750">
+              <a:buFontTx/>
+              <a:buChar char="-"/>
+            </a:pPr>
+            <a:r>
+              <a:rPr lang="fr-FR" dirty="0"/>
+              <a:t>Environnement de développement :</a:t>
+            </a:r>
+          </a:p>
+          <a:p>
+            <a:r>
+              <a:rPr lang="fr-FR" dirty="0"/>
+              <a:t> </a:t>
+            </a:r>
+          </a:p>
+          <a:p>
+            <a:endParaRPr lang="fr-FR" dirty="0"/>
+          </a:p>
+        </p:txBody>
+      </p:sp>
+      <p:pic>
+        <p:nvPicPr>
+          <p:cNvPr id="10" name="Image 18">
+            <a:extLst>
+              <a:ext uri="{FF2B5EF4-FFF2-40B4-BE49-F238E27FC236}">
+                <a16:creationId xmlns:a16="http://schemas.microsoft.com/office/drawing/2014/main" id="{F1D40CE8-3EB9-890A-D4D9-30A9FCB6176C}"/>
+              </a:ext>
+            </a:extLst>
+          </p:cNvPr>
+          <p:cNvPicPr/>
+          <p:nvPr/>
+        </p:nvPicPr>
+        <p:blipFill>
+          <a:blip r:embed="rId2"/>
+          <a:stretch/>
+        </p:blipFill>
+        <p:spPr>
+          <a:xfrm>
+            <a:off x="566501" y="2607121"/>
+            <a:ext cx="824149" cy="821880"/>
+          </a:xfrm>
+          <a:prstGeom prst="rect">
+            <a:avLst/>
+          </a:prstGeom>
+          <a:ln w="0">
+            <a:noFill/>
+          </a:ln>
+        </p:spPr>
+      </p:pic>
+      <p:pic>
+        <p:nvPicPr>
+          <p:cNvPr id="11" name="Image 20">
+            <a:extLst>
+              <a:ext uri="{FF2B5EF4-FFF2-40B4-BE49-F238E27FC236}">
+                <a16:creationId xmlns:a16="http://schemas.microsoft.com/office/drawing/2014/main" id="{C4C88EF2-EA0C-65F9-4DF1-F41F23F33BB4}"/>
+              </a:ext>
+            </a:extLst>
+          </p:cNvPr>
+          <p:cNvPicPr/>
+          <p:nvPr/>
+        </p:nvPicPr>
+        <p:blipFill>
+          <a:blip r:embed="rId3"/>
+          <a:stretch/>
+        </p:blipFill>
+        <p:spPr>
+          <a:xfrm>
+            <a:off x="1608897" y="2590092"/>
+            <a:ext cx="1766880" cy="928440"/>
+          </a:xfrm>
+          <a:prstGeom prst="rect">
+            <a:avLst/>
+          </a:prstGeom>
+          <a:ln w="0">
+            <a:noFill/>
+          </a:ln>
+        </p:spPr>
+      </p:pic>
+      <p:pic>
+        <p:nvPicPr>
+          <p:cNvPr id="12" name="Image 26">
+            <a:extLst>
+              <a:ext uri="{FF2B5EF4-FFF2-40B4-BE49-F238E27FC236}">
+                <a16:creationId xmlns:a16="http://schemas.microsoft.com/office/drawing/2014/main" id="{A1FAC33E-E0AE-0DBC-FDB2-EBA3A10B717A}"/>
+              </a:ext>
+            </a:extLst>
+          </p:cNvPr>
+          <p:cNvPicPr/>
+          <p:nvPr/>
+        </p:nvPicPr>
+        <p:blipFill>
+          <a:blip r:embed="rId4"/>
+          <a:stretch/>
+        </p:blipFill>
+        <p:spPr>
+          <a:xfrm>
+            <a:off x="3601243" y="2590092"/>
+            <a:ext cx="1766880" cy="928440"/>
+          </a:xfrm>
+          <a:prstGeom prst="rect">
+            <a:avLst/>
+          </a:prstGeom>
+          <a:ln w="0">
+            <a:noFill/>
+          </a:ln>
+        </p:spPr>
+      </p:pic>
+      <p:pic>
+        <p:nvPicPr>
+          <p:cNvPr id="13" name="Image 22">
+            <a:extLst>
+              <a:ext uri="{FF2B5EF4-FFF2-40B4-BE49-F238E27FC236}">
+                <a16:creationId xmlns:a16="http://schemas.microsoft.com/office/drawing/2014/main" id="{C37B0FE5-96B9-A9EE-3CDB-584D5CCF8BD9}"/>
+              </a:ext>
+            </a:extLst>
+          </p:cNvPr>
+          <p:cNvPicPr/>
+          <p:nvPr/>
+        </p:nvPicPr>
+        <p:blipFill>
+          <a:blip r:embed="rId5"/>
+          <a:stretch/>
+        </p:blipFill>
+        <p:spPr>
+          <a:xfrm>
+            <a:off x="5540418" y="2607121"/>
+            <a:ext cx="1758960" cy="928441"/>
+          </a:xfrm>
+          <a:prstGeom prst="rect">
+            <a:avLst/>
+          </a:prstGeom>
+          <a:ln w="0">
+            <a:noFill/>
+          </a:ln>
+        </p:spPr>
+      </p:pic>
+      <p:pic>
+        <p:nvPicPr>
+          <p:cNvPr id="1026" name="Picture 2" descr="Arduino — Wikipédia">
+            <a:extLst>
+              <a:ext uri="{FF2B5EF4-FFF2-40B4-BE49-F238E27FC236}">
+                <a16:creationId xmlns:a16="http://schemas.microsoft.com/office/drawing/2014/main" id="{7BD36406-06EF-A3AB-3492-02F8636CBD6B}"/>
+              </a:ext>
+            </a:extLst>
+          </p:cNvPr>
+          <p:cNvPicPr>
+            <a:picLocks noChangeAspect="1" noChangeArrowheads="1"/>
+          </p:cNvPicPr>
+          <p:nvPr/>
+        </p:nvPicPr>
+        <p:blipFill>
+          <a:blip r:embed="rId6">
+            <a:extLst>
+              <a:ext uri="{28A0092B-C50C-407E-A947-70E740481C1C}">
+                <a14:useLocalDpi xmlns:a14="http://schemas.microsoft.com/office/drawing/2010/main" val="0"/>
+              </a:ext>
+            </a:extLst>
+          </a:blip>
+          <a:srcRect/>
+          <a:stretch>
+            <a:fillRect/>
+          </a:stretch>
+        </p:blipFill>
+        <p:spPr bwMode="auto">
+          <a:xfrm>
+            <a:off x="7882645" y="2607121"/>
+            <a:ext cx="1223255" cy="831993"/>
+          </a:xfrm>
+          <a:prstGeom prst="rect">
+            <a:avLst/>
+          </a:prstGeom>
+          <a:noFill/>
+          <a:extLst>
+            <a:ext uri="{909E8E84-426E-40DD-AFC4-6F175D3DCCD1}">
+              <a14:hiddenFill xmlns:a14="http://schemas.microsoft.com/office/drawing/2010/main">
+                <a:solidFill>
+                  <a:srgbClr val="FFFFFF"/>
+                </a:solidFill>
+              </a14:hiddenFill>
+            </a:ext>
+          </a:extLst>
+        </p:spPr>
+      </p:pic>
+      <p:pic>
+        <p:nvPicPr>
+          <p:cNvPr id="1028" name="Picture 4" descr="Microsoft Visual Studio — Wikipédia">
+            <a:extLst>
+              <a:ext uri="{FF2B5EF4-FFF2-40B4-BE49-F238E27FC236}">
+                <a16:creationId xmlns:a16="http://schemas.microsoft.com/office/drawing/2014/main" id="{0724C26F-DC0D-E9AB-DC16-7E8764DB1334}"/>
+              </a:ext>
+            </a:extLst>
+          </p:cNvPr>
+          <p:cNvPicPr>
+            <a:picLocks noChangeAspect="1" noChangeArrowheads="1"/>
+          </p:cNvPicPr>
+          <p:nvPr/>
+        </p:nvPicPr>
+        <p:blipFill>
+          <a:blip r:embed="rId7">
+            <a:extLst>
+              <a:ext uri="{28A0092B-C50C-407E-A947-70E740481C1C}">
+                <a14:useLocalDpi xmlns:a14="http://schemas.microsoft.com/office/drawing/2010/main" val="0"/>
+              </a:ext>
+            </a:extLst>
+          </a:blip>
+          <a:srcRect/>
+          <a:stretch>
+            <a:fillRect/>
+          </a:stretch>
+        </p:blipFill>
+        <p:spPr bwMode="auto">
+          <a:xfrm>
+            <a:off x="10583103" y="1794806"/>
+            <a:ext cx="1223255" cy="1223255"/>
+          </a:xfrm>
+          <a:prstGeom prst="rect">
+            <a:avLst/>
+          </a:prstGeom>
+          <a:noFill/>
+          <a:extLst>
+            <a:ext uri="{909E8E84-426E-40DD-AFC4-6F175D3DCCD1}">
+              <a14:hiddenFill xmlns:a14="http://schemas.microsoft.com/office/drawing/2010/main">
+                <a:solidFill>
+                  <a:srgbClr val="FFFFFF"/>
+                </a:solidFill>
+              </a14:hiddenFill>
+            </a:ext>
+          </a:extLst>
+        </p:spPr>
+      </p:pic>
+      <p:pic>
+        <p:nvPicPr>
+          <p:cNvPr id="1030" name="Picture 6" descr="Visual Studio Code — Wikipédia">
+            <a:extLst>
+              <a:ext uri="{FF2B5EF4-FFF2-40B4-BE49-F238E27FC236}">
+                <a16:creationId xmlns:a16="http://schemas.microsoft.com/office/drawing/2014/main" id="{2483E4B5-2BFB-38BE-55F9-27EC65C97E73}"/>
+              </a:ext>
+            </a:extLst>
+          </p:cNvPr>
+          <p:cNvPicPr>
+            <a:picLocks noChangeAspect="1" noChangeArrowheads="1"/>
+          </p:cNvPicPr>
+          <p:nvPr/>
+        </p:nvPicPr>
+        <p:blipFill>
+          <a:blip r:embed="rId8">
+            <a:extLst>
+              <a:ext uri="{28A0092B-C50C-407E-A947-70E740481C1C}">
+                <a14:useLocalDpi xmlns:a14="http://schemas.microsoft.com/office/drawing/2010/main" val="0"/>
+              </a:ext>
+            </a:extLst>
+          </a:blip>
+          <a:srcRect/>
+          <a:stretch>
+            <a:fillRect/>
+          </a:stretch>
+        </p:blipFill>
+        <p:spPr bwMode="auto">
+          <a:xfrm>
+            <a:off x="10583103" y="3247783"/>
+            <a:ext cx="1223255" cy="1223255"/>
+          </a:xfrm>
+          <a:prstGeom prst="rect">
+            <a:avLst/>
+          </a:prstGeom>
+          <a:noFill/>
+          <a:extLst>
+            <a:ext uri="{909E8E84-426E-40DD-AFC4-6F175D3DCCD1}">
+              <a14:hiddenFill xmlns:a14="http://schemas.microsoft.com/office/drawing/2010/main">
+                <a:solidFill>
+                  <a:srgbClr val="FFFFFF"/>
+                </a:solidFill>
+              </a14:hiddenFill>
+            </a:ext>
+          </a:extLst>
+        </p:spPr>
+      </p:pic>
+      <p:sp>
+        <p:nvSpPr>
+          <p:cNvPr id="2" name="ZoneTexte 1">
+            <a:extLst>
+              <a:ext uri="{FF2B5EF4-FFF2-40B4-BE49-F238E27FC236}">
+                <a16:creationId xmlns:a16="http://schemas.microsoft.com/office/drawing/2014/main" id="{BC3CE2B3-0507-C936-F454-C651BEF889EA}"/>
+              </a:ext>
+            </a:extLst>
+          </p:cNvPr>
+          <p:cNvSpPr txBox="1"/>
+          <p:nvPr/>
+        </p:nvSpPr>
+        <p:spPr>
+          <a:xfrm>
+            <a:off x="633186" y="5029200"/>
+            <a:ext cx="10992313" cy="646331"/>
+          </a:xfrm>
+          <a:prstGeom prst="rect">
+            <a:avLst/>
+          </a:prstGeom>
+          <a:noFill/>
+        </p:spPr>
+        <p:txBody>
+          <a:bodyPr wrap="square" rtlCol="0">
+            <a:spAutoFit/>
+          </a:bodyPr>
+          <a:lstStyle/>
+          <a:p>
+            <a:pPr marL="285750" indent="-285750">
+              <a:buFontTx/>
+              <a:buChar char="-"/>
+            </a:pPr>
+            <a:r>
+              <a:rPr lang="fr-FR" dirty="0"/>
+              <a:t>Technologies utilisées :</a:t>
+            </a:r>
+          </a:p>
+          <a:p>
+            <a:endParaRPr lang="fr-FR" dirty="0"/>
+          </a:p>
+        </p:txBody>
+      </p:sp>
+      <p:pic>
+        <p:nvPicPr>
+          <p:cNvPr id="1032" name="Picture 8" descr="Avantages et inconvénients des technologies RFID active et passive | Altium">
+            <a:extLst>
+              <a:ext uri="{FF2B5EF4-FFF2-40B4-BE49-F238E27FC236}">
+                <a16:creationId xmlns:a16="http://schemas.microsoft.com/office/drawing/2014/main" id="{3FF5A621-E8C4-042F-C056-0024B3D33B21}"/>
+              </a:ext>
+            </a:extLst>
+          </p:cNvPr>
+          <p:cNvPicPr>
+            <a:picLocks noChangeAspect="1" noChangeArrowheads="1"/>
+          </p:cNvPicPr>
+          <p:nvPr/>
+        </p:nvPicPr>
+        <p:blipFill>
+          <a:blip r:embed="rId9">
+            <a:extLst>
+              <a:ext uri="{28A0092B-C50C-407E-A947-70E740481C1C}">
+                <a14:useLocalDpi xmlns:a14="http://schemas.microsoft.com/office/drawing/2010/main" val="0"/>
+              </a:ext>
+            </a:extLst>
+          </a:blip>
+          <a:srcRect/>
+          <a:stretch>
+            <a:fillRect/>
+          </a:stretch>
+        </p:blipFill>
+        <p:spPr bwMode="auto">
+          <a:xfrm>
+            <a:off x="3093130" y="4736668"/>
+            <a:ext cx="1971675" cy="1066644"/>
+          </a:xfrm>
+          <a:prstGeom prst="rect">
+            <a:avLst/>
+          </a:prstGeom>
+          <a:noFill/>
+          <a:extLst>
+            <a:ext uri="{909E8E84-426E-40DD-AFC4-6F175D3DCCD1}">
+              <a14:hiddenFill xmlns:a14="http://schemas.microsoft.com/office/drawing/2010/main">
+                <a:solidFill>
+                  <a:srgbClr val="FFFFFF"/>
+                </a:solidFill>
+              </a14:hiddenFill>
+            </a:ext>
+          </a:extLst>
+        </p:spPr>
+      </p:pic>
+      <p:pic>
+        <p:nvPicPr>
+          <p:cNvPr id="3" name="Picture 2" descr="GitHub Logo et symbole, sens, histoire, PNG, marque"/>
+          <p:cNvPicPr>
+            <a:picLocks noChangeAspect="1" noChangeArrowheads="1"/>
+          </p:cNvPicPr>
+          <p:nvPr/>
+        </p:nvPicPr>
+        <p:blipFill>
+          <a:blip r:embed="rId10">
+            <a:extLst>
+              <a:ext uri="{28A0092B-C50C-407E-A947-70E740481C1C}">
+                <a14:useLocalDpi xmlns:a14="http://schemas.microsoft.com/office/drawing/2010/main" val="0"/>
+              </a:ext>
+            </a:extLst>
+          </a:blip>
+          <a:srcRect/>
+          <a:stretch>
+            <a:fillRect/>
+          </a:stretch>
+        </p:blipFill>
+        <p:spPr bwMode="auto">
+          <a:xfrm>
+            <a:off x="314512" y="3807450"/>
+            <a:ext cx="1294385" cy="731975"/>
+          </a:xfrm>
+          <a:prstGeom prst="rect">
+            <a:avLst/>
+          </a:prstGeom>
+          <a:noFill/>
+          <a:extLst>
+            <a:ext uri="{909E8E84-426E-40DD-AFC4-6F175D3DCCD1}">
+              <a14:hiddenFill xmlns:a14="http://schemas.microsoft.com/office/drawing/2010/main">
+                <a:solidFill>
+                  <a:srgbClr val="FFFFFF"/>
+                </a:solidFill>
+              </a14:hiddenFill>
+            </a:ext>
+          </a:extLst>
+        </p:spPr>
+      </p:pic>
+    </p:spTree>
+    <p:extLst>
+      <p:ext uri="{BB962C8B-B14F-4D97-AF65-F5344CB8AC3E}">
+        <p14:creationId xmlns:p14="http://schemas.microsoft.com/office/powerpoint/2010/main" val="3740899374"/>
+      </p:ext>
+    </p:extLst>
+  </p:cSld>
+  <p:clrMapOvr>
+    <a:masterClrMapping/>
+  </p:clrMapOvr>
+</p:sld>
+</file>
+
+<file path=ppt/slides/slide17.xml><?xml version="1.0" encoding="utf-8"?>
+<p:sld xmlns:a="http://schemas.openxmlformats.org/drawingml/2006/main" xmlns:r="http://schemas.openxmlformats.org/officeDocument/2006/relationships" xmlns:p="http://schemas.openxmlformats.org/presentationml/2006/main">
+  <p:cSld>
+    <p:spTree>
+      <p:nvGrpSpPr>
+        <p:cNvPr id="1" name=""/>
+        <p:cNvGrpSpPr/>
+        <p:nvPr/>
+      </p:nvGrpSpPr>
+      <p:grpSpPr>
+        <a:xfrm>
+          <a:off x="0" y="0"/>
+          <a:ext cx="0" cy="0"/>
+          <a:chOff x="0" y="0"/>
+          <a:chExt cx="0" cy="0"/>
+        </a:xfrm>
+      </p:grpSpPr>
+      <p:sp>
+        <p:nvSpPr>
+          <p:cNvPr id="2" name="Titre 1">
+            <a:extLst>
+              <a:ext uri="{FF2B5EF4-FFF2-40B4-BE49-F238E27FC236}">
+                <a16:creationId xmlns:a16="http://schemas.microsoft.com/office/drawing/2014/main" id="{1FE865AE-991B-8E6C-4958-77BCF27CB95F}"/>
+              </a:ext>
+            </a:extLst>
+          </p:cNvPr>
+          <p:cNvSpPr>
+            <a:spLocks noGrp="1"/>
+          </p:cNvSpPr>
+          <p:nvPr>
+            <p:ph type="title"/>
+          </p:nvPr>
+        </p:nvSpPr>
         <p:spPr>
           <a:xfrm>
             <a:off x="110297" y="267678"/>
@@ -12215,9 +12713,17 @@
               <a:rPr lang="fr-FR" dirty="0" err="1"/>
               <a:t>batiment</a:t>
             </a:r>
+            <a:r>
+              <a:rPr lang="fr-FR" dirty="0"/>
+              <a:t/>
+            </a:r>
             <a:br>
               <a:rPr lang="fr-FR" dirty="0"/>
             </a:br>
+            <a:r>
+              <a:rPr lang="fr-FR" dirty="0"/>
+              <a:t/>
+            </a:r>
             <a:br>
               <a:rPr lang="fr-FR" dirty="0"/>
             </a:br>
@@ -12353,8 +12859,8 @@
           </a:prstGeom>
         </p:spPr>
       </p:pic>
-      <mc:AlternateContent xmlns:mc="http://schemas.openxmlformats.org/markup-compatibility/2006">
-        <mc:Choice xmlns:p14="http://schemas.microsoft.com/office/powerpoint/2010/main" Requires="p14">
+      <mc:AlternateContent xmlns:mc="http://schemas.openxmlformats.org/markup-compatibility/2006" xmlns:p14="http://schemas.microsoft.com/office/powerpoint/2010/main">
+        <mc:Choice Requires="p14">
           <p:contentPart p14:bwMode="auto" r:id="rId5">
             <p14:nvContentPartPr>
               <p14:cNvPr id="14" name="Encre 13">
@@ -12373,7 +12879,7 @@
             </p14:xfrm>
           </p:contentPart>
         </mc:Choice>
-        <mc:Fallback>
+        <mc:Fallback xmlns="">
           <p:pic>
             <p:nvPicPr>
               <p:cNvPr id="14" name="Encre 13">
@@ -12417,7 +12923,7 @@
 </p:sld>
 </file>
 
-<file path=ppt/slides/slide17.xml><?xml version="1.0" encoding="utf-8"?>
+<file path=ppt/slides/slide18.xml><?xml version="1.0" encoding="utf-8"?>
 <p:sld xmlns:a="http://schemas.openxmlformats.org/drawingml/2006/main" xmlns:r="http://schemas.openxmlformats.org/officeDocument/2006/relationships" xmlns:p="http://schemas.openxmlformats.org/presentationml/2006/main">
   <p:cSld>
     <p:spTree>
@@ -12632,7 +13138,7 @@
 </p:sld>
 </file>
 
-<file path=ppt/slides/slide18.xml><?xml version="1.0" encoding="utf-8"?>
+<file path=ppt/slides/slide19.xml><?xml version="1.0" encoding="utf-8"?>
 <p:sld xmlns:a="http://schemas.openxmlformats.org/drawingml/2006/main" xmlns:r="http://schemas.openxmlformats.org/officeDocument/2006/relationships" xmlns:p="http://schemas.openxmlformats.org/presentationml/2006/main">
   <p:cSld>
     <p:spTree>
@@ -12877,112 +13383,6 @@
 </p:sld>
 </file>
 
-<file path=ppt/slides/slide19.xml><?xml version="1.0" encoding="utf-8"?>
-<p:sld xmlns:a="http://schemas.openxmlformats.org/drawingml/2006/main" xmlns:r="http://schemas.openxmlformats.org/officeDocument/2006/relationships" xmlns:p="http://schemas.openxmlformats.org/presentationml/2006/main">
-  <p:cSld>
-    <p:spTree>
-      <p:nvGrpSpPr>
-        <p:cNvPr id="1" name=""/>
-        <p:cNvGrpSpPr/>
-        <p:nvPr/>
-      </p:nvGrpSpPr>
-      <p:grpSpPr>
-        <a:xfrm>
-          <a:off x="0" y="0"/>
-          <a:ext cx="0" cy="0"/>
-          <a:chOff x="0" y="0"/>
-          <a:chExt cx="0" cy="0"/>
-        </a:xfrm>
-      </p:grpSpPr>
-      <p:sp>
-        <p:nvSpPr>
-          <p:cNvPr id="2" name="Titre 1">
-            <a:extLst>
-              <a:ext uri="{FF2B5EF4-FFF2-40B4-BE49-F238E27FC236}">
-                <a16:creationId xmlns:a16="http://schemas.microsoft.com/office/drawing/2014/main" id="{1FE865AE-991B-8E6C-4958-77BCF27CB95F}"/>
-              </a:ext>
-            </a:extLst>
-          </p:cNvPr>
-          <p:cNvSpPr>
-            <a:spLocks noGrp="1"/>
-          </p:cNvSpPr>
-          <p:nvPr>
-            <p:ph type="title"/>
-          </p:nvPr>
-        </p:nvSpPr>
-        <p:spPr>
-          <a:xfrm>
-            <a:off x="249238" y="180402"/>
-            <a:ext cx="3932237" cy="1600200"/>
-          </a:xfrm>
-        </p:spPr>
-        <p:txBody>
-          <a:bodyPr>
-            <a:normAutofit fontScale="90000"/>
-          </a:bodyPr>
-          <a:lstStyle/>
-          <a:p>
-            <a:r>
-              <a:rPr lang="fr-FR" dirty="0"/>
-              <a:t>Gestion des accès au bâtiment</a:t>
-            </a:r>
-            <a:br>
-              <a:rPr lang="fr-FR" dirty="0"/>
-            </a:br>
-            <a:br>
-              <a:rPr lang="fr-FR" dirty="0"/>
-            </a:br>
-            <a:r>
-              <a:rPr lang="fr-FR" sz="2000" dirty="0"/>
-              <a:t>Sauvegarde des données sur la BDD</a:t>
-            </a:r>
-            <a:endParaRPr lang="fr-FR" dirty="0"/>
-          </a:p>
-        </p:txBody>
-      </p:sp>
-      <p:pic>
-        <p:nvPicPr>
-          <p:cNvPr id="4" name="Image 3">
-            <a:extLst>
-              <a:ext uri="{FF2B5EF4-FFF2-40B4-BE49-F238E27FC236}">
-                <a16:creationId xmlns:a16="http://schemas.microsoft.com/office/drawing/2014/main" id="{258EDE55-FDCB-8F40-B119-A2129570AF97}"/>
-              </a:ext>
-            </a:extLst>
-          </p:cNvPr>
-          <p:cNvPicPr>
-            <a:picLocks noChangeAspect="1"/>
-          </p:cNvPicPr>
-          <p:nvPr/>
-        </p:nvPicPr>
-        <p:blipFill>
-          <a:blip r:embed="rId2"/>
-          <a:stretch>
-            <a:fillRect/>
-          </a:stretch>
-        </p:blipFill>
-        <p:spPr>
-          <a:xfrm>
-            <a:off x="0" y="2783644"/>
-            <a:ext cx="12192000" cy="1290712"/>
-          </a:xfrm>
-          <a:prstGeom prst="rect">
-            <a:avLst/>
-          </a:prstGeom>
-        </p:spPr>
-      </p:pic>
-    </p:spTree>
-    <p:extLst>
-      <p:ext uri="{BB962C8B-B14F-4D97-AF65-F5344CB8AC3E}">
-        <p14:creationId xmlns:p14="http://schemas.microsoft.com/office/powerpoint/2010/main" val="903662574"/>
-      </p:ext>
-    </p:extLst>
-  </p:cSld>
-  <p:clrMapOvr>
-    <a:masterClrMapping/>
-  </p:clrMapOvr>
-</p:sld>
-</file>
-
 <file path=ppt/slides/slide2.xml><?xml version="1.0" encoding="utf-8"?>
 <p:sld xmlns:a="http://schemas.openxmlformats.org/drawingml/2006/main" xmlns:r="http://schemas.openxmlformats.org/officeDocument/2006/relationships" xmlns:p="http://schemas.openxmlformats.org/presentationml/2006/main">
   <p:cSld>
@@ -13053,8 +13453,13 @@
           <a:p>
             <a:r>
               <a:rPr lang="fr-FR" dirty="0"/>
-              <a:t>Résumé du projet</a:t>
-            </a:r>
+              <a:t>Résumé du </a:t>
+            </a:r>
+            <a:r>
+              <a:rPr lang="fr-FR" dirty="0" smtClean="0"/>
+              <a:t>projet</a:t>
+            </a:r>
+            <a:endParaRPr lang="fr-FR" dirty="0"/>
           </a:p>
           <a:p>
             <a:r>
@@ -13099,8 +13504,13 @@
             <a:pPr lvl="1"/>
             <a:r>
               <a:rPr lang="fr-FR" dirty="0"/>
-              <a:t>Les défauts</a:t>
-            </a:r>
+              <a:t>Les </a:t>
+            </a:r>
+            <a:r>
+              <a:rPr lang="fr-FR" dirty="0" smtClean="0"/>
+              <a:t>faiblesses</a:t>
+            </a:r>
+            <a:endParaRPr lang="fr-FR" dirty="0"/>
           </a:p>
           <a:p>
             <a:r>
@@ -13146,7 +13556,7 @@
           <a:p>
             <a:pPr lvl="1"/>
             <a:r>
-              <a:rPr lang="fr-FR" sz="2400"/>
+              <a:rPr lang="fr-FR" sz="2400" dirty="0"/>
               <a:t>Système d’enregistrement d’une personne dans une BD et de reconnaissance pour l’accès au bâtiment et à une salle</a:t>
             </a:r>
             <a:endParaRPr lang="fr-FR" dirty="0"/>
@@ -13224,13 +13634,13 @@
         </p:nvSpPr>
         <p:spPr>
           <a:xfrm>
-            <a:off x="177365" y="361626"/>
+            <a:off x="249238" y="180402"/>
             <a:ext cx="3932237" cy="1600200"/>
           </a:xfrm>
         </p:spPr>
         <p:txBody>
           <a:bodyPr>
-            <a:normAutofit/>
+            <a:normAutofit fontScale="90000"/>
           </a:bodyPr>
           <a:lstStyle/>
           <a:p>
@@ -13242,62 +13652,26 @@
               <a:rPr lang="fr-FR" dirty="0"/>
             </a:br>
             <a:r>
+              <a:rPr lang="fr-FR" dirty="0"/>
+              <a:t/>
+            </a:r>
+            <a:br>
+              <a:rPr lang="fr-FR" dirty="0"/>
+            </a:br>
+            <a:r>
               <a:rPr lang="fr-FR" sz="2000" dirty="0"/>
-              <a:t>Calcul du nombre de personnes présentes sur le campus</a:t>
+              <a:t>Sauvegarde des données sur la BDD</a:t>
             </a:r>
             <a:endParaRPr lang="fr-FR" dirty="0"/>
           </a:p>
         </p:txBody>
       </p:sp>
-      <p:cxnSp>
-        <p:nvCxnSpPr>
-          <p:cNvPr id="10" name="Connecteur droit avec flèche 9">
-            <a:extLst>
-              <a:ext uri="{FF2B5EF4-FFF2-40B4-BE49-F238E27FC236}">
-                <a16:creationId xmlns:a16="http://schemas.microsoft.com/office/drawing/2014/main" id="{BCBBE4CC-7174-1DF1-9D28-ADE6EBB1A954}"/>
-              </a:ext>
-            </a:extLst>
-          </p:cNvPr>
-          <p:cNvCxnSpPr>
-            <a:cxnSpLocks/>
-            <a:stCxn id="7" idx="5"/>
-            <a:endCxn id="8" idx="2"/>
-          </p:cNvCxnSpPr>
-          <p:nvPr/>
-        </p:nvCxnSpPr>
-        <p:spPr>
-          <a:xfrm>
-            <a:off x="5113881" y="1611072"/>
-            <a:ext cx="2021198" cy="2609947"/>
-          </a:xfrm>
-          <a:prstGeom prst="straightConnector1">
-            <a:avLst/>
-          </a:prstGeom>
-          <a:ln>
-            <a:tailEnd type="triangle"/>
-          </a:ln>
-        </p:spPr>
-        <p:style>
-          <a:lnRef idx="1">
-            <a:schemeClr val="accent1"/>
-          </a:lnRef>
-          <a:fillRef idx="0">
-            <a:schemeClr val="accent1"/>
-          </a:fillRef>
-          <a:effectRef idx="0">
-            <a:schemeClr val="accent1"/>
-          </a:effectRef>
-          <a:fontRef idx="minor">
-            <a:schemeClr val="tx1"/>
-          </a:fontRef>
-        </p:style>
-      </p:cxnSp>
       <p:pic>
         <p:nvPicPr>
-          <p:cNvPr id="12" name="Image 11">
-            <a:extLst>
-              <a:ext uri="{FF2B5EF4-FFF2-40B4-BE49-F238E27FC236}">
-                <a16:creationId xmlns:a16="http://schemas.microsoft.com/office/drawing/2014/main" id="{0C3AA315-0EAD-E047-AEB5-52F18513E488}"/>
+          <p:cNvPr id="4" name="Image 3">
+            <a:extLst>
+              <a:ext uri="{FF2B5EF4-FFF2-40B4-BE49-F238E27FC236}">
+                <a16:creationId xmlns:a16="http://schemas.microsoft.com/office/drawing/2014/main" id="{258EDE55-FDCB-8F40-B119-A2129570AF97}"/>
               </a:ext>
             </a:extLst>
           </p:cNvPr>
@@ -13314,174 +13688,18 @@
         </p:blipFill>
         <p:spPr>
           <a:xfrm>
-            <a:off x="478422" y="2808681"/>
-            <a:ext cx="5168321" cy="3083055"/>
+            <a:off x="0" y="2783644"/>
+            <a:ext cx="12192000" cy="1290712"/>
           </a:xfrm>
           <a:prstGeom prst="rect">
             <a:avLst/>
           </a:prstGeom>
         </p:spPr>
       </p:pic>
-      <p:pic>
-        <p:nvPicPr>
-          <p:cNvPr id="14" name="Image 13">
-            <a:extLst>
-              <a:ext uri="{FF2B5EF4-FFF2-40B4-BE49-F238E27FC236}">
-                <a16:creationId xmlns:a16="http://schemas.microsoft.com/office/drawing/2014/main" id="{1C2DCF61-27CC-59F0-DF3F-013A8BB2333D}"/>
-              </a:ext>
-            </a:extLst>
-          </p:cNvPr>
-          <p:cNvPicPr>
-            <a:picLocks noChangeAspect="1"/>
-          </p:cNvPicPr>
-          <p:nvPr/>
-        </p:nvPicPr>
-        <p:blipFill>
-          <a:blip r:embed="rId3"/>
-          <a:stretch>
-            <a:fillRect/>
-          </a:stretch>
-        </p:blipFill>
-        <p:spPr>
-          <a:xfrm>
-            <a:off x="3845216" y="196717"/>
-            <a:ext cx="8147485" cy="1427457"/>
-          </a:xfrm>
-          <a:prstGeom prst="rect">
-            <a:avLst/>
-          </a:prstGeom>
-        </p:spPr>
-      </p:pic>
-      <p:pic>
-        <p:nvPicPr>
-          <p:cNvPr id="16" name="Image 15">
-            <a:extLst>
-              <a:ext uri="{FF2B5EF4-FFF2-40B4-BE49-F238E27FC236}">
-                <a16:creationId xmlns:a16="http://schemas.microsoft.com/office/drawing/2014/main" id="{737A6A0E-7844-E9F5-8C52-AB2A4249A2EB}"/>
-              </a:ext>
-            </a:extLst>
-          </p:cNvPr>
-          <p:cNvPicPr>
-            <a:picLocks noChangeAspect="1"/>
-          </p:cNvPicPr>
-          <p:nvPr/>
-        </p:nvPicPr>
-        <p:blipFill>
-          <a:blip r:embed="rId4"/>
-          <a:stretch>
-            <a:fillRect/>
-          </a:stretch>
-        </p:blipFill>
-        <p:spPr>
-          <a:xfrm>
-            <a:off x="7135079" y="2066651"/>
-            <a:ext cx="2695575" cy="4114800"/>
-          </a:xfrm>
-          <a:prstGeom prst="rect">
-            <a:avLst/>
-          </a:prstGeom>
-        </p:spPr>
-      </p:pic>
-      <p:sp>
-        <p:nvSpPr>
-          <p:cNvPr id="8" name="Ellipse 7">
-            <a:extLst>
-              <a:ext uri="{FF2B5EF4-FFF2-40B4-BE49-F238E27FC236}">
-                <a16:creationId xmlns:a16="http://schemas.microsoft.com/office/drawing/2014/main" id="{3CB3F626-010D-43B4-7762-6B8D89B60A74}"/>
-              </a:ext>
-            </a:extLst>
-          </p:cNvPr>
-          <p:cNvSpPr/>
-          <p:nvPr/>
-        </p:nvSpPr>
-        <p:spPr>
-          <a:xfrm>
-            <a:off x="7135079" y="4082473"/>
-            <a:ext cx="1486333" cy="277092"/>
-          </a:xfrm>
-          <a:prstGeom prst="ellipse">
-            <a:avLst/>
-          </a:prstGeom>
-          <a:noFill/>
-          <a:ln w="28575"/>
-        </p:spPr>
-        <p:style>
-          <a:lnRef idx="2">
-            <a:schemeClr val="accent1">
-              <a:shade val="50000"/>
-            </a:schemeClr>
-          </a:lnRef>
-          <a:fillRef idx="1">
-            <a:schemeClr val="accent1"/>
-          </a:fillRef>
-          <a:effectRef idx="0">
-            <a:schemeClr val="accent1"/>
-          </a:effectRef>
-          <a:fontRef idx="minor">
-            <a:schemeClr val="lt1"/>
-          </a:fontRef>
-        </p:style>
-        <p:txBody>
-          <a:bodyPr rtlCol="0" anchor="ctr"/>
-          <a:lstStyle/>
-          <a:p>
-            <a:pPr algn="ctr"/>
-            <a:endParaRPr lang="fr-FR"/>
-          </a:p>
-        </p:txBody>
-      </p:sp>
-      <p:sp>
-        <p:nvSpPr>
-          <p:cNvPr id="7" name="Ellipse 6">
-            <a:extLst>
-              <a:ext uri="{FF2B5EF4-FFF2-40B4-BE49-F238E27FC236}">
-                <a16:creationId xmlns:a16="http://schemas.microsoft.com/office/drawing/2014/main" id="{B8EF9824-8F46-721E-61A3-B8C2363C965D}"/>
-              </a:ext>
-            </a:extLst>
-          </p:cNvPr>
-          <p:cNvSpPr/>
-          <p:nvPr/>
-        </p:nvSpPr>
-        <p:spPr>
-          <a:xfrm>
-            <a:off x="3845216" y="1250608"/>
-            <a:ext cx="1486333" cy="422310"/>
-          </a:xfrm>
-          <a:prstGeom prst="ellipse">
-            <a:avLst/>
-          </a:prstGeom>
-          <a:noFill/>
-          <a:ln w="28575"/>
-        </p:spPr>
-        <p:style>
-          <a:lnRef idx="2">
-            <a:schemeClr val="accent1">
-              <a:shade val="50000"/>
-            </a:schemeClr>
-          </a:lnRef>
-          <a:fillRef idx="1">
-            <a:schemeClr val="accent1"/>
-          </a:fillRef>
-          <a:effectRef idx="0">
-            <a:schemeClr val="accent1"/>
-          </a:effectRef>
-          <a:fontRef idx="minor">
-            <a:schemeClr val="lt1"/>
-          </a:fontRef>
-        </p:style>
-        <p:txBody>
-          <a:bodyPr rtlCol="0" anchor="ctr"/>
-          <a:lstStyle/>
-          <a:p>
-            <a:pPr algn="ctr"/>
-            <a:endParaRPr lang="fr-FR"/>
-          </a:p>
-        </p:txBody>
-      </p:sp>
     </p:spTree>
     <p:extLst>
       <p:ext uri="{BB962C8B-B14F-4D97-AF65-F5344CB8AC3E}">
-        <p14:creationId xmlns:p14="http://schemas.microsoft.com/office/powerpoint/2010/main" val="2032932978"/>
+        <p14:creationId xmlns:p14="http://schemas.microsoft.com/office/powerpoint/2010/main" val="903662574"/>
       </p:ext>
     </p:extLst>
   </p:cSld>
@@ -13513,7 +13731,7 @@
           <p:cNvPr id="2" name="Titre 1">
             <a:extLst>
               <a:ext uri="{FF2B5EF4-FFF2-40B4-BE49-F238E27FC236}">
-                <a16:creationId xmlns:a16="http://schemas.microsoft.com/office/drawing/2014/main" id="{DBD23F23-EF92-2EE6-EED2-24F174401B9D}"/>
+                <a16:creationId xmlns:a16="http://schemas.microsoft.com/office/drawing/2014/main" id="{1FE865AE-991B-8E6C-4958-77BCF27CB95F}"/>
               </a:ext>
             </a:extLst>
           </p:cNvPr>
@@ -13526,12 +13744,12 @@
         </p:nvSpPr>
         <p:spPr>
           <a:xfrm>
-            <a:off x="839788" y="457200"/>
-            <a:ext cx="5625180" cy="1600200"/>
-          </a:xfrm>
-        </p:spPr>
-        <p:txBody>
-          <a:bodyPr anchor="t">
+            <a:off x="177365" y="361626"/>
+            <a:ext cx="3932237" cy="1600200"/>
+          </a:xfrm>
+        </p:spPr>
+        <p:txBody>
+          <a:bodyPr>
             <a:normAutofit/>
           </a:bodyPr>
           <a:lstStyle/>
@@ -13543,256 +13761,247 @@
             <a:br>
               <a:rPr lang="fr-FR" dirty="0"/>
             </a:br>
-            <a:br>
-              <a:rPr lang="fr-FR" dirty="0"/>
-            </a:br>
             <a:r>
               <a:rPr lang="fr-FR" sz="2000" dirty="0"/>
-              <a:t>Les faiblesses</a:t>
-            </a:r>
-          </a:p>
-        </p:txBody>
-      </p:sp>
-      <p:sp>
-        <p:nvSpPr>
-          <p:cNvPr id="6" name="Espace réservé du texte 2">
-            <a:extLst>
-              <a:ext uri="{FF2B5EF4-FFF2-40B4-BE49-F238E27FC236}">
-                <a16:creationId xmlns:a16="http://schemas.microsoft.com/office/drawing/2014/main" id="{070D4B8C-89A7-65B0-892A-D27A85A3C9A2}"/>
-              </a:ext>
-            </a:extLst>
-          </p:cNvPr>
-          <p:cNvSpPr txBox="1">
-            <a:spLocks/>
-          </p:cNvSpPr>
+              <a:t>Calcul du nombre de personnes présentes sur le campus</a:t>
+            </a:r>
+            <a:endParaRPr lang="fr-FR" dirty="0"/>
+          </a:p>
+        </p:txBody>
+      </p:sp>
+      <p:cxnSp>
+        <p:nvCxnSpPr>
+          <p:cNvPr id="10" name="Connecteur droit avec flèche 9">
+            <a:extLst>
+              <a:ext uri="{FF2B5EF4-FFF2-40B4-BE49-F238E27FC236}">
+                <a16:creationId xmlns:a16="http://schemas.microsoft.com/office/drawing/2014/main" id="{BCBBE4CC-7174-1DF1-9D28-ADE6EBB1A954}"/>
+              </a:ext>
+            </a:extLst>
+          </p:cNvPr>
+          <p:cNvCxnSpPr>
+            <a:cxnSpLocks/>
+            <a:stCxn id="7" idx="5"/>
+            <a:endCxn id="8" idx="2"/>
+          </p:cNvCxnSpPr>
           <p:nvPr/>
-        </p:nvSpPr>
-        <p:spPr>
-          <a:xfrm>
-            <a:off x="839788" y="2057399"/>
-            <a:ext cx="4310946" cy="1218235"/>
+        </p:nvCxnSpPr>
+        <p:spPr>
+          <a:xfrm>
+            <a:off x="5113881" y="1611072"/>
+            <a:ext cx="2021198" cy="2609947"/>
+          </a:xfrm>
+          <a:prstGeom prst="straightConnector1">
+            <a:avLst/>
+          </a:prstGeom>
+          <a:ln>
+            <a:tailEnd type="triangle"/>
+          </a:ln>
+        </p:spPr>
+        <p:style>
+          <a:lnRef idx="1">
+            <a:schemeClr val="accent1"/>
+          </a:lnRef>
+          <a:fillRef idx="0">
+            <a:schemeClr val="accent1"/>
+          </a:fillRef>
+          <a:effectRef idx="0">
+            <a:schemeClr val="accent1"/>
+          </a:effectRef>
+          <a:fontRef idx="minor">
+            <a:schemeClr val="tx1"/>
+          </a:fontRef>
+        </p:style>
+      </p:cxnSp>
+      <p:pic>
+        <p:nvPicPr>
+          <p:cNvPr id="12" name="Image 11">
+            <a:extLst>
+              <a:ext uri="{FF2B5EF4-FFF2-40B4-BE49-F238E27FC236}">
+                <a16:creationId xmlns:a16="http://schemas.microsoft.com/office/drawing/2014/main" id="{0C3AA315-0EAD-E047-AEB5-52F18513E488}"/>
+              </a:ext>
+            </a:extLst>
+          </p:cNvPr>
+          <p:cNvPicPr>
+            <a:picLocks noChangeAspect="1"/>
+          </p:cNvPicPr>
+          <p:nvPr/>
+        </p:nvPicPr>
+        <p:blipFill>
+          <a:blip r:embed="rId2"/>
+          <a:stretch>
+            <a:fillRect/>
+          </a:stretch>
+        </p:blipFill>
+        <p:spPr>
+          <a:xfrm>
+            <a:off x="478422" y="2808681"/>
+            <a:ext cx="5168321" cy="3083055"/>
           </a:xfrm>
           <a:prstGeom prst="rect">
             <a:avLst/>
           </a:prstGeom>
         </p:spPr>
-        <p:txBody>
-          <a:bodyPr vert="horz" lIns="91440" tIns="45720" rIns="91440" bIns="45720" rtlCol="0">
-            <a:normAutofit fontScale="92500" lnSpcReduction="10000"/>
-          </a:bodyPr>
-          <a:lstStyle>
-            <a:lvl1pPr marL="0" indent="0" algn="l" defTabSz="914400" rtl="0" eaLnBrk="1" latinLnBrk="0" hangingPunct="1">
-              <a:lnSpc>
-                <a:spcPct val="90000"/>
-              </a:lnSpc>
-              <a:spcBef>
-                <a:spcPts val="1000"/>
-              </a:spcBef>
-              <a:buFont typeface="Arial" panose="020B0604020202020204" pitchFamily="34" charset="0"/>
-              <a:buNone/>
-              <a:defRPr sz="1600" kern="1200">
-                <a:solidFill>
-                  <a:schemeClr val="tx1"/>
-                </a:solidFill>
-                <a:latin typeface="+mn-lt"/>
-                <a:ea typeface="+mn-ea"/>
-                <a:cs typeface="+mn-cs"/>
-              </a:defRPr>
-            </a:lvl1pPr>
-            <a:lvl2pPr marL="457200" indent="0" algn="l" defTabSz="914400" rtl="0" eaLnBrk="1" latinLnBrk="0" hangingPunct="1">
-              <a:lnSpc>
-                <a:spcPct val="90000"/>
-              </a:lnSpc>
-              <a:spcBef>
-                <a:spcPts val="500"/>
-              </a:spcBef>
-              <a:buFont typeface="Arial" panose="020B0604020202020204" pitchFamily="34" charset="0"/>
-              <a:buNone/>
-              <a:defRPr sz="1400" kern="1200">
-                <a:solidFill>
-                  <a:schemeClr val="tx1"/>
-                </a:solidFill>
-                <a:latin typeface="+mn-lt"/>
-                <a:ea typeface="+mn-ea"/>
-                <a:cs typeface="+mn-cs"/>
-              </a:defRPr>
-            </a:lvl2pPr>
-            <a:lvl3pPr marL="914400" indent="0" algn="l" defTabSz="914400" rtl="0" eaLnBrk="1" latinLnBrk="0" hangingPunct="1">
-              <a:lnSpc>
-                <a:spcPct val="90000"/>
-              </a:lnSpc>
-              <a:spcBef>
-                <a:spcPts val="500"/>
-              </a:spcBef>
-              <a:buFont typeface="Arial" panose="020B0604020202020204" pitchFamily="34" charset="0"/>
-              <a:buNone/>
-              <a:defRPr sz="1200" kern="1200">
-                <a:solidFill>
-                  <a:schemeClr val="tx1"/>
-                </a:solidFill>
-                <a:latin typeface="+mn-lt"/>
-                <a:ea typeface="+mn-ea"/>
-                <a:cs typeface="+mn-cs"/>
-              </a:defRPr>
-            </a:lvl3pPr>
-            <a:lvl4pPr marL="1371600" indent="0" algn="l" defTabSz="914400" rtl="0" eaLnBrk="1" latinLnBrk="0" hangingPunct="1">
-              <a:lnSpc>
-                <a:spcPct val="90000"/>
-              </a:lnSpc>
-              <a:spcBef>
-                <a:spcPts val="500"/>
-              </a:spcBef>
-              <a:buFont typeface="Arial" panose="020B0604020202020204" pitchFamily="34" charset="0"/>
-              <a:buNone/>
-              <a:defRPr sz="1000" kern="1200">
-                <a:solidFill>
-                  <a:schemeClr val="tx1"/>
-                </a:solidFill>
-                <a:latin typeface="+mn-lt"/>
-                <a:ea typeface="+mn-ea"/>
-                <a:cs typeface="+mn-cs"/>
-              </a:defRPr>
-            </a:lvl4pPr>
-            <a:lvl5pPr marL="1828800" indent="0" algn="l" defTabSz="914400" rtl="0" eaLnBrk="1" latinLnBrk="0" hangingPunct="1">
-              <a:lnSpc>
-                <a:spcPct val="90000"/>
-              </a:lnSpc>
-              <a:spcBef>
-                <a:spcPts val="500"/>
-              </a:spcBef>
-              <a:buFont typeface="Arial" panose="020B0604020202020204" pitchFamily="34" charset="0"/>
-              <a:buNone/>
-              <a:defRPr sz="1000" kern="1200">
-                <a:solidFill>
-                  <a:schemeClr val="tx1"/>
-                </a:solidFill>
-                <a:latin typeface="+mn-lt"/>
-                <a:ea typeface="+mn-ea"/>
-                <a:cs typeface="+mn-cs"/>
-              </a:defRPr>
-            </a:lvl5pPr>
-            <a:lvl6pPr marL="2286000" indent="0" algn="l" defTabSz="914400" rtl="0" eaLnBrk="1" latinLnBrk="0" hangingPunct="1">
-              <a:lnSpc>
-                <a:spcPct val="90000"/>
-              </a:lnSpc>
-              <a:spcBef>
-                <a:spcPts val="500"/>
-              </a:spcBef>
-              <a:buFont typeface="Arial" panose="020B0604020202020204" pitchFamily="34" charset="0"/>
-              <a:buNone/>
-              <a:defRPr sz="1000" kern="1200">
-                <a:solidFill>
-                  <a:schemeClr val="tx1"/>
-                </a:solidFill>
-                <a:latin typeface="+mn-lt"/>
-                <a:ea typeface="+mn-ea"/>
-                <a:cs typeface="+mn-cs"/>
-              </a:defRPr>
-            </a:lvl6pPr>
-            <a:lvl7pPr marL="2743200" indent="0" algn="l" defTabSz="914400" rtl="0" eaLnBrk="1" latinLnBrk="0" hangingPunct="1">
-              <a:lnSpc>
-                <a:spcPct val="90000"/>
-              </a:lnSpc>
-              <a:spcBef>
-                <a:spcPts val="500"/>
-              </a:spcBef>
-              <a:buFont typeface="Arial" panose="020B0604020202020204" pitchFamily="34" charset="0"/>
-              <a:buNone/>
-              <a:defRPr sz="1000" kern="1200">
-                <a:solidFill>
-                  <a:schemeClr val="tx1"/>
-                </a:solidFill>
-                <a:latin typeface="+mn-lt"/>
-                <a:ea typeface="+mn-ea"/>
-                <a:cs typeface="+mn-cs"/>
-              </a:defRPr>
-            </a:lvl7pPr>
-            <a:lvl8pPr marL="3200400" indent="0" algn="l" defTabSz="914400" rtl="0" eaLnBrk="1" latinLnBrk="0" hangingPunct="1">
-              <a:lnSpc>
-                <a:spcPct val="90000"/>
-              </a:lnSpc>
-              <a:spcBef>
-                <a:spcPts val="500"/>
-              </a:spcBef>
-              <a:buFont typeface="Arial" panose="020B0604020202020204" pitchFamily="34" charset="0"/>
-              <a:buNone/>
-              <a:defRPr sz="1000" kern="1200">
-                <a:solidFill>
-                  <a:schemeClr val="tx1"/>
-                </a:solidFill>
-                <a:latin typeface="+mn-lt"/>
-                <a:ea typeface="+mn-ea"/>
-                <a:cs typeface="+mn-cs"/>
-              </a:defRPr>
-            </a:lvl8pPr>
-            <a:lvl9pPr marL="3657600" indent="0" algn="l" defTabSz="914400" rtl="0" eaLnBrk="1" latinLnBrk="0" hangingPunct="1">
-              <a:lnSpc>
-                <a:spcPct val="90000"/>
-              </a:lnSpc>
-              <a:spcBef>
-                <a:spcPts val="500"/>
-              </a:spcBef>
-              <a:buFont typeface="Arial" panose="020B0604020202020204" pitchFamily="34" charset="0"/>
-              <a:buNone/>
-              <a:defRPr sz="1000" kern="1200">
-                <a:solidFill>
-                  <a:schemeClr val="tx1"/>
-                </a:solidFill>
-                <a:latin typeface="+mn-lt"/>
-                <a:ea typeface="+mn-ea"/>
-                <a:cs typeface="+mn-cs"/>
-              </a:defRPr>
-            </a:lvl9pPr>
-          </a:lstStyle>
-          <a:p>
-            <a:pPr marL="285750" indent="-285750">
-              <a:buFont typeface="Arial" panose="020B0604020202020204" pitchFamily="34" charset="0"/>
-              <a:buChar char="•"/>
-            </a:pPr>
-            <a:r>
-              <a:rPr lang="fr-FR" dirty="0"/>
-              <a:t>Le </a:t>
-            </a:r>
-            <a:r>
-              <a:rPr lang="fr-FR" dirty="0" err="1"/>
-              <a:t>node</a:t>
-            </a:r>
-            <a:r>
-              <a:rPr lang="fr-FR" dirty="0"/>
-              <a:t> </a:t>
-            </a:r>
-            <a:r>
-              <a:rPr lang="fr-FR" dirty="0" err="1"/>
-              <a:t>red</a:t>
-            </a:r>
-            <a:r>
-              <a:rPr lang="fr-FR" dirty="0"/>
-              <a:t> arrête après un certain temps de recevoir les données RFID</a:t>
-            </a:r>
-          </a:p>
-          <a:p>
-            <a:pPr marL="285750" indent="-285750">
-              <a:buFont typeface="Arial" panose="020B0604020202020204" pitchFamily="34" charset="0"/>
-              <a:buChar char="•"/>
-            </a:pPr>
-            <a:r>
-              <a:rPr lang="fr-FR" dirty="0"/>
-              <a:t>Une personne peut badger à l’entrée et sortie du bâtiment mais plusieurs personnes peuvent passer derrière</a:t>
-            </a:r>
-          </a:p>
-          <a:p>
-            <a:pPr marL="285750" indent="-285750">
-              <a:buFont typeface="Arial" panose="020B0604020202020204" pitchFamily="34" charset="0"/>
-              <a:buChar char="•"/>
-            </a:pPr>
-            <a:endParaRPr lang="fr-FR" dirty="0"/>
+      </p:pic>
+      <p:pic>
+        <p:nvPicPr>
+          <p:cNvPr id="14" name="Image 13">
+            <a:extLst>
+              <a:ext uri="{FF2B5EF4-FFF2-40B4-BE49-F238E27FC236}">
+                <a16:creationId xmlns:a16="http://schemas.microsoft.com/office/drawing/2014/main" id="{1C2DCF61-27CC-59F0-DF3F-013A8BB2333D}"/>
+              </a:ext>
+            </a:extLst>
+          </p:cNvPr>
+          <p:cNvPicPr>
+            <a:picLocks noChangeAspect="1"/>
+          </p:cNvPicPr>
+          <p:nvPr/>
+        </p:nvPicPr>
+        <p:blipFill>
+          <a:blip r:embed="rId3"/>
+          <a:stretch>
+            <a:fillRect/>
+          </a:stretch>
+        </p:blipFill>
+        <p:spPr>
+          <a:xfrm>
+            <a:off x="3845216" y="196717"/>
+            <a:ext cx="8147485" cy="1427457"/>
+          </a:xfrm>
+          <a:prstGeom prst="rect">
+            <a:avLst/>
+          </a:prstGeom>
+        </p:spPr>
+      </p:pic>
+      <p:pic>
+        <p:nvPicPr>
+          <p:cNvPr id="16" name="Image 15">
+            <a:extLst>
+              <a:ext uri="{FF2B5EF4-FFF2-40B4-BE49-F238E27FC236}">
+                <a16:creationId xmlns:a16="http://schemas.microsoft.com/office/drawing/2014/main" id="{737A6A0E-7844-E9F5-8C52-AB2A4249A2EB}"/>
+              </a:ext>
+            </a:extLst>
+          </p:cNvPr>
+          <p:cNvPicPr>
+            <a:picLocks noChangeAspect="1"/>
+          </p:cNvPicPr>
+          <p:nvPr/>
+        </p:nvPicPr>
+        <p:blipFill>
+          <a:blip r:embed="rId4"/>
+          <a:stretch>
+            <a:fillRect/>
+          </a:stretch>
+        </p:blipFill>
+        <p:spPr>
+          <a:xfrm>
+            <a:off x="7135079" y="2066651"/>
+            <a:ext cx="2695575" cy="4114800"/>
+          </a:xfrm>
+          <a:prstGeom prst="rect">
+            <a:avLst/>
+          </a:prstGeom>
+        </p:spPr>
+      </p:pic>
+      <p:sp>
+        <p:nvSpPr>
+          <p:cNvPr id="8" name="Ellipse 7">
+            <a:extLst>
+              <a:ext uri="{FF2B5EF4-FFF2-40B4-BE49-F238E27FC236}">
+                <a16:creationId xmlns:a16="http://schemas.microsoft.com/office/drawing/2014/main" id="{3CB3F626-010D-43B4-7762-6B8D89B60A74}"/>
+              </a:ext>
+            </a:extLst>
+          </p:cNvPr>
+          <p:cNvSpPr/>
+          <p:nvPr/>
+        </p:nvSpPr>
+        <p:spPr>
+          <a:xfrm>
+            <a:off x="7135079" y="4082473"/>
+            <a:ext cx="1486333" cy="277092"/>
+          </a:xfrm>
+          <a:prstGeom prst="ellipse">
+            <a:avLst/>
+          </a:prstGeom>
+          <a:noFill/>
+          <a:ln w="28575"/>
+        </p:spPr>
+        <p:style>
+          <a:lnRef idx="2">
+            <a:schemeClr val="accent1">
+              <a:shade val="50000"/>
+            </a:schemeClr>
+          </a:lnRef>
+          <a:fillRef idx="1">
+            <a:schemeClr val="accent1"/>
+          </a:fillRef>
+          <a:effectRef idx="0">
+            <a:schemeClr val="accent1"/>
+          </a:effectRef>
+          <a:fontRef idx="minor">
+            <a:schemeClr val="lt1"/>
+          </a:fontRef>
+        </p:style>
+        <p:txBody>
+          <a:bodyPr rtlCol="0" anchor="ctr"/>
+          <a:lstStyle/>
+          <a:p>
+            <a:pPr algn="ctr"/>
+            <a:endParaRPr lang="fr-FR"/>
+          </a:p>
+        </p:txBody>
+      </p:sp>
+      <p:sp>
+        <p:nvSpPr>
+          <p:cNvPr id="7" name="Ellipse 6">
+            <a:extLst>
+              <a:ext uri="{FF2B5EF4-FFF2-40B4-BE49-F238E27FC236}">
+                <a16:creationId xmlns:a16="http://schemas.microsoft.com/office/drawing/2014/main" id="{B8EF9824-8F46-721E-61A3-B8C2363C965D}"/>
+              </a:ext>
+            </a:extLst>
+          </p:cNvPr>
+          <p:cNvSpPr/>
+          <p:nvPr/>
+        </p:nvSpPr>
+        <p:spPr>
+          <a:xfrm>
+            <a:off x="3845216" y="1250608"/>
+            <a:ext cx="1486333" cy="422310"/>
+          </a:xfrm>
+          <a:prstGeom prst="ellipse">
+            <a:avLst/>
+          </a:prstGeom>
+          <a:noFill/>
+          <a:ln w="28575"/>
+        </p:spPr>
+        <p:style>
+          <a:lnRef idx="2">
+            <a:schemeClr val="accent1">
+              <a:shade val="50000"/>
+            </a:schemeClr>
+          </a:lnRef>
+          <a:fillRef idx="1">
+            <a:schemeClr val="accent1"/>
+          </a:fillRef>
+          <a:effectRef idx="0">
+            <a:schemeClr val="accent1"/>
+          </a:effectRef>
+          <a:fontRef idx="minor">
+            <a:schemeClr val="lt1"/>
+          </a:fontRef>
+        </p:style>
+        <p:txBody>
+          <a:bodyPr rtlCol="0" anchor="ctr"/>
+          <a:lstStyle/>
+          <a:p>
+            <a:pPr algn="ctr"/>
+            <a:endParaRPr lang="fr-FR"/>
           </a:p>
         </p:txBody>
       </p:sp>
     </p:spTree>
     <p:extLst>
       <p:ext uri="{BB962C8B-B14F-4D97-AF65-F5344CB8AC3E}">
-        <p14:creationId xmlns:p14="http://schemas.microsoft.com/office/powerpoint/2010/main" val="3268416288"/>
+        <p14:creationId xmlns:p14="http://schemas.microsoft.com/office/powerpoint/2010/main" val="2032932978"/>
       </p:ext>
     </p:extLst>
   </p:cSld>
@@ -13824,7 +14033,7 @@
           <p:cNvPr id="2" name="Titre 1">
             <a:extLst>
               <a:ext uri="{FF2B5EF4-FFF2-40B4-BE49-F238E27FC236}">
-                <a16:creationId xmlns:a16="http://schemas.microsoft.com/office/drawing/2014/main" id="{1FE865AE-991B-8E6C-4958-77BCF27CB95F}"/>
+                <a16:creationId xmlns:a16="http://schemas.microsoft.com/office/drawing/2014/main" id="{DBD23F23-EF92-2EE6-EED2-24F174401B9D}"/>
               </a:ext>
             </a:extLst>
           </p:cNvPr>
@@ -13837,13 +14046,13 @@
         </p:nvSpPr>
         <p:spPr>
           <a:xfrm>
-            <a:off x="0" y="8263"/>
-            <a:ext cx="11898585" cy="1464790"/>
-          </a:xfrm>
-        </p:spPr>
-        <p:txBody>
-          <a:bodyPr>
-            <a:normAutofit fontScale="90000"/>
+            <a:off x="839788" y="457200"/>
+            <a:ext cx="5625180" cy="1600200"/>
+          </a:xfrm>
+        </p:spPr>
+        <p:txBody>
+          <a:bodyPr anchor="t">
+            <a:normAutofit/>
           </a:bodyPr>
           <a:lstStyle/>
           <a:p>
@@ -13854,51 +14063,260 @@
             <a:br>
               <a:rPr lang="fr-FR" dirty="0"/>
             </a:br>
+            <a:r>
+              <a:rPr lang="fr-FR" dirty="0"/>
+              <a:t/>
+            </a:r>
             <a:br>
               <a:rPr lang="fr-FR" dirty="0"/>
             </a:br>
             <a:r>
               <a:rPr lang="fr-FR" sz="2000" dirty="0"/>
-              <a:t>Système d’enregistrement d’une personne dans une BD et de reconnaissance pour l’accès au bâtiment et à une salle</a:t>
-            </a:r>
-            <a:endParaRPr lang="fr-FR" dirty="0"/>
-          </a:p>
-        </p:txBody>
-      </p:sp>
-      <p:pic>
-        <p:nvPicPr>
-          <p:cNvPr id="4" name="Image 3">
-            <a:extLst>
-              <a:ext uri="{FF2B5EF4-FFF2-40B4-BE49-F238E27FC236}">
-                <a16:creationId xmlns:a16="http://schemas.microsoft.com/office/drawing/2014/main" id="{214D79A7-F87C-8EF3-F4EB-84EEFE6B0894}"/>
-              </a:ext>
-            </a:extLst>
-          </p:cNvPr>
-          <p:cNvPicPr>
-            <a:picLocks noChangeAspect="1"/>
-          </p:cNvPicPr>
+              <a:t>Les faiblesses</a:t>
+            </a:r>
+          </a:p>
+        </p:txBody>
+      </p:sp>
+      <p:sp>
+        <p:nvSpPr>
+          <p:cNvPr id="6" name="Espace réservé du texte 2">
+            <a:extLst>
+              <a:ext uri="{FF2B5EF4-FFF2-40B4-BE49-F238E27FC236}">
+                <a16:creationId xmlns:a16="http://schemas.microsoft.com/office/drawing/2014/main" id="{070D4B8C-89A7-65B0-892A-D27A85A3C9A2}"/>
+              </a:ext>
+            </a:extLst>
+          </p:cNvPr>
+          <p:cNvSpPr txBox="1">
+            <a:spLocks/>
+          </p:cNvSpPr>
           <p:nvPr/>
-        </p:nvPicPr>
-        <p:blipFill>
-          <a:blip r:embed="rId2"/>
-          <a:stretch>
-            <a:fillRect/>
-          </a:stretch>
-        </p:blipFill>
-        <p:spPr>
-          <a:xfrm>
-            <a:off x="1404833" y="1622587"/>
-            <a:ext cx="9088917" cy="4687323"/>
+        </p:nvSpPr>
+        <p:spPr>
+          <a:xfrm>
+            <a:off x="839788" y="2057399"/>
+            <a:ext cx="4310946" cy="1218235"/>
           </a:xfrm>
           <a:prstGeom prst="rect">
             <a:avLst/>
           </a:prstGeom>
         </p:spPr>
-      </p:pic>
+        <p:txBody>
+          <a:bodyPr vert="horz" lIns="91440" tIns="45720" rIns="91440" bIns="45720" rtlCol="0">
+            <a:normAutofit fontScale="92500" lnSpcReduction="10000"/>
+          </a:bodyPr>
+          <a:lstStyle>
+            <a:lvl1pPr marL="0" indent="0" algn="l" defTabSz="914400" rtl="0" eaLnBrk="1" latinLnBrk="0" hangingPunct="1">
+              <a:lnSpc>
+                <a:spcPct val="90000"/>
+              </a:lnSpc>
+              <a:spcBef>
+                <a:spcPts val="1000"/>
+              </a:spcBef>
+              <a:buFont typeface="Arial" panose="020B0604020202020204" pitchFamily="34" charset="0"/>
+              <a:buNone/>
+              <a:defRPr sz="1600" kern="1200">
+                <a:solidFill>
+                  <a:schemeClr val="tx1"/>
+                </a:solidFill>
+                <a:latin typeface="+mn-lt"/>
+                <a:ea typeface="+mn-ea"/>
+                <a:cs typeface="+mn-cs"/>
+              </a:defRPr>
+            </a:lvl1pPr>
+            <a:lvl2pPr marL="457200" indent="0" algn="l" defTabSz="914400" rtl="0" eaLnBrk="1" latinLnBrk="0" hangingPunct="1">
+              <a:lnSpc>
+                <a:spcPct val="90000"/>
+              </a:lnSpc>
+              <a:spcBef>
+                <a:spcPts val="500"/>
+              </a:spcBef>
+              <a:buFont typeface="Arial" panose="020B0604020202020204" pitchFamily="34" charset="0"/>
+              <a:buNone/>
+              <a:defRPr sz="1400" kern="1200">
+                <a:solidFill>
+                  <a:schemeClr val="tx1"/>
+                </a:solidFill>
+                <a:latin typeface="+mn-lt"/>
+                <a:ea typeface="+mn-ea"/>
+                <a:cs typeface="+mn-cs"/>
+              </a:defRPr>
+            </a:lvl2pPr>
+            <a:lvl3pPr marL="914400" indent="0" algn="l" defTabSz="914400" rtl="0" eaLnBrk="1" latinLnBrk="0" hangingPunct="1">
+              <a:lnSpc>
+                <a:spcPct val="90000"/>
+              </a:lnSpc>
+              <a:spcBef>
+                <a:spcPts val="500"/>
+              </a:spcBef>
+              <a:buFont typeface="Arial" panose="020B0604020202020204" pitchFamily="34" charset="0"/>
+              <a:buNone/>
+              <a:defRPr sz="1200" kern="1200">
+                <a:solidFill>
+                  <a:schemeClr val="tx1"/>
+                </a:solidFill>
+                <a:latin typeface="+mn-lt"/>
+                <a:ea typeface="+mn-ea"/>
+                <a:cs typeface="+mn-cs"/>
+              </a:defRPr>
+            </a:lvl3pPr>
+            <a:lvl4pPr marL="1371600" indent="0" algn="l" defTabSz="914400" rtl="0" eaLnBrk="1" latinLnBrk="0" hangingPunct="1">
+              <a:lnSpc>
+                <a:spcPct val="90000"/>
+              </a:lnSpc>
+              <a:spcBef>
+                <a:spcPts val="500"/>
+              </a:spcBef>
+              <a:buFont typeface="Arial" panose="020B0604020202020204" pitchFamily="34" charset="0"/>
+              <a:buNone/>
+              <a:defRPr sz="1000" kern="1200">
+                <a:solidFill>
+                  <a:schemeClr val="tx1"/>
+                </a:solidFill>
+                <a:latin typeface="+mn-lt"/>
+                <a:ea typeface="+mn-ea"/>
+                <a:cs typeface="+mn-cs"/>
+              </a:defRPr>
+            </a:lvl4pPr>
+            <a:lvl5pPr marL="1828800" indent="0" algn="l" defTabSz="914400" rtl="0" eaLnBrk="1" latinLnBrk="0" hangingPunct="1">
+              <a:lnSpc>
+                <a:spcPct val="90000"/>
+              </a:lnSpc>
+              <a:spcBef>
+                <a:spcPts val="500"/>
+              </a:spcBef>
+              <a:buFont typeface="Arial" panose="020B0604020202020204" pitchFamily="34" charset="0"/>
+              <a:buNone/>
+              <a:defRPr sz="1000" kern="1200">
+                <a:solidFill>
+                  <a:schemeClr val="tx1"/>
+                </a:solidFill>
+                <a:latin typeface="+mn-lt"/>
+                <a:ea typeface="+mn-ea"/>
+                <a:cs typeface="+mn-cs"/>
+              </a:defRPr>
+            </a:lvl5pPr>
+            <a:lvl6pPr marL="2286000" indent="0" algn="l" defTabSz="914400" rtl="0" eaLnBrk="1" latinLnBrk="0" hangingPunct="1">
+              <a:lnSpc>
+                <a:spcPct val="90000"/>
+              </a:lnSpc>
+              <a:spcBef>
+                <a:spcPts val="500"/>
+              </a:spcBef>
+              <a:buFont typeface="Arial" panose="020B0604020202020204" pitchFamily="34" charset="0"/>
+              <a:buNone/>
+              <a:defRPr sz="1000" kern="1200">
+                <a:solidFill>
+                  <a:schemeClr val="tx1"/>
+                </a:solidFill>
+                <a:latin typeface="+mn-lt"/>
+                <a:ea typeface="+mn-ea"/>
+                <a:cs typeface="+mn-cs"/>
+              </a:defRPr>
+            </a:lvl6pPr>
+            <a:lvl7pPr marL="2743200" indent="0" algn="l" defTabSz="914400" rtl="0" eaLnBrk="1" latinLnBrk="0" hangingPunct="1">
+              <a:lnSpc>
+                <a:spcPct val="90000"/>
+              </a:lnSpc>
+              <a:spcBef>
+                <a:spcPts val="500"/>
+              </a:spcBef>
+              <a:buFont typeface="Arial" panose="020B0604020202020204" pitchFamily="34" charset="0"/>
+              <a:buNone/>
+              <a:defRPr sz="1000" kern="1200">
+                <a:solidFill>
+                  <a:schemeClr val="tx1"/>
+                </a:solidFill>
+                <a:latin typeface="+mn-lt"/>
+                <a:ea typeface="+mn-ea"/>
+                <a:cs typeface="+mn-cs"/>
+              </a:defRPr>
+            </a:lvl7pPr>
+            <a:lvl8pPr marL="3200400" indent="0" algn="l" defTabSz="914400" rtl="0" eaLnBrk="1" latinLnBrk="0" hangingPunct="1">
+              <a:lnSpc>
+                <a:spcPct val="90000"/>
+              </a:lnSpc>
+              <a:spcBef>
+                <a:spcPts val="500"/>
+              </a:spcBef>
+              <a:buFont typeface="Arial" panose="020B0604020202020204" pitchFamily="34" charset="0"/>
+              <a:buNone/>
+              <a:defRPr sz="1000" kern="1200">
+                <a:solidFill>
+                  <a:schemeClr val="tx1"/>
+                </a:solidFill>
+                <a:latin typeface="+mn-lt"/>
+                <a:ea typeface="+mn-ea"/>
+                <a:cs typeface="+mn-cs"/>
+              </a:defRPr>
+            </a:lvl8pPr>
+            <a:lvl9pPr marL="3657600" indent="0" algn="l" defTabSz="914400" rtl="0" eaLnBrk="1" latinLnBrk="0" hangingPunct="1">
+              <a:lnSpc>
+                <a:spcPct val="90000"/>
+              </a:lnSpc>
+              <a:spcBef>
+                <a:spcPts val="500"/>
+              </a:spcBef>
+              <a:buFont typeface="Arial" panose="020B0604020202020204" pitchFamily="34" charset="0"/>
+              <a:buNone/>
+              <a:defRPr sz="1000" kern="1200">
+                <a:solidFill>
+                  <a:schemeClr val="tx1"/>
+                </a:solidFill>
+                <a:latin typeface="+mn-lt"/>
+                <a:ea typeface="+mn-ea"/>
+                <a:cs typeface="+mn-cs"/>
+              </a:defRPr>
+            </a:lvl9pPr>
+          </a:lstStyle>
+          <a:p>
+            <a:pPr marL="285750" indent="-285750">
+              <a:buFont typeface="Arial" panose="020B0604020202020204" pitchFamily="34" charset="0"/>
+              <a:buChar char="•"/>
+            </a:pPr>
+            <a:r>
+              <a:rPr lang="fr-FR" dirty="0"/>
+              <a:t>Le </a:t>
+            </a:r>
+            <a:r>
+              <a:rPr lang="fr-FR" dirty="0" err="1"/>
+              <a:t>node</a:t>
+            </a:r>
+            <a:r>
+              <a:rPr lang="fr-FR" dirty="0"/>
+              <a:t> </a:t>
+            </a:r>
+            <a:r>
+              <a:rPr lang="fr-FR" dirty="0" err="1"/>
+              <a:t>red</a:t>
+            </a:r>
+            <a:r>
+              <a:rPr lang="fr-FR" dirty="0"/>
+              <a:t> arrête après un certain temps de recevoir les données RFID</a:t>
+            </a:r>
+          </a:p>
+          <a:p>
+            <a:pPr marL="285750" indent="-285750">
+              <a:buFont typeface="Arial" panose="020B0604020202020204" pitchFamily="34" charset="0"/>
+              <a:buChar char="•"/>
+            </a:pPr>
+            <a:r>
+              <a:rPr lang="fr-FR" dirty="0"/>
+              <a:t>Une personne peut badger à l’entrée et sortie du bâtiment mais plusieurs personnes peuvent passer derrière</a:t>
+            </a:r>
+          </a:p>
+          <a:p>
+            <a:pPr marL="285750" indent="-285750">
+              <a:buFont typeface="Arial" panose="020B0604020202020204" pitchFamily="34" charset="0"/>
+              <a:buChar char="•"/>
+            </a:pPr>
+            <a:endParaRPr lang="fr-FR" dirty="0"/>
+          </a:p>
+        </p:txBody>
+      </p:sp>
     </p:spTree>
     <p:extLst>
       <p:ext uri="{BB962C8B-B14F-4D97-AF65-F5344CB8AC3E}">
-        <p14:creationId xmlns:p14="http://schemas.microsoft.com/office/powerpoint/2010/main" val="620592324"/>
+        <p14:creationId xmlns:p14="http://schemas.microsoft.com/office/powerpoint/2010/main" val="3268416288"/>
       </p:ext>
     </p:extLst>
   </p:cSld>
@@ -13930,7 +14348,7 @@
           <p:cNvPr id="2" name="Titre 1">
             <a:extLst>
               <a:ext uri="{FF2B5EF4-FFF2-40B4-BE49-F238E27FC236}">
-                <a16:creationId xmlns:a16="http://schemas.microsoft.com/office/drawing/2014/main" id="{DBD23F23-EF92-2EE6-EED2-24F174401B9D}"/>
+                <a16:creationId xmlns:a16="http://schemas.microsoft.com/office/drawing/2014/main" id="{1FE865AE-991B-8E6C-4958-77BCF27CB95F}"/>
               </a:ext>
             </a:extLst>
           </p:cNvPr>
@@ -13943,70 +14361,47 @@
         </p:nvSpPr>
         <p:spPr>
           <a:xfrm>
-            <a:off x="839788" y="457200"/>
-            <a:ext cx="4654925" cy="1600200"/>
-          </a:xfrm>
-        </p:spPr>
-        <p:txBody>
-          <a:bodyPr anchor="t">
-            <a:normAutofit/>
+            <a:off x="0" y="8263"/>
+            <a:ext cx="11898585" cy="1464790"/>
+          </a:xfrm>
+        </p:spPr>
+        <p:txBody>
+          <a:bodyPr>
+            <a:normAutofit fontScale="90000"/>
           </a:bodyPr>
           <a:lstStyle/>
           <a:p>
             <a:r>
               <a:rPr lang="fr-FR" dirty="0"/>
-              <a:t>Gestion des accès à la salle</a:t>
+              <a:t>Gestion des accès au bâtiment</a:t>
             </a:r>
             <a:br>
               <a:rPr lang="fr-FR" dirty="0"/>
             </a:br>
             <a:r>
+              <a:rPr lang="fr-FR" dirty="0"/>
+              <a:t/>
+            </a:r>
+            <a:br>
+              <a:rPr lang="fr-FR" dirty="0"/>
+            </a:br>
+            <a:r>
               <a:rPr lang="fr-FR" sz="2000" dirty="0"/>
-              <a:t>Récupération des paramètres biométrique </a:t>
-            </a:r>
-            <a:r>
-              <a:rPr lang="fr-FR" dirty="0"/>
-              <a:t> </a:t>
-            </a:r>
-          </a:p>
-        </p:txBody>
-      </p:sp>
-      <p:sp>
-        <p:nvSpPr>
-          <p:cNvPr id="3" name="Espace réservé du texte 2">
-            <a:extLst>
-              <a:ext uri="{FF2B5EF4-FFF2-40B4-BE49-F238E27FC236}">
-                <a16:creationId xmlns:a16="http://schemas.microsoft.com/office/drawing/2014/main" id="{070D4B8C-89A7-65B0-892A-D27A85A3C9A2}"/>
-              </a:ext>
-            </a:extLst>
-          </p:cNvPr>
-          <p:cNvSpPr>
-            <a:spLocks noGrp="1"/>
-          </p:cNvSpPr>
-          <p:nvPr>
-            <p:ph type="body" sz="half" idx="2"/>
-          </p:nvPr>
-        </p:nvSpPr>
-        <p:spPr>
-          <a:xfrm>
-            <a:off x="839788" y="1625138"/>
-            <a:ext cx="3932237" cy="432262"/>
-          </a:xfrm>
-        </p:spPr>
-        <p:txBody>
-          <a:bodyPr/>
-          <a:lstStyle/>
-          <a:p>
-            <a:r>
-              <a:rPr lang="fr-FR" dirty="0"/>
-              <a:t>Lancement de la caméra</a:t>
-            </a:r>
+              <a:t>Système d’enregistrement d’une personne dans une BD et de reconnaissance pour l’accès au bâtiment et à une salle</a:t>
+            </a:r>
+            <a:endParaRPr lang="fr-FR" dirty="0"/>
           </a:p>
         </p:txBody>
       </p:sp>
       <p:pic>
         <p:nvPicPr>
-          <p:cNvPr id="4" name="Image 3"/>
+          <p:cNvPr id="4" name="Image 3">
+            <a:extLst>
+              <a:ext uri="{FF2B5EF4-FFF2-40B4-BE49-F238E27FC236}">
+                <a16:creationId xmlns:a16="http://schemas.microsoft.com/office/drawing/2014/main" id="{214D79A7-F87C-8EF3-F4EB-84EEFE6B0894}"/>
+              </a:ext>
+            </a:extLst>
+          </p:cNvPr>
           <p:cNvPicPr>
             <a:picLocks noChangeAspect="1"/>
           </p:cNvPicPr>
@@ -14020,32 +14415,8 @@
         </p:blipFill>
         <p:spPr>
           <a:xfrm>
-            <a:off x="681225" y="2144713"/>
-            <a:ext cx="4972050" cy="3724275"/>
-          </a:xfrm>
-          <a:prstGeom prst="rect">
-            <a:avLst/>
-          </a:prstGeom>
-        </p:spPr>
-      </p:pic>
-      <p:pic>
-        <p:nvPicPr>
-          <p:cNvPr id="6" name="Image 5"/>
-          <p:cNvPicPr>
-            <a:picLocks noChangeAspect="1"/>
-          </p:cNvPicPr>
-          <p:nvPr/>
-        </p:nvPicPr>
-        <p:blipFill>
-          <a:blip r:embed="rId3"/>
-          <a:stretch>
-            <a:fillRect/>
-          </a:stretch>
-        </p:blipFill>
-        <p:spPr>
-          <a:xfrm>
-            <a:off x="6602001" y="1251284"/>
-            <a:ext cx="4685124" cy="4876800"/>
+            <a:off x="1404833" y="1622587"/>
+            <a:ext cx="9088917" cy="4687323"/>
           </a:xfrm>
           <a:prstGeom prst="rect">
             <a:avLst/>
@@ -14055,7 +14426,7 @@
     </p:spTree>
     <p:extLst>
       <p:ext uri="{BB962C8B-B14F-4D97-AF65-F5344CB8AC3E}">
-        <p14:creationId xmlns:p14="http://schemas.microsoft.com/office/powerpoint/2010/main" val="2428980419"/>
+        <p14:creationId xmlns:p14="http://schemas.microsoft.com/office/powerpoint/2010/main" val="620592324"/>
       </p:ext>
     </p:extLst>
   </p:cSld>
@@ -14084,10 +14455,10 @@
       </p:grpSpPr>
       <p:sp>
         <p:nvSpPr>
-          <p:cNvPr id="2" name="Titre 1">
-            <a:extLst>
-              <a:ext uri="{FF2B5EF4-FFF2-40B4-BE49-F238E27FC236}">
-                <a16:creationId xmlns:a16="http://schemas.microsoft.com/office/drawing/2014/main" id="{DBD23F23-EF92-2EE6-EED2-24F174401B9D}"/>
+          <p:cNvPr id="5" name="Titre 4">
+            <a:extLst>
+              <a:ext uri="{FF2B5EF4-FFF2-40B4-BE49-F238E27FC236}">
+                <a16:creationId xmlns:a16="http://schemas.microsoft.com/office/drawing/2014/main" id="{7BC74D96-20AD-411A-6EC2-B30B1CA4C432}"/>
               </a:ext>
             </a:extLst>
           </p:cNvPr>
@@ -14098,42 +14469,36 @@
             <p:ph type="title"/>
           </p:nvPr>
         </p:nvSpPr>
-        <p:spPr>
-          <a:xfrm>
-            <a:off x="839788" y="457200"/>
-            <a:ext cx="4654925" cy="1600200"/>
-          </a:xfrm>
-        </p:spPr>
-        <p:txBody>
-          <a:bodyPr anchor="t">
-            <a:normAutofit/>
-          </a:bodyPr>
+        <p:spPr/>
+        <p:txBody>
+          <a:bodyPr/>
           <a:lstStyle/>
           <a:p>
             <a:r>
               <a:rPr lang="fr-FR" dirty="0"/>
-              <a:t>Gestion des accès à la salle</a:t>
+              <a:t>Gestion des accès </a:t>
+            </a:r>
+            <a:r>
+              <a:rPr lang="fr-FR"/>
+              <a:t>au bâtiment</a:t>
+            </a:r>
+            <a:r>
+              <a:rPr lang="fr-FR" dirty="0"/>
+              <a:t/>
             </a:r>
             <a:br>
               <a:rPr lang="fr-FR" dirty="0"/>
             </a:br>
-            <a:r>
-              <a:rPr lang="fr-FR" sz="2000" dirty="0"/>
-              <a:t>Récupération des paramètres biométrique </a:t>
-            </a:r>
-            <a:r>
-              <a:rPr lang="fr-FR" dirty="0"/>
-              <a:t> </a:t>
-            </a:r>
-          </a:p>
-        </p:txBody>
-      </p:sp>
-      <p:sp>
-        <p:nvSpPr>
-          <p:cNvPr id="3" name="Espace réservé du texte 2">
-            <a:extLst>
-              <a:ext uri="{FF2B5EF4-FFF2-40B4-BE49-F238E27FC236}">
-                <a16:creationId xmlns:a16="http://schemas.microsoft.com/office/drawing/2014/main" id="{070D4B8C-89A7-65B0-892A-D27A85A3C9A2}"/>
+            <a:endParaRPr lang="fr-FR" dirty="0"/>
+          </a:p>
+        </p:txBody>
+      </p:sp>
+      <p:sp>
+        <p:nvSpPr>
+          <p:cNvPr id="8" name="Espace réservé du numéro de diapositive 7">
+            <a:extLst>
+              <a:ext uri="{FF2B5EF4-FFF2-40B4-BE49-F238E27FC236}">
+                <a16:creationId xmlns:a16="http://schemas.microsoft.com/office/drawing/2014/main" id="{292B76D6-CD86-E9EB-1368-EC8B1C74C821}"/>
               </a:ext>
             </a:extLst>
           </p:cNvPr>
@@ -14141,78 +14506,315 @@
             <a:spLocks noGrp="1"/>
           </p:cNvSpPr>
           <p:nvPr>
-            <p:ph type="body" sz="half" idx="2"/>
+            <p:ph type="sldNum" sz="quarter" idx="4"/>
           </p:nvPr>
         </p:nvSpPr>
-        <p:spPr>
-          <a:xfrm>
-            <a:off x="839788" y="1625138"/>
-            <a:ext cx="3932237" cy="432262"/>
-          </a:xfrm>
-        </p:spPr>
+        <p:spPr/>
         <p:txBody>
           <a:bodyPr/>
           <a:lstStyle/>
           <a:p>
+            <a:pPr algn="ctr" rtl="0"/>
+            <a:fld id="{817179DE-9BF3-494C-804F-0C7C90AC8700}" type="slidenum">
+              <a:rPr lang="fr-FR" noProof="0" smtClean="0"/>
+              <a:pPr algn="ctr" rtl="0"/>
+              <a:t>24</a:t>
+            </a:fld>
+            <a:endParaRPr lang="fr-FR" noProof="0"/>
+          </a:p>
+        </p:txBody>
+      </p:sp>
+      <p:sp>
+        <p:nvSpPr>
+          <p:cNvPr id="9" name="ZoneTexte 8">
+            <a:extLst>
+              <a:ext uri="{FF2B5EF4-FFF2-40B4-BE49-F238E27FC236}">
+                <a16:creationId xmlns:a16="http://schemas.microsoft.com/office/drawing/2014/main" id="{1B95B750-151B-7F88-6A2D-8E96DD9071A3}"/>
+              </a:ext>
+            </a:extLst>
+          </p:cNvPr>
+          <p:cNvSpPr txBox="1"/>
+          <p:nvPr/>
+        </p:nvSpPr>
+        <p:spPr>
+          <a:xfrm>
+            <a:off x="566501" y="1588010"/>
+            <a:ext cx="11058998" cy="1200329"/>
+          </a:xfrm>
+          <a:prstGeom prst="rect">
+            <a:avLst/>
+          </a:prstGeom>
+          <a:noFill/>
+        </p:spPr>
+        <p:txBody>
+          <a:bodyPr wrap="square" rtlCol="0">
+            <a:spAutoFit/>
+          </a:bodyPr>
+          <a:lstStyle/>
+          <a:p>
+            <a:pPr marL="285750" indent="-285750">
+              <a:buFontTx/>
+              <a:buChar char="-"/>
+            </a:pPr>
             <a:r>
               <a:rPr lang="fr-FR" dirty="0"/>
-              <a:t>Lancement de la caméra</a:t>
-            </a:r>
+              <a:t>Objectif</a:t>
+            </a:r>
+          </a:p>
+          <a:p>
+            <a:pPr marL="285750" indent="-285750">
+              <a:buFontTx/>
+              <a:buChar char="-"/>
+            </a:pPr>
+            <a:r>
+              <a:rPr lang="fr-FR" dirty="0"/>
+              <a:t>Environnement de développement :</a:t>
+            </a:r>
+          </a:p>
+          <a:p>
+            <a:r>
+              <a:rPr lang="fr-FR" dirty="0"/>
+              <a:t> </a:t>
+            </a:r>
+          </a:p>
+          <a:p>
+            <a:endParaRPr lang="fr-FR" dirty="0"/>
           </a:p>
         </p:txBody>
       </p:sp>
       <p:pic>
         <p:nvPicPr>
-          <p:cNvPr id="4" name="Image 3"/>
+          <p:cNvPr id="12" name="Image 26">
+            <a:extLst>
+              <a:ext uri="{FF2B5EF4-FFF2-40B4-BE49-F238E27FC236}">
+                <a16:creationId xmlns:a16="http://schemas.microsoft.com/office/drawing/2014/main" id="{A1FAC33E-E0AE-0DBC-FDB2-EBA3A10B717A}"/>
+              </a:ext>
+            </a:extLst>
+          </p:cNvPr>
+          <p:cNvPicPr/>
+          <p:nvPr/>
+        </p:nvPicPr>
+        <p:blipFill>
+          <a:blip r:embed="rId2"/>
+          <a:stretch/>
+        </p:blipFill>
+        <p:spPr>
+          <a:xfrm>
+            <a:off x="566501" y="2349674"/>
+            <a:ext cx="1766880" cy="928440"/>
+          </a:xfrm>
+          <a:prstGeom prst="rect">
+            <a:avLst/>
+          </a:prstGeom>
+          <a:ln w="0">
+            <a:noFill/>
+          </a:ln>
+        </p:spPr>
+      </p:pic>
+      <p:pic>
+        <p:nvPicPr>
+          <p:cNvPr id="13" name="Image 22">
+            <a:extLst>
+              <a:ext uri="{FF2B5EF4-FFF2-40B4-BE49-F238E27FC236}">
+                <a16:creationId xmlns:a16="http://schemas.microsoft.com/office/drawing/2014/main" id="{C37B0FE5-96B9-A9EE-3CDB-584D5CCF8BD9}"/>
+              </a:ext>
+            </a:extLst>
+          </p:cNvPr>
+          <p:cNvPicPr/>
+          <p:nvPr/>
+        </p:nvPicPr>
+        <p:blipFill>
+          <a:blip r:embed="rId3"/>
+          <a:stretch/>
+        </p:blipFill>
+        <p:spPr>
+          <a:xfrm>
+            <a:off x="3093130" y="2369842"/>
+            <a:ext cx="1758960" cy="928441"/>
+          </a:xfrm>
+          <a:prstGeom prst="rect">
+            <a:avLst/>
+          </a:prstGeom>
+          <a:ln w="0">
+            <a:noFill/>
+          </a:ln>
+        </p:spPr>
+      </p:pic>
+      <p:pic>
+        <p:nvPicPr>
+          <p:cNvPr id="1026" name="Picture 2" descr="Arduino — Wikipédia">
+            <a:extLst>
+              <a:ext uri="{FF2B5EF4-FFF2-40B4-BE49-F238E27FC236}">
+                <a16:creationId xmlns:a16="http://schemas.microsoft.com/office/drawing/2014/main" id="{7BD36406-06EF-A3AB-3492-02F8636CBD6B}"/>
+              </a:ext>
+            </a:extLst>
+          </p:cNvPr>
           <p:cNvPicPr>
-            <a:picLocks noChangeAspect="1"/>
+            <a:picLocks noChangeAspect="1" noChangeArrowheads="1"/>
           </p:cNvPicPr>
           <p:nvPr/>
         </p:nvPicPr>
         <p:blipFill>
-          <a:blip r:embed="rId2"/>
+          <a:blip r:embed="rId4">
+            <a:extLst>
+              <a:ext uri="{28A0092B-C50C-407E-A947-70E740481C1C}">
+                <a14:useLocalDpi xmlns:a14="http://schemas.microsoft.com/office/drawing/2010/main" val="0"/>
+              </a:ext>
+            </a:extLst>
+          </a:blip>
+          <a:srcRect/>
           <a:stretch>
             <a:fillRect/>
           </a:stretch>
         </p:blipFill>
-        <p:spPr>
-          <a:xfrm>
-            <a:off x="681225" y="2144713"/>
-            <a:ext cx="4972050" cy="3724275"/>
+        <p:spPr bwMode="auto">
+          <a:xfrm>
+            <a:off x="6301495" y="2494094"/>
+            <a:ext cx="1223255" cy="831993"/>
           </a:xfrm>
           <a:prstGeom prst="rect">
             <a:avLst/>
           </a:prstGeom>
+          <a:noFill/>
+          <a:extLst>
+            <a:ext uri="{909E8E84-426E-40DD-AFC4-6F175D3DCCD1}">
+              <a14:hiddenFill xmlns:a14="http://schemas.microsoft.com/office/drawing/2010/main">
+                <a:solidFill>
+                  <a:srgbClr val="FFFFFF"/>
+                </a:solidFill>
+              </a14:hiddenFill>
+            </a:ext>
+          </a:extLst>
         </p:spPr>
       </p:pic>
+      <p:sp>
+        <p:nvSpPr>
+          <p:cNvPr id="2" name="ZoneTexte 1">
+            <a:extLst>
+              <a:ext uri="{FF2B5EF4-FFF2-40B4-BE49-F238E27FC236}">
+                <a16:creationId xmlns:a16="http://schemas.microsoft.com/office/drawing/2014/main" id="{BC3CE2B3-0507-C936-F454-C651BEF889EA}"/>
+              </a:ext>
+            </a:extLst>
+          </p:cNvPr>
+          <p:cNvSpPr txBox="1"/>
+          <p:nvPr/>
+        </p:nvSpPr>
+        <p:spPr>
+          <a:xfrm>
+            <a:off x="633186" y="5029200"/>
+            <a:ext cx="10992313" cy="646331"/>
+          </a:xfrm>
+          <a:prstGeom prst="rect">
+            <a:avLst/>
+          </a:prstGeom>
+          <a:noFill/>
+        </p:spPr>
+        <p:txBody>
+          <a:bodyPr wrap="square" rtlCol="0">
+            <a:spAutoFit/>
+          </a:bodyPr>
+          <a:lstStyle/>
+          <a:p>
+            <a:pPr marL="285750" indent="-285750">
+              <a:buFontTx/>
+              <a:buChar char="-"/>
+            </a:pPr>
+            <a:r>
+              <a:rPr lang="fr-FR" dirty="0"/>
+              <a:t>Technologies utilisées :</a:t>
+            </a:r>
+          </a:p>
+          <a:p>
+            <a:endParaRPr lang="fr-FR" dirty="0"/>
+          </a:p>
+        </p:txBody>
+      </p:sp>
       <p:pic>
         <p:nvPicPr>
-          <p:cNvPr id="6" name="Image 5"/>
+          <p:cNvPr id="3" name="Picture 2" descr="GitHub Logo et symbole, sens, histoire, PNG, marque"/>
           <p:cNvPicPr>
-            <a:picLocks noChangeAspect="1"/>
+            <a:picLocks noChangeAspect="1" noChangeArrowheads="1"/>
           </p:cNvPicPr>
           <p:nvPr/>
         </p:nvPicPr>
         <p:blipFill>
-          <a:blip r:embed="rId3"/>
+          <a:blip r:embed="rId5">
+            <a:extLst>
+              <a:ext uri="{28A0092B-C50C-407E-A947-70E740481C1C}">
+                <a14:useLocalDpi xmlns:a14="http://schemas.microsoft.com/office/drawing/2010/main" val="0"/>
+              </a:ext>
+            </a:extLst>
+          </a:blip>
+          <a:srcRect/>
           <a:stretch>
             <a:fillRect/>
           </a:stretch>
         </p:blipFill>
-        <p:spPr>
-          <a:xfrm>
-            <a:off x="6602001" y="1251284"/>
-            <a:ext cx="4685124" cy="4876800"/>
+        <p:spPr bwMode="auto">
+          <a:xfrm>
+            <a:off x="8772712" y="2468074"/>
+            <a:ext cx="1294385" cy="731975"/>
           </a:xfrm>
           <a:prstGeom prst="rect">
             <a:avLst/>
           </a:prstGeom>
+          <a:noFill/>
+          <a:extLst>
+            <a:ext uri="{909E8E84-426E-40DD-AFC4-6F175D3DCCD1}">
+              <a14:hiddenFill xmlns:a14="http://schemas.microsoft.com/office/drawing/2010/main">
+                <a:solidFill>
+                  <a:srgbClr val="FFFFFF"/>
+                </a:solidFill>
+              </a14:hiddenFill>
+            </a:ext>
+          </a:extLst>
+        </p:spPr>
+      </p:pic>
+      <p:pic>
+        <p:nvPicPr>
+          <p:cNvPr id="2050" name="Picture 2" descr="The Keys - Serrure connectée – Applications sur Google Play"/>
+          <p:cNvPicPr>
+            <a:picLocks noChangeAspect="1" noChangeArrowheads="1"/>
+          </p:cNvPicPr>
+          <p:nvPr/>
+        </p:nvPicPr>
+        <p:blipFill>
+          <a:blip r:embed="rId6">
+            <a:extLst>
+              <a:ext uri="{28A0092B-C50C-407E-A947-70E740481C1C}">
+                <a14:useLocalDpi xmlns:a14="http://schemas.microsoft.com/office/drawing/2010/main" val="0"/>
+              </a:ext>
+            </a:extLst>
+          </a:blip>
+          <a:srcRect/>
+          <a:stretch>
+            <a:fillRect/>
+          </a:stretch>
+        </p:blipFill>
+        <p:spPr bwMode="auto">
+          <a:xfrm>
+            <a:off x="3267765" y="4866913"/>
+            <a:ext cx="1717675" cy="1717675"/>
+          </a:xfrm>
+          <a:prstGeom prst="rect">
+            <a:avLst/>
+          </a:prstGeom>
+          <a:noFill/>
+          <a:extLst>
+            <a:ext uri="{909E8E84-426E-40DD-AFC4-6F175D3DCCD1}">
+              <a14:hiddenFill xmlns:a14="http://schemas.microsoft.com/office/drawing/2010/main">
+                <a:solidFill>
+                  <a:srgbClr val="FFFFFF"/>
+                </a:solidFill>
+              </a14:hiddenFill>
+            </a:ext>
+          </a:extLst>
         </p:spPr>
       </p:pic>
     </p:spTree>
     <p:extLst>
       <p:ext uri="{BB962C8B-B14F-4D97-AF65-F5344CB8AC3E}">
-        <p14:creationId xmlns:p14="http://schemas.microsoft.com/office/powerpoint/2010/main" val="821740354"/>
+        <p14:creationId xmlns:p14="http://schemas.microsoft.com/office/powerpoint/2010/main" val="4232128891"/>
       </p:ext>
     </p:extLst>
   </p:cSld>
@@ -14313,19 +14915,14 @@
           <a:p>
             <a:r>
               <a:rPr lang="fr-FR" dirty="0"/>
-              <a:t>Début du </a:t>
-            </a:r>
-            <a:r>
-              <a:rPr lang="fr-FR" dirty="0" err="1"/>
-              <a:t>stream</a:t>
-            </a:r>
-            <a:endParaRPr lang="fr-FR" dirty="0"/>
+              <a:t>Lancement de la caméra</a:t>
+            </a:r>
           </a:p>
         </p:txBody>
       </p:sp>
       <p:pic>
         <p:nvPicPr>
-          <p:cNvPr id="7" name="Image 6"/>
+          <p:cNvPr id="4" name="Image 3"/>
           <p:cNvPicPr>
             <a:picLocks noChangeAspect="1"/>
           </p:cNvPicPr>
@@ -14339,8 +14936,8 @@
         </p:blipFill>
         <p:spPr>
           <a:xfrm>
-            <a:off x="839788" y="2057401"/>
-            <a:ext cx="3932237" cy="4360082"/>
+            <a:off x="681225" y="2144713"/>
+            <a:ext cx="4972050" cy="3724275"/>
           </a:xfrm>
           <a:prstGeom prst="rect">
             <a:avLst/>
@@ -14349,7 +14946,7 @@
       </p:pic>
       <p:pic>
         <p:nvPicPr>
-          <p:cNvPr id="8" name="Image 7"/>
+          <p:cNvPr id="6" name="Image 5"/>
           <p:cNvPicPr>
             <a:picLocks noChangeAspect="1"/>
           </p:cNvPicPr>
@@ -14363,8 +14960,8 @@
         </p:blipFill>
         <p:spPr>
           <a:xfrm>
-            <a:off x="6304547" y="1257300"/>
-            <a:ext cx="4348413" cy="4744697"/>
+            <a:off x="6602001" y="1251284"/>
+            <a:ext cx="4685124" cy="4876800"/>
           </a:xfrm>
           <a:prstGeom prst="rect">
             <a:avLst/>
@@ -14374,7 +14971,7 @@
     </p:spTree>
     <p:extLst>
       <p:ext uri="{BB962C8B-B14F-4D97-AF65-F5344CB8AC3E}">
-        <p14:creationId xmlns:p14="http://schemas.microsoft.com/office/powerpoint/2010/main" val="2131517895"/>
+        <p14:creationId xmlns:p14="http://schemas.microsoft.com/office/powerpoint/2010/main" val="821740354"/>
       </p:ext>
     </p:extLst>
   </p:cSld>
@@ -14475,14 +15072,19 @@
           <a:p>
             <a:r>
               <a:rPr lang="fr-FR" dirty="0"/>
-              <a:t>Détection d’un visage</a:t>
-            </a:r>
+              <a:t>Début du </a:t>
+            </a:r>
+            <a:r>
+              <a:rPr lang="fr-FR" dirty="0" err="1"/>
+              <a:t>stream</a:t>
+            </a:r>
+            <a:endParaRPr lang="fr-FR" dirty="0"/>
           </a:p>
         </p:txBody>
       </p:sp>
       <p:pic>
         <p:nvPicPr>
-          <p:cNvPr id="4" name="Image 3"/>
+          <p:cNvPr id="7" name="Image 6"/>
           <p:cNvPicPr>
             <a:picLocks noChangeAspect="1"/>
           </p:cNvPicPr>
@@ -14496,8 +15098,32 @@
         </p:blipFill>
         <p:spPr>
           <a:xfrm>
-            <a:off x="839788" y="2556330"/>
-            <a:ext cx="6425470" cy="2817775"/>
+            <a:off x="839788" y="2057401"/>
+            <a:ext cx="3932237" cy="4360082"/>
+          </a:xfrm>
+          <a:prstGeom prst="rect">
+            <a:avLst/>
+          </a:prstGeom>
+        </p:spPr>
+      </p:pic>
+      <p:pic>
+        <p:nvPicPr>
+          <p:cNvPr id="8" name="Image 7"/>
+          <p:cNvPicPr>
+            <a:picLocks noChangeAspect="1"/>
+          </p:cNvPicPr>
+          <p:nvPr/>
+        </p:nvPicPr>
+        <p:blipFill>
+          <a:blip r:embed="rId3"/>
+          <a:stretch>
+            <a:fillRect/>
+          </a:stretch>
+        </p:blipFill>
+        <p:spPr>
+          <a:xfrm>
+            <a:off x="6304547" y="1257300"/>
+            <a:ext cx="4348413" cy="4744697"/>
           </a:xfrm>
           <a:prstGeom prst="rect">
             <a:avLst/>
@@ -14507,7 +15133,7 @@
     </p:spTree>
     <p:extLst>
       <p:ext uri="{BB962C8B-B14F-4D97-AF65-F5344CB8AC3E}">
-        <p14:creationId xmlns:p14="http://schemas.microsoft.com/office/powerpoint/2010/main" val="232207055"/>
+        <p14:creationId xmlns:p14="http://schemas.microsoft.com/office/powerpoint/2010/main" val="2131517895"/>
       </p:ext>
     </p:extLst>
   </p:cSld>
@@ -14553,7 +15179,7 @@
         <p:spPr>
           <a:xfrm>
             <a:off x="839788" y="457200"/>
-            <a:ext cx="5625180" cy="1600200"/>
+            <a:ext cx="4654925" cy="1600200"/>
           </a:xfrm>
         </p:spPr>
         <p:txBody>
@@ -14571,258 +15197,76 @@
             </a:br>
             <a:r>
               <a:rPr lang="fr-FR" sz="2000" dirty="0"/>
-              <a:t>Les faiblesses</a:t>
-            </a:r>
-          </a:p>
-        </p:txBody>
-      </p:sp>
-      <p:sp>
-        <p:nvSpPr>
-          <p:cNvPr id="6" name="Espace réservé du texte 2">
+              <a:t>Récupération des paramètres biométrique </a:t>
+            </a:r>
+            <a:r>
+              <a:rPr lang="fr-FR" dirty="0"/>
+              <a:t> </a:t>
+            </a:r>
+          </a:p>
+        </p:txBody>
+      </p:sp>
+      <p:sp>
+        <p:nvSpPr>
+          <p:cNvPr id="3" name="Espace réservé du texte 2">
             <a:extLst>
               <a:ext uri="{FF2B5EF4-FFF2-40B4-BE49-F238E27FC236}">
                 <a16:creationId xmlns:a16="http://schemas.microsoft.com/office/drawing/2014/main" id="{070D4B8C-89A7-65B0-892A-D27A85A3C9A2}"/>
               </a:ext>
             </a:extLst>
           </p:cNvPr>
-          <p:cNvSpPr txBox="1">
-            <a:spLocks/>
+          <p:cNvSpPr>
+            <a:spLocks noGrp="1"/>
           </p:cNvSpPr>
+          <p:nvPr>
+            <p:ph type="body" sz="half" idx="2"/>
+          </p:nvPr>
+        </p:nvSpPr>
+        <p:spPr>
+          <a:xfrm>
+            <a:off x="839788" y="1625138"/>
+            <a:ext cx="3932237" cy="432262"/>
+          </a:xfrm>
+        </p:spPr>
+        <p:txBody>
+          <a:bodyPr/>
+          <a:lstStyle/>
+          <a:p>
+            <a:r>
+              <a:rPr lang="fr-FR" dirty="0"/>
+              <a:t>Détection d’un visage</a:t>
+            </a:r>
+          </a:p>
+        </p:txBody>
+      </p:sp>
+      <p:pic>
+        <p:nvPicPr>
+          <p:cNvPr id="4" name="Image 3"/>
+          <p:cNvPicPr>
+            <a:picLocks noChangeAspect="1"/>
+          </p:cNvPicPr>
           <p:nvPr/>
-        </p:nvSpPr>
-        <p:spPr>
-          <a:xfrm>
-            <a:off x="839788" y="2057400"/>
-            <a:ext cx="3932237" cy="3811588"/>
+        </p:nvPicPr>
+        <p:blipFill>
+          <a:blip r:embed="rId2"/>
+          <a:stretch>
+            <a:fillRect/>
+          </a:stretch>
+        </p:blipFill>
+        <p:spPr>
+          <a:xfrm>
+            <a:off x="839788" y="2556330"/>
+            <a:ext cx="6425470" cy="2817775"/>
           </a:xfrm>
           <a:prstGeom prst="rect">
             <a:avLst/>
           </a:prstGeom>
         </p:spPr>
-        <p:txBody>
-          <a:bodyPr vert="horz" lIns="91440" tIns="45720" rIns="91440" bIns="45720" rtlCol="0">
-            <a:normAutofit/>
-          </a:bodyPr>
-          <a:lstStyle>
-            <a:lvl1pPr marL="0" indent="0" algn="l" defTabSz="914400" rtl="0" eaLnBrk="1" latinLnBrk="0" hangingPunct="1">
-              <a:lnSpc>
-                <a:spcPct val="90000"/>
-              </a:lnSpc>
-              <a:spcBef>
-                <a:spcPts val="1000"/>
-              </a:spcBef>
-              <a:buFont typeface="Arial" panose="020B0604020202020204" pitchFamily="34" charset="0"/>
-              <a:buNone/>
-              <a:defRPr sz="1600" kern="1200">
-                <a:solidFill>
-                  <a:schemeClr val="tx1"/>
-                </a:solidFill>
-                <a:latin typeface="+mn-lt"/>
-                <a:ea typeface="+mn-ea"/>
-                <a:cs typeface="+mn-cs"/>
-              </a:defRPr>
-            </a:lvl1pPr>
-            <a:lvl2pPr marL="457200" indent="0" algn="l" defTabSz="914400" rtl="0" eaLnBrk="1" latinLnBrk="0" hangingPunct="1">
-              <a:lnSpc>
-                <a:spcPct val="90000"/>
-              </a:lnSpc>
-              <a:spcBef>
-                <a:spcPts val="500"/>
-              </a:spcBef>
-              <a:buFont typeface="Arial" panose="020B0604020202020204" pitchFamily="34" charset="0"/>
-              <a:buNone/>
-              <a:defRPr sz="1400" kern="1200">
-                <a:solidFill>
-                  <a:schemeClr val="tx1"/>
-                </a:solidFill>
-                <a:latin typeface="+mn-lt"/>
-                <a:ea typeface="+mn-ea"/>
-                <a:cs typeface="+mn-cs"/>
-              </a:defRPr>
-            </a:lvl2pPr>
-            <a:lvl3pPr marL="914400" indent="0" algn="l" defTabSz="914400" rtl="0" eaLnBrk="1" latinLnBrk="0" hangingPunct="1">
-              <a:lnSpc>
-                <a:spcPct val="90000"/>
-              </a:lnSpc>
-              <a:spcBef>
-                <a:spcPts val="500"/>
-              </a:spcBef>
-              <a:buFont typeface="Arial" panose="020B0604020202020204" pitchFamily="34" charset="0"/>
-              <a:buNone/>
-              <a:defRPr sz="1200" kern="1200">
-                <a:solidFill>
-                  <a:schemeClr val="tx1"/>
-                </a:solidFill>
-                <a:latin typeface="+mn-lt"/>
-                <a:ea typeface="+mn-ea"/>
-                <a:cs typeface="+mn-cs"/>
-              </a:defRPr>
-            </a:lvl3pPr>
-            <a:lvl4pPr marL="1371600" indent="0" algn="l" defTabSz="914400" rtl="0" eaLnBrk="1" latinLnBrk="0" hangingPunct="1">
-              <a:lnSpc>
-                <a:spcPct val="90000"/>
-              </a:lnSpc>
-              <a:spcBef>
-                <a:spcPts val="500"/>
-              </a:spcBef>
-              <a:buFont typeface="Arial" panose="020B0604020202020204" pitchFamily="34" charset="0"/>
-              <a:buNone/>
-              <a:defRPr sz="1000" kern="1200">
-                <a:solidFill>
-                  <a:schemeClr val="tx1"/>
-                </a:solidFill>
-                <a:latin typeface="+mn-lt"/>
-                <a:ea typeface="+mn-ea"/>
-                <a:cs typeface="+mn-cs"/>
-              </a:defRPr>
-            </a:lvl4pPr>
-            <a:lvl5pPr marL="1828800" indent="0" algn="l" defTabSz="914400" rtl="0" eaLnBrk="1" latinLnBrk="0" hangingPunct="1">
-              <a:lnSpc>
-                <a:spcPct val="90000"/>
-              </a:lnSpc>
-              <a:spcBef>
-                <a:spcPts val="500"/>
-              </a:spcBef>
-              <a:buFont typeface="Arial" panose="020B0604020202020204" pitchFamily="34" charset="0"/>
-              <a:buNone/>
-              <a:defRPr sz="1000" kern="1200">
-                <a:solidFill>
-                  <a:schemeClr val="tx1"/>
-                </a:solidFill>
-                <a:latin typeface="+mn-lt"/>
-                <a:ea typeface="+mn-ea"/>
-                <a:cs typeface="+mn-cs"/>
-              </a:defRPr>
-            </a:lvl5pPr>
-            <a:lvl6pPr marL="2286000" indent="0" algn="l" defTabSz="914400" rtl="0" eaLnBrk="1" latinLnBrk="0" hangingPunct="1">
-              <a:lnSpc>
-                <a:spcPct val="90000"/>
-              </a:lnSpc>
-              <a:spcBef>
-                <a:spcPts val="500"/>
-              </a:spcBef>
-              <a:buFont typeface="Arial" panose="020B0604020202020204" pitchFamily="34" charset="0"/>
-              <a:buNone/>
-              <a:defRPr sz="1000" kern="1200">
-                <a:solidFill>
-                  <a:schemeClr val="tx1"/>
-                </a:solidFill>
-                <a:latin typeface="+mn-lt"/>
-                <a:ea typeface="+mn-ea"/>
-                <a:cs typeface="+mn-cs"/>
-              </a:defRPr>
-            </a:lvl6pPr>
-            <a:lvl7pPr marL="2743200" indent="0" algn="l" defTabSz="914400" rtl="0" eaLnBrk="1" latinLnBrk="0" hangingPunct="1">
-              <a:lnSpc>
-                <a:spcPct val="90000"/>
-              </a:lnSpc>
-              <a:spcBef>
-                <a:spcPts val="500"/>
-              </a:spcBef>
-              <a:buFont typeface="Arial" panose="020B0604020202020204" pitchFamily="34" charset="0"/>
-              <a:buNone/>
-              <a:defRPr sz="1000" kern="1200">
-                <a:solidFill>
-                  <a:schemeClr val="tx1"/>
-                </a:solidFill>
-                <a:latin typeface="+mn-lt"/>
-                <a:ea typeface="+mn-ea"/>
-                <a:cs typeface="+mn-cs"/>
-              </a:defRPr>
-            </a:lvl7pPr>
-            <a:lvl8pPr marL="3200400" indent="0" algn="l" defTabSz="914400" rtl="0" eaLnBrk="1" latinLnBrk="0" hangingPunct="1">
-              <a:lnSpc>
-                <a:spcPct val="90000"/>
-              </a:lnSpc>
-              <a:spcBef>
-                <a:spcPts val="500"/>
-              </a:spcBef>
-              <a:buFont typeface="Arial" panose="020B0604020202020204" pitchFamily="34" charset="0"/>
-              <a:buNone/>
-              <a:defRPr sz="1000" kern="1200">
-                <a:solidFill>
-                  <a:schemeClr val="tx1"/>
-                </a:solidFill>
-                <a:latin typeface="+mn-lt"/>
-                <a:ea typeface="+mn-ea"/>
-                <a:cs typeface="+mn-cs"/>
-              </a:defRPr>
-            </a:lvl8pPr>
-            <a:lvl9pPr marL="3657600" indent="0" algn="l" defTabSz="914400" rtl="0" eaLnBrk="1" latinLnBrk="0" hangingPunct="1">
-              <a:lnSpc>
-                <a:spcPct val="90000"/>
-              </a:lnSpc>
-              <a:spcBef>
-                <a:spcPts val="500"/>
-              </a:spcBef>
-              <a:buFont typeface="Arial" panose="020B0604020202020204" pitchFamily="34" charset="0"/>
-              <a:buNone/>
-              <a:defRPr sz="1000" kern="1200">
-                <a:solidFill>
-                  <a:schemeClr val="tx1"/>
-                </a:solidFill>
-                <a:latin typeface="+mn-lt"/>
-                <a:ea typeface="+mn-ea"/>
-                <a:cs typeface="+mn-cs"/>
-              </a:defRPr>
-            </a:lvl9pPr>
-          </a:lstStyle>
-          <a:p>
-            <a:pPr marL="285750" indent="-285750">
-              <a:buFont typeface="Arial" panose="020B0604020202020204" pitchFamily="34" charset="0"/>
-              <a:buChar char="•"/>
-            </a:pPr>
-            <a:r>
-              <a:rPr lang="fr-FR" dirty="0"/>
-              <a:t>Le </a:t>
-            </a:r>
-            <a:r>
-              <a:rPr lang="fr-FR" dirty="0" err="1"/>
-              <a:t>stream</a:t>
-            </a:r>
-            <a:r>
-              <a:rPr lang="fr-FR" dirty="0"/>
-              <a:t> </a:t>
-            </a:r>
-            <a:r>
-              <a:rPr lang="fr-FR" dirty="0" err="1"/>
-              <a:t>freeze</a:t>
-            </a:r>
-            <a:r>
-              <a:rPr lang="fr-FR" dirty="0"/>
-              <a:t> lorsque qu’un visage est détecté </a:t>
-            </a:r>
-          </a:p>
-          <a:p>
-            <a:pPr marL="285750" indent="-285750">
-              <a:buFont typeface="Arial" panose="020B0604020202020204" pitchFamily="34" charset="0"/>
-              <a:buChar char="•"/>
-            </a:pPr>
-            <a:r>
-              <a:rPr lang="fr-FR" dirty="0"/>
-              <a:t>Impossibilité d’enregistrer un visage</a:t>
-            </a:r>
-          </a:p>
-          <a:p>
-            <a:pPr marL="285750" indent="-285750">
-              <a:buFont typeface="Arial" panose="020B0604020202020204" pitchFamily="34" charset="0"/>
-              <a:buChar char="•"/>
-            </a:pPr>
-            <a:endParaRPr lang="fr-FR" dirty="0"/>
-          </a:p>
-          <a:p>
-            <a:pPr marL="285750" indent="-285750">
-              <a:buFont typeface="Arial" panose="020B0604020202020204" pitchFamily="34" charset="0"/>
-              <a:buChar char="•"/>
-            </a:pPr>
-            <a:endParaRPr lang="fr-FR" dirty="0"/>
-          </a:p>
-        </p:txBody>
-      </p:sp>
+      </p:pic>
     </p:spTree>
     <p:extLst>
       <p:ext uri="{BB962C8B-B14F-4D97-AF65-F5344CB8AC3E}">
-        <p14:creationId xmlns:p14="http://schemas.microsoft.com/office/powerpoint/2010/main" val="3977045273"/>
+        <p14:creationId xmlns:p14="http://schemas.microsoft.com/office/powerpoint/2010/main" val="232207055"/>
       </p:ext>
     </p:extLst>
   </p:cSld>
@@ -14849,6 +15293,321 @@
           <a:chExt cx="0" cy="0"/>
         </a:xfrm>
       </p:grpSpPr>
+      <p:sp>
+        <p:nvSpPr>
+          <p:cNvPr id="2" name="Titre 1">
+            <a:extLst>
+              <a:ext uri="{FF2B5EF4-FFF2-40B4-BE49-F238E27FC236}">
+                <a16:creationId xmlns:a16="http://schemas.microsoft.com/office/drawing/2014/main" id="{DBD23F23-EF92-2EE6-EED2-24F174401B9D}"/>
+              </a:ext>
+            </a:extLst>
+          </p:cNvPr>
+          <p:cNvSpPr>
+            <a:spLocks noGrp="1"/>
+          </p:cNvSpPr>
+          <p:nvPr>
+            <p:ph type="title"/>
+          </p:nvPr>
+        </p:nvSpPr>
+        <p:spPr>
+          <a:xfrm>
+            <a:off x="839788" y="457200"/>
+            <a:ext cx="5625180" cy="1600200"/>
+          </a:xfrm>
+        </p:spPr>
+        <p:txBody>
+          <a:bodyPr anchor="t">
+            <a:normAutofit/>
+          </a:bodyPr>
+          <a:lstStyle/>
+          <a:p>
+            <a:r>
+              <a:rPr lang="fr-FR" dirty="0"/>
+              <a:t>Gestion des accès à la salle</a:t>
+            </a:r>
+            <a:br>
+              <a:rPr lang="fr-FR" dirty="0"/>
+            </a:br>
+            <a:r>
+              <a:rPr lang="fr-FR" sz="2000" dirty="0"/>
+              <a:t>Les faiblesses</a:t>
+            </a:r>
+          </a:p>
+        </p:txBody>
+      </p:sp>
+      <p:sp>
+        <p:nvSpPr>
+          <p:cNvPr id="6" name="Espace réservé du texte 2">
+            <a:extLst>
+              <a:ext uri="{FF2B5EF4-FFF2-40B4-BE49-F238E27FC236}">
+                <a16:creationId xmlns:a16="http://schemas.microsoft.com/office/drawing/2014/main" id="{070D4B8C-89A7-65B0-892A-D27A85A3C9A2}"/>
+              </a:ext>
+            </a:extLst>
+          </p:cNvPr>
+          <p:cNvSpPr txBox="1">
+            <a:spLocks/>
+          </p:cNvSpPr>
+          <p:nvPr/>
+        </p:nvSpPr>
+        <p:spPr>
+          <a:xfrm>
+            <a:off x="839788" y="2057400"/>
+            <a:ext cx="3932237" cy="3811588"/>
+          </a:xfrm>
+          <a:prstGeom prst="rect">
+            <a:avLst/>
+          </a:prstGeom>
+        </p:spPr>
+        <p:txBody>
+          <a:bodyPr vert="horz" lIns="91440" tIns="45720" rIns="91440" bIns="45720" rtlCol="0">
+            <a:normAutofit/>
+          </a:bodyPr>
+          <a:lstStyle>
+            <a:lvl1pPr marL="0" indent="0" algn="l" defTabSz="914400" rtl="0" eaLnBrk="1" latinLnBrk="0" hangingPunct="1">
+              <a:lnSpc>
+                <a:spcPct val="90000"/>
+              </a:lnSpc>
+              <a:spcBef>
+                <a:spcPts val="1000"/>
+              </a:spcBef>
+              <a:buFont typeface="Arial" panose="020B0604020202020204" pitchFamily="34" charset="0"/>
+              <a:buNone/>
+              <a:defRPr sz="1600" kern="1200">
+                <a:solidFill>
+                  <a:schemeClr val="tx1"/>
+                </a:solidFill>
+                <a:latin typeface="+mn-lt"/>
+                <a:ea typeface="+mn-ea"/>
+                <a:cs typeface="+mn-cs"/>
+              </a:defRPr>
+            </a:lvl1pPr>
+            <a:lvl2pPr marL="457200" indent="0" algn="l" defTabSz="914400" rtl="0" eaLnBrk="1" latinLnBrk="0" hangingPunct="1">
+              <a:lnSpc>
+                <a:spcPct val="90000"/>
+              </a:lnSpc>
+              <a:spcBef>
+                <a:spcPts val="500"/>
+              </a:spcBef>
+              <a:buFont typeface="Arial" panose="020B0604020202020204" pitchFamily="34" charset="0"/>
+              <a:buNone/>
+              <a:defRPr sz="1400" kern="1200">
+                <a:solidFill>
+                  <a:schemeClr val="tx1"/>
+                </a:solidFill>
+                <a:latin typeface="+mn-lt"/>
+                <a:ea typeface="+mn-ea"/>
+                <a:cs typeface="+mn-cs"/>
+              </a:defRPr>
+            </a:lvl2pPr>
+            <a:lvl3pPr marL="914400" indent="0" algn="l" defTabSz="914400" rtl="0" eaLnBrk="1" latinLnBrk="0" hangingPunct="1">
+              <a:lnSpc>
+                <a:spcPct val="90000"/>
+              </a:lnSpc>
+              <a:spcBef>
+                <a:spcPts val="500"/>
+              </a:spcBef>
+              <a:buFont typeface="Arial" panose="020B0604020202020204" pitchFamily="34" charset="0"/>
+              <a:buNone/>
+              <a:defRPr sz="1200" kern="1200">
+                <a:solidFill>
+                  <a:schemeClr val="tx1"/>
+                </a:solidFill>
+                <a:latin typeface="+mn-lt"/>
+                <a:ea typeface="+mn-ea"/>
+                <a:cs typeface="+mn-cs"/>
+              </a:defRPr>
+            </a:lvl3pPr>
+            <a:lvl4pPr marL="1371600" indent="0" algn="l" defTabSz="914400" rtl="0" eaLnBrk="1" latinLnBrk="0" hangingPunct="1">
+              <a:lnSpc>
+                <a:spcPct val="90000"/>
+              </a:lnSpc>
+              <a:spcBef>
+                <a:spcPts val="500"/>
+              </a:spcBef>
+              <a:buFont typeface="Arial" panose="020B0604020202020204" pitchFamily="34" charset="0"/>
+              <a:buNone/>
+              <a:defRPr sz="1000" kern="1200">
+                <a:solidFill>
+                  <a:schemeClr val="tx1"/>
+                </a:solidFill>
+                <a:latin typeface="+mn-lt"/>
+                <a:ea typeface="+mn-ea"/>
+                <a:cs typeface="+mn-cs"/>
+              </a:defRPr>
+            </a:lvl4pPr>
+            <a:lvl5pPr marL="1828800" indent="0" algn="l" defTabSz="914400" rtl="0" eaLnBrk="1" latinLnBrk="0" hangingPunct="1">
+              <a:lnSpc>
+                <a:spcPct val="90000"/>
+              </a:lnSpc>
+              <a:spcBef>
+                <a:spcPts val="500"/>
+              </a:spcBef>
+              <a:buFont typeface="Arial" panose="020B0604020202020204" pitchFamily="34" charset="0"/>
+              <a:buNone/>
+              <a:defRPr sz="1000" kern="1200">
+                <a:solidFill>
+                  <a:schemeClr val="tx1"/>
+                </a:solidFill>
+                <a:latin typeface="+mn-lt"/>
+                <a:ea typeface="+mn-ea"/>
+                <a:cs typeface="+mn-cs"/>
+              </a:defRPr>
+            </a:lvl5pPr>
+            <a:lvl6pPr marL="2286000" indent="0" algn="l" defTabSz="914400" rtl="0" eaLnBrk="1" latinLnBrk="0" hangingPunct="1">
+              <a:lnSpc>
+                <a:spcPct val="90000"/>
+              </a:lnSpc>
+              <a:spcBef>
+                <a:spcPts val="500"/>
+              </a:spcBef>
+              <a:buFont typeface="Arial" panose="020B0604020202020204" pitchFamily="34" charset="0"/>
+              <a:buNone/>
+              <a:defRPr sz="1000" kern="1200">
+                <a:solidFill>
+                  <a:schemeClr val="tx1"/>
+                </a:solidFill>
+                <a:latin typeface="+mn-lt"/>
+                <a:ea typeface="+mn-ea"/>
+                <a:cs typeface="+mn-cs"/>
+              </a:defRPr>
+            </a:lvl6pPr>
+            <a:lvl7pPr marL="2743200" indent="0" algn="l" defTabSz="914400" rtl="0" eaLnBrk="1" latinLnBrk="0" hangingPunct="1">
+              <a:lnSpc>
+                <a:spcPct val="90000"/>
+              </a:lnSpc>
+              <a:spcBef>
+                <a:spcPts val="500"/>
+              </a:spcBef>
+              <a:buFont typeface="Arial" panose="020B0604020202020204" pitchFamily="34" charset="0"/>
+              <a:buNone/>
+              <a:defRPr sz="1000" kern="1200">
+                <a:solidFill>
+                  <a:schemeClr val="tx1"/>
+                </a:solidFill>
+                <a:latin typeface="+mn-lt"/>
+                <a:ea typeface="+mn-ea"/>
+                <a:cs typeface="+mn-cs"/>
+              </a:defRPr>
+            </a:lvl7pPr>
+            <a:lvl8pPr marL="3200400" indent="0" algn="l" defTabSz="914400" rtl="0" eaLnBrk="1" latinLnBrk="0" hangingPunct="1">
+              <a:lnSpc>
+                <a:spcPct val="90000"/>
+              </a:lnSpc>
+              <a:spcBef>
+                <a:spcPts val="500"/>
+              </a:spcBef>
+              <a:buFont typeface="Arial" panose="020B0604020202020204" pitchFamily="34" charset="0"/>
+              <a:buNone/>
+              <a:defRPr sz="1000" kern="1200">
+                <a:solidFill>
+                  <a:schemeClr val="tx1"/>
+                </a:solidFill>
+                <a:latin typeface="+mn-lt"/>
+                <a:ea typeface="+mn-ea"/>
+                <a:cs typeface="+mn-cs"/>
+              </a:defRPr>
+            </a:lvl8pPr>
+            <a:lvl9pPr marL="3657600" indent="0" algn="l" defTabSz="914400" rtl="0" eaLnBrk="1" latinLnBrk="0" hangingPunct="1">
+              <a:lnSpc>
+                <a:spcPct val="90000"/>
+              </a:lnSpc>
+              <a:spcBef>
+                <a:spcPts val="500"/>
+              </a:spcBef>
+              <a:buFont typeface="Arial" panose="020B0604020202020204" pitchFamily="34" charset="0"/>
+              <a:buNone/>
+              <a:defRPr sz="1000" kern="1200">
+                <a:solidFill>
+                  <a:schemeClr val="tx1"/>
+                </a:solidFill>
+                <a:latin typeface="+mn-lt"/>
+                <a:ea typeface="+mn-ea"/>
+                <a:cs typeface="+mn-cs"/>
+              </a:defRPr>
+            </a:lvl9pPr>
+          </a:lstStyle>
+          <a:p>
+            <a:pPr marL="285750" indent="-285750">
+              <a:buFont typeface="Arial" panose="020B0604020202020204" pitchFamily="34" charset="0"/>
+              <a:buChar char="•"/>
+            </a:pPr>
+            <a:r>
+              <a:rPr lang="fr-FR" dirty="0"/>
+              <a:t>Le </a:t>
+            </a:r>
+            <a:r>
+              <a:rPr lang="fr-FR" dirty="0" err="1"/>
+              <a:t>stream</a:t>
+            </a:r>
+            <a:r>
+              <a:rPr lang="fr-FR" dirty="0"/>
+              <a:t> </a:t>
+            </a:r>
+            <a:r>
+              <a:rPr lang="fr-FR" dirty="0" err="1"/>
+              <a:t>freeze</a:t>
+            </a:r>
+            <a:r>
+              <a:rPr lang="fr-FR" dirty="0"/>
+              <a:t> lorsque qu’un visage est détecté </a:t>
+            </a:r>
+          </a:p>
+          <a:p>
+            <a:pPr marL="285750" indent="-285750">
+              <a:buFont typeface="Arial" panose="020B0604020202020204" pitchFamily="34" charset="0"/>
+              <a:buChar char="•"/>
+            </a:pPr>
+            <a:r>
+              <a:rPr lang="fr-FR" dirty="0"/>
+              <a:t>Impossibilité d’enregistrer un visage</a:t>
+            </a:r>
+          </a:p>
+          <a:p>
+            <a:pPr marL="285750" indent="-285750">
+              <a:buFont typeface="Arial" panose="020B0604020202020204" pitchFamily="34" charset="0"/>
+              <a:buChar char="•"/>
+            </a:pPr>
+            <a:endParaRPr lang="fr-FR" dirty="0"/>
+          </a:p>
+          <a:p>
+            <a:pPr marL="285750" indent="-285750">
+              <a:buFont typeface="Arial" panose="020B0604020202020204" pitchFamily="34" charset="0"/>
+              <a:buChar char="•"/>
+            </a:pPr>
+            <a:endParaRPr lang="fr-FR" dirty="0"/>
+          </a:p>
+        </p:txBody>
+      </p:sp>
+    </p:spTree>
+    <p:extLst>
+      <p:ext uri="{BB962C8B-B14F-4D97-AF65-F5344CB8AC3E}">
+        <p14:creationId xmlns:p14="http://schemas.microsoft.com/office/powerpoint/2010/main" val="3977045273"/>
+      </p:ext>
+    </p:extLst>
+  </p:cSld>
+  <p:clrMapOvr>
+    <a:masterClrMapping/>
+  </p:clrMapOvr>
+</p:sld>
+</file>
+
+<file path=ppt/slides/slide29.xml><?xml version="1.0" encoding="utf-8"?>
+<p:sld xmlns:a="http://schemas.openxmlformats.org/drawingml/2006/main" xmlns:r="http://schemas.openxmlformats.org/officeDocument/2006/relationships" xmlns:p="http://schemas.openxmlformats.org/presentationml/2006/main">
+  <p:cSld>
+    <p:spTree>
+      <p:nvGrpSpPr>
+        <p:cNvPr id="1" name=""/>
+        <p:cNvGrpSpPr/>
+        <p:nvPr/>
+      </p:nvGrpSpPr>
+      <p:grpSpPr>
+        <a:xfrm>
+          <a:off x="0" y="0"/>
+          <a:ext cx="0" cy="0"/>
+          <a:chOff x="0" y="0"/>
+          <a:chExt cx="0" cy="0"/>
+        </a:xfrm>
+      </p:grpSpPr>
       <p:pic>
         <p:nvPicPr>
           <p:cNvPr id="6" name="Espace réservé d’image 5" descr="Un groupe de personnes assises autour d’une table en bois&#10;">
@@ -14891,7 +15650,7 @@
                 <a16:creationId xmlns:a16="http://schemas.microsoft.com/office/drawing/2014/main" id="{31664CF3-C0D1-4769-8E59-8694AF07951A}"/>
               </a:ext>
               <a:ext uri="{C183D7F6-B498-43B3-948B-1728B52AA6E4}">
-                <adec:decorative xmlns:adec="http://schemas.microsoft.com/office/drawing/2017/decorative" val="1"/>
+                <adec:decorative xmlns:adec="http://schemas.microsoft.com/office/drawing/2017/decorative" xmlns="" val="1"/>
               </a:ext>
             </a:extLst>
           </p:cNvPr>
@@ -14948,7 +15707,7 @@
                 <a16:creationId xmlns:a16="http://schemas.microsoft.com/office/drawing/2014/main" id="{F5325EDA-7343-463C-83EC-5D799E8B8195}"/>
               </a:ext>
               <a:ext uri="{C183D7F6-B498-43B3-948B-1728B52AA6E4}">
-                <adec:decorative xmlns:adec="http://schemas.microsoft.com/office/drawing/2017/decorative" val="1"/>
+                <adec:decorative xmlns:adec="http://schemas.microsoft.com/office/drawing/2017/decorative" xmlns="" val="1"/>
               </a:ext>
             </a:extLst>
           </p:cNvPr>
@@ -15505,7 +16264,7 @@
             <a:fld id="{817179DE-9BF3-494C-804F-0C7C90AC8700}" type="slidenum">
               <a:rPr lang="fr-FR" noProof="0" smtClean="0"/>
               <a:pPr algn="ctr" rtl="0"/>
-              <a:t>28</a:t>
+              <a:t>29</a:t>
             </a:fld>
             <a:endParaRPr lang="fr-FR" noProof="0"/>
           </a:p>
@@ -15577,7 +16336,7 @@
                 <a16:creationId xmlns:a16="http://schemas.microsoft.com/office/drawing/2014/main" id="{AB025618-C830-4992-9CD3-D9E49BC79E67}"/>
               </a:ext>
               <a:ext uri="{C183D7F6-B498-43B3-948B-1728B52AA6E4}">
-                <adec:decorative xmlns:adec="http://schemas.microsoft.com/office/drawing/2017/decorative" val="1"/>
+                <adec:decorative xmlns:adec="http://schemas.microsoft.com/office/drawing/2017/decorative" xmlns="" val="1"/>
               </a:ext>
             </a:extLst>
           </p:cNvPr>
@@ -15804,7 +16563,7 @@
           <a:blip r:embed="rId4">
             <a:extLst>
               <a:ext uri="{96DAC541-7B7A-43D3-8B79-37D633B846F1}">
-                <asvg:svgBlip xmlns:asvg="http://schemas.microsoft.com/office/drawing/2016/SVG/main" r:embed="rId5"/>
+                <asvg:svgBlip xmlns:asvg="http://schemas.microsoft.com/office/drawing/2016/SVG/main" xmlns="" r:embed="rId5"/>
               </a:ext>
             </a:extLst>
           </a:blip>
@@ -15904,7 +16663,7 @@
           <a:blip r:embed="rId6">
             <a:extLst>
               <a:ext uri="{96DAC541-7B7A-43D3-8B79-37D633B846F1}">
-                <asvg:svgBlip xmlns:asvg="http://schemas.microsoft.com/office/drawing/2016/SVG/main" r:embed="rId7"/>
+                <asvg:svgBlip xmlns:asvg="http://schemas.microsoft.com/office/drawing/2016/SVG/main" xmlns="" r:embed="rId7"/>
               </a:ext>
             </a:extLst>
           </a:blip>
@@ -15926,7 +16685,7 @@
                 <a16:creationId xmlns:a16="http://schemas.microsoft.com/office/drawing/2014/main" id="{C862BC4D-BD7A-417E-A34A-59CE4D4A6AC8}"/>
               </a:ext>
               <a:ext uri="{C183D7F6-B498-43B3-948B-1728B52AA6E4}">
-                <adec:decorative xmlns:adec="http://schemas.microsoft.com/office/drawing/2017/decorative" val="1"/>
+                <adec:decorative xmlns:adec="http://schemas.microsoft.com/office/drawing/2017/decorative" xmlns="" val="1"/>
               </a:ext>
             </a:extLst>
           </p:cNvPr>
@@ -15983,7 +16742,7 @@
                 <a16:creationId xmlns:a16="http://schemas.microsoft.com/office/drawing/2014/main" id="{652937FB-CDE3-46B3-8481-AB5DB8C4BABA}"/>
               </a:ext>
               <a:ext uri="{C183D7F6-B498-43B3-948B-1728B52AA6E4}">
-                <adec:decorative xmlns:adec="http://schemas.microsoft.com/office/drawing/2017/decorative" val="1"/>
+                <adec:decorative xmlns:adec="http://schemas.microsoft.com/office/drawing/2017/decorative" xmlns="" val="1"/>
               </a:ext>
             </a:extLst>
           </p:cNvPr>
@@ -16040,7 +16799,7 @@
                 <a16:creationId xmlns:a16="http://schemas.microsoft.com/office/drawing/2014/main" id="{11457662-C1A5-4B93-8E30-88025E27C462}"/>
               </a:ext>
               <a:ext uri="{C183D7F6-B498-43B3-948B-1728B52AA6E4}">
-                <adec:decorative xmlns:adec="http://schemas.microsoft.com/office/drawing/2017/decorative" val="0"/>
+                <adec:decorative xmlns:adec="http://schemas.microsoft.com/office/drawing/2017/decorative" xmlns="" val="0"/>
               </a:ext>
             </a:extLst>
           </p:cNvPr>
@@ -16225,7 +16984,7 @@
           <a:blip r:embed="rId8">
             <a:extLst>
               <a:ext uri="{96DAC541-7B7A-43D3-8B79-37D633B846F1}">
-                <asvg:svgBlip xmlns:asvg="http://schemas.microsoft.com/office/drawing/2016/SVG/main" r:embed="rId9"/>
+                <asvg:svgBlip xmlns:asvg="http://schemas.microsoft.com/office/drawing/2016/SVG/main" xmlns="" r:embed="rId9"/>
               </a:ext>
             </a:extLst>
           </a:blip>
@@ -16272,8 +17031,13 @@
           <a:p>
             <a:r>
               <a:rPr lang="fr-FR" dirty="0"/>
-              <a:t>Enseignants		 Etudiants                         Administrateur.</a:t>
-            </a:r>
+              <a:t>Enseignants		 Etudiants                         </a:t>
+            </a:r>
+            <a:r>
+              <a:rPr lang="fr-FR" dirty="0" smtClean="0"/>
+              <a:t>Administrateur</a:t>
+            </a:r>
+            <a:endParaRPr lang="fr-FR" dirty="0"/>
           </a:p>
         </p:txBody>
       </p:sp>
@@ -16349,7 +17113,7 @@
                 <a16:creationId xmlns:a16="http://schemas.microsoft.com/office/drawing/2014/main" id="{AB025618-C830-4992-9CD3-D9E49BC79E67}"/>
               </a:ext>
               <a:ext uri="{C183D7F6-B498-43B3-948B-1728B52AA6E4}">
-                <adec:decorative xmlns:adec="http://schemas.microsoft.com/office/drawing/2017/decorative" val="1"/>
+                <adec:decorative xmlns:adec="http://schemas.microsoft.com/office/drawing/2017/decorative" xmlns="" val="1"/>
               </a:ext>
             </a:extLst>
           </p:cNvPr>
@@ -16480,7 +17244,7 @@
                   <a16:creationId xmlns:a16="http://schemas.microsoft.com/office/drawing/2014/main" id="{0051AD99-BC4A-487F-BE1C-486FC5B8E9F2}"/>
                 </a:ext>
                 <a:ext uri="{C183D7F6-B498-43B3-948B-1728B52AA6E4}">
-                  <adec:decorative xmlns:adec="http://schemas.microsoft.com/office/drawing/2017/decorative" val="1"/>
+                  <adec:decorative xmlns:adec="http://schemas.microsoft.com/office/drawing/2017/decorative" xmlns="" val="1"/>
                 </a:ext>
               </a:extLst>
             </p:cNvPr>
@@ -16608,8 +17372,21 @@
             </a:pPr>
             <a:r>
               <a:rPr lang="fr-FR" sz="1600" dirty="0"/>
-              <a:t>Bâtiment : Accessible aux personnes disposant des droits d’accès. Un lecteur RFID permettra d’identifier les personnes souhaitant entrer</a:t>
-            </a:r>
+              <a:t>Bâtiment : </a:t>
+            </a:r>
+            <a:r>
+              <a:rPr lang="fr-FR" sz="1600" dirty="0" smtClean="0"/>
+              <a:t>Un </a:t>
+            </a:r>
+            <a:r>
+              <a:rPr lang="fr-FR" sz="1600" dirty="0"/>
+              <a:t>lecteur RFID permettra d’identifier </a:t>
+            </a:r>
+            <a:r>
+              <a:rPr lang="fr-FR" sz="1600" dirty="0" smtClean="0"/>
+              <a:t>et donner l’accès aux personnes autorisées.</a:t>
+            </a:r>
+            <a:endParaRPr lang="fr-FR" sz="1600" dirty="0"/>
           </a:p>
           <a:p>
             <a:pPr marL="285750" indent="-285750" rtl="0">
@@ -16618,8 +17395,13 @@
             </a:pPr>
             <a:r>
               <a:rPr lang="fr-FR" sz="1600" dirty="0"/>
-              <a:t>Salle : Une caméra à reconnaissance faciale permettra l'accès à la salle aux personnes autorisé</a:t>
-            </a:r>
+              <a:t>Salle : Une caméra à reconnaissance faciale permettra l'accès à la salle aux personnes </a:t>
+            </a:r>
+            <a:r>
+              <a:rPr lang="fr-FR" sz="1600" dirty="0" smtClean="0"/>
+              <a:t>autorisées.</a:t>
+            </a:r>
+            <a:endParaRPr lang="fr-FR" sz="1600" dirty="0"/>
           </a:p>
         </p:txBody>
       </p:sp>
@@ -16631,7 +17413,7 @@
                 <a16:creationId xmlns:a16="http://schemas.microsoft.com/office/drawing/2014/main" id="{C862BC4D-BD7A-417E-A34A-59CE4D4A6AC8}"/>
               </a:ext>
               <a:ext uri="{C183D7F6-B498-43B3-948B-1728B52AA6E4}">
-                <adec:decorative xmlns:adec="http://schemas.microsoft.com/office/drawing/2017/decorative" val="1"/>
+                <adec:decorative xmlns:adec="http://schemas.microsoft.com/office/drawing/2017/decorative" xmlns="" val="1"/>
               </a:ext>
             </a:extLst>
           </p:cNvPr>
@@ -16688,7 +17470,7 @@
                 <a16:creationId xmlns:a16="http://schemas.microsoft.com/office/drawing/2014/main" id="{652937FB-CDE3-46B3-8481-AB5DB8C4BABA}"/>
               </a:ext>
               <a:ext uri="{C183D7F6-B498-43B3-948B-1728B52AA6E4}">
-                <adec:decorative xmlns:adec="http://schemas.microsoft.com/office/drawing/2017/decorative" val="1"/>
+                <adec:decorative xmlns:adec="http://schemas.microsoft.com/office/drawing/2017/decorative" xmlns="" val="1"/>
               </a:ext>
             </a:extLst>
           </p:cNvPr>
@@ -16745,7 +17527,7 @@
                 <a16:creationId xmlns:a16="http://schemas.microsoft.com/office/drawing/2014/main" id="{79161314-0A22-4109-A2B1-41E87EFE1E18}"/>
               </a:ext>
               <a:ext uri="{C183D7F6-B498-43B3-948B-1728B52AA6E4}">
-                <adec:decorative xmlns:adec="http://schemas.microsoft.com/office/drawing/2017/decorative" val="0"/>
+                <adec:decorative xmlns:adec="http://schemas.microsoft.com/office/drawing/2017/decorative" xmlns="" val="0"/>
               </a:ext>
             </a:extLst>
           </p:cNvPr>
@@ -17847,93 +18629,7 @@
       </p:grpSpPr>
       <p:sp>
         <p:nvSpPr>
-          <p:cNvPr id="4" name="Espace réservé du texte 3">
-            <a:extLst>
-              <a:ext uri="{FF2B5EF4-FFF2-40B4-BE49-F238E27FC236}">
-                <a16:creationId xmlns:a16="http://schemas.microsoft.com/office/drawing/2014/main" id="{61CEC20E-F9D6-D5E0-8EFE-06277B8EA0B4}"/>
-              </a:ext>
-            </a:extLst>
-          </p:cNvPr>
-          <p:cNvSpPr>
-            <a:spLocks noGrp="1"/>
-          </p:cNvSpPr>
-          <p:nvPr>
-            <p:ph type="body" sz="quarter" idx="11"/>
-          </p:nvPr>
-        </p:nvSpPr>
-        <p:spPr>
-          <a:xfrm>
-            <a:off x="647699" y="2717803"/>
-            <a:ext cx="4512973" cy="3368675"/>
-          </a:xfrm>
-        </p:spPr>
-        <p:txBody>
-          <a:bodyPr/>
-          <a:lstStyle/>
-          <a:p>
-            <a:r>
-              <a:rPr lang="fr-FR" sz="1800" dirty="0"/>
-              <a:t>Objectif:</a:t>
-            </a:r>
-          </a:p>
-          <a:p>
-            <a:pPr marL="285750" indent="-285750">
-              <a:buFont typeface="Arial" panose="020B0604020202020204" pitchFamily="34" charset="0"/>
-              <a:buChar char="•"/>
-            </a:pPr>
-            <a:r>
-              <a:rPr lang="fr-FR" sz="1800" dirty="0"/>
-              <a:t>Récupérer les adresses MAC BLE des personnes rentrant et sortant du campus</a:t>
-            </a:r>
-          </a:p>
-          <a:p>
-            <a:pPr marL="285750" indent="-285750">
-              <a:buFont typeface="Arial" panose="020B0604020202020204" pitchFamily="34" charset="0"/>
-              <a:buChar char="•"/>
-            </a:pPr>
-            <a:r>
-              <a:rPr lang="fr-FR" sz="1800" dirty="0"/>
-              <a:t>Publier ces résultats sur le topic « Campus »</a:t>
-            </a:r>
-          </a:p>
-          <a:p>
-            <a:pPr marL="285750" indent="-285750">
-              <a:buFont typeface="Arial" panose="020B0604020202020204" pitchFamily="34" charset="0"/>
-              <a:buChar char="•"/>
-            </a:pPr>
-            <a:r>
-              <a:rPr lang="fr-FR" sz="1800" dirty="0"/>
-              <a:t>Sauvegarder ces résultats dans une base de données</a:t>
-            </a:r>
-          </a:p>
-          <a:p>
-            <a:pPr marL="285750" indent="-285750">
-              <a:buFont typeface="Arial" panose="020B0604020202020204" pitchFamily="34" charset="0"/>
-              <a:buChar char="•"/>
-            </a:pPr>
-            <a:r>
-              <a:rPr lang="fr-FR" sz="1800" dirty="0"/>
-              <a:t>Afficher le nombre de personnes présentes sur le campus</a:t>
-            </a:r>
-          </a:p>
-          <a:p>
-            <a:pPr marL="285750" indent="-285750">
-              <a:buFont typeface="Arial" panose="020B0604020202020204" pitchFamily="34" charset="0"/>
-              <a:buChar char="•"/>
-            </a:pPr>
-            <a:endParaRPr lang="fr-FR" dirty="0"/>
-          </a:p>
-        </p:txBody>
-      </p:sp>
-      <p:sp>
-        <p:nvSpPr>
-          <p:cNvPr id="5" name="Titre 4">
-            <a:extLst>
-              <a:ext uri="{FF2B5EF4-FFF2-40B4-BE49-F238E27FC236}">
-                <a16:creationId xmlns:a16="http://schemas.microsoft.com/office/drawing/2014/main" id="{7BC74D96-20AD-411A-6EC2-B30B1CA4C432}"/>
-              </a:ext>
-            </a:extLst>
-          </p:cNvPr>
+          <p:cNvPr id="2" name="Titre 1"/>
           <p:cNvSpPr>
             <a:spLocks noGrp="1"/>
           </p:cNvSpPr>
@@ -17947,30 +18643,21 @@
           <a:lstStyle/>
           <a:p>
             <a:r>
-              <a:rPr lang="fr-FR" dirty="0"/>
-              <a:t>Gestion des accès au campus</a:t>
-            </a:r>
-            <a:br>
-              <a:rPr lang="fr-FR" dirty="0"/>
-            </a:br>
+              <a:rPr lang="fr-FR" dirty="0" smtClean="0"/>
+              <a:t>Gestion de projet</a:t>
+            </a:r>
             <a:endParaRPr lang="fr-FR" dirty="0"/>
           </a:p>
         </p:txBody>
       </p:sp>
       <p:sp>
         <p:nvSpPr>
-          <p:cNvPr id="8" name="Espace réservé du numéro de diapositive 7">
-            <a:extLst>
-              <a:ext uri="{FF2B5EF4-FFF2-40B4-BE49-F238E27FC236}">
-                <a16:creationId xmlns:a16="http://schemas.microsoft.com/office/drawing/2014/main" id="{292B76D6-CD86-E9EB-1368-EC8B1C74C821}"/>
-              </a:ext>
-            </a:extLst>
-          </p:cNvPr>
+          <p:cNvPr id="3" name="Espace réservé du contenu 2"/>
           <p:cNvSpPr>
             <a:spLocks noGrp="1"/>
           </p:cNvSpPr>
           <p:nvPr>
-            <p:ph type="sldNum" sz="quarter" idx="4"/>
+            <p:ph sz="half" idx="1"/>
           </p:nvPr>
         </p:nvSpPr>
         <p:spPr/>
@@ -17978,299 +18665,83 @@
           <a:bodyPr/>
           <a:lstStyle/>
           <a:p>
-            <a:pPr algn="ctr" rtl="0"/>
-            <a:fld id="{817179DE-9BF3-494C-804F-0C7C90AC8700}" type="slidenum">
-              <a:rPr lang="fr-FR" noProof="0" smtClean="0"/>
-              <a:pPr algn="ctr" rtl="0"/>
-              <a:t>9</a:t>
-            </a:fld>
-            <a:endParaRPr lang="fr-FR" noProof="0"/>
+            <a:r>
+              <a:rPr lang="fr-FR" dirty="0" smtClean="0"/>
+              <a:t>5 sprints répartis sur 10 semaines</a:t>
+            </a:r>
+          </a:p>
+          <a:p>
+            <a:r>
+              <a:rPr lang="fr-FR" dirty="0" smtClean="0"/>
+              <a:t>Suivi des tâches avec </a:t>
+            </a:r>
+            <a:r>
+              <a:rPr lang="fr-FR" dirty="0" err="1" smtClean="0"/>
+              <a:t>Github</a:t>
+            </a:r>
+            <a:endParaRPr lang="fr-FR" dirty="0" smtClean="0"/>
+          </a:p>
+          <a:p>
+            <a:r>
+              <a:rPr lang="fr-FR" dirty="0" smtClean="0"/>
+              <a:t>Utilisation de Git </a:t>
+            </a:r>
+            <a:r>
+              <a:rPr lang="fr-FR" dirty="0" err="1" smtClean="0"/>
+              <a:t>bash</a:t>
+            </a:r>
+            <a:r>
+              <a:rPr lang="fr-FR" dirty="0" smtClean="0"/>
+              <a:t> </a:t>
+            </a:r>
+          </a:p>
+          <a:p>
+            <a:r>
+              <a:rPr lang="fr-FR" dirty="0" smtClean="0"/>
+              <a:t>Points hebdomadaires</a:t>
+            </a:r>
+          </a:p>
+          <a:p>
+            <a:r>
+              <a:rPr lang="fr-FR" dirty="0" smtClean="0"/>
+              <a:t>Répartition des tâches par zone</a:t>
+            </a:r>
+          </a:p>
+          <a:p>
+            <a:endParaRPr lang="fr-FR" dirty="0"/>
           </a:p>
         </p:txBody>
       </p:sp>
       <p:pic>
         <p:nvPicPr>
-          <p:cNvPr id="1026" name="Picture 2" descr="Bluetooth Low Energy (BLE) Introduction - Part 2 ⋆ EmbeTronicX">
-            <a:extLst>
-              <a:ext uri="{FF2B5EF4-FFF2-40B4-BE49-F238E27FC236}">
-                <a16:creationId xmlns:a16="http://schemas.microsoft.com/office/drawing/2014/main" id="{8B7C63E8-4020-808F-39FC-0B91FFD0DF45}"/>
-              </a:ext>
-            </a:extLst>
-          </p:cNvPr>
+          <p:cNvPr id="5" name="Espace réservé du contenu 4"/>
           <p:cNvPicPr>
-            <a:picLocks noGrp="1" noChangeAspect="1" noChangeArrowheads="1"/>
+            <a:picLocks noGrp="1" noChangeAspect="1"/>
           </p:cNvPicPr>
           <p:nvPr>
-            <p:ph sz="quarter" idx="13"/>
+            <p:ph sz="half" idx="2"/>
           </p:nvPr>
         </p:nvPicPr>
         <p:blipFill>
-          <a:blip r:embed="rId2">
-            <a:extLst>
-              <a:ext uri="{28A0092B-C50C-407E-A947-70E740481C1C}">
-                <a14:useLocalDpi xmlns:a14="http://schemas.microsoft.com/office/drawing/2010/main" val="0"/>
-              </a:ext>
-            </a:extLst>
-          </a:blip>
-          <a:srcRect/>
+          <a:blip r:embed="rId2"/>
           <a:stretch>
             <a:fillRect/>
           </a:stretch>
         </p:blipFill>
-        <p:spPr bwMode="auto">
-          <a:xfrm>
-            <a:off x="2780516" y="1642084"/>
-            <a:ext cx="548640" cy="548640"/>
+        <p:spPr>
+          <a:xfrm>
+            <a:off x="6172200" y="1976512"/>
+            <a:ext cx="5276850" cy="4049564"/>
           </a:xfrm>
           <a:prstGeom prst="rect">
             <a:avLst/>
           </a:prstGeom>
-          <a:noFill/>
-          <a:extLst>
-            <a:ext uri="{909E8E84-426E-40DD-AFC4-6F175D3DCCD1}">
-              <a14:hiddenFill xmlns:a14="http://schemas.microsoft.com/office/drawing/2010/main">
-                <a:solidFill>
-                  <a:srgbClr val="FFFFFF"/>
-                </a:solidFill>
-              </a14:hiddenFill>
-            </a:ext>
-          </a:extLst>
-        </p:spPr>
-      </p:pic>
-      <p:pic>
-        <p:nvPicPr>
-          <p:cNvPr id="10" name="Picture 2" descr="Arduino — Wikipédia">
-            <a:extLst>
-              <a:ext uri="{FF2B5EF4-FFF2-40B4-BE49-F238E27FC236}">
-                <a16:creationId xmlns:a16="http://schemas.microsoft.com/office/drawing/2014/main" id="{4D0A9E5D-849D-2782-0CBD-4D2D7DCD5DA9}"/>
-              </a:ext>
-            </a:extLst>
-          </p:cNvPr>
-          <p:cNvPicPr>
-            <a:picLocks noGrp="1" noChangeAspect="1" noChangeArrowheads="1"/>
-          </p:cNvPicPr>
-          <p:nvPr>
-            <p:ph sz="quarter" idx="14"/>
-          </p:nvPr>
-        </p:nvPicPr>
-        <p:blipFill>
-          <a:blip r:embed="rId3">
-            <a:extLst>
-              <a:ext uri="{28A0092B-C50C-407E-A947-70E740481C1C}">
-                <a14:useLocalDpi xmlns:a14="http://schemas.microsoft.com/office/drawing/2010/main" val="0"/>
-              </a:ext>
-            </a:extLst>
-          </a:blip>
-          <a:srcRect/>
-          <a:stretch>
-            <a:fillRect/>
-          </a:stretch>
-        </p:blipFill>
-        <p:spPr bwMode="auto">
-          <a:xfrm>
-            <a:off x="3573478" y="1817137"/>
-            <a:ext cx="549275" cy="373587"/>
-          </a:xfrm>
-          <a:prstGeom prst="rect">
-            <a:avLst/>
-          </a:prstGeom>
-          <a:noFill/>
-          <a:extLst>
-            <a:ext uri="{909E8E84-426E-40DD-AFC4-6F175D3DCCD1}">
-              <a14:hiddenFill xmlns:a14="http://schemas.microsoft.com/office/drawing/2010/main">
-                <a:solidFill>
-                  <a:srgbClr val="FFFFFF"/>
-                </a:solidFill>
-              </a14:hiddenFill>
-            </a:ext>
-          </a:extLst>
-        </p:spPr>
-      </p:pic>
-      <p:pic>
-        <p:nvPicPr>
-          <p:cNvPr id="14" name="Image 22">
-            <a:extLst>
-              <a:ext uri="{FF2B5EF4-FFF2-40B4-BE49-F238E27FC236}">
-                <a16:creationId xmlns:a16="http://schemas.microsoft.com/office/drawing/2014/main" id="{4B896E3E-DDF7-7892-80D1-75C34E068984}"/>
-              </a:ext>
-            </a:extLst>
-          </p:cNvPr>
-          <p:cNvPicPr/>
-          <p:nvPr/>
-        </p:nvPicPr>
-        <p:blipFill>
-          <a:blip r:embed="rId4"/>
-          <a:stretch/>
-        </p:blipFill>
-        <p:spPr>
-          <a:xfrm>
-            <a:off x="4367075" y="1642084"/>
-            <a:ext cx="549275" cy="548640"/>
-          </a:xfrm>
-          <a:prstGeom prst="rect">
-            <a:avLst/>
-          </a:prstGeom>
-          <a:ln w="0">
-            <a:noFill/>
-          </a:ln>
-        </p:spPr>
-      </p:pic>
-      <p:pic>
-        <p:nvPicPr>
-          <p:cNvPr id="1028" name="Picture 4" descr="MQTT Broker-Client – The Blog of Ivan Krizsan">
-            <a:extLst>
-              <a:ext uri="{FF2B5EF4-FFF2-40B4-BE49-F238E27FC236}">
-                <a16:creationId xmlns:a16="http://schemas.microsoft.com/office/drawing/2014/main" id="{93865ADD-C9AF-2723-263F-406490B7A870}"/>
-              </a:ext>
-            </a:extLst>
-          </p:cNvPr>
-          <p:cNvPicPr>
-            <a:picLocks noChangeAspect="1" noChangeArrowheads="1"/>
-          </p:cNvPicPr>
-          <p:nvPr/>
-        </p:nvPicPr>
-        <p:blipFill>
-          <a:blip r:embed="rId5">
-            <a:extLst>
-              <a:ext uri="{28A0092B-C50C-407E-A947-70E740481C1C}">
-                <a14:useLocalDpi xmlns:a14="http://schemas.microsoft.com/office/drawing/2010/main" val="0"/>
-              </a:ext>
-            </a:extLst>
-          </a:blip>
-          <a:srcRect/>
-          <a:stretch>
-            <a:fillRect/>
-          </a:stretch>
-        </p:blipFill>
-        <p:spPr bwMode="auto">
-          <a:xfrm>
-            <a:off x="1791980" y="1553701"/>
-            <a:ext cx="744214" cy="637023"/>
-          </a:xfrm>
-          <a:prstGeom prst="rect">
-            <a:avLst/>
-          </a:prstGeom>
-          <a:noFill/>
-          <a:extLst>
-            <a:ext uri="{909E8E84-426E-40DD-AFC4-6F175D3DCCD1}">
-              <a14:hiddenFill xmlns:a14="http://schemas.microsoft.com/office/drawing/2010/main">
-                <a:solidFill>
-                  <a:srgbClr val="FFFFFF"/>
-                </a:solidFill>
-              </a14:hiddenFill>
-            </a:ext>
-          </a:extLst>
-        </p:spPr>
-      </p:pic>
-      <p:pic>
-        <p:nvPicPr>
-          <p:cNvPr id="9" name="Image 8">
-            <a:extLst>
-              <a:ext uri="{FF2B5EF4-FFF2-40B4-BE49-F238E27FC236}">
-                <a16:creationId xmlns:a16="http://schemas.microsoft.com/office/drawing/2014/main" id="{18663FBD-18DE-DC6A-8E7C-99BD80AF7DF6}"/>
-              </a:ext>
-            </a:extLst>
-          </p:cNvPr>
-          <p:cNvPicPr>
-            <a:picLocks noChangeAspect="1"/>
-          </p:cNvPicPr>
-          <p:nvPr/>
-        </p:nvPicPr>
-        <p:blipFill>
-          <a:blip r:embed="rId6"/>
-          <a:stretch>
-            <a:fillRect/>
-          </a:stretch>
-        </p:blipFill>
-        <p:spPr>
-          <a:xfrm>
-            <a:off x="5160673" y="1515110"/>
-            <a:ext cx="675614" cy="675614"/>
-          </a:xfrm>
-          <a:prstGeom prst="rect">
-            <a:avLst/>
-          </a:prstGeom>
-        </p:spPr>
-      </p:pic>
-      <p:pic>
-        <p:nvPicPr>
-          <p:cNvPr id="15" name="Image 14">
-            <a:extLst>
-              <a:ext uri="{FF2B5EF4-FFF2-40B4-BE49-F238E27FC236}">
-                <a16:creationId xmlns:a16="http://schemas.microsoft.com/office/drawing/2014/main" id="{42064B03-B3EA-A36E-7153-61AD54B6A6EC}"/>
-              </a:ext>
-            </a:extLst>
-          </p:cNvPr>
-          <p:cNvPicPr>
-            <a:picLocks noChangeAspect="1"/>
-          </p:cNvPicPr>
-          <p:nvPr/>
-        </p:nvPicPr>
-        <p:blipFill>
-          <a:blip r:embed="rId7"/>
-          <a:stretch>
-            <a:fillRect/>
-          </a:stretch>
-        </p:blipFill>
-        <p:spPr>
-          <a:xfrm>
-            <a:off x="919441" y="1562507"/>
-            <a:ext cx="628217" cy="628217"/>
-          </a:xfrm>
-          <a:prstGeom prst="rect">
-            <a:avLst/>
-          </a:prstGeom>
-        </p:spPr>
-      </p:pic>
-      <p:pic>
-        <p:nvPicPr>
-          <p:cNvPr id="1030" name="Picture 6" descr="Fiche projet - Campus SOPHIA TECH - Sophia-Antipolis">
-            <a:extLst>
-              <a:ext uri="{FF2B5EF4-FFF2-40B4-BE49-F238E27FC236}">
-                <a16:creationId xmlns:a16="http://schemas.microsoft.com/office/drawing/2014/main" id="{86CCC64C-BF06-C6DF-AE31-201A39C22E0B}"/>
-              </a:ext>
-            </a:extLst>
-          </p:cNvPr>
-          <p:cNvPicPr>
-            <a:picLocks noGrp="1" noChangeAspect="1" noChangeArrowheads="1"/>
-          </p:cNvPicPr>
-          <p:nvPr>
-            <p:ph type="pic" sz="quarter" idx="10"/>
-          </p:nvPr>
-        </p:nvPicPr>
-        <p:blipFill>
-          <a:blip r:embed="rId8">
-            <a:extLst>
-              <a:ext uri="{28A0092B-C50C-407E-A947-70E740481C1C}">
-                <a14:useLocalDpi xmlns:a14="http://schemas.microsoft.com/office/drawing/2010/main" val="0"/>
-              </a:ext>
-            </a:extLst>
-          </a:blip>
-          <a:srcRect l="23953" r="23953"/>
-          <a:stretch>
-            <a:fillRect/>
-          </a:stretch>
-        </p:blipFill>
-        <p:spPr bwMode="auto">
-          <a:prstGeom prst="rect">
-            <a:avLst/>
-          </a:prstGeom>
-          <a:noFill/>
-          <a:extLst>
-            <a:ext uri="{909E8E84-426E-40DD-AFC4-6F175D3DCCD1}">
-              <a14:hiddenFill xmlns:a14="http://schemas.microsoft.com/office/drawing/2010/main">
-                <a:solidFill>
-                  <a:srgbClr val="FFFFFF"/>
-                </a:solidFill>
-              </a14:hiddenFill>
-            </a:ext>
-          </a:extLst>
         </p:spPr>
       </p:pic>
     </p:spTree>
     <p:extLst>
       <p:ext uri="{BB962C8B-B14F-4D97-AF65-F5344CB8AC3E}">
-        <p14:creationId xmlns:p14="http://schemas.microsoft.com/office/powerpoint/2010/main" val="2173750144"/>
+        <p14:creationId xmlns:p14="http://schemas.microsoft.com/office/powerpoint/2010/main" val="1068942349"/>
       </p:ext>
     </p:extLst>
   </p:cSld>
@@ -19072,18 +19543,18 @@
 </file>
 
 <file path=customXml/item1.xml><?xml version="1.0" encoding="utf-8"?>
-<p:properties xmlns:p="http://schemas.microsoft.com/office/2006/metadata/properties" xmlns:xsi="http://www.w3.org/2001/XMLSchema-instance" xmlns:pc="http://schemas.microsoft.com/office/infopath/2007/PartnerControls">
-  <documentManagement/>
-</p:properties>
-</file>
-
-<file path=customXml/item2.xml><?xml version="1.0" encoding="utf-8"?>
 <?mso-contentType ?>
 <FormTemplates xmlns="http://schemas.microsoft.com/sharepoint/v3/contenttype/forms">
   <Display>DocumentLibraryForm</Display>
   <Edit>DocumentLibraryForm</Edit>
   <New>DocumentLibraryForm</New>
 </FormTemplates>
+</file>
+
+<file path=customXml/item2.xml><?xml version="1.0" encoding="utf-8"?>
+<p:properties xmlns:p="http://schemas.microsoft.com/office/2006/metadata/properties" xmlns:xsi="http://www.w3.org/2001/XMLSchema-instance" xmlns:pc="http://schemas.microsoft.com/office/infopath/2007/PartnerControls">
+  <documentManagement/>
+</p:properties>
 </file>
 
 <file path=customXml/item3.xml><?xml version="1.0" encoding="utf-8"?>
@@ -19219,6 +19690,14 @@
 </file>
 
 <file path=customXml/itemProps1.xml><?xml version="1.0" encoding="utf-8"?>
+<ds:datastoreItem xmlns:ds="http://schemas.openxmlformats.org/officeDocument/2006/customXml" ds:itemID="{6216BF83-BC37-4FA3-93AF-55DBFC07FBB9}">
+  <ds:schemaRefs>
+    <ds:schemaRef ds:uri="http://schemas.microsoft.com/sharepoint/v3/contenttype/forms"/>
+  </ds:schemaRefs>
+</ds:datastoreItem>
+</file>
+
+<file path=customXml/itemProps2.xml><?xml version="1.0" encoding="utf-8"?>
 <ds:datastoreItem xmlns:ds="http://schemas.openxmlformats.org/officeDocument/2006/customXml" ds:itemID="{9A042760-9A7A-479B-B4D8-612EBC1AFF18}">
   <ds:schemaRefs>
     <ds:schemaRef ds:uri="http://schemas.microsoft.com/office/2006/metadata/properties"/>
@@ -19230,14 +19709,6 @@
     <ds:schemaRef ds:uri="http://schemas.microsoft.com/office/2006/documentManagement/types"/>
     <ds:schemaRef ds:uri="http://schemas.microsoft.com/office/infopath/2007/PartnerControls"/>
     <ds:schemaRef ds:uri="88e89e40-c19a-48d0-a0b6-11184f7f918e"/>
-  </ds:schemaRefs>
-</ds:datastoreItem>
-</file>
-
-<file path=customXml/itemProps2.xml><?xml version="1.0" encoding="utf-8"?>
-<ds:datastoreItem xmlns:ds="http://schemas.openxmlformats.org/officeDocument/2006/customXml" ds:itemID="{6216BF83-BC37-4FA3-93AF-55DBFC07FBB9}">
-  <ds:schemaRefs>
-    <ds:schemaRef ds:uri="http://schemas.microsoft.com/sharepoint/v3/contenttype/forms"/>
   </ds:schemaRefs>
 </ds:datastoreItem>
 </file>

--- a/Docs/Gestion des accès au bâtiment.pptx
+++ b/Docs/Gestion des accès au bâtiment.pptx
@@ -9993,7 +9993,7 @@
                 <a16:creationId xmlns:a16="http://schemas.microsoft.com/office/drawing/2014/main" id="{EB664AAE-5AE9-41D7-8346-002B9F445323}"/>
               </a:ext>
               <a:ext uri="{C183D7F6-B498-43B3-948B-1728B52AA6E4}">
-                <adec:decorative xmlns:adec="http://schemas.microsoft.com/office/drawing/2017/decorative" xmlns="" val="1"/>
+                <adec:decorative xmlns:adec="http://schemas.microsoft.com/office/drawing/2017/decorative" val="1"/>
               </a:ext>
             </a:extLst>
           </p:cNvPr>
@@ -10988,7 +10988,7 @@
                 </a14:imgProps>
               </a:ext>
               <a:ext uri="{837473B0-CC2E-450A-ABE3-18F120FF3D39}">
-                <a1611:picAttrSrcUrl xmlns:a1611="http://schemas.microsoft.com/office/drawing/2016/11/main" xmlns="" r:id="rId4"/>
+                <a1611:picAttrSrcUrl xmlns:a1611="http://schemas.microsoft.com/office/drawing/2016/11/main" r:id="rId4"/>
               </a:ext>
             </a:extLst>
           </a:blip>
@@ -12160,10 +12160,6 @@
               <a:rPr lang="fr-FR"/>
               <a:t>au bâtiment</a:t>
             </a:r>
-            <a:r>
-              <a:rPr lang="fr-FR" dirty="0"/>
-              <a:t/>
-            </a:r>
             <a:br>
               <a:rPr lang="fr-FR" dirty="0"/>
             </a:br>
@@ -12713,17 +12709,9 @@
               <a:rPr lang="fr-FR" dirty="0" err="1"/>
               <a:t>batiment</a:t>
             </a:r>
-            <a:r>
-              <a:rPr lang="fr-FR" dirty="0"/>
-              <a:t/>
-            </a:r>
             <a:br>
               <a:rPr lang="fr-FR" dirty="0"/>
             </a:br>
-            <a:r>
-              <a:rPr lang="fr-FR" dirty="0"/>
-              <a:t/>
-            </a:r>
             <a:br>
               <a:rPr lang="fr-FR" dirty="0"/>
             </a:br>
@@ -13453,13 +13441,8 @@
           <a:p>
             <a:r>
               <a:rPr lang="fr-FR" dirty="0"/>
-              <a:t>Résumé du </a:t>
-            </a:r>
-            <a:r>
-              <a:rPr lang="fr-FR" dirty="0" smtClean="0"/>
-              <a:t>projet</a:t>
-            </a:r>
-            <a:endParaRPr lang="fr-FR" dirty="0"/>
+              <a:t>Résumé du projet</a:t>
+            </a:r>
           </a:p>
           <a:p>
             <a:r>
@@ -13504,13 +13487,8 @@
             <a:pPr lvl="1"/>
             <a:r>
               <a:rPr lang="fr-FR" dirty="0"/>
-              <a:t>Les </a:t>
-            </a:r>
-            <a:r>
-              <a:rPr lang="fr-FR" dirty="0" smtClean="0"/>
-              <a:t>faiblesses</a:t>
-            </a:r>
-            <a:endParaRPr lang="fr-FR" dirty="0"/>
+              <a:t>Les faiblesses</a:t>
+            </a:r>
           </a:p>
           <a:p>
             <a:r>
@@ -13651,10 +13629,6 @@
             <a:br>
               <a:rPr lang="fr-FR" dirty="0"/>
             </a:br>
-            <a:r>
-              <a:rPr lang="fr-FR" dirty="0"/>
-              <a:t/>
-            </a:r>
             <a:br>
               <a:rPr lang="fr-FR" dirty="0"/>
             </a:br>
@@ -14063,10 +14037,6 @@
             <a:br>
               <a:rPr lang="fr-FR" dirty="0"/>
             </a:br>
-            <a:r>
-              <a:rPr lang="fr-FR" dirty="0"/>
-              <a:t/>
-            </a:r>
             <a:br>
               <a:rPr lang="fr-FR" dirty="0"/>
             </a:br>
@@ -14378,10 +14348,6 @@
             <a:br>
               <a:rPr lang="fr-FR" dirty="0"/>
             </a:br>
-            <a:r>
-              <a:rPr lang="fr-FR" dirty="0"/>
-              <a:t/>
-            </a:r>
             <a:br>
               <a:rPr lang="fr-FR" dirty="0"/>
             </a:br>
@@ -14481,10 +14447,6 @@
             <a:r>
               <a:rPr lang="fr-FR"/>
               <a:t>au bâtiment</a:t>
-            </a:r>
-            <a:r>
-              <a:rPr lang="fr-FR" dirty="0"/>
-              <a:t/>
             </a:r>
             <a:br>
               <a:rPr lang="fr-FR" dirty="0"/>
@@ -15650,7 +15612,7 @@
                 <a16:creationId xmlns:a16="http://schemas.microsoft.com/office/drawing/2014/main" id="{31664CF3-C0D1-4769-8E59-8694AF07951A}"/>
               </a:ext>
               <a:ext uri="{C183D7F6-B498-43B3-948B-1728B52AA6E4}">
-                <adec:decorative xmlns:adec="http://schemas.microsoft.com/office/drawing/2017/decorative" xmlns="" val="1"/>
+                <adec:decorative xmlns:adec="http://schemas.microsoft.com/office/drawing/2017/decorative" val="1"/>
               </a:ext>
             </a:extLst>
           </p:cNvPr>
@@ -15707,7 +15669,7 @@
                 <a16:creationId xmlns:a16="http://schemas.microsoft.com/office/drawing/2014/main" id="{F5325EDA-7343-463C-83EC-5D799E8B8195}"/>
               </a:ext>
               <a:ext uri="{C183D7F6-B498-43B3-948B-1728B52AA6E4}">
-                <adec:decorative xmlns:adec="http://schemas.microsoft.com/office/drawing/2017/decorative" xmlns="" val="1"/>
+                <adec:decorative xmlns:adec="http://schemas.microsoft.com/office/drawing/2017/decorative" val="1"/>
               </a:ext>
             </a:extLst>
           </p:cNvPr>
@@ -16336,7 +16298,7 @@
                 <a16:creationId xmlns:a16="http://schemas.microsoft.com/office/drawing/2014/main" id="{AB025618-C830-4992-9CD3-D9E49BC79E67}"/>
               </a:ext>
               <a:ext uri="{C183D7F6-B498-43B3-948B-1728B52AA6E4}">
-                <adec:decorative xmlns:adec="http://schemas.microsoft.com/office/drawing/2017/decorative" xmlns="" val="1"/>
+                <adec:decorative xmlns:adec="http://schemas.microsoft.com/office/drawing/2017/decorative" val="1"/>
               </a:ext>
             </a:extLst>
           </p:cNvPr>
@@ -16563,7 +16525,7 @@
           <a:blip r:embed="rId4">
             <a:extLst>
               <a:ext uri="{96DAC541-7B7A-43D3-8B79-37D633B846F1}">
-                <asvg:svgBlip xmlns:asvg="http://schemas.microsoft.com/office/drawing/2016/SVG/main" xmlns="" r:embed="rId5"/>
+                <asvg:svgBlip xmlns:asvg="http://schemas.microsoft.com/office/drawing/2016/SVG/main" r:embed="rId5"/>
               </a:ext>
             </a:extLst>
           </a:blip>
@@ -16663,7 +16625,7 @@
           <a:blip r:embed="rId6">
             <a:extLst>
               <a:ext uri="{96DAC541-7B7A-43D3-8B79-37D633B846F1}">
-                <asvg:svgBlip xmlns:asvg="http://schemas.microsoft.com/office/drawing/2016/SVG/main" xmlns="" r:embed="rId7"/>
+                <asvg:svgBlip xmlns:asvg="http://schemas.microsoft.com/office/drawing/2016/SVG/main" r:embed="rId7"/>
               </a:ext>
             </a:extLst>
           </a:blip>
@@ -16685,7 +16647,7 @@
                 <a16:creationId xmlns:a16="http://schemas.microsoft.com/office/drawing/2014/main" id="{C862BC4D-BD7A-417E-A34A-59CE4D4A6AC8}"/>
               </a:ext>
               <a:ext uri="{C183D7F6-B498-43B3-948B-1728B52AA6E4}">
-                <adec:decorative xmlns:adec="http://schemas.microsoft.com/office/drawing/2017/decorative" xmlns="" val="1"/>
+                <adec:decorative xmlns:adec="http://schemas.microsoft.com/office/drawing/2017/decorative" val="1"/>
               </a:ext>
             </a:extLst>
           </p:cNvPr>
@@ -16742,7 +16704,7 @@
                 <a16:creationId xmlns:a16="http://schemas.microsoft.com/office/drawing/2014/main" id="{652937FB-CDE3-46B3-8481-AB5DB8C4BABA}"/>
               </a:ext>
               <a:ext uri="{C183D7F6-B498-43B3-948B-1728B52AA6E4}">
-                <adec:decorative xmlns:adec="http://schemas.microsoft.com/office/drawing/2017/decorative" xmlns="" val="1"/>
+                <adec:decorative xmlns:adec="http://schemas.microsoft.com/office/drawing/2017/decorative" val="1"/>
               </a:ext>
             </a:extLst>
           </p:cNvPr>
@@ -16799,7 +16761,7 @@
                 <a16:creationId xmlns:a16="http://schemas.microsoft.com/office/drawing/2014/main" id="{11457662-C1A5-4B93-8E30-88025E27C462}"/>
               </a:ext>
               <a:ext uri="{C183D7F6-B498-43B3-948B-1728B52AA6E4}">
-                <adec:decorative xmlns:adec="http://schemas.microsoft.com/office/drawing/2017/decorative" xmlns="" val="0"/>
+                <adec:decorative xmlns:adec="http://schemas.microsoft.com/office/drawing/2017/decorative" val="0"/>
               </a:ext>
             </a:extLst>
           </p:cNvPr>
@@ -16984,7 +16946,7 @@
           <a:blip r:embed="rId8">
             <a:extLst>
               <a:ext uri="{96DAC541-7B7A-43D3-8B79-37D633B846F1}">
-                <asvg:svgBlip xmlns:asvg="http://schemas.microsoft.com/office/drawing/2016/SVG/main" xmlns="" r:embed="rId9"/>
+                <asvg:svgBlip xmlns:asvg="http://schemas.microsoft.com/office/drawing/2016/SVG/main" r:embed="rId9"/>
               </a:ext>
             </a:extLst>
           </a:blip>
@@ -17031,13 +16993,8 @@
           <a:p>
             <a:r>
               <a:rPr lang="fr-FR" dirty="0"/>
-              <a:t>Enseignants		 Etudiants                         </a:t>
-            </a:r>
-            <a:r>
-              <a:rPr lang="fr-FR" dirty="0" smtClean="0"/>
-              <a:t>Administrateur</a:t>
-            </a:r>
-            <a:endParaRPr lang="fr-FR" dirty="0"/>
+              <a:t>Enseignants		 Etudiants                         Administrateur</a:t>
+            </a:r>
           </a:p>
         </p:txBody>
       </p:sp>
@@ -17113,7 +17070,7 @@
                 <a16:creationId xmlns:a16="http://schemas.microsoft.com/office/drawing/2014/main" id="{AB025618-C830-4992-9CD3-D9E49BC79E67}"/>
               </a:ext>
               <a:ext uri="{C183D7F6-B498-43B3-948B-1728B52AA6E4}">
-                <adec:decorative xmlns:adec="http://schemas.microsoft.com/office/drawing/2017/decorative" xmlns="" val="1"/>
+                <adec:decorative xmlns:adec="http://schemas.microsoft.com/office/drawing/2017/decorative" val="1"/>
               </a:ext>
             </a:extLst>
           </p:cNvPr>
@@ -17244,7 +17201,7 @@
                   <a16:creationId xmlns:a16="http://schemas.microsoft.com/office/drawing/2014/main" id="{0051AD99-BC4A-487F-BE1C-486FC5B8E9F2}"/>
                 </a:ext>
                 <a:ext uri="{C183D7F6-B498-43B3-948B-1728B52AA6E4}">
-                  <adec:decorative xmlns:adec="http://schemas.microsoft.com/office/drawing/2017/decorative" xmlns="" val="1"/>
+                  <adec:decorative xmlns:adec="http://schemas.microsoft.com/office/drawing/2017/decorative" val="1"/>
                 </a:ext>
               </a:extLst>
             </p:cNvPr>
@@ -17372,21 +17329,8 @@
             </a:pPr>
             <a:r>
               <a:rPr lang="fr-FR" sz="1600" dirty="0"/>
-              <a:t>Bâtiment : </a:t>
-            </a:r>
-            <a:r>
-              <a:rPr lang="fr-FR" sz="1600" dirty="0" smtClean="0"/>
-              <a:t>Un </a:t>
-            </a:r>
-            <a:r>
-              <a:rPr lang="fr-FR" sz="1600" dirty="0"/>
-              <a:t>lecteur RFID permettra d’identifier </a:t>
-            </a:r>
-            <a:r>
-              <a:rPr lang="fr-FR" sz="1600" dirty="0" smtClean="0"/>
-              <a:t>et donner l’accès aux personnes autorisées.</a:t>
-            </a:r>
-            <a:endParaRPr lang="fr-FR" sz="1600" dirty="0"/>
+              <a:t>Bâtiment : Un lecteur RFID permettra d’identifier et donner l’accès aux personnes autorisées.</a:t>
+            </a:r>
           </a:p>
           <a:p>
             <a:pPr marL="285750" indent="-285750" rtl="0">
@@ -17395,13 +17339,8 @@
             </a:pPr>
             <a:r>
               <a:rPr lang="fr-FR" sz="1600" dirty="0"/>
-              <a:t>Salle : Une caméra à reconnaissance faciale permettra l'accès à la salle aux personnes </a:t>
-            </a:r>
-            <a:r>
-              <a:rPr lang="fr-FR" sz="1600" dirty="0" smtClean="0"/>
-              <a:t>autorisées.</a:t>
-            </a:r>
-            <a:endParaRPr lang="fr-FR" sz="1600" dirty="0"/>
+              <a:t>Salle : Une caméra à reconnaissance faciale permettra l'accès à la salle aux personnes autorisées.</a:t>
+            </a:r>
           </a:p>
         </p:txBody>
       </p:sp>
@@ -17413,7 +17352,7 @@
                 <a16:creationId xmlns:a16="http://schemas.microsoft.com/office/drawing/2014/main" id="{C862BC4D-BD7A-417E-A34A-59CE4D4A6AC8}"/>
               </a:ext>
               <a:ext uri="{C183D7F6-B498-43B3-948B-1728B52AA6E4}">
-                <adec:decorative xmlns:adec="http://schemas.microsoft.com/office/drawing/2017/decorative" xmlns="" val="1"/>
+                <adec:decorative xmlns:adec="http://schemas.microsoft.com/office/drawing/2017/decorative" val="1"/>
               </a:ext>
             </a:extLst>
           </p:cNvPr>
@@ -17470,7 +17409,7 @@
                 <a16:creationId xmlns:a16="http://schemas.microsoft.com/office/drawing/2014/main" id="{652937FB-CDE3-46B3-8481-AB5DB8C4BABA}"/>
               </a:ext>
               <a:ext uri="{C183D7F6-B498-43B3-948B-1728B52AA6E4}">
-                <adec:decorative xmlns:adec="http://schemas.microsoft.com/office/drawing/2017/decorative" xmlns="" val="1"/>
+                <adec:decorative xmlns:adec="http://schemas.microsoft.com/office/drawing/2017/decorative" val="1"/>
               </a:ext>
             </a:extLst>
           </p:cNvPr>
@@ -17527,7 +17466,7 @@
                 <a16:creationId xmlns:a16="http://schemas.microsoft.com/office/drawing/2014/main" id="{79161314-0A22-4109-A2B1-41E87EFE1E18}"/>
               </a:ext>
               <a:ext uri="{C183D7F6-B498-43B3-948B-1728B52AA6E4}">
-                <adec:decorative xmlns:adec="http://schemas.microsoft.com/office/drawing/2017/decorative" xmlns="" val="0"/>
+                <adec:decorative xmlns:adec="http://schemas.microsoft.com/office/drawing/2017/decorative" val="0"/>
               </a:ext>
             </a:extLst>
           </p:cNvPr>
@@ -18184,32 +18123,49 @@
       </p:sp>
       <p:pic>
         <p:nvPicPr>
-          <p:cNvPr id="6" name="Image 5">
-            <a:extLst>
-              <a:ext uri="{FF2B5EF4-FFF2-40B4-BE49-F238E27FC236}">
-                <a16:creationId xmlns:a16="http://schemas.microsoft.com/office/drawing/2014/main" id="{15AA9199-1F3A-C843-BBA6-8B5699E82B0C}"/>
+          <p:cNvPr id="1026" name="Picture 2">
+            <a:extLst>
+              <a:ext uri="{FF2B5EF4-FFF2-40B4-BE49-F238E27FC236}">
+                <a16:creationId xmlns:a16="http://schemas.microsoft.com/office/drawing/2014/main" id="{F9E9D58B-2241-74DB-5A17-EE3203E611D2}"/>
               </a:ext>
             </a:extLst>
           </p:cNvPr>
           <p:cNvPicPr>
-            <a:picLocks noChangeAspect="1"/>
+            <a:picLocks noChangeAspect="1" noChangeArrowheads="1"/>
           </p:cNvPicPr>
           <p:nvPr/>
         </p:nvPicPr>
         <p:blipFill>
-          <a:blip r:embed="rId2"/>
+          <a:blip r:embed="rId2">
+            <a:extLst>
+              <a:ext uri="{28A0092B-C50C-407E-A947-70E740481C1C}">
+                <a14:useLocalDpi xmlns:a14="http://schemas.microsoft.com/office/drawing/2010/main" val="0"/>
+              </a:ext>
+            </a:extLst>
+          </a:blip>
+          <a:srcRect/>
           <a:stretch>
             <a:fillRect/>
           </a:stretch>
         </p:blipFill>
-        <p:spPr>
-          <a:xfrm>
-            <a:off x="3683631" y="890905"/>
-            <a:ext cx="5274310" cy="5076190"/>
+        <p:spPr bwMode="auto">
+          <a:xfrm>
+            <a:off x="3395663" y="761999"/>
+            <a:ext cx="6083617" cy="6008511"/>
           </a:xfrm>
           <a:prstGeom prst="rect">
             <a:avLst/>
           </a:prstGeom>
+          <a:noFill/>
+          <a:extLst>
+            <a:ext uri="{909E8E84-426E-40DD-AFC4-6F175D3DCCD1}">
+              <a14:hiddenFill xmlns:a14="http://schemas.microsoft.com/office/drawing/2010/main">
+                <a:solidFill>
+                  <a:srgbClr val="FFFFFF"/>
+                </a:solidFill>
+              </a14:hiddenFill>
+            </a:ext>
+          </a:extLst>
         </p:spPr>
       </p:pic>
     </p:spTree>
@@ -18643,10 +18599,9 @@
           <a:lstStyle/>
           <a:p>
             <a:r>
-              <a:rPr lang="fr-FR" dirty="0" smtClean="0"/>
+              <a:rPr lang="fr-FR" dirty="0"/>
               <a:t>Gestion de projet</a:t>
             </a:r>
-            <a:endParaRPr lang="fr-FR" dirty="0"/>
           </a:p>
         </p:txBody>
       </p:sp>
@@ -18666,44 +18621,44 @@
           <a:lstStyle/>
           <a:p>
             <a:r>
-              <a:rPr lang="fr-FR" dirty="0" smtClean="0"/>
+              <a:rPr lang="fr-FR" dirty="0"/>
               <a:t>5 sprints répartis sur 10 semaines</a:t>
             </a:r>
           </a:p>
           <a:p>
             <a:r>
-              <a:rPr lang="fr-FR" dirty="0" smtClean="0"/>
+              <a:rPr lang="fr-FR" dirty="0"/>
               <a:t>Suivi des tâches avec </a:t>
             </a:r>
             <a:r>
-              <a:rPr lang="fr-FR" dirty="0" err="1" smtClean="0"/>
+              <a:rPr lang="fr-FR" dirty="0" err="1"/>
               <a:t>Github</a:t>
             </a:r>
-            <a:endParaRPr lang="fr-FR" dirty="0" smtClean="0"/>
-          </a:p>
-          <a:p>
-            <a:r>
-              <a:rPr lang="fr-FR" dirty="0" smtClean="0"/>
+            <a:endParaRPr lang="fr-FR" dirty="0"/>
+          </a:p>
+          <a:p>
+            <a:r>
+              <a:rPr lang="fr-FR" dirty="0"/>
               <a:t>Utilisation de Git </a:t>
             </a:r>
             <a:r>
-              <a:rPr lang="fr-FR" dirty="0" err="1" smtClean="0"/>
+              <a:rPr lang="fr-FR" dirty="0" err="1"/>
               <a:t>bash</a:t>
             </a:r>
             <a:r>
-              <a:rPr lang="fr-FR" dirty="0" smtClean="0"/>
+              <a:rPr lang="fr-FR" dirty="0"/>
               <a:t> </a:t>
             </a:r>
           </a:p>
           <a:p>
             <a:r>
-              <a:rPr lang="fr-FR" dirty="0" smtClean="0"/>
+              <a:rPr lang="fr-FR" dirty="0"/>
               <a:t>Points hebdomadaires</a:t>
             </a:r>
           </a:p>
           <a:p>
             <a:r>
-              <a:rPr lang="fr-FR" dirty="0" smtClean="0"/>
+              <a:rPr lang="fr-FR" dirty="0"/>
               <a:t>Répartition des tâches par zone</a:t>
             </a:r>
           </a:p>
@@ -19543,18 +19498,18 @@
 </file>
 
 <file path=customXml/item1.xml><?xml version="1.0" encoding="utf-8"?>
+<p:properties xmlns:p="http://schemas.microsoft.com/office/2006/metadata/properties" xmlns:xsi="http://www.w3.org/2001/XMLSchema-instance" xmlns:pc="http://schemas.microsoft.com/office/infopath/2007/PartnerControls">
+  <documentManagement/>
+</p:properties>
+</file>
+
+<file path=customXml/item2.xml><?xml version="1.0" encoding="utf-8"?>
 <?mso-contentType ?>
 <FormTemplates xmlns="http://schemas.microsoft.com/sharepoint/v3/contenttype/forms">
   <Display>DocumentLibraryForm</Display>
   <Edit>DocumentLibraryForm</Edit>
   <New>DocumentLibraryForm</New>
 </FormTemplates>
-</file>
-
-<file path=customXml/item2.xml><?xml version="1.0" encoding="utf-8"?>
-<p:properties xmlns:p="http://schemas.microsoft.com/office/2006/metadata/properties" xmlns:xsi="http://www.w3.org/2001/XMLSchema-instance" xmlns:pc="http://schemas.microsoft.com/office/infopath/2007/PartnerControls">
-  <documentManagement/>
-</p:properties>
 </file>
 
 <file path=customXml/item3.xml><?xml version="1.0" encoding="utf-8"?>
@@ -19690,14 +19645,6 @@
 </file>
 
 <file path=customXml/itemProps1.xml><?xml version="1.0" encoding="utf-8"?>
-<ds:datastoreItem xmlns:ds="http://schemas.openxmlformats.org/officeDocument/2006/customXml" ds:itemID="{6216BF83-BC37-4FA3-93AF-55DBFC07FBB9}">
-  <ds:schemaRefs>
-    <ds:schemaRef ds:uri="http://schemas.microsoft.com/sharepoint/v3/contenttype/forms"/>
-  </ds:schemaRefs>
-</ds:datastoreItem>
-</file>
-
-<file path=customXml/itemProps2.xml><?xml version="1.0" encoding="utf-8"?>
 <ds:datastoreItem xmlns:ds="http://schemas.openxmlformats.org/officeDocument/2006/customXml" ds:itemID="{9A042760-9A7A-479B-B4D8-612EBC1AFF18}">
   <ds:schemaRefs>
     <ds:schemaRef ds:uri="http://schemas.microsoft.com/office/2006/metadata/properties"/>
@@ -19709,6 +19656,14 @@
     <ds:schemaRef ds:uri="http://schemas.microsoft.com/office/2006/documentManagement/types"/>
     <ds:schemaRef ds:uri="http://schemas.microsoft.com/office/infopath/2007/PartnerControls"/>
     <ds:schemaRef ds:uri="88e89e40-c19a-48d0-a0b6-11184f7f918e"/>
+  </ds:schemaRefs>
+</ds:datastoreItem>
+</file>
+
+<file path=customXml/itemProps2.xml><?xml version="1.0" encoding="utf-8"?>
+<ds:datastoreItem xmlns:ds="http://schemas.openxmlformats.org/officeDocument/2006/customXml" ds:itemID="{6216BF83-BC37-4FA3-93AF-55DBFC07FBB9}">
+  <ds:schemaRefs>
+    <ds:schemaRef ds:uri="http://schemas.microsoft.com/sharepoint/v3/contenttype/forms"/>
   </ds:schemaRefs>
 </ds:datastoreItem>
 </file>

--- a/Docs/Gestion des accès au bâtiment.pptx
+++ b/Docs/Gestion des accès au bâtiment.pptx
@@ -14441,12 +14441,8 @@
           <a:lstStyle/>
           <a:p>
             <a:r>
-              <a:rPr lang="fr-FR" dirty="0"/>
-              <a:t>Gestion des accès </a:t>
-            </a:r>
-            <a:r>
-              <a:rPr lang="fr-FR"/>
-              <a:t>au bâtiment</a:t>
+              <a:rPr lang="fr-FR" sz="3200" dirty="0"/>
+              <a:t>Gestion des accès à la salle</a:t>
             </a:r>
             <a:br>
               <a:rPr lang="fr-FR" dirty="0"/>
@@ -19498,18 +19494,18 @@
 </file>
 
 <file path=customXml/item1.xml><?xml version="1.0" encoding="utf-8"?>
-<p:properties xmlns:p="http://schemas.microsoft.com/office/2006/metadata/properties" xmlns:xsi="http://www.w3.org/2001/XMLSchema-instance" xmlns:pc="http://schemas.microsoft.com/office/infopath/2007/PartnerControls">
-  <documentManagement/>
-</p:properties>
-</file>
-
-<file path=customXml/item2.xml><?xml version="1.0" encoding="utf-8"?>
 <?mso-contentType ?>
 <FormTemplates xmlns="http://schemas.microsoft.com/sharepoint/v3/contenttype/forms">
   <Display>DocumentLibraryForm</Display>
   <Edit>DocumentLibraryForm</Edit>
   <New>DocumentLibraryForm</New>
 </FormTemplates>
+</file>
+
+<file path=customXml/item2.xml><?xml version="1.0" encoding="utf-8"?>
+<p:properties xmlns:p="http://schemas.microsoft.com/office/2006/metadata/properties" xmlns:xsi="http://www.w3.org/2001/XMLSchema-instance" xmlns:pc="http://schemas.microsoft.com/office/infopath/2007/PartnerControls">
+  <documentManagement/>
+</p:properties>
 </file>
 
 <file path=customXml/item3.xml><?xml version="1.0" encoding="utf-8"?>
@@ -19645,6 +19641,14 @@
 </file>
 
 <file path=customXml/itemProps1.xml><?xml version="1.0" encoding="utf-8"?>
+<ds:datastoreItem xmlns:ds="http://schemas.openxmlformats.org/officeDocument/2006/customXml" ds:itemID="{6216BF83-BC37-4FA3-93AF-55DBFC07FBB9}">
+  <ds:schemaRefs>
+    <ds:schemaRef ds:uri="http://schemas.microsoft.com/sharepoint/v3/contenttype/forms"/>
+  </ds:schemaRefs>
+</ds:datastoreItem>
+</file>
+
+<file path=customXml/itemProps2.xml><?xml version="1.0" encoding="utf-8"?>
 <ds:datastoreItem xmlns:ds="http://schemas.openxmlformats.org/officeDocument/2006/customXml" ds:itemID="{9A042760-9A7A-479B-B4D8-612EBC1AFF18}">
   <ds:schemaRefs>
     <ds:schemaRef ds:uri="http://schemas.microsoft.com/office/2006/metadata/properties"/>
@@ -19656,14 +19660,6 @@
     <ds:schemaRef ds:uri="http://schemas.microsoft.com/office/2006/documentManagement/types"/>
     <ds:schemaRef ds:uri="http://schemas.microsoft.com/office/infopath/2007/PartnerControls"/>
     <ds:schemaRef ds:uri="88e89e40-c19a-48d0-a0b6-11184f7f918e"/>
-  </ds:schemaRefs>
-</ds:datastoreItem>
-</file>
-
-<file path=customXml/itemProps2.xml><?xml version="1.0" encoding="utf-8"?>
-<ds:datastoreItem xmlns:ds="http://schemas.openxmlformats.org/officeDocument/2006/customXml" ds:itemID="{6216BF83-BC37-4FA3-93AF-55DBFC07FBB9}">
-  <ds:schemaRefs>
-    <ds:schemaRef ds:uri="http://schemas.microsoft.com/sharepoint/v3/contenttype/forms"/>
   </ds:schemaRefs>
 </ds:datastoreItem>
 </file>
